--- a/SDM.pptx
+++ b/SDM.pptx
@@ -5,26 +5,27 @@
     <p:sldMasterId id="2147483648" r:id="rId1"/>
   </p:sldMasterIdLst>
   <p:notesMasterIdLst>
-    <p:notesMasterId r:id="rId19"/>
+    <p:notesMasterId r:id="rId20"/>
   </p:notesMasterIdLst>
   <p:sldIdLst>
     <p:sldId id="1596" r:id="rId2"/>
-    <p:sldId id="1597" r:id="rId3"/>
-    <p:sldId id="1598" r:id="rId4"/>
-    <p:sldId id="1600" r:id="rId5"/>
-    <p:sldId id="1599" r:id="rId6"/>
-    <p:sldId id="1601" r:id="rId7"/>
-    <p:sldId id="1602" r:id="rId8"/>
-    <p:sldId id="1603" r:id="rId9"/>
-    <p:sldId id="1604" r:id="rId10"/>
-    <p:sldId id="1605" r:id="rId11"/>
-    <p:sldId id="1606" r:id="rId12"/>
-    <p:sldId id="1607" r:id="rId13"/>
-    <p:sldId id="1608" r:id="rId14"/>
-    <p:sldId id="1609" r:id="rId15"/>
-    <p:sldId id="1610" r:id="rId16"/>
-    <p:sldId id="1611" r:id="rId17"/>
-    <p:sldId id="1555" r:id="rId18"/>
+    <p:sldId id="1612" r:id="rId3"/>
+    <p:sldId id="1597" r:id="rId4"/>
+    <p:sldId id="1598" r:id="rId5"/>
+    <p:sldId id="1600" r:id="rId6"/>
+    <p:sldId id="1599" r:id="rId7"/>
+    <p:sldId id="1601" r:id="rId8"/>
+    <p:sldId id="1602" r:id="rId9"/>
+    <p:sldId id="1603" r:id="rId10"/>
+    <p:sldId id="1604" r:id="rId11"/>
+    <p:sldId id="1605" r:id="rId12"/>
+    <p:sldId id="1606" r:id="rId13"/>
+    <p:sldId id="1607" r:id="rId14"/>
+    <p:sldId id="1608" r:id="rId15"/>
+    <p:sldId id="1609" r:id="rId16"/>
+    <p:sldId id="1610" r:id="rId17"/>
+    <p:sldId id="1611" r:id="rId18"/>
+    <p:sldId id="1555" r:id="rId19"/>
   </p:sldIdLst>
   <p:sldSz cx="12192000" cy="6858000"/>
   <p:notesSz cx="6858000" cy="9144000"/>
@@ -412,7 +413,7 @@
           <a:p>
             <a:fld id="{0D7A80AD-75C0-4139-8349-D7A56AAE3422}" type="datetimeFigureOut">
               <a:rPr lang="ko-KR" altLang="en-US" smtClean="0"/>
-              <a:t>2023-09-26</a:t>
+              <a:t>2023-09-27</a:t>
             </a:fld>
             <a:endParaRPr lang="ko-KR" altLang="en-US"/>
           </a:p>
@@ -679,6 +680,90 @@
 </p:notesMaster>
 </file>
 
+<file path=ppt/notesSlides/notesSlide1.xml><?xml version="1.0" encoding="utf-8"?>
+<p:notes xmlns:a="http://schemas.openxmlformats.org/drawingml/2006/main" xmlns:r="http://schemas.openxmlformats.org/officeDocument/2006/relationships" xmlns:p="http://schemas.openxmlformats.org/presentationml/2006/main">
+  <p:cSld>
+    <p:spTree>
+      <p:nvGrpSpPr>
+        <p:cNvPr id="1" name=""/>
+        <p:cNvGrpSpPr/>
+        <p:nvPr/>
+      </p:nvGrpSpPr>
+      <p:grpSpPr>
+        <a:xfrm>
+          <a:off x="0" y="0"/>
+          <a:ext cx="0" cy="0"/>
+          <a:chOff x="0" y="0"/>
+          <a:chExt cx="0" cy="0"/>
+        </a:xfrm>
+      </p:grpSpPr>
+      <p:sp>
+        <p:nvSpPr>
+          <p:cNvPr id="2" name="Slide Image Placeholder 1"/>
+          <p:cNvSpPr>
+            <a:spLocks noGrp="1" noRot="1" noChangeAspect="1"/>
+          </p:cNvSpPr>
+          <p:nvPr>
+            <p:ph type="sldImg"/>
+          </p:nvPr>
+        </p:nvSpPr>
+        <p:spPr/>
+      </p:sp>
+      <p:sp>
+        <p:nvSpPr>
+          <p:cNvPr id="3" name="Notes Placeholder 2"/>
+          <p:cNvSpPr>
+            <a:spLocks noGrp="1"/>
+          </p:cNvSpPr>
+          <p:nvPr>
+            <p:ph type="body" idx="1"/>
+          </p:nvPr>
+        </p:nvSpPr>
+        <p:spPr/>
+        <p:txBody>
+          <a:bodyPr/>
+          <a:lstStyle/>
+          <a:p>
+            <a:endParaRPr lang="en-US" dirty="0"/>
+          </a:p>
+        </p:txBody>
+      </p:sp>
+      <p:sp>
+        <p:nvSpPr>
+          <p:cNvPr id="4" name="Slide Number Placeholder 3"/>
+          <p:cNvSpPr>
+            <a:spLocks noGrp="1"/>
+          </p:cNvSpPr>
+          <p:nvPr>
+            <p:ph type="sldNum" sz="quarter" idx="5"/>
+          </p:nvPr>
+        </p:nvSpPr>
+        <p:spPr/>
+        <p:txBody>
+          <a:bodyPr/>
+          <a:lstStyle/>
+          <a:p>
+            <a:fld id="{79B06930-2FBF-4BDF-BB7A-ED0F3C0B8516}" type="slidenum">
+              <a:rPr lang="ko-KR" altLang="en-US" smtClean="0"/>
+              <a:t>1</a:t>
+            </a:fld>
+            <a:endParaRPr lang="ko-KR" altLang="en-US"/>
+          </a:p>
+        </p:txBody>
+      </p:sp>
+    </p:spTree>
+    <p:extLst>
+      <p:ext uri="{BB962C8B-B14F-4D97-AF65-F5344CB8AC3E}">
+        <p14:creationId xmlns:p14="http://schemas.microsoft.com/office/powerpoint/2010/main" val="2921218921"/>
+      </p:ext>
+    </p:extLst>
+  </p:cSld>
+  <p:clrMapOvr>
+    <a:masterClrMapping/>
+  </p:clrMapOvr>
+</p:notes>
+</file>
+
 <file path=ppt/slideLayouts/slideLayout1.xml><?xml version="1.0" encoding="utf-8"?>
 <p:sldLayout xmlns:a="http://schemas.openxmlformats.org/drawingml/2006/main" xmlns:r="http://schemas.openxmlformats.org/officeDocument/2006/relationships" xmlns:p="http://schemas.openxmlformats.org/presentationml/2006/main" type="title" preserve="1">
   <p:cSld name="제목 슬라이드">
@@ -832,7 +917,7 @@
           <a:p>
             <a:fld id="{3DF3EF48-9CCD-4EE9-BB40-4739D0DAE972}" type="datetime1">
               <a:rPr lang="ko-KR" altLang="en-US" smtClean="0"/>
-              <a:t>2023-09-26</a:t>
+              <a:t>2023-09-27</a:t>
             </a:fld>
             <a:endParaRPr lang="ko-KR" altLang="en-US"/>
           </a:p>
@@ -1103,7 +1188,7 @@
           <a:p>
             <a:fld id="{9E45620A-9A66-47B0-9218-43F171A33458}" type="datetime1">
               <a:rPr lang="ko-KR" altLang="en-US" smtClean="0"/>
-              <a:t>2023-09-26</a:t>
+              <a:t>2023-09-27</a:t>
             </a:fld>
             <a:endParaRPr lang="ko-KR" altLang="en-US"/>
           </a:p>
@@ -1379,7 +1464,7 @@
           <a:p>
             <a:fld id="{C1E586D9-B5F3-454A-8918-B4C99ED5AEDE}" type="datetime1">
               <a:rPr lang="ko-KR" altLang="en-US" smtClean="0"/>
-              <a:t>2023-09-26</a:t>
+              <a:t>2023-09-27</a:t>
             </a:fld>
             <a:endParaRPr lang="ko-KR" altLang="en-US"/>
           </a:p>
@@ -1603,7 +1688,7 @@
           <a:p>
             <a:fld id="{B0E4ADD3-F434-478C-876A-1D3933DF4707}" type="datetime1">
               <a:rPr lang="ko-KR" altLang="en-US" smtClean="0"/>
-              <a:t>2023-09-26</a:t>
+              <a:t>2023-09-27</a:t>
             </a:fld>
             <a:endParaRPr lang="ko-KR" altLang="en-US"/>
           </a:p>
@@ -1957,7 +2042,7 @@
           <a:p>
             <a:fld id="{38DF26BB-6A75-410D-A6B0-8FD34915C10D}" type="datetime1">
               <a:rPr lang="ko-KR" altLang="en-US" smtClean="0"/>
-              <a:t>2023-09-26</a:t>
+              <a:t>2023-09-27</a:t>
             </a:fld>
             <a:endParaRPr lang="ko-KR" altLang="en-US"/>
           </a:p>
@@ -2337,7 +2422,7 @@
           <a:p>
             <a:fld id="{4584CDF8-1723-475A-8393-34F016E9B184}" type="datetime1">
               <a:rPr lang="ko-KR" altLang="en-US" smtClean="0"/>
-              <a:t>2023-09-26</a:t>
+              <a:t>2023-09-27</a:t>
             </a:fld>
             <a:endParaRPr lang="ko-KR" altLang="en-US"/>
           </a:p>
@@ -2817,7 +2902,7 @@
           <a:p>
             <a:fld id="{FB8CCD4A-1F8C-4D3E-BDD6-84C4090AF0D6}" type="datetime1">
               <a:rPr lang="ko-KR" altLang="en-US" smtClean="0"/>
-              <a:t>2023-09-26</a:t>
+              <a:t>2023-09-27</a:t>
             </a:fld>
             <a:endParaRPr lang="ko-KR" altLang="en-US"/>
           </a:p>
@@ -2958,7 +3043,7 @@
           <a:p>
             <a:fld id="{CE073545-46C1-49FB-A041-5415163523D0}" type="datetime1">
               <a:rPr lang="ko-KR" altLang="en-US" smtClean="0"/>
-              <a:t>2023-09-26</a:t>
+              <a:t>2023-09-27</a:t>
             </a:fld>
             <a:endParaRPr lang="ko-KR" altLang="en-US"/>
           </a:p>
@@ -3139,7 +3224,7 @@
           <a:p>
             <a:fld id="{7EDBC6A4-6274-4803-89FF-1DA18D4FE7AA}" type="datetime1">
               <a:rPr lang="ko-KR" altLang="en-US" smtClean="0"/>
-              <a:t>2023-09-26</a:t>
+              <a:t>2023-09-27</a:t>
             </a:fld>
             <a:endParaRPr lang="ko-KR" altLang="en-US"/>
           </a:p>
@@ -3450,7 +3535,7 @@
           <a:p>
             <a:fld id="{B84A353D-6971-4305-AB04-6AEE4DD0E048}" type="datetime1">
               <a:rPr lang="ko-KR" altLang="en-US" smtClean="0"/>
-              <a:t>2023-09-26</a:t>
+              <a:t>2023-09-27</a:t>
             </a:fld>
             <a:endParaRPr lang="ko-KR" altLang="en-US"/>
           </a:p>
@@ -3738,7 +3823,7 @@
           <a:p>
             <a:fld id="{4AC75523-461B-44DB-AD97-7C06B206BE7B}" type="datetime1">
               <a:rPr lang="ko-KR" altLang="en-US" smtClean="0"/>
-              <a:t>2023-09-26</a:t>
+              <a:t>2023-09-27</a:t>
             </a:fld>
             <a:endParaRPr lang="ko-KR" altLang="en-US"/>
           </a:p>
@@ -3983,7 +4068,7 @@
           <a:p>
             <a:fld id="{9D1D2423-15C0-4D7C-B759-40ACCC100800}" type="datetime1">
               <a:rPr lang="ko-KR" altLang="en-US" smtClean="0"/>
-              <a:t>2023-09-26</a:t>
+              <a:t>2023-09-27</a:t>
             </a:fld>
             <a:endParaRPr lang="ko-KR" altLang="en-US"/>
           </a:p>
@@ -4812,6 +4897,571 @@
           <p:cNvPr id="2" name="Title 1">
             <a:extLst>
               <a:ext uri="{FF2B5EF4-FFF2-40B4-BE49-F238E27FC236}">
+                <a16:creationId xmlns:a16="http://schemas.microsoft.com/office/drawing/2014/main" id="{55825A48-323A-30C9-6A16-86D66D19B812}"/>
+              </a:ext>
+            </a:extLst>
+          </p:cNvPr>
+          <p:cNvSpPr>
+            <a:spLocks noGrp="1"/>
+          </p:cNvSpPr>
+          <p:nvPr>
+            <p:ph type="title"/>
+          </p:nvPr>
+        </p:nvSpPr>
+        <p:spPr/>
+        <p:txBody>
+          <a:bodyPr/>
+          <a:lstStyle/>
+          <a:p>
+            <a:r>
+              <a:rPr lang="en-US" sz="1800" b="1" dirty="0">
+                <a:effectLst/>
+                <a:latin typeface="Arial" panose="020B0604020202020204" pitchFamily="34" charset="0"/>
+                <a:ea typeface="Arial" panose="020B0604020202020204" pitchFamily="34" charset="0"/>
+              </a:rPr>
+              <a:t>Multi-Antenna</a:t>
+            </a:r>
+            <a:r>
+              <a:rPr lang="en-US" sz="1800" b="1" spc="-15" dirty="0">
+                <a:effectLst/>
+                <a:latin typeface="Arial" panose="020B0604020202020204" pitchFamily="34" charset="0"/>
+                <a:ea typeface="Arial" panose="020B0604020202020204" pitchFamily="34" charset="0"/>
+              </a:rPr>
+              <a:t> </a:t>
+            </a:r>
+            <a:r>
+              <a:rPr lang="en-US" sz="1800" b="1" dirty="0">
+                <a:effectLst/>
+                <a:latin typeface="Arial" panose="020B0604020202020204" pitchFamily="34" charset="0"/>
+                <a:ea typeface="Arial" panose="020B0604020202020204" pitchFamily="34" charset="0"/>
+              </a:rPr>
+              <a:t>Link:</a:t>
+            </a:r>
+            <a:r>
+              <a:rPr lang="en-US" sz="1800" b="1" spc="-10" dirty="0">
+                <a:effectLst/>
+                <a:latin typeface="Arial" panose="020B0604020202020204" pitchFamily="34" charset="0"/>
+                <a:ea typeface="Arial" panose="020B0604020202020204" pitchFamily="34" charset="0"/>
+              </a:rPr>
+              <a:t> </a:t>
+            </a:r>
+            <a:r>
+              <a:rPr lang="en-US" sz="1800" b="1" dirty="0">
+                <a:effectLst/>
+                <a:latin typeface="Arial" panose="020B0604020202020204" pitchFamily="34" charset="0"/>
+                <a:ea typeface="Arial" panose="020B0604020202020204" pitchFamily="34" charset="0"/>
+              </a:rPr>
+              <a:t>Signal</a:t>
+            </a:r>
+            <a:r>
+              <a:rPr lang="en-US" sz="1800" b="1" spc="-10" dirty="0">
+                <a:effectLst/>
+                <a:latin typeface="Arial" panose="020B0604020202020204" pitchFamily="34" charset="0"/>
+                <a:ea typeface="Arial" panose="020B0604020202020204" pitchFamily="34" charset="0"/>
+              </a:rPr>
+              <a:t> </a:t>
+            </a:r>
+            <a:r>
+              <a:rPr lang="en-US" sz="1800" b="1" dirty="0">
+                <a:effectLst/>
+                <a:latin typeface="Arial" panose="020B0604020202020204" pitchFamily="34" charset="0"/>
+                <a:ea typeface="Arial" panose="020B0604020202020204" pitchFamily="34" charset="0"/>
+              </a:rPr>
+              <a:t>model and</a:t>
+            </a:r>
+            <a:r>
+              <a:rPr lang="en-US" sz="1800" b="1" spc="-25" dirty="0">
+                <a:effectLst/>
+                <a:latin typeface="Arial" panose="020B0604020202020204" pitchFamily="34" charset="0"/>
+                <a:ea typeface="Arial" panose="020B0604020202020204" pitchFamily="34" charset="0"/>
+              </a:rPr>
+              <a:t> </a:t>
+            </a:r>
+            <a:r>
+              <a:rPr lang="en-US" sz="1800" b="1" dirty="0">
+                <a:effectLst/>
+                <a:latin typeface="Arial" panose="020B0604020202020204" pitchFamily="34" charset="0"/>
+                <a:ea typeface="Arial" panose="020B0604020202020204" pitchFamily="34" charset="0"/>
+              </a:rPr>
+              <a:t>SDM techniques</a:t>
+            </a:r>
+            <a:endParaRPr lang="en-US" dirty="0"/>
+          </a:p>
+        </p:txBody>
+      </p:sp>
+      <p:sp>
+        <p:nvSpPr>
+          <p:cNvPr id="3" name="Content Placeholder 2">
+            <a:extLst>
+              <a:ext uri="{FF2B5EF4-FFF2-40B4-BE49-F238E27FC236}">
+                <a16:creationId xmlns:a16="http://schemas.microsoft.com/office/drawing/2014/main" id="{98A93A0E-6621-7397-ACE8-9C26F53E2036}"/>
+              </a:ext>
+            </a:extLst>
+          </p:cNvPr>
+          <p:cNvSpPr>
+            <a:spLocks noGrp="1"/>
+          </p:cNvSpPr>
+          <p:nvPr>
+            <p:ph idx="1"/>
+          </p:nvPr>
+        </p:nvSpPr>
+        <p:spPr>
+          <a:xfrm>
+            <a:off x="838200" y="1649691"/>
+            <a:ext cx="11353800" cy="5071784"/>
+          </a:xfrm>
+        </p:spPr>
+        <p:txBody>
+          <a:bodyPr/>
+          <a:lstStyle/>
+          <a:p>
+            <a:pPr>
+              <a:lnSpc>
+                <a:spcPct val="150000"/>
+              </a:lnSpc>
+            </a:pPr>
+            <a:r>
+              <a:rPr lang="en-US" sz="1800" dirty="0">
+                <a:effectLst/>
+                <a:latin typeface="Times New Roman" panose="02020603050405020304" pitchFamily="18" charset="0"/>
+                <a:ea typeface="Times New Roman" panose="02020603050405020304" pitchFamily="18" charset="0"/>
+              </a:rPr>
+              <a:t>One way to increase the capacity of wireless communication systems is by exploiting the spatial</a:t>
+            </a:r>
+            <a:r>
+              <a:rPr lang="en-US" sz="1800" spc="5" dirty="0">
+                <a:effectLst/>
+                <a:latin typeface="Times New Roman" panose="02020603050405020304" pitchFamily="18" charset="0"/>
+                <a:ea typeface="Times New Roman" panose="02020603050405020304" pitchFamily="18" charset="0"/>
+              </a:rPr>
+              <a:t> </a:t>
+            </a:r>
+            <a:r>
+              <a:rPr lang="en-US" sz="1800" dirty="0">
+                <a:effectLst/>
+                <a:latin typeface="Times New Roman" panose="02020603050405020304" pitchFamily="18" charset="0"/>
+                <a:ea typeface="Times New Roman" panose="02020603050405020304" pitchFamily="18" charset="0"/>
+              </a:rPr>
+              <a:t>dimension using        multiple antennas at the receiver as well as at the transmitter. This type of transmission is </a:t>
+            </a:r>
+            <a:r>
+              <a:rPr lang="en-US" sz="1800" dirty="0">
+                <a:solidFill>
+                  <a:schemeClr val="accent1">
+                    <a:lumMod val="75000"/>
+                  </a:schemeClr>
+                </a:solidFill>
+                <a:effectLst/>
+                <a:latin typeface="Times New Roman" panose="02020603050405020304" pitchFamily="18" charset="0"/>
+                <a:ea typeface="Times New Roman" panose="02020603050405020304" pitchFamily="18" charset="0"/>
+              </a:rPr>
+              <a:t>called Space Division               Multiplexing (SDM). </a:t>
+            </a:r>
+            <a:endParaRPr lang="en-US" sz="1800" dirty="0">
+              <a:solidFill>
+                <a:schemeClr val="accent1">
+                  <a:lumMod val="75000"/>
+                </a:schemeClr>
+              </a:solidFill>
+              <a:latin typeface="Times New Roman" panose="02020603050405020304" pitchFamily="18" charset="0"/>
+              <a:ea typeface="Times New Roman" panose="02020603050405020304" pitchFamily="18" charset="0"/>
+            </a:endParaRPr>
+          </a:p>
+          <a:p>
+            <a:pPr>
+              <a:lnSpc>
+                <a:spcPct val="150000"/>
+              </a:lnSpc>
+            </a:pPr>
+            <a:r>
+              <a:rPr lang="en-US" sz="1800" dirty="0">
+                <a:effectLst/>
+                <a:latin typeface="Times New Roman" panose="02020603050405020304" pitchFamily="18" charset="0"/>
+                <a:ea typeface="Times New Roman" panose="02020603050405020304" pitchFamily="18" charset="0"/>
+              </a:rPr>
+              <a:t>In this</a:t>
+            </a:r>
+            <a:r>
+              <a:rPr lang="en-US" sz="1800" spc="5" dirty="0">
+                <a:effectLst/>
+                <a:latin typeface="Times New Roman" panose="02020603050405020304" pitchFamily="18" charset="0"/>
+                <a:ea typeface="Times New Roman" panose="02020603050405020304" pitchFamily="18" charset="0"/>
+              </a:rPr>
+              <a:t> </a:t>
+            </a:r>
+            <a:r>
+              <a:rPr lang="en-US" sz="1800" dirty="0">
+                <a:effectLst/>
+                <a:latin typeface="Times New Roman" panose="02020603050405020304" pitchFamily="18" charset="0"/>
+                <a:ea typeface="Times New Roman" panose="02020603050405020304" pitchFamily="18" charset="0"/>
+              </a:rPr>
+              <a:t>chapter,</a:t>
+            </a:r>
+            <a:r>
+              <a:rPr lang="en-US" sz="1800" spc="5" dirty="0">
+                <a:effectLst/>
+                <a:latin typeface="Times New Roman" panose="02020603050405020304" pitchFamily="18" charset="0"/>
+                <a:ea typeface="Times New Roman" panose="02020603050405020304" pitchFamily="18" charset="0"/>
+              </a:rPr>
+              <a:t> </a:t>
+            </a:r>
+            <a:r>
+              <a:rPr lang="en-US" sz="1800" dirty="0">
+                <a:effectLst/>
+                <a:latin typeface="Times New Roman" panose="02020603050405020304" pitchFamily="18" charset="0"/>
+                <a:ea typeface="Times New Roman" panose="02020603050405020304" pitchFamily="18" charset="0"/>
+              </a:rPr>
+              <a:t>a</a:t>
+            </a:r>
+            <a:r>
+              <a:rPr lang="en-US" sz="1800" spc="5" dirty="0">
+                <a:effectLst/>
+                <a:latin typeface="Times New Roman" panose="02020603050405020304" pitchFamily="18" charset="0"/>
+                <a:ea typeface="Times New Roman" panose="02020603050405020304" pitchFamily="18" charset="0"/>
+              </a:rPr>
+              <a:t> </a:t>
+            </a:r>
+            <a:r>
+              <a:rPr lang="en-US" sz="1800" dirty="0">
+                <a:effectLst/>
+                <a:latin typeface="Times New Roman" panose="02020603050405020304" pitchFamily="18" charset="0"/>
+                <a:ea typeface="Times New Roman" panose="02020603050405020304" pitchFamily="18" charset="0"/>
+              </a:rPr>
+              <a:t>number</a:t>
+            </a:r>
+            <a:r>
+              <a:rPr lang="en-US" sz="1800" spc="5" dirty="0">
+                <a:effectLst/>
+                <a:latin typeface="Times New Roman" panose="02020603050405020304" pitchFamily="18" charset="0"/>
+                <a:ea typeface="Times New Roman" panose="02020603050405020304" pitchFamily="18" charset="0"/>
+              </a:rPr>
+              <a:t> </a:t>
+            </a:r>
+            <a:r>
+              <a:rPr lang="en-US" sz="1800" dirty="0">
+                <a:effectLst/>
+                <a:latin typeface="Times New Roman" panose="02020603050405020304" pitchFamily="18" charset="0"/>
+                <a:ea typeface="Times New Roman" panose="02020603050405020304" pitchFamily="18" charset="0"/>
+              </a:rPr>
+              <a:t>of</a:t>
+            </a:r>
+            <a:r>
+              <a:rPr lang="en-US" sz="1800" spc="5" dirty="0">
+                <a:effectLst/>
+                <a:latin typeface="Times New Roman" panose="02020603050405020304" pitchFamily="18" charset="0"/>
+                <a:ea typeface="Times New Roman" panose="02020603050405020304" pitchFamily="18" charset="0"/>
+              </a:rPr>
+              <a:t> </a:t>
+            </a:r>
+            <a:r>
+              <a:rPr lang="en-US" sz="1800" dirty="0">
+                <a:effectLst/>
+                <a:latin typeface="Times New Roman" panose="02020603050405020304" pitchFamily="18" charset="0"/>
+                <a:ea typeface="Times New Roman" panose="02020603050405020304" pitchFamily="18" charset="0"/>
+              </a:rPr>
+              <a:t>different</a:t>
+            </a:r>
+            <a:r>
+              <a:rPr lang="en-US" sz="1800" spc="5" dirty="0">
+                <a:effectLst/>
+                <a:latin typeface="Times New Roman" panose="02020603050405020304" pitchFamily="18" charset="0"/>
+                <a:ea typeface="Times New Roman" panose="02020603050405020304" pitchFamily="18" charset="0"/>
+              </a:rPr>
+              <a:t> </a:t>
+            </a:r>
+            <a:r>
+              <a:rPr lang="en-US" sz="1800" dirty="0">
+                <a:effectLst/>
+                <a:latin typeface="Times New Roman" panose="02020603050405020304" pitchFamily="18" charset="0"/>
+                <a:ea typeface="Times New Roman" panose="02020603050405020304" pitchFamily="18" charset="0"/>
+              </a:rPr>
+              <a:t>decoding</a:t>
+            </a:r>
+            <a:r>
+              <a:rPr lang="en-US" sz="1800" spc="5" dirty="0">
+                <a:effectLst/>
+                <a:latin typeface="Times New Roman" panose="02020603050405020304" pitchFamily="18" charset="0"/>
+                <a:ea typeface="Times New Roman" panose="02020603050405020304" pitchFamily="18" charset="0"/>
+              </a:rPr>
+              <a:t> </a:t>
+            </a:r>
+            <a:r>
+              <a:rPr lang="en-US" sz="1800" dirty="0">
+                <a:solidFill>
+                  <a:schemeClr val="accent1">
+                    <a:lumMod val="50000"/>
+                  </a:schemeClr>
+                </a:solidFill>
+                <a:effectLst/>
+                <a:latin typeface="Times New Roman" panose="02020603050405020304" pitchFamily="18" charset="0"/>
+                <a:ea typeface="Times New Roman" panose="02020603050405020304" pitchFamily="18" charset="0"/>
+              </a:rPr>
+              <a:t>algorithms</a:t>
+            </a:r>
+            <a:r>
+              <a:rPr lang="en-US" sz="1800" spc="5" dirty="0">
+                <a:solidFill>
+                  <a:schemeClr val="accent1">
+                    <a:lumMod val="50000"/>
+                  </a:schemeClr>
+                </a:solidFill>
+                <a:effectLst/>
+                <a:latin typeface="Times New Roman" panose="02020603050405020304" pitchFamily="18" charset="0"/>
+                <a:ea typeface="Times New Roman" panose="02020603050405020304" pitchFamily="18" charset="0"/>
+              </a:rPr>
+              <a:t> </a:t>
+            </a:r>
+            <a:r>
+              <a:rPr lang="en-US" sz="1800" dirty="0">
+                <a:solidFill>
+                  <a:schemeClr val="accent1">
+                    <a:lumMod val="50000"/>
+                  </a:schemeClr>
+                </a:solidFill>
+                <a:effectLst/>
+                <a:latin typeface="Times New Roman" panose="02020603050405020304" pitchFamily="18" charset="0"/>
+                <a:ea typeface="Times New Roman" panose="02020603050405020304" pitchFamily="18" charset="0"/>
+              </a:rPr>
+              <a:t>for</a:t>
+            </a:r>
+            <a:r>
+              <a:rPr lang="en-US" sz="1800" spc="5" dirty="0">
+                <a:solidFill>
+                  <a:schemeClr val="accent1">
+                    <a:lumMod val="50000"/>
+                  </a:schemeClr>
+                </a:solidFill>
+                <a:effectLst/>
+                <a:latin typeface="Times New Roman" panose="02020603050405020304" pitchFamily="18" charset="0"/>
+                <a:ea typeface="Times New Roman" panose="02020603050405020304" pitchFamily="18" charset="0"/>
+              </a:rPr>
+              <a:t> </a:t>
+            </a:r>
+            <a:r>
+              <a:rPr lang="en-US" sz="1800" dirty="0">
+                <a:solidFill>
+                  <a:schemeClr val="accent1">
+                    <a:lumMod val="50000"/>
+                  </a:schemeClr>
+                </a:solidFill>
+                <a:effectLst/>
+                <a:latin typeface="Times New Roman" panose="02020603050405020304" pitchFamily="18" charset="0"/>
+                <a:ea typeface="Times New Roman" panose="02020603050405020304" pitchFamily="18" charset="0"/>
+              </a:rPr>
+              <a:t>SDM</a:t>
+            </a:r>
+            <a:r>
+              <a:rPr lang="en-US" sz="1800" spc="5" dirty="0">
+                <a:solidFill>
+                  <a:schemeClr val="accent1">
+                    <a:lumMod val="50000"/>
+                  </a:schemeClr>
+                </a:solidFill>
+                <a:effectLst/>
+                <a:latin typeface="Times New Roman" panose="02020603050405020304" pitchFamily="18" charset="0"/>
+                <a:ea typeface="Times New Roman" panose="02020603050405020304" pitchFamily="18" charset="0"/>
+              </a:rPr>
+              <a:t> </a:t>
+            </a:r>
+            <a:r>
+              <a:rPr lang="en-US" sz="1800" dirty="0">
+                <a:effectLst/>
+                <a:latin typeface="Times New Roman" panose="02020603050405020304" pitchFamily="18" charset="0"/>
+                <a:ea typeface="Times New Roman" panose="02020603050405020304" pitchFamily="18" charset="0"/>
+              </a:rPr>
+              <a:t>will</a:t>
+            </a:r>
+            <a:r>
+              <a:rPr lang="en-US" sz="1800" spc="5" dirty="0">
+                <a:effectLst/>
+                <a:latin typeface="Times New Roman" panose="02020603050405020304" pitchFamily="18" charset="0"/>
+                <a:ea typeface="Times New Roman" panose="02020603050405020304" pitchFamily="18" charset="0"/>
+              </a:rPr>
+              <a:t> </a:t>
+            </a:r>
+            <a:r>
+              <a:rPr lang="en-US" sz="1800" dirty="0">
+                <a:effectLst/>
+                <a:latin typeface="Times New Roman" panose="02020603050405020304" pitchFamily="18" charset="0"/>
+                <a:ea typeface="Times New Roman" panose="02020603050405020304" pitchFamily="18" charset="0"/>
+              </a:rPr>
+              <a:t>be</a:t>
+            </a:r>
+            <a:r>
+              <a:rPr lang="en-US" sz="1800" spc="5" dirty="0">
+                <a:effectLst/>
+                <a:latin typeface="Times New Roman" panose="02020603050405020304" pitchFamily="18" charset="0"/>
+                <a:ea typeface="Times New Roman" panose="02020603050405020304" pitchFamily="18" charset="0"/>
+              </a:rPr>
+              <a:t>   </a:t>
+            </a:r>
+            <a:r>
+              <a:rPr lang="en-US" sz="1800" dirty="0">
+                <a:effectLst/>
+                <a:latin typeface="Times New Roman" panose="02020603050405020304" pitchFamily="18" charset="0"/>
+                <a:ea typeface="Times New Roman" panose="02020603050405020304" pitchFamily="18" charset="0"/>
+              </a:rPr>
+              <a:t>discussed</a:t>
+            </a:r>
+            <a:r>
+              <a:rPr lang="en-US" sz="1800" spc="5" dirty="0">
+                <a:effectLst/>
+                <a:latin typeface="Times New Roman" panose="02020603050405020304" pitchFamily="18" charset="0"/>
+                <a:ea typeface="Times New Roman" panose="02020603050405020304" pitchFamily="18" charset="0"/>
+              </a:rPr>
+              <a:t> </a:t>
+            </a:r>
+            <a:r>
+              <a:rPr lang="en-US" sz="1800" dirty="0">
+                <a:effectLst/>
+                <a:latin typeface="Times New Roman" panose="02020603050405020304" pitchFamily="18" charset="0"/>
+                <a:ea typeface="Times New Roman" panose="02020603050405020304" pitchFamily="18" charset="0"/>
+              </a:rPr>
+              <a:t>and</a:t>
+            </a:r>
+            <a:r>
+              <a:rPr lang="en-US" sz="1800" spc="5" dirty="0">
+                <a:effectLst/>
+                <a:latin typeface="Times New Roman" panose="02020603050405020304" pitchFamily="18" charset="0"/>
+                <a:ea typeface="Times New Roman" panose="02020603050405020304" pitchFamily="18" charset="0"/>
+              </a:rPr>
+              <a:t> </a:t>
+            </a:r>
+            <a:r>
+              <a:rPr lang="en-US" sz="1800" dirty="0">
+                <a:effectLst/>
+                <a:latin typeface="Times New Roman" panose="02020603050405020304" pitchFamily="18" charset="0"/>
+                <a:ea typeface="Times New Roman" panose="02020603050405020304" pitchFamily="18" charset="0"/>
+              </a:rPr>
+              <a:t>their</a:t>
+            </a:r>
+            <a:r>
+              <a:rPr lang="en-US" sz="1800" spc="5" dirty="0">
+                <a:effectLst/>
+                <a:latin typeface="Times New Roman" panose="02020603050405020304" pitchFamily="18" charset="0"/>
+                <a:ea typeface="Times New Roman" panose="02020603050405020304" pitchFamily="18" charset="0"/>
+              </a:rPr>
+              <a:t> </a:t>
+            </a:r>
+            <a:r>
+              <a:rPr lang="en-US" sz="1800" dirty="0">
+                <a:effectLst/>
+                <a:latin typeface="Times New Roman" panose="02020603050405020304" pitchFamily="18" charset="0"/>
+                <a:ea typeface="Times New Roman" panose="02020603050405020304" pitchFamily="18" charset="0"/>
+              </a:rPr>
+              <a:t>performance will be   compared.</a:t>
+            </a:r>
+          </a:p>
+          <a:p>
+            <a:pPr>
+              <a:lnSpc>
+                <a:spcPct val="150000"/>
+              </a:lnSpc>
+            </a:pPr>
+            <a:endParaRPr lang="en-US" dirty="0"/>
+          </a:p>
+        </p:txBody>
+      </p:sp>
+      <p:sp>
+        <p:nvSpPr>
+          <p:cNvPr id="4" name="Slide Number Placeholder 3">
+            <a:extLst>
+              <a:ext uri="{FF2B5EF4-FFF2-40B4-BE49-F238E27FC236}">
+                <a16:creationId xmlns:a16="http://schemas.microsoft.com/office/drawing/2014/main" id="{A621EDD8-78DF-5D16-39A6-F846A169366D}"/>
+              </a:ext>
+            </a:extLst>
+          </p:cNvPr>
+          <p:cNvSpPr>
+            <a:spLocks noGrp="1"/>
+          </p:cNvSpPr>
+          <p:nvPr>
+            <p:ph type="sldNum" sz="quarter" idx="12"/>
+          </p:nvPr>
+        </p:nvSpPr>
+        <p:spPr/>
+        <p:txBody>
+          <a:bodyPr/>
+          <a:lstStyle/>
+          <a:p>
+            <a:fld id="{A439D109-9F59-4B0B-8E20-D6D3A384B1F1}" type="slidenum">
+              <a:rPr lang="ko-KR" altLang="en-US" smtClean="0"/>
+              <a:t>10</a:t>
+            </a:fld>
+            <a:endParaRPr lang="ko-KR" altLang="en-US"/>
+          </a:p>
+        </p:txBody>
+      </p:sp>
+      <p:pic>
+        <p:nvPicPr>
+          <p:cNvPr id="6" name="Picture 5" descr="A diagram of a system">
+            <a:extLst>
+              <a:ext uri="{FF2B5EF4-FFF2-40B4-BE49-F238E27FC236}">
+                <a16:creationId xmlns:a16="http://schemas.microsoft.com/office/drawing/2014/main" id="{FB46D4B1-7287-38FB-8B34-8911E7282F4A}"/>
+              </a:ext>
+            </a:extLst>
+          </p:cNvPr>
+          <p:cNvPicPr>
+            <a:picLocks noChangeAspect="1"/>
+          </p:cNvPicPr>
+          <p:nvPr/>
+        </p:nvPicPr>
+        <p:blipFill>
+          <a:blip r:embed="rId2">
+            <a:extLst>
+              <a:ext uri="{28A0092B-C50C-407E-A947-70E740481C1C}">
+                <a14:useLocalDpi xmlns:a14="http://schemas.microsoft.com/office/drawing/2010/main" val="0"/>
+              </a:ext>
+            </a:extLst>
+          </a:blip>
+          <a:stretch>
+            <a:fillRect/>
+          </a:stretch>
+        </p:blipFill>
+        <p:spPr>
+          <a:xfrm>
+            <a:off x="1041771" y="4053254"/>
+            <a:ext cx="9402487" cy="2391508"/>
+          </a:xfrm>
+          <a:prstGeom prst="rect">
+            <a:avLst/>
+          </a:prstGeom>
+        </p:spPr>
+      </p:pic>
+    </p:spTree>
+    <p:extLst>
+      <p:ext uri="{BB962C8B-B14F-4D97-AF65-F5344CB8AC3E}">
+        <p14:creationId xmlns:p14="http://schemas.microsoft.com/office/powerpoint/2010/main" val="3755470814"/>
+      </p:ext>
+    </p:extLst>
+  </p:cSld>
+  <p:clrMapOvr>
+    <a:masterClrMapping/>
+  </p:clrMapOvr>
+</p:sld>
+</file>
+
+<file path=ppt/slides/slide11.xml><?xml version="1.0" encoding="utf-8"?>
+<p:sld xmlns:a="http://schemas.openxmlformats.org/drawingml/2006/main" xmlns:r="http://schemas.openxmlformats.org/officeDocument/2006/relationships" xmlns:p="http://schemas.openxmlformats.org/presentationml/2006/main">
+  <p:cSld>
+    <p:spTree>
+      <p:nvGrpSpPr>
+        <p:cNvPr id="1" name=""/>
+        <p:cNvGrpSpPr/>
+        <p:nvPr/>
+      </p:nvGrpSpPr>
+      <p:grpSpPr>
+        <a:xfrm>
+          <a:off x="0" y="0"/>
+          <a:ext cx="0" cy="0"/>
+          <a:chOff x="0" y="0"/>
+          <a:chExt cx="0" cy="0"/>
+        </a:xfrm>
+      </p:grpSpPr>
+      <p:sp>
+        <p:nvSpPr>
+          <p:cNvPr id="2" name="Title 1">
+            <a:extLst>
+              <a:ext uri="{FF2B5EF4-FFF2-40B4-BE49-F238E27FC236}">
                 <a16:creationId xmlns:a16="http://schemas.microsoft.com/office/drawing/2014/main" id="{28A17A90-83B5-A3BC-9026-2499AD23C40D}"/>
               </a:ext>
             </a:extLst>
@@ -5123,7 +5773,7 @@
                 <a:latin typeface="Times New Roman" panose="02020603050405020304" pitchFamily="18" charset="0"/>
                 <a:ea typeface="Times New Roman" panose="02020603050405020304" pitchFamily="18" charset="0"/>
               </a:rPr>
-              <a:t>envelope of the channel impulse response at any time instant has a Rayleigh probability distribution</a:t>
+              <a:t>envelope of the channel impulse response at any time instant has a Rayleigh probability                  distribution</a:t>
             </a:r>
             <a:r>
               <a:rPr lang="en-US" sz="1800" spc="-260" dirty="0">
@@ -5582,7 +6232,7 @@
           <a:p>
             <a:fld id="{A439D109-9F59-4B0B-8E20-D6D3A384B1F1}" type="slidenum">
               <a:rPr lang="ko-KR" altLang="en-US" smtClean="0"/>
-              <a:t>10</a:t>
+              <a:t>11</a:t>
             </a:fld>
             <a:endParaRPr lang="ko-KR" altLang="en-US"/>
           </a:p>
@@ -5601,7 +6251,7 @@
 </p:sld>
 </file>
 
-<file path=ppt/slides/slide11.xml><?xml version="1.0" encoding="utf-8"?>
+<file path=ppt/slides/slide12.xml><?xml version="1.0" encoding="utf-8"?>
 <p:sld xmlns:a="http://schemas.openxmlformats.org/drawingml/2006/main" xmlns:r="http://schemas.openxmlformats.org/officeDocument/2006/relationships" xmlns:p="http://schemas.openxmlformats.org/presentationml/2006/main">
   <p:cSld>
     <p:spTree>
@@ -6430,6 +7080,19 @@
               <a:t>]</a:t>
             </a:r>
             <a:r>
+              <a:rPr lang="en-US" sz="1800" baseline="30000" dirty="0">
+                <a:solidFill>
+                  <a:schemeClr val="accent6">
+                    <a:lumMod val="50000"/>
+                  </a:schemeClr>
+                </a:solidFill>
+                <a:effectLst/>
+                <a:latin typeface="Times New Roman" panose="02020603050405020304" pitchFamily="18" charset="0"/>
+                <a:ea typeface="Times New Roman" panose="02020603050405020304" pitchFamily="18" charset="0"/>
+              </a:rPr>
+              <a:t>2</a:t>
+            </a:r>
+            <a:r>
               <a:rPr lang="en-US" sz="1800" dirty="0">
                 <a:solidFill>
                   <a:schemeClr val="accent6">
@@ -6440,7 +7103,7 @@
                 <a:latin typeface="Times New Roman" panose="02020603050405020304" pitchFamily="18" charset="0"/>
                 <a:ea typeface="Times New Roman" panose="02020603050405020304" pitchFamily="18" charset="0"/>
               </a:rPr>
-              <a:t>2  </a:t>
+              <a:t>  </a:t>
             </a:r>
             <a:r>
               <a:rPr lang="en-US" sz="1800" spc="-50" dirty="0">
@@ -7596,7 +8259,7 @@
           <a:p>
             <a:fld id="{A439D109-9F59-4B0B-8E20-D6D3A384B1F1}" type="slidenum">
               <a:rPr lang="ko-KR" altLang="en-US" smtClean="0"/>
-              <a:t>11</a:t>
+              <a:t>12</a:t>
             </a:fld>
             <a:endParaRPr lang="ko-KR" altLang="en-US"/>
           </a:p>
@@ -7615,7 +8278,7 @@
 </p:sld>
 </file>
 
-<file path=ppt/slides/slide12.xml><?xml version="1.0" encoding="utf-8"?>
+<file path=ppt/slides/slide13.xml><?xml version="1.0" encoding="utf-8"?>
 <p:sld xmlns:a="http://schemas.openxmlformats.org/drawingml/2006/main" xmlns:r="http://schemas.openxmlformats.org/officeDocument/2006/relationships" xmlns:p="http://schemas.openxmlformats.org/presentationml/2006/main">
   <p:cSld>
     <p:spTree>
@@ -7681,8 +8344,8 @@
           </a:p>
         </p:txBody>
       </p:sp>
-      <mc:AlternateContent xmlns:mc="http://schemas.openxmlformats.org/markup-compatibility/2006">
-        <mc:Choice xmlns:a14="http://schemas.microsoft.com/office/drawing/2010/main" Requires="a14">
+      <mc:AlternateContent xmlns:mc="http://schemas.openxmlformats.org/markup-compatibility/2006" xmlns:a14="http://schemas.microsoft.com/office/drawing/2010/main">
+        <mc:Choice Requires="a14">
           <p:sp>
             <p:nvSpPr>
               <p:cNvPr id="3" name="Content Placeholder 2">
@@ -9247,7 +9910,7 @@
             </p:txBody>
           </p:sp>
         </mc:Choice>
-        <mc:Fallback>
+        <mc:Fallback xmlns="">
           <p:sp>
             <p:nvSpPr>
               <p:cNvPr id="3" name="Content Placeholder 2">
@@ -9310,7 +9973,7 @@
           <a:p>
             <a:fld id="{A439D109-9F59-4B0B-8E20-D6D3A384B1F1}" type="slidenum">
               <a:rPr lang="ko-KR" altLang="en-US" smtClean="0"/>
-              <a:t>12</a:t>
+              <a:t>13</a:t>
             </a:fld>
             <a:endParaRPr lang="ko-KR" altLang="en-US"/>
           </a:p>
@@ -9329,7 +9992,7 @@
 </p:sld>
 </file>
 
-<file path=ppt/slides/slide13.xml><?xml version="1.0" encoding="utf-8"?>
+<file path=ppt/slides/slide14.xml><?xml version="1.0" encoding="utf-8"?>
 <p:sld xmlns:a="http://schemas.openxmlformats.org/drawingml/2006/main" xmlns:r="http://schemas.openxmlformats.org/officeDocument/2006/relationships" xmlns:p="http://schemas.openxmlformats.org/presentationml/2006/main">
   <p:cSld>
     <p:spTree>
@@ -9415,8 +10078,8 @@
             </p:nvSpPr>
             <p:spPr>
               <a:xfrm>
-                <a:off x="838200" y="1649691"/>
-                <a:ext cx="10829192" cy="5071784"/>
+                <a:off x="838200" y="1649690"/>
+                <a:ext cx="11353800" cy="5208309"/>
               </a:xfrm>
             </p:spPr>
             <p:txBody>
@@ -10148,7 +10811,7 @@
                     <a:latin typeface="Times New Roman" panose="02020603050405020304" pitchFamily="18" charset="0"/>
                     <a:ea typeface="Times New Roman" panose="02020603050405020304" pitchFamily="18" charset="0"/>
                   </a:rPr>
-                  <a:t>This is the pdf of a Rayleigh-distributed random variable, thus the envelope of </a:t>
+                  <a:t>This is the pdf of a Rayleigh-distributed random variable; thus, the envelope of </a:t>
                 </a:r>
                 <a:r>
                   <a:rPr lang="en-US" sz="1800" i="1" dirty="0">
@@ -10602,7 +11265,7 @@
                     <a:latin typeface="Times New Roman" panose="02020603050405020304" pitchFamily="18" charset="0"/>
                     <a:ea typeface="Times New Roman" panose="02020603050405020304" pitchFamily="18" charset="0"/>
                   </a:rPr>
-                  <a:t> </a:t>
+                  <a:t>  </a:t>
                 </a:r>
                 <a:r>
                   <a:rPr lang="en-US" sz="1800" dirty="0">
@@ -10675,6 +11338,146 @@
                     <a:ea typeface="Times New Roman" panose="02020603050405020304" pitchFamily="18" charset="0"/>
                   </a:rPr>
                   <a:t>:</a:t>
+                </a:r>
+              </a:p>
+              <a:p>
+                <a:pPr marL="0" marR="91440" indent="0" algn="just">
+                  <a:lnSpc>
+                    <a:spcPct val="150000"/>
+                  </a:lnSpc>
+                  <a:spcBef>
+                    <a:spcPts val="5"/>
+                  </a:spcBef>
+                  <a:buNone/>
+                </a:pPr>
+                <a:r>
+                  <a:rPr lang="en-US" sz="1800" dirty="0">
+                    <a:solidFill>
+                      <a:schemeClr val="accent6">
+                        <a:lumMod val="50000"/>
+                      </a:schemeClr>
+                    </a:solidFill>
+                    <a:latin typeface="Times New Roman" panose="02020603050405020304" pitchFamily="18" charset="0"/>
+                    <a:ea typeface="Times New Roman" panose="02020603050405020304" pitchFamily="18" charset="0"/>
+                  </a:rPr>
+                  <a:t>                                                            </a:t>
+                </a:r>
+                <a:r>
+                  <a:rPr lang="en-US" sz="1800" b="1" dirty="0">
+                    <a:solidFill>
+                      <a:schemeClr val="accent6">
+                        <a:lumMod val="50000"/>
+                      </a:schemeClr>
+                    </a:solidFill>
+                    <a:effectLst/>
+                    <a:latin typeface="Times New Roman" panose="02020603050405020304" pitchFamily="18" charset="0"/>
+                    <a:ea typeface="Times New Roman" panose="02020603050405020304" pitchFamily="18" charset="0"/>
+                  </a:rPr>
+                  <a:t>x</a:t>
+                </a:r>
+                <a:r>
+                  <a:rPr lang="en-US" sz="1800" b="1" spc="15" dirty="0">
+                    <a:solidFill>
+                      <a:schemeClr val="accent6">
+                        <a:lumMod val="50000"/>
+                      </a:schemeClr>
+                    </a:solidFill>
+                    <a:effectLst/>
+                    <a:latin typeface="Times New Roman" panose="02020603050405020304" pitchFamily="18" charset="0"/>
+                    <a:ea typeface="Times New Roman" panose="02020603050405020304" pitchFamily="18" charset="0"/>
+                  </a:rPr>
+                  <a:t> </a:t>
+                </a:r>
+                <a:r>
+                  <a:rPr lang="en-US" sz="1800" dirty="0">
+                    <a:solidFill>
+                      <a:schemeClr val="accent6">
+                        <a:lumMod val="50000"/>
+                      </a:schemeClr>
+                    </a:solidFill>
+                    <a:effectLst/>
+                    <a:latin typeface="Symbol" panose="05050102010706020507" pitchFamily="18" charset="2"/>
+                    <a:ea typeface="Times New Roman" panose="02020603050405020304" pitchFamily="18" charset="0"/>
+                  </a:rPr>
+                  <a:t>=</a:t>
+                </a:r>
+                <a:r>
+                  <a:rPr lang="en-US" sz="1800" spc="10" dirty="0">
+                    <a:solidFill>
+                      <a:schemeClr val="accent6">
+                        <a:lumMod val="50000"/>
+                      </a:schemeClr>
+                    </a:solidFill>
+                    <a:effectLst/>
+                    <a:latin typeface="Times New Roman" panose="02020603050405020304" pitchFamily="18" charset="0"/>
+                    <a:ea typeface="Times New Roman" panose="02020603050405020304" pitchFamily="18" charset="0"/>
+                  </a:rPr>
+                  <a:t> </a:t>
+                </a:r>
+                <a:r>
+                  <a:rPr lang="en-US" sz="1800" b="1" dirty="0">
+                    <a:solidFill>
+                      <a:schemeClr val="accent6">
+                        <a:lumMod val="50000"/>
+                      </a:schemeClr>
+                    </a:solidFill>
+                    <a:effectLst/>
+                    <a:latin typeface="Times New Roman" panose="02020603050405020304" pitchFamily="18" charset="0"/>
+                    <a:ea typeface="Times New Roman" panose="02020603050405020304" pitchFamily="18" charset="0"/>
+                  </a:rPr>
+                  <a:t>Hs</a:t>
+                </a:r>
+                <a:r>
+                  <a:rPr lang="en-US" sz="1800" b="1" spc="-50" dirty="0">
+                    <a:solidFill>
+                      <a:schemeClr val="accent6">
+                        <a:lumMod val="50000"/>
+                      </a:schemeClr>
+                    </a:solidFill>
+                    <a:effectLst/>
+                    <a:latin typeface="Times New Roman" panose="02020603050405020304" pitchFamily="18" charset="0"/>
+                    <a:ea typeface="Times New Roman" panose="02020603050405020304" pitchFamily="18" charset="0"/>
+                  </a:rPr>
+                  <a:t> </a:t>
+                </a:r>
+                <a:r>
+                  <a:rPr lang="en-US" sz="1800" dirty="0">
+                    <a:solidFill>
+                      <a:schemeClr val="accent6">
+                        <a:lumMod val="50000"/>
+                      </a:schemeClr>
+                    </a:solidFill>
+                    <a:effectLst/>
+                    <a:latin typeface="Symbol" panose="05050102010706020507" pitchFamily="18" charset="2"/>
+                    <a:ea typeface="Times New Roman" panose="02020603050405020304" pitchFamily="18" charset="0"/>
+                  </a:rPr>
+                  <a:t>+</a:t>
+                </a:r>
+                <a:r>
+                  <a:rPr lang="en-US" sz="1800" dirty="0">
+                    <a:solidFill>
+                      <a:schemeClr val="accent6">
+                        <a:lumMod val="50000"/>
+                      </a:schemeClr>
+                    </a:solidFill>
+                    <a:effectLst/>
+                    <a:latin typeface="Times New Roman" panose="02020603050405020304" pitchFamily="18" charset="0"/>
+                    <a:ea typeface="Times New Roman" panose="02020603050405020304" pitchFamily="18" charset="0"/>
+                  </a:rPr>
+                  <a:t> </a:t>
+                </a:r>
+                <a:r>
+                  <a:rPr lang="en-US" sz="1800" b="1" dirty="0">
+                    <a:solidFill>
+                      <a:schemeClr val="accent6">
+                        <a:lumMod val="50000"/>
+                      </a:schemeClr>
+                    </a:solidFill>
+                    <a:effectLst/>
+                    <a:latin typeface="Times New Roman" panose="02020603050405020304" pitchFamily="18" charset="0"/>
+                    <a:ea typeface="Times New Roman" panose="02020603050405020304" pitchFamily="18" charset="0"/>
+                  </a:rPr>
+                  <a:t>ν</a:t>
                 </a:r>
               </a:p>
               <a:p>
@@ -10688,166 +11491,116 @@
                 </a:pPr>
                 <a:r>
                   <a:rPr lang="en-US" sz="1800" dirty="0">
-                    <a:solidFill>
-                      <a:schemeClr val="accent6">
-                        <a:lumMod val="50000"/>
-                      </a:schemeClr>
-                    </a:solidFill>
-                    <a:latin typeface="Times New Roman" panose="02020603050405020304" pitchFamily="18" charset="0"/>
-                    <a:ea typeface="Times New Roman" panose="02020603050405020304" pitchFamily="18" charset="0"/>
-                  </a:rPr>
-                  <a:t>                                                      </a:t>
+                    <a:effectLst/>
+                    <a:latin typeface="Times New Roman" panose="02020603050405020304" pitchFamily="18" charset="0"/>
+                    <a:ea typeface="Times New Roman" panose="02020603050405020304" pitchFamily="18" charset="0"/>
+                  </a:rPr>
+                  <a:t> where </a:t>
                 </a:r>
                 <a:r>
                   <a:rPr lang="en-US" sz="1800" b="1" dirty="0">
-                    <a:solidFill>
-                      <a:schemeClr val="accent6">
-                        <a:lumMod val="50000"/>
-                      </a:schemeClr>
-                    </a:solidFill>
-                    <a:effectLst/>
-                    <a:latin typeface="Times New Roman" panose="02020603050405020304" pitchFamily="18" charset="0"/>
-                    <a:ea typeface="Times New Roman" panose="02020603050405020304" pitchFamily="18" charset="0"/>
-                  </a:rPr>
-                  <a:t>x</a:t>
-                </a:r>
-                <a:r>
-                  <a:rPr lang="en-US" sz="1800" b="1" spc="15" dirty="0">
-                    <a:solidFill>
-                      <a:schemeClr val="accent6">
-                        <a:lumMod val="50000"/>
-                      </a:schemeClr>
-                    </a:solidFill>
-                    <a:effectLst/>
-                    <a:latin typeface="Times New Roman" panose="02020603050405020304" pitchFamily="18" charset="0"/>
-                    <a:ea typeface="Times New Roman" panose="02020603050405020304" pitchFamily="18" charset="0"/>
-                  </a:rPr>
-                  <a:t> </a:t>
-                </a:r>
-                <a:r>
-                  <a:rPr lang="en-US" sz="1800" dirty="0">
-                    <a:solidFill>
-                      <a:schemeClr val="accent6">
-                        <a:lumMod val="50000"/>
-                      </a:schemeClr>
-                    </a:solidFill>
+                    <a:effectLst/>
+                    <a:latin typeface="Times New Roman" panose="02020603050405020304" pitchFamily="18" charset="0"/>
+                    <a:ea typeface="Times New Roman" panose="02020603050405020304" pitchFamily="18" charset="0"/>
+                  </a:rPr>
+                  <a:t>H </a:t>
+                </a:r>
+                <a:r>
+                  <a:rPr lang="en-US" sz="1800" dirty="0">
+                    <a:effectLst/>
+                    <a:latin typeface="Times New Roman" panose="02020603050405020304" pitchFamily="18" charset="0"/>
+                    <a:ea typeface="Times New Roman" panose="02020603050405020304" pitchFamily="18" charset="0"/>
+                  </a:rPr>
+                  <a:t>is an </a:t>
+                </a:r>
+                <a:r>
+                  <a:rPr lang="en-US" sz="1800" i="1" dirty="0">
+                    <a:effectLst/>
+                    <a:latin typeface="Times New Roman" panose="02020603050405020304" pitchFamily="18" charset="0"/>
+                    <a:ea typeface="Times New Roman" panose="02020603050405020304" pitchFamily="18" charset="0"/>
+                  </a:rPr>
+                  <a:t>N</a:t>
+                </a:r>
+                <a:r>
+                  <a:rPr lang="en-US" sz="1800" i="1" baseline="-25000" dirty="0">
+                    <a:effectLst/>
+                    <a:latin typeface="Times New Roman" panose="02020603050405020304" pitchFamily="18" charset="0"/>
+                    <a:ea typeface="Times New Roman" panose="02020603050405020304" pitchFamily="18" charset="0"/>
+                  </a:rPr>
+                  <a:t>r</a:t>
+                </a:r>
+                <a:r>
+                  <a:rPr lang="en-US" sz="1800" i="1" dirty="0">
+                    <a:effectLst/>
+                    <a:latin typeface="Times New Roman" panose="02020603050405020304" pitchFamily="18" charset="0"/>
+                    <a:ea typeface="Times New Roman" panose="02020603050405020304" pitchFamily="18" charset="0"/>
+                  </a:rPr>
+                  <a:t> </a:t>
+                </a:r>
+                <a:r>
+                  <a:rPr lang="en-US" sz="1800" dirty="0">
                     <a:effectLst/>
                     <a:latin typeface="Symbol" panose="05050102010706020507" pitchFamily="18" charset="2"/>
                     <a:ea typeface="Times New Roman" panose="02020603050405020304" pitchFamily="18" charset="0"/>
-                  </a:rPr>
-                  <a:t>=</a:t>
-                </a:r>
-                <a:r>
-                  <a:rPr lang="en-US" sz="1800" spc="10" dirty="0">
-                    <a:solidFill>
-                      <a:schemeClr val="accent6">
-                        <a:lumMod val="50000"/>
-                      </a:schemeClr>
-                    </a:solidFill>
-                    <a:effectLst/>
-                    <a:latin typeface="Times New Roman" panose="02020603050405020304" pitchFamily="18" charset="0"/>
-                    <a:ea typeface="Times New Roman" panose="02020603050405020304" pitchFamily="18" charset="0"/>
-                  </a:rPr>
-                  <a:t> </a:t>
+                    <a:cs typeface="Times New Roman" panose="02020603050405020304" pitchFamily="18" charset="0"/>
+                  </a:rPr>
+                  <a:t>´</a:t>
+                </a:r>
+                <a:r>
+                  <a:rPr lang="en-US" sz="1800" dirty="0">
+                    <a:effectLst/>
+                    <a:latin typeface="Times New Roman" panose="02020603050405020304" pitchFamily="18" charset="0"/>
+                    <a:ea typeface="Times New Roman" panose="02020603050405020304" pitchFamily="18" charset="0"/>
+                  </a:rPr>
+                  <a:t> </a:t>
+                </a:r>
+                <a:r>
+                  <a:rPr lang="en-US" sz="1800" i="1" dirty="0" err="1">
+                    <a:effectLst/>
+                    <a:latin typeface="Times New Roman" panose="02020603050405020304" pitchFamily="18" charset="0"/>
+                    <a:ea typeface="Times New Roman" panose="02020603050405020304" pitchFamily="18" charset="0"/>
+                  </a:rPr>
+                  <a:t>N</a:t>
+                </a:r>
+                <a:r>
+                  <a:rPr lang="en-US" sz="1800" i="1" baseline="-25000" dirty="0" err="1">
+                    <a:effectLst/>
+                    <a:latin typeface="Times New Roman" panose="02020603050405020304" pitchFamily="18" charset="0"/>
+                    <a:ea typeface="Times New Roman" panose="02020603050405020304" pitchFamily="18" charset="0"/>
+                  </a:rPr>
+                  <a:t>t</a:t>
+                </a:r>
+                <a:r>
+                  <a:rPr lang="en-US" sz="1800" i="1" dirty="0">
+                    <a:effectLst/>
+                    <a:latin typeface="Times New Roman" panose="02020603050405020304" pitchFamily="18" charset="0"/>
+                    <a:ea typeface="Times New Roman" panose="02020603050405020304" pitchFamily="18" charset="0"/>
+                  </a:rPr>
+                  <a:t> </a:t>
+                </a:r>
+                <a:r>
+                  <a:rPr lang="en-US" sz="1800" dirty="0">
+                    <a:effectLst/>
+                    <a:latin typeface="Times New Roman" panose="02020603050405020304" pitchFamily="18" charset="0"/>
+                    <a:ea typeface="Times New Roman" panose="02020603050405020304" pitchFamily="18" charset="0"/>
+                  </a:rPr>
+                  <a:t>complex propagation matrix  ) and the vector </a:t>
                 </a:r>
                 <a:r>
                   <a:rPr lang="en-US" sz="1800" b="1" dirty="0">
-                    <a:solidFill>
-                      <a:schemeClr val="accent6">
-                        <a:lumMod val="50000"/>
-                      </a:schemeClr>
-                    </a:solidFill>
-                    <a:effectLst/>
-                    <a:latin typeface="Times New Roman" panose="02020603050405020304" pitchFamily="18" charset="0"/>
-                    <a:ea typeface="Times New Roman" panose="02020603050405020304" pitchFamily="18" charset="0"/>
-                  </a:rPr>
-                  <a:t>Hs</a:t>
-                </a:r>
-                <a:r>
-                  <a:rPr lang="en-US" sz="1800" b="1" spc="-50" dirty="0">
-                    <a:solidFill>
-                      <a:schemeClr val="accent6">
-                        <a:lumMod val="50000"/>
-                      </a:schemeClr>
-                    </a:solidFill>
-                    <a:effectLst/>
-                    <a:latin typeface="Times New Roman" panose="02020603050405020304" pitchFamily="18" charset="0"/>
-                    <a:ea typeface="Times New Roman" panose="02020603050405020304" pitchFamily="18" charset="0"/>
-                  </a:rPr>
-                  <a:t> </a:t>
-                </a:r>
-                <a:r>
-                  <a:rPr lang="en-US" sz="1800" dirty="0">
-                    <a:solidFill>
-                      <a:schemeClr val="accent6">
-                        <a:lumMod val="50000"/>
-                      </a:schemeClr>
-                    </a:solidFill>
-                    <a:effectLst/>
-                    <a:latin typeface="Symbol" panose="05050102010706020507" pitchFamily="18" charset="2"/>
-                    <a:ea typeface="Times New Roman" panose="02020603050405020304" pitchFamily="18" charset="0"/>
-                  </a:rPr>
-                  <a:t>+</a:t>
-                </a:r>
-                <a:r>
-                  <a:rPr lang="en-US" sz="1800" dirty="0">
-                    <a:solidFill>
-                      <a:schemeClr val="accent6">
-                        <a:lumMod val="50000"/>
-                      </a:schemeClr>
-                    </a:solidFill>
-                    <a:effectLst/>
-                    <a:latin typeface="Times New Roman" panose="02020603050405020304" pitchFamily="18" charset="0"/>
-                    <a:ea typeface="Times New Roman" panose="02020603050405020304" pitchFamily="18" charset="0"/>
-                  </a:rPr>
-                  <a:t> </a:t>
-                </a:r>
-                <a:r>
-                  <a:rPr lang="en-US" sz="1800" b="1" dirty="0">
-                    <a:solidFill>
-                      <a:schemeClr val="accent6">
-                        <a:lumMod val="50000"/>
-                      </a:schemeClr>
-                    </a:solidFill>
-                    <a:effectLst/>
-                    <a:latin typeface="Times New Roman" panose="02020603050405020304" pitchFamily="18" charset="0"/>
-                    <a:ea typeface="Times New Roman" panose="02020603050405020304" pitchFamily="18" charset="0"/>
-                  </a:rPr>
-                  <a:t>ν</a:t>
-                </a:r>
-              </a:p>
-              <a:p>
-                <a:pPr marL="139700" marR="91440" algn="just">
-                  <a:lnSpc>
-                    <a:spcPct val="150000"/>
-                  </a:lnSpc>
-                  <a:spcBef>
-                    <a:spcPts val="5"/>
-                  </a:spcBef>
-                </a:pPr>
-                <a:r>
-                  <a:rPr lang="en-US" sz="1800" dirty="0">
-                    <a:effectLst/>
-                    <a:latin typeface="Times New Roman" panose="02020603050405020304" pitchFamily="18" charset="0"/>
-                    <a:ea typeface="Times New Roman" panose="02020603050405020304" pitchFamily="18" charset="0"/>
-                  </a:rPr>
-                  <a:t> where </a:t>
-                </a:r>
-                <a:r>
-                  <a:rPr lang="en-US" sz="1800" b="1" dirty="0">
-                    <a:effectLst/>
-                    <a:latin typeface="Times New Roman" panose="02020603050405020304" pitchFamily="18" charset="0"/>
-                    <a:ea typeface="Times New Roman" panose="02020603050405020304" pitchFamily="18" charset="0"/>
-                  </a:rPr>
-                  <a:t>H </a:t>
-                </a:r>
-                <a:r>
-                  <a:rPr lang="en-US" sz="1800" dirty="0">
-                    <a:effectLst/>
-                    <a:latin typeface="Times New Roman" panose="02020603050405020304" pitchFamily="18" charset="0"/>
-                    <a:ea typeface="Times New Roman" panose="02020603050405020304" pitchFamily="18" charset="0"/>
-                  </a:rPr>
-                  <a:t>is an </a:t>
+                    <a:effectLst/>
+                    <a:latin typeface="Times New Roman" panose="02020603050405020304" pitchFamily="18" charset="0"/>
+                    <a:ea typeface="Times New Roman" panose="02020603050405020304" pitchFamily="18" charset="0"/>
+                  </a:rPr>
+                  <a:t>ν </a:t>
+                </a:r>
+                <a:r>
+                  <a:rPr lang="en-US" sz="1800" dirty="0">
+                    <a:effectLst/>
+                    <a:latin typeface="Times New Roman" panose="02020603050405020304" pitchFamily="18" charset="0"/>
+                    <a:ea typeface="Times New Roman" panose="02020603050405020304" pitchFamily="18" charset="0"/>
+                  </a:rPr>
+                  <a:t>(</a:t>
                 </a:r>
                 <a:r>
                   <a:rPr lang="en-US" sz="1800" i="1" dirty="0">
@@ -10866,95 +11619,6 @@
                   <a:t>r</a:t>
                 </a:r>
                 <a:r>
-                  <a:rPr lang="en-US" sz="1800" i="1" dirty="0">
-                    <a:effectLst/>
-                    <a:latin typeface="Times New Roman" panose="02020603050405020304" pitchFamily="18" charset="0"/>
-                    <a:ea typeface="Times New Roman" panose="02020603050405020304" pitchFamily="18" charset="0"/>
-                  </a:rPr>
-                  <a:t> </a:t>
-                </a:r>
-                <a:r>
-                  <a:rPr lang="en-US" sz="1800" dirty="0">
-                    <a:effectLst/>
-                    <a:latin typeface="Symbol" panose="05050102010706020507" pitchFamily="18" charset="2"/>
-                    <a:ea typeface="Times New Roman" panose="02020603050405020304" pitchFamily="18" charset="0"/>
-                    <a:cs typeface="Times New Roman" panose="02020603050405020304" pitchFamily="18" charset="0"/>
-                  </a:rPr>
-                  <a:t>´</a:t>
-                </a:r>
-                <a:r>
-                  <a:rPr lang="en-US" sz="1800" dirty="0">
-                    <a:effectLst/>
-                    <a:latin typeface="Times New Roman" panose="02020603050405020304" pitchFamily="18" charset="0"/>
-                    <a:ea typeface="Times New Roman" panose="02020603050405020304" pitchFamily="18" charset="0"/>
-                  </a:rPr>
-                  <a:t> </a:t>
-                </a:r>
-                <a:r>
-                  <a:rPr lang="en-US" sz="1800" i="1" dirty="0" err="1">
-                    <a:effectLst/>
-                    <a:latin typeface="Times New Roman" panose="02020603050405020304" pitchFamily="18" charset="0"/>
-                    <a:ea typeface="Times New Roman" panose="02020603050405020304" pitchFamily="18" charset="0"/>
-                  </a:rPr>
-                  <a:t>N</a:t>
-                </a:r>
-                <a:r>
-                  <a:rPr lang="en-US" sz="1800" i="1" baseline="-25000" dirty="0" err="1">
-                    <a:effectLst/>
-                    <a:latin typeface="Times New Roman" panose="02020603050405020304" pitchFamily="18" charset="0"/>
-                    <a:ea typeface="Times New Roman" panose="02020603050405020304" pitchFamily="18" charset="0"/>
-                  </a:rPr>
-                  <a:t>t</a:t>
-                </a:r>
-                <a:r>
-                  <a:rPr lang="en-US" sz="1800" i="1" dirty="0">
-                    <a:effectLst/>
-                    <a:latin typeface="Times New Roman" panose="02020603050405020304" pitchFamily="18" charset="0"/>
-                    <a:ea typeface="Times New Roman" panose="02020603050405020304" pitchFamily="18" charset="0"/>
-                  </a:rPr>
-                  <a:t> </a:t>
-                </a:r>
-                <a:r>
-                  <a:rPr lang="en-US" sz="1800" dirty="0">
-                    <a:effectLst/>
-                    <a:latin typeface="Times New Roman" panose="02020603050405020304" pitchFamily="18" charset="0"/>
-                    <a:ea typeface="Times New Roman" panose="02020603050405020304" pitchFamily="18" charset="0"/>
-                  </a:rPr>
-                  <a:t>complex propagation matrix  ) and the vector </a:t>
-                </a:r>
-                <a:r>
-                  <a:rPr lang="en-US" sz="1800" b="1" dirty="0">
-                    <a:effectLst/>
-                    <a:latin typeface="Times New Roman" panose="02020603050405020304" pitchFamily="18" charset="0"/>
-                    <a:ea typeface="Times New Roman" panose="02020603050405020304" pitchFamily="18" charset="0"/>
-                  </a:rPr>
-                  <a:t>ν </a:t>
-                </a:r>
-                <a:r>
-                  <a:rPr lang="en-US" sz="1800" dirty="0">
-                    <a:effectLst/>
-                    <a:latin typeface="Times New Roman" panose="02020603050405020304" pitchFamily="18" charset="0"/>
-                    <a:ea typeface="Times New Roman" panose="02020603050405020304" pitchFamily="18" charset="0"/>
-                  </a:rPr>
-                  <a:t>(</a:t>
-                </a:r>
-                <a:r>
-                  <a:rPr lang="en-US" sz="1800" i="1" dirty="0">
-                    <a:effectLst/>
-                    <a:latin typeface="Times New Roman" panose="02020603050405020304" pitchFamily="18" charset="0"/>
-                    <a:ea typeface="Times New Roman" panose="02020603050405020304" pitchFamily="18" charset="0"/>
-                  </a:rPr>
-                  <a:t>N</a:t>
-                </a:r>
-                <a:r>
-                  <a:rPr lang="en-US" sz="1800" i="1" baseline="-25000" dirty="0">
-                    <a:effectLst/>
-                    <a:latin typeface="Times New Roman" panose="02020603050405020304" pitchFamily="18" charset="0"/>
-                    <a:ea typeface="Times New Roman" panose="02020603050405020304" pitchFamily="18" charset="0"/>
-                  </a:rPr>
-                  <a:t>r</a:t>
-                </a:r>
-                <a:r>
                   <a:rPr lang="en-US" sz="1800" dirty="0">
                     <a:effectLst/>
                     <a:latin typeface="Times New Roman" panose="02020603050405020304" pitchFamily="18" charset="0"/>
@@ -11016,7 +11680,7 @@
                     <a:latin typeface="Times New Roman" panose="02020603050405020304" pitchFamily="18" charset="0"/>
                     <a:ea typeface="Times New Roman" panose="02020603050405020304" pitchFamily="18" charset="0"/>
                   </a:rPr>
-                  <a:t>        </a:t>
+                  <a:t>  </a:t>
                 </a:r>
                 <a:r>
                   <a:rPr lang="en-US" sz="1800" dirty="0">
@@ -11032,7 +11696,7 @@
                     <a:latin typeface="Times New Roman" panose="02020603050405020304" pitchFamily="18" charset="0"/>
                     <a:ea typeface="Times New Roman" panose="02020603050405020304" pitchFamily="18" charset="0"/>
                   </a:rPr>
-                  <a:t> </a:t>
+                  <a:t>  </a:t>
                 </a:r>
                 <a:r>
                   <a:rPr lang="en-US" sz="1800" dirty="0">
@@ -11131,13 +11795,13 @@
             </p:nvSpPr>
             <p:spPr>
               <a:xfrm>
-                <a:off x="838200" y="1649691"/>
-                <a:ext cx="10829192" cy="5071784"/>
+                <a:off x="838200" y="1649690"/>
+                <a:ext cx="11353800" cy="5208309"/>
               </a:xfrm>
               <a:blipFill>
                 <a:blip r:embed="rId2"/>
                 <a:stretch>
-                  <a:fillRect l="-394" t="-1322"/>
+                  <a:fillRect l="-376" t="-1288"/>
                 </a:stretch>
               </a:blipFill>
             </p:spPr>
@@ -11179,7 +11843,7 @@
           <a:p>
             <a:fld id="{A439D109-9F59-4B0B-8E20-D6D3A384B1F1}" type="slidenum">
               <a:rPr lang="ko-KR" altLang="en-US" smtClean="0"/>
-              <a:t>13</a:t>
+              <a:t>14</a:t>
             </a:fld>
             <a:endParaRPr lang="ko-KR" altLang="en-US" dirty="0"/>
           </a:p>
@@ -11198,7 +11862,7 @@
 </p:sld>
 </file>
 
-<file path=ppt/slides/slide14.xml><?xml version="1.0" encoding="utf-8"?>
+<file path=ppt/slides/slide15.xml><?xml version="1.0" encoding="utf-8"?>
 <p:sld xmlns:a="http://schemas.openxmlformats.org/drawingml/2006/main" xmlns:r="http://schemas.openxmlformats.org/officeDocument/2006/relationships" xmlns:p="http://schemas.openxmlformats.org/presentationml/2006/main">
   <p:cSld>
     <p:spTree>
@@ -11264,8 +11928,8 @@
           </a:p>
         </p:txBody>
       </p:sp>
-      <mc:AlternateContent xmlns:mc="http://schemas.openxmlformats.org/markup-compatibility/2006">
-        <mc:Choice xmlns:a14="http://schemas.microsoft.com/office/drawing/2010/main" Requires="a14">
+      <mc:AlternateContent xmlns:mc="http://schemas.openxmlformats.org/markup-compatibility/2006" xmlns:a14="http://schemas.microsoft.com/office/drawing/2010/main">
+        <mc:Choice Requires="a14">
           <p:sp>
             <p:nvSpPr>
               <p:cNvPr id="3" name="Content Placeholder 2">
@@ -12826,7 +13490,7 @@
             </p:txBody>
           </p:sp>
         </mc:Choice>
-        <mc:Fallback>
+        <mc:Fallback xmlns="">
           <p:sp>
             <p:nvSpPr>
               <p:cNvPr id="3" name="Content Placeholder 2">
@@ -12893,7 +13557,7 @@
           <a:p>
             <a:fld id="{A439D109-9F59-4B0B-8E20-D6D3A384B1F1}" type="slidenum">
               <a:rPr lang="ko-KR" altLang="en-US" smtClean="0"/>
-              <a:t>14</a:t>
+              <a:t>15</a:t>
             </a:fld>
             <a:endParaRPr lang="ko-KR" altLang="en-US"/>
           </a:p>
@@ -12912,7 +13576,7 @@
 </p:sld>
 </file>
 
-<file path=ppt/slides/slide15.xml><?xml version="1.0" encoding="utf-8"?>
+<file path=ppt/slides/slide16.xml><?xml version="1.0" encoding="utf-8"?>
 <p:sld xmlns:a="http://schemas.openxmlformats.org/drawingml/2006/main" xmlns:r="http://schemas.openxmlformats.org/officeDocument/2006/relationships" xmlns:p="http://schemas.openxmlformats.org/presentationml/2006/main">
   <p:cSld>
     <p:spTree>
@@ -13641,7 +14305,7 @@
                     <a:latin typeface="Times New Roman" panose="02020603050405020304" pitchFamily="18" charset="0"/>
                     <a:ea typeface="Times New Roman" panose="02020603050405020304" pitchFamily="18" charset="0"/>
                   </a:rPr>
-                  <a:t> 0 . With the above described </a:t>
+                  <a:t> 0 . With the above-described </a:t>
                 </a:r>
                 <a:r>
                   <a:rPr lang="en-US" sz="1800" dirty="0">
@@ -13665,7 +14329,7 @@
                     <a:latin typeface="Times New Roman" panose="02020603050405020304" pitchFamily="18" charset="0"/>
                     <a:ea typeface="Times New Roman" panose="02020603050405020304" pitchFamily="18" charset="0"/>
                   </a:rPr>
-                  <a:t>expected Signal-to-     Noise Ratio (SNR) per receiving antenna, i.e. the SNR for each component of </a:t>
+                  <a:t>expected Signal-to-     Noise Ratio (SNR) per receiving antenna, i.e., the SNR for each component of </a:t>
                 </a:r>
                 <a:r>
                   <a:rPr lang="en-US" sz="1800" b="1" dirty="0">
@@ -14508,7 +15172,7 @@
           <a:p>
             <a:fld id="{A439D109-9F59-4B0B-8E20-D6D3A384B1F1}" type="slidenum">
               <a:rPr lang="ko-KR" altLang="en-US" smtClean="0"/>
-              <a:t>15</a:t>
+              <a:t>16</a:t>
             </a:fld>
             <a:endParaRPr lang="ko-KR" altLang="en-US"/>
           </a:p>
@@ -14527,7 +15191,7 @@
 </p:sld>
 </file>
 
-<file path=ppt/slides/slide16.xml><?xml version="1.0" encoding="utf-8"?>
+<file path=ppt/slides/slide17.xml><?xml version="1.0" encoding="utf-8"?>
 <p:sld xmlns:a="http://schemas.openxmlformats.org/drawingml/2006/main" xmlns:r="http://schemas.openxmlformats.org/officeDocument/2006/relationships" xmlns:p="http://schemas.openxmlformats.org/presentationml/2006/main">
   <p:cSld>
     <p:spTree>
@@ -14897,7 +15561,7 @@
           <a:p>
             <a:fld id="{A439D109-9F59-4B0B-8E20-D6D3A384B1F1}" type="slidenum">
               <a:rPr lang="ko-KR" altLang="en-US" smtClean="0"/>
-              <a:t>16</a:t>
+              <a:t>17</a:t>
             </a:fld>
             <a:endParaRPr lang="ko-KR" altLang="en-US"/>
           </a:p>
@@ -15502,7 +16166,7 @@
 </p:sld>
 </file>
 
-<file path=ppt/slides/slide17.xml><?xml version="1.0" encoding="utf-8"?>
+<file path=ppt/slides/slide18.xml><?xml version="1.0" encoding="utf-8"?>
 <p:sld xmlns:a="http://schemas.openxmlformats.org/drawingml/2006/main" xmlns:r="http://schemas.openxmlformats.org/officeDocument/2006/relationships" xmlns:p="http://schemas.openxmlformats.org/presentationml/2006/main">
   <p:cSld>
     <p:spTree>
@@ -15542,7 +16206,7 @@
           <a:p>
             <a:fld id="{A439D109-9F59-4B0B-8E20-D6D3A384B1F1}" type="slidenum">
               <a:rPr lang="ko-KR" altLang="en-US" smtClean="0"/>
-              <a:t>17</a:t>
+              <a:t>18</a:t>
             </a:fld>
             <a:endParaRPr lang="ko-KR" altLang="en-US"/>
           </a:p>
@@ -15645,6 +16309,364 @@
           <p:cNvPr id="2" name="Title 1">
             <a:extLst>
               <a:ext uri="{FF2B5EF4-FFF2-40B4-BE49-F238E27FC236}">
+                <a16:creationId xmlns:a16="http://schemas.microsoft.com/office/drawing/2014/main" id="{03E7CDDA-0711-CA09-C3AD-5112EAB13DD0}"/>
+              </a:ext>
+            </a:extLst>
+          </p:cNvPr>
+          <p:cNvSpPr>
+            <a:spLocks noGrp="1"/>
+          </p:cNvSpPr>
+          <p:nvPr>
+            <p:ph type="title"/>
+          </p:nvPr>
+        </p:nvSpPr>
+        <p:spPr/>
+        <p:txBody>
+          <a:bodyPr/>
+          <a:lstStyle/>
+          <a:p>
+            <a:r>
+              <a:rPr lang="en-US" dirty="0"/>
+              <a:t>Table of Contents</a:t>
+            </a:r>
+          </a:p>
+        </p:txBody>
+      </p:sp>
+      <p:sp>
+        <p:nvSpPr>
+          <p:cNvPr id="3" name="Content Placeholder 2">
+            <a:extLst>
+              <a:ext uri="{FF2B5EF4-FFF2-40B4-BE49-F238E27FC236}">
+                <a16:creationId xmlns:a16="http://schemas.microsoft.com/office/drawing/2014/main" id="{5B8D7C8D-4212-BB58-C933-5EB9527A7A5C}"/>
+              </a:ext>
+            </a:extLst>
+          </p:cNvPr>
+          <p:cNvSpPr>
+            <a:spLocks noGrp="1"/>
+          </p:cNvSpPr>
+          <p:nvPr>
+            <p:ph idx="1"/>
+          </p:nvPr>
+        </p:nvSpPr>
+        <p:spPr/>
+        <p:txBody>
+          <a:bodyPr/>
+          <a:lstStyle/>
+          <a:p>
+            <a:pPr>
+              <a:buFont typeface="Wingdings" panose="05000000000000000000" pitchFamily="2" charset="2"/>
+              <a:buChar char="q"/>
+            </a:pPr>
+            <a:r>
+              <a:rPr lang="en-US" sz="2000" b="1" dirty="0"/>
+              <a:t>Broadband Wireless Communication Systems</a:t>
+            </a:r>
+          </a:p>
+          <a:p>
+            <a:pPr>
+              <a:buFont typeface="Wingdings" panose="05000000000000000000" pitchFamily="2" charset="2"/>
+              <a:buChar char="q"/>
+            </a:pPr>
+            <a:r>
+              <a:rPr lang="en-US" sz="2000" b="1" i="1" dirty="0">
+                <a:effectLst/>
+                <a:latin typeface="Arial" panose="020B0604020202020204" pitchFamily="34" charset="0"/>
+                <a:ea typeface="Arial" panose="020B0604020202020204" pitchFamily="34" charset="0"/>
+              </a:rPr>
+              <a:t>Impact of Receiver</a:t>
+            </a:r>
+            <a:r>
+              <a:rPr lang="en-US" sz="2000" b="1" i="1" spc="-20" dirty="0">
+                <a:effectLst/>
+                <a:latin typeface="Arial" panose="020B0604020202020204" pitchFamily="34" charset="0"/>
+                <a:ea typeface="Arial" panose="020B0604020202020204" pitchFamily="34" charset="0"/>
+              </a:rPr>
+              <a:t> </a:t>
+            </a:r>
+            <a:r>
+              <a:rPr lang="en-US" sz="2000" b="1" i="1" dirty="0">
+                <a:effectLst/>
+                <a:latin typeface="Arial" panose="020B0604020202020204" pitchFamily="34" charset="0"/>
+                <a:ea typeface="Arial" panose="020B0604020202020204" pitchFamily="34" charset="0"/>
+              </a:rPr>
+              <a:t>diversity</a:t>
+            </a:r>
+            <a:r>
+              <a:rPr lang="en-US" sz="2000" b="1" i="1" spc="-15" dirty="0">
+                <a:effectLst/>
+                <a:latin typeface="Arial" panose="020B0604020202020204" pitchFamily="34" charset="0"/>
+                <a:ea typeface="Arial" panose="020B0604020202020204" pitchFamily="34" charset="0"/>
+              </a:rPr>
+              <a:t> </a:t>
+            </a:r>
+            <a:r>
+              <a:rPr lang="en-US" sz="2000" b="1" i="1" dirty="0">
+                <a:effectLst/>
+                <a:latin typeface="Arial" panose="020B0604020202020204" pitchFamily="34" charset="0"/>
+                <a:ea typeface="Arial" panose="020B0604020202020204" pitchFamily="34" charset="0"/>
+              </a:rPr>
+              <a:t>techniques</a:t>
+            </a:r>
+          </a:p>
+          <a:p>
+            <a:pPr>
+              <a:buFont typeface="Wingdings" panose="05000000000000000000" pitchFamily="2" charset="2"/>
+              <a:buChar char="q"/>
+            </a:pPr>
+            <a:r>
+              <a:rPr lang="en-US" b="1" i="1" dirty="0">
+                <a:ea typeface="Arial" panose="020B0604020202020204" pitchFamily="34" charset="0"/>
+              </a:rPr>
+              <a:t>Some Diversity techniques</a:t>
+            </a:r>
+          </a:p>
+          <a:p>
+            <a:pPr marL="0" indent="0">
+              <a:buNone/>
+            </a:pPr>
+            <a:endParaRPr lang="en-US" sz="2000" b="1" i="1" dirty="0">
+              <a:effectLst/>
+              <a:latin typeface="Arial" panose="020B0604020202020204" pitchFamily="34" charset="0"/>
+              <a:ea typeface="Arial" panose="020B0604020202020204" pitchFamily="34" charset="0"/>
+            </a:endParaRPr>
+          </a:p>
+          <a:p>
+            <a:pPr lvl="2">
+              <a:buFont typeface="Wingdings" panose="05000000000000000000" pitchFamily="2" charset="2"/>
+              <a:buChar char="v"/>
+            </a:pPr>
+            <a:r>
+              <a:rPr lang="en-US" dirty="0"/>
+              <a:t>  Frequency and Time diversity</a:t>
+            </a:r>
+          </a:p>
+          <a:p>
+            <a:pPr lvl="2">
+              <a:buFont typeface="Wingdings" panose="05000000000000000000" pitchFamily="2" charset="2"/>
+              <a:buChar char="v"/>
+            </a:pPr>
+            <a:r>
+              <a:rPr lang="en-US" dirty="0"/>
+              <a:t> Space diversity</a:t>
+            </a:r>
+          </a:p>
+          <a:p>
+            <a:pPr lvl="2">
+              <a:buFont typeface="Wingdings" panose="05000000000000000000" pitchFamily="2" charset="2"/>
+              <a:buChar char="v"/>
+            </a:pPr>
+            <a:r>
+              <a:rPr lang="en-US" dirty="0"/>
+              <a:t> Polarization diversity</a:t>
+            </a:r>
+          </a:p>
+          <a:p>
+            <a:pPr lvl="2">
+              <a:buFont typeface="Wingdings" panose="05000000000000000000" pitchFamily="2" charset="2"/>
+              <a:buChar char="v"/>
+            </a:pPr>
+            <a:r>
+              <a:rPr lang="en-US" dirty="0"/>
+              <a:t> Selection diversity</a:t>
+            </a:r>
+          </a:p>
+          <a:p>
+            <a:pPr lvl="2">
+              <a:buFont typeface="Wingdings" panose="05000000000000000000" pitchFamily="2" charset="2"/>
+              <a:buChar char="v"/>
+            </a:pPr>
+            <a:r>
+              <a:rPr lang="en-US" dirty="0"/>
+              <a:t> Maximal Ratio and Equal Gain Combining</a:t>
+            </a:r>
+          </a:p>
+          <a:p>
+            <a:pPr marL="914400" lvl="2" indent="0">
+              <a:buNone/>
+            </a:pPr>
+            <a:endParaRPr lang="en-US" dirty="0"/>
+          </a:p>
+          <a:p>
+            <a:pPr>
+              <a:buFont typeface="Wingdings" panose="05000000000000000000" pitchFamily="2" charset="2"/>
+              <a:buChar char="q"/>
+            </a:pPr>
+            <a:r>
+              <a:rPr lang="en-US" sz="2000" b="1" dirty="0">
+                <a:effectLst/>
+                <a:latin typeface="Arial" panose="020B0604020202020204" pitchFamily="34" charset="0"/>
+                <a:ea typeface="Arial" panose="020B0604020202020204" pitchFamily="34" charset="0"/>
+              </a:rPr>
+              <a:t>Multi-Antenna</a:t>
+            </a:r>
+            <a:r>
+              <a:rPr lang="en-US" sz="2000" b="1" spc="-15" dirty="0">
+                <a:effectLst/>
+                <a:latin typeface="Arial" panose="020B0604020202020204" pitchFamily="34" charset="0"/>
+                <a:ea typeface="Arial" panose="020B0604020202020204" pitchFamily="34" charset="0"/>
+              </a:rPr>
+              <a:t> </a:t>
+            </a:r>
+            <a:r>
+              <a:rPr lang="en-US" sz="2000" b="1" dirty="0">
+                <a:effectLst/>
+                <a:latin typeface="Arial" panose="020B0604020202020204" pitchFamily="34" charset="0"/>
+                <a:ea typeface="Arial" panose="020B0604020202020204" pitchFamily="34" charset="0"/>
+              </a:rPr>
+              <a:t>Link:</a:t>
+            </a:r>
+            <a:r>
+              <a:rPr lang="en-US" sz="2000" b="1" spc="-10" dirty="0">
+                <a:effectLst/>
+                <a:latin typeface="Arial" panose="020B0604020202020204" pitchFamily="34" charset="0"/>
+                <a:ea typeface="Arial" panose="020B0604020202020204" pitchFamily="34" charset="0"/>
+              </a:rPr>
+              <a:t> </a:t>
+            </a:r>
+            <a:r>
+              <a:rPr lang="en-US" sz="2000" b="1" dirty="0">
+                <a:effectLst/>
+                <a:latin typeface="Arial" panose="020B0604020202020204" pitchFamily="34" charset="0"/>
+                <a:ea typeface="Arial" panose="020B0604020202020204" pitchFamily="34" charset="0"/>
+              </a:rPr>
+              <a:t>Signal</a:t>
+            </a:r>
+            <a:r>
+              <a:rPr lang="en-US" sz="2000" b="1" spc="-10" dirty="0">
+                <a:effectLst/>
+                <a:latin typeface="Arial" panose="020B0604020202020204" pitchFamily="34" charset="0"/>
+                <a:ea typeface="Arial" panose="020B0604020202020204" pitchFamily="34" charset="0"/>
+              </a:rPr>
+              <a:t> </a:t>
+            </a:r>
+            <a:r>
+              <a:rPr lang="en-US" sz="2000" b="1" dirty="0">
+                <a:effectLst/>
+                <a:latin typeface="Arial" panose="020B0604020202020204" pitchFamily="34" charset="0"/>
+                <a:ea typeface="Arial" panose="020B0604020202020204" pitchFamily="34" charset="0"/>
+              </a:rPr>
+              <a:t>model and</a:t>
+            </a:r>
+            <a:r>
+              <a:rPr lang="en-US" sz="2000" b="1" spc="-25" dirty="0">
+                <a:effectLst/>
+                <a:latin typeface="Arial" panose="020B0604020202020204" pitchFamily="34" charset="0"/>
+                <a:ea typeface="Arial" panose="020B0604020202020204" pitchFamily="34" charset="0"/>
+              </a:rPr>
+              <a:t> </a:t>
+            </a:r>
+            <a:r>
+              <a:rPr lang="en-US" sz="2000" b="1" dirty="0">
+                <a:effectLst/>
+                <a:latin typeface="Arial" panose="020B0604020202020204" pitchFamily="34" charset="0"/>
+                <a:ea typeface="Arial" panose="020B0604020202020204" pitchFamily="34" charset="0"/>
+              </a:rPr>
+              <a:t>SDM techniques</a:t>
+            </a:r>
+          </a:p>
+          <a:p>
+            <a:pPr>
+              <a:buFont typeface="Wingdings" panose="05000000000000000000" pitchFamily="2" charset="2"/>
+              <a:buChar char="q"/>
+            </a:pPr>
+            <a:r>
+              <a:rPr lang="en-US" sz="2000" b="1" i="1" dirty="0">
+                <a:effectLst/>
+                <a:latin typeface="Arial" panose="020B0604020202020204" pitchFamily="34" charset="0"/>
+                <a:ea typeface="Arial" panose="020B0604020202020204" pitchFamily="34" charset="0"/>
+              </a:rPr>
+              <a:t>Signal</a:t>
+            </a:r>
+            <a:r>
+              <a:rPr lang="en-US" sz="2000" b="1" i="1" spc="-5" dirty="0">
+                <a:effectLst/>
+                <a:latin typeface="Arial" panose="020B0604020202020204" pitchFamily="34" charset="0"/>
+                <a:ea typeface="Arial" panose="020B0604020202020204" pitchFamily="34" charset="0"/>
+              </a:rPr>
+              <a:t> </a:t>
+            </a:r>
+            <a:r>
+              <a:rPr lang="en-US" sz="2000" b="1" i="1" dirty="0">
+                <a:effectLst/>
+                <a:latin typeface="Arial" panose="020B0604020202020204" pitchFamily="34" charset="0"/>
+                <a:ea typeface="Arial" panose="020B0604020202020204" pitchFamily="34" charset="0"/>
+              </a:rPr>
+              <a:t>model</a:t>
+            </a:r>
+            <a:endParaRPr lang="en-US" sz="2000" dirty="0"/>
+          </a:p>
+          <a:p>
+            <a:pPr marL="0" indent="0">
+              <a:buNone/>
+            </a:pPr>
+            <a:endParaRPr lang="en-US" dirty="0"/>
+          </a:p>
+        </p:txBody>
+      </p:sp>
+      <p:sp>
+        <p:nvSpPr>
+          <p:cNvPr id="4" name="Slide Number Placeholder 3">
+            <a:extLst>
+              <a:ext uri="{FF2B5EF4-FFF2-40B4-BE49-F238E27FC236}">
+                <a16:creationId xmlns:a16="http://schemas.microsoft.com/office/drawing/2014/main" id="{F72DC98F-B9E7-340A-826B-722346CDA322}"/>
+              </a:ext>
+            </a:extLst>
+          </p:cNvPr>
+          <p:cNvSpPr>
+            <a:spLocks noGrp="1"/>
+          </p:cNvSpPr>
+          <p:nvPr>
+            <p:ph type="sldNum" sz="quarter" idx="12"/>
+          </p:nvPr>
+        </p:nvSpPr>
+        <p:spPr/>
+        <p:txBody>
+          <a:bodyPr/>
+          <a:lstStyle/>
+          <a:p>
+            <a:fld id="{A439D109-9F59-4B0B-8E20-D6D3A384B1F1}" type="slidenum">
+              <a:rPr lang="ko-KR" altLang="en-US" smtClean="0"/>
+              <a:t>2</a:t>
+            </a:fld>
+            <a:endParaRPr lang="ko-KR" altLang="en-US"/>
+          </a:p>
+        </p:txBody>
+      </p:sp>
+    </p:spTree>
+    <p:extLst>
+      <p:ext uri="{BB962C8B-B14F-4D97-AF65-F5344CB8AC3E}">
+        <p14:creationId xmlns:p14="http://schemas.microsoft.com/office/powerpoint/2010/main" val="2518138119"/>
+      </p:ext>
+    </p:extLst>
+  </p:cSld>
+  <p:clrMapOvr>
+    <a:masterClrMapping/>
+  </p:clrMapOvr>
+</p:sld>
+</file>
+
+<file path=ppt/slides/slide3.xml><?xml version="1.0" encoding="utf-8"?>
+<p:sld xmlns:a="http://schemas.openxmlformats.org/drawingml/2006/main" xmlns:r="http://schemas.openxmlformats.org/officeDocument/2006/relationships" xmlns:p="http://schemas.openxmlformats.org/presentationml/2006/main">
+  <p:cSld>
+    <p:spTree>
+      <p:nvGrpSpPr>
+        <p:cNvPr id="1" name=""/>
+        <p:cNvGrpSpPr/>
+        <p:nvPr/>
+      </p:nvGrpSpPr>
+      <p:grpSpPr>
+        <a:xfrm>
+          <a:off x="0" y="0"/>
+          <a:ext cx="0" cy="0"/>
+          <a:chOff x="0" y="0"/>
+          <a:chExt cx="0" cy="0"/>
+        </a:xfrm>
+      </p:grpSpPr>
+      <p:sp>
+        <p:nvSpPr>
+          <p:cNvPr id="2" name="Title 1">
+            <a:extLst>
+              <a:ext uri="{FF2B5EF4-FFF2-40B4-BE49-F238E27FC236}">
                 <a16:creationId xmlns:a16="http://schemas.microsoft.com/office/drawing/2014/main" id="{9A74A1BD-3C56-490B-CF65-E72419657E87}"/>
               </a:ext>
             </a:extLst>
@@ -15799,7 +16821,7 @@
           <a:p>
             <a:fld id="{A439D109-9F59-4B0B-8E20-D6D3A384B1F1}" type="slidenum">
               <a:rPr lang="ko-KR" altLang="en-US" smtClean="0"/>
-              <a:t>2</a:t>
+              <a:t>3</a:t>
             </a:fld>
             <a:endParaRPr lang="ko-KR" altLang="en-US"/>
           </a:p>
@@ -15818,7 +16840,7 @@
 </p:sld>
 </file>
 
-<file path=ppt/slides/slide3.xml><?xml version="1.0" encoding="utf-8"?>
+<file path=ppt/slides/slide4.xml><?xml version="1.0" encoding="utf-8"?>
 <p:sld xmlns:a="http://schemas.openxmlformats.org/drawingml/2006/main" xmlns:r="http://schemas.openxmlformats.org/officeDocument/2006/relationships" xmlns:p="http://schemas.openxmlformats.org/presentationml/2006/main">
   <p:cSld>
     <p:spTree>
@@ -15967,7 +16989,7 @@
           <a:p>
             <a:fld id="{A439D109-9F59-4B0B-8E20-D6D3A384B1F1}" type="slidenum">
               <a:rPr lang="ko-KR" altLang="en-US" smtClean="0"/>
-              <a:t>3</a:t>
+              <a:t>4</a:t>
             </a:fld>
             <a:endParaRPr lang="ko-KR" altLang="en-US"/>
           </a:p>
@@ -15986,7 +17008,7 @@
 </p:sld>
 </file>
 
-<file path=ppt/slides/slide4.xml><?xml version="1.0" encoding="utf-8"?>
+<file path=ppt/slides/slide5.xml><?xml version="1.0" encoding="utf-8"?>
 <p:sld xmlns:a="http://schemas.openxmlformats.org/drawingml/2006/main" xmlns:r="http://schemas.openxmlformats.org/officeDocument/2006/relationships" xmlns:p="http://schemas.openxmlformats.org/presentationml/2006/main">
   <p:cSld>
     <p:spTree>
@@ -16090,7 +17112,7 @@
             </a:r>
             <a:r>
               <a:rPr lang="en-US" dirty="0"/>
-              <a:t>transmits the same signal multiple times, with a time spacing between        transmissions that is greater than the coherence time of the channel. This ensures that the     multiple repetitions of the signal will be received with independent fading conditions.</a:t>
+              <a:t>transmits the same signal multiple times, with a time spacing between         transmissions that is greater than the coherence time of the channel. This ensures that     the multiple repetitions of the signal will be received with independent fading conditions.</a:t>
             </a:r>
           </a:p>
         </p:txBody>
@@ -16118,7 +17140,7 @@
           <a:p>
             <a:fld id="{A439D109-9F59-4B0B-8E20-D6D3A384B1F1}" type="slidenum">
               <a:rPr lang="ko-KR" altLang="en-US" smtClean="0"/>
-              <a:t>4</a:t>
+              <a:t>5</a:t>
             </a:fld>
             <a:endParaRPr lang="ko-KR" altLang="en-US"/>
           </a:p>
@@ -16137,7 +17159,7 @@
 </p:sld>
 </file>
 
-<file path=ppt/slides/slide5.xml><?xml version="1.0" encoding="utf-8"?>
+<file path=ppt/slides/slide6.xml><?xml version="1.0" encoding="utf-8"?>
 <p:sld xmlns:a="http://schemas.openxmlformats.org/drawingml/2006/main" xmlns:r="http://schemas.openxmlformats.org/officeDocument/2006/relationships" xmlns:p="http://schemas.openxmlformats.org/presentationml/2006/main">
   <p:cSld>
     <p:spTree>
@@ -16251,7 +17273,7 @@
           <a:p>
             <a:fld id="{A439D109-9F59-4B0B-8E20-D6D3A384B1F1}" type="slidenum">
               <a:rPr lang="ko-KR" altLang="en-US" smtClean="0"/>
-              <a:t>5</a:t>
+              <a:t>6</a:t>
             </a:fld>
             <a:endParaRPr lang="ko-KR" altLang="en-US"/>
           </a:p>
@@ -16270,7 +17292,7 @@
 </p:sld>
 </file>
 
-<file path=ppt/slides/slide6.xml><?xml version="1.0" encoding="utf-8"?>
+<file path=ppt/slides/slide7.xml><?xml version="1.0" encoding="utf-8"?>
 <p:sld xmlns:a="http://schemas.openxmlformats.org/drawingml/2006/main" xmlns:r="http://schemas.openxmlformats.org/officeDocument/2006/relationships" xmlns:p="http://schemas.openxmlformats.org/presentationml/2006/main">
   <p:cSld>
     <p:spTree>
@@ -16385,7 +17407,7 @@
           <a:p>
             <a:fld id="{A439D109-9F59-4B0B-8E20-D6D3A384B1F1}" type="slidenum">
               <a:rPr lang="ko-KR" altLang="en-US" smtClean="0"/>
-              <a:t>6</a:t>
+              <a:t>7</a:t>
             </a:fld>
             <a:endParaRPr lang="ko-KR" altLang="en-US"/>
           </a:p>
@@ -16404,7 +17426,7 @@
 </p:sld>
 </file>
 
-<file path=ppt/slides/slide7.xml><?xml version="1.0" encoding="utf-8"?>
+<file path=ppt/slides/slide8.xml><?xml version="1.0" encoding="utf-8"?>
 <p:sld xmlns:a="http://schemas.openxmlformats.org/drawingml/2006/main" xmlns:r="http://schemas.openxmlformats.org/officeDocument/2006/relationships" xmlns:p="http://schemas.openxmlformats.org/presentationml/2006/main">
   <p:cSld>
     <p:spTree>
@@ -16507,7 +17529,7 @@
           <a:p>
             <a:fld id="{A439D109-9F59-4B0B-8E20-D6D3A384B1F1}" type="slidenum">
               <a:rPr lang="ko-KR" altLang="en-US" smtClean="0"/>
-              <a:t>7</a:t>
+              <a:t>8</a:t>
             </a:fld>
             <a:endParaRPr lang="ko-KR" altLang="en-US"/>
           </a:p>
@@ -16578,7 +17600,7 @@
 </p:sld>
 </file>
 
-<file path=ppt/slides/slide8.xml><?xml version="1.0" encoding="utf-8"?>
+<file path=ppt/slides/slide9.xml><?xml version="1.0" encoding="utf-8"?>
 <p:sld xmlns:a="http://schemas.openxmlformats.org/drawingml/2006/main" xmlns:r="http://schemas.openxmlformats.org/officeDocument/2006/relationships" xmlns:p="http://schemas.openxmlformats.org/presentationml/2006/main">
   <p:cSld>
     <p:spTree>
@@ -16731,7 +17753,7 @@
           <a:p>
             <a:fld id="{A439D109-9F59-4B0B-8E20-D6D3A384B1F1}" type="slidenum">
               <a:rPr lang="ko-KR" altLang="en-US" smtClean="0"/>
-              <a:t>8</a:t>
+              <a:t>9</a:t>
             </a:fld>
             <a:endParaRPr lang="ko-KR" altLang="en-US"/>
           </a:p>
@@ -17220,571 +18242,6 @@
     <p:extLst>
       <p:ext uri="{BB962C8B-B14F-4D97-AF65-F5344CB8AC3E}">
         <p14:creationId xmlns:p14="http://schemas.microsoft.com/office/powerpoint/2010/main" val="2257551155"/>
-      </p:ext>
-    </p:extLst>
-  </p:cSld>
-  <p:clrMapOvr>
-    <a:masterClrMapping/>
-  </p:clrMapOvr>
-</p:sld>
-</file>
-
-<file path=ppt/slides/slide9.xml><?xml version="1.0" encoding="utf-8"?>
-<p:sld xmlns:a="http://schemas.openxmlformats.org/drawingml/2006/main" xmlns:r="http://schemas.openxmlformats.org/officeDocument/2006/relationships" xmlns:p="http://schemas.openxmlformats.org/presentationml/2006/main">
-  <p:cSld>
-    <p:spTree>
-      <p:nvGrpSpPr>
-        <p:cNvPr id="1" name=""/>
-        <p:cNvGrpSpPr/>
-        <p:nvPr/>
-      </p:nvGrpSpPr>
-      <p:grpSpPr>
-        <a:xfrm>
-          <a:off x="0" y="0"/>
-          <a:ext cx="0" cy="0"/>
-          <a:chOff x="0" y="0"/>
-          <a:chExt cx="0" cy="0"/>
-        </a:xfrm>
-      </p:grpSpPr>
-      <p:sp>
-        <p:nvSpPr>
-          <p:cNvPr id="2" name="Title 1">
-            <a:extLst>
-              <a:ext uri="{FF2B5EF4-FFF2-40B4-BE49-F238E27FC236}">
-                <a16:creationId xmlns:a16="http://schemas.microsoft.com/office/drawing/2014/main" id="{55825A48-323A-30C9-6A16-86D66D19B812}"/>
-              </a:ext>
-            </a:extLst>
-          </p:cNvPr>
-          <p:cNvSpPr>
-            <a:spLocks noGrp="1"/>
-          </p:cNvSpPr>
-          <p:nvPr>
-            <p:ph type="title"/>
-          </p:nvPr>
-        </p:nvSpPr>
-        <p:spPr/>
-        <p:txBody>
-          <a:bodyPr/>
-          <a:lstStyle/>
-          <a:p>
-            <a:r>
-              <a:rPr lang="en-US" sz="1800" b="1" dirty="0">
-                <a:effectLst/>
-                <a:latin typeface="Arial" panose="020B0604020202020204" pitchFamily="34" charset="0"/>
-                <a:ea typeface="Arial" panose="020B0604020202020204" pitchFamily="34" charset="0"/>
-              </a:rPr>
-              <a:t>Multi-Antenna</a:t>
-            </a:r>
-            <a:r>
-              <a:rPr lang="en-US" sz="1800" b="1" spc="-15" dirty="0">
-                <a:effectLst/>
-                <a:latin typeface="Arial" panose="020B0604020202020204" pitchFamily="34" charset="0"/>
-                <a:ea typeface="Arial" panose="020B0604020202020204" pitchFamily="34" charset="0"/>
-              </a:rPr>
-              <a:t> </a:t>
-            </a:r>
-            <a:r>
-              <a:rPr lang="en-US" sz="1800" b="1" dirty="0">
-                <a:effectLst/>
-                <a:latin typeface="Arial" panose="020B0604020202020204" pitchFamily="34" charset="0"/>
-                <a:ea typeface="Arial" panose="020B0604020202020204" pitchFamily="34" charset="0"/>
-              </a:rPr>
-              <a:t>Link:</a:t>
-            </a:r>
-            <a:r>
-              <a:rPr lang="en-US" sz="1800" b="1" spc="-10" dirty="0">
-                <a:effectLst/>
-                <a:latin typeface="Arial" panose="020B0604020202020204" pitchFamily="34" charset="0"/>
-                <a:ea typeface="Arial" panose="020B0604020202020204" pitchFamily="34" charset="0"/>
-              </a:rPr>
-              <a:t> </a:t>
-            </a:r>
-            <a:r>
-              <a:rPr lang="en-US" sz="1800" b="1" dirty="0">
-                <a:effectLst/>
-                <a:latin typeface="Arial" panose="020B0604020202020204" pitchFamily="34" charset="0"/>
-                <a:ea typeface="Arial" panose="020B0604020202020204" pitchFamily="34" charset="0"/>
-              </a:rPr>
-              <a:t>Signal</a:t>
-            </a:r>
-            <a:r>
-              <a:rPr lang="en-US" sz="1800" b="1" spc="-10" dirty="0">
-                <a:effectLst/>
-                <a:latin typeface="Arial" panose="020B0604020202020204" pitchFamily="34" charset="0"/>
-                <a:ea typeface="Arial" panose="020B0604020202020204" pitchFamily="34" charset="0"/>
-              </a:rPr>
-              <a:t> </a:t>
-            </a:r>
-            <a:r>
-              <a:rPr lang="en-US" sz="1800" b="1" dirty="0">
-                <a:effectLst/>
-                <a:latin typeface="Arial" panose="020B0604020202020204" pitchFamily="34" charset="0"/>
-                <a:ea typeface="Arial" panose="020B0604020202020204" pitchFamily="34" charset="0"/>
-              </a:rPr>
-              <a:t>model and</a:t>
-            </a:r>
-            <a:r>
-              <a:rPr lang="en-US" sz="1800" b="1" spc="-25" dirty="0">
-                <a:effectLst/>
-                <a:latin typeface="Arial" panose="020B0604020202020204" pitchFamily="34" charset="0"/>
-                <a:ea typeface="Arial" panose="020B0604020202020204" pitchFamily="34" charset="0"/>
-              </a:rPr>
-              <a:t> </a:t>
-            </a:r>
-            <a:r>
-              <a:rPr lang="en-US" sz="1800" b="1" dirty="0">
-                <a:effectLst/>
-                <a:latin typeface="Arial" panose="020B0604020202020204" pitchFamily="34" charset="0"/>
-                <a:ea typeface="Arial" panose="020B0604020202020204" pitchFamily="34" charset="0"/>
-              </a:rPr>
-              <a:t>SDM techniques</a:t>
-            </a:r>
-            <a:endParaRPr lang="en-US" dirty="0"/>
-          </a:p>
-        </p:txBody>
-      </p:sp>
-      <p:sp>
-        <p:nvSpPr>
-          <p:cNvPr id="3" name="Content Placeholder 2">
-            <a:extLst>
-              <a:ext uri="{FF2B5EF4-FFF2-40B4-BE49-F238E27FC236}">
-                <a16:creationId xmlns:a16="http://schemas.microsoft.com/office/drawing/2014/main" id="{98A93A0E-6621-7397-ACE8-9C26F53E2036}"/>
-              </a:ext>
-            </a:extLst>
-          </p:cNvPr>
-          <p:cNvSpPr>
-            <a:spLocks noGrp="1"/>
-          </p:cNvSpPr>
-          <p:nvPr>
-            <p:ph idx="1"/>
-          </p:nvPr>
-        </p:nvSpPr>
-        <p:spPr>
-          <a:xfrm>
-            <a:off x="838200" y="1649691"/>
-            <a:ext cx="11353800" cy="5071784"/>
-          </a:xfrm>
-        </p:spPr>
-        <p:txBody>
-          <a:bodyPr/>
-          <a:lstStyle/>
-          <a:p>
-            <a:pPr>
-              <a:lnSpc>
-                <a:spcPct val="150000"/>
-              </a:lnSpc>
-            </a:pPr>
-            <a:r>
-              <a:rPr lang="en-US" sz="1800" dirty="0">
-                <a:effectLst/>
-                <a:latin typeface="Times New Roman" panose="02020603050405020304" pitchFamily="18" charset="0"/>
-                <a:ea typeface="Times New Roman" panose="02020603050405020304" pitchFamily="18" charset="0"/>
-              </a:rPr>
-              <a:t>One way to increase the capacity of wireless communication systems is by exploiting the spatial</a:t>
-            </a:r>
-            <a:r>
-              <a:rPr lang="en-US" sz="1800" spc="5" dirty="0">
-                <a:effectLst/>
-                <a:latin typeface="Times New Roman" panose="02020603050405020304" pitchFamily="18" charset="0"/>
-                <a:ea typeface="Times New Roman" panose="02020603050405020304" pitchFamily="18" charset="0"/>
-              </a:rPr>
-              <a:t> </a:t>
-            </a:r>
-            <a:r>
-              <a:rPr lang="en-US" sz="1800" dirty="0">
-                <a:effectLst/>
-                <a:latin typeface="Times New Roman" panose="02020603050405020304" pitchFamily="18" charset="0"/>
-                <a:ea typeface="Times New Roman" panose="02020603050405020304" pitchFamily="18" charset="0"/>
-              </a:rPr>
-              <a:t>dimension using        multiple antennas at the receiver as well as at the transmitter. This type of transmission is </a:t>
-            </a:r>
-            <a:r>
-              <a:rPr lang="en-US" sz="1800" dirty="0">
-                <a:solidFill>
-                  <a:schemeClr val="accent1">
-                    <a:lumMod val="75000"/>
-                  </a:schemeClr>
-                </a:solidFill>
-                <a:effectLst/>
-                <a:latin typeface="Times New Roman" panose="02020603050405020304" pitchFamily="18" charset="0"/>
-                <a:ea typeface="Times New Roman" panose="02020603050405020304" pitchFamily="18" charset="0"/>
-              </a:rPr>
-              <a:t>called Space Division               Multiplexing (SDM). </a:t>
-            </a:r>
-            <a:endParaRPr lang="en-US" sz="1800" dirty="0">
-              <a:solidFill>
-                <a:schemeClr val="accent1">
-                  <a:lumMod val="75000"/>
-                </a:schemeClr>
-              </a:solidFill>
-              <a:latin typeface="Times New Roman" panose="02020603050405020304" pitchFamily="18" charset="0"/>
-              <a:ea typeface="Times New Roman" panose="02020603050405020304" pitchFamily="18" charset="0"/>
-            </a:endParaRPr>
-          </a:p>
-          <a:p>
-            <a:pPr>
-              <a:lnSpc>
-                <a:spcPct val="150000"/>
-              </a:lnSpc>
-            </a:pPr>
-            <a:r>
-              <a:rPr lang="en-US" sz="1800" dirty="0">
-                <a:effectLst/>
-                <a:latin typeface="Times New Roman" panose="02020603050405020304" pitchFamily="18" charset="0"/>
-                <a:ea typeface="Times New Roman" panose="02020603050405020304" pitchFamily="18" charset="0"/>
-              </a:rPr>
-              <a:t>In this</a:t>
-            </a:r>
-            <a:r>
-              <a:rPr lang="en-US" sz="1800" spc="5" dirty="0">
-                <a:effectLst/>
-                <a:latin typeface="Times New Roman" panose="02020603050405020304" pitchFamily="18" charset="0"/>
-                <a:ea typeface="Times New Roman" panose="02020603050405020304" pitchFamily="18" charset="0"/>
-              </a:rPr>
-              <a:t> </a:t>
-            </a:r>
-            <a:r>
-              <a:rPr lang="en-US" sz="1800" dirty="0">
-                <a:effectLst/>
-                <a:latin typeface="Times New Roman" panose="02020603050405020304" pitchFamily="18" charset="0"/>
-                <a:ea typeface="Times New Roman" panose="02020603050405020304" pitchFamily="18" charset="0"/>
-              </a:rPr>
-              <a:t>chapter,</a:t>
-            </a:r>
-            <a:r>
-              <a:rPr lang="en-US" sz="1800" spc="5" dirty="0">
-                <a:effectLst/>
-                <a:latin typeface="Times New Roman" panose="02020603050405020304" pitchFamily="18" charset="0"/>
-                <a:ea typeface="Times New Roman" panose="02020603050405020304" pitchFamily="18" charset="0"/>
-              </a:rPr>
-              <a:t> </a:t>
-            </a:r>
-            <a:r>
-              <a:rPr lang="en-US" sz="1800" dirty="0">
-                <a:effectLst/>
-                <a:latin typeface="Times New Roman" panose="02020603050405020304" pitchFamily="18" charset="0"/>
-                <a:ea typeface="Times New Roman" panose="02020603050405020304" pitchFamily="18" charset="0"/>
-              </a:rPr>
-              <a:t>a</a:t>
-            </a:r>
-            <a:r>
-              <a:rPr lang="en-US" sz="1800" spc="5" dirty="0">
-                <a:effectLst/>
-                <a:latin typeface="Times New Roman" panose="02020603050405020304" pitchFamily="18" charset="0"/>
-                <a:ea typeface="Times New Roman" panose="02020603050405020304" pitchFamily="18" charset="0"/>
-              </a:rPr>
-              <a:t> </a:t>
-            </a:r>
-            <a:r>
-              <a:rPr lang="en-US" sz="1800" dirty="0">
-                <a:effectLst/>
-                <a:latin typeface="Times New Roman" panose="02020603050405020304" pitchFamily="18" charset="0"/>
-                <a:ea typeface="Times New Roman" panose="02020603050405020304" pitchFamily="18" charset="0"/>
-              </a:rPr>
-              <a:t>number</a:t>
-            </a:r>
-            <a:r>
-              <a:rPr lang="en-US" sz="1800" spc="5" dirty="0">
-                <a:effectLst/>
-                <a:latin typeface="Times New Roman" panose="02020603050405020304" pitchFamily="18" charset="0"/>
-                <a:ea typeface="Times New Roman" panose="02020603050405020304" pitchFamily="18" charset="0"/>
-              </a:rPr>
-              <a:t> </a:t>
-            </a:r>
-            <a:r>
-              <a:rPr lang="en-US" sz="1800" dirty="0">
-                <a:effectLst/>
-                <a:latin typeface="Times New Roman" panose="02020603050405020304" pitchFamily="18" charset="0"/>
-                <a:ea typeface="Times New Roman" panose="02020603050405020304" pitchFamily="18" charset="0"/>
-              </a:rPr>
-              <a:t>of</a:t>
-            </a:r>
-            <a:r>
-              <a:rPr lang="en-US" sz="1800" spc="5" dirty="0">
-                <a:effectLst/>
-                <a:latin typeface="Times New Roman" panose="02020603050405020304" pitchFamily="18" charset="0"/>
-                <a:ea typeface="Times New Roman" panose="02020603050405020304" pitchFamily="18" charset="0"/>
-              </a:rPr>
-              <a:t> </a:t>
-            </a:r>
-            <a:r>
-              <a:rPr lang="en-US" sz="1800" dirty="0">
-                <a:effectLst/>
-                <a:latin typeface="Times New Roman" panose="02020603050405020304" pitchFamily="18" charset="0"/>
-                <a:ea typeface="Times New Roman" panose="02020603050405020304" pitchFamily="18" charset="0"/>
-              </a:rPr>
-              <a:t>different</a:t>
-            </a:r>
-            <a:r>
-              <a:rPr lang="en-US" sz="1800" spc="5" dirty="0">
-                <a:effectLst/>
-                <a:latin typeface="Times New Roman" panose="02020603050405020304" pitchFamily="18" charset="0"/>
-                <a:ea typeface="Times New Roman" panose="02020603050405020304" pitchFamily="18" charset="0"/>
-              </a:rPr>
-              <a:t> </a:t>
-            </a:r>
-            <a:r>
-              <a:rPr lang="en-US" sz="1800" dirty="0">
-                <a:effectLst/>
-                <a:latin typeface="Times New Roman" panose="02020603050405020304" pitchFamily="18" charset="0"/>
-                <a:ea typeface="Times New Roman" panose="02020603050405020304" pitchFamily="18" charset="0"/>
-              </a:rPr>
-              <a:t>decoding</a:t>
-            </a:r>
-            <a:r>
-              <a:rPr lang="en-US" sz="1800" spc="5" dirty="0">
-                <a:effectLst/>
-                <a:latin typeface="Times New Roman" panose="02020603050405020304" pitchFamily="18" charset="0"/>
-                <a:ea typeface="Times New Roman" panose="02020603050405020304" pitchFamily="18" charset="0"/>
-              </a:rPr>
-              <a:t> </a:t>
-            </a:r>
-            <a:r>
-              <a:rPr lang="en-US" sz="1800" dirty="0">
-                <a:solidFill>
-                  <a:schemeClr val="accent1">
-                    <a:lumMod val="50000"/>
-                  </a:schemeClr>
-                </a:solidFill>
-                <a:effectLst/>
-                <a:latin typeface="Times New Roman" panose="02020603050405020304" pitchFamily="18" charset="0"/>
-                <a:ea typeface="Times New Roman" panose="02020603050405020304" pitchFamily="18" charset="0"/>
-              </a:rPr>
-              <a:t>algorithms</a:t>
-            </a:r>
-            <a:r>
-              <a:rPr lang="en-US" sz="1800" spc="5" dirty="0">
-                <a:solidFill>
-                  <a:schemeClr val="accent1">
-                    <a:lumMod val="50000"/>
-                  </a:schemeClr>
-                </a:solidFill>
-                <a:effectLst/>
-                <a:latin typeface="Times New Roman" panose="02020603050405020304" pitchFamily="18" charset="0"/>
-                <a:ea typeface="Times New Roman" panose="02020603050405020304" pitchFamily="18" charset="0"/>
-              </a:rPr>
-              <a:t> </a:t>
-            </a:r>
-            <a:r>
-              <a:rPr lang="en-US" sz="1800" dirty="0">
-                <a:solidFill>
-                  <a:schemeClr val="accent1">
-                    <a:lumMod val="50000"/>
-                  </a:schemeClr>
-                </a:solidFill>
-                <a:effectLst/>
-                <a:latin typeface="Times New Roman" panose="02020603050405020304" pitchFamily="18" charset="0"/>
-                <a:ea typeface="Times New Roman" panose="02020603050405020304" pitchFamily="18" charset="0"/>
-              </a:rPr>
-              <a:t>for</a:t>
-            </a:r>
-            <a:r>
-              <a:rPr lang="en-US" sz="1800" spc="5" dirty="0">
-                <a:solidFill>
-                  <a:schemeClr val="accent1">
-                    <a:lumMod val="50000"/>
-                  </a:schemeClr>
-                </a:solidFill>
-                <a:effectLst/>
-                <a:latin typeface="Times New Roman" panose="02020603050405020304" pitchFamily="18" charset="0"/>
-                <a:ea typeface="Times New Roman" panose="02020603050405020304" pitchFamily="18" charset="0"/>
-              </a:rPr>
-              <a:t> </a:t>
-            </a:r>
-            <a:r>
-              <a:rPr lang="en-US" sz="1800" dirty="0">
-                <a:solidFill>
-                  <a:schemeClr val="accent1">
-                    <a:lumMod val="50000"/>
-                  </a:schemeClr>
-                </a:solidFill>
-                <a:effectLst/>
-                <a:latin typeface="Times New Roman" panose="02020603050405020304" pitchFamily="18" charset="0"/>
-                <a:ea typeface="Times New Roman" panose="02020603050405020304" pitchFamily="18" charset="0"/>
-              </a:rPr>
-              <a:t>SDM</a:t>
-            </a:r>
-            <a:r>
-              <a:rPr lang="en-US" sz="1800" spc="5" dirty="0">
-                <a:solidFill>
-                  <a:schemeClr val="accent1">
-                    <a:lumMod val="50000"/>
-                  </a:schemeClr>
-                </a:solidFill>
-                <a:effectLst/>
-                <a:latin typeface="Times New Roman" panose="02020603050405020304" pitchFamily="18" charset="0"/>
-                <a:ea typeface="Times New Roman" panose="02020603050405020304" pitchFamily="18" charset="0"/>
-              </a:rPr>
-              <a:t> </a:t>
-            </a:r>
-            <a:r>
-              <a:rPr lang="en-US" sz="1800" dirty="0">
-                <a:effectLst/>
-                <a:latin typeface="Times New Roman" panose="02020603050405020304" pitchFamily="18" charset="0"/>
-                <a:ea typeface="Times New Roman" panose="02020603050405020304" pitchFamily="18" charset="0"/>
-              </a:rPr>
-              <a:t>will</a:t>
-            </a:r>
-            <a:r>
-              <a:rPr lang="en-US" sz="1800" spc="5" dirty="0">
-                <a:effectLst/>
-                <a:latin typeface="Times New Roman" panose="02020603050405020304" pitchFamily="18" charset="0"/>
-                <a:ea typeface="Times New Roman" panose="02020603050405020304" pitchFamily="18" charset="0"/>
-              </a:rPr>
-              <a:t> </a:t>
-            </a:r>
-            <a:r>
-              <a:rPr lang="en-US" sz="1800" dirty="0">
-                <a:effectLst/>
-                <a:latin typeface="Times New Roman" panose="02020603050405020304" pitchFamily="18" charset="0"/>
-                <a:ea typeface="Times New Roman" panose="02020603050405020304" pitchFamily="18" charset="0"/>
-              </a:rPr>
-              <a:t>be</a:t>
-            </a:r>
-            <a:r>
-              <a:rPr lang="en-US" sz="1800" spc="5" dirty="0">
-                <a:effectLst/>
-                <a:latin typeface="Times New Roman" panose="02020603050405020304" pitchFamily="18" charset="0"/>
-                <a:ea typeface="Times New Roman" panose="02020603050405020304" pitchFamily="18" charset="0"/>
-              </a:rPr>
-              <a:t>   </a:t>
-            </a:r>
-            <a:r>
-              <a:rPr lang="en-US" sz="1800" dirty="0">
-                <a:effectLst/>
-                <a:latin typeface="Times New Roman" panose="02020603050405020304" pitchFamily="18" charset="0"/>
-                <a:ea typeface="Times New Roman" panose="02020603050405020304" pitchFamily="18" charset="0"/>
-              </a:rPr>
-              <a:t>discussed</a:t>
-            </a:r>
-            <a:r>
-              <a:rPr lang="en-US" sz="1800" spc="5" dirty="0">
-                <a:effectLst/>
-                <a:latin typeface="Times New Roman" panose="02020603050405020304" pitchFamily="18" charset="0"/>
-                <a:ea typeface="Times New Roman" panose="02020603050405020304" pitchFamily="18" charset="0"/>
-              </a:rPr>
-              <a:t> </a:t>
-            </a:r>
-            <a:r>
-              <a:rPr lang="en-US" sz="1800" dirty="0">
-                <a:effectLst/>
-                <a:latin typeface="Times New Roman" panose="02020603050405020304" pitchFamily="18" charset="0"/>
-                <a:ea typeface="Times New Roman" panose="02020603050405020304" pitchFamily="18" charset="0"/>
-              </a:rPr>
-              <a:t>and</a:t>
-            </a:r>
-            <a:r>
-              <a:rPr lang="en-US" sz="1800" spc="5" dirty="0">
-                <a:effectLst/>
-                <a:latin typeface="Times New Roman" panose="02020603050405020304" pitchFamily="18" charset="0"/>
-                <a:ea typeface="Times New Roman" panose="02020603050405020304" pitchFamily="18" charset="0"/>
-              </a:rPr>
-              <a:t> </a:t>
-            </a:r>
-            <a:r>
-              <a:rPr lang="en-US" sz="1800" dirty="0">
-                <a:effectLst/>
-                <a:latin typeface="Times New Roman" panose="02020603050405020304" pitchFamily="18" charset="0"/>
-                <a:ea typeface="Times New Roman" panose="02020603050405020304" pitchFamily="18" charset="0"/>
-              </a:rPr>
-              <a:t>their</a:t>
-            </a:r>
-            <a:r>
-              <a:rPr lang="en-US" sz="1800" spc="5" dirty="0">
-                <a:effectLst/>
-                <a:latin typeface="Times New Roman" panose="02020603050405020304" pitchFamily="18" charset="0"/>
-                <a:ea typeface="Times New Roman" panose="02020603050405020304" pitchFamily="18" charset="0"/>
-              </a:rPr>
-              <a:t> </a:t>
-            </a:r>
-            <a:r>
-              <a:rPr lang="en-US" sz="1800" dirty="0">
-                <a:effectLst/>
-                <a:latin typeface="Times New Roman" panose="02020603050405020304" pitchFamily="18" charset="0"/>
-                <a:ea typeface="Times New Roman" panose="02020603050405020304" pitchFamily="18" charset="0"/>
-              </a:rPr>
-              <a:t>performance will be   compared.</a:t>
-            </a:r>
-          </a:p>
-          <a:p>
-            <a:pPr>
-              <a:lnSpc>
-                <a:spcPct val="150000"/>
-              </a:lnSpc>
-            </a:pPr>
-            <a:endParaRPr lang="en-US" dirty="0"/>
-          </a:p>
-        </p:txBody>
-      </p:sp>
-      <p:sp>
-        <p:nvSpPr>
-          <p:cNvPr id="4" name="Slide Number Placeholder 3">
-            <a:extLst>
-              <a:ext uri="{FF2B5EF4-FFF2-40B4-BE49-F238E27FC236}">
-                <a16:creationId xmlns:a16="http://schemas.microsoft.com/office/drawing/2014/main" id="{A621EDD8-78DF-5D16-39A6-F846A169366D}"/>
-              </a:ext>
-            </a:extLst>
-          </p:cNvPr>
-          <p:cNvSpPr>
-            <a:spLocks noGrp="1"/>
-          </p:cNvSpPr>
-          <p:nvPr>
-            <p:ph type="sldNum" sz="quarter" idx="12"/>
-          </p:nvPr>
-        </p:nvSpPr>
-        <p:spPr/>
-        <p:txBody>
-          <a:bodyPr/>
-          <a:lstStyle/>
-          <a:p>
-            <a:fld id="{A439D109-9F59-4B0B-8E20-D6D3A384B1F1}" type="slidenum">
-              <a:rPr lang="ko-KR" altLang="en-US" smtClean="0"/>
-              <a:t>9</a:t>
-            </a:fld>
-            <a:endParaRPr lang="ko-KR" altLang="en-US"/>
-          </a:p>
-        </p:txBody>
-      </p:sp>
-      <p:pic>
-        <p:nvPicPr>
-          <p:cNvPr id="6" name="Picture 5" descr="A diagram of a system">
-            <a:extLst>
-              <a:ext uri="{FF2B5EF4-FFF2-40B4-BE49-F238E27FC236}">
-                <a16:creationId xmlns:a16="http://schemas.microsoft.com/office/drawing/2014/main" id="{FB46D4B1-7287-38FB-8B34-8911E7282F4A}"/>
-              </a:ext>
-            </a:extLst>
-          </p:cNvPr>
-          <p:cNvPicPr>
-            <a:picLocks noChangeAspect="1"/>
-          </p:cNvPicPr>
-          <p:nvPr/>
-        </p:nvPicPr>
-        <p:blipFill>
-          <a:blip r:embed="rId2">
-            <a:extLst>
-              <a:ext uri="{28A0092B-C50C-407E-A947-70E740481C1C}">
-                <a14:useLocalDpi xmlns:a14="http://schemas.microsoft.com/office/drawing/2010/main" val="0"/>
-              </a:ext>
-            </a:extLst>
-          </a:blip>
-          <a:stretch>
-            <a:fillRect/>
-          </a:stretch>
-        </p:blipFill>
-        <p:spPr>
-          <a:xfrm>
-            <a:off x="1041771" y="4053254"/>
-            <a:ext cx="9402487" cy="2391508"/>
-          </a:xfrm>
-          <a:prstGeom prst="rect">
-            <a:avLst/>
-          </a:prstGeom>
-        </p:spPr>
-      </p:pic>
-    </p:spTree>
-    <p:extLst>
-      <p:ext uri="{BB962C8B-B14F-4D97-AF65-F5344CB8AC3E}">
-        <p14:creationId xmlns:p14="http://schemas.microsoft.com/office/powerpoint/2010/main" val="3755470814"/>
       </p:ext>
     </p:extLst>
   </p:cSld>

--- a/SDM.pptx
+++ b/SDM.pptx
@@ -5,7 +5,7 @@
     <p:sldMasterId id="2147483648" r:id="rId1"/>
   </p:sldMasterIdLst>
   <p:notesMasterIdLst>
-    <p:notesMasterId r:id="rId20"/>
+    <p:notesMasterId r:id="rId27"/>
   </p:notesMasterIdLst>
   <p:sldIdLst>
     <p:sldId id="1596" r:id="rId2"/>
@@ -25,7 +25,14 @@
     <p:sldId id="1609" r:id="rId16"/>
     <p:sldId id="1610" r:id="rId17"/>
     <p:sldId id="1611" r:id="rId18"/>
-    <p:sldId id="1555" r:id="rId19"/>
+    <p:sldId id="1613" r:id="rId19"/>
+    <p:sldId id="1614" r:id="rId20"/>
+    <p:sldId id="1615" r:id="rId21"/>
+    <p:sldId id="1616" r:id="rId22"/>
+    <p:sldId id="1617" r:id="rId23"/>
+    <p:sldId id="1618" r:id="rId24"/>
+    <p:sldId id="1619" r:id="rId25"/>
+    <p:sldId id="1555" r:id="rId26"/>
   </p:sldIdLst>
   <p:sldSz cx="12192000" cy="6858000"/>
   <p:notesSz cx="6858000" cy="9144000"/>
@@ -413,7 +420,7 @@
           <a:p>
             <a:fld id="{0D7A80AD-75C0-4139-8349-D7A56AAE3422}" type="datetimeFigureOut">
               <a:rPr lang="ko-KR" altLang="en-US" smtClean="0"/>
-              <a:t>2023-09-27</a:t>
+              <a:t>2023-10-19</a:t>
             </a:fld>
             <a:endParaRPr lang="ko-KR" altLang="en-US"/>
           </a:p>
@@ -917,7 +924,7 @@
           <a:p>
             <a:fld id="{3DF3EF48-9CCD-4EE9-BB40-4739D0DAE972}" type="datetime1">
               <a:rPr lang="ko-KR" altLang="en-US" smtClean="0"/>
-              <a:t>2023-09-27</a:t>
+              <a:t>2023-10-19</a:t>
             </a:fld>
             <a:endParaRPr lang="ko-KR" altLang="en-US"/>
           </a:p>
@@ -1188,7 +1195,7 @@
           <a:p>
             <a:fld id="{9E45620A-9A66-47B0-9218-43F171A33458}" type="datetime1">
               <a:rPr lang="ko-KR" altLang="en-US" smtClean="0"/>
-              <a:t>2023-09-27</a:t>
+              <a:t>2023-10-19</a:t>
             </a:fld>
             <a:endParaRPr lang="ko-KR" altLang="en-US"/>
           </a:p>
@@ -1464,7 +1471,7 @@
           <a:p>
             <a:fld id="{C1E586D9-B5F3-454A-8918-B4C99ED5AEDE}" type="datetime1">
               <a:rPr lang="ko-KR" altLang="en-US" smtClean="0"/>
-              <a:t>2023-09-27</a:t>
+              <a:t>2023-10-19</a:t>
             </a:fld>
             <a:endParaRPr lang="ko-KR" altLang="en-US"/>
           </a:p>
@@ -1688,7 +1695,7 @@
           <a:p>
             <a:fld id="{B0E4ADD3-F434-478C-876A-1D3933DF4707}" type="datetime1">
               <a:rPr lang="ko-KR" altLang="en-US" smtClean="0"/>
-              <a:t>2023-09-27</a:t>
+              <a:t>2023-10-19</a:t>
             </a:fld>
             <a:endParaRPr lang="ko-KR" altLang="en-US"/>
           </a:p>
@@ -2042,7 +2049,7 @@
           <a:p>
             <a:fld id="{38DF26BB-6A75-410D-A6B0-8FD34915C10D}" type="datetime1">
               <a:rPr lang="ko-KR" altLang="en-US" smtClean="0"/>
-              <a:t>2023-09-27</a:t>
+              <a:t>2023-10-19</a:t>
             </a:fld>
             <a:endParaRPr lang="ko-KR" altLang="en-US"/>
           </a:p>
@@ -2422,7 +2429,7 @@
           <a:p>
             <a:fld id="{4584CDF8-1723-475A-8393-34F016E9B184}" type="datetime1">
               <a:rPr lang="ko-KR" altLang="en-US" smtClean="0"/>
-              <a:t>2023-09-27</a:t>
+              <a:t>2023-10-19</a:t>
             </a:fld>
             <a:endParaRPr lang="ko-KR" altLang="en-US"/>
           </a:p>
@@ -2902,7 +2909,7 @@
           <a:p>
             <a:fld id="{FB8CCD4A-1F8C-4D3E-BDD6-84C4090AF0D6}" type="datetime1">
               <a:rPr lang="ko-KR" altLang="en-US" smtClean="0"/>
-              <a:t>2023-09-27</a:t>
+              <a:t>2023-10-19</a:t>
             </a:fld>
             <a:endParaRPr lang="ko-KR" altLang="en-US"/>
           </a:p>
@@ -3043,7 +3050,7 @@
           <a:p>
             <a:fld id="{CE073545-46C1-49FB-A041-5415163523D0}" type="datetime1">
               <a:rPr lang="ko-KR" altLang="en-US" smtClean="0"/>
-              <a:t>2023-09-27</a:t>
+              <a:t>2023-10-19</a:t>
             </a:fld>
             <a:endParaRPr lang="ko-KR" altLang="en-US"/>
           </a:p>
@@ -3224,7 +3231,7 @@
           <a:p>
             <a:fld id="{7EDBC6A4-6274-4803-89FF-1DA18D4FE7AA}" type="datetime1">
               <a:rPr lang="ko-KR" altLang="en-US" smtClean="0"/>
-              <a:t>2023-09-27</a:t>
+              <a:t>2023-10-19</a:t>
             </a:fld>
             <a:endParaRPr lang="ko-KR" altLang="en-US"/>
           </a:p>
@@ -3535,7 +3542,7 @@
           <a:p>
             <a:fld id="{B84A353D-6971-4305-AB04-6AEE4DD0E048}" type="datetime1">
               <a:rPr lang="ko-KR" altLang="en-US" smtClean="0"/>
-              <a:t>2023-09-27</a:t>
+              <a:t>2023-10-19</a:t>
             </a:fld>
             <a:endParaRPr lang="ko-KR" altLang="en-US"/>
           </a:p>
@@ -3823,7 +3830,7 @@
           <a:p>
             <a:fld id="{4AC75523-461B-44DB-AD97-7C06B206BE7B}" type="datetime1">
               <a:rPr lang="ko-KR" altLang="en-US" smtClean="0"/>
-              <a:t>2023-09-27</a:t>
+              <a:t>2023-10-19</a:t>
             </a:fld>
             <a:endParaRPr lang="ko-KR" altLang="en-US"/>
           </a:p>
@@ -4068,7 +4075,7 @@
           <a:p>
             <a:fld id="{9D1D2423-15C0-4D7C-B759-40ACCC100800}" type="datetime1">
               <a:rPr lang="ko-KR" altLang="en-US" smtClean="0"/>
-              <a:t>2023-09-27</a:t>
+              <a:t>2023-10-19</a:t>
             </a:fld>
             <a:endParaRPr lang="ko-KR" altLang="en-US"/>
           </a:p>
@@ -4778,7 +4785,7 @@
           <a:lstStyle/>
           <a:p>
             <a:r>
-              <a:rPr lang="en-US" sz="1800" b="1" dirty="0">
+              <a:rPr lang="en-US" sz="3200" b="1" dirty="0">
                 <a:effectLst/>
                 <a:latin typeface="Times New Roman" panose="02020603050405020304" pitchFamily="18" charset="0"/>
                 <a:ea typeface="Times New Roman" panose="02020603050405020304" pitchFamily="18" charset="0"/>
@@ -4786,7 +4793,7 @@
               <a:t>Space Division Multiplexing combined with</a:t>
             </a:r>
             <a:r>
-              <a:rPr lang="en-US" sz="1800" b="1" spc="-15" dirty="0">
+              <a:rPr lang="en-US" sz="3200" b="1" spc="-15" dirty="0">
                 <a:effectLst/>
                 <a:latin typeface="Times New Roman" panose="02020603050405020304" pitchFamily="18" charset="0"/>
                 <a:ea typeface="Times New Roman" panose="02020603050405020304" pitchFamily="18" charset="0"/>
@@ -4794,14 +4801,14 @@
               <a:t> </a:t>
             </a:r>
             <a:r>
-              <a:rPr lang="en-US" sz="1800" b="1" dirty="0">
+              <a:rPr lang="en-US" sz="3200" b="1" dirty="0">
                 <a:effectLst/>
                 <a:latin typeface="Times New Roman" panose="02020603050405020304" pitchFamily="18" charset="0"/>
                 <a:ea typeface="Times New Roman" panose="02020603050405020304" pitchFamily="18" charset="0"/>
               </a:rPr>
               <a:t>OFDM</a:t>
             </a:r>
-            <a:endParaRPr lang="en-US" dirty="0"/>
+            <a:endParaRPr lang="en-US" sz="3200" dirty="0"/>
           </a:p>
         </p:txBody>
       </p:sp>
@@ -10058,8 +10065,8 @@
           </a:p>
         </p:txBody>
       </p:sp>
-      <mc:AlternateContent xmlns:mc="http://schemas.openxmlformats.org/markup-compatibility/2006">
-        <mc:Choice xmlns:a14="http://schemas.microsoft.com/office/drawing/2010/main" Requires="a14">
+      <mc:AlternateContent xmlns:mc="http://schemas.openxmlformats.org/markup-compatibility/2006" xmlns:a14="http://schemas.microsoft.com/office/drawing/2010/main">
+        <mc:Choice Requires="a14">
           <p:sp>
             <p:nvSpPr>
               <p:cNvPr id="3" name="Content Placeholder 2">
@@ -11776,7 +11783,7 @@
             </p:txBody>
           </p:sp>
         </mc:Choice>
-        <mc:Fallback>
+        <mc:Fallback xmlns="">
           <p:sp>
             <p:nvSpPr>
               <p:cNvPr id="3" name="Content Placeholder 2">
@@ -13642,8 +13649,8 @@
           </a:p>
         </p:txBody>
       </p:sp>
-      <mc:AlternateContent xmlns:mc="http://schemas.openxmlformats.org/markup-compatibility/2006">
-        <mc:Choice xmlns:a14="http://schemas.microsoft.com/office/drawing/2010/main" Requires="a14">
+      <mc:AlternateContent xmlns:mc="http://schemas.openxmlformats.org/markup-compatibility/2006" xmlns:a14="http://schemas.microsoft.com/office/drawing/2010/main">
+        <mc:Choice Requires="a14">
           <p:sp>
             <p:nvSpPr>
               <p:cNvPr id="3" name="Content Placeholder 2">
@@ -15109,7 +15116,7 @@
             </p:txBody>
           </p:sp>
         </mc:Choice>
-        <mc:Fallback>
+        <mc:Fallback xmlns="">
           <p:sp>
             <p:nvSpPr>
               <p:cNvPr id="3" name="Content Placeholder 2">
@@ -16185,10 +16192,441 @@
       </p:grpSpPr>
       <p:sp>
         <p:nvSpPr>
-          <p:cNvPr id="2" name="Slide Number Placeholder 1">
+          <p:cNvPr id="2" name="Title 1">
             <a:extLst>
               <a:ext uri="{FF2B5EF4-FFF2-40B4-BE49-F238E27FC236}">
-                <a16:creationId xmlns:a16="http://schemas.microsoft.com/office/drawing/2014/main" id="{1E8DBDDC-461B-4CBA-92C5-B19A06DCDE1B}"/>
+                <a16:creationId xmlns:a16="http://schemas.microsoft.com/office/drawing/2014/main" id="{29DD6AE1-7D3B-E46F-8F87-FCF2E6CD1D82}"/>
+              </a:ext>
+            </a:extLst>
+          </p:cNvPr>
+          <p:cNvSpPr>
+            <a:spLocks noGrp="1"/>
+          </p:cNvSpPr>
+          <p:nvPr>
+            <p:ph type="title"/>
+          </p:nvPr>
+        </p:nvSpPr>
+        <p:spPr/>
+        <p:txBody>
+          <a:bodyPr/>
+          <a:lstStyle/>
+          <a:p>
+            <a:r>
+              <a:rPr lang="en-US" dirty="0"/>
+              <a:t>The Zero Forcing Algorithm</a:t>
+            </a:r>
+          </a:p>
+        </p:txBody>
+      </p:sp>
+      <mc:AlternateContent xmlns:mc="http://schemas.openxmlformats.org/markup-compatibility/2006">
+        <mc:Choice xmlns:a14="http://schemas.microsoft.com/office/drawing/2010/main" Requires="a14">
+          <p:sp>
+            <p:nvSpPr>
+              <p:cNvPr id="3" name="Content Placeholder 2">
+                <a:extLst>
+                  <a:ext uri="{FF2B5EF4-FFF2-40B4-BE49-F238E27FC236}">
+                    <a16:creationId xmlns:a16="http://schemas.microsoft.com/office/drawing/2014/main" id="{8FE54E43-BAD3-B552-610A-FC0887F00B54}"/>
+                  </a:ext>
+                </a:extLst>
+              </p:cNvPr>
+              <p:cNvSpPr>
+                <a:spLocks noGrp="1"/>
+              </p:cNvSpPr>
+              <p:nvPr>
+                <p:ph idx="1"/>
+              </p:nvPr>
+            </p:nvSpPr>
+            <p:spPr/>
+            <p:txBody>
+              <a:bodyPr/>
+              <a:lstStyle/>
+              <a:p>
+                <a:pPr>
+                  <a:lnSpc>
+                    <a:spcPct val="100000"/>
+                  </a:lnSpc>
+                </a:pPr>
+                <a:r>
+                  <a:rPr lang="en-US" dirty="0"/>
+                  <a:t>Zero Forcing  algorithm is based on a conventional adaptive antenna array (AAA)              technique.</a:t>
+                </a:r>
+              </a:p>
+              <a:p>
+                <a:pPr>
+                  <a:lnSpc>
+                    <a:spcPct val="100000"/>
+                  </a:lnSpc>
+                </a:pPr>
+                <a:r>
+                  <a:rPr lang="en-US" dirty="0"/>
+                  <a:t>Known as  linear combinatorial nulling.</a:t>
+                </a:r>
+              </a:p>
+              <a:p>
+                <a:pPr>
+                  <a:lnSpc>
+                    <a:spcPct val="100000"/>
+                  </a:lnSpc>
+                </a:pPr>
+                <a:r>
+                  <a:rPr lang="en-US" dirty="0"/>
+                  <a:t>Each sub stream  is considered to be the desired signal.</a:t>
+                </a:r>
+              </a:p>
+              <a:p>
+                <a:pPr>
+                  <a:lnSpc>
+                    <a:spcPct val="100000"/>
+                  </a:lnSpc>
+                </a:pPr>
+                <a:r>
+                  <a:rPr lang="en-US" dirty="0"/>
+                  <a:t>The remaining data streams are considered as "interferers“.</a:t>
+                </a:r>
+              </a:p>
+              <a:p>
+                <a:pPr>
+                  <a:lnSpc>
+                    <a:spcPct val="100000"/>
+                  </a:lnSpc>
+                </a:pPr>
+                <a:r>
+                  <a:rPr lang="en-US" dirty="0"/>
+                  <a:t>Nulling of the "interferers" can be performed by choosing weight vectors d</a:t>
+                </a:r>
+                <a:r>
+                  <a:rPr lang="en-US" sz="1600" dirty="0"/>
+                  <a:t>i</a:t>
+                </a:r>
+                <a:r>
+                  <a:rPr lang="en-US" dirty="0"/>
+                  <a:t> (with </a:t>
+                </a:r>
+                <a:r>
+                  <a:rPr lang="en-US" dirty="0" err="1"/>
+                  <a:t>i</a:t>
+                </a:r>
+                <a:r>
+                  <a:rPr lang="en-US" dirty="0"/>
+                  <a:t> =1,2, ..., </a:t>
+                </a:r>
+                <a:r>
+                  <a:rPr lang="en-US" dirty="0" err="1"/>
+                  <a:t>N</a:t>
+                </a:r>
+                <a:r>
+                  <a:rPr lang="en-US" sz="1600" dirty="0" err="1"/>
+                  <a:t>t</a:t>
+                </a:r>
+                <a:r>
+                  <a:rPr lang="en-US" dirty="0"/>
+                  <a:t>) such that</a:t>
+                </a:r>
+              </a:p>
+              <a:p>
+                <a:pPr marL="0" indent="0">
+                  <a:lnSpc>
+                    <a:spcPct val="100000"/>
+                  </a:lnSpc>
+                  <a:buNone/>
+                </a:pPr>
+                <a:r>
+                  <a:rPr lang="en-US" dirty="0"/>
+                  <a:t>                              </a:t>
+                </a:r>
+                <a14:m>
+                  <m:oMath xmlns:m="http://schemas.openxmlformats.org/officeDocument/2006/math">
+                    <m:sSubSup>
+                      <m:sSubSupPr>
+                        <m:ctrlPr>
+                          <a:rPr lang="en-US" dirty="0" smtClean="0">
+                            <a:solidFill>
+                              <a:srgbClr val="836967"/>
+                            </a:solidFill>
+                            <a:latin typeface="Cambria Math" panose="02040503050406030204" pitchFamily="18" charset="0"/>
+                          </a:rPr>
+                        </m:ctrlPr>
+                      </m:sSubSupPr>
+                      <m:e>
+                        <m:r>
+                          <a:rPr lang="en-US" i="1" dirty="0" smtClean="0">
+                            <a:latin typeface="Cambria Math" panose="02040503050406030204" pitchFamily="18" charset="0"/>
+                          </a:rPr>
+                          <m:t>𝑑</m:t>
+                        </m:r>
+                      </m:e>
+                      <m:sub>
+                        <m:r>
+                          <a:rPr lang="en-US" i="1" dirty="0" smtClean="0">
+                            <a:latin typeface="Cambria Math" panose="02040503050406030204" pitchFamily="18" charset="0"/>
+                          </a:rPr>
+                          <m:t>𝑖</m:t>
+                        </m:r>
+                      </m:sub>
+                      <m:sup>
+                        <m:r>
+                          <a:rPr lang="en-US" i="1" dirty="0" smtClean="0">
+                            <a:latin typeface="Cambria Math" panose="02040503050406030204" pitchFamily="18" charset="0"/>
+                          </a:rPr>
+                          <m:t>𝑇</m:t>
+                        </m:r>
+                      </m:sup>
+                    </m:sSubSup>
+                    <m:sSub>
+                      <m:sSubPr>
+                        <m:ctrlPr>
+                          <a:rPr lang="en-US" i="1" dirty="0" smtClean="0">
+                            <a:solidFill>
+                              <a:srgbClr val="836967"/>
+                            </a:solidFill>
+                            <a:latin typeface="Cambria Math" panose="02040503050406030204" pitchFamily="18" charset="0"/>
+                          </a:rPr>
+                        </m:ctrlPr>
+                      </m:sSubPr>
+                      <m:e>
+                        <m:r>
+                          <a:rPr lang="en-US" i="1" dirty="0" smtClean="0">
+                            <a:latin typeface="Cambria Math" panose="02040503050406030204" pitchFamily="18" charset="0"/>
+                          </a:rPr>
+                          <m:t>h</m:t>
+                        </m:r>
+                      </m:e>
+                      <m:sub>
+                        <m:r>
+                          <a:rPr lang="en-US" i="1" dirty="0" smtClean="0">
+                            <a:latin typeface="Cambria Math" panose="02040503050406030204" pitchFamily="18" charset="0"/>
+                          </a:rPr>
+                          <m:t>𝐽</m:t>
+                        </m:r>
+                      </m:sub>
+                    </m:sSub>
+                    <m:r>
+                      <a:rPr lang="en-US" i="0" dirty="0" smtClean="0">
+                        <a:latin typeface="Cambria Math" panose="02040503050406030204" pitchFamily="18" charset="0"/>
+                      </a:rPr>
+                      <m:t>=</m:t>
+                    </m:r>
+                    <m:r>
+                      <a:rPr lang="en-US" b="0" i="0" dirty="0" smtClean="0">
+                        <a:latin typeface="Cambria Math" panose="02040503050406030204" pitchFamily="18" charset="0"/>
+                      </a:rPr>
+                      <m:t> </m:t>
+                    </m:r>
+                    <m:d>
+                      <m:dPr>
+                        <m:begChr m:val="{"/>
+                        <m:endChr m:val=""/>
+                        <m:ctrlPr>
+                          <a:rPr lang="en-US" b="0" i="1" dirty="0" smtClean="0">
+                            <a:latin typeface="Cambria Math" panose="02040503050406030204" pitchFamily="18" charset="0"/>
+                          </a:rPr>
+                        </m:ctrlPr>
+                      </m:dPr>
+                      <m:e>
+                        <m:eqArr>
+                          <m:eqArrPr>
+                            <m:ctrlPr>
+                              <a:rPr lang="en-US" b="0" i="1" dirty="0" smtClean="0">
+                                <a:latin typeface="Cambria Math" panose="02040503050406030204" pitchFamily="18" charset="0"/>
+                              </a:rPr>
+                            </m:ctrlPr>
+                          </m:eqArrPr>
+                          <m:e>
+                            <m:r>
+                              <a:rPr lang="en-US" b="0" i="1" dirty="0" smtClean="0">
+                                <a:latin typeface="Cambria Math" panose="02040503050406030204" pitchFamily="18" charset="0"/>
+                              </a:rPr>
+                              <m:t>0,       </m:t>
+                            </m:r>
+                            <m:r>
+                              <a:rPr lang="en-US" b="0" i="1" dirty="0" smtClean="0">
+                                <a:latin typeface="Cambria Math" panose="02040503050406030204" pitchFamily="18" charset="0"/>
+                              </a:rPr>
+                              <m:t>𝑗</m:t>
+                            </m:r>
+                            <m:r>
+                              <a:rPr lang="en-US" b="0" i="1" dirty="0" smtClean="0">
+                                <a:latin typeface="Cambria Math" panose="02040503050406030204" pitchFamily="18" charset="0"/>
+                              </a:rPr>
+                              <m:t> ≠</m:t>
+                            </m:r>
+                            <m:r>
+                              <a:rPr lang="en-US" b="0" i="1" dirty="0" smtClean="0">
+                                <a:latin typeface="Cambria Math" panose="02040503050406030204" pitchFamily="18" charset="0"/>
+                                <a:ea typeface="Cambria Math" panose="02040503050406030204" pitchFamily="18" charset="0"/>
+                              </a:rPr>
+                              <m:t>𝑖</m:t>
+                            </m:r>
+                          </m:e>
+                          <m:e>
+                            <m:r>
+                              <a:rPr lang="en-US" b="0" i="1" dirty="0" smtClean="0">
+                                <a:latin typeface="Cambria Math" panose="02040503050406030204" pitchFamily="18" charset="0"/>
+                              </a:rPr>
+                              <m:t>1,       </m:t>
+                            </m:r>
+                            <m:r>
+                              <a:rPr lang="en-US" b="0" i="1" dirty="0" smtClean="0">
+                                <a:latin typeface="Cambria Math" panose="02040503050406030204" pitchFamily="18" charset="0"/>
+                              </a:rPr>
+                              <m:t>𝑗</m:t>
+                            </m:r>
+                            <m:r>
+                              <a:rPr lang="en-US" b="0" i="1" dirty="0" smtClean="0">
+                                <a:latin typeface="Cambria Math" panose="02040503050406030204" pitchFamily="18" charset="0"/>
+                              </a:rPr>
+                              <m:t>=</m:t>
+                            </m:r>
+                            <m:r>
+                              <a:rPr lang="en-US" b="0" i="1" dirty="0" smtClean="0">
+                                <a:latin typeface="Cambria Math" panose="02040503050406030204" pitchFamily="18" charset="0"/>
+                              </a:rPr>
+                              <m:t>𝑖</m:t>
+                            </m:r>
+                          </m:e>
+                        </m:eqArr>
+                      </m:e>
+                    </m:d>
+                  </m:oMath>
+                </a14:m>
+                <a:endParaRPr lang="en-US" dirty="0"/>
+              </a:p>
+              <a:p>
+                <a:pPr marL="0" indent="0">
+                  <a:lnSpc>
+                    <a:spcPct val="100000"/>
+                  </a:lnSpc>
+                  <a:buNone/>
+                </a:pPr>
+                <a:r>
+                  <a:rPr lang="en-US" dirty="0"/>
+                  <a:t>   Where T stands for transpose of a matrix.</a:t>
+                </a:r>
+              </a:p>
+              <a:p>
+                <a:pPr marL="0" indent="0">
+                  <a:lnSpc>
+                    <a:spcPct val="100000"/>
+                  </a:lnSpc>
+                  <a:buNone/>
+                </a:pPr>
+                <a:r>
+                  <a:rPr lang="en-US" dirty="0"/>
+                  <a:t>   And </a:t>
+                </a:r>
+                <a14:m>
+                  <m:oMath xmlns:m="http://schemas.openxmlformats.org/officeDocument/2006/math">
+                    <m:sSub>
+                      <m:sSubPr>
+                        <m:ctrlPr>
+                          <a:rPr lang="en-US" i="1" dirty="0" smtClean="0">
+                            <a:solidFill>
+                              <a:srgbClr val="836967"/>
+                            </a:solidFill>
+                            <a:latin typeface="Cambria Math" panose="02040503050406030204" pitchFamily="18" charset="0"/>
+                          </a:rPr>
+                        </m:ctrlPr>
+                      </m:sSubPr>
+                      <m:e>
+                        <m:r>
+                          <a:rPr lang="en-US" i="1" dirty="0" smtClean="0">
+                            <a:latin typeface="Cambria Math" panose="02040503050406030204" pitchFamily="18" charset="0"/>
+                          </a:rPr>
+                          <m:t>h</m:t>
+                        </m:r>
+                      </m:e>
+                      <m:sub>
+                        <m:r>
+                          <a:rPr lang="en-US" i="1" dirty="0" smtClean="0">
+                            <a:latin typeface="Cambria Math" panose="02040503050406030204" pitchFamily="18" charset="0"/>
+                          </a:rPr>
+                          <m:t>𝐽</m:t>
+                        </m:r>
+                      </m:sub>
+                    </m:sSub>
+                    <m:r>
+                      <a:rPr lang="en-US" b="0" i="0" dirty="0" smtClean="0">
+                        <a:latin typeface="Cambria Math" panose="02040503050406030204" pitchFamily="18" charset="0"/>
+                      </a:rPr>
+                      <m:t> </m:t>
+                    </m:r>
+                  </m:oMath>
+                </a14:m>
+                <a:r>
+                  <a:rPr lang="en-US" dirty="0"/>
+                  <a:t>stands for </a:t>
+                </a:r>
+                <a:r>
+                  <a:rPr lang="en-US" dirty="0" err="1"/>
+                  <a:t>j</a:t>
+                </a:r>
+                <a:r>
+                  <a:rPr lang="en-US" baseline="30000" dirty="0" err="1"/>
+                  <a:t>th</a:t>
+                </a:r>
+                <a:r>
+                  <a:rPr lang="en-US" dirty="0"/>
+                  <a:t> column of the channel matrix H.</a:t>
+                </a:r>
+              </a:p>
+              <a:p>
+                <a:pPr marL="0" indent="0">
+                  <a:buNone/>
+                </a:pPr>
+                <a:r>
+                  <a:rPr lang="en-US" dirty="0"/>
+                  <a:t>                                      </a:t>
+                </a:r>
+              </a:p>
+            </p:txBody>
+          </p:sp>
+        </mc:Choice>
+        <mc:Fallback>
+          <p:sp>
+            <p:nvSpPr>
+              <p:cNvPr id="3" name="Content Placeholder 2">
+                <a:extLst>
+                  <a:ext uri="{FF2B5EF4-FFF2-40B4-BE49-F238E27FC236}">
+                    <a16:creationId xmlns:a16="http://schemas.microsoft.com/office/drawing/2014/main" id="{8FE54E43-BAD3-B552-610A-FC0887F00B54}"/>
+                  </a:ext>
+                </a:extLst>
+              </p:cNvPr>
+              <p:cNvSpPr>
+                <a:spLocks noGrp="1" noRot="1" noChangeAspect="1" noMove="1" noResize="1" noEditPoints="1" noAdjustHandles="1" noChangeArrowheads="1" noChangeShapeType="1" noTextEdit="1"/>
+              </p:cNvSpPr>
+              <p:nvPr>
+                <p:ph idx="1"/>
+              </p:nvPr>
+            </p:nvSpPr>
+            <p:spPr>
+              <a:blipFill>
+                <a:blip r:embed="rId2"/>
+                <a:stretch>
+                  <a:fillRect l="-522" t="-674" r="-580"/>
+                </a:stretch>
+              </a:blipFill>
+            </p:spPr>
+            <p:txBody>
+              <a:bodyPr/>
+              <a:lstStyle/>
+              <a:p>
+                <a:r>
+                  <a:rPr lang="en-US">
+                    <a:noFill/>
+                  </a:rPr>
+                  <a:t> </a:t>
+                </a:r>
+              </a:p>
+            </p:txBody>
+          </p:sp>
+        </mc:Fallback>
+      </mc:AlternateContent>
+      <p:sp>
+        <p:nvSpPr>
+          <p:cNvPr id="4" name="Slide Number Placeholder 3">
+            <a:extLst>
+              <a:ext uri="{FF2B5EF4-FFF2-40B4-BE49-F238E27FC236}">
+                <a16:creationId xmlns:a16="http://schemas.microsoft.com/office/drawing/2014/main" id="{E79D804E-00F6-B899-5D25-C0347DB05781}"/>
               </a:ext>
             </a:extLst>
           </p:cNvPr>
@@ -16212,72 +16650,345 @@
           </a:p>
         </p:txBody>
       </p:sp>
+    </p:spTree>
+    <p:extLst>
+      <p:ext uri="{BB962C8B-B14F-4D97-AF65-F5344CB8AC3E}">
+        <p14:creationId xmlns:p14="http://schemas.microsoft.com/office/powerpoint/2010/main" val="2362396099"/>
+      </p:ext>
+    </p:extLst>
+  </p:cSld>
+  <p:clrMapOvr>
+    <a:masterClrMapping/>
+  </p:clrMapOvr>
+</p:sld>
+</file>
+
+<file path=ppt/slides/slide19.xml><?xml version="1.0" encoding="utf-8"?>
+<p:sld xmlns:a="http://schemas.openxmlformats.org/drawingml/2006/main" xmlns:r="http://schemas.openxmlformats.org/officeDocument/2006/relationships" xmlns:p="http://schemas.openxmlformats.org/presentationml/2006/main">
+  <p:cSld>
+    <p:spTree>
+      <p:nvGrpSpPr>
+        <p:cNvPr id="1" name=""/>
+        <p:cNvGrpSpPr/>
+        <p:nvPr/>
+      </p:nvGrpSpPr>
+      <p:grpSpPr>
+        <a:xfrm>
+          <a:off x="0" y="0"/>
+          <a:ext cx="0" cy="0"/>
+          <a:chOff x="0" y="0"/>
+          <a:chExt cx="0" cy="0"/>
+        </a:xfrm>
+      </p:grpSpPr>
       <p:sp>
         <p:nvSpPr>
-          <p:cNvPr id="3" name="TextBox 2">
+          <p:cNvPr id="2" name="Title 1">
             <a:extLst>
               <a:ext uri="{FF2B5EF4-FFF2-40B4-BE49-F238E27FC236}">
-                <a16:creationId xmlns:a16="http://schemas.microsoft.com/office/drawing/2014/main" id="{32CBCF92-C2DB-403D-BA0D-6E5B8199F341}"/>
+                <a16:creationId xmlns:a16="http://schemas.microsoft.com/office/drawing/2014/main" id="{2B004F47-F14C-AFA9-CA96-9DDF72B81FF8}"/>
               </a:ext>
             </a:extLst>
           </p:cNvPr>
-          <p:cNvSpPr txBox="1"/>
-          <p:nvPr/>
+          <p:cNvSpPr>
+            <a:spLocks noGrp="1"/>
+          </p:cNvSpPr>
+          <p:nvPr>
+            <p:ph type="title"/>
+          </p:nvPr>
         </p:nvSpPr>
-        <p:spPr>
-          <a:xfrm>
-            <a:off x="3799642" y="2601157"/>
-            <a:ext cx="5140172" cy="954107"/>
-          </a:xfrm>
-          <a:prstGeom prst="rect">
-            <a:avLst/>
-          </a:prstGeom>
-          <a:noFill/>
-        </p:spPr>
+        <p:spPr/>
         <p:txBody>
-          <a:bodyPr wrap="square" rtlCol="0">
-            <a:spAutoFit/>
-          </a:bodyPr>
+          <a:bodyPr/>
           <a:lstStyle/>
           <a:p>
             <a:r>
-              <a:rPr lang="en-US" dirty="0">
-                <a:solidFill>
-                  <a:srgbClr val="00B0F0"/>
-                </a:solidFill>
-                <a:latin typeface="Arial" panose="020B0604020202020204" pitchFamily="34" charset="0"/>
-                <a:cs typeface="Arial" panose="020B0604020202020204" pitchFamily="34" charset="0"/>
-              </a:rPr>
-              <a:t> </a:t>
-            </a:r>
-            <a:r>
-              <a:rPr lang="en-US" sz="2800" b="1" dirty="0">
-                <a:latin typeface="Arial" panose="020B0604020202020204" pitchFamily="34" charset="0"/>
-                <a:cs typeface="Arial" panose="020B0604020202020204" pitchFamily="34" charset="0"/>
-              </a:rPr>
-              <a:t>Thank You for Cooperation</a:t>
-            </a:r>
-            <a:br>
-              <a:rPr lang="en-US" sz="2800" b="1" dirty="0">
-                <a:latin typeface="Arial" panose="020B0604020202020204" pitchFamily="34" charset="0"/>
-                <a:cs typeface="Arial" panose="020B0604020202020204" pitchFamily="34" charset="0"/>
-              </a:rPr>
-            </a:br>
-            <a:r>
-              <a:rPr lang="en-US" sz="2800" b="1" dirty="0">
-                <a:latin typeface="Arial" panose="020B0604020202020204" pitchFamily="34" charset="0"/>
-                <a:cs typeface="Arial" panose="020B0604020202020204" pitchFamily="34" charset="0"/>
-              </a:rPr>
-              <a:t>  Any Questions?</a:t>
-            </a:r>
-            <a:endParaRPr lang="en-US" sz="2800" b="1" dirty="0"/>
+              <a:rPr lang="en-US" dirty="0"/>
+              <a:t>The Zero Forcing Algorithm</a:t>
+            </a:r>
+          </a:p>
+        </p:txBody>
+      </p:sp>
+      <mc:AlternateContent xmlns:mc="http://schemas.openxmlformats.org/markup-compatibility/2006">
+        <mc:Choice xmlns:a14="http://schemas.microsoft.com/office/drawing/2010/main" Requires="a14">
+          <p:sp>
+            <p:nvSpPr>
+              <p:cNvPr id="3" name="Content Placeholder 2">
+                <a:extLst>
+                  <a:ext uri="{FF2B5EF4-FFF2-40B4-BE49-F238E27FC236}">
+                    <a16:creationId xmlns:a16="http://schemas.microsoft.com/office/drawing/2014/main" id="{EF55A756-2345-FF0E-ECC9-6AB23F258E5A}"/>
+                  </a:ext>
+                </a:extLst>
+              </p:cNvPr>
+              <p:cNvSpPr>
+                <a:spLocks noGrp="1"/>
+              </p:cNvSpPr>
+              <p:nvPr>
+                <p:ph idx="1"/>
+              </p:nvPr>
+            </p:nvSpPr>
+            <p:spPr/>
+            <p:txBody>
+              <a:bodyPr/>
+              <a:lstStyle/>
+              <a:p>
+                <a:pPr>
+                  <a:lnSpc>
+                    <a:spcPct val="100000"/>
+                  </a:lnSpc>
+                </a:pPr>
+                <a:r>
+                  <a:rPr lang="en-US" dirty="0"/>
+                  <a:t>Solving the weight vectors is equal to finding a matrix D such that :</a:t>
+                </a:r>
+              </a:p>
+              <a:p>
+                <a:pPr marL="0" indent="0">
+                  <a:lnSpc>
+                    <a:spcPct val="100000"/>
+                  </a:lnSpc>
+                  <a:buNone/>
+                </a:pPr>
+                <a:r>
+                  <a:rPr lang="en-US" dirty="0"/>
+                  <a:t>                                 D * H = I</a:t>
+                </a:r>
+              </a:p>
+              <a:p>
+                <a:pPr marL="0" indent="0">
+                  <a:lnSpc>
+                    <a:spcPct val="100000"/>
+                  </a:lnSpc>
+                  <a:buNone/>
+                </a:pPr>
+                <a:r>
+                  <a:rPr lang="en-US" dirty="0"/>
+                  <a:t>   Where D is a matrix that represents the linear processing in the receiver.</a:t>
+                </a:r>
+              </a:p>
+              <a:p>
+                <a:pPr>
+                  <a:lnSpc>
+                    <a:spcPct val="100000"/>
+                  </a:lnSpc>
+                </a:pPr>
+                <a:r>
+                  <a:rPr lang="en-US" dirty="0"/>
+                  <a:t>Forcing the ‘’interference’’ to zero , S is estimated.</a:t>
+                </a:r>
+              </a:p>
+              <a:p>
+                <a:pPr>
+                  <a:lnSpc>
+                    <a:spcPct val="100000"/>
+                  </a:lnSpc>
+                </a:pPr>
+                <a:r>
+                  <a:rPr lang="en-US" dirty="0"/>
+                  <a:t>If H is not square, then D equals the pseudo-inverse of H:</a:t>
+                </a:r>
+              </a:p>
+              <a:p>
+                <a:pPr marL="0" indent="0">
+                  <a:lnSpc>
+                    <a:spcPct val="100000"/>
+                  </a:lnSpc>
+                  <a:buNone/>
+                </a:pPr>
+                <a:r>
+                  <a:rPr lang="en-US" dirty="0"/>
+                  <a:t>                                       D = H</a:t>
+                </a:r>
+                <a:r>
+                  <a:rPr lang="en-US" baseline="30000" dirty="0"/>
+                  <a:t>+ </a:t>
+                </a:r>
+                <a:r>
+                  <a:rPr lang="en-US" dirty="0"/>
+                  <a:t> = (H</a:t>
+                </a:r>
+                <a:r>
+                  <a:rPr lang="en-US" baseline="30000" dirty="0"/>
+                  <a:t>*</a:t>
+                </a:r>
+                <a:r>
+                  <a:rPr lang="en-US" dirty="0"/>
+                  <a:t>H)</a:t>
+                </a:r>
+                <a:r>
+                  <a:rPr lang="en-US" baseline="30000" dirty="0"/>
+                  <a:t>-1 </a:t>
+                </a:r>
+                <a:r>
+                  <a:rPr lang="en-US" dirty="0"/>
+                  <a:t>H</a:t>
+                </a:r>
+                <a:r>
+                  <a:rPr lang="en-US" baseline="30000" dirty="0"/>
+                  <a:t>*</a:t>
+                </a:r>
+                <a:r>
+                  <a:rPr lang="en-US" dirty="0"/>
+                  <a:t> </a:t>
+                </a:r>
+              </a:p>
+              <a:p>
+                <a:pPr marL="0" indent="0">
+                  <a:lnSpc>
+                    <a:spcPct val="100000"/>
+                  </a:lnSpc>
+                  <a:buNone/>
+                </a:pPr>
+                <a:r>
+                  <a:rPr lang="en-US" baseline="30000" dirty="0"/>
+                  <a:t>     </a:t>
+                </a:r>
+                <a:r>
+                  <a:rPr lang="en-US" dirty="0"/>
+                  <a:t>Where + represent the pseudoinverse.</a:t>
+                </a:r>
+              </a:p>
+              <a:p>
+                <a:pPr>
+                  <a:lnSpc>
+                    <a:spcPct val="100000"/>
+                  </a:lnSpc>
+                </a:pPr>
+                <a:r>
+                  <a:rPr lang="en-US" dirty="0"/>
+                  <a:t>Some constraint for Pseudo-inverse</a:t>
+                </a:r>
+              </a:p>
+              <a:p>
+                <a:pPr lvl="1">
+                  <a:lnSpc>
+                    <a:spcPct val="100000"/>
+                  </a:lnSpc>
+                  <a:buFont typeface="Courier New" panose="02070309020205020404" pitchFamily="49" charset="0"/>
+                  <a:buChar char="o"/>
+                </a:pPr>
+                <a:r>
+                  <a:rPr lang="en-US" dirty="0" err="1"/>
+                  <a:t>Nt</a:t>
+                </a:r>
+                <a:r>
+                  <a:rPr lang="en-US" dirty="0"/>
+                  <a:t> </a:t>
+                </a:r>
+                <a14:m>
+                  <m:oMath xmlns:m="http://schemas.openxmlformats.org/officeDocument/2006/math">
+                    <m:r>
+                      <a:rPr lang="en-US" i="1" smtClean="0">
+                        <a:latin typeface="Cambria Math" panose="02040503050406030204" pitchFamily="18" charset="0"/>
+                        <a:ea typeface="Cambria Math" panose="02040503050406030204" pitchFamily="18" charset="0"/>
+                      </a:rPr>
+                      <m:t>≤</m:t>
+                    </m:r>
+                    <m:r>
+                      <a:rPr lang="en-US" b="0" i="1" smtClean="0">
+                        <a:latin typeface="Cambria Math" panose="02040503050406030204" pitchFamily="18" charset="0"/>
+                        <a:ea typeface="Cambria Math" panose="02040503050406030204" pitchFamily="18" charset="0"/>
+                      </a:rPr>
+                      <m:t> </m:t>
+                    </m:r>
+                  </m:oMath>
+                </a14:m>
+                <a:r>
+                  <a:rPr lang="en-US" dirty="0"/>
+                  <a:t> Nr</a:t>
+                </a:r>
+              </a:p>
+              <a:p>
+                <a:pPr lvl="1">
+                  <a:lnSpc>
+                    <a:spcPct val="100000"/>
+                  </a:lnSpc>
+                  <a:buFont typeface="Courier New" panose="02070309020205020404" pitchFamily="49" charset="0"/>
+                  <a:buChar char="o"/>
+                </a:pPr>
+                <a:r>
+                  <a:rPr lang="en-US" dirty="0"/>
+                  <a:t>The column of H must be independent</a:t>
+                </a:r>
+              </a:p>
+              <a:p>
+                <a:endParaRPr lang="en-US" dirty="0"/>
+              </a:p>
+            </p:txBody>
+          </p:sp>
+        </mc:Choice>
+        <mc:Fallback>
+          <p:sp>
+            <p:nvSpPr>
+              <p:cNvPr id="3" name="Content Placeholder 2">
+                <a:extLst>
+                  <a:ext uri="{FF2B5EF4-FFF2-40B4-BE49-F238E27FC236}">
+                    <a16:creationId xmlns:a16="http://schemas.microsoft.com/office/drawing/2014/main" id="{EF55A756-2345-FF0E-ECC9-6AB23F258E5A}"/>
+                  </a:ext>
+                </a:extLst>
+              </p:cNvPr>
+              <p:cNvSpPr>
+                <a:spLocks noGrp="1" noRot="1" noChangeAspect="1" noMove="1" noResize="1" noEditPoints="1" noAdjustHandles="1" noChangeArrowheads="1" noChangeShapeType="1" noTextEdit="1"/>
+              </p:cNvSpPr>
+              <p:nvPr>
+                <p:ph idx="1"/>
+              </p:nvPr>
+            </p:nvSpPr>
+            <p:spPr>
+              <a:blipFill>
+                <a:blip r:embed="rId2"/>
+                <a:stretch>
+                  <a:fillRect l="-522" t="-674"/>
+                </a:stretch>
+              </a:blipFill>
+            </p:spPr>
+            <p:txBody>
+              <a:bodyPr/>
+              <a:lstStyle/>
+              <a:p>
+                <a:r>
+                  <a:rPr lang="en-US">
+                    <a:noFill/>
+                  </a:rPr>
+                  <a:t> </a:t>
+                </a:r>
+              </a:p>
+            </p:txBody>
+          </p:sp>
+        </mc:Fallback>
+      </mc:AlternateContent>
+      <p:sp>
+        <p:nvSpPr>
+          <p:cNvPr id="4" name="Slide Number Placeholder 3">
+            <a:extLst>
+              <a:ext uri="{FF2B5EF4-FFF2-40B4-BE49-F238E27FC236}">
+                <a16:creationId xmlns:a16="http://schemas.microsoft.com/office/drawing/2014/main" id="{B659347B-7160-6C06-5888-71B102AC1B99}"/>
+              </a:ext>
+            </a:extLst>
+          </p:cNvPr>
+          <p:cNvSpPr>
+            <a:spLocks noGrp="1"/>
+          </p:cNvSpPr>
+          <p:nvPr>
+            <p:ph type="sldNum" sz="quarter" idx="12"/>
+          </p:nvPr>
+        </p:nvSpPr>
+        <p:spPr/>
+        <p:txBody>
+          <a:bodyPr/>
+          <a:lstStyle/>
+          <a:p>
+            <a:fld id="{A439D109-9F59-4B0B-8E20-D6D3A384B1F1}" type="slidenum">
+              <a:rPr lang="ko-KR" altLang="en-US" smtClean="0"/>
+              <a:t>19</a:t>
+            </a:fld>
+            <a:endParaRPr lang="ko-KR" altLang="en-US"/>
           </a:p>
         </p:txBody>
       </p:sp>
     </p:spTree>
     <p:extLst>
       <p:ext uri="{BB962C8B-B14F-4D97-AF65-F5344CB8AC3E}">
-        <p14:creationId xmlns:p14="http://schemas.microsoft.com/office/powerpoint/2010/main" val="75383750"/>
+        <p14:creationId xmlns:p14="http://schemas.microsoft.com/office/powerpoint/2010/main" val="3526222896"/>
       </p:ext>
     </p:extLst>
   </p:cSld>
@@ -16636,6 +17347,3668 @@
     <p:extLst>
       <p:ext uri="{BB962C8B-B14F-4D97-AF65-F5344CB8AC3E}">
         <p14:creationId xmlns:p14="http://schemas.microsoft.com/office/powerpoint/2010/main" val="2518138119"/>
+      </p:ext>
+    </p:extLst>
+  </p:cSld>
+  <p:clrMapOvr>
+    <a:masterClrMapping/>
+  </p:clrMapOvr>
+</p:sld>
+</file>
+
+<file path=ppt/slides/slide20.xml><?xml version="1.0" encoding="utf-8"?>
+<p:sld xmlns:a="http://schemas.openxmlformats.org/drawingml/2006/main" xmlns:r="http://schemas.openxmlformats.org/officeDocument/2006/relationships" xmlns:p="http://schemas.openxmlformats.org/presentationml/2006/main">
+  <p:cSld>
+    <p:spTree>
+      <p:nvGrpSpPr>
+        <p:cNvPr id="1" name=""/>
+        <p:cNvGrpSpPr/>
+        <p:nvPr/>
+      </p:nvGrpSpPr>
+      <p:grpSpPr>
+        <a:xfrm>
+          <a:off x="0" y="0"/>
+          <a:ext cx="0" cy="0"/>
+          <a:chOff x="0" y="0"/>
+          <a:chExt cx="0" cy="0"/>
+        </a:xfrm>
+      </p:grpSpPr>
+      <p:sp>
+        <p:nvSpPr>
+          <p:cNvPr id="2" name="Title 1">
+            <a:extLst>
+              <a:ext uri="{FF2B5EF4-FFF2-40B4-BE49-F238E27FC236}">
+                <a16:creationId xmlns:a16="http://schemas.microsoft.com/office/drawing/2014/main" id="{440B0C29-FE9F-5986-630B-2869DBCD5912}"/>
+              </a:ext>
+            </a:extLst>
+          </p:cNvPr>
+          <p:cNvSpPr>
+            <a:spLocks noGrp="1"/>
+          </p:cNvSpPr>
+          <p:nvPr>
+            <p:ph type="title"/>
+          </p:nvPr>
+        </p:nvSpPr>
+        <p:spPr/>
+        <p:txBody>
+          <a:bodyPr/>
+          <a:lstStyle/>
+          <a:p>
+            <a:r>
+              <a:rPr lang="en-US" dirty="0"/>
+              <a:t>The Zero Forcing Algorithm</a:t>
+            </a:r>
+          </a:p>
+        </p:txBody>
+      </p:sp>
+      <p:sp>
+        <p:nvSpPr>
+          <p:cNvPr id="3" name="Content Placeholder 2">
+            <a:extLst>
+              <a:ext uri="{FF2B5EF4-FFF2-40B4-BE49-F238E27FC236}">
+                <a16:creationId xmlns:a16="http://schemas.microsoft.com/office/drawing/2014/main" id="{59B427B0-A996-382E-D1C6-E35CE75C11C5}"/>
+              </a:ext>
+            </a:extLst>
+          </p:cNvPr>
+          <p:cNvSpPr>
+            <a:spLocks noGrp="1"/>
+          </p:cNvSpPr>
+          <p:nvPr>
+            <p:ph idx="1"/>
+          </p:nvPr>
+        </p:nvSpPr>
+        <p:spPr/>
+        <p:txBody>
+          <a:bodyPr/>
+          <a:lstStyle/>
+          <a:p>
+            <a:pPr>
+              <a:lnSpc>
+                <a:spcPct val="100000"/>
+              </a:lnSpc>
+            </a:pPr>
+            <a:r>
+              <a:rPr lang="en-US" dirty="0"/>
+              <a:t>If the inverse is the exists, the estimates of s can be found by:</a:t>
+            </a:r>
+          </a:p>
+          <a:p>
+            <a:pPr marL="457200" lvl="1" indent="0">
+              <a:lnSpc>
+                <a:spcPct val="100000"/>
+              </a:lnSpc>
+              <a:buNone/>
+            </a:pPr>
+            <a:r>
+              <a:rPr lang="en-US" dirty="0"/>
+              <a:t>S </a:t>
+            </a:r>
+            <a:r>
+              <a:rPr lang="en-US" baseline="-25000" dirty="0" err="1"/>
+              <a:t>est</a:t>
+            </a:r>
+            <a:r>
+              <a:rPr lang="en-US" dirty="0"/>
+              <a:t> = Dx</a:t>
+            </a:r>
+          </a:p>
+          <a:p>
+            <a:pPr marL="457200" lvl="1" indent="0">
+              <a:lnSpc>
+                <a:spcPct val="100000"/>
+              </a:lnSpc>
+              <a:buNone/>
+            </a:pPr>
+            <a:r>
+              <a:rPr lang="en-US" dirty="0"/>
+              <a:t>       = (H</a:t>
+            </a:r>
+            <a:r>
+              <a:rPr lang="en-US" baseline="30000" dirty="0"/>
+              <a:t>*</a:t>
+            </a:r>
+            <a:r>
+              <a:rPr lang="en-US" dirty="0"/>
+              <a:t>H)</a:t>
+            </a:r>
+            <a:r>
+              <a:rPr lang="en-US" baseline="30000" dirty="0"/>
+              <a:t>-1 </a:t>
+            </a:r>
+            <a:r>
+              <a:rPr lang="en-US" dirty="0"/>
+              <a:t>H</a:t>
+            </a:r>
+            <a:r>
+              <a:rPr lang="en-US" baseline="30000" dirty="0"/>
+              <a:t>*</a:t>
+            </a:r>
+            <a:r>
+              <a:rPr lang="en-US" dirty="0"/>
+              <a:t> x </a:t>
+            </a:r>
+          </a:p>
+          <a:p>
+            <a:pPr marL="457200" lvl="1" indent="0">
+              <a:lnSpc>
+                <a:spcPct val="100000"/>
+              </a:lnSpc>
+              <a:buNone/>
+            </a:pPr>
+            <a:r>
+              <a:rPr lang="en-US" dirty="0"/>
+              <a:t>Or equivalently:</a:t>
+            </a:r>
+          </a:p>
+          <a:p>
+            <a:pPr marL="457200" lvl="1" indent="0">
+              <a:lnSpc>
+                <a:spcPct val="100000"/>
+              </a:lnSpc>
+              <a:buNone/>
+            </a:pPr>
+            <a:r>
+              <a:rPr lang="en-US" dirty="0"/>
+              <a:t> S </a:t>
+            </a:r>
+            <a:r>
+              <a:rPr lang="en-US" baseline="-25000" dirty="0" err="1"/>
+              <a:t>est</a:t>
+            </a:r>
+            <a:r>
+              <a:rPr lang="en-US" dirty="0"/>
+              <a:t> = H</a:t>
+            </a:r>
+            <a:r>
+              <a:rPr lang="en-US" baseline="30000" dirty="0"/>
+              <a:t>+ </a:t>
+            </a:r>
+            <a:r>
+              <a:rPr lang="en-US" dirty="0"/>
+              <a:t> x</a:t>
+            </a:r>
+          </a:p>
+          <a:p>
+            <a:pPr>
+              <a:lnSpc>
+                <a:spcPct val="100000"/>
+              </a:lnSpc>
+            </a:pPr>
+            <a:r>
+              <a:rPr lang="en-US" dirty="0"/>
+              <a:t>And for </a:t>
+            </a:r>
+            <a:r>
+              <a:rPr lang="en-US" dirty="0" err="1"/>
+              <a:t>i-th</a:t>
+            </a:r>
+            <a:r>
+              <a:rPr lang="en-US" dirty="0"/>
+              <a:t> S </a:t>
+            </a:r>
+            <a:r>
+              <a:rPr lang="en-US" baseline="-25000" dirty="0" err="1"/>
+              <a:t>est</a:t>
+            </a:r>
+            <a:r>
+              <a:rPr lang="en-US" dirty="0"/>
+              <a:t> can be written as :</a:t>
+            </a:r>
+          </a:p>
+          <a:p>
+            <a:pPr>
+              <a:lnSpc>
+                <a:spcPct val="100000"/>
+              </a:lnSpc>
+            </a:pPr>
+            <a:r>
+              <a:rPr lang="en-US" dirty="0"/>
+              <a:t>     (S </a:t>
+            </a:r>
+            <a:r>
+              <a:rPr lang="en-US" baseline="-25000" dirty="0" err="1"/>
+              <a:t>est</a:t>
+            </a:r>
+            <a:r>
+              <a:rPr lang="en-US" dirty="0"/>
+              <a:t>) </a:t>
+            </a:r>
+            <a:r>
+              <a:rPr lang="en-US" baseline="-25000" dirty="0" err="1"/>
+              <a:t>i</a:t>
+            </a:r>
+            <a:r>
+              <a:rPr lang="en-US" dirty="0"/>
+              <a:t> = H</a:t>
+            </a:r>
+            <a:r>
+              <a:rPr lang="en-US" baseline="-25000" dirty="0"/>
+              <a:t>i</a:t>
+            </a:r>
+            <a:r>
+              <a:rPr lang="en-US" baseline="30000" dirty="0"/>
+              <a:t>+ </a:t>
+            </a:r>
+            <a:r>
+              <a:rPr lang="en-US" dirty="0"/>
+              <a:t>x</a:t>
+            </a:r>
+          </a:p>
+          <a:p>
+            <a:pPr>
+              <a:lnSpc>
+                <a:spcPct val="100000"/>
+              </a:lnSpc>
+            </a:pPr>
+            <a:r>
+              <a:rPr lang="en-US" dirty="0"/>
+              <a:t>H</a:t>
+            </a:r>
+            <a:r>
+              <a:rPr lang="en-US" baseline="-25000" dirty="0"/>
+              <a:t>i</a:t>
+            </a:r>
+            <a:r>
+              <a:rPr lang="en-US" baseline="30000" dirty="0"/>
+              <a:t>+</a:t>
+            </a:r>
+            <a:r>
+              <a:rPr lang="en-US" dirty="0"/>
+              <a:t> represent the I </a:t>
+            </a:r>
+            <a:r>
+              <a:rPr lang="en-US" dirty="0" err="1"/>
+              <a:t>th</a:t>
+            </a:r>
+            <a:r>
+              <a:rPr lang="en-US" dirty="0"/>
+              <a:t> row of H</a:t>
+            </a:r>
+            <a:r>
+              <a:rPr lang="en-US" baseline="30000" dirty="0"/>
+              <a:t>+</a:t>
+            </a:r>
+            <a:r>
+              <a:rPr lang="en-US" dirty="0"/>
+              <a:t> , is equal to the transpose of the </a:t>
+            </a:r>
+            <a:r>
+              <a:rPr lang="en-US" dirty="0" err="1"/>
+              <a:t>i-th</a:t>
+            </a:r>
+            <a:r>
+              <a:rPr lang="en-US" dirty="0"/>
+              <a:t> weight vector d</a:t>
+            </a:r>
+            <a:r>
+              <a:rPr lang="en-US" baseline="-25000" dirty="0"/>
+              <a:t>i</a:t>
+            </a:r>
+          </a:p>
+          <a:p>
+            <a:pPr>
+              <a:lnSpc>
+                <a:spcPct val="100000"/>
+              </a:lnSpc>
+            </a:pPr>
+            <a:r>
+              <a:rPr lang="en-US" dirty="0"/>
+              <a:t>d</a:t>
+            </a:r>
+            <a:r>
+              <a:rPr lang="en-US" baseline="-25000" dirty="0"/>
+              <a:t>i</a:t>
+            </a:r>
+            <a:r>
+              <a:rPr lang="en-US" dirty="0"/>
+              <a:t> is the so-called nulling vector.</a:t>
+            </a:r>
+          </a:p>
+        </p:txBody>
+      </p:sp>
+      <p:sp>
+        <p:nvSpPr>
+          <p:cNvPr id="4" name="Slide Number Placeholder 3">
+            <a:extLst>
+              <a:ext uri="{FF2B5EF4-FFF2-40B4-BE49-F238E27FC236}">
+                <a16:creationId xmlns:a16="http://schemas.microsoft.com/office/drawing/2014/main" id="{D35A5768-DBEE-3134-6A91-907CC3981FC5}"/>
+              </a:ext>
+            </a:extLst>
+          </p:cNvPr>
+          <p:cNvSpPr>
+            <a:spLocks noGrp="1"/>
+          </p:cNvSpPr>
+          <p:nvPr>
+            <p:ph type="sldNum" sz="quarter" idx="12"/>
+          </p:nvPr>
+        </p:nvSpPr>
+        <p:spPr/>
+        <p:txBody>
+          <a:bodyPr/>
+          <a:lstStyle/>
+          <a:p>
+            <a:fld id="{A439D109-9F59-4B0B-8E20-D6D3A384B1F1}" type="slidenum">
+              <a:rPr lang="ko-KR" altLang="en-US" smtClean="0"/>
+              <a:t>20</a:t>
+            </a:fld>
+            <a:endParaRPr lang="ko-KR" altLang="en-US"/>
+          </a:p>
+        </p:txBody>
+      </p:sp>
+    </p:spTree>
+    <p:extLst>
+      <p:ext uri="{BB962C8B-B14F-4D97-AF65-F5344CB8AC3E}">
+        <p14:creationId xmlns:p14="http://schemas.microsoft.com/office/powerpoint/2010/main" val="1538711633"/>
+      </p:ext>
+    </p:extLst>
+  </p:cSld>
+  <p:clrMapOvr>
+    <a:masterClrMapping/>
+  </p:clrMapOvr>
+</p:sld>
+</file>
+
+<file path=ppt/slides/slide21.xml><?xml version="1.0" encoding="utf-8"?>
+<p:sld xmlns:a="http://schemas.openxmlformats.org/drawingml/2006/main" xmlns:r="http://schemas.openxmlformats.org/officeDocument/2006/relationships" xmlns:p="http://schemas.openxmlformats.org/presentationml/2006/main">
+  <p:cSld>
+    <p:spTree>
+      <p:nvGrpSpPr>
+        <p:cNvPr id="1" name=""/>
+        <p:cNvGrpSpPr/>
+        <p:nvPr/>
+      </p:nvGrpSpPr>
+      <p:grpSpPr>
+        <a:xfrm>
+          <a:off x="0" y="0"/>
+          <a:ext cx="0" cy="0"/>
+          <a:chOff x="0" y="0"/>
+          <a:chExt cx="0" cy="0"/>
+        </a:xfrm>
+      </p:grpSpPr>
+      <p:sp>
+        <p:nvSpPr>
+          <p:cNvPr id="2" name="Title 1">
+            <a:extLst>
+              <a:ext uri="{FF2B5EF4-FFF2-40B4-BE49-F238E27FC236}">
+                <a16:creationId xmlns:a16="http://schemas.microsoft.com/office/drawing/2014/main" id="{CFF734DD-2F8C-BAFA-8CAE-F22C1E0A7F35}"/>
+              </a:ext>
+            </a:extLst>
+          </p:cNvPr>
+          <p:cNvSpPr>
+            <a:spLocks noGrp="1"/>
+          </p:cNvSpPr>
+          <p:nvPr>
+            <p:ph type="title"/>
+          </p:nvPr>
+        </p:nvSpPr>
+        <p:spPr/>
+        <p:txBody>
+          <a:bodyPr/>
+          <a:lstStyle/>
+          <a:p>
+            <a:r>
+              <a:rPr lang="en-US" dirty="0"/>
+              <a:t>The Zero Forcing Algorithm</a:t>
+            </a:r>
+          </a:p>
+        </p:txBody>
+      </p:sp>
+      <p:sp>
+        <p:nvSpPr>
+          <p:cNvPr id="3" name="Content Placeholder 2">
+            <a:extLst>
+              <a:ext uri="{FF2B5EF4-FFF2-40B4-BE49-F238E27FC236}">
+                <a16:creationId xmlns:a16="http://schemas.microsoft.com/office/drawing/2014/main" id="{DC6AA234-AAD0-6FBD-A858-66BB2F03E0A4}"/>
+              </a:ext>
+            </a:extLst>
+          </p:cNvPr>
+          <p:cNvSpPr>
+            <a:spLocks noGrp="1"/>
+          </p:cNvSpPr>
+          <p:nvPr>
+            <p:ph idx="1"/>
+          </p:nvPr>
+        </p:nvSpPr>
+        <p:spPr/>
+        <p:txBody>
+          <a:bodyPr/>
+          <a:lstStyle/>
+          <a:p>
+            <a:pPr>
+              <a:lnSpc>
+                <a:spcPct val="100000"/>
+              </a:lnSpc>
+            </a:pPr>
+            <a:r>
+              <a:rPr lang="en-US" dirty="0"/>
+              <a:t>The ZF algorithm's performance can be tested through simulations, and its behavior can  be theoretically understood by comparing it with the MRC system. </a:t>
+            </a:r>
+          </a:p>
+          <a:p>
+            <a:pPr>
+              <a:lnSpc>
+                <a:spcPct val="100000"/>
+              </a:lnSpc>
+            </a:pPr>
+            <a:r>
+              <a:rPr lang="en-US" dirty="0"/>
+              <a:t>Understanding the diversity order helps relate the ZF algorithm to the MRC system. </a:t>
+            </a:r>
+          </a:p>
+          <a:p>
+            <a:pPr>
+              <a:lnSpc>
+                <a:spcPct val="100000"/>
+              </a:lnSpc>
+            </a:pPr>
+            <a:r>
+              <a:rPr lang="en-US" dirty="0"/>
+              <a:t>This comparison gives valuable insights into the ZF algorithm's performance, making it      crucial for evaluating wireless systems.</a:t>
+            </a:r>
+          </a:p>
+        </p:txBody>
+      </p:sp>
+      <p:sp>
+        <p:nvSpPr>
+          <p:cNvPr id="4" name="Slide Number Placeholder 3">
+            <a:extLst>
+              <a:ext uri="{FF2B5EF4-FFF2-40B4-BE49-F238E27FC236}">
+                <a16:creationId xmlns:a16="http://schemas.microsoft.com/office/drawing/2014/main" id="{BA85F84E-659F-05B8-C275-C083C5404A97}"/>
+              </a:ext>
+            </a:extLst>
+          </p:cNvPr>
+          <p:cNvSpPr>
+            <a:spLocks noGrp="1"/>
+          </p:cNvSpPr>
+          <p:nvPr>
+            <p:ph type="sldNum" sz="quarter" idx="12"/>
+          </p:nvPr>
+        </p:nvSpPr>
+        <p:spPr/>
+        <p:txBody>
+          <a:bodyPr/>
+          <a:lstStyle/>
+          <a:p>
+            <a:fld id="{A439D109-9F59-4B0B-8E20-D6D3A384B1F1}" type="slidenum">
+              <a:rPr lang="ko-KR" altLang="en-US" smtClean="0"/>
+              <a:t>21</a:t>
+            </a:fld>
+            <a:endParaRPr lang="ko-KR" altLang="en-US"/>
+          </a:p>
+        </p:txBody>
+      </p:sp>
+    </p:spTree>
+    <p:extLst>
+      <p:ext uri="{BB962C8B-B14F-4D97-AF65-F5344CB8AC3E}">
+        <p14:creationId xmlns:p14="http://schemas.microsoft.com/office/powerpoint/2010/main" val="4108476778"/>
+      </p:ext>
+    </p:extLst>
+  </p:cSld>
+  <p:clrMapOvr>
+    <a:masterClrMapping/>
+  </p:clrMapOvr>
+</p:sld>
+</file>
+
+<file path=ppt/slides/slide22.xml><?xml version="1.0" encoding="utf-8"?>
+<p:sld xmlns:a="http://schemas.openxmlformats.org/drawingml/2006/main" xmlns:r="http://schemas.openxmlformats.org/officeDocument/2006/relationships" xmlns:p="http://schemas.openxmlformats.org/presentationml/2006/main">
+  <p:cSld>
+    <p:spTree>
+      <p:nvGrpSpPr>
+        <p:cNvPr id="1" name=""/>
+        <p:cNvGrpSpPr/>
+        <p:nvPr/>
+      </p:nvGrpSpPr>
+      <p:grpSpPr>
+        <a:xfrm>
+          <a:off x="0" y="0"/>
+          <a:ext cx="0" cy="0"/>
+          <a:chOff x="0" y="0"/>
+          <a:chExt cx="0" cy="0"/>
+        </a:xfrm>
+      </p:grpSpPr>
+      <p:sp>
+        <p:nvSpPr>
+          <p:cNvPr id="2" name="Title 1">
+            <a:extLst>
+              <a:ext uri="{FF2B5EF4-FFF2-40B4-BE49-F238E27FC236}">
+                <a16:creationId xmlns:a16="http://schemas.microsoft.com/office/drawing/2014/main" id="{165D80CA-AD92-8AE4-12CA-8831278A9FB2}"/>
+              </a:ext>
+            </a:extLst>
+          </p:cNvPr>
+          <p:cNvSpPr>
+            <a:spLocks noGrp="1"/>
+          </p:cNvSpPr>
+          <p:nvPr>
+            <p:ph type="title"/>
+          </p:nvPr>
+        </p:nvSpPr>
+        <p:spPr/>
+        <p:txBody>
+          <a:bodyPr/>
+          <a:lstStyle/>
+          <a:p>
+            <a:r>
+              <a:rPr lang="en-US" dirty="0"/>
+              <a:t>Theoretical BER </a:t>
+            </a:r>
+          </a:p>
+        </p:txBody>
+      </p:sp>
+      <mc:AlternateContent xmlns:mc="http://schemas.openxmlformats.org/markup-compatibility/2006">
+        <mc:Choice xmlns:a14="http://schemas.microsoft.com/office/drawing/2010/main" Requires="a14">
+          <p:sp>
+            <p:nvSpPr>
+              <p:cNvPr id="3" name="Content Placeholder 2">
+                <a:extLst>
+                  <a:ext uri="{FF2B5EF4-FFF2-40B4-BE49-F238E27FC236}">
+                    <a16:creationId xmlns:a16="http://schemas.microsoft.com/office/drawing/2014/main" id="{ECF1FDAD-5B65-0246-99A6-A40C6FE2CDC0}"/>
+                  </a:ext>
+                </a:extLst>
+              </p:cNvPr>
+              <p:cNvSpPr>
+                <a:spLocks noGrp="1"/>
+              </p:cNvSpPr>
+              <p:nvPr>
+                <p:ph idx="1"/>
+              </p:nvPr>
+            </p:nvSpPr>
+            <p:spPr>
+              <a:xfrm>
+                <a:off x="712177" y="1649690"/>
+                <a:ext cx="10641623" cy="4979710"/>
+              </a:xfrm>
+            </p:spPr>
+            <p:txBody>
+              <a:bodyPr/>
+              <a:lstStyle/>
+              <a:p>
+                <a:pPr>
+                  <a:lnSpc>
+                    <a:spcPct val="100000"/>
+                  </a:lnSpc>
+                </a:pPr>
+                <a:r>
+                  <a:rPr lang="en-US" dirty="0"/>
+                  <a:t>In a system operating under Raleigh flat-fading, the channel elements can be expressed   for an MRC system with one transmit and L receive antennas</a:t>
+                </a:r>
+              </a:p>
+              <a:p>
+                <a:pPr lvl="1"/>
+                <a14:m>
+                  <m:oMath xmlns:m="http://schemas.openxmlformats.org/officeDocument/2006/math">
+                    <m:sSub>
+                      <m:sSubPr>
+                        <m:ctrlPr>
+                          <a:rPr lang="en-US" dirty="0" smtClean="0">
+                            <a:solidFill>
+                              <a:srgbClr val="836967"/>
+                            </a:solidFill>
+                            <a:latin typeface="Cambria Math" panose="02040503050406030204" pitchFamily="18" charset="0"/>
+                          </a:rPr>
+                        </m:ctrlPr>
+                      </m:sSubPr>
+                      <m:e>
+                        <m:r>
+                          <a:rPr lang="en-US" i="1" dirty="0">
+                            <a:latin typeface="Cambria Math" panose="02040503050406030204" pitchFamily="18" charset="0"/>
+                          </a:rPr>
+                          <m:t>h</m:t>
+                        </m:r>
+                      </m:e>
+                      <m:sub>
+                        <m:r>
+                          <a:rPr lang="en-US" i="1" dirty="0">
+                            <a:latin typeface="Cambria Math" panose="02040503050406030204" pitchFamily="18" charset="0"/>
+                          </a:rPr>
+                          <m:t>𝑘</m:t>
+                        </m:r>
+                      </m:sub>
+                    </m:sSub>
+                    <m:r>
+                      <a:rPr lang="en-US" i="0" dirty="0">
+                        <a:latin typeface="Cambria Math" panose="02040503050406030204" pitchFamily="18" charset="0"/>
+                      </a:rPr>
+                      <m:t>=</m:t>
+                    </m:r>
+                    <m:sSub>
+                      <m:sSubPr>
+                        <m:ctrlPr>
+                          <a:rPr lang="en-US" i="1" dirty="0">
+                            <a:solidFill>
+                              <a:srgbClr val="836967"/>
+                            </a:solidFill>
+                            <a:latin typeface="Cambria Math" panose="02040503050406030204" pitchFamily="18" charset="0"/>
+                          </a:rPr>
+                        </m:ctrlPr>
+                      </m:sSubPr>
+                      <m:e>
+                        <m:r>
+                          <a:rPr lang="en-US" i="1" dirty="0">
+                            <a:latin typeface="Cambria Math" panose="02040503050406030204" pitchFamily="18" charset="0"/>
+                          </a:rPr>
+                          <m:t>𝛼</m:t>
+                        </m:r>
+                      </m:e>
+                      <m:sub>
+                        <m:r>
+                          <a:rPr lang="en-US" i="1" dirty="0">
+                            <a:latin typeface="Cambria Math" panose="02040503050406030204" pitchFamily="18" charset="0"/>
+                          </a:rPr>
+                          <m:t>𝑘</m:t>
+                        </m:r>
+                      </m:sub>
+                    </m:sSub>
+                    <m:sSup>
+                      <m:sSupPr>
+                        <m:ctrlPr>
+                          <a:rPr lang="en-US" i="1" dirty="0">
+                            <a:solidFill>
+                              <a:srgbClr val="836967"/>
+                            </a:solidFill>
+                            <a:latin typeface="Cambria Math" panose="02040503050406030204" pitchFamily="18" charset="0"/>
+                          </a:rPr>
+                        </m:ctrlPr>
+                      </m:sSupPr>
+                      <m:e>
+                        <m:r>
+                          <a:rPr lang="en-US" i="0" dirty="0">
+                            <a:latin typeface="Cambria Math" panose="02040503050406030204" pitchFamily="18" charset="0"/>
+                          </a:rPr>
+                          <m:t>ⅇ</m:t>
+                        </m:r>
+                      </m:e>
+                      <m:sup>
+                        <m:r>
+                          <a:rPr lang="en-US" i="0" dirty="0">
+                            <a:latin typeface="Cambria Math" panose="02040503050406030204" pitchFamily="18" charset="0"/>
+                          </a:rPr>
+                          <m:t>−</m:t>
+                        </m:r>
+                        <m:r>
+                          <a:rPr lang="en-US" i="1" dirty="0">
+                            <a:latin typeface="Cambria Math" panose="02040503050406030204" pitchFamily="18" charset="0"/>
+                          </a:rPr>
+                          <m:t>𝐽</m:t>
+                        </m:r>
+                        <m:r>
+                          <a:rPr lang="en-US" i="1" dirty="0">
+                            <a:latin typeface="Cambria Math" panose="02040503050406030204" pitchFamily="18" charset="0"/>
+                          </a:rPr>
+                          <m:t>𝜙</m:t>
+                        </m:r>
+                      </m:sup>
+                    </m:sSup>
+                  </m:oMath>
+                </a14:m>
+                <a:endParaRPr lang="en-US" dirty="0"/>
+              </a:p>
+              <a:p>
+                <a:pPr>
+                  <a:lnSpc>
+                    <a:spcPct val="100000"/>
+                  </a:lnSpc>
+                </a:pPr>
+                <a:r>
+                  <a:rPr lang="en-US" dirty="0"/>
+                  <a:t>The channel characteristics in the MRC system are determined by the channel elements </a:t>
+                </a:r>
+                <a14:m>
+                  <m:oMath xmlns:m="http://schemas.openxmlformats.org/officeDocument/2006/math">
+                    <m:sSub>
+                      <m:sSubPr>
+                        <m:ctrlPr>
+                          <a:rPr lang="en-US" i="1" dirty="0" smtClean="0">
+                            <a:solidFill>
+                              <a:srgbClr val="836967"/>
+                            </a:solidFill>
+                            <a:latin typeface="Cambria Math" panose="02040503050406030204" pitchFamily="18" charset="0"/>
+                          </a:rPr>
+                        </m:ctrlPr>
+                      </m:sSubPr>
+                      <m:e>
+                        <m:r>
+                          <a:rPr lang="en-US" i="1" dirty="0">
+                            <a:latin typeface="Cambria Math" panose="02040503050406030204" pitchFamily="18" charset="0"/>
+                          </a:rPr>
+                          <m:t>h</m:t>
+                        </m:r>
+                      </m:e>
+                      <m:sub>
+                        <m:r>
+                          <a:rPr lang="en-US" i="1" dirty="0">
+                            <a:latin typeface="Cambria Math" panose="02040503050406030204" pitchFamily="18" charset="0"/>
+                          </a:rPr>
+                          <m:t>𝑘</m:t>
+                        </m:r>
+                      </m:sub>
+                    </m:sSub>
+                  </m:oMath>
+                </a14:m>
+                <a:r>
+                  <a:rPr lang="en-US" dirty="0"/>
+                  <a:t>, channel attenuation factor </a:t>
+                </a:r>
+                <a14:m>
+                  <m:oMath xmlns:m="http://schemas.openxmlformats.org/officeDocument/2006/math">
+                    <m:sSub>
+                      <m:sSubPr>
+                        <m:ctrlPr>
+                          <a:rPr lang="en-US" i="1" dirty="0">
+                            <a:solidFill>
+                              <a:srgbClr val="836967"/>
+                            </a:solidFill>
+                            <a:latin typeface="Cambria Math" panose="02040503050406030204" pitchFamily="18" charset="0"/>
+                          </a:rPr>
+                        </m:ctrlPr>
+                      </m:sSubPr>
+                      <m:e>
+                        <m:r>
+                          <a:rPr lang="en-US" i="1" dirty="0">
+                            <a:latin typeface="Cambria Math" panose="02040503050406030204" pitchFamily="18" charset="0"/>
+                          </a:rPr>
+                          <m:t>𝛼</m:t>
+                        </m:r>
+                      </m:e>
+                      <m:sub>
+                        <m:r>
+                          <a:rPr lang="en-US" i="1" dirty="0">
+                            <a:latin typeface="Cambria Math" panose="02040503050406030204" pitchFamily="18" charset="0"/>
+                          </a:rPr>
+                          <m:t>𝑘</m:t>
+                        </m:r>
+                      </m:sub>
+                    </m:sSub>
+                  </m:oMath>
+                </a14:m>
+                <a:r>
+                  <a:rPr lang="en-US" dirty="0"/>
+                  <a:t>, and phase shift </a:t>
+                </a:r>
+                <a14:m>
+                  <m:oMath xmlns:m="http://schemas.openxmlformats.org/officeDocument/2006/math">
+                    <m:r>
+                      <a:rPr lang="en-US" i="1" dirty="0">
+                        <a:latin typeface="Cambria Math" panose="02040503050406030204" pitchFamily="18" charset="0"/>
+                      </a:rPr>
+                      <m:t>𝜙</m:t>
+                    </m:r>
+                  </m:oMath>
+                </a14:m>
+                <a:r>
+                  <a:rPr lang="en-US" dirty="0"/>
+                  <a:t>, assuming perfect channel                 knowledge. </a:t>
+                </a:r>
+              </a:p>
+              <a:p>
+                <a:pPr>
+                  <a:lnSpc>
+                    <a:spcPct val="100000"/>
+                  </a:lnSpc>
+                </a:pPr>
+                <a:r>
+                  <a:rPr lang="en-US" dirty="0"/>
+                  <a:t>The system output in a Raleigh flat-fading environment is represented by a single             decision variable U for BPSK with Lth-order diversity:</a:t>
+                </a:r>
+              </a:p>
+              <a:p>
+                <a:pPr>
+                  <a:lnSpc>
+                    <a:spcPct val="100000"/>
+                  </a:lnSpc>
+                </a:pPr>
+                <a:endParaRPr lang="en-US" dirty="0"/>
+              </a:p>
+              <a:p>
+                <a:pPr marL="1828800" lvl="4" indent="0">
+                  <a:lnSpc>
+                    <a:spcPct val="100000"/>
+                  </a:lnSpc>
+                  <a:buNone/>
+                </a:pPr>
+                <a:r>
+                  <a:rPr lang="en-US" dirty="0"/>
+                  <a:t>    U = Re(</a:t>
+                </a:r>
+                <a14:m>
+                  <m:oMath xmlns:m="http://schemas.openxmlformats.org/officeDocument/2006/math">
+                    <m:nary>
+                      <m:naryPr>
+                        <m:chr m:val="∑"/>
+                        <m:ctrlPr>
+                          <a:rPr lang="en-US" i="1" smtClean="0">
+                            <a:latin typeface="Cambria Math" panose="02040503050406030204" pitchFamily="18" charset="0"/>
+                          </a:rPr>
+                        </m:ctrlPr>
+                      </m:naryPr>
+                      <m:sub>
+                        <m:r>
+                          <m:rPr>
+                            <m:brk m:alnAt="23"/>
+                          </m:rPr>
+                          <a:rPr lang="en-US" b="0" i="1" smtClean="0">
+                            <a:latin typeface="Cambria Math" panose="02040503050406030204" pitchFamily="18" charset="0"/>
+                          </a:rPr>
+                          <m:t>𝑘</m:t>
+                        </m:r>
+                        <m:r>
+                          <a:rPr lang="en-US" b="0" i="1" smtClean="0">
+                            <a:latin typeface="Cambria Math" panose="02040503050406030204" pitchFamily="18" charset="0"/>
+                          </a:rPr>
+                          <m:t>=1</m:t>
+                        </m:r>
+                      </m:sub>
+                      <m:sup>
+                        <m:r>
+                          <a:rPr lang="en-US" b="0" i="1" smtClean="0">
+                            <a:latin typeface="Cambria Math" panose="02040503050406030204" pitchFamily="18" charset="0"/>
+                          </a:rPr>
+                          <m:t>𝐿</m:t>
+                        </m:r>
+                      </m:sup>
+                      <m:e>
+                        <m:r>
+                          <a:rPr lang="en-US" b="0" i="1" smtClean="0">
+                            <a:latin typeface="Cambria Math" panose="02040503050406030204" pitchFamily="18" charset="0"/>
+                          </a:rPr>
+                          <m:t>h</m:t>
+                        </m:r>
+                        <m:r>
+                          <a:rPr lang="en-US" b="0" i="1" baseline="-25000" smtClean="0">
+                            <a:latin typeface="Cambria Math" panose="02040503050406030204" pitchFamily="18" charset="0"/>
+                          </a:rPr>
+                          <m:t>𝑘</m:t>
+                        </m:r>
+                        <m:r>
+                          <a:rPr lang="en-US" b="0" i="1" baseline="30000" smtClean="0">
+                            <a:latin typeface="Cambria Math" panose="02040503050406030204" pitchFamily="18" charset="0"/>
+                          </a:rPr>
+                          <m:t>∗</m:t>
+                        </m:r>
+                      </m:e>
+                    </m:nary>
+                  </m:oMath>
+                </a14:m>
+                <a:r>
+                  <a:rPr lang="en-US" dirty="0" err="1"/>
+                  <a:t>x</a:t>
+                </a:r>
+                <a:r>
+                  <a:rPr lang="en-US" baseline="-25000" dirty="0" err="1"/>
+                  <a:t>k</a:t>
+                </a:r>
+                <a:r>
+                  <a:rPr lang="en-US" dirty="0"/>
+                  <a:t>) = Re( </a:t>
+                </a:r>
+                <a14:m>
+                  <m:oMath xmlns:m="http://schemas.openxmlformats.org/officeDocument/2006/math">
+                    <m:sSubSup>
+                      <m:sSubSupPr>
+                        <m:ctrlPr>
+                          <a:rPr lang="en-US" smtClean="0">
+                            <a:solidFill>
+                              <a:srgbClr val="836967"/>
+                            </a:solidFill>
+                            <a:latin typeface="Cambria Math" panose="02040503050406030204" pitchFamily="18" charset="0"/>
+                          </a:rPr>
+                        </m:ctrlPr>
+                      </m:sSubSupPr>
+                      <m:e>
+                        <m:r>
+                          <a:rPr lang="en-US" i="1" smtClean="0">
+                            <a:latin typeface="Cambria Math" panose="02040503050406030204" pitchFamily="18" charset="0"/>
+                          </a:rPr>
+                          <m:t>𝛼</m:t>
+                        </m:r>
+                      </m:e>
+                      <m:sub>
+                        <m:r>
+                          <a:rPr lang="en-US" i="1" smtClean="0">
+                            <a:latin typeface="Cambria Math" panose="02040503050406030204" pitchFamily="18" charset="0"/>
+                          </a:rPr>
+                          <m:t>𝑘</m:t>
+                        </m:r>
+                      </m:sub>
+                      <m:sup>
+                        <m:r>
+                          <a:rPr lang="en-US" i="0" smtClean="0">
+                            <a:latin typeface="Cambria Math" panose="02040503050406030204" pitchFamily="18" charset="0"/>
+                          </a:rPr>
+                          <m:t>2</m:t>
+                        </m:r>
+                      </m:sup>
+                    </m:sSubSup>
+                  </m:oMath>
+                </a14:m>
+                <a:r>
+                  <a:rPr lang="en-US" dirty="0"/>
+                  <a:t>s +</a:t>
+                </a:r>
+                <a14:m>
+                  <m:oMath xmlns:m="http://schemas.openxmlformats.org/officeDocument/2006/math">
+                    <m:nary>
+                      <m:naryPr>
+                        <m:chr m:val="∑"/>
+                        <m:ctrlPr>
+                          <a:rPr lang="en-US" i="1">
+                            <a:latin typeface="Cambria Math" panose="02040503050406030204" pitchFamily="18" charset="0"/>
+                          </a:rPr>
+                        </m:ctrlPr>
+                      </m:naryPr>
+                      <m:sub>
+                        <m:r>
+                          <m:rPr>
+                            <m:brk m:alnAt="23"/>
+                          </m:rPr>
+                          <a:rPr lang="en-US" i="1">
+                            <a:latin typeface="Cambria Math" panose="02040503050406030204" pitchFamily="18" charset="0"/>
+                          </a:rPr>
+                          <m:t>𝑘</m:t>
+                        </m:r>
+                        <m:r>
+                          <a:rPr lang="en-US" i="1">
+                            <a:latin typeface="Cambria Math" panose="02040503050406030204" pitchFamily="18" charset="0"/>
+                          </a:rPr>
+                          <m:t>=1</m:t>
+                        </m:r>
+                      </m:sub>
+                      <m:sup>
+                        <m:r>
+                          <a:rPr lang="en-US" i="1">
+                            <a:latin typeface="Cambria Math" panose="02040503050406030204" pitchFamily="18" charset="0"/>
+                          </a:rPr>
+                          <m:t>𝐿</m:t>
+                        </m:r>
+                      </m:sup>
+                      <m:e>
+                        <m:r>
+                          <a:rPr lang="en-US" i="1">
+                            <a:latin typeface="Cambria Math" panose="02040503050406030204" pitchFamily="18" charset="0"/>
+                          </a:rPr>
+                          <m:t>h</m:t>
+                        </m:r>
+                        <m:r>
+                          <a:rPr lang="en-US" i="1" baseline="-25000">
+                            <a:latin typeface="Cambria Math" panose="02040503050406030204" pitchFamily="18" charset="0"/>
+                          </a:rPr>
+                          <m:t>𝑘</m:t>
+                        </m:r>
+                        <m:r>
+                          <a:rPr lang="en-US" i="1" baseline="30000">
+                            <a:latin typeface="Cambria Math" panose="02040503050406030204" pitchFamily="18" charset="0"/>
+                          </a:rPr>
+                          <m:t>∗</m:t>
+                        </m:r>
+                      </m:e>
+                    </m:nary>
+                  </m:oMath>
+                </a14:m>
+                <a:r>
+                  <a:rPr lang="en-US" dirty="0"/>
+                  <a:t> </a:t>
+                </a:r>
+                <a:r>
+                  <a:rPr lang="en-US" dirty="0" err="1"/>
+                  <a:t>v</a:t>
+                </a:r>
+                <a:r>
+                  <a:rPr lang="en-US" baseline="-25000" dirty="0" err="1"/>
+                  <a:t>k</a:t>
+                </a:r>
+                <a:r>
+                  <a:rPr lang="en-US" dirty="0"/>
+                  <a:t>)</a:t>
+                </a:r>
+              </a:p>
+              <a:p>
+                <a:pPr marL="1828800" lvl="4" indent="0">
+                  <a:lnSpc>
+                    <a:spcPct val="100000"/>
+                  </a:lnSpc>
+                  <a:buNone/>
+                </a:pPr>
+                <a:r>
+                  <a:rPr lang="en-US" dirty="0"/>
+                  <a:t>    Where </a:t>
+                </a:r>
+                <a:r>
+                  <a:rPr lang="en-US" dirty="0" err="1"/>
+                  <a:t>v</a:t>
+                </a:r>
+                <a:r>
+                  <a:rPr lang="en-US" baseline="-25000" dirty="0" err="1"/>
+                  <a:t>k</a:t>
+                </a:r>
+                <a:r>
+                  <a:rPr lang="en-US" dirty="0"/>
+                  <a:t> denotes the complex gaussian noise and s is the transmitted symbol.</a:t>
+                </a:r>
+              </a:p>
+              <a:p>
+                <a:pPr marL="1828800" lvl="4" indent="0">
+                  <a:lnSpc>
+                    <a:spcPct val="100000"/>
+                  </a:lnSpc>
+                  <a:buNone/>
+                </a:pPr>
+                <a:endParaRPr lang="en-US" dirty="0"/>
+              </a:p>
+              <a:p>
+                <a:r>
+                  <a:rPr lang="en-US" dirty="0"/>
+                  <a:t>For BSPK, The decision variable U is used in the decoder to recover the transmitted s.</a:t>
+                </a:r>
+              </a:p>
+              <a:p>
+                <a:r>
+                  <a:rPr lang="en-US" dirty="0"/>
+                  <a:t>If U&gt; 0 then s = </a:t>
+                </a:r>
+                <a14:m>
+                  <m:oMath xmlns:m="http://schemas.openxmlformats.org/officeDocument/2006/math">
+                    <m:rad>
+                      <m:radPr>
+                        <m:degHide m:val="on"/>
+                        <m:ctrlPr>
+                          <a:rPr lang="en-US" dirty="0" smtClean="0">
+                            <a:solidFill>
+                              <a:srgbClr val="836967"/>
+                            </a:solidFill>
+                            <a:latin typeface="Cambria Math" panose="02040503050406030204" pitchFamily="18" charset="0"/>
+                          </a:rPr>
+                        </m:ctrlPr>
+                      </m:radPr>
+                      <m:deg/>
+                      <m:e>
+                        <m:r>
+                          <a:rPr lang="en-US" i="1" dirty="0">
+                            <a:latin typeface="Cambria Math" panose="02040503050406030204" pitchFamily="18" charset="0"/>
+                          </a:rPr>
+                          <m:t>𝐸</m:t>
+                        </m:r>
+                      </m:e>
+                    </m:rad>
+                    <m:r>
+                      <a:rPr lang="en-US" i="1" dirty="0">
+                        <a:latin typeface="Cambria Math" panose="02040503050406030204" pitchFamily="18" charset="0"/>
+                      </a:rPr>
+                      <m:t>𝑏</m:t>
+                    </m:r>
+                  </m:oMath>
+                </a14:m>
+                <a:r>
+                  <a:rPr lang="en-US" dirty="0"/>
+                  <a:t> and U &lt; 0 then s = -</a:t>
+                </a:r>
+                <a:r>
+                  <a:rPr lang="en-US" dirty="0">
+                    <a:solidFill>
+                      <a:srgbClr val="836967"/>
+                    </a:solidFill>
+                  </a:rPr>
+                  <a:t> </a:t>
+                </a:r>
+                <a14:m>
+                  <m:oMath xmlns:m="http://schemas.openxmlformats.org/officeDocument/2006/math">
+                    <m:rad>
+                      <m:radPr>
+                        <m:degHide m:val="on"/>
+                        <m:ctrlPr>
+                          <a:rPr lang="en-US" i="1" dirty="0">
+                            <a:solidFill>
+                              <a:srgbClr val="836967"/>
+                            </a:solidFill>
+                            <a:latin typeface="Cambria Math" panose="02040503050406030204" pitchFamily="18" charset="0"/>
+                          </a:rPr>
+                        </m:ctrlPr>
+                      </m:radPr>
+                      <m:deg/>
+                      <m:e>
+                        <m:r>
+                          <a:rPr lang="en-US" i="1" dirty="0">
+                            <a:latin typeface="Cambria Math" panose="02040503050406030204" pitchFamily="18" charset="0"/>
+                          </a:rPr>
+                          <m:t>𝐸</m:t>
+                        </m:r>
+                      </m:e>
+                    </m:rad>
+                    <m:r>
+                      <a:rPr lang="en-US" i="1" dirty="0">
+                        <a:latin typeface="Cambria Math" panose="02040503050406030204" pitchFamily="18" charset="0"/>
+                      </a:rPr>
+                      <m:t>𝑏</m:t>
+                    </m:r>
+                  </m:oMath>
+                </a14:m>
+                <a:r>
+                  <a:rPr lang="en-US" dirty="0"/>
+                  <a:t> </a:t>
+                </a:r>
+              </a:p>
+            </p:txBody>
+          </p:sp>
+        </mc:Choice>
+        <mc:Fallback>
+          <p:sp>
+            <p:nvSpPr>
+              <p:cNvPr id="3" name="Content Placeholder 2">
+                <a:extLst>
+                  <a:ext uri="{FF2B5EF4-FFF2-40B4-BE49-F238E27FC236}">
+                    <a16:creationId xmlns:a16="http://schemas.microsoft.com/office/drawing/2014/main" id="{ECF1FDAD-5B65-0246-99A6-A40C6FE2CDC0}"/>
+                  </a:ext>
+                </a:extLst>
+              </p:cNvPr>
+              <p:cNvSpPr>
+                <a:spLocks noGrp="1" noRot="1" noChangeAspect="1" noMove="1" noResize="1" noEditPoints="1" noAdjustHandles="1" noChangeArrowheads="1" noChangeShapeType="1" noTextEdit="1"/>
+              </p:cNvSpPr>
+              <p:nvPr>
+                <p:ph idx="1"/>
+              </p:nvPr>
+            </p:nvSpPr>
+            <p:spPr>
+              <a:xfrm>
+                <a:off x="712177" y="1649690"/>
+                <a:ext cx="10641623" cy="4979710"/>
+              </a:xfrm>
+              <a:blipFill>
+                <a:blip r:embed="rId2"/>
+                <a:stretch>
+                  <a:fillRect l="-515" t="-612" r="-57" b="-2448"/>
+                </a:stretch>
+              </a:blipFill>
+            </p:spPr>
+            <p:txBody>
+              <a:bodyPr/>
+              <a:lstStyle/>
+              <a:p>
+                <a:r>
+                  <a:rPr lang="en-US">
+                    <a:noFill/>
+                  </a:rPr>
+                  <a:t> </a:t>
+                </a:r>
+              </a:p>
+            </p:txBody>
+          </p:sp>
+        </mc:Fallback>
+      </mc:AlternateContent>
+      <p:sp>
+        <p:nvSpPr>
+          <p:cNvPr id="4" name="Slide Number Placeholder 3">
+            <a:extLst>
+              <a:ext uri="{FF2B5EF4-FFF2-40B4-BE49-F238E27FC236}">
+                <a16:creationId xmlns:a16="http://schemas.microsoft.com/office/drawing/2014/main" id="{1BDC99BD-6DDA-E7AD-284A-2D2E04999EB7}"/>
+              </a:ext>
+            </a:extLst>
+          </p:cNvPr>
+          <p:cNvSpPr>
+            <a:spLocks noGrp="1"/>
+          </p:cNvSpPr>
+          <p:nvPr>
+            <p:ph type="sldNum" sz="quarter" idx="12"/>
+          </p:nvPr>
+        </p:nvSpPr>
+        <p:spPr/>
+        <p:txBody>
+          <a:bodyPr/>
+          <a:lstStyle/>
+          <a:p>
+            <a:fld id="{A439D109-9F59-4B0B-8E20-D6D3A384B1F1}" type="slidenum">
+              <a:rPr lang="ko-KR" altLang="en-US" smtClean="0"/>
+              <a:t>22</a:t>
+            </a:fld>
+            <a:endParaRPr lang="ko-KR" altLang="en-US"/>
+          </a:p>
+        </p:txBody>
+      </p:sp>
+    </p:spTree>
+    <p:extLst>
+      <p:ext uri="{BB962C8B-B14F-4D97-AF65-F5344CB8AC3E}">
+        <p14:creationId xmlns:p14="http://schemas.microsoft.com/office/powerpoint/2010/main" val="3233540027"/>
+      </p:ext>
+    </p:extLst>
+  </p:cSld>
+  <p:clrMapOvr>
+    <a:masterClrMapping/>
+  </p:clrMapOvr>
+</p:sld>
+</file>
+
+<file path=ppt/slides/slide23.xml><?xml version="1.0" encoding="utf-8"?>
+<p:sld xmlns:a="http://schemas.openxmlformats.org/drawingml/2006/main" xmlns:r="http://schemas.openxmlformats.org/officeDocument/2006/relationships" xmlns:p="http://schemas.openxmlformats.org/presentationml/2006/main">
+  <p:cSld>
+    <p:spTree>
+      <p:nvGrpSpPr>
+        <p:cNvPr id="1" name=""/>
+        <p:cNvGrpSpPr/>
+        <p:nvPr/>
+      </p:nvGrpSpPr>
+      <p:grpSpPr>
+        <a:xfrm>
+          <a:off x="0" y="0"/>
+          <a:ext cx="0" cy="0"/>
+          <a:chOff x="0" y="0"/>
+          <a:chExt cx="0" cy="0"/>
+        </a:xfrm>
+      </p:grpSpPr>
+      <p:sp>
+        <p:nvSpPr>
+          <p:cNvPr id="2" name="Title 1">
+            <a:extLst>
+              <a:ext uri="{FF2B5EF4-FFF2-40B4-BE49-F238E27FC236}">
+                <a16:creationId xmlns:a16="http://schemas.microsoft.com/office/drawing/2014/main" id="{CBABFAC0-514A-729F-1D4E-47F6704B69B7}"/>
+              </a:ext>
+            </a:extLst>
+          </p:cNvPr>
+          <p:cNvSpPr>
+            <a:spLocks noGrp="1"/>
+          </p:cNvSpPr>
+          <p:nvPr>
+            <p:ph type="title"/>
+          </p:nvPr>
+        </p:nvSpPr>
+        <p:spPr/>
+        <p:txBody>
+          <a:bodyPr/>
+          <a:lstStyle/>
+          <a:p>
+            <a:r>
+              <a:rPr lang="en-US" dirty="0"/>
+              <a:t>Theoretical BER </a:t>
+            </a:r>
+          </a:p>
+        </p:txBody>
+      </p:sp>
+      <mc:AlternateContent xmlns:mc="http://schemas.openxmlformats.org/markup-compatibility/2006">
+        <mc:Choice xmlns:a14="http://schemas.microsoft.com/office/drawing/2010/main" Requires="a14">
+          <p:sp>
+            <p:nvSpPr>
+              <p:cNvPr id="3" name="Content Placeholder 2">
+                <a:extLst>
+                  <a:ext uri="{FF2B5EF4-FFF2-40B4-BE49-F238E27FC236}">
+                    <a16:creationId xmlns:a16="http://schemas.microsoft.com/office/drawing/2014/main" id="{5E944AFA-1503-79F5-609D-799E7FFC7154}"/>
+                  </a:ext>
+                </a:extLst>
+              </p:cNvPr>
+              <p:cNvSpPr>
+                <a:spLocks noGrp="1"/>
+              </p:cNvSpPr>
+              <p:nvPr>
+                <p:ph idx="1"/>
+              </p:nvPr>
+            </p:nvSpPr>
+            <p:spPr/>
+            <p:txBody>
+              <a:bodyPr/>
+              <a:lstStyle/>
+              <a:p>
+                <a:pPr>
+                  <a:lnSpc>
+                    <a:spcPct val="100000"/>
+                  </a:lnSpc>
+                </a:pPr>
+                <a:r>
+                  <a:rPr lang="en-US" dirty="0"/>
+                  <a:t>For a fixed set of {</a:t>
+                </a:r>
+                <a14:m>
+                  <m:oMath xmlns:m="http://schemas.openxmlformats.org/officeDocument/2006/math">
+                    <m:sSub>
+                      <m:sSubPr>
+                        <m:ctrlPr>
+                          <a:rPr lang="en-US" i="1" dirty="0" smtClean="0">
+                            <a:solidFill>
+                              <a:srgbClr val="836967"/>
+                            </a:solidFill>
+                            <a:latin typeface="Cambria Math" panose="02040503050406030204" pitchFamily="18" charset="0"/>
+                          </a:rPr>
+                        </m:ctrlPr>
+                      </m:sSubPr>
+                      <m:e>
+                        <m:r>
+                          <a:rPr lang="en-US" i="1" dirty="0">
+                            <a:latin typeface="Cambria Math" panose="02040503050406030204" pitchFamily="18" charset="0"/>
+                          </a:rPr>
+                          <m:t>𝛼</m:t>
+                        </m:r>
+                      </m:e>
+                      <m:sub>
+                        <m:r>
+                          <a:rPr lang="en-US" i="1" dirty="0">
+                            <a:latin typeface="Cambria Math" panose="02040503050406030204" pitchFamily="18" charset="0"/>
+                          </a:rPr>
+                          <m:t>𝑘</m:t>
+                        </m:r>
+                      </m:sub>
+                    </m:sSub>
+                  </m:oMath>
+                </a14:m>
+                <a:r>
+                  <a:rPr lang="en-US" dirty="0"/>
+                  <a:t>} and the assumption that s = </a:t>
+                </a:r>
+                <a14:m>
+                  <m:oMath xmlns:m="http://schemas.openxmlformats.org/officeDocument/2006/math">
+                    <m:rad>
+                      <m:radPr>
+                        <m:degHide m:val="on"/>
+                        <m:ctrlPr>
+                          <a:rPr lang="en-US" i="1" dirty="0">
+                            <a:solidFill>
+                              <a:srgbClr val="836967"/>
+                            </a:solidFill>
+                            <a:latin typeface="Cambria Math" panose="02040503050406030204" pitchFamily="18" charset="0"/>
+                          </a:rPr>
+                        </m:ctrlPr>
+                      </m:radPr>
+                      <m:deg/>
+                      <m:e>
+                        <m:r>
+                          <a:rPr lang="en-US" i="1" dirty="0">
+                            <a:latin typeface="Cambria Math" panose="02040503050406030204" pitchFamily="18" charset="0"/>
+                          </a:rPr>
+                          <m:t>𝐸</m:t>
+                        </m:r>
+                      </m:e>
+                    </m:rad>
+                    <m:r>
+                      <a:rPr lang="en-US" i="1" dirty="0">
+                        <a:latin typeface="Cambria Math" panose="02040503050406030204" pitchFamily="18" charset="0"/>
+                      </a:rPr>
+                      <m:t>𝑏</m:t>
+                    </m:r>
+                  </m:oMath>
+                </a14:m>
+                <a:r>
+                  <a:rPr lang="en-US" dirty="0"/>
+                  <a:t> is transmitted.</a:t>
+                </a:r>
+              </a:p>
+              <a:p>
+                <a:pPr>
+                  <a:lnSpc>
+                    <a:spcPct val="100000"/>
+                  </a:lnSpc>
+                </a:pPr>
+                <a:r>
+                  <a:rPr lang="en-US" dirty="0"/>
+                  <a:t>The Gaussian decision variable U, with mean noise power N</a:t>
+                </a:r>
+                <a:r>
+                  <a:rPr lang="en-US" baseline="-25000" dirty="0"/>
+                  <a:t>0</a:t>
+                </a:r>
+                <a:r>
+                  <a:rPr lang="en-US" dirty="0"/>
+                  <a:t> per receive antenna,          determines the probability of being less than zero is :</a:t>
+                </a:r>
+              </a:p>
+              <a:p>
+                <a:pPr>
+                  <a:lnSpc>
+                    <a:spcPct val="100000"/>
+                  </a:lnSpc>
+                </a:pPr>
+                <a:r>
+                  <a:rPr lang="en-US" dirty="0"/>
+                  <a:t> P</a:t>
+                </a:r>
+                <a:r>
+                  <a:rPr lang="en-US" baseline="-25000" dirty="0"/>
+                  <a:t>2</a:t>
+                </a:r>
+                <a:r>
+                  <a:rPr lang="en-US" dirty="0"/>
+                  <a:t> (</a:t>
+                </a:r>
+                <a14:m>
+                  <m:oMath xmlns:m="http://schemas.openxmlformats.org/officeDocument/2006/math">
+                    <m:r>
+                      <a:rPr lang="en-US" i="1" smtClean="0">
+                        <a:latin typeface="Cambria Math" panose="02040503050406030204" pitchFamily="18" charset="0"/>
+                        <a:ea typeface="Cambria Math" panose="02040503050406030204" pitchFamily="18" charset="0"/>
+                      </a:rPr>
+                      <m:t>𝛾</m:t>
+                    </m:r>
+                  </m:oMath>
+                </a14:m>
+                <a:r>
+                  <a:rPr lang="en-US" baseline="-25000" dirty="0"/>
+                  <a:t>b</a:t>
+                </a:r>
+                <a:r>
+                  <a:rPr lang="en-US" dirty="0"/>
+                  <a:t>) = Q(</a:t>
+                </a:r>
+                <a14:m>
+                  <m:oMath xmlns:m="http://schemas.openxmlformats.org/officeDocument/2006/math">
+                    <m:rad>
+                      <m:radPr>
+                        <m:degHide m:val="on"/>
+                        <m:ctrlPr>
+                          <a:rPr lang="en-US" i="1" smtClean="0">
+                            <a:latin typeface="Cambria Math" panose="02040503050406030204" pitchFamily="18" charset="0"/>
+                          </a:rPr>
+                        </m:ctrlPr>
+                      </m:radPr>
+                      <m:deg/>
+                      <m:e>
+                        <m:r>
+                          <a:rPr lang="en-US" b="0" i="1" smtClean="0">
+                            <a:latin typeface="Cambria Math" panose="02040503050406030204" pitchFamily="18" charset="0"/>
+                          </a:rPr>
+                          <m:t> 2</m:t>
+                        </m:r>
+                        <m:r>
+                          <a:rPr lang="en-US" i="1">
+                            <a:latin typeface="Cambria Math" panose="02040503050406030204" pitchFamily="18" charset="0"/>
+                            <a:ea typeface="Cambria Math" panose="02040503050406030204" pitchFamily="18" charset="0"/>
+                          </a:rPr>
+                          <m:t>𝛾</m:t>
+                        </m:r>
+                        <m:r>
+                          <m:rPr>
+                            <m:nor/>
+                          </m:rPr>
+                          <a:rPr lang="en-US" baseline="-25000" dirty="0"/>
+                          <m:t>b</m:t>
+                        </m:r>
+                      </m:e>
+                    </m:rad>
+                  </m:oMath>
+                </a14:m>
+                <a:r>
+                  <a:rPr lang="en-US" dirty="0"/>
+                  <a:t>) where Q is the function as : Q(x) = </a:t>
+                </a:r>
+                <a14:m>
+                  <m:oMath xmlns:m="http://schemas.openxmlformats.org/officeDocument/2006/math">
+                    <m:f>
+                      <m:fPr>
+                        <m:ctrlPr>
+                          <a:rPr lang="en-US" i="1" smtClean="0">
+                            <a:latin typeface="Cambria Math" panose="02040503050406030204" pitchFamily="18" charset="0"/>
+                          </a:rPr>
+                        </m:ctrlPr>
+                      </m:fPr>
+                      <m:num>
+                        <m:r>
+                          <a:rPr lang="en-US" b="0" i="1" smtClean="0">
+                            <a:latin typeface="Cambria Math" panose="02040503050406030204" pitchFamily="18" charset="0"/>
+                          </a:rPr>
+                          <m:t>1</m:t>
+                        </m:r>
+                      </m:num>
+                      <m:den>
+                        <m:rad>
+                          <m:radPr>
+                            <m:degHide m:val="on"/>
+                            <m:ctrlPr>
+                              <a:rPr lang="en-US" i="1">
+                                <a:latin typeface="Cambria Math" panose="02040503050406030204" pitchFamily="18" charset="0"/>
+                              </a:rPr>
+                            </m:ctrlPr>
+                          </m:radPr>
+                          <m:deg/>
+                          <m:e>
+                            <m:r>
+                              <a:rPr lang="en-US" i="1">
+                                <a:latin typeface="Cambria Math" panose="02040503050406030204" pitchFamily="18" charset="0"/>
+                              </a:rPr>
+                              <m:t> 2</m:t>
+                            </m:r>
+                            <m:r>
+                              <a:rPr lang="en-US" i="1" smtClean="0">
+                                <a:latin typeface="Cambria Math" panose="02040503050406030204" pitchFamily="18" charset="0"/>
+                                <a:ea typeface="Cambria Math" panose="02040503050406030204" pitchFamily="18" charset="0"/>
+                              </a:rPr>
+                              <m:t>𝜋</m:t>
+                            </m:r>
+                          </m:e>
+                        </m:rad>
+                      </m:den>
+                    </m:f>
+                    <m:nary>
+                      <m:naryPr>
+                        <m:ctrlPr>
+                          <a:rPr lang="en-US" i="1" smtClean="0">
+                            <a:latin typeface="Cambria Math" panose="02040503050406030204" pitchFamily="18" charset="0"/>
+                          </a:rPr>
+                        </m:ctrlPr>
+                      </m:naryPr>
+                      <m:sub>
+                        <m:r>
+                          <m:rPr>
+                            <m:brk m:alnAt="23"/>
+                          </m:rPr>
+                          <a:rPr lang="en-US" b="0" i="1" smtClean="0">
+                            <a:latin typeface="Cambria Math" panose="02040503050406030204" pitchFamily="18" charset="0"/>
+                          </a:rPr>
+                          <m:t>𝑥</m:t>
+                        </m:r>
+                      </m:sub>
+                      <m:sup>
+                        <m:r>
+                          <a:rPr lang="en-US" i="1" smtClean="0">
+                            <a:latin typeface="Cambria Math" panose="02040503050406030204" pitchFamily="18" charset="0"/>
+                            <a:ea typeface="Cambria Math" panose="02040503050406030204" pitchFamily="18" charset="0"/>
+                          </a:rPr>
+                          <m:t>∞</m:t>
+                        </m:r>
+                      </m:sup>
+                      <m:e>
+                        <m:sSup>
+                          <m:sSupPr>
+                            <m:ctrlPr>
+                              <a:rPr lang="en-US" i="1">
+                                <a:latin typeface="Cambria Math" panose="02040503050406030204" pitchFamily="18" charset="0"/>
+                              </a:rPr>
+                            </m:ctrlPr>
+                          </m:sSupPr>
+                          <m:e>
+                            <m:r>
+                              <a:rPr lang="en-US" i="1">
+                                <a:latin typeface="Cambria Math" panose="02040503050406030204" pitchFamily="18" charset="0"/>
+                              </a:rPr>
+                              <m:t>𝑒</m:t>
+                            </m:r>
+                          </m:e>
+                          <m:sup>
+                            <m:r>
+                              <a:rPr lang="en-US" i="1">
+                                <a:latin typeface="Cambria Math" panose="02040503050406030204" pitchFamily="18" charset="0"/>
+                              </a:rPr>
+                              <m:t>−</m:t>
+                            </m:r>
+                            <m:r>
+                              <a:rPr lang="en-US" i="1">
+                                <a:latin typeface="Cambria Math" panose="02040503050406030204" pitchFamily="18" charset="0"/>
+                              </a:rPr>
+                              <m:t>𝑡</m:t>
+                            </m:r>
+                            <m:r>
+                              <a:rPr lang="en-US" i="1" baseline="30000">
+                                <a:latin typeface="Cambria Math" panose="02040503050406030204" pitchFamily="18" charset="0"/>
+                              </a:rPr>
+                              <m:t>2</m:t>
+                            </m:r>
+                            <m:r>
+                              <a:rPr lang="en-US" i="1">
+                                <a:latin typeface="Cambria Math" panose="02040503050406030204" pitchFamily="18" charset="0"/>
+                              </a:rPr>
+                              <m:t>/2</m:t>
+                            </m:r>
+                          </m:sup>
+                        </m:sSup>
+                      </m:e>
+                    </m:nary>
+                  </m:oMath>
+                </a14:m>
+                <a:r>
+                  <a:rPr lang="en-US" dirty="0"/>
+                  <a:t> dt and x </a:t>
+                </a:r>
+                <a14:m>
+                  <m:oMath xmlns:m="http://schemas.openxmlformats.org/officeDocument/2006/math">
+                    <m:r>
+                      <a:rPr lang="en-US" i="1" smtClean="0">
+                        <a:latin typeface="Cambria Math" panose="02040503050406030204" pitchFamily="18" charset="0"/>
+                        <a:ea typeface="Cambria Math" panose="02040503050406030204" pitchFamily="18" charset="0"/>
+                      </a:rPr>
+                      <m:t>≥</m:t>
+                    </m:r>
+                    <m:r>
+                      <a:rPr lang="en-US" b="0" i="1" smtClean="0">
+                        <a:latin typeface="Cambria Math" panose="02040503050406030204" pitchFamily="18" charset="0"/>
+                        <a:ea typeface="Cambria Math" panose="02040503050406030204" pitchFamily="18" charset="0"/>
+                      </a:rPr>
+                      <m:t>0</m:t>
+                    </m:r>
+                  </m:oMath>
+                </a14:m>
+                <a:endParaRPr lang="en-US" dirty="0"/>
+              </a:p>
+              <a:p>
+                <a:r>
+                  <a:rPr lang="en-US" dirty="0"/>
+                  <a:t>The SNR per bit , </a:t>
+                </a:r>
+                <a14:m>
+                  <m:oMath xmlns:m="http://schemas.openxmlformats.org/officeDocument/2006/math">
+                    <m:r>
+                      <a:rPr lang="en-US" i="1" smtClean="0">
+                        <a:latin typeface="Cambria Math" panose="02040503050406030204" pitchFamily="18" charset="0"/>
+                        <a:ea typeface="Cambria Math" panose="02040503050406030204" pitchFamily="18" charset="0"/>
+                      </a:rPr>
+                      <m:t>𝛾</m:t>
+                    </m:r>
+                  </m:oMath>
+                </a14:m>
+                <a:r>
+                  <a:rPr lang="en-US" baseline="-25000" dirty="0"/>
+                  <a:t>b </a:t>
+                </a:r>
+                <a:r>
+                  <a:rPr lang="en-US" dirty="0"/>
+                  <a:t>is given as :</a:t>
+                </a:r>
+              </a:p>
+              <a:p>
+                <a14:m>
+                  <m:oMath xmlns:m="http://schemas.openxmlformats.org/officeDocument/2006/math">
+                    <m:r>
+                      <a:rPr lang="en-US" i="1" smtClean="0">
+                        <a:latin typeface="Cambria Math" panose="02040503050406030204" pitchFamily="18" charset="0"/>
+                        <a:ea typeface="Cambria Math" panose="02040503050406030204" pitchFamily="18" charset="0"/>
+                      </a:rPr>
+                      <m:t>𝛾</m:t>
+                    </m:r>
+                  </m:oMath>
+                </a14:m>
+                <a:r>
+                  <a:rPr lang="en-US" baseline="-25000" dirty="0"/>
+                  <a:t>b </a:t>
+                </a:r>
+                <a:r>
+                  <a:rPr lang="en-US" dirty="0"/>
+                  <a:t>=</a:t>
+                </a:r>
+                <a14:m>
+                  <m:oMath xmlns:m="http://schemas.openxmlformats.org/officeDocument/2006/math">
+                    <m:nary>
+                      <m:naryPr>
+                        <m:chr m:val="∑"/>
+                        <m:limLoc m:val="subSup"/>
+                        <m:ctrlPr>
+                          <a:rPr lang="en-US" i="1" smtClean="0">
+                            <a:latin typeface="Cambria Math" panose="02040503050406030204" pitchFamily="18" charset="0"/>
+                          </a:rPr>
+                        </m:ctrlPr>
+                      </m:naryPr>
+                      <m:sub>
+                        <m:r>
+                          <m:rPr>
+                            <m:brk m:alnAt="25"/>
+                          </m:rPr>
+                          <a:rPr lang="en-US" b="0" i="1" smtClean="0">
+                            <a:latin typeface="Cambria Math" panose="02040503050406030204" pitchFamily="18" charset="0"/>
+                          </a:rPr>
+                          <m:t>𝑘</m:t>
+                        </m:r>
+                        <m:r>
+                          <a:rPr lang="en-US" b="0" i="1" smtClean="0">
+                            <a:latin typeface="Cambria Math" panose="02040503050406030204" pitchFamily="18" charset="0"/>
+                          </a:rPr>
+                          <m:t>=1</m:t>
+                        </m:r>
+                      </m:sub>
+                      <m:sup>
+                        <m:r>
+                          <a:rPr lang="en-US" b="0" i="1" smtClean="0">
+                            <a:latin typeface="Cambria Math" panose="02040503050406030204" pitchFamily="18" charset="0"/>
+                          </a:rPr>
+                          <m:t>𝐿</m:t>
+                        </m:r>
+                      </m:sup>
+                      <m:e>
+                        <m:f>
+                          <m:fPr>
+                            <m:ctrlPr>
+                              <a:rPr lang="en-US" b="0" i="1" smtClean="0">
+                                <a:latin typeface="Cambria Math" panose="02040503050406030204" pitchFamily="18" charset="0"/>
+                              </a:rPr>
+                            </m:ctrlPr>
+                          </m:fPr>
+                          <m:num>
+                            <m:r>
+                              <a:rPr lang="en-US" b="0" i="1" smtClean="0">
+                                <a:latin typeface="Cambria Math" panose="02040503050406030204" pitchFamily="18" charset="0"/>
+                              </a:rPr>
+                              <m:t>𝐸𝑏</m:t>
+                            </m:r>
+                          </m:num>
+                          <m:den>
+                            <m:r>
+                              <a:rPr lang="en-US" b="0" i="1" smtClean="0">
+                                <a:latin typeface="Cambria Math" panose="02040503050406030204" pitchFamily="18" charset="0"/>
+                              </a:rPr>
+                              <m:t>𝑁</m:t>
+                            </m:r>
+                            <m:r>
+                              <a:rPr lang="en-US" b="0" i="1" smtClean="0">
+                                <a:latin typeface="Cambria Math" panose="02040503050406030204" pitchFamily="18" charset="0"/>
+                              </a:rPr>
+                              <m:t>0</m:t>
+                            </m:r>
+                          </m:den>
+                        </m:f>
+                        <m:r>
+                          <a:rPr lang="en-US" b="0" i="1" smtClean="0">
+                            <a:latin typeface="Cambria Math" panose="02040503050406030204" pitchFamily="18" charset="0"/>
+                          </a:rPr>
+                          <m:t> </m:t>
+                        </m:r>
+                      </m:e>
+                    </m:nary>
+                  </m:oMath>
+                </a14:m>
+                <a:r>
+                  <a:rPr lang="en-US" dirty="0">
+                    <a:solidFill>
+                      <a:srgbClr val="836967"/>
+                    </a:solidFill>
+                  </a:rPr>
+                  <a:t> </a:t>
+                </a:r>
+                <a14:m>
+                  <m:oMath xmlns:m="http://schemas.openxmlformats.org/officeDocument/2006/math">
+                    <m:sSubSup>
+                      <m:sSubSupPr>
+                        <m:ctrlPr>
+                          <a:rPr lang="en-US" i="1">
+                            <a:solidFill>
+                              <a:srgbClr val="836967"/>
+                            </a:solidFill>
+                            <a:latin typeface="Cambria Math" panose="02040503050406030204" pitchFamily="18" charset="0"/>
+                          </a:rPr>
+                        </m:ctrlPr>
+                      </m:sSubSupPr>
+                      <m:e>
+                        <m:r>
+                          <a:rPr lang="en-US" i="1">
+                            <a:latin typeface="Cambria Math" panose="02040503050406030204" pitchFamily="18" charset="0"/>
+                          </a:rPr>
+                          <m:t>𝛼</m:t>
+                        </m:r>
+                      </m:e>
+                      <m:sub>
+                        <m:r>
+                          <a:rPr lang="en-US" i="1">
+                            <a:latin typeface="Cambria Math" panose="02040503050406030204" pitchFamily="18" charset="0"/>
+                          </a:rPr>
+                          <m:t>𝑘</m:t>
+                        </m:r>
+                      </m:sub>
+                      <m:sup>
+                        <m:r>
+                          <a:rPr lang="en-US">
+                            <a:latin typeface="Cambria Math" panose="02040503050406030204" pitchFamily="18" charset="0"/>
+                          </a:rPr>
+                          <m:t>2</m:t>
+                        </m:r>
+                      </m:sup>
+                    </m:sSubSup>
+                  </m:oMath>
+                </a14:m>
+                <a:r>
+                  <a:rPr lang="en-US" dirty="0"/>
+                  <a:t> = </a:t>
+                </a:r>
+                <a14:m>
+                  <m:oMath xmlns:m="http://schemas.openxmlformats.org/officeDocument/2006/math">
+                    <m:nary>
+                      <m:naryPr>
+                        <m:chr m:val="∑"/>
+                        <m:limLoc m:val="subSup"/>
+                        <m:ctrlPr>
+                          <a:rPr lang="en-US" i="1" smtClean="0">
+                            <a:latin typeface="Cambria Math" panose="02040503050406030204" pitchFamily="18" charset="0"/>
+                          </a:rPr>
+                        </m:ctrlPr>
+                      </m:naryPr>
+                      <m:sub>
+                        <m:r>
+                          <m:rPr>
+                            <m:brk m:alnAt="25"/>
+                          </m:rPr>
+                          <a:rPr lang="en-US" b="0" i="1" smtClean="0">
+                            <a:latin typeface="Cambria Math" panose="02040503050406030204" pitchFamily="18" charset="0"/>
+                          </a:rPr>
+                          <m:t>𝑘</m:t>
+                        </m:r>
+                        <m:r>
+                          <a:rPr lang="en-US" b="0" i="1" smtClean="0">
+                            <a:latin typeface="Cambria Math" panose="02040503050406030204" pitchFamily="18" charset="0"/>
+                          </a:rPr>
+                          <m:t>=1</m:t>
+                        </m:r>
+                      </m:sub>
+                      <m:sup>
+                        <m:r>
+                          <a:rPr lang="en-US" b="0" i="1" smtClean="0">
+                            <a:latin typeface="Cambria Math" panose="02040503050406030204" pitchFamily="18" charset="0"/>
+                          </a:rPr>
+                          <m:t>𝐿</m:t>
+                        </m:r>
+                      </m:sup>
+                      <m:e>
+                        <m:r>
+                          <a:rPr lang="en-US" i="1">
+                            <a:latin typeface="Cambria Math" panose="02040503050406030204" pitchFamily="18" charset="0"/>
+                            <a:ea typeface="Cambria Math" panose="02040503050406030204" pitchFamily="18" charset="0"/>
+                          </a:rPr>
+                          <m:t>𝛾</m:t>
+                        </m:r>
+                        <m:r>
+                          <m:rPr>
+                            <m:nor/>
+                          </m:rPr>
+                          <a:rPr lang="en-US" b="0" i="0" baseline="-25000" smtClean="0">
+                            <a:latin typeface="Cambria Math" panose="02040503050406030204" pitchFamily="18" charset="0"/>
+                            <a:ea typeface="Cambria Math" panose="02040503050406030204" pitchFamily="18" charset="0"/>
+                          </a:rPr>
+                          <m:t>k</m:t>
+                        </m:r>
+                      </m:e>
+                    </m:nary>
+                  </m:oMath>
+                </a14:m>
+                <a:endParaRPr lang="en-US" dirty="0"/>
+              </a:p>
+              <a:p>
+                <a14:m>
+                  <m:oMath xmlns:m="http://schemas.openxmlformats.org/officeDocument/2006/math">
+                    <m:r>
+                      <a:rPr lang="en-US" i="1" smtClean="0">
+                        <a:latin typeface="Cambria Math" panose="02040503050406030204" pitchFamily="18" charset="0"/>
+                        <a:ea typeface="Cambria Math" panose="02040503050406030204" pitchFamily="18" charset="0"/>
+                      </a:rPr>
+                      <m:t>𝛾</m:t>
+                    </m:r>
+                    <m:r>
+                      <m:rPr>
+                        <m:nor/>
+                      </m:rPr>
+                      <a:rPr lang="en-US" b="0" i="0" baseline="-25000" smtClean="0">
+                        <a:latin typeface="Cambria Math" panose="02040503050406030204" pitchFamily="18" charset="0"/>
+                        <a:ea typeface="Cambria Math" panose="02040503050406030204" pitchFamily="18" charset="0"/>
+                      </a:rPr>
+                      <m:t>k</m:t>
+                    </m:r>
+                  </m:oMath>
+                </a14:m>
+                <a:r>
+                  <a:rPr lang="en-US" dirty="0"/>
+                  <a:t> is the instantaneous SNR on the k-</a:t>
+                </a:r>
+                <a:r>
+                  <a:rPr lang="en-US" dirty="0" err="1"/>
+                  <a:t>th</a:t>
+                </a:r>
+                <a:r>
+                  <a:rPr lang="en-US" dirty="0"/>
+                  <a:t> channel. Because </a:t>
+                </a:r>
+                <a14:m>
+                  <m:oMath xmlns:m="http://schemas.openxmlformats.org/officeDocument/2006/math">
+                    <m:r>
+                      <a:rPr lang="en-US" i="1">
+                        <a:latin typeface="Cambria Math" panose="02040503050406030204" pitchFamily="18" charset="0"/>
+                        <a:ea typeface="Cambria Math" panose="02040503050406030204" pitchFamily="18" charset="0"/>
+                      </a:rPr>
+                      <m:t>𝛾</m:t>
+                    </m:r>
+                  </m:oMath>
+                </a14:m>
+                <a:r>
+                  <a:rPr lang="en-US" baseline="-25000" dirty="0"/>
+                  <a:t>b  </a:t>
+                </a:r>
+                <a:r>
+                  <a:rPr lang="en-US" dirty="0"/>
+                  <a:t>can be seen as a chi-square </a:t>
+                </a:r>
+              </a:p>
+              <a:p>
+                <a:r>
+                  <a:rPr lang="en-US" dirty="0"/>
+                  <a:t>Distributed random variable with 2L degrees of freedom ,The pdf P(</a:t>
+                </a:r>
+                <a14:m>
+                  <m:oMath xmlns:m="http://schemas.openxmlformats.org/officeDocument/2006/math">
+                    <m:r>
+                      <a:rPr lang="en-US" i="1" smtClean="0">
+                        <a:latin typeface="Cambria Math" panose="02040503050406030204" pitchFamily="18" charset="0"/>
+                        <a:ea typeface="Cambria Math" panose="02040503050406030204" pitchFamily="18" charset="0"/>
+                      </a:rPr>
+                      <m:t>𝛾</m:t>
+                    </m:r>
+                  </m:oMath>
+                </a14:m>
+                <a:r>
+                  <a:rPr lang="en-US" baseline="-25000" dirty="0"/>
+                  <a:t>b</a:t>
+                </a:r>
+                <a:r>
+                  <a:rPr lang="en-US" dirty="0"/>
+                  <a:t>) is :</a:t>
+                </a:r>
+              </a:p>
+              <a:p>
+                <a:r>
+                  <a:rPr lang="en-US" dirty="0"/>
+                  <a:t>P(</a:t>
+                </a:r>
+                <a14:m>
+                  <m:oMath xmlns:m="http://schemas.openxmlformats.org/officeDocument/2006/math">
+                    <m:r>
+                      <a:rPr lang="en-US" i="1" smtClean="0">
+                        <a:latin typeface="Cambria Math" panose="02040503050406030204" pitchFamily="18" charset="0"/>
+                        <a:ea typeface="Cambria Math" panose="02040503050406030204" pitchFamily="18" charset="0"/>
+                      </a:rPr>
+                      <m:t>𝛾</m:t>
+                    </m:r>
+                  </m:oMath>
+                </a14:m>
+                <a:r>
+                  <a:rPr lang="en-US" baseline="-25000" dirty="0"/>
+                  <a:t>b</a:t>
+                </a:r>
+                <a:r>
+                  <a:rPr lang="en-US" dirty="0"/>
+                  <a:t>) = </a:t>
+                </a:r>
+                <a14:m>
+                  <m:oMath xmlns:m="http://schemas.openxmlformats.org/officeDocument/2006/math">
+                    <m:f>
+                      <m:fPr>
+                        <m:ctrlPr>
+                          <a:rPr lang="en-US" i="1" smtClean="0">
+                            <a:latin typeface="Cambria Math" panose="02040503050406030204" pitchFamily="18" charset="0"/>
+                          </a:rPr>
+                        </m:ctrlPr>
+                      </m:fPr>
+                      <m:num>
+                        <m:r>
+                          <a:rPr lang="en-US" b="0" i="1" smtClean="0">
+                            <a:latin typeface="Cambria Math" panose="02040503050406030204" pitchFamily="18" charset="0"/>
+                          </a:rPr>
+                          <m:t>1</m:t>
+                        </m:r>
+                      </m:num>
+                      <m:den>
+                        <m:d>
+                          <m:dPr>
+                            <m:ctrlPr>
+                              <a:rPr lang="en-US" b="0" i="1" smtClean="0">
+                                <a:latin typeface="Cambria Math" panose="02040503050406030204" pitchFamily="18" charset="0"/>
+                              </a:rPr>
+                            </m:ctrlPr>
+                          </m:dPr>
+                          <m:e>
+                            <m:r>
+                              <a:rPr lang="en-US" b="0" i="1" smtClean="0">
+                                <a:latin typeface="Cambria Math" panose="02040503050406030204" pitchFamily="18" charset="0"/>
+                              </a:rPr>
+                              <m:t>𝐿</m:t>
+                            </m:r>
+                            <m:r>
+                              <a:rPr lang="en-US" b="0" i="1" smtClean="0">
+                                <a:latin typeface="Cambria Math" panose="02040503050406030204" pitchFamily="18" charset="0"/>
+                              </a:rPr>
+                              <m:t>−1</m:t>
+                            </m:r>
+                          </m:e>
+                        </m:d>
+                        <m:r>
+                          <a:rPr lang="en-US" b="0" i="1" smtClean="0">
+                            <a:latin typeface="Cambria Math" panose="02040503050406030204" pitchFamily="18" charset="0"/>
+                          </a:rPr>
+                          <m:t>!</m:t>
+                        </m:r>
+                        <m:r>
+                          <a:rPr lang="en-US" i="1">
+                            <a:latin typeface="Cambria Math" panose="02040503050406030204" pitchFamily="18" charset="0"/>
+                            <a:ea typeface="Cambria Math" panose="02040503050406030204" pitchFamily="18" charset="0"/>
+                          </a:rPr>
+                          <m:t>𝛾</m:t>
+                        </m:r>
+                        <m:r>
+                          <a:rPr lang="en-US" b="0" i="1" smtClean="0">
+                            <a:latin typeface="Cambria Math" panose="02040503050406030204" pitchFamily="18" charset="0"/>
+                            <a:ea typeface="Cambria Math" panose="02040503050406030204" pitchFamily="18" charset="0"/>
+                          </a:rPr>
+                          <m:t>𝑙</m:t>
+                        </m:r>
+                        <m:r>
+                          <m:rPr>
+                            <m:nor/>
+                          </m:rPr>
+                          <a:rPr lang="en-US" b="0" i="0" baseline="-25000" smtClean="0">
+                            <a:latin typeface="Cambria Math" panose="02040503050406030204" pitchFamily="18" charset="0"/>
+                            <a:ea typeface="Cambria Math" panose="02040503050406030204" pitchFamily="18" charset="0"/>
+                          </a:rPr>
+                          <m:t>c</m:t>
+                        </m:r>
+                      </m:den>
+                    </m:f>
+                  </m:oMath>
+                </a14:m>
+                <a:r>
+                  <a:rPr lang="en-US" dirty="0">
+                    <a:ea typeface="Cambria Math" panose="02040503050406030204" pitchFamily="18" charset="0"/>
+                  </a:rPr>
+                  <a:t> </a:t>
+                </a:r>
+                <a14:m>
+                  <m:oMath xmlns:m="http://schemas.openxmlformats.org/officeDocument/2006/math">
+                    <m:r>
+                      <a:rPr lang="en-US" i="1" dirty="0" smtClean="0">
+                        <a:latin typeface="Cambria Math" panose="02040503050406030204" pitchFamily="18" charset="0"/>
+                      </a:rPr>
+                      <m:t>𝛾</m:t>
+                    </m:r>
+                    <m:sSup>
+                      <m:sSupPr>
+                        <m:ctrlPr>
+                          <a:rPr lang="en-US" i="1" dirty="0">
+                            <a:solidFill>
+                              <a:srgbClr val="836967"/>
+                            </a:solidFill>
+                            <a:latin typeface="Cambria Math" panose="02040503050406030204" pitchFamily="18" charset="0"/>
+                          </a:rPr>
+                        </m:ctrlPr>
+                      </m:sSupPr>
+                      <m:e>
+                        <m:r>
+                          <a:rPr lang="en-US" i="1" baseline="-25000" dirty="0">
+                            <a:latin typeface="Cambria Math" panose="02040503050406030204" pitchFamily="18" charset="0"/>
+                          </a:rPr>
+                          <m:t>𝑏</m:t>
+                        </m:r>
+                      </m:e>
+                      <m:sup>
+                        <m:r>
+                          <a:rPr lang="en-US" i="1" dirty="0">
+                            <a:latin typeface="Cambria Math" panose="02040503050406030204" pitchFamily="18" charset="0"/>
+                          </a:rPr>
+                          <m:t>𝐿</m:t>
+                        </m:r>
+                        <m:r>
+                          <a:rPr lang="en-US" i="0" dirty="0">
+                            <a:latin typeface="Cambria Math" panose="02040503050406030204" pitchFamily="18" charset="0"/>
+                          </a:rPr>
+                          <m:t>−1</m:t>
+                        </m:r>
+                      </m:sup>
+                    </m:sSup>
+                  </m:oMath>
+                </a14:m>
+                <a:r>
+                  <a:rPr lang="en-US" dirty="0"/>
+                  <a:t> </a:t>
+                </a:r>
+                <a14:m>
+                  <m:oMath xmlns:m="http://schemas.openxmlformats.org/officeDocument/2006/math">
+                    <m:sSup>
+                      <m:sSupPr>
+                        <m:ctrlPr>
+                          <a:rPr lang="en-US" i="1">
+                            <a:latin typeface="Cambria Math" panose="02040503050406030204" pitchFamily="18" charset="0"/>
+                          </a:rPr>
+                        </m:ctrlPr>
+                      </m:sSupPr>
+                      <m:e>
+                        <m:r>
+                          <a:rPr lang="en-US" i="1">
+                            <a:latin typeface="Cambria Math" panose="02040503050406030204" pitchFamily="18" charset="0"/>
+                          </a:rPr>
+                          <m:t>𝑒</m:t>
+                        </m:r>
+                      </m:e>
+                      <m:sup>
+                        <m:r>
+                          <a:rPr lang="en-US" i="1">
+                            <a:latin typeface="Cambria Math" panose="02040503050406030204" pitchFamily="18" charset="0"/>
+                          </a:rPr>
+                          <m:t>−</m:t>
+                        </m:r>
+                        <m:r>
+                          <a:rPr lang="en-US" i="1">
+                            <a:latin typeface="Cambria Math" panose="02040503050406030204" pitchFamily="18" charset="0"/>
+                            <a:ea typeface="Cambria Math" panose="02040503050406030204" pitchFamily="18" charset="0"/>
+                          </a:rPr>
+                          <m:t>𝛾</m:t>
+                        </m:r>
+                        <m:r>
+                          <m:rPr>
+                            <m:nor/>
+                          </m:rPr>
+                          <a:rPr lang="en-US" baseline="-25000" dirty="0"/>
+                          <m:t>b</m:t>
+                        </m:r>
+                        <m:r>
+                          <a:rPr lang="en-US" i="1">
+                            <a:latin typeface="Cambria Math" panose="02040503050406030204" pitchFamily="18" charset="0"/>
+                          </a:rPr>
+                          <m:t>/</m:t>
+                        </m:r>
+                        <m:r>
+                          <a:rPr lang="en-US" i="1">
+                            <a:latin typeface="Cambria Math" panose="02040503050406030204" pitchFamily="18" charset="0"/>
+                            <a:ea typeface="Cambria Math" panose="02040503050406030204" pitchFamily="18" charset="0"/>
+                          </a:rPr>
+                          <m:t>𝛾</m:t>
+                        </m:r>
+                        <m:r>
+                          <m:rPr>
+                            <m:nor/>
+                          </m:rPr>
+                          <a:rPr lang="en-US" b="0" i="0" baseline="-25000" smtClean="0">
+                            <a:latin typeface="Cambria Math" panose="02040503050406030204" pitchFamily="18" charset="0"/>
+                            <a:ea typeface="Cambria Math" panose="02040503050406030204" pitchFamily="18" charset="0"/>
+                          </a:rPr>
+                          <m:t>c</m:t>
+                        </m:r>
+                      </m:sup>
+                    </m:sSup>
+                  </m:oMath>
+                </a14:m>
+                <a:endParaRPr lang="en-US" dirty="0"/>
+              </a:p>
+              <a:p>
+                <a:r>
+                  <a:rPr lang="en-US" dirty="0"/>
+                  <a:t>Here </a:t>
+                </a:r>
+                <a14:m>
+                  <m:oMath xmlns:m="http://schemas.openxmlformats.org/officeDocument/2006/math">
+                    <m:r>
+                      <a:rPr lang="en-US" i="1" smtClean="0">
+                        <a:latin typeface="Cambria Math" panose="02040503050406030204" pitchFamily="18" charset="0"/>
+                        <a:ea typeface="Cambria Math" panose="02040503050406030204" pitchFamily="18" charset="0"/>
+                      </a:rPr>
+                      <m:t>𝛾</m:t>
+                    </m:r>
+                    <m:r>
+                      <m:rPr>
+                        <m:nor/>
+                      </m:rPr>
+                      <a:rPr lang="en-US" b="0" i="0" baseline="-25000" smtClean="0">
+                        <a:latin typeface="Cambria Math" panose="02040503050406030204" pitchFamily="18" charset="0"/>
+                        <a:ea typeface="Cambria Math" panose="02040503050406030204" pitchFamily="18" charset="0"/>
+                      </a:rPr>
+                      <m:t>c</m:t>
+                    </m:r>
+                  </m:oMath>
+                </a14:m>
+                <a:r>
+                  <a:rPr lang="en-US" dirty="0"/>
+                  <a:t> is the average SNR per channel . </a:t>
+                </a:r>
+              </a:p>
+            </p:txBody>
+          </p:sp>
+        </mc:Choice>
+        <mc:Fallback>
+          <p:sp>
+            <p:nvSpPr>
+              <p:cNvPr id="3" name="Content Placeholder 2">
+                <a:extLst>
+                  <a:ext uri="{FF2B5EF4-FFF2-40B4-BE49-F238E27FC236}">
+                    <a16:creationId xmlns:a16="http://schemas.microsoft.com/office/drawing/2014/main" id="{5E944AFA-1503-79F5-609D-799E7FFC7154}"/>
+                  </a:ext>
+                </a:extLst>
+              </p:cNvPr>
+              <p:cNvSpPr>
+                <a:spLocks noGrp="1" noRot="1" noChangeAspect="1" noMove="1" noResize="1" noEditPoints="1" noAdjustHandles="1" noChangeArrowheads="1" noChangeShapeType="1" noTextEdit="1"/>
+              </p:cNvSpPr>
+              <p:nvPr>
+                <p:ph idx="1"/>
+              </p:nvPr>
+            </p:nvSpPr>
+            <p:spPr>
+              <a:blipFill>
+                <a:blip r:embed="rId2"/>
+                <a:stretch>
+                  <a:fillRect l="-522" t="-135" r="-1217"/>
+                </a:stretch>
+              </a:blipFill>
+            </p:spPr>
+            <p:txBody>
+              <a:bodyPr/>
+              <a:lstStyle/>
+              <a:p>
+                <a:r>
+                  <a:rPr lang="en-US">
+                    <a:noFill/>
+                  </a:rPr>
+                  <a:t> </a:t>
+                </a:r>
+              </a:p>
+            </p:txBody>
+          </p:sp>
+        </mc:Fallback>
+      </mc:AlternateContent>
+      <p:sp>
+        <p:nvSpPr>
+          <p:cNvPr id="4" name="Slide Number Placeholder 3">
+            <a:extLst>
+              <a:ext uri="{FF2B5EF4-FFF2-40B4-BE49-F238E27FC236}">
+                <a16:creationId xmlns:a16="http://schemas.microsoft.com/office/drawing/2014/main" id="{B6373BE2-37B7-6B36-3ED2-E42E3EF0DA56}"/>
+              </a:ext>
+            </a:extLst>
+          </p:cNvPr>
+          <p:cNvSpPr>
+            <a:spLocks noGrp="1"/>
+          </p:cNvSpPr>
+          <p:nvPr>
+            <p:ph type="sldNum" sz="quarter" idx="12"/>
+          </p:nvPr>
+        </p:nvSpPr>
+        <p:spPr/>
+        <p:txBody>
+          <a:bodyPr/>
+          <a:lstStyle/>
+          <a:p>
+            <a:fld id="{A439D109-9F59-4B0B-8E20-D6D3A384B1F1}" type="slidenum">
+              <a:rPr lang="ko-KR" altLang="en-US" smtClean="0"/>
+              <a:t>23</a:t>
+            </a:fld>
+            <a:endParaRPr lang="ko-KR" altLang="en-US"/>
+          </a:p>
+        </p:txBody>
+      </p:sp>
+    </p:spTree>
+    <p:extLst>
+      <p:ext uri="{BB962C8B-B14F-4D97-AF65-F5344CB8AC3E}">
+        <p14:creationId xmlns:p14="http://schemas.microsoft.com/office/powerpoint/2010/main" val="2625048955"/>
+      </p:ext>
+    </p:extLst>
+  </p:cSld>
+  <p:clrMapOvr>
+    <a:masterClrMapping/>
+  </p:clrMapOvr>
+</p:sld>
+</file>
+
+<file path=ppt/slides/slide24.xml><?xml version="1.0" encoding="utf-8"?>
+<p:sld xmlns:a="http://schemas.openxmlformats.org/drawingml/2006/main" xmlns:r="http://schemas.openxmlformats.org/officeDocument/2006/relationships" xmlns:p="http://schemas.openxmlformats.org/presentationml/2006/main">
+  <p:cSld>
+    <p:spTree>
+      <p:nvGrpSpPr>
+        <p:cNvPr id="1" name=""/>
+        <p:cNvGrpSpPr/>
+        <p:nvPr/>
+      </p:nvGrpSpPr>
+      <p:grpSpPr>
+        <a:xfrm>
+          <a:off x="0" y="0"/>
+          <a:ext cx="0" cy="0"/>
+          <a:chOff x="0" y="0"/>
+          <a:chExt cx="0" cy="0"/>
+        </a:xfrm>
+      </p:grpSpPr>
+      <p:sp>
+        <p:nvSpPr>
+          <p:cNvPr id="2" name="Title 1">
+            <a:extLst>
+              <a:ext uri="{FF2B5EF4-FFF2-40B4-BE49-F238E27FC236}">
+                <a16:creationId xmlns:a16="http://schemas.microsoft.com/office/drawing/2014/main" id="{CB2446BD-64E3-D917-6B93-9AD6CAFC4472}"/>
+              </a:ext>
+            </a:extLst>
+          </p:cNvPr>
+          <p:cNvSpPr>
+            <a:spLocks noGrp="1"/>
+          </p:cNvSpPr>
+          <p:nvPr>
+            <p:ph type="title"/>
+          </p:nvPr>
+        </p:nvSpPr>
+        <p:spPr/>
+        <p:txBody>
+          <a:bodyPr/>
+          <a:lstStyle/>
+          <a:p>
+            <a:r>
+              <a:rPr lang="en-US" dirty="0"/>
+              <a:t>Theoretical BER </a:t>
+            </a:r>
+          </a:p>
+        </p:txBody>
+      </p:sp>
+      <mc:AlternateContent xmlns:mc="http://schemas.openxmlformats.org/markup-compatibility/2006">
+        <mc:Choice xmlns:a14="http://schemas.microsoft.com/office/drawing/2010/main" Requires="a14">
+          <p:sp>
+            <p:nvSpPr>
+              <p:cNvPr id="3" name="Content Placeholder 2">
+                <a:extLst>
+                  <a:ext uri="{FF2B5EF4-FFF2-40B4-BE49-F238E27FC236}">
+                    <a16:creationId xmlns:a16="http://schemas.microsoft.com/office/drawing/2014/main" id="{7DF72D41-4568-B5AA-B146-788A88E854E4}"/>
+                  </a:ext>
+                </a:extLst>
+              </p:cNvPr>
+              <p:cNvSpPr>
+                <a:spLocks noGrp="1"/>
+              </p:cNvSpPr>
+              <p:nvPr>
+                <p:ph idx="1"/>
+              </p:nvPr>
+            </p:nvSpPr>
+            <p:spPr/>
+            <p:txBody>
+              <a:bodyPr/>
+              <a:lstStyle/>
+              <a:p>
+                <a:r>
+                  <a:rPr lang="en-US" dirty="0"/>
+                  <a:t>To obtain BER, we need to average the conditional error probability:</a:t>
+                </a:r>
+              </a:p>
+              <a:p>
+                <a:r>
+                  <a:rPr lang="en-US" dirty="0"/>
+                  <a:t>P</a:t>
+                </a:r>
+                <a:r>
+                  <a:rPr lang="en-US" baseline="-25000" dirty="0"/>
+                  <a:t>2</a:t>
+                </a:r>
+                <a:r>
+                  <a:rPr lang="en-US" dirty="0"/>
+                  <a:t> = </a:t>
+                </a:r>
+                <a14:m>
+                  <m:oMath xmlns:m="http://schemas.openxmlformats.org/officeDocument/2006/math">
+                    <m:nary>
+                      <m:naryPr>
+                        <m:ctrlPr>
+                          <a:rPr lang="en-US" i="1" smtClean="0">
+                            <a:latin typeface="Cambria Math" panose="02040503050406030204" pitchFamily="18" charset="0"/>
+                          </a:rPr>
+                        </m:ctrlPr>
+                      </m:naryPr>
+                      <m:sub>
+                        <m:r>
+                          <m:rPr>
+                            <m:brk m:alnAt="23"/>
+                          </m:rPr>
+                          <a:rPr lang="en-US" b="0" i="1" smtClean="0">
+                            <a:latin typeface="Cambria Math" panose="02040503050406030204" pitchFamily="18" charset="0"/>
+                          </a:rPr>
+                          <m:t>0</m:t>
+                        </m:r>
+                      </m:sub>
+                      <m:sup>
+                        <m:r>
+                          <a:rPr lang="en-US" i="1" smtClean="0">
+                            <a:latin typeface="Cambria Math" panose="02040503050406030204" pitchFamily="18" charset="0"/>
+                            <a:ea typeface="Cambria Math" panose="02040503050406030204" pitchFamily="18" charset="0"/>
+                          </a:rPr>
+                          <m:t>∞</m:t>
+                        </m:r>
+                      </m:sup>
+                      <m:e>
+                        <m:r>
+                          <m:rPr>
+                            <m:nor/>
+                          </m:rPr>
+                          <a:rPr lang="en-US" dirty="0"/>
+                          <m:t>P</m:t>
+                        </m:r>
+                        <m:r>
+                          <m:rPr>
+                            <m:nor/>
+                          </m:rPr>
+                          <a:rPr lang="en-US" baseline="-25000" dirty="0"/>
+                          <m:t>2</m:t>
+                        </m:r>
+                        <m:r>
+                          <m:rPr>
+                            <m:nor/>
+                          </m:rPr>
+                          <a:rPr lang="en-US" dirty="0"/>
+                          <m:t> (</m:t>
+                        </m:r>
+                        <m:r>
+                          <a:rPr lang="en-US" i="1">
+                            <a:latin typeface="Cambria Math" panose="02040503050406030204" pitchFamily="18" charset="0"/>
+                            <a:ea typeface="Cambria Math" panose="02040503050406030204" pitchFamily="18" charset="0"/>
+                          </a:rPr>
+                          <m:t>𝛾</m:t>
+                        </m:r>
+                        <m:r>
+                          <m:rPr>
+                            <m:nor/>
+                          </m:rPr>
+                          <a:rPr lang="en-US" baseline="-25000" dirty="0"/>
+                          <m:t>b</m:t>
+                        </m:r>
+                        <m:r>
+                          <m:rPr>
+                            <m:nor/>
+                          </m:rPr>
+                          <a:rPr lang="en-US" dirty="0"/>
+                          <m:t>)</m:t>
+                        </m:r>
+                      </m:e>
+                    </m:nary>
+                  </m:oMath>
+                </a14:m>
+                <a:r>
+                  <a:rPr lang="en-US" dirty="0"/>
+                  <a:t> P (</a:t>
+                </a:r>
+                <a14:m>
+                  <m:oMath xmlns:m="http://schemas.openxmlformats.org/officeDocument/2006/math">
+                    <m:r>
+                      <a:rPr lang="en-US" i="1">
+                        <a:latin typeface="Cambria Math" panose="02040503050406030204" pitchFamily="18" charset="0"/>
+                        <a:ea typeface="Cambria Math" panose="02040503050406030204" pitchFamily="18" charset="0"/>
+                      </a:rPr>
+                      <m:t>𝛾</m:t>
+                    </m:r>
+                  </m:oMath>
+                </a14:m>
+                <a:r>
+                  <a:rPr lang="en-US" baseline="-25000" dirty="0"/>
+                  <a:t>b</a:t>
+                </a:r>
+                <a:r>
+                  <a:rPr lang="en-US" dirty="0"/>
+                  <a:t>) d</a:t>
+                </a:r>
+                <a14:m>
+                  <m:oMath xmlns:m="http://schemas.openxmlformats.org/officeDocument/2006/math">
+                    <m:r>
+                      <a:rPr lang="en-US" i="1">
+                        <a:latin typeface="Cambria Math" panose="02040503050406030204" pitchFamily="18" charset="0"/>
+                        <a:ea typeface="Cambria Math" panose="02040503050406030204" pitchFamily="18" charset="0"/>
+                      </a:rPr>
+                      <m:t>𝛾</m:t>
+                    </m:r>
+                    <m:r>
+                      <m:rPr>
+                        <m:nor/>
+                      </m:rPr>
+                      <a:rPr lang="en-US" baseline="-25000" dirty="0"/>
+                      <m:t>b</m:t>
+                    </m:r>
+                  </m:oMath>
+                </a14:m>
+                <a:endParaRPr lang="en-US" dirty="0"/>
+              </a:p>
+              <a:p>
+                <a:r>
+                  <a:rPr lang="en-US" dirty="0" err="1"/>
+                  <a:t>Ther</a:t>
+                </a:r>
+                <a:r>
+                  <a:rPr lang="en-US" dirty="0"/>
+                  <a:t> is closed-form solution for this integral, which can be expressed as :</a:t>
+                </a:r>
+              </a:p>
+              <a:p>
+                <a:r>
+                  <a:rPr lang="en-US" dirty="0"/>
+                  <a:t>P</a:t>
+                </a:r>
+                <a:r>
+                  <a:rPr lang="en-US" baseline="-25000" dirty="0"/>
+                  <a:t>2 </a:t>
+                </a:r>
+                <a:r>
+                  <a:rPr lang="en-US" dirty="0"/>
+                  <a:t>= [</a:t>
+                </a:r>
+                <a14:m>
+                  <m:oMath xmlns:m="http://schemas.openxmlformats.org/officeDocument/2006/math">
+                    <m:f>
+                      <m:fPr>
+                        <m:ctrlPr>
+                          <a:rPr lang="en-US" i="1" dirty="0">
+                            <a:latin typeface="Cambria Math" panose="02040503050406030204" pitchFamily="18" charset="0"/>
+                          </a:rPr>
+                        </m:ctrlPr>
+                      </m:fPr>
+                      <m:num>
+                        <m:r>
+                          <a:rPr lang="en-US" i="1" dirty="0">
+                            <a:latin typeface="Cambria Math" panose="02040503050406030204" pitchFamily="18" charset="0"/>
+                          </a:rPr>
+                          <m:t> 1</m:t>
+                        </m:r>
+                      </m:num>
+                      <m:den>
+                        <m:r>
+                          <a:rPr lang="en-US" i="1" dirty="0">
+                            <a:latin typeface="Cambria Math" panose="02040503050406030204" pitchFamily="18" charset="0"/>
+                          </a:rPr>
+                          <m:t> 2</m:t>
+                        </m:r>
+                      </m:den>
+                    </m:f>
+                  </m:oMath>
+                </a14:m>
+                <a:r>
+                  <a:rPr lang="en-US" dirty="0"/>
+                  <a:t>(1 - </a:t>
+                </a:r>
+                <a14:m>
+                  <m:oMath xmlns:m="http://schemas.openxmlformats.org/officeDocument/2006/math">
+                    <m:r>
+                      <a:rPr lang="en-US" i="1">
+                        <a:latin typeface="Cambria Math" panose="02040503050406030204" pitchFamily="18" charset="0"/>
+                        <a:ea typeface="Cambria Math" panose="02040503050406030204" pitchFamily="18" charset="0"/>
+                      </a:rPr>
+                      <m:t>𝜇</m:t>
+                    </m:r>
+                  </m:oMath>
+                </a14:m>
+                <a:r>
+                  <a:rPr lang="en-US" dirty="0"/>
+                  <a:t>) ]</a:t>
+                </a:r>
+                <a:r>
+                  <a:rPr lang="en-US" baseline="30000" dirty="0"/>
+                  <a:t>L</a:t>
+                </a:r>
+                <a14:m>
+                  <m:oMath xmlns:m="http://schemas.openxmlformats.org/officeDocument/2006/math">
+                    <m:nary>
+                      <m:naryPr>
+                        <m:chr m:val="∑"/>
+                        <m:ctrlPr>
+                          <a:rPr lang="en-US" i="1" smtClean="0">
+                            <a:latin typeface="Cambria Math" panose="02040503050406030204" pitchFamily="18" charset="0"/>
+                          </a:rPr>
+                        </m:ctrlPr>
+                      </m:naryPr>
+                      <m:sub>
+                        <m:r>
+                          <m:rPr>
+                            <m:brk m:alnAt="23"/>
+                          </m:rPr>
+                          <a:rPr lang="en-US" b="0" i="1" smtClean="0">
+                            <a:latin typeface="Cambria Math" panose="02040503050406030204" pitchFamily="18" charset="0"/>
+                          </a:rPr>
+                          <m:t>𝑘</m:t>
+                        </m:r>
+                        <m:r>
+                          <a:rPr lang="en-US" b="0" i="1" smtClean="0">
+                            <a:latin typeface="Cambria Math" panose="02040503050406030204" pitchFamily="18" charset="0"/>
+                          </a:rPr>
+                          <m:t>=0</m:t>
+                        </m:r>
+                      </m:sub>
+                      <m:sup>
+                        <m:r>
+                          <a:rPr lang="en-US" b="0" i="1" smtClean="0">
+                            <a:latin typeface="Cambria Math" panose="02040503050406030204" pitchFamily="18" charset="0"/>
+                          </a:rPr>
+                          <m:t>𝑙</m:t>
+                        </m:r>
+                        <m:r>
+                          <a:rPr lang="en-US" b="0" i="1" smtClean="0">
+                            <a:latin typeface="Cambria Math" panose="02040503050406030204" pitchFamily="18" charset="0"/>
+                          </a:rPr>
+                          <m:t>−1</m:t>
+                        </m:r>
+                      </m:sup>
+                      <m:e>
+                        <m:d>
+                          <m:dPr>
+                            <m:ctrlPr>
+                              <a:rPr lang="en-US" i="1" smtClean="0">
+                                <a:solidFill>
+                                  <a:srgbClr val="836967"/>
+                                </a:solidFill>
+                                <a:latin typeface="Cambria Math" panose="02040503050406030204" pitchFamily="18" charset="0"/>
+                              </a:rPr>
+                            </m:ctrlPr>
+                          </m:dPr>
+                          <m:e>
+                            <m:m>
+                              <m:mPr>
+                                <m:plcHide m:val="on"/>
+                                <m:mcs>
+                                  <m:mc>
+                                    <m:mcPr>
+                                      <m:count m:val="1"/>
+                                      <m:mcJc m:val="center"/>
+                                    </m:mcPr>
+                                  </m:mc>
+                                </m:mcs>
+                                <m:ctrlPr>
+                                  <a:rPr lang="en-US" i="1" smtClean="0">
+                                    <a:solidFill>
+                                      <a:srgbClr val="836967"/>
+                                    </a:solidFill>
+                                    <a:latin typeface="Cambria Math" panose="02040503050406030204" pitchFamily="18" charset="0"/>
+                                  </a:rPr>
+                                </m:ctrlPr>
+                              </m:mPr>
+                              <m:mr>
+                                <m:e>
+                                  <m:r>
+                                    <a:rPr lang="en-US" i="1" smtClean="0">
+                                      <a:latin typeface="Cambria Math" panose="02040503050406030204" pitchFamily="18" charset="0"/>
+                                    </a:rPr>
+                                    <m:t>𝐿</m:t>
+                                  </m:r>
+                                  <m:r>
+                                    <a:rPr lang="en-US" i="1" smtClean="0">
+                                      <a:latin typeface="Cambria Math" panose="02040503050406030204" pitchFamily="18" charset="0"/>
+                                    </a:rPr>
+                                    <m:t>−</m:t>
+                                  </m:r>
+                                  <m:r>
+                                    <a:rPr lang="en-US" i="1" smtClean="0">
+                                      <a:latin typeface="Cambria Math" panose="02040503050406030204" pitchFamily="18" charset="0"/>
+                                    </a:rPr>
+                                    <m:t>𝑘</m:t>
+                                  </m:r>
+                                  <m:r>
+                                    <a:rPr lang="en-US" i="1" smtClean="0">
+                                      <a:latin typeface="Cambria Math" panose="02040503050406030204" pitchFamily="18" charset="0"/>
+                                    </a:rPr>
+                                    <m:t>+1</m:t>
+                                  </m:r>
+                                </m:e>
+                              </m:mr>
+                              <m:mr>
+                                <m:e>
+                                  <m:r>
+                                    <a:rPr lang="en-US" i="1" smtClean="0">
+                                      <a:latin typeface="Cambria Math" panose="02040503050406030204" pitchFamily="18" charset="0"/>
+                                    </a:rPr>
+                                    <m:t>𝑘</m:t>
+                                  </m:r>
+                                </m:e>
+                              </m:mr>
+                            </m:m>
+                          </m:e>
+                        </m:d>
+                      </m:e>
+                    </m:nary>
+                  </m:oMath>
+                </a14:m>
+                <a:r>
+                  <a:rPr lang="en-US" dirty="0"/>
+                  <a:t>[ </a:t>
+                </a:r>
+                <a14:m>
+                  <m:oMath xmlns:m="http://schemas.openxmlformats.org/officeDocument/2006/math">
+                    <m:f>
+                      <m:fPr>
+                        <m:ctrlPr>
+                          <a:rPr lang="en-US" i="1" dirty="0" smtClean="0">
+                            <a:latin typeface="Cambria Math" panose="02040503050406030204" pitchFamily="18" charset="0"/>
+                          </a:rPr>
+                        </m:ctrlPr>
+                      </m:fPr>
+                      <m:num>
+                        <m:r>
+                          <a:rPr lang="en-US" b="0" i="1" dirty="0" smtClean="0">
+                            <a:latin typeface="Cambria Math" panose="02040503050406030204" pitchFamily="18" charset="0"/>
+                          </a:rPr>
+                          <m:t> 1</m:t>
+                        </m:r>
+                      </m:num>
+                      <m:den>
+                        <m:r>
+                          <a:rPr lang="en-US" b="0" i="1" dirty="0" smtClean="0">
+                            <a:latin typeface="Cambria Math" panose="02040503050406030204" pitchFamily="18" charset="0"/>
+                          </a:rPr>
+                          <m:t> 2</m:t>
+                        </m:r>
+                      </m:den>
+                    </m:f>
+                  </m:oMath>
+                </a14:m>
+                <a:r>
+                  <a:rPr lang="en-US" dirty="0"/>
+                  <a:t>(1 + </a:t>
+                </a:r>
+                <a14:m>
+                  <m:oMath xmlns:m="http://schemas.openxmlformats.org/officeDocument/2006/math">
+                    <m:r>
+                      <a:rPr lang="en-US" i="1" smtClean="0">
+                        <a:latin typeface="Cambria Math" panose="02040503050406030204" pitchFamily="18" charset="0"/>
+                        <a:ea typeface="Cambria Math" panose="02040503050406030204" pitchFamily="18" charset="0"/>
+                      </a:rPr>
+                      <m:t>𝜇</m:t>
+                    </m:r>
+                  </m:oMath>
+                </a14:m>
+                <a:r>
+                  <a:rPr lang="en-US" dirty="0"/>
+                  <a:t>) ]</a:t>
+                </a:r>
+                <a:r>
+                  <a:rPr lang="en-US" baseline="30000" dirty="0"/>
+                  <a:t>K </a:t>
+                </a:r>
+                <a:r>
+                  <a:rPr lang="en-US" dirty="0"/>
+                  <a:t> where </a:t>
+                </a:r>
+                <a14:m>
+                  <m:oMath xmlns:m="http://schemas.openxmlformats.org/officeDocument/2006/math">
+                    <m:r>
+                      <a:rPr lang="en-US" i="1">
+                        <a:latin typeface="Cambria Math" panose="02040503050406030204" pitchFamily="18" charset="0"/>
+                        <a:ea typeface="Cambria Math" panose="02040503050406030204" pitchFamily="18" charset="0"/>
+                      </a:rPr>
+                      <m:t>𝜇</m:t>
+                    </m:r>
+                    <m:r>
+                      <a:rPr lang="en-US" b="0" i="0" smtClean="0">
+                        <a:latin typeface="Cambria Math" panose="02040503050406030204" pitchFamily="18" charset="0"/>
+                        <a:ea typeface="Cambria Math" panose="02040503050406030204" pitchFamily="18" charset="0"/>
+                      </a:rPr>
+                      <m:t>=</m:t>
+                    </m:r>
+                  </m:oMath>
+                </a14:m>
+                <a:r>
+                  <a:rPr lang="en-US" dirty="0"/>
+                  <a:t> </a:t>
+                </a:r>
+                <a14:m>
+                  <m:oMath xmlns:m="http://schemas.openxmlformats.org/officeDocument/2006/math">
+                    <m:rad>
+                      <m:radPr>
+                        <m:degHide m:val="on"/>
+                        <m:ctrlPr>
+                          <a:rPr lang="en-US" i="1" dirty="0" smtClean="0">
+                            <a:latin typeface="Cambria Math" panose="02040503050406030204" pitchFamily="18" charset="0"/>
+                          </a:rPr>
+                        </m:ctrlPr>
+                      </m:radPr>
+                      <m:deg/>
+                      <m:e>
+                        <m:f>
+                          <m:fPr>
+                            <m:ctrlPr>
+                              <a:rPr lang="en-US" i="1" dirty="0" smtClean="0">
+                                <a:latin typeface="Cambria Math" panose="02040503050406030204" pitchFamily="18" charset="0"/>
+                              </a:rPr>
+                            </m:ctrlPr>
+                          </m:fPr>
+                          <m:num>
+                            <m:r>
+                              <a:rPr lang="en-US" i="1">
+                                <a:latin typeface="Cambria Math" panose="02040503050406030204" pitchFamily="18" charset="0"/>
+                                <a:ea typeface="Cambria Math" panose="02040503050406030204" pitchFamily="18" charset="0"/>
+                              </a:rPr>
+                              <m:t>𝛾</m:t>
+                            </m:r>
+                            <m:r>
+                              <m:rPr>
+                                <m:nor/>
+                              </m:rPr>
+                              <a:rPr lang="en-US" baseline="-25000">
+                                <a:latin typeface="Cambria Math" panose="02040503050406030204" pitchFamily="18" charset="0"/>
+                                <a:ea typeface="Cambria Math" panose="02040503050406030204" pitchFamily="18" charset="0"/>
+                              </a:rPr>
+                              <m:t>c</m:t>
+                            </m:r>
+                          </m:num>
+                          <m:den>
+                            <m:r>
+                              <a:rPr lang="en-US" b="0" i="1" dirty="0" smtClean="0">
+                                <a:latin typeface="Cambria Math" panose="02040503050406030204" pitchFamily="18" charset="0"/>
+                              </a:rPr>
+                              <m:t>1+</m:t>
+                            </m:r>
+                            <m:r>
+                              <a:rPr lang="en-US" i="1">
+                                <a:latin typeface="Cambria Math" panose="02040503050406030204" pitchFamily="18" charset="0"/>
+                                <a:ea typeface="Cambria Math" panose="02040503050406030204" pitchFamily="18" charset="0"/>
+                              </a:rPr>
+                              <m:t>𝛾</m:t>
+                            </m:r>
+                            <m:r>
+                              <m:rPr>
+                                <m:nor/>
+                              </m:rPr>
+                              <a:rPr lang="en-US" baseline="-25000">
+                                <a:latin typeface="Cambria Math" panose="02040503050406030204" pitchFamily="18" charset="0"/>
+                                <a:ea typeface="Cambria Math" panose="02040503050406030204" pitchFamily="18" charset="0"/>
+                              </a:rPr>
+                              <m:t>c</m:t>
+                            </m:r>
+                          </m:den>
+                        </m:f>
+                      </m:e>
+                    </m:rad>
+                  </m:oMath>
+                </a14:m>
+                <a:r>
+                  <a:rPr lang="en-US" dirty="0"/>
+                  <a:t> </a:t>
+                </a:r>
+              </a:p>
+              <a:p>
+                <a:r>
+                  <a:rPr lang="en-US" dirty="0"/>
+                  <a:t>The conditional error probability is applicable for s = -</a:t>
+                </a:r>
+                <a:r>
+                  <a:rPr lang="en-US" dirty="0">
+                    <a:solidFill>
+                      <a:srgbClr val="836967"/>
+                    </a:solidFill>
+                  </a:rPr>
+                  <a:t> </a:t>
+                </a:r>
+                <a14:m>
+                  <m:oMath xmlns:m="http://schemas.openxmlformats.org/officeDocument/2006/math">
+                    <m:rad>
+                      <m:radPr>
+                        <m:degHide m:val="on"/>
+                        <m:ctrlPr>
+                          <a:rPr lang="en-US" i="1" dirty="0" smtClean="0">
+                            <a:solidFill>
+                              <a:srgbClr val="836967"/>
+                            </a:solidFill>
+                            <a:latin typeface="Cambria Math" panose="02040503050406030204" pitchFamily="18" charset="0"/>
+                          </a:rPr>
+                        </m:ctrlPr>
+                      </m:radPr>
+                      <m:deg/>
+                      <m:e>
+                        <m:r>
+                          <a:rPr lang="en-US" i="1" dirty="0">
+                            <a:latin typeface="Cambria Math" panose="02040503050406030204" pitchFamily="18" charset="0"/>
+                          </a:rPr>
+                          <m:t>𝐸</m:t>
+                        </m:r>
+                      </m:e>
+                    </m:rad>
+                    <m:r>
+                      <a:rPr lang="en-US" i="1" dirty="0">
+                        <a:latin typeface="Cambria Math" panose="02040503050406030204" pitchFamily="18" charset="0"/>
+                      </a:rPr>
+                      <m:t>𝑏</m:t>
+                    </m:r>
+                  </m:oMath>
+                </a14:m>
+                <a:r>
+                  <a:rPr lang="en-US" dirty="0"/>
+                  <a:t> and this leads to a total error   probability of P</a:t>
+                </a:r>
+                <a:r>
+                  <a:rPr lang="en-US" baseline="-25000" dirty="0"/>
+                  <a:t>2</a:t>
+                </a:r>
+                <a:r>
+                  <a:rPr lang="en-US" dirty="0"/>
+                  <a:t> /2 + P</a:t>
+                </a:r>
+                <a:r>
+                  <a:rPr lang="en-US" baseline="-25000" dirty="0"/>
+                  <a:t>2</a:t>
+                </a:r>
+                <a:r>
+                  <a:rPr lang="en-US" dirty="0"/>
+                  <a:t> /2 = P</a:t>
+                </a:r>
+                <a:r>
+                  <a:rPr lang="en-US" baseline="-25000" dirty="0"/>
+                  <a:t>2</a:t>
+                </a:r>
+                <a:r>
+                  <a:rPr lang="en-US" dirty="0"/>
+                  <a:t> ,when </a:t>
+                </a:r>
+                <a14:m>
+                  <m:oMath xmlns:m="http://schemas.openxmlformats.org/officeDocument/2006/math">
+                    <m:r>
+                      <a:rPr lang="en-US" i="1">
+                        <a:latin typeface="Cambria Math" panose="02040503050406030204" pitchFamily="18" charset="0"/>
+                        <a:ea typeface="Cambria Math" panose="02040503050406030204" pitchFamily="18" charset="0"/>
+                      </a:rPr>
+                      <m:t>𝛾</m:t>
+                    </m:r>
+                    <m:r>
+                      <m:rPr>
+                        <m:nor/>
+                      </m:rPr>
+                      <a:rPr lang="en-US" baseline="-25000">
+                        <a:latin typeface="Cambria Math" panose="02040503050406030204" pitchFamily="18" charset="0"/>
+                        <a:ea typeface="Cambria Math" panose="02040503050406030204" pitchFamily="18" charset="0"/>
+                      </a:rPr>
+                      <m:t>c</m:t>
+                    </m:r>
+                    <m:r>
+                      <a:rPr lang="en-US" i="1" baseline="-25000">
+                        <a:latin typeface="Cambria Math" panose="02040503050406030204" pitchFamily="18" charset="0"/>
+                        <a:ea typeface="Cambria Math" panose="02040503050406030204" pitchFamily="18" charset="0"/>
+                      </a:rPr>
+                      <m:t> </m:t>
+                    </m:r>
+                  </m:oMath>
+                </a14:m>
+                <a:r>
+                  <a:rPr lang="en-US" dirty="0"/>
+                  <a:t> satisfy the condition </a:t>
+                </a:r>
+                <a14:m>
+                  <m:oMath xmlns:m="http://schemas.openxmlformats.org/officeDocument/2006/math">
+                    <m:r>
+                      <a:rPr lang="en-US" i="1">
+                        <a:latin typeface="Cambria Math" panose="02040503050406030204" pitchFamily="18" charset="0"/>
+                        <a:ea typeface="Cambria Math" panose="02040503050406030204" pitchFamily="18" charset="0"/>
+                      </a:rPr>
+                      <m:t>𝛾</m:t>
+                    </m:r>
+                    <m:r>
+                      <m:rPr>
+                        <m:nor/>
+                      </m:rPr>
+                      <a:rPr lang="en-US" baseline="-25000">
+                        <a:latin typeface="Cambria Math" panose="02040503050406030204" pitchFamily="18" charset="0"/>
+                        <a:ea typeface="Cambria Math" panose="02040503050406030204" pitchFamily="18" charset="0"/>
+                      </a:rPr>
+                      <m:t>c</m:t>
+                    </m:r>
+                    <m:r>
+                      <a:rPr lang="en-US" i="1" baseline="-25000">
+                        <a:latin typeface="Cambria Math" panose="02040503050406030204" pitchFamily="18" charset="0"/>
+                        <a:ea typeface="Cambria Math" panose="02040503050406030204" pitchFamily="18" charset="0"/>
+                      </a:rPr>
+                      <m:t> </m:t>
+                    </m:r>
+                  </m:oMath>
+                </a14:m>
+                <a:r>
+                  <a:rPr lang="en-US" dirty="0"/>
+                  <a:t>&gt;&gt;1, the term (1 + </a:t>
+                </a:r>
+                <a14:m>
+                  <m:oMath xmlns:m="http://schemas.openxmlformats.org/officeDocument/2006/math">
+                    <m:r>
+                      <a:rPr lang="en-US" i="1">
+                        <a:latin typeface="Cambria Math" panose="02040503050406030204" pitchFamily="18" charset="0"/>
+                        <a:ea typeface="Cambria Math" panose="02040503050406030204" pitchFamily="18" charset="0"/>
+                      </a:rPr>
+                      <m:t>𝜇</m:t>
+                    </m:r>
+                  </m:oMath>
+                </a14:m>
+                <a:r>
+                  <a:rPr lang="en-US" dirty="0"/>
+                  <a:t>)/2 </a:t>
+                </a:r>
+                <a14:m>
+                  <m:oMath xmlns:m="http://schemas.openxmlformats.org/officeDocument/2006/math">
+                    <m:r>
+                      <a:rPr lang="en-US" i="1">
+                        <a:latin typeface="Cambria Math" panose="02040503050406030204" pitchFamily="18" charset="0"/>
+                        <a:ea typeface="Cambria Math" panose="02040503050406030204" pitchFamily="18" charset="0"/>
+                      </a:rPr>
+                      <m:t>≈ </m:t>
+                    </m:r>
+                  </m:oMath>
+                </a14:m>
+                <a:r>
+                  <a:rPr lang="en-US" dirty="0"/>
+                  <a:t>1 and the term (1- </a:t>
+                </a:r>
+                <a14:m>
+                  <m:oMath xmlns:m="http://schemas.openxmlformats.org/officeDocument/2006/math">
+                    <m:r>
+                      <a:rPr lang="en-US" i="1">
+                        <a:latin typeface="Cambria Math" panose="02040503050406030204" pitchFamily="18" charset="0"/>
+                        <a:ea typeface="Cambria Math" panose="02040503050406030204" pitchFamily="18" charset="0"/>
+                      </a:rPr>
+                      <m:t>𝜇</m:t>
+                    </m:r>
+                  </m:oMath>
+                </a14:m>
+                <a:r>
+                  <a:rPr lang="en-US" dirty="0"/>
+                  <a:t> ) </a:t>
+                </a:r>
+                <a14:m>
+                  <m:oMath xmlns:m="http://schemas.openxmlformats.org/officeDocument/2006/math">
+                    <m:r>
+                      <a:rPr lang="en-US" i="1" smtClean="0">
+                        <a:latin typeface="Cambria Math" panose="02040503050406030204" pitchFamily="18" charset="0"/>
+                        <a:ea typeface="Cambria Math" panose="02040503050406030204" pitchFamily="18" charset="0"/>
+                      </a:rPr>
+                      <m:t>≈</m:t>
+                    </m:r>
+                    <m:f>
+                      <m:fPr>
+                        <m:ctrlPr>
+                          <a:rPr lang="en-US" b="0" i="1" smtClean="0">
+                            <a:latin typeface="Cambria Math" panose="02040503050406030204" pitchFamily="18" charset="0"/>
+                            <a:ea typeface="Cambria Math" panose="02040503050406030204" pitchFamily="18" charset="0"/>
+                          </a:rPr>
+                        </m:ctrlPr>
+                      </m:fPr>
+                      <m:num>
+                        <m:r>
+                          <a:rPr lang="en-US" b="0" i="1" smtClean="0">
+                            <a:latin typeface="Cambria Math" panose="02040503050406030204" pitchFamily="18" charset="0"/>
+                            <a:ea typeface="Cambria Math" panose="02040503050406030204" pitchFamily="18" charset="0"/>
+                          </a:rPr>
+                          <m:t>1</m:t>
+                        </m:r>
+                      </m:num>
+                      <m:den>
+                        <m:r>
+                          <a:rPr lang="en-US" b="0" i="1" smtClean="0">
+                            <a:latin typeface="Cambria Math" panose="02040503050406030204" pitchFamily="18" charset="0"/>
+                            <a:ea typeface="Cambria Math" panose="02040503050406030204" pitchFamily="18" charset="0"/>
+                          </a:rPr>
+                          <m:t>4</m:t>
+                        </m:r>
+                      </m:den>
+                    </m:f>
+                    <m:r>
+                      <a:rPr lang="en-US" b="0" i="1" smtClean="0">
+                        <a:latin typeface="Cambria Math" panose="02040503050406030204" pitchFamily="18" charset="0"/>
+                        <a:ea typeface="Cambria Math" panose="02040503050406030204" pitchFamily="18" charset="0"/>
+                      </a:rPr>
+                      <m:t> </m:t>
+                    </m:r>
+                    <m:r>
+                      <a:rPr lang="en-US" i="1">
+                        <a:latin typeface="Cambria Math" panose="02040503050406030204" pitchFamily="18" charset="0"/>
+                        <a:ea typeface="Cambria Math" panose="02040503050406030204" pitchFamily="18" charset="0"/>
+                      </a:rPr>
+                      <m:t>𝛾</m:t>
+                    </m:r>
+                    <m:r>
+                      <m:rPr>
+                        <m:nor/>
+                      </m:rPr>
+                      <a:rPr lang="en-US" baseline="-25000">
+                        <a:latin typeface="Cambria Math" panose="02040503050406030204" pitchFamily="18" charset="0"/>
+                        <a:ea typeface="Cambria Math" panose="02040503050406030204" pitchFamily="18" charset="0"/>
+                      </a:rPr>
+                      <m:t>c</m:t>
+                    </m:r>
+                    <m:r>
+                      <a:rPr lang="en-US" i="1" baseline="-25000">
+                        <a:latin typeface="Cambria Math" panose="02040503050406030204" pitchFamily="18" charset="0"/>
+                        <a:ea typeface="Cambria Math" panose="02040503050406030204" pitchFamily="18" charset="0"/>
+                      </a:rPr>
+                      <m:t> </m:t>
+                    </m:r>
+                  </m:oMath>
+                </a14:m>
+                <a:r>
+                  <a:rPr lang="en-US" dirty="0"/>
+                  <a:t>, Furthermore, </a:t>
+                </a:r>
+              </a:p>
+              <a:p>
+                <a14:m>
+                  <m:oMath xmlns:m="http://schemas.openxmlformats.org/officeDocument/2006/math">
+                    <m:nary>
+                      <m:naryPr>
+                        <m:chr m:val="∑"/>
+                        <m:ctrlPr>
+                          <a:rPr lang="en-US" i="1" smtClean="0">
+                            <a:latin typeface="Cambria Math" panose="02040503050406030204" pitchFamily="18" charset="0"/>
+                          </a:rPr>
+                        </m:ctrlPr>
+                      </m:naryPr>
+                      <m:sub>
+                        <m:r>
+                          <m:rPr>
+                            <m:brk m:alnAt="23"/>
+                          </m:rPr>
+                          <a:rPr lang="en-US" b="0" i="1" smtClean="0">
+                            <a:latin typeface="Cambria Math" panose="02040503050406030204" pitchFamily="18" charset="0"/>
+                          </a:rPr>
+                          <m:t>𝑘</m:t>
+                        </m:r>
+                        <m:r>
+                          <a:rPr lang="en-US" b="0" i="1" smtClean="0">
+                            <a:latin typeface="Cambria Math" panose="02040503050406030204" pitchFamily="18" charset="0"/>
+                          </a:rPr>
+                          <m:t>=0</m:t>
+                        </m:r>
+                      </m:sub>
+                      <m:sup>
+                        <m:r>
+                          <a:rPr lang="en-US" b="0" i="1" smtClean="0">
+                            <a:latin typeface="Cambria Math" panose="02040503050406030204" pitchFamily="18" charset="0"/>
+                          </a:rPr>
+                          <m:t>𝑙</m:t>
+                        </m:r>
+                        <m:r>
+                          <a:rPr lang="en-US" b="0" i="1" smtClean="0">
+                            <a:latin typeface="Cambria Math" panose="02040503050406030204" pitchFamily="18" charset="0"/>
+                          </a:rPr>
+                          <m:t>−1</m:t>
+                        </m:r>
+                      </m:sup>
+                      <m:e>
+                        <m:d>
+                          <m:dPr>
+                            <m:ctrlPr>
+                              <a:rPr lang="en-US" i="1" smtClean="0">
+                                <a:solidFill>
+                                  <a:srgbClr val="836967"/>
+                                </a:solidFill>
+                                <a:latin typeface="Cambria Math" panose="02040503050406030204" pitchFamily="18" charset="0"/>
+                              </a:rPr>
+                            </m:ctrlPr>
+                          </m:dPr>
+                          <m:e>
+                            <m:m>
+                              <m:mPr>
+                                <m:plcHide m:val="on"/>
+                                <m:mcs>
+                                  <m:mc>
+                                    <m:mcPr>
+                                      <m:count m:val="1"/>
+                                      <m:mcJc m:val="center"/>
+                                    </m:mcPr>
+                                  </m:mc>
+                                </m:mcs>
+                                <m:ctrlPr>
+                                  <a:rPr lang="en-US" i="1" smtClean="0">
+                                    <a:solidFill>
+                                      <a:srgbClr val="836967"/>
+                                    </a:solidFill>
+                                    <a:latin typeface="Cambria Math" panose="02040503050406030204" pitchFamily="18" charset="0"/>
+                                  </a:rPr>
+                                </m:ctrlPr>
+                              </m:mPr>
+                              <m:mr>
+                                <m:e>
+                                  <m:r>
+                                    <a:rPr lang="en-US" i="1" smtClean="0">
+                                      <a:latin typeface="Cambria Math" panose="02040503050406030204" pitchFamily="18" charset="0"/>
+                                    </a:rPr>
+                                    <m:t>𝐿</m:t>
+                                  </m:r>
+                                  <m:r>
+                                    <a:rPr lang="en-US" i="1" smtClean="0">
+                                      <a:latin typeface="Cambria Math" panose="02040503050406030204" pitchFamily="18" charset="0"/>
+                                    </a:rPr>
+                                    <m:t>−</m:t>
+                                  </m:r>
+                                  <m:r>
+                                    <a:rPr lang="en-US" i="1" smtClean="0">
+                                      <a:latin typeface="Cambria Math" panose="02040503050406030204" pitchFamily="18" charset="0"/>
+                                    </a:rPr>
+                                    <m:t>𝑘</m:t>
+                                  </m:r>
+                                  <m:r>
+                                    <a:rPr lang="en-US" i="1" smtClean="0">
+                                      <a:latin typeface="Cambria Math" panose="02040503050406030204" pitchFamily="18" charset="0"/>
+                                    </a:rPr>
+                                    <m:t>+1</m:t>
+                                  </m:r>
+                                </m:e>
+                              </m:mr>
+                              <m:mr>
+                                <m:e>
+                                  <m:r>
+                                    <a:rPr lang="en-US" i="1" smtClean="0">
+                                      <a:latin typeface="Cambria Math" panose="02040503050406030204" pitchFamily="18" charset="0"/>
+                                    </a:rPr>
+                                    <m:t>𝑘</m:t>
+                                  </m:r>
+                                </m:e>
+                              </m:mr>
+                            </m:m>
+                          </m:e>
+                        </m:d>
+                      </m:e>
+                    </m:nary>
+                  </m:oMath>
+                </a14:m>
+                <a:r>
+                  <a:rPr lang="en-US" dirty="0"/>
+                  <a:t> = </a:t>
+                </a:r>
+                <a14:m>
+                  <m:oMath xmlns:m="http://schemas.openxmlformats.org/officeDocument/2006/math">
+                    <m:d>
+                      <m:dPr>
+                        <m:ctrlPr>
+                          <a:rPr lang="en-US" i="1">
+                            <a:solidFill>
+                              <a:srgbClr val="836967"/>
+                            </a:solidFill>
+                            <a:latin typeface="Cambria Math" panose="02040503050406030204" pitchFamily="18" charset="0"/>
+                          </a:rPr>
+                        </m:ctrlPr>
+                      </m:dPr>
+                      <m:e>
+                        <m:m>
+                          <m:mPr>
+                            <m:plcHide m:val="on"/>
+                            <m:mcs>
+                              <m:mc>
+                                <m:mcPr>
+                                  <m:count m:val="1"/>
+                                  <m:mcJc m:val="center"/>
+                                </m:mcPr>
+                              </m:mc>
+                            </m:mcs>
+                            <m:ctrlPr>
+                              <a:rPr lang="en-US" i="1">
+                                <a:solidFill>
+                                  <a:srgbClr val="836967"/>
+                                </a:solidFill>
+                                <a:latin typeface="Cambria Math" panose="02040503050406030204" pitchFamily="18" charset="0"/>
+                              </a:rPr>
+                            </m:ctrlPr>
+                          </m:mPr>
+                          <m:mr>
+                            <m:e>
+                              <m:r>
+                                <a:rPr lang="en-US" b="0" i="1" smtClean="0">
+                                  <a:solidFill>
+                                    <a:srgbClr val="836967"/>
+                                  </a:solidFill>
+                                  <a:latin typeface="Cambria Math" panose="02040503050406030204" pitchFamily="18" charset="0"/>
+                                </a:rPr>
+                                <m:t>2</m:t>
+                              </m:r>
+                              <m:r>
+                                <a:rPr lang="en-US" i="1">
+                                  <a:latin typeface="Cambria Math" panose="02040503050406030204" pitchFamily="18" charset="0"/>
+                                </a:rPr>
+                                <m:t>𝐿</m:t>
+                              </m:r>
+                              <m:r>
+                                <a:rPr lang="en-US" i="1">
+                                  <a:latin typeface="Cambria Math" panose="02040503050406030204" pitchFamily="18" charset="0"/>
+                                </a:rPr>
+                                <m:t>−1</m:t>
+                              </m:r>
+                            </m:e>
+                          </m:mr>
+                          <m:mr>
+                            <m:e>
+                              <m:r>
+                                <a:rPr lang="en-US" b="0" i="1" smtClean="0">
+                                  <a:latin typeface="Cambria Math" panose="02040503050406030204" pitchFamily="18" charset="0"/>
+                                </a:rPr>
+                                <m:t>𝐿</m:t>
+                              </m:r>
+                            </m:e>
+                          </m:mr>
+                        </m:m>
+                      </m:e>
+                    </m:d>
+                    <m:r>
+                      <a:rPr lang="en-US" b="0" i="1" smtClean="0">
+                        <a:latin typeface="Cambria Math" panose="02040503050406030204" pitchFamily="18" charset="0"/>
+                      </a:rPr>
+                      <m:t> </m:t>
+                    </m:r>
+                  </m:oMath>
+                </a14:m>
+                <a:r>
+                  <a:rPr lang="en-US" dirty="0"/>
+                  <a:t> </a:t>
+                </a:r>
+              </a:p>
+              <a:p>
+                <a:r>
+                  <a:rPr lang="en-US" dirty="0"/>
+                  <a:t>Therefore , when is sufficiently large : P</a:t>
+                </a:r>
+                <a:r>
+                  <a:rPr lang="en-US" baseline="-25000" dirty="0"/>
+                  <a:t>2</a:t>
+                </a:r>
+                <a:r>
+                  <a:rPr lang="en-US" dirty="0">
+                    <a:ea typeface="Cambria Math" panose="02040503050406030204" pitchFamily="18" charset="0"/>
+                  </a:rPr>
+                  <a:t> </a:t>
+                </a:r>
+                <a14:m>
+                  <m:oMath xmlns:m="http://schemas.openxmlformats.org/officeDocument/2006/math">
+                    <m:r>
+                      <a:rPr lang="en-US" b="0" i="0" smtClean="0">
+                        <a:latin typeface="Cambria Math" panose="02040503050406030204" pitchFamily="18" charset="0"/>
+                        <a:ea typeface="Cambria Math" panose="02040503050406030204" pitchFamily="18" charset="0"/>
+                      </a:rPr>
+                      <m:t> </m:t>
+                    </m:r>
+                    <m:r>
+                      <a:rPr lang="en-US" i="1" smtClean="0">
+                        <a:latin typeface="Cambria Math" panose="02040503050406030204" pitchFamily="18" charset="0"/>
+                        <a:ea typeface="Cambria Math" panose="02040503050406030204" pitchFamily="18" charset="0"/>
+                      </a:rPr>
+                      <m:t>≈</m:t>
+                    </m:r>
+                  </m:oMath>
+                </a14:m>
+                <a:r>
+                  <a:rPr lang="en-US" dirty="0"/>
+                  <a:t> </a:t>
+                </a:r>
+                <a14:m>
+                  <m:oMath xmlns:m="http://schemas.openxmlformats.org/officeDocument/2006/math">
+                    <m:f>
+                      <m:fPr>
+                        <m:ctrlPr>
+                          <a:rPr lang="en-US" i="1" smtClean="0">
+                            <a:solidFill>
+                              <a:srgbClr val="836967"/>
+                            </a:solidFill>
+                            <a:latin typeface="Cambria Math" panose="02040503050406030204" pitchFamily="18" charset="0"/>
+                          </a:rPr>
+                        </m:ctrlPr>
+                      </m:fPr>
+                      <m:num>
+                        <m:r>
+                          <a:rPr lang="en-US" b="0" i="1" smtClean="0">
+                            <a:solidFill>
+                              <a:srgbClr val="836967"/>
+                            </a:solidFill>
+                            <a:latin typeface="Cambria Math" panose="02040503050406030204" pitchFamily="18" charset="0"/>
+                          </a:rPr>
+                          <m:t>1</m:t>
+                        </m:r>
+                      </m:num>
+                      <m:den>
+                        <m:r>
+                          <a:rPr lang="en-US" b="0" i="1" smtClean="0">
+                            <a:solidFill>
+                              <a:srgbClr val="836967"/>
+                            </a:solidFill>
+                            <a:latin typeface="Cambria Math" panose="02040503050406030204" pitchFamily="18" charset="0"/>
+                          </a:rPr>
+                          <m:t>4</m:t>
+                        </m:r>
+                        <m:r>
+                          <a:rPr lang="en-US" i="1">
+                            <a:latin typeface="Cambria Math" panose="02040503050406030204" pitchFamily="18" charset="0"/>
+                            <a:ea typeface="Cambria Math" panose="02040503050406030204" pitchFamily="18" charset="0"/>
+                          </a:rPr>
+                          <m:t>𝛾</m:t>
+                        </m:r>
+                        <m:r>
+                          <m:rPr>
+                            <m:nor/>
+                          </m:rPr>
+                          <a:rPr lang="en-US" baseline="-25000">
+                            <a:latin typeface="Cambria Math" panose="02040503050406030204" pitchFamily="18" charset="0"/>
+                            <a:ea typeface="Cambria Math" panose="02040503050406030204" pitchFamily="18" charset="0"/>
+                          </a:rPr>
+                          <m:t>c</m:t>
+                        </m:r>
+                      </m:den>
+                    </m:f>
+                    <m:d>
+                      <m:dPr>
+                        <m:ctrlPr>
+                          <a:rPr lang="en-US" i="1">
+                            <a:solidFill>
+                              <a:srgbClr val="836967"/>
+                            </a:solidFill>
+                            <a:latin typeface="Cambria Math" panose="02040503050406030204" pitchFamily="18" charset="0"/>
+                          </a:rPr>
+                        </m:ctrlPr>
+                      </m:dPr>
+                      <m:e>
+                        <m:m>
+                          <m:mPr>
+                            <m:plcHide m:val="on"/>
+                            <m:mcs>
+                              <m:mc>
+                                <m:mcPr>
+                                  <m:count m:val="1"/>
+                                  <m:mcJc m:val="center"/>
+                                </m:mcPr>
+                              </m:mc>
+                            </m:mcs>
+                            <m:ctrlPr>
+                              <a:rPr lang="en-US" i="1">
+                                <a:solidFill>
+                                  <a:srgbClr val="836967"/>
+                                </a:solidFill>
+                                <a:latin typeface="Cambria Math" panose="02040503050406030204" pitchFamily="18" charset="0"/>
+                              </a:rPr>
+                            </m:ctrlPr>
+                          </m:mPr>
+                          <m:mr>
+                            <m:e>
+                              <m:r>
+                                <a:rPr lang="en-US" i="1">
+                                  <a:solidFill>
+                                    <a:srgbClr val="836967"/>
+                                  </a:solidFill>
+                                  <a:latin typeface="Cambria Math" panose="02040503050406030204" pitchFamily="18" charset="0"/>
+                                </a:rPr>
+                                <m:t>2</m:t>
+                              </m:r>
+                              <m:r>
+                                <a:rPr lang="en-US" i="1">
+                                  <a:latin typeface="Cambria Math" panose="02040503050406030204" pitchFamily="18" charset="0"/>
+                                </a:rPr>
+                                <m:t>𝐿</m:t>
+                              </m:r>
+                              <m:r>
+                                <a:rPr lang="en-US" i="1">
+                                  <a:latin typeface="Cambria Math" panose="02040503050406030204" pitchFamily="18" charset="0"/>
+                                </a:rPr>
+                                <m:t>−1</m:t>
+                              </m:r>
+                            </m:e>
+                          </m:mr>
+                          <m:mr>
+                            <m:e>
+                              <m:r>
+                                <a:rPr lang="en-US" i="1">
+                                  <a:latin typeface="Cambria Math" panose="02040503050406030204" pitchFamily="18" charset="0"/>
+                                </a:rPr>
+                                <m:t>𝐿</m:t>
+                              </m:r>
+                            </m:e>
+                          </m:mr>
+                        </m:m>
+                      </m:e>
+                    </m:d>
+                  </m:oMath>
+                </a14:m>
+                <a:endParaRPr lang="en-US" dirty="0"/>
+              </a:p>
+            </p:txBody>
+          </p:sp>
+        </mc:Choice>
+        <mc:Fallback>
+          <p:sp>
+            <p:nvSpPr>
+              <p:cNvPr id="3" name="Content Placeholder 2">
+                <a:extLst>
+                  <a:ext uri="{FF2B5EF4-FFF2-40B4-BE49-F238E27FC236}">
+                    <a16:creationId xmlns:a16="http://schemas.microsoft.com/office/drawing/2014/main" id="{7DF72D41-4568-B5AA-B146-788A88E854E4}"/>
+                  </a:ext>
+                </a:extLst>
+              </p:cNvPr>
+              <p:cNvSpPr>
+                <a:spLocks noGrp="1" noRot="1" noChangeAspect="1" noMove="1" noResize="1" noEditPoints="1" noAdjustHandles="1" noChangeArrowheads="1" noChangeShapeType="1" noTextEdit="1"/>
+              </p:cNvSpPr>
+              <p:nvPr>
+                <p:ph idx="1"/>
+              </p:nvPr>
+            </p:nvSpPr>
+            <p:spPr>
+              <a:blipFill>
+                <a:blip r:embed="rId2"/>
+                <a:stretch>
+                  <a:fillRect l="-522" t="-4987" r="-1159"/>
+                </a:stretch>
+              </a:blipFill>
+            </p:spPr>
+            <p:txBody>
+              <a:bodyPr/>
+              <a:lstStyle/>
+              <a:p>
+                <a:r>
+                  <a:rPr lang="en-US">
+                    <a:noFill/>
+                  </a:rPr>
+                  <a:t> </a:t>
+                </a:r>
+              </a:p>
+            </p:txBody>
+          </p:sp>
+        </mc:Fallback>
+      </mc:AlternateContent>
+      <p:sp>
+        <p:nvSpPr>
+          <p:cNvPr id="4" name="Slide Number Placeholder 3">
+            <a:extLst>
+              <a:ext uri="{FF2B5EF4-FFF2-40B4-BE49-F238E27FC236}">
+                <a16:creationId xmlns:a16="http://schemas.microsoft.com/office/drawing/2014/main" id="{63819E69-0DDC-7D99-A732-65D4D51B548D}"/>
+              </a:ext>
+            </a:extLst>
+          </p:cNvPr>
+          <p:cNvSpPr>
+            <a:spLocks noGrp="1"/>
+          </p:cNvSpPr>
+          <p:nvPr>
+            <p:ph type="sldNum" sz="quarter" idx="12"/>
+          </p:nvPr>
+        </p:nvSpPr>
+        <p:spPr/>
+        <p:txBody>
+          <a:bodyPr/>
+          <a:lstStyle/>
+          <a:p>
+            <a:fld id="{A439D109-9F59-4B0B-8E20-D6D3A384B1F1}" type="slidenum">
+              <a:rPr lang="ko-KR" altLang="en-US" smtClean="0"/>
+              <a:t>24</a:t>
+            </a:fld>
+            <a:endParaRPr lang="ko-KR" altLang="en-US"/>
+          </a:p>
+        </p:txBody>
+      </p:sp>
+    </p:spTree>
+    <p:extLst>
+      <p:ext uri="{BB962C8B-B14F-4D97-AF65-F5344CB8AC3E}">
+        <p14:creationId xmlns:p14="http://schemas.microsoft.com/office/powerpoint/2010/main" val="3375202585"/>
+      </p:ext>
+    </p:extLst>
+  </p:cSld>
+  <p:clrMapOvr>
+    <a:masterClrMapping/>
+  </p:clrMapOvr>
+</p:sld>
+</file>
+
+<file path=ppt/slides/slide25.xml><?xml version="1.0" encoding="utf-8"?>
+<p:sld xmlns:a="http://schemas.openxmlformats.org/drawingml/2006/main" xmlns:r="http://schemas.openxmlformats.org/officeDocument/2006/relationships" xmlns:p="http://schemas.openxmlformats.org/presentationml/2006/main">
+  <p:cSld>
+    <p:spTree>
+      <p:nvGrpSpPr>
+        <p:cNvPr id="1" name=""/>
+        <p:cNvGrpSpPr/>
+        <p:nvPr/>
+      </p:nvGrpSpPr>
+      <p:grpSpPr>
+        <a:xfrm>
+          <a:off x="0" y="0"/>
+          <a:ext cx="0" cy="0"/>
+          <a:chOff x="0" y="0"/>
+          <a:chExt cx="0" cy="0"/>
+        </a:xfrm>
+      </p:grpSpPr>
+      <p:sp>
+        <p:nvSpPr>
+          <p:cNvPr id="2" name="Slide Number Placeholder 1">
+            <a:extLst>
+              <a:ext uri="{FF2B5EF4-FFF2-40B4-BE49-F238E27FC236}">
+                <a16:creationId xmlns:a16="http://schemas.microsoft.com/office/drawing/2014/main" id="{1E8DBDDC-461B-4CBA-92C5-B19A06DCDE1B}"/>
+              </a:ext>
+            </a:extLst>
+          </p:cNvPr>
+          <p:cNvSpPr>
+            <a:spLocks noGrp="1"/>
+          </p:cNvSpPr>
+          <p:nvPr>
+            <p:ph type="sldNum" sz="quarter" idx="12"/>
+          </p:nvPr>
+        </p:nvSpPr>
+        <p:spPr/>
+        <p:txBody>
+          <a:bodyPr/>
+          <a:lstStyle/>
+          <a:p>
+            <a:fld id="{A439D109-9F59-4B0B-8E20-D6D3A384B1F1}" type="slidenum">
+              <a:rPr lang="ko-KR" altLang="en-US" smtClean="0"/>
+              <a:t>25</a:t>
+            </a:fld>
+            <a:endParaRPr lang="ko-KR" altLang="en-US"/>
+          </a:p>
+        </p:txBody>
+      </p:sp>
+      <p:sp>
+        <p:nvSpPr>
+          <p:cNvPr id="3" name="TextBox 2">
+            <a:extLst>
+              <a:ext uri="{FF2B5EF4-FFF2-40B4-BE49-F238E27FC236}">
+                <a16:creationId xmlns:a16="http://schemas.microsoft.com/office/drawing/2014/main" id="{32CBCF92-C2DB-403D-BA0D-6E5B8199F341}"/>
+              </a:ext>
+            </a:extLst>
+          </p:cNvPr>
+          <p:cNvSpPr txBox="1"/>
+          <p:nvPr/>
+        </p:nvSpPr>
+        <p:spPr>
+          <a:xfrm>
+            <a:off x="3799642" y="2601157"/>
+            <a:ext cx="5140172" cy="954107"/>
+          </a:xfrm>
+          <a:prstGeom prst="rect">
+            <a:avLst/>
+          </a:prstGeom>
+          <a:noFill/>
+        </p:spPr>
+        <p:txBody>
+          <a:bodyPr wrap="square" rtlCol="0">
+            <a:spAutoFit/>
+          </a:bodyPr>
+          <a:lstStyle/>
+          <a:p>
+            <a:r>
+              <a:rPr lang="en-US" dirty="0">
+                <a:solidFill>
+                  <a:srgbClr val="00B0F0"/>
+                </a:solidFill>
+                <a:latin typeface="Arial" panose="020B0604020202020204" pitchFamily="34" charset="0"/>
+                <a:cs typeface="Arial" panose="020B0604020202020204" pitchFamily="34" charset="0"/>
+              </a:rPr>
+              <a:t> </a:t>
+            </a:r>
+            <a:r>
+              <a:rPr lang="en-US" sz="2800" b="1" dirty="0">
+                <a:latin typeface="Arial" panose="020B0604020202020204" pitchFamily="34" charset="0"/>
+                <a:cs typeface="Arial" panose="020B0604020202020204" pitchFamily="34" charset="0"/>
+              </a:rPr>
+              <a:t>Thank You for Cooperation</a:t>
+            </a:r>
+            <a:br>
+              <a:rPr lang="en-US" sz="2800" b="1" dirty="0">
+                <a:latin typeface="Arial" panose="020B0604020202020204" pitchFamily="34" charset="0"/>
+                <a:cs typeface="Arial" panose="020B0604020202020204" pitchFamily="34" charset="0"/>
+              </a:rPr>
+            </a:br>
+            <a:r>
+              <a:rPr lang="en-US" sz="2800" b="1" dirty="0">
+                <a:latin typeface="Arial" panose="020B0604020202020204" pitchFamily="34" charset="0"/>
+                <a:cs typeface="Arial" panose="020B0604020202020204" pitchFamily="34" charset="0"/>
+              </a:rPr>
+              <a:t>  Any Questions?</a:t>
+            </a:r>
+            <a:endParaRPr lang="en-US" sz="2800" b="1" dirty="0"/>
+          </a:p>
+        </p:txBody>
+      </p:sp>
+    </p:spTree>
+    <p:extLst>
+      <p:ext uri="{BB962C8B-B14F-4D97-AF65-F5344CB8AC3E}">
+        <p14:creationId xmlns:p14="http://schemas.microsoft.com/office/powerpoint/2010/main" val="75383750"/>
       </p:ext>
     </p:extLst>
   </p:cSld>

--- a/SDM.pptx
+++ b/SDM.pptx
@@ -5,7 +5,7 @@
     <p:sldMasterId id="2147483648" r:id="rId1"/>
   </p:sldMasterIdLst>
   <p:notesMasterIdLst>
-    <p:notesMasterId r:id="rId27"/>
+    <p:notesMasterId r:id="rId30"/>
   </p:notesMasterIdLst>
   <p:sldIdLst>
     <p:sldId id="1596" r:id="rId2"/>
@@ -32,7 +32,10 @@
     <p:sldId id="1617" r:id="rId23"/>
     <p:sldId id="1618" r:id="rId24"/>
     <p:sldId id="1619" r:id="rId25"/>
-    <p:sldId id="1555" r:id="rId26"/>
+    <p:sldId id="1620" r:id="rId26"/>
+    <p:sldId id="1621" r:id="rId27"/>
+    <p:sldId id="1622" r:id="rId28"/>
+    <p:sldId id="1555" r:id="rId29"/>
   </p:sldIdLst>
   <p:sldSz cx="12192000" cy="6858000"/>
   <p:notesSz cx="6858000" cy="9144000"/>
@@ -420,7 +423,7 @@
           <a:p>
             <a:fld id="{0D7A80AD-75C0-4139-8349-D7A56AAE3422}" type="datetimeFigureOut">
               <a:rPr lang="ko-KR" altLang="en-US" smtClean="0"/>
-              <a:t>2023-10-19</a:t>
+              <a:t>2023-10-24</a:t>
             </a:fld>
             <a:endParaRPr lang="ko-KR" altLang="en-US"/>
           </a:p>
@@ -924,7 +927,7 @@
           <a:p>
             <a:fld id="{3DF3EF48-9CCD-4EE9-BB40-4739D0DAE972}" type="datetime1">
               <a:rPr lang="ko-KR" altLang="en-US" smtClean="0"/>
-              <a:t>2023-10-19</a:t>
+              <a:t>2023-10-24</a:t>
             </a:fld>
             <a:endParaRPr lang="ko-KR" altLang="en-US"/>
           </a:p>
@@ -1195,7 +1198,7 @@
           <a:p>
             <a:fld id="{9E45620A-9A66-47B0-9218-43F171A33458}" type="datetime1">
               <a:rPr lang="ko-KR" altLang="en-US" smtClean="0"/>
-              <a:t>2023-10-19</a:t>
+              <a:t>2023-10-24</a:t>
             </a:fld>
             <a:endParaRPr lang="ko-KR" altLang="en-US"/>
           </a:p>
@@ -1471,7 +1474,7 @@
           <a:p>
             <a:fld id="{C1E586D9-B5F3-454A-8918-B4C99ED5AEDE}" type="datetime1">
               <a:rPr lang="ko-KR" altLang="en-US" smtClean="0"/>
-              <a:t>2023-10-19</a:t>
+              <a:t>2023-10-24</a:t>
             </a:fld>
             <a:endParaRPr lang="ko-KR" altLang="en-US"/>
           </a:p>
@@ -1695,7 +1698,7 @@
           <a:p>
             <a:fld id="{B0E4ADD3-F434-478C-876A-1D3933DF4707}" type="datetime1">
               <a:rPr lang="ko-KR" altLang="en-US" smtClean="0"/>
-              <a:t>2023-10-19</a:t>
+              <a:t>2023-10-24</a:t>
             </a:fld>
             <a:endParaRPr lang="ko-KR" altLang="en-US"/>
           </a:p>
@@ -2049,7 +2052,7 @@
           <a:p>
             <a:fld id="{38DF26BB-6A75-410D-A6B0-8FD34915C10D}" type="datetime1">
               <a:rPr lang="ko-KR" altLang="en-US" smtClean="0"/>
-              <a:t>2023-10-19</a:t>
+              <a:t>2023-10-24</a:t>
             </a:fld>
             <a:endParaRPr lang="ko-KR" altLang="en-US"/>
           </a:p>
@@ -2429,7 +2432,7 @@
           <a:p>
             <a:fld id="{4584CDF8-1723-475A-8393-34F016E9B184}" type="datetime1">
               <a:rPr lang="ko-KR" altLang="en-US" smtClean="0"/>
-              <a:t>2023-10-19</a:t>
+              <a:t>2023-10-24</a:t>
             </a:fld>
             <a:endParaRPr lang="ko-KR" altLang="en-US"/>
           </a:p>
@@ -2909,7 +2912,7 @@
           <a:p>
             <a:fld id="{FB8CCD4A-1F8C-4D3E-BDD6-84C4090AF0D6}" type="datetime1">
               <a:rPr lang="ko-KR" altLang="en-US" smtClean="0"/>
-              <a:t>2023-10-19</a:t>
+              <a:t>2023-10-24</a:t>
             </a:fld>
             <a:endParaRPr lang="ko-KR" altLang="en-US"/>
           </a:p>
@@ -3050,7 +3053,7 @@
           <a:p>
             <a:fld id="{CE073545-46C1-49FB-A041-5415163523D0}" type="datetime1">
               <a:rPr lang="ko-KR" altLang="en-US" smtClean="0"/>
-              <a:t>2023-10-19</a:t>
+              <a:t>2023-10-24</a:t>
             </a:fld>
             <a:endParaRPr lang="ko-KR" altLang="en-US"/>
           </a:p>
@@ -3231,7 +3234,7 @@
           <a:p>
             <a:fld id="{7EDBC6A4-6274-4803-89FF-1DA18D4FE7AA}" type="datetime1">
               <a:rPr lang="ko-KR" altLang="en-US" smtClean="0"/>
-              <a:t>2023-10-19</a:t>
+              <a:t>2023-10-24</a:t>
             </a:fld>
             <a:endParaRPr lang="ko-KR" altLang="en-US"/>
           </a:p>
@@ -3542,7 +3545,7 @@
           <a:p>
             <a:fld id="{B84A353D-6971-4305-AB04-6AEE4DD0E048}" type="datetime1">
               <a:rPr lang="ko-KR" altLang="en-US" smtClean="0"/>
-              <a:t>2023-10-19</a:t>
+              <a:t>2023-10-24</a:t>
             </a:fld>
             <a:endParaRPr lang="ko-KR" altLang="en-US"/>
           </a:p>
@@ -3830,7 +3833,7 @@
           <a:p>
             <a:fld id="{4AC75523-461B-44DB-AD97-7C06B206BE7B}" type="datetime1">
               <a:rPr lang="ko-KR" altLang="en-US" smtClean="0"/>
-              <a:t>2023-10-19</a:t>
+              <a:t>2023-10-24</a:t>
             </a:fld>
             <a:endParaRPr lang="ko-KR" altLang="en-US"/>
           </a:p>
@@ -4075,7 +4078,7 @@
           <a:p>
             <a:fld id="{9D1D2423-15C0-4D7C-B759-40ACCC100800}" type="datetime1">
               <a:rPr lang="ko-KR" altLang="en-US" smtClean="0"/>
-              <a:t>2023-10-19</a:t>
+              <a:t>2023-10-24</a:t>
             </a:fld>
             <a:endParaRPr lang="ko-KR" altLang="en-US"/>
           </a:p>
@@ -16218,8 +16221,8 @@
           </a:p>
         </p:txBody>
       </p:sp>
-      <mc:AlternateContent xmlns:mc="http://schemas.openxmlformats.org/markup-compatibility/2006">
-        <mc:Choice xmlns:a14="http://schemas.microsoft.com/office/drawing/2010/main" Requires="a14">
+      <mc:AlternateContent xmlns:mc="http://schemas.openxmlformats.org/markup-compatibility/2006" xmlns:a14="http://schemas.microsoft.com/office/drawing/2010/main">
+        <mc:Choice Requires="a14">
           <p:sp>
             <p:nvSpPr>
               <p:cNvPr id="3" name="Content Placeholder 2">
@@ -16236,7 +16239,12 @@
                 <p:ph idx="1"/>
               </p:nvPr>
             </p:nvSpPr>
-            <p:spPr/>
+            <p:spPr>
+              <a:xfrm>
+                <a:off x="703385" y="1649691"/>
+                <a:ext cx="10515601" cy="4513717"/>
+              </a:xfrm>
+            </p:spPr>
             <p:txBody>
               <a:bodyPr/>
               <a:lstStyle/>
@@ -16247,80 +16255,14 @@
                   </a:lnSpc>
                 </a:pPr>
                 <a:r>
-                  <a:rPr lang="en-US" dirty="0"/>
-                  <a:t>Zero Forcing  algorithm is based on a conventional adaptive antenna array (AAA)              technique.</a:t>
-                </a:r>
-              </a:p>
-              <a:p>
-                <a:pPr>
-                  <a:lnSpc>
-                    <a:spcPct val="100000"/>
-                  </a:lnSpc>
-                </a:pPr>
-                <a:r>
-                  <a:rPr lang="en-US" dirty="0"/>
-                  <a:t>Known as  linear combinatorial nulling.</a:t>
-                </a:r>
-              </a:p>
-              <a:p>
-                <a:pPr>
-                  <a:lnSpc>
-                    <a:spcPct val="100000"/>
-                  </a:lnSpc>
-                </a:pPr>
-                <a:r>
-                  <a:rPr lang="en-US" dirty="0"/>
-                  <a:t>Each sub stream  is considered to be the desired signal.</a:t>
-                </a:r>
-              </a:p>
-              <a:p>
-                <a:pPr>
-                  <a:lnSpc>
-                    <a:spcPct val="100000"/>
-                  </a:lnSpc>
-                </a:pPr>
-                <a:r>
-                  <a:rPr lang="en-US" dirty="0"/>
-                  <a:t>The remaining data streams are considered as "interferers“.</a:t>
-                </a:r>
-              </a:p>
-              <a:p>
-                <a:pPr>
-                  <a:lnSpc>
-                    <a:spcPct val="100000"/>
-                  </a:lnSpc>
-                </a:pPr>
-                <a:r>
-                  <a:rPr lang="en-US" dirty="0"/>
-                  <a:t>Nulling of the "interferers" can be performed by choosing weight vectors d</a:t>
-                </a:r>
-                <a:r>
-                  <a:rPr lang="en-US" sz="1600" dirty="0"/>
-                  <a:t>i</a:t>
-                </a:r>
-                <a:r>
-                  <a:rPr lang="en-US" dirty="0"/>
-                  <a:t> (with </a:t>
-                </a:r>
-                <a:r>
-                  <a:rPr lang="en-US" dirty="0" err="1"/>
-                  <a:t>i</a:t>
-                </a:r>
-                <a:r>
-                  <a:rPr lang="en-US" dirty="0"/>
-                  <a:t> =1,2, ..., </a:t>
-                </a:r>
-                <a:r>
-                  <a:rPr lang="en-US" dirty="0" err="1"/>
-                  <a:t>N</a:t>
-                </a:r>
-                <a:r>
-                  <a:rPr lang="en-US" sz="1600" dirty="0" err="1"/>
-                  <a:t>t</a:t>
-                </a:r>
-                <a:r>
-                  <a:rPr lang="en-US" dirty="0"/>
-                  <a:t>) such that</a:t>
+                  <a:rPr lang="en-US" dirty="0">
+                    <a:solidFill>
+                      <a:schemeClr val="accent2">
+                        <a:lumMod val="50000"/>
+                      </a:schemeClr>
+                    </a:solidFill>
+                  </a:rPr>
+                  <a:t>Zero Forcing Algorithm in Adaptive Antenna Array (AAA):</a:t>
                 </a:r>
               </a:p>
               <a:p>
@@ -16330,6 +16272,98 @@
                   </a:lnSpc>
                   <a:buNone/>
                 </a:pPr>
+                <a:endParaRPr lang="en-US" dirty="0"/>
+              </a:p>
+              <a:p>
+                <a:pPr lvl="1">
+                  <a:lnSpc>
+                    <a:spcPct val="100000"/>
+                  </a:lnSpc>
+                </a:pPr>
+                <a:r>
+                  <a:rPr lang="en-US" dirty="0"/>
+                  <a:t>Zero Forcing  algorithm is based on a conventional adaptive antenna array (AAA)                         technique.</a:t>
+                </a:r>
+              </a:p>
+              <a:p>
+                <a:pPr lvl="1">
+                  <a:lnSpc>
+                    <a:spcPct val="100000"/>
+                  </a:lnSpc>
+                </a:pPr>
+                <a:r>
+                  <a:rPr lang="en-US" dirty="0"/>
+                  <a:t>Known as  linear combinatorial nulling</a:t>
+                </a:r>
+              </a:p>
+              <a:p>
+                <a:pPr lvl="1">
+                  <a:lnSpc>
+                    <a:spcPct val="100000"/>
+                  </a:lnSpc>
+                </a:pPr>
+                <a:r>
+                  <a:rPr lang="en-US" dirty="0"/>
+                  <a:t>Each sub stream is the desired signal.</a:t>
+                </a:r>
+              </a:p>
+              <a:p>
+                <a:pPr lvl="1">
+                  <a:lnSpc>
+                    <a:spcPct val="100000"/>
+                  </a:lnSpc>
+                </a:pPr>
+                <a:r>
+                  <a:rPr lang="en-US" dirty="0"/>
+                  <a:t>The remaining data streams are considered as "interferers“.</a:t>
+                </a:r>
+              </a:p>
+              <a:p>
+                <a:pPr lvl="1">
+                  <a:lnSpc>
+                    <a:spcPct val="100000"/>
+                  </a:lnSpc>
+                </a:pPr>
+                <a:r>
+                  <a:rPr lang="en-US" dirty="0"/>
+                  <a:t>Nulling of the "interferers" can be performed by choosing weight vectors d</a:t>
+                </a:r>
+                <a:r>
+                  <a:rPr lang="en-US" sz="1400" dirty="0"/>
+                  <a:t>i</a:t>
+                </a:r>
+                <a:r>
+                  <a:rPr lang="en-US" dirty="0"/>
+                  <a:t> (with </a:t>
+                </a:r>
+                <a:r>
+                  <a:rPr lang="en-US" i="1" dirty="0" err="1"/>
+                  <a:t>i</a:t>
+                </a:r>
+                <a:r>
+                  <a:rPr lang="en-US" i="1" dirty="0"/>
+                  <a:t> =1,2, ..., </a:t>
+                </a:r>
+                <a:r>
+                  <a:rPr lang="en-US" i="1" dirty="0" err="1"/>
+                  <a:t>N</a:t>
+                </a:r>
+                <a:r>
+                  <a:rPr lang="en-US" sz="1400" i="1" baseline="-25000" dirty="0" err="1"/>
+                  <a:t>t</a:t>
+                </a:r>
+                <a:r>
+                  <a:rPr lang="en-US" dirty="0"/>
+                  <a:t>)      such that</a:t>
+                </a:r>
+              </a:p>
+              <a:p>
+                <a:pPr marL="457200" lvl="1" indent="0">
+                  <a:lnSpc>
+                    <a:spcPct val="100000"/>
+                  </a:lnSpc>
+                  <a:buNone/>
+                </a:pPr>
                 <a:r>
                   <a:rPr lang="en-US" dirty="0"/>
                   <a:t>                              </a:t>
@@ -16339,7 +16373,7 @@
                     <m:sSubSup>
                       <m:sSubSupPr>
                         <m:ctrlPr>
-                          <a:rPr lang="en-US" dirty="0" smtClean="0">
+                          <a:rPr lang="en-US" i="1" dirty="0" smtClean="0">
                             <a:solidFill>
                               <a:srgbClr val="836967"/>
                             </a:solidFill>
@@ -16492,7 +16526,7 @@
                 <a:endParaRPr lang="en-US" dirty="0"/>
               </a:p>
               <a:p>
-                <a:pPr marL="0" indent="0">
+                <a:pPr marL="457200" lvl="1" indent="0">
                   <a:lnSpc>
                     <a:spcPct val="100000"/>
                   </a:lnSpc>
@@ -16500,11 +16534,19 @@
                 </a:pPr>
                 <a:r>
                   <a:rPr lang="en-US" dirty="0"/>
-                  <a:t>   Where T stands for transpose of a matrix.</a:t>
+                  <a:t>   Where </a:t>
+                </a:r>
+                <a:r>
+                  <a:rPr lang="en-US" i="1" dirty="0"/>
+                  <a:t>T</a:t>
+                </a:r>
+                <a:r>
+                  <a:rPr lang="en-US" dirty="0"/>
+                  <a:t> stands for transpose of a matrix.</a:t>
                 </a:r>
               </a:p>
               <a:p>
-                <a:pPr marL="0" indent="0">
+                <a:pPr marL="457200" lvl="1" indent="0">
                   <a:lnSpc>
                     <a:spcPct val="100000"/>
                   </a:lnSpc>
@@ -16554,19 +16596,23 @@
                 </a14:m>
                 <a:r>
                   <a:rPr lang="en-US" dirty="0"/>
-                  <a:t>stands for </a:t>
+                  <a:t>stands for j-</a:t>
                 </a:r>
                 <a:r>
                   <a:rPr lang="en-US" dirty="0" err="1"/>
-                  <a:t>j</a:t>
-                </a:r>
-                <a:r>
-                  <a:rPr lang="en-US" baseline="30000" dirty="0" err="1"/>
                   <a:t>th</a:t>
                 </a:r>
                 <a:r>
                   <a:rPr lang="en-US" dirty="0"/>
-                  <a:t> column of the channel matrix H.</a:t>
+                  <a:t> column of the channel matrix </a:t>
+                </a:r>
+                <a:r>
+                  <a:rPr lang="en-US" i="1" dirty="0"/>
+                  <a:t>H</a:t>
+                </a:r>
+                <a:r>
+                  <a:rPr lang="en-US" dirty="0"/>
+                  <a:t>.</a:t>
                 </a:r>
               </a:p>
               <a:p>
@@ -16581,7 +16627,7 @@
             </p:txBody>
           </p:sp>
         </mc:Choice>
-        <mc:Fallback>
+        <mc:Fallback xmlns="">
           <p:sp>
             <p:nvSpPr>
               <p:cNvPr id="3" name="Content Placeholder 2">
@@ -16599,10 +16645,14 @@
               </p:nvPr>
             </p:nvSpPr>
             <p:spPr>
+              <a:xfrm>
+                <a:off x="703385" y="1649691"/>
+                <a:ext cx="10515601" cy="4513717"/>
+              </a:xfrm>
               <a:blipFill>
                 <a:blip r:embed="rId2"/>
                 <a:stretch>
-                  <a:fillRect l="-522" t="-674" r="-580"/>
+                  <a:fillRect l="-522" t="-676"/>
                 </a:stretch>
               </a:blipFill>
             </p:spPr>
@@ -16708,8 +16758,8 @@
           </a:p>
         </p:txBody>
       </p:sp>
-      <mc:AlternateContent xmlns:mc="http://schemas.openxmlformats.org/markup-compatibility/2006">
-        <mc:Choice xmlns:a14="http://schemas.microsoft.com/office/drawing/2010/main" Requires="a14">
+      <mc:AlternateContent xmlns:mc="http://schemas.openxmlformats.org/markup-compatibility/2006" xmlns:a14="http://schemas.microsoft.com/office/drawing/2010/main">
+        <mc:Choice Requires="a14">
           <p:sp>
             <p:nvSpPr>
               <p:cNvPr id="3" name="Content Placeholder 2">
@@ -16737,141 +16787,187 @@
                   </a:lnSpc>
                 </a:pPr>
                 <a:r>
-                  <a:rPr lang="en-US" dirty="0"/>
-                  <a:t>Solving the weight vectors is equal to finding a matrix D such that :</a:t>
-                </a:r>
-              </a:p>
-              <a:p>
-                <a:pPr marL="0" indent="0">
-                  <a:lnSpc>
-                    <a:spcPct val="100000"/>
-                  </a:lnSpc>
-                  <a:buNone/>
-                </a:pPr>
-                <a:r>
-                  <a:rPr lang="en-US" dirty="0"/>
-                  <a:t>                                 D * H = I</a:t>
-                </a:r>
-              </a:p>
-              <a:p>
-                <a:pPr marL="0" indent="0">
-                  <a:lnSpc>
-                    <a:spcPct val="100000"/>
-                  </a:lnSpc>
-                  <a:buNone/>
-                </a:pPr>
-                <a:r>
-                  <a:rPr lang="en-US" dirty="0"/>
-                  <a:t>   Where D is a matrix that represents the linear processing in the receiver.</a:t>
-                </a:r>
-              </a:p>
-              <a:p>
-                <a:pPr>
-                  <a:lnSpc>
-                    <a:spcPct val="100000"/>
-                  </a:lnSpc>
-                </a:pPr>
-                <a:r>
-                  <a:rPr lang="en-US" dirty="0"/>
-                  <a:t>Forcing the ‘’interference’’ to zero , S is estimated.</a:t>
-                </a:r>
-              </a:p>
-              <a:p>
-                <a:pPr>
-                  <a:lnSpc>
-                    <a:spcPct val="100000"/>
-                  </a:lnSpc>
-                </a:pPr>
-                <a:r>
-                  <a:rPr lang="en-US" dirty="0"/>
-                  <a:t>If H is not square, then D equals the pseudo-inverse of H:</a:t>
-                </a:r>
-              </a:p>
-              <a:p>
-                <a:pPr marL="0" indent="0">
-                  <a:lnSpc>
-                    <a:spcPct val="100000"/>
-                  </a:lnSpc>
-                  <a:buNone/>
-                </a:pPr>
-                <a:r>
-                  <a:rPr lang="en-US" dirty="0"/>
-                  <a:t>                                       D = H</a:t>
-                </a:r>
-                <a:r>
-                  <a:rPr lang="en-US" baseline="30000" dirty="0"/>
-                  <a:t>+ </a:t>
-                </a:r>
-                <a:r>
-                  <a:rPr lang="en-US" dirty="0"/>
-                  <a:t> = (H</a:t>
-                </a:r>
-                <a:r>
-                  <a:rPr lang="en-US" baseline="30000" dirty="0"/>
-                  <a:t>*</a:t>
-                </a:r>
-                <a:r>
-                  <a:rPr lang="en-US" dirty="0"/>
-                  <a:t>H)</a:t>
-                </a:r>
-                <a:r>
-                  <a:rPr lang="en-US" baseline="30000" dirty="0"/>
-                  <a:t>-1 </a:t>
-                </a:r>
-                <a:r>
-                  <a:rPr lang="en-US" dirty="0"/>
-                  <a:t>H</a:t>
-                </a:r>
-                <a:r>
-                  <a:rPr lang="en-US" baseline="30000" dirty="0"/>
-                  <a:t>*</a:t>
-                </a:r>
-                <a:r>
-                  <a:rPr lang="en-US" dirty="0"/>
-                  <a:t> </a:t>
-                </a:r>
-              </a:p>
-              <a:p>
-                <a:pPr marL="0" indent="0">
-                  <a:lnSpc>
-                    <a:spcPct val="100000"/>
-                  </a:lnSpc>
-                  <a:buNone/>
-                </a:pPr>
-                <a:r>
-                  <a:rPr lang="en-US" baseline="30000" dirty="0"/>
-                  <a:t>     </a:t>
-                </a:r>
-                <a:r>
-                  <a:rPr lang="en-US" dirty="0"/>
-                  <a:t>Where + represent the pseudoinverse.</a:t>
-                </a:r>
-              </a:p>
-              <a:p>
-                <a:pPr>
-                  <a:lnSpc>
-                    <a:spcPct val="100000"/>
-                  </a:lnSpc>
-                </a:pPr>
-                <a:r>
-                  <a:rPr lang="en-US" dirty="0"/>
-                  <a:t>Some constraint for Pseudo-inverse</a:t>
-                </a:r>
+                  <a:rPr lang="en-US" dirty="0">
+                    <a:solidFill>
+                      <a:schemeClr val="accent2">
+                        <a:lumMod val="50000"/>
+                      </a:schemeClr>
+                    </a:solidFill>
+                  </a:rPr>
+                  <a:t>Zero Forcing Algorithm in Adaptive Antenna Array (AAA):</a:t>
+                </a:r>
+                <a:endParaRPr lang="en-US" dirty="0"/>
               </a:p>
               <a:p>
                 <a:pPr lvl="1">
                   <a:lnSpc>
-                    <a:spcPct val="100000"/>
+                    <a:spcPct val="150000"/>
+                  </a:lnSpc>
+                </a:pPr>
+                <a:r>
+                  <a:rPr lang="en-US" dirty="0"/>
+                  <a:t>Solving the weight vectors is equal to finding a matrix D such that :</a:t>
+                </a:r>
+              </a:p>
+              <a:p>
+                <a:pPr marL="457200" lvl="1" indent="0">
+                  <a:lnSpc>
+                    <a:spcPct val="150000"/>
+                  </a:lnSpc>
+                  <a:buNone/>
+                </a:pPr>
+                <a:r>
+                  <a:rPr lang="en-US" dirty="0"/>
+                  <a:t>                                 </a:t>
+                </a:r>
+                <a:r>
+                  <a:rPr lang="en-US" i="1" dirty="0"/>
+                  <a:t>D * H = I</a:t>
+                </a:r>
+              </a:p>
+              <a:p>
+                <a:pPr marL="457200" lvl="1" indent="0">
+                  <a:lnSpc>
+                    <a:spcPct val="150000"/>
+                  </a:lnSpc>
+                  <a:buNone/>
+                </a:pPr>
+                <a:r>
+                  <a:rPr lang="en-US" dirty="0"/>
+                  <a:t>   Where </a:t>
+                </a:r>
+                <a:r>
+                  <a:rPr lang="en-US" i="1" dirty="0"/>
+                  <a:t>D</a:t>
+                </a:r>
+                <a:r>
+                  <a:rPr lang="en-US" dirty="0"/>
+                  <a:t> is a matrix that represents the linear processing in the receiver.</a:t>
+                </a:r>
+              </a:p>
+              <a:p>
+                <a:pPr lvl="1">
+                  <a:lnSpc>
+                    <a:spcPct val="150000"/>
+                  </a:lnSpc>
+                </a:pPr>
+                <a:r>
+                  <a:rPr lang="en-US" dirty="0"/>
+                  <a:t>Forcing the ‘’interference’’ to zero , </a:t>
+                </a:r>
+                <a:r>
+                  <a:rPr lang="en-US" i="1" dirty="0"/>
+                  <a:t>S</a:t>
+                </a:r>
+                <a:r>
+                  <a:rPr lang="en-US" dirty="0"/>
+                  <a:t> is estimated</a:t>
+                </a:r>
+              </a:p>
+              <a:p>
+                <a:pPr lvl="1">
+                  <a:lnSpc>
+                    <a:spcPct val="150000"/>
+                  </a:lnSpc>
+                </a:pPr>
+                <a:r>
+                  <a:rPr lang="en-US" dirty="0"/>
+                  <a:t>If H is not square, then D equals the pseudo-inverse of H:</a:t>
+                </a:r>
+              </a:p>
+              <a:p>
+                <a:pPr marL="457200" lvl="1" indent="0">
+                  <a:lnSpc>
+                    <a:spcPct val="150000"/>
+                  </a:lnSpc>
+                  <a:buNone/>
+                </a:pPr>
+                <a:r>
+                  <a:rPr lang="en-US" dirty="0"/>
+                  <a:t>                                </a:t>
+                </a:r>
+                <a:r>
+                  <a:rPr lang="en-US" i="1" dirty="0"/>
+                  <a:t>D = H</a:t>
+                </a:r>
+                <a:r>
+                  <a:rPr lang="en-US" i="1" baseline="30000" dirty="0"/>
+                  <a:t>+ </a:t>
+                </a:r>
+                <a:r>
+                  <a:rPr lang="en-US" i="1" dirty="0"/>
+                  <a:t> = (H</a:t>
+                </a:r>
+                <a:r>
+                  <a:rPr lang="en-US" i="1" baseline="30000" dirty="0"/>
+                  <a:t>*</a:t>
+                </a:r>
+                <a:r>
+                  <a:rPr lang="en-US" i="1" dirty="0"/>
+                  <a:t>H)</a:t>
+                </a:r>
+                <a:r>
+                  <a:rPr lang="en-US" i="1" baseline="30000" dirty="0"/>
+                  <a:t>-1 </a:t>
+                </a:r>
+                <a:r>
+                  <a:rPr lang="en-US" i="1" dirty="0"/>
+                  <a:t>H</a:t>
+                </a:r>
+                <a:r>
+                  <a:rPr lang="en-US" i="1" baseline="30000" dirty="0"/>
+                  <a:t>*</a:t>
+                </a:r>
+                <a:r>
+                  <a:rPr lang="en-US" i="1" dirty="0"/>
+                  <a:t> </a:t>
+                </a:r>
+              </a:p>
+              <a:p>
+                <a:pPr marL="457200" lvl="1" indent="0">
+                  <a:lnSpc>
+                    <a:spcPct val="150000"/>
+                  </a:lnSpc>
+                  <a:buNone/>
+                </a:pPr>
+                <a:r>
+                  <a:rPr lang="en-US" baseline="30000" dirty="0"/>
+                  <a:t>     </a:t>
+                </a:r>
+                <a:r>
+                  <a:rPr lang="en-US" dirty="0"/>
+                  <a:t>Where + represent the pseudoinverse.</a:t>
+                </a:r>
+              </a:p>
+              <a:p>
+                <a:pPr lvl="1">
+                  <a:lnSpc>
+                    <a:spcPct val="150000"/>
+                  </a:lnSpc>
+                </a:pPr>
+                <a:r>
+                  <a:rPr lang="en-US" dirty="0"/>
+                  <a:t>Some constraint for Pseudo-inverse</a:t>
+                </a:r>
+              </a:p>
+              <a:p>
+                <a:pPr lvl="2">
+                  <a:lnSpc>
+                    <a:spcPct val="150000"/>
                   </a:lnSpc>
                   <a:buFont typeface="Courier New" panose="02070309020205020404" pitchFamily="49" charset="0"/>
                   <a:buChar char="o"/>
                 </a:pPr>
                 <a:r>
-                  <a:rPr lang="en-US" dirty="0" err="1"/>
-                  <a:t>Nt</a:t>
-                </a:r>
-                <a:r>
-                  <a:rPr lang="en-US" dirty="0"/>
+                  <a:rPr lang="en-US" i="1" dirty="0" err="1"/>
+                  <a:t>N</a:t>
+                </a:r>
+                <a:r>
+                  <a:rPr lang="en-US" i="1" baseline="-25000" dirty="0" err="1"/>
+                  <a:t>t</a:t>
+                </a:r>
+                <a:r>
+                  <a:rPr lang="en-US" i="1" dirty="0"/>
                   <a:t> </a:t>
                 </a:r>
                 <a14:m>
@@ -16893,21 +16989,33 @@
                   </m:oMath>
                 </a14:m>
                 <a:r>
-                  <a:rPr lang="en-US" dirty="0"/>
-                  <a:t> Nr</a:t>
+                  <a:rPr lang="en-US" i="1" dirty="0"/>
+                  <a:t> N</a:t>
+                </a:r>
+                <a:r>
+                  <a:rPr lang="en-US" i="1" baseline="-25000" dirty="0"/>
+                  <a:t>r</a:t>
                 </a:r>
               </a:p>
               <a:p>
-                <a:pPr lvl="1">
+                <a:pPr lvl="2">
                   <a:lnSpc>
-                    <a:spcPct val="100000"/>
+                    <a:spcPct val="150000"/>
                   </a:lnSpc>
                   <a:buFont typeface="Courier New" panose="02070309020205020404" pitchFamily="49" charset="0"/>
                   <a:buChar char="o"/>
                 </a:pPr>
                 <a:r>
                   <a:rPr lang="en-US" dirty="0"/>
-                  <a:t>The column of H must be independent</a:t>
+                  <a:t>The column of </a:t>
+                </a:r>
+                <a:r>
+                  <a:rPr lang="en-US" i="1" dirty="0"/>
+                  <a:t>H</a:t>
+                </a:r>
+                <a:r>
+                  <a:rPr lang="en-US" dirty="0"/>
+                  <a:t> must be independent</a:t>
                 </a:r>
               </a:p>
               <a:p>
@@ -16916,7 +17024,7 @@
             </p:txBody>
           </p:sp>
         </mc:Choice>
-        <mc:Fallback>
+        <mc:Fallback xmlns="">
           <p:sp>
             <p:nvSpPr>
               <p:cNvPr id="3" name="Content Placeholder 2">
@@ -16937,7 +17045,7 @@
               <a:blipFill>
                 <a:blip r:embed="rId2"/>
                 <a:stretch>
-                  <a:fillRect l="-522" t="-674"/>
+                  <a:fillRect l="-522" t="-674" b="-12534"/>
                 </a:stretch>
               </a:blipFill>
             </p:spPr>
@@ -17428,88 +17536,157 @@
               </a:lnSpc>
             </a:pPr>
             <a:r>
+              <a:rPr lang="en-US" dirty="0">
+                <a:solidFill>
+                  <a:schemeClr val="accent2">
+                    <a:lumMod val="50000"/>
+                  </a:schemeClr>
+                </a:solidFill>
+              </a:rPr>
+              <a:t>Zero Forcing Algorithm in Adaptive Antenna Array (AAA):</a:t>
+            </a:r>
+            <a:endParaRPr lang="en-US" dirty="0"/>
+          </a:p>
+          <a:p>
+            <a:pPr lvl="1">
+              <a:lnSpc>
+                <a:spcPct val="150000"/>
+              </a:lnSpc>
+            </a:pPr>
+            <a:r>
               <a:rPr lang="en-US" dirty="0"/>
-              <a:t>If the inverse is the exists, the estimates of s can be found by:</a:t>
-            </a:r>
-          </a:p>
-          <a:p>
-            <a:pPr marL="457200" lvl="1" indent="0">
+              <a:t>If the inverse is the exists, the estimates of S can be found by:</a:t>
+            </a:r>
+          </a:p>
+          <a:p>
+            <a:pPr marL="914400" lvl="2" indent="0">
               <a:lnSpc>
-                <a:spcPct val="100000"/>
+                <a:spcPct val="150000"/>
               </a:lnSpc>
               <a:buNone/>
             </a:pPr>
             <a:r>
               <a:rPr lang="en-US" dirty="0"/>
-              <a:t>S </a:t>
-            </a:r>
-            <a:r>
-              <a:rPr lang="en-US" baseline="-25000" dirty="0" err="1"/>
+              <a:t>                              </a:t>
+            </a:r>
+            <a:r>
+              <a:rPr lang="en-US" i="1" dirty="0" err="1"/>
+              <a:t>S</a:t>
+            </a:r>
+            <a:r>
+              <a:rPr lang="en-US" i="1" baseline="-25000" dirty="0" err="1"/>
               <a:t>est</a:t>
             </a:r>
             <a:r>
-              <a:rPr lang="en-US" dirty="0"/>
+              <a:rPr lang="en-US" i="1" dirty="0"/>
               <a:t> = Dx</a:t>
             </a:r>
           </a:p>
           <a:p>
-            <a:pPr marL="457200" lvl="1" indent="0">
+            <a:pPr marL="914400" lvl="2" indent="0">
               <a:lnSpc>
-                <a:spcPct val="100000"/>
+                <a:spcPct val="150000"/>
               </a:lnSpc>
               <a:buNone/>
             </a:pPr>
             <a:r>
               <a:rPr lang="en-US" dirty="0"/>
-              <a:t>       = (H</a:t>
-            </a:r>
-            <a:r>
-              <a:rPr lang="en-US" baseline="30000" dirty="0"/>
+              <a:t>                                    </a:t>
+            </a:r>
+            <a:r>
+              <a:rPr lang="en-US" i="1" dirty="0"/>
+              <a:t>= (H</a:t>
+            </a:r>
+            <a:r>
+              <a:rPr lang="en-US" i="1" baseline="30000" dirty="0"/>
               <a:t>*</a:t>
             </a:r>
             <a:r>
-              <a:rPr lang="en-US" dirty="0"/>
+              <a:rPr lang="en-US" i="1" dirty="0"/>
               <a:t>H)</a:t>
             </a:r>
             <a:r>
-              <a:rPr lang="en-US" baseline="30000" dirty="0"/>
+              <a:rPr lang="en-US" i="1" baseline="30000" dirty="0"/>
               <a:t>-1 </a:t>
             </a:r>
             <a:r>
-              <a:rPr lang="en-US" dirty="0"/>
+              <a:rPr lang="en-US" i="1" dirty="0"/>
               <a:t>H</a:t>
             </a:r>
             <a:r>
-              <a:rPr lang="en-US" baseline="30000" dirty="0"/>
+              <a:rPr lang="en-US" i="1" baseline="30000" dirty="0"/>
               <a:t>*</a:t>
             </a:r>
             <a:r>
-              <a:rPr lang="en-US" dirty="0"/>
+              <a:rPr lang="en-US" i="1" dirty="0"/>
               <a:t> x </a:t>
             </a:r>
           </a:p>
           <a:p>
-            <a:pPr marL="457200" lvl="1" indent="0">
+            <a:pPr marL="914400" lvl="2" indent="0">
               <a:lnSpc>
-                <a:spcPct val="100000"/>
+                <a:spcPct val="150000"/>
               </a:lnSpc>
               <a:buNone/>
             </a:pPr>
             <a:r>
               <a:rPr lang="en-US" dirty="0"/>
-              <a:t>Or equivalently:</a:t>
-            </a:r>
-          </a:p>
-          <a:p>
-            <a:pPr marL="457200" lvl="1" indent="0">
+              <a:t>                              Or equivalently:</a:t>
+            </a:r>
+          </a:p>
+          <a:p>
+            <a:pPr marL="914400" lvl="2" indent="0">
               <a:lnSpc>
-                <a:spcPct val="100000"/>
+                <a:spcPct val="150000"/>
               </a:lnSpc>
               <a:buNone/>
             </a:pPr>
             <a:r>
               <a:rPr lang="en-US" dirty="0"/>
-              <a:t> S </a:t>
+              <a:t>                              </a:t>
+            </a:r>
+            <a:r>
+              <a:rPr lang="en-US" i="1" dirty="0" err="1"/>
+              <a:t>S</a:t>
+            </a:r>
+            <a:r>
+              <a:rPr lang="en-US" i="1" baseline="-25000" dirty="0" err="1"/>
+              <a:t>est</a:t>
+            </a:r>
+            <a:r>
+              <a:rPr lang="en-US" i="1" dirty="0"/>
+              <a:t> = H</a:t>
+            </a:r>
+            <a:r>
+              <a:rPr lang="en-US" i="1" baseline="30000" dirty="0"/>
+              <a:t>+ </a:t>
+            </a:r>
+            <a:r>
+              <a:rPr lang="en-US" i="1" dirty="0"/>
+              <a:t> x</a:t>
+            </a:r>
+          </a:p>
+          <a:p>
+            <a:pPr lvl="1">
+              <a:lnSpc>
+                <a:spcPct val="150000"/>
+              </a:lnSpc>
+            </a:pPr>
+            <a:r>
+              <a:rPr lang="en-US" dirty="0"/>
+              <a:t>And for </a:t>
+            </a:r>
+            <a:r>
+              <a:rPr lang="en-US" dirty="0" err="1"/>
+              <a:t>i-th</a:t>
+            </a:r>
+            <a:r>
+              <a:rPr lang="en-US" dirty="0"/>
+              <a:t>  </a:t>
+            </a:r>
+            <a:r>
+              <a:rPr lang="en-US" dirty="0" err="1"/>
+              <a:t>S</a:t>
             </a:r>
             <a:r>
               <a:rPr lang="en-US" baseline="-25000" dirty="0" err="1"/>
@@ -17517,26 +17694,102 @@
             </a:r>
             <a:r>
               <a:rPr lang="en-US" dirty="0"/>
+              <a:t> can be written as :</a:t>
+            </a:r>
+          </a:p>
+          <a:p>
+            <a:pPr marL="457200" lvl="1" indent="0">
+              <a:lnSpc>
+                <a:spcPct val="150000"/>
+              </a:lnSpc>
+              <a:buNone/>
+            </a:pPr>
+            <a:r>
+              <a:rPr lang="en-US" dirty="0"/>
+              <a:t>                                  </a:t>
+            </a:r>
+            <a:r>
+              <a:rPr lang="en-US" i="1" dirty="0"/>
+              <a:t>(</a:t>
+            </a:r>
+            <a:r>
+              <a:rPr lang="en-US" i="1" dirty="0" err="1"/>
+              <a:t>S</a:t>
+            </a:r>
+            <a:r>
+              <a:rPr lang="en-US" i="1" baseline="-25000" dirty="0" err="1"/>
+              <a:t>est</a:t>
+            </a:r>
+            <a:r>
+              <a:rPr lang="en-US" i="1" dirty="0"/>
+              <a:t>)</a:t>
+            </a:r>
+            <a:r>
+              <a:rPr lang="en-US" i="1" baseline="-25000" dirty="0" err="1"/>
+              <a:t>i</a:t>
+            </a:r>
+            <a:r>
+              <a:rPr lang="en-US" i="1" dirty="0"/>
               <a:t> = H</a:t>
             </a:r>
             <a:r>
-              <a:rPr lang="en-US" baseline="30000" dirty="0"/>
+              <a:rPr lang="en-US" i="1" baseline="-25000" dirty="0"/>
+              <a:t>i</a:t>
+            </a:r>
+            <a:r>
+              <a:rPr lang="en-US" i="1" baseline="30000" dirty="0"/>
               <a:t>+ </a:t>
             </a:r>
             <a:r>
-              <a:rPr lang="en-US" dirty="0"/>
-              <a:t> x</a:t>
-            </a:r>
-          </a:p>
-          <a:p>
-            <a:pPr>
+              <a:rPr lang="en-US" i="1" dirty="0"/>
+              <a:t>x</a:t>
+            </a:r>
+          </a:p>
+          <a:p>
+            <a:pPr lvl="1">
               <a:lnSpc>
-                <a:spcPct val="100000"/>
+                <a:spcPct val="150000"/>
               </a:lnSpc>
             </a:pPr>
             <a:r>
+              <a:rPr lang="en-US" i="1" dirty="0"/>
+              <a:t>H</a:t>
+            </a:r>
+            <a:r>
+              <a:rPr lang="en-US" i="1" baseline="-25000" dirty="0"/>
+              <a:t>i</a:t>
+            </a:r>
+            <a:r>
+              <a:rPr lang="en-US" i="1" baseline="30000" dirty="0"/>
+              <a:t>+</a:t>
+            </a:r>
+            <a:r>
+              <a:rPr lang="en-US" i="1" dirty="0"/>
+              <a:t> </a:t>
+            </a:r>
+            <a:r>
               <a:rPr lang="en-US" dirty="0"/>
-              <a:t>And for </a:t>
+              <a:t>represent the  </a:t>
+            </a:r>
+            <a:r>
+              <a:rPr lang="en-US" i="1" dirty="0" err="1"/>
+              <a:t>i</a:t>
+            </a:r>
+            <a:r>
+              <a:rPr lang="en-US" dirty="0" err="1"/>
+              <a:t>-th</a:t>
+            </a:r>
+            <a:r>
+              <a:rPr lang="en-US" dirty="0"/>
+              <a:t> row of H</a:t>
+            </a:r>
+            <a:r>
+              <a:rPr lang="en-US" baseline="30000" dirty="0"/>
+              <a:t>+</a:t>
+            </a:r>
+            <a:r>
+              <a:rPr lang="en-US" dirty="0"/>
+              <a:t> , is equal to the transpose of the </a:t>
             </a:r>
             <a:r>
               <a:rPr lang="en-US" dirty="0" err="1"/>
@@ -17544,124 +17797,34 @@
             </a:r>
             <a:r>
               <a:rPr lang="en-US" dirty="0"/>
-              <a:t> S </a:t>
-            </a:r>
-            <a:r>
-              <a:rPr lang="en-US" baseline="-25000" dirty="0" err="1"/>
-              <a:t>est</a:t>
-            </a:r>
-            <a:r>
-              <a:rPr lang="en-US" dirty="0"/>
-              <a:t> can be written as :</a:t>
-            </a:r>
-          </a:p>
-          <a:p>
-            <a:pPr>
+              <a:t> weight vector d</a:t>
+            </a:r>
+            <a:r>
+              <a:rPr lang="en-US" baseline="-25000" dirty="0"/>
+              <a:t>i</a:t>
+            </a:r>
+          </a:p>
+          <a:p>
+            <a:pPr lvl="1">
               <a:lnSpc>
-                <a:spcPct val="100000"/>
+                <a:spcPct val="150000"/>
               </a:lnSpc>
             </a:pPr>
             <a:r>
+              <a:rPr lang="en-US" i="1" dirty="0"/>
+              <a:t>d</a:t>
+            </a:r>
+            <a:r>
+              <a:rPr lang="en-US" i="1" baseline="-25000" dirty="0"/>
+              <a:t>i</a:t>
+            </a:r>
+            <a:r>
+              <a:rPr lang="en-US" i="1" dirty="0"/>
+              <a:t> </a:t>
+            </a:r>
+            <a:r>
               <a:rPr lang="en-US" dirty="0"/>
-              <a:t>     (S </a:t>
-            </a:r>
-            <a:r>
-              <a:rPr lang="en-US" baseline="-25000" dirty="0" err="1"/>
-              <a:t>est</a:t>
-            </a:r>
-            <a:r>
-              <a:rPr lang="en-US" dirty="0"/>
-              <a:t>) </a:t>
-            </a:r>
-            <a:r>
-              <a:rPr lang="en-US" baseline="-25000" dirty="0" err="1"/>
-              <a:t>i</a:t>
-            </a:r>
-            <a:r>
-              <a:rPr lang="en-US" dirty="0"/>
-              <a:t> = H</a:t>
-            </a:r>
-            <a:r>
-              <a:rPr lang="en-US" baseline="-25000" dirty="0"/>
-              <a:t>i</a:t>
-            </a:r>
-            <a:r>
-              <a:rPr lang="en-US" baseline="30000" dirty="0"/>
-              <a:t>+ </a:t>
-            </a:r>
-            <a:r>
-              <a:rPr lang="en-US" dirty="0"/>
-              <a:t>x</a:t>
-            </a:r>
-          </a:p>
-          <a:p>
-            <a:pPr>
-              <a:lnSpc>
-                <a:spcPct val="100000"/>
-              </a:lnSpc>
-            </a:pPr>
-            <a:r>
-              <a:rPr lang="en-US" dirty="0"/>
-              <a:t>H</a:t>
-            </a:r>
-            <a:r>
-              <a:rPr lang="en-US" baseline="-25000" dirty="0"/>
-              <a:t>i</a:t>
-            </a:r>
-            <a:r>
-              <a:rPr lang="en-US" baseline="30000" dirty="0"/>
-              <a:t>+</a:t>
-            </a:r>
-            <a:r>
-              <a:rPr lang="en-US" dirty="0"/>
-              <a:t> represent the I </a:t>
-            </a:r>
-            <a:r>
-              <a:rPr lang="en-US" dirty="0" err="1"/>
-              <a:t>th</a:t>
-            </a:r>
-            <a:r>
-              <a:rPr lang="en-US" dirty="0"/>
-              <a:t> row of H</a:t>
-            </a:r>
-            <a:r>
-              <a:rPr lang="en-US" baseline="30000" dirty="0"/>
-              <a:t>+</a:t>
-            </a:r>
-            <a:r>
-              <a:rPr lang="en-US" dirty="0"/>
-              <a:t> , is equal to the transpose of the </a:t>
-            </a:r>
-            <a:r>
-              <a:rPr lang="en-US" dirty="0" err="1"/>
-              <a:t>i-th</a:t>
-            </a:r>
-            <a:r>
-              <a:rPr lang="en-US" dirty="0"/>
-              <a:t> weight vector d</a:t>
-            </a:r>
-            <a:r>
-              <a:rPr lang="en-US" baseline="-25000" dirty="0"/>
-              <a:t>i</a:t>
-            </a:r>
-          </a:p>
-          <a:p>
-            <a:pPr>
-              <a:lnSpc>
-                <a:spcPct val="100000"/>
-              </a:lnSpc>
-            </a:pPr>
-            <a:r>
-              <a:rPr lang="en-US" dirty="0"/>
-              <a:t>d</a:t>
-            </a:r>
-            <a:r>
-              <a:rPr lang="en-US" baseline="-25000" dirty="0"/>
-              <a:t>i</a:t>
-            </a:r>
-            <a:r>
-              <a:rPr lang="en-US" dirty="0"/>
-              <a:t> is the so-called nulling vector.</a:t>
+              <a:t>is the so-called nulling vector.</a:t>
             </a:r>
           </a:p>
         </p:txBody>
@@ -17776,34 +17939,52 @@
           <a:p>
             <a:pPr>
               <a:lnSpc>
-                <a:spcPct val="100000"/>
+                <a:spcPct val="150000"/>
               </a:lnSpc>
             </a:pPr>
             <a:r>
-              <a:rPr lang="en-US" dirty="0"/>
-              <a:t>The ZF algorithm's performance can be tested through simulations, and its behavior can  be theoretically understood by comparing it with the MRC system. </a:t>
-            </a:r>
-          </a:p>
-          <a:p>
-            <a:pPr>
+              <a:rPr lang="en-US" dirty="0">
+                <a:solidFill>
+                  <a:schemeClr val="accent2">
+                    <a:lumMod val="50000"/>
+                  </a:schemeClr>
+                </a:solidFill>
+              </a:rPr>
+              <a:t>Zero Forcing Algorithm in Adaptive Antenna Array (AAA):</a:t>
+            </a:r>
+            <a:endParaRPr lang="en-US" dirty="0"/>
+          </a:p>
+          <a:p>
+            <a:pPr lvl="1">
               <a:lnSpc>
-                <a:spcPct val="100000"/>
+                <a:spcPct val="150000"/>
               </a:lnSpc>
             </a:pPr>
             <a:r>
               <a:rPr lang="en-US" dirty="0"/>
-              <a:t>Understanding the diversity order helps relate the ZF algorithm to the MRC system. </a:t>
-            </a:r>
-          </a:p>
-          <a:p>
-            <a:pPr>
+              <a:t>The ZF algorithm's performance can be tested through simulations, and its behavior can  be     theoretically understood by comparing it with the MRC system. </a:t>
+            </a:r>
+          </a:p>
+          <a:p>
+            <a:pPr lvl="1">
               <a:lnSpc>
-                <a:spcPct val="100000"/>
+                <a:spcPct val="150000"/>
               </a:lnSpc>
             </a:pPr>
             <a:r>
               <a:rPr lang="en-US" dirty="0"/>
-              <a:t>This comparison gives valuable insights into the ZF algorithm's performance, making it      crucial for evaluating wireless systems.</a:t>
+              <a:t>Understanding the diversity order helps relate the ZF algorithm to the MRC system. </a:t>
+            </a:r>
+          </a:p>
+          <a:p>
+            <a:pPr lvl="1">
+              <a:lnSpc>
+                <a:spcPct val="150000"/>
+              </a:lnSpc>
+            </a:pPr>
+            <a:r>
+              <a:rPr lang="en-US" dirty="0"/>
+              <a:t>This comparison gives valuable insights into the ZF algorithm's performance, making it              crucial for evaluating wireless systems.</a:t>
             </a:r>
           </a:p>
         </p:txBody>
@@ -17895,8 +18076,8 @@
           </a:p>
         </p:txBody>
       </p:sp>
-      <mc:AlternateContent xmlns:mc="http://schemas.openxmlformats.org/markup-compatibility/2006">
-        <mc:Choice xmlns:a14="http://schemas.microsoft.com/office/drawing/2010/main" Requires="a14">
+      <mc:AlternateContent xmlns:mc="http://schemas.openxmlformats.org/markup-compatibility/2006" xmlns:a14="http://schemas.microsoft.com/office/drawing/2010/main">
+        <mc:Choice Requires="a14">
           <p:sp>
             <p:nvSpPr>
               <p:cNvPr id="3" name="Content Placeholder 2">
@@ -17916,7 +18097,7 @@
             <p:spPr>
               <a:xfrm>
                 <a:off x="712177" y="1649690"/>
-                <a:ext cx="10641623" cy="4979710"/>
+                <a:ext cx="11479823" cy="5208310"/>
               </a:xfrm>
             </p:spPr>
             <p:txBody>
@@ -17929,18 +18110,48 @@
                   </a:lnSpc>
                 </a:pPr>
                 <a:r>
-                  <a:rPr lang="en-US" dirty="0"/>
-                  <a:t>In a system operating under Raleigh flat-fading, the channel elements can be expressed   for an MRC system with one transmit and L receive antennas</a:t>
+                  <a:rPr lang="en-US" dirty="0">
+                    <a:solidFill>
+                      <a:schemeClr val="accent2">
+                        <a:lumMod val="50000"/>
+                      </a:schemeClr>
+                    </a:solidFill>
+                  </a:rPr>
+                  <a:t>System Operation and Decision Variable in Raleigh Flat-Fading Environment for BPSK:</a:t>
                 </a:r>
               </a:p>
               <a:p>
-                <a:pPr lvl="1"/>
+                <a:pPr lvl="1">
+                  <a:lnSpc>
+                    <a:spcPct val="150000"/>
+                  </a:lnSpc>
+                </a:pPr>
+                <a:r>
+                  <a:rPr lang="en-US" dirty="0"/>
+                  <a:t>In a system operating under Raleigh flat-fading, the channel elements can be expressed for an MRC       system with one transmit and L receive antennas</a:t>
+                </a:r>
+              </a:p>
+              <a:p>
+                <a:pPr marL="914400" lvl="2" indent="0">
+                  <a:lnSpc>
+                    <a:spcPct val="150000"/>
+                  </a:lnSpc>
+                  <a:buNone/>
+                </a:pPr>
+                <a:r>
+                  <a:rPr lang="en-US" dirty="0">
+                    <a:solidFill>
+                      <a:srgbClr val="836967"/>
+                    </a:solidFill>
+                  </a:rPr>
+                  <a:t>                                                        </a:t>
+                </a:r>
                 <a14:m>
                   <m:oMath xmlns:m="http://schemas.openxmlformats.org/officeDocument/2006/math">
                     <m:sSub>
                       <m:sSubPr>
                         <m:ctrlPr>
-                          <a:rPr lang="en-US" dirty="0" smtClean="0">
+                          <a:rPr lang="en-US" i="1" dirty="0" smtClean="0">
                             <a:solidFill>
                               <a:srgbClr val="836967"/>
                             </a:solidFill>
@@ -17966,7 +18177,7 @@
                       </m:sub>
                     </m:sSub>
                     <m:r>
-                      <a:rPr lang="en-US" i="0" dirty="0">
+                      <a:rPr lang="en-US" i="1" dirty="0">
                         <a:latin typeface="Cambria Math" panose="02040503050406030204" pitchFamily="18" charset="0"/>
                       </a:rPr>
                       <m:t>=</m:t>
@@ -18012,7 +18223,7 @@
                       </m:sSupPr>
                       <m:e>
                         <m:r>
-                          <a:rPr lang="en-US" i="0" dirty="0">
+                          <a:rPr lang="en-US" i="1" dirty="0">
                             <a:latin typeface="Cambria Math" panose="02040503050406030204" pitchFamily="18" charset="0"/>
                           </a:rPr>
                           <m:t>ⅇ</m:t>
@@ -18020,7 +18231,7 @@
                       </m:e>
                       <m:sup>
                         <m:r>
-                          <a:rPr lang="en-US" i="0" dirty="0">
+                          <a:rPr lang="en-US" i="1" dirty="0">
                             <a:latin typeface="Cambria Math" panose="02040503050406030204" pitchFamily="18" charset="0"/>
                           </a:rPr>
                           <m:t>−</m:t>
@@ -18041,12 +18252,12 @@
                     </m:sSup>
                   </m:oMath>
                 </a14:m>
-                <a:endParaRPr lang="en-US" dirty="0"/>
+                <a:endParaRPr lang="en-US" i="1" dirty="0"/>
               </a:p>
               <a:p>
-                <a:pPr>
+                <a:pPr lvl="1">
                   <a:lnSpc>
-                    <a:spcPct val="100000"/>
+                    <a:spcPct val="150000"/>
                   </a:lnSpc>
                 </a:pPr>
                 <a:r>
@@ -18087,7 +18298,7 @@
                 </a14:m>
                 <a:r>
                   <a:rPr lang="en-US" dirty="0"/>
-                  <a:t>, channel attenuation factor </a:t>
+                  <a:t>, channel       attenuation factor </a:t>
                 </a:r>
                 <a14:m>
                   <m:oMath xmlns:m="http://schemas.openxmlformats.org/officeDocument/2006/math">
@@ -18137,38 +18348,34 @@
                 </a14:m>
                 <a:r>
                   <a:rPr lang="en-US" dirty="0"/>
-                  <a:t>, assuming perfect channel                 knowledge. </a:t>
+                  <a:t>, assuming perfect channel knowledge. </a:t>
                 </a:r>
               </a:p>
               <a:p>
-                <a:pPr>
+                <a:pPr lvl="1">
                   <a:lnSpc>
-                    <a:spcPct val="100000"/>
+                    <a:spcPct val="150000"/>
                   </a:lnSpc>
                 </a:pPr>
                 <a:r>
                   <a:rPr lang="en-US" dirty="0"/>
-                  <a:t>The system output in a Raleigh flat-fading environment is represented by a single             decision variable U for BPSK with Lth-order diversity:</a:t>
+                  <a:t>The system output in a Raleigh flat-fading environment is represented by a single decision variable U for BPSK with Lth-order diversity:</a:t>
                 </a:r>
               </a:p>
               <a:p>
-                <a:pPr>
+                <a:pPr marL="457200" lvl="1" indent="0">
                   <a:lnSpc>
-                    <a:spcPct val="100000"/>
-                  </a:lnSpc>
-                </a:pPr>
-                <a:endParaRPr lang="en-US" dirty="0"/>
-              </a:p>
-              <a:p>
-                <a:pPr marL="1828800" lvl="4" indent="0">
-                  <a:lnSpc>
-                    <a:spcPct val="100000"/>
+                    <a:spcPct val="150000"/>
                   </a:lnSpc>
                   <a:buNone/>
                 </a:pPr>
                 <a:r>
                   <a:rPr lang="en-US" dirty="0"/>
-                  <a:t>    U = Re(</a:t>
+                  <a:t>    				</a:t>
+                </a:r>
+                <a:r>
+                  <a:rPr lang="en-US" i="1" dirty="0"/>
+                  <a:t>U = Re ( </a:t>
                 </a:r>
                 <a14:m>
                   <m:oMath xmlns:m="http://schemas.openxmlformats.org/officeDocument/2006/math">
@@ -18211,13 +18418,13 @@
                           <a:rPr lang="en-US" b="0" i="1" smtClean="0">
                             <a:latin typeface="Cambria Math" panose="02040503050406030204" pitchFamily="18" charset="0"/>
                           </a:rPr>
-                          <m:t>h</m:t>
+                          <m:t> </m:t>
                         </m:r>
                         <m:r>
-                          <a:rPr lang="en-US" b="0" i="1" baseline="-25000" smtClean="0">
+                          <a:rPr lang="en-US" b="0" i="1" smtClean="0">
                             <a:latin typeface="Cambria Math" panose="02040503050406030204" pitchFamily="18" charset="0"/>
                           </a:rPr>
-                          <m:t>𝑘</m:t>
+                          <m:t>h𝑘</m:t>
                         </m:r>
                         <m:r>
                           <a:rPr lang="en-US" b="0" i="1" baseline="30000" smtClean="0">
@@ -18230,23 +18437,23 @@
                   </m:oMath>
                 </a14:m>
                 <a:r>
-                  <a:rPr lang="en-US" dirty="0" err="1"/>
+                  <a:rPr lang="en-US" i="1" dirty="0"/>
                   <a:t>x</a:t>
                 </a:r>
                 <a:r>
-                  <a:rPr lang="en-US" baseline="-25000" dirty="0" err="1"/>
-                  <a:t>k</a:t>
-                </a:r>
-                <a:r>
-                  <a:rPr lang="en-US" dirty="0"/>
-                  <a:t>) = Re( </a:t>
+                  <a:rPr lang="en-US" i="1" baseline="-25000" dirty="0"/>
+                  <a:t>k </a:t>
+                </a:r>
+                <a:r>
+                  <a:rPr lang="en-US" i="1" dirty="0"/>
+                  <a:t>) = Re ( </a:t>
                 </a:r>
                 <a14:m>
                   <m:oMath xmlns:m="http://schemas.openxmlformats.org/officeDocument/2006/math">
                     <m:sSubSup>
                       <m:sSubSupPr>
                         <m:ctrlPr>
-                          <a:rPr lang="en-US" smtClean="0">
+                          <a:rPr lang="en-US" i="1" smtClean="0">
                             <a:solidFill>
                               <a:srgbClr val="836967"/>
                             </a:solidFill>
@@ -18272,7 +18479,7 @@
                       </m:sub>
                       <m:sup>
                         <m:r>
-                          <a:rPr lang="en-US" i="0" smtClean="0">
+                          <a:rPr lang="en-US" i="1" smtClean="0">
                             <a:latin typeface="Cambria Math" panose="02040503050406030204" pitchFamily="18" charset="0"/>
                           </a:rPr>
                           <m:t>2</m:t>
@@ -18282,7 +18489,7 @@
                   </m:oMath>
                 </a14:m>
                 <a:r>
-                  <a:rPr lang="en-US" dirty="0"/>
+                  <a:rPr lang="en-US" i="1" dirty="0"/>
                   <a:t>s +</a:t>
                 </a:r>
                 <a14:m>
@@ -18345,26 +18552,22 @@
                   </m:oMath>
                 </a14:m>
                 <a:r>
-                  <a:rPr lang="en-US" dirty="0"/>
-                  <a:t> </a:t>
-                </a:r>
-                <a:r>
-                  <a:rPr lang="en-US" dirty="0" err="1"/>
-                  <a:t>v</a:t>
-                </a:r>
-                <a:r>
-                  <a:rPr lang="en-US" baseline="-25000" dirty="0" err="1"/>
-                  <a:t>k</a:t>
-                </a:r>
-                <a:r>
-                  <a:rPr lang="en-US" dirty="0"/>
+                  <a:rPr lang="en-US" i="1" dirty="0"/>
+                  <a:t> v</a:t>
+                </a:r>
+                <a:r>
+                  <a:rPr lang="en-US" i="1" baseline="-25000" dirty="0"/>
+                  <a:t>k </a:t>
+                </a:r>
+                <a:r>
+                  <a:rPr lang="en-US" i="1" dirty="0"/>
                   <a:t>)</a:t>
                 </a:r>
               </a:p>
               <a:p>
-                <a:pPr marL="1828800" lvl="4" indent="0">
+                <a:pPr marL="457200" lvl="1" indent="0">
                   <a:lnSpc>
-                    <a:spcPct val="100000"/>
+                    <a:spcPct val="150000"/>
                   </a:lnSpc>
                   <a:buNone/>
                 </a:pPr>
@@ -18386,110 +18589,18 @@
                 </a:r>
               </a:p>
               <a:p>
-                <a:pPr marL="1828800" lvl="4" indent="0">
+                <a:pPr marL="2286000" lvl="5" indent="0">
                   <a:lnSpc>
-                    <a:spcPct val="100000"/>
+                    <a:spcPct val="150000"/>
                   </a:lnSpc>
                   <a:buNone/>
                 </a:pPr>
                 <a:endParaRPr lang="en-US" dirty="0"/>
               </a:p>
-              <a:p>
-                <a:r>
-                  <a:rPr lang="en-US" dirty="0"/>
-                  <a:t>For BSPK, The decision variable U is used in the decoder to recover the transmitted s.</a:t>
-                </a:r>
-              </a:p>
-              <a:p>
-                <a:r>
-                  <a:rPr lang="en-US" dirty="0"/>
-                  <a:t>If U&gt; 0 then s = </a:t>
-                </a:r>
-                <a14:m>
-                  <m:oMath xmlns:m="http://schemas.openxmlformats.org/officeDocument/2006/math">
-                    <m:rad>
-                      <m:radPr>
-                        <m:degHide m:val="on"/>
-                        <m:ctrlPr>
-                          <a:rPr lang="en-US" dirty="0" smtClean="0">
-                            <a:solidFill>
-                              <a:srgbClr val="836967"/>
-                            </a:solidFill>
-                            <a:latin typeface="Cambria Math" panose="02040503050406030204" pitchFamily="18" charset="0"/>
-                          </a:rPr>
-                        </m:ctrlPr>
-                      </m:radPr>
-                      <m:deg/>
-                      <m:e>
-                        <m:r>
-                          <a:rPr lang="en-US" i="1" dirty="0">
-                            <a:latin typeface="Cambria Math" panose="02040503050406030204" pitchFamily="18" charset="0"/>
-                          </a:rPr>
-                          <m:t>𝐸</m:t>
-                        </m:r>
-                      </m:e>
-                    </m:rad>
-                    <m:r>
-                      <a:rPr lang="en-US" i="1" dirty="0">
-                        <a:latin typeface="Cambria Math" panose="02040503050406030204" pitchFamily="18" charset="0"/>
-                      </a:rPr>
-                      <m:t>𝑏</m:t>
-                    </m:r>
-                  </m:oMath>
-                </a14:m>
-                <a:r>
-                  <a:rPr lang="en-US" dirty="0"/>
-                  <a:t> and U &lt; 0 then s = -</a:t>
-                </a:r>
-                <a:r>
-                  <a:rPr lang="en-US" dirty="0">
-                    <a:solidFill>
-                      <a:srgbClr val="836967"/>
-                    </a:solidFill>
-                  </a:rPr>
-                  <a:t> </a:t>
-                </a:r>
-                <a14:m>
-                  <m:oMath xmlns:m="http://schemas.openxmlformats.org/officeDocument/2006/math">
-                    <m:rad>
-                      <m:radPr>
-                        <m:degHide m:val="on"/>
-                        <m:ctrlPr>
-                          <a:rPr lang="en-US" i="1" dirty="0">
-                            <a:solidFill>
-                              <a:srgbClr val="836967"/>
-                            </a:solidFill>
-                            <a:latin typeface="Cambria Math" panose="02040503050406030204" pitchFamily="18" charset="0"/>
-                          </a:rPr>
-                        </m:ctrlPr>
-                      </m:radPr>
-                      <m:deg/>
-                      <m:e>
-                        <m:r>
-                          <a:rPr lang="en-US" i="1" dirty="0">
-                            <a:latin typeface="Cambria Math" panose="02040503050406030204" pitchFamily="18" charset="0"/>
-                          </a:rPr>
-                          <m:t>𝐸</m:t>
-                        </m:r>
-                      </m:e>
-                    </m:rad>
-                    <m:r>
-                      <a:rPr lang="en-US" i="1" dirty="0">
-                        <a:latin typeface="Cambria Math" panose="02040503050406030204" pitchFamily="18" charset="0"/>
-                      </a:rPr>
-                      <m:t>𝑏</m:t>
-                    </m:r>
-                  </m:oMath>
-                </a14:m>
-                <a:r>
-                  <a:rPr lang="en-US" dirty="0"/>
-                  <a:t> </a:t>
-                </a:r>
-              </a:p>
             </p:txBody>
           </p:sp>
         </mc:Choice>
-        <mc:Fallback>
+        <mc:Fallback xmlns="">
           <p:sp>
             <p:nvSpPr>
               <p:cNvPr id="3" name="Content Placeholder 2">
@@ -18509,12 +18620,12 @@
             <p:spPr>
               <a:xfrm>
                 <a:off x="712177" y="1649690"/>
-                <a:ext cx="10641623" cy="4979710"/>
+                <a:ext cx="11479823" cy="5208310"/>
               </a:xfrm>
               <a:blipFill>
                 <a:blip r:embed="rId2"/>
                 <a:stretch>
-                  <a:fillRect l="-515" t="-612" r="-57" b="-2448"/>
+                  <a:fillRect l="-478" t="-585" r="-319"/>
                 </a:stretch>
               </a:blipFill>
             </p:spPr>
@@ -18620,8 +18731,8 @@
           </a:p>
         </p:txBody>
       </p:sp>
-      <mc:AlternateContent xmlns:mc="http://schemas.openxmlformats.org/markup-compatibility/2006">
-        <mc:Choice xmlns:a14="http://schemas.microsoft.com/office/drawing/2010/main" Requires="a14">
+      <mc:AlternateContent xmlns:mc="http://schemas.openxmlformats.org/markup-compatibility/2006" xmlns:a14="http://schemas.microsoft.com/office/drawing/2010/main">
+        <mc:Choice Requires="a14">
           <p:sp>
             <p:nvSpPr>
               <p:cNvPr id="3" name="Content Placeholder 2">
@@ -18645,7 +18756,142 @@
               <a:p>
                 <a:pPr>
                   <a:lnSpc>
-                    <a:spcPct val="100000"/>
+                    <a:spcPct val="150000"/>
+                  </a:lnSpc>
+                </a:pPr>
+                <a:r>
+                  <a:rPr lang="en-US" dirty="0">
+                    <a:solidFill>
+                      <a:schemeClr val="accent2">
+                        <a:lumMod val="50000"/>
+                      </a:schemeClr>
+                    </a:solidFill>
+                  </a:rPr>
+                  <a:t>Probability and SNR Analysis for BPSK in Flat-Fading Channels:</a:t>
+                </a:r>
+              </a:p>
+              <a:p>
+                <a:pPr lvl="1">
+                  <a:lnSpc>
+                    <a:spcPct val="200000"/>
+                  </a:lnSpc>
+                </a:pPr>
+                <a:r>
+                  <a:rPr lang="en-US" dirty="0"/>
+                  <a:t>For BSPK, The decision variable U is used in the decoder to recover the transmitted s.</a:t>
+                </a:r>
+              </a:p>
+              <a:p>
+                <a:pPr lvl="1">
+                  <a:lnSpc>
+                    <a:spcPct val="200000"/>
+                  </a:lnSpc>
+                </a:pPr>
+                <a:r>
+                  <a:rPr lang="en-US" dirty="0"/>
+                  <a:t>If </a:t>
+                </a:r>
+                <a:r>
+                  <a:rPr lang="en-US" i="1" dirty="0"/>
+                  <a:t>U&gt; 0 </a:t>
+                </a:r>
+                <a:r>
+                  <a:rPr lang="en-US" dirty="0"/>
+                  <a:t>then </a:t>
+                </a:r>
+                <a:r>
+                  <a:rPr lang="en-US" i="1" dirty="0"/>
+                  <a:t>s = </a:t>
+                </a:r>
+                <a14:m>
+                  <m:oMath xmlns:m="http://schemas.openxmlformats.org/officeDocument/2006/math">
+                    <m:rad>
+                      <m:radPr>
+                        <m:degHide m:val="on"/>
+                        <m:ctrlPr>
+                          <a:rPr lang="en-US" i="1" dirty="0" smtClean="0">
+                            <a:solidFill>
+                              <a:srgbClr val="836967"/>
+                            </a:solidFill>
+                            <a:latin typeface="Cambria Math" panose="02040503050406030204" pitchFamily="18" charset="0"/>
+                          </a:rPr>
+                        </m:ctrlPr>
+                      </m:radPr>
+                      <m:deg/>
+                      <m:e>
+                        <m:r>
+                          <a:rPr lang="en-US" i="1" dirty="0">
+                            <a:latin typeface="Cambria Math" panose="02040503050406030204" pitchFamily="18" charset="0"/>
+                          </a:rPr>
+                          <m:t>𝐸</m:t>
+                        </m:r>
+                      </m:e>
+                    </m:rad>
+                    <m:r>
+                      <a:rPr lang="en-US" i="1" baseline="-25000" dirty="0">
+                        <a:latin typeface="Cambria Math" panose="02040503050406030204" pitchFamily="18" charset="0"/>
+                      </a:rPr>
+                      <m:t>𝑏</m:t>
+                    </m:r>
+                  </m:oMath>
+                </a14:m>
+                <a:r>
+                  <a:rPr lang="en-US" i="1" dirty="0"/>
+                  <a:t> </a:t>
+                </a:r>
+                <a:r>
+                  <a:rPr lang="en-US" dirty="0"/>
+                  <a:t>and U &lt; 0 then s = -</a:t>
+                </a:r>
+                <a:r>
+                  <a:rPr lang="en-US" dirty="0">
+                    <a:solidFill>
+                      <a:srgbClr val="836967"/>
+                    </a:solidFill>
+                  </a:rPr>
+                  <a:t> </a:t>
+                </a:r>
+                <a14:m>
+                  <m:oMath xmlns:m="http://schemas.openxmlformats.org/officeDocument/2006/math">
+                    <m:rad>
+                      <m:radPr>
+                        <m:degHide m:val="on"/>
+                        <m:ctrlPr>
+                          <a:rPr lang="en-US" i="1" dirty="0">
+                            <a:solidFill>
+                              <a:srgbClr val="836967"/>
+                            </a:solidFill>
+                            <a:latin typeface="Cambria Math" panose="02040503050406030204" pitchFamily="18" charset="0"/>
+                          </a:rPr>
+                        </m:ctrlPr>
+                      </m:radPr>
+                      <m:deg/>
+                      <m:e>
+                        <m:r>
+                          <a:rPr lang="en-US" i="1" dirty="0">
+                            <a:latin typeface="Cambria Math" panose="02040503050406030204" pitchFamily="18" charset="0"/>
+                          </a:rPr>
+                          <m:t>𝐸</m:t>
+                        </m:r>
+                      </m:e>
+                    </m:rad>
+                    <m:r>
+                      <a:rPr lang="en-US" i="1" baseline="-25000" dirty="0">
+                        <a:latin typeface="Cambria Math" panose="02040503050406030204" pitchFamily="18" charset="0"/>
+                      </a:rPr>
+                      <m:t>𝑏</m:t>
+                    </m:r>
+                  </m:oMath>
+                </a14:m>
+                <a:r>
+                  <a:rPr lang="en-US" i="1" dirty="0"/>
+                  <a:t> </a:t>
+                </a:r>
+              </a:p>
+              <a:p>
+                <a:pPr lvl="1">
+                  <a:lnSpc>
+                    <a:spcPct val="200000"/>
                   </a:lnSpc>
                 </a:pPr>
                 <a:r>
@@ -18713,7 +18959,7 @@
                       </m:e>
                     </m:rad>
                     <m:r>
-                      <a:rPr lang="en-US" i="1" dirty="0">
+                      <a:rPr lang="en-US" i="1" baseline="-25000" dirty="0">
                         <a:latin typeface="Cambria Math" panose="02040503050406030204" pitchFamily="18" charset="0"/>
                       </a:rPr>
                       <m:t>𝑏</m:t>
@@ -18721,45 +18967,65 @@
                   </m:oMath>
                 </a14:m>
                 <a:r>
+                  <a:rPr lang="en-US" i="1" dirty="0"/>
+                  <a:t> </a:t>
+                </a:r>
+                <a:r>
                   <a:rPr lang="en-US" dirty="0"/>
-                  <a:t> is transmitted.</a:t>
+                  <a:t>is transmitted.</a:t>
                 </a:r>
               </a:p>
               <a:p>
-                <a:pPr>
+                <a:pPr lvl="1">
                   <a:lnSpc>
-                    <a:spcPct val="100000"/>
+                    <a:spcPct val="200000"/>
                   </a:lnSpc>
                 </a:pPr>
                 <a:r>
                   <a:rPr lang="en-US" dirty="0"/>
-                  <a:t>The Gaussian decision variable U, with mean noise power N</a:t>
-                </a:r>
-                <a:r>
-                  <a:rPr lang="en-US" baseline="-25000" dirty="0"/>
+                  <a:t>The Gaussian decision variable </a:t>
+                </a:r>
+                <a:r>
+                  <a:rPr lang="en-US" i="1" dirty="0"/>
+                  <a:t>U</a:t>
+                </a:r>
+                <a:r>
+                  <a:rPr lang="en-US" dirty="0"/>
+                  <a:t>, with mean noise power </a:t>
+                </a:r>
+                <a:r>
+                  <a:rPr lang="en-US" i="1" dirty="0"/>
+                  <a:t>N</a:t>
+                </a:r>
+                <a:r>
+                  <a:rPr lang="en-US" i="1" baseline="-25000" dirty="0"/>
                   <a:t>0</a:t>
                 </a:r>
                 <a:r>
                   <a:rPr lang="en-US" dirty="0"/>
-                  <a:t> per receive antenna,          determines the probability of being less than zero is :</a:t>
+                  <a:t> per receive antenna, determines  the probability of being less than zero is :</a:t>
                 </a:r>
               </a:p>
               <a:p>
-                <a:pPr>
+                <a:pPr lvl="1">
                   <a:lnSpc>
-                    <a:spcPct val="100000"/>
+                    <a:spcPct val="200000"/>
                   </a:lnSpc>
                 </a:pPr>
                 <a:r>
                   <a:rPr lang="en-US" dirty="0"/>
-                  <a:t> P</a:t>
-                </a:r>
-                <a:r>
-                  <a:rPr lang="en-US" baseline="-25000" dirty="0"/>
+                  <a:t> </a:t>
+                </a:r>
+                <a:r>
+                  <a:rPr lang="en-US" i="1" dirty="0"/>
+                  <a:t>P</a:t>
+                </a:r>
+                <a:r>
+                  <a:rPr lang="en-US" i="1" baseline="-25000" dirty="0"/>
                   <a:t>2</a:t>
                 </a:r>
                 <a:r>
-                  <a:rPr lang="en-US" dirty="0"/>
+                  <a:rPr lang="en-US" i="1" dirty="0"/>
                   <a:t> (</a:t>
                 </a:r>
                 <a14:m>
@@ -18774,11 +19040,11 @@
                   </m:oMath>
                 </a14:m>
                 <a:r>
-                  <a:rPr lang="en-US" baseline="-25000" dirty="0"/>
+                  <a:rPr lang="en-US" i="1" baseline="-25000" dirty="0"/>
                   <a:t>b</a:t>
                 </a:r>
                 <a:r>
-                  <a:rPr lang="en-US" dirty="0"/>
+                  <a:rPr lang="en-US" i="1" dirty="0"/>
                   <a:t>) = Q(</a:t>
                 </a:r>
                 <a14:m>
@@ -18811,7 +19077,7 @@
                           <m:rPr>
                             <m:nor/>
                           </m:rPr>
-                          <a:rPr lang="en-US" baseline="-25000" dirty="0"/>
+                          <a:rPr lang="en-US" i="1" baseline="-25000" dirty="0"/>
                           <m:t>b</m:t>
                         </m:r>
                       </m:e>
@@ -18819,8 +19085,24 @@
                   </m:oMath>
                 </a14:m>
                 <a:r>
+                  <a:rPr lang="en-US" i="1" dirty="0"/>
+                  <a:t>) </a:t>
+                </a:r>
+                <a:r>
                   <a:rPr lang="en-US" dirty="0"/>
-                  <a:t>) where Q is the function as : Q(x) = </a:t>
+                  <a:t>where </a:t>
+                </a:r>
+                <a:r>
+                  <a:rPr lang="en-US" i="1" dirty="0"/>
+                  <a:t>Q</a:t>
+                </a:r>
+                <a:r>
+                  <a:rPr lang="en-US" dirty="0"/>
+                  <a:t> is the function as : </a:t>
+                </a:r>
+                <a:r>
+                  <a:rPr lang="en-US" i="1" dirty="0"/>
+                  <a:t>Q(x) = </a:t>
                 </a:r>
                 <a14:m>
                   <m:oMath xmlns:m="http://schemas.openxmlformats.org/officeDocument/2006/math">
@@ -18946,8 +19228,16 @@
                   </m:oMath>
                 </a14:m>
                 <a:r>
+                  <a:rPr lang="en-US" i="1" dirty="0"/>
+                  <a:t> dt </a:t>
+                </a:r>
+                <a:r>
                   <a:rPr lang="en-US" dirty="0"/>
-                  <a:t> dt and x </a:t>
+                  <a:t>and </a:t>
+                </a:r>
+                <a:r>
+                  <a:rPr lang="en-US" i="1" dirty="0"/>
+                  <a:t>x </a:t>
                 </a:r>
                 <a14:m>
                   <m:oMath xmlns:m="http://schemas.openxmlformats.org/officeDocument/2006/math">
@@ -18967,581 +19257,12 @@
                     </m:r>
                   </m:oMath>
                 </a14:m>
-                <a:endParaRPr lang="en-US" dirty="0"/>
-              </a:p>
-              <a:p>
-                <a:r>
-                  <a:rPr lang="en-US" dirty="0"/>
-                  <a:t>The SNR per bit , </a:t>
-                </a:r>
-                <a14:m>
-                  <m:oMath xmlns:m="http://schemas.openxmlformats.org/officeDocument/2006/math">
-                    <m:r>
-                      <a:rPr lang="en-US" i="1" smtClean="0">
-                        <a:latin typeface="Cambria Math" panose="02040503050406030204" pitchFamily="18" charset="0"/>
-                        <a:ea typeface="Cambria Math" panose="02040503050406030204" pitchFamily="18" charset="0"/>
-                      </a:rPr>
-                      <m:t>𝛾</m:t>
-                    </m:r>
-                  </m:oMath>
-                </a14:m>
-                <a:r>
-                  <a:rPr lang="en-US" baseline="-25000" dirty="0"/>
-                  <a:t>b </a:t>
-                </a:r>
-                <a:r>
-                  <a:rPr lang="en-US" dirty="0"/>
-                  <a:t>is given as :</a:t>
-                </a:r>
-              </a:p>
-              <a:p>
-                <a14:m>
-                  <m:oMath xmlns:m="http://schemas.openxmlformats.org/officeDocument/2006/math">
-                    <m:r>
-                      <a:rPr lang="en-US" i="1" smtClean="0">
-                        <a:latin typeface="Cambria Math" panose="02040503050406030204" pitchFamily="18" charset="0"/>
-                        <a:ea typeface="Cambria Math" panose="02040503050406030204" pitchFamily="18" charset="0"/>
-                      </a:rPr>
-                      <m:t>𝛾</m:t>
-                    </m:r>
-                  </m:oMath>
-                </a14:m>
-                <a:r>
-                  <a:rPr lang="en-US" baseline="-25000" dirty="0"/>
-                  <a:t>b </a:t>
-                </a:r>
-                <a:r>
-                  <a:rPr lang="en-US" dirty="0"/>
-                  <a:t>=</a:t>
-                </a:r>
-                <a14:m>
-                  <m:oMath xmlns:m="http://schemas.openxmlformats.org/officeDocument/2006/math">
-                    <m:nary>
-                      <m:naryPr>
-                        <m:chr m:val="∑"/>
-                        <m:limLoc m:val="subSup"/>
-                        <m:ctrlPr>
-                          <a:rPr lang="en-US" i="1" smtClean="0">
-                            <a:latin typeface="Cambria Math" panose="02040503050406030204" pitchFamily="18" charset="0"/>
-                          </a:rPr>
-                        </m:ctrlPr>
-                      </m:naryPr>
-                      <m:sub>
-                        <m:r>
-                          <m:rPr>
-                            <m:brk m:alnAt="25"/>
-                          </m:rPr>
-                          <a:rPr lang="en-US" b="0" i="1" smtClean="0">
-                            <a:latin typeface="Cambria Math" panose="02040503050406030204" pitchFamily="18" charset="0"/>
-                          </a:rPr>
-                          <m:t>𝑘</m:t>
-                        </m:r>
-                        <m:r>
-                          <a:rPr lang="en-US" b="0" i="1" smtClean="0">
-                            <a:latin typeface="Cambria Math" panose="02040503050406030204" pitchFamily="18" charset="0"/>
-                          </a:rPr>
-                          <m:t>=1</m:t>
-                        </m:r>
-                      </m:sub>
-                      <m:sup>
-                        <m:r>
-                          <a:rPr lang="en-US" b="0" i="1" smtClean="0">
-                            <a:latin typeface="Cambria Math" panose="02040503050406030204" pitchFamily="18" charset="0"/>
-                          </a:rPr>
-                          <m:t>𝐿</m:t>
-                        </m:r>
-                      </m:sup>
-                      <m:e>
-                        <m:f>
-                          <m:fPr>
-                            <m:ctrlPr>
-                              <a:rPr lang="en-US" b="0" i="1" smtClean="0">
-                                <a:latin typeface="Cambria Math" panose="02040503050406030204" pitchFamily="18" charset="0"/>
-                              </a:rPr>
-                            </m:ctrlPr>
-                          </m:fPr>
-                          <m:num>
-                            <m:r>
-                              <a:rPr lang="en-US" b="0" i="1" smtClean="0">
-                                <a:latin typeface="Cambria Math" panose="02040503050406030204" pitchFamily="18" charset="0"/>
-                              </a:rPr>
-                              <m:t>𝐸𝑏</m:t>
-                            </m:r>
-                          </m:num>
-                          <m:den>
-                            <m:r>
-                              <a:rPr lang="en-US" b="0" i="1" smtClean="0">
-                                <a:latin typeface="Cambria Math" panose="02040503050406030204" pitchFamily="18" charset="0"/>
-                              </a:rPr>
-                              <m:t>𝑁</m:t>
-                            </m:r>
-                            <m:r>
-                              <a:rPr lang="en-US" b="0" i="1" smtClean="0">
-                                <a:latin typeface="Cambria Math" panose="02040503050406030204" pitchFamily="18" charset="0"/>
-                              </a:rPr>
-                              <m:t>0</m:t>
-                            </m:r>
-                          </m:den>
-                        </m:f>
-                        <m:r>
-                          <a:rPr lang="en-US" b="0" i="1" smtClean="0">
-                            <a:latin typeface="Cambria Math" panose="02040503050406030204" pitchFamily="18" charset="0"/>
-                          </a:rPr>
-                          <m:t> </m:t>
-                        </m:r>
-                      </m:e>
-                    </m:nary>
-                  </m:oMath>
-                </a14:m>
-                <a:r>
-                  <a:rPr lang="en-US" dirty="0">
-                    <a:solidFill>
-                      <a:srgbClr val="836967"/>
-                    </a:solidFill>
-                  </a:rPr>
-                  <a:t> </a:t>
-                </a:r>
-                <a14:m>
-                  <m:oMath xmlns:m="http://schemas.openxmlformats.org/officeDocument/2006/math">
-                    <m:sSubSup>
-                      <m:sSubSupPr>
-                        <m:ctrlPr>
-                          <a:rPr lang="en-US" i="1">
-                            <a:solidFill>
-                              <a:srgbClr val="836967"/>
-                            </a:solidFill>
-                            <a:latin typeface="Cambria Math" panose="02040503050406030204" pitchFamily="18" charset="0"/>
-                          </a:rPr>
-                        </m:ctrlPr>
-                      </m:sSubSupPr>
-                      <m:e>
-                        <m:r>
-                          <a:rPr lang="en-US" i="1">
-                            <a:latin typeface="Cambria Math" panose="02040503050406030204" pitchFamily="18" charset="0"/>
-                          </a:rPr>
-                          <m:t>𝛼</m:t>
-                        </m:r>
-                      </m:e>
-                      <m:sub>
-                        <m:r>
-                          <a:rPr lang="en-US" i="1">
-                            <a:latin typeface="Cambria Math" panose="02040503050406030204" pitchFamily="18" charset="0"/>
-                          </a:rPr>
-                          <m:t>𝑘</m:t>
-                        </m:r>
-                      </m:sub>
-                      <m:sup>
-                        <m:r>
-                          <a:rPr lang="en-US">
-                            <a:latin typeface="Cambria Math" panose="02040503050406030204" pitchFamily="18" charset="0"/>
-                          </a:rPr>
-                          <m:t>2</m:t>
-                        </m:r>
-                      </m:sup>
-                    </m:sSubSup>
-                  </m:oMath>
-                </a14:m>
-                <a:r>
-                  <a:rPr lang="en-US" dirty="0"/>
-                  <a:t> = </a:t>
-                </a:r>
-                <a14:m>
-                  <m:oMath xmlns:m="http://schemas.openxmlformats.org/officeDocument/2006/math">
-                    <m:nary>
-                      <m:naryPr>
-                        <m:chr m:val="∑"/>
-                        <m:limLoc m:val="subSup"/>
-                        <m:ctrlPr>
-                          <a:rPr lang="en-US" i="1" smtClean="0">
-                            <a:latin typeface="Cambria Math" panose="02040503050406030204" pitchFamily="18" charset="0"/>
-                          </a:rPr>
-                        </m:ctrlPr>
-                      </m:naryPr>
-                      <m:sub>
-                        <m:r>
-                          <m:rPr>
-                            <m:brk m:alnAt="25"/>
-                          </m:rPr>
-                          <a:rPr lang="en-US" b="0" i="1" smtClean="0">
-                            <a:latin typeface="Cambria Math" panose="02040503050406030204" pitchFamily="18" charset="0"/>
-                          </a:rPr>
-                          <m:t>𝑘</m:t>
-                        </m:r>
-                        <m:r>
-                          <a:rPr lang="en-US" b="0" i="1" smtClean="0">
-                            <a:latin typeface="Cambria Math" panose="02040503050406030204" pitchFamily="18" charset="0"/>
-                          </a:rPr>
-                          <m:t>=1</m:t>
-                        </m:r>
-                      </m:sub>
-                      <m:sup>
-                        <m:r>
-                          <a:rPr lang="en-US" b="0" i="1" smtClean="0">
-                            <a:latin typeface="Cambria Math" panose="02040503050406030204" pitchFamily="18" charset="0"/>
-                          </a:rPr>
-                          <m:t>𝐿</m:t>
-                        </m:r>
-                      </m:sup>
-                      <m:e>
-                        <m:r>
-                          <a:rPr lang="en-US" i="1">
-                            <a:latin typeface="Cambria Math" panose="02040503050406030204" pitchFamily="18" charset="0"/>
-                            <a:ea typeface="Cambria Math" panose="02040503050406030204" pitchFamily="18" charset="0"/>
-                          </a:rPr>
-                          <m:t>𝛾</m:t>
-                        </m:r>
-                        <m:r>
-                          <m:rPr>
-                            <m:nor/>
-                          </m:rPr>
-                          <a:rPr lang="en-US" b="0" i="0" baseline="-25000" smtClean="0">
-                            <a:latin typeface="Cambria Math" panose="02040503050406030204" pitchFamily="18" charset="0"/>
-                            <a:ea typeface="Cambria Math" panose="02040503050406030204" pitchFamily="18" charset="0"/>
-                          </a:rPr>
-                          <m:t>k</m:t>
-                        </m:r>
-                      </m:e>
-                    </m:nary>
-                  </m:oMath>
-                </a14:m>
-                <a:endParaRPr lang="en-US" dirty="0"/>
-              </a:p>
-              <a:p>
-                <a14:m>
-                  <m:oMath xmlns:m="http://schemas.openxmlformats.org/officeDocument/2006/math">
-                    <m:r>
-                      <a:rPr lang="en-US" i="1" smtClean="0">
-                        <a:latin typeface="Cambria Math" panose="02040503050406030204" pitchFamily="18" charset="0"/>
-                        <a:ea typeface="Cambria Math" panose="02040503050406030204" pitchFamily="18" charset="0"/>
-                      </a:rPr>
-                      <m:t>𝛾</m:t>
-                    </m:r>
-                    <m:r>
-                      <m:rPr>
-                        <m:nor/>
-                      </m:rPr>
-                      <a:rPr lang="en-US" b="0" i="0" baseline="-25000" smtClean="0">
-                        <a:latin typeface="Cambria Math" panose="02040503050406030204" pitchFamily="18" charset="0"/>
-                        <a:ea typeface="Cambria Math" panose="02040503050406030204" pitchFamily="18" charset="0"/>
-                      </a:rPr>
-                      <m:t>k</m:t>
-                    </m:r>
-                  </m:oMath>
-                </a14:m>
-                <a:r>
-                  <a:rPr lang="en-US" dirty="0"/>
-                  <a:t> is the instantaneous SNR on the k-</a:t>
-                </a:r>
-                <a:r>
-                  <a:rPr lang="en-US" dirty="0" err="1"/>
-                  <a:t>th</a:t>
-                </a:r>
-                <a:r>
-                  <a:rPr lang="en-US" dirty="0"/>
-                  <a:t> channel. Because </a:t>
-                </a:r>
-                <a14:m>
-                  <m:oMath xmlns:m="http://schemas.openxmlformats.org/officeDocument/2006/math">
-                    <m:r>
-                      <a:rPr lang="en-US" i="1">
-                        <a:latin typeface="Cambria Math" panose="02040503050406030204" pitchFamily="18" charset="0"/>
-                        <a:ea typeface="Cambria Math" panose="02040503050406030204" pitchFamily="18" charset="0"/>
-                      </a:rPr>
-                      <m:t>𝛾</m:t>
-                    </m:r>
-                  </m:oMath>
-                </a14:m>
-                <a:r>
-                  <a:rPr lang="en-US" baseline="-25000" dirty="0"/>
-                  <a:t>b  </a:t>
-                </a:r>
-                <a:r>
-                  <a:rPr lang="en-US" dirty="0"/>
-                  <a:t>can be seen as a chi-square </a:t>
-                </a:r>
-              </a:p>
-              <a:p>
-                <a:r>
-                  <a:rPr lang="en-US" dirty="0"/>
-                  <a:t>Distributed random variable with 2L degrees of freedom ,The pdf P(</a:t>
-                </a:r>
-                <a14:m>
-                  <m:oMath xmlns:m="http://schemas.openxmlformats.org/officeDocument/2006/math">
-                    <m:r>
-                      <a:rPr lang="en-US" i="1" smtClean="0">
-                        <a:latin typeface="Cambria Math" panose="02040503050406030204" pitchFamily="18" charset="0"/>
-                        <a:ea typeface="Cambria Math" panose="02040503050406030204" pitchFamily="18" charset="0"/>
-                      </a:rPr>
-                      <m:t>𝛾</m:t>
-                    </m:r>
-                  </m:oMath>
-                </a14:m>
-                <a:r>
-                  <a:rPr lang="en-US" baseline="-25000" dirty="0"/>
-                  <a:t>b</a:t>
-                </a:r>
-                <a:r>
-                  <a:rPr lang="en-US" dirty="0"/>
-                  <a:t>) is :</a:t>
-                </a:r>
-              </a:p>
-              <a:p>
-                <a:r>
-                  <a:rPr lang="en-US" dirty="0"/>
-                  <a:t>P(</a:t>
-                </a:r>
-                <a14:m>
-                  <m:oMath xmlns:m="http://schemas.openxmlformats.org/officeDocument/2006/math">
-                    <m:r>
-                      <a:rPr lang="en-US" i="1" smtClean="0">
-                        <a:latin typeface="Cambria Math" panose="02040503050406030204" pitchFamily="18" charset="0"/>
-                        <a:ea typeface="Cambria Math" panose="02040503050406030204" pitchFamily="18" charset="0"/>
-                      </a:rPr>
-                      <m:t>𝛾</m:t>
-                    </m:r>
-                  </m:oMath>
-                </a14:m>
-                <a:r>
-                  <a:rPr lang="en-US" baseline="-25000" dirty="0"/>
-                  <a:t>b</a:t>
-                </a:r>
-                <a:r>
-                  <a:rPr lang="en-US" dirty="0"/>
-                  <a:t>) = </a:t>
-                </a:r>
-                <a14:m>
-                  <m:oMath xmlns:m="http://schemas.openxmlformats.org/officeDocument/2006/math">
-                    <m:f>
-                      <m:fPr>
-                        <m:ctrlPr>
-                          <a:rPr lang="en-US" i="1" smtClean="0">
-                            <a:latin typeface="Cambria Math" panose="02040503050406030204" pitchFamily="18" charset="0"/>
-                          </a:rPr>
-                        </m:ctrlPr>
-                      </m:fPr>
-                      <m:num>
-                        <m:r>
-                          <a:rPr lang="en-US" b="0" i="1" smtClean="0">
-                            <a:latin typeface="Cambria Math" panose="02040503050406030204" pitchFamily="18" charset="0"/>
-                          </a:rPr>
-                          <m:t>1</m:t>
-                        </m:r>
-                      </m:num>
-                      <m:den>
-                        <m:d>
-                          <m:dPr>
-                            <m:ctrlPr>
-                              <a:rPr lang="en-US" b="0" i="1" smtClean="0">
-                                <a:latin typeface="Cambria Math" panose="02040503050406030204" pitchFamily="18" charset="0"/>
-                              </a:rPr>
-                            </m:ctrlPr>
-                          </m:dPr>
-                          <m:e>
-                            <m:r>
-                              <a:rPr lang="en-US" b="0" i="1" smtClean="0">
-                                <a:latin typeface="Cambria Math" panose="02040503050406030204" pitchFamily="18" charset="0"/>
-                              </a:rPr>
-                              <m:t>𝐿</m:t>
-                            </m:r>
-                            <m:r>
-                              <a:rPr lang="en-US" b="0" i="1" smtClean="0">
-                                <a:latin typeface="Cambria Math" panose="02040503050406030204" pitchFamily="18" charset="0"/>
-                              </a:rPr>
-                              <m:t>−1</m:t>
-                            </m:r>
-                          </m:e>
-                        </m:d>
-                        <m:r>
-                          <a:rPr lang="en-US" b="0" i="1" smtClean="0">
-                            <a:latin typeface="Cambria Math" panose="02040503050406030204" pitchFamily="18" charset="0"/>
-                          </a:rPr>
-                          <m:t>!</m:t>
-                        </m:r>
-                        <m:r>
-                          <a:rPr lang="en-US" i="1">
-                            <a:latin typeface="Cambria Math" panose="02040503050406030204" pitchFamily="18" charset="0"/>
-                            <a:ea typeface="Cambria Math" panose="02040503050406030204" pitchFamily="18" charset="0"/>
-                          </a:rPr>
-                          <m:t>𝛾</m:t>
-                        </m:r>
-                        <m:r>
-                          <a:rPr lang="en-US" b="0" i="1" smtClean="0">
-                            <a:latin typeface="Cambria Math" panose="02040503050406030204" pitchFamily="18" charset="0"/>
-                            <a:ea typeface="Cambria Math" panose="02040503050406030204" pitchFamily="18" charset="0"/>
-                          </a:rPr>
-                          <m:t>𝑙</m:t>
-                        </m:r>
-                        <m:r>
-                          <m:rPr>
-                            <m:nor/>
-                          </m:rPr>
-                          <a:rPr lang="en-US" b="0" i="0" baseline="-25000" smtClean="0">
-                            <a:latin typeface="Cambria Math" panose="02040503050406030204" pitchFamily="18" charset="0"/>
-                            <a:ea typeface="Cambria Math" panose="02040503050406030204" pitchFamily="18" charset="0"/>
-                          </a:rPr>
-                          <m:t>c</m:t>
-                        </m:r>
-                      </m:den>
-                    </m:f>
-                  </m:oMath>
-                </a14:m>
-                <a:r>
-                  <a:rPr lang="en-US" dirty="0">
-                    <a:ea typeface="Cambria Math" panose="02040503050406030204" pitchFamily="18" charset="0"/>
-                  </a:rPr>
-                  <a:t> </a:t>
-                </a:r>
-                <a14:m>
-                  <m:oMath xmlns:m="http://schemas.openxmlformats.org/officeDocument/2006/math">
-                    <m:r>
-                      <a:rPr lang="en-US" i="1" dirty="0" smtClean="0">
-                        <a:latin typeface="Cambria Math" panose="02040503050406030204" pitchFamily="18" charset="0"/>
-                      </a:rPr>
-                      <m:t>𝛾</m:t>
-                    </m:r>
-                    <m:sSup>
-                      <m:sSupPr>
-                        <m:ctrlPr>
-                          <a:rPr lang="en-US" i="1" dirty="0">
-                            <a:solidFill>
-                              <a:srgbClr val="836967"/>
-                            </a:solidFill>
-                            <a:latin typeface="Cambria Math" panose="02040503050406030204" pitchFamily="18" charset="0"/>
-                          </a:rPr>
-                        </m:ctrlPr>
-                      </m:sSupPr>
-                      <m:e>
-                        <m:r>
-                          <a:rPr lang="en-US" i="1" baseline="-25000" dirty="0">
-                            <a:latin typeface="Cambria Math" panose="02040503050406030204" pitchFamily="18" charset="0"/>
-                          </a:rPr>
-                          <m:t>𝑏</m:t>
-                        </m:r>
-                      </m:e>
-                      <m:sup>
-                        <m:r>
-                          <a:rPr lang="en-US" i="1" dirty="0">
-                            <a:latin typeface="Cambria Math" panose="02040503050406030204" pitchFamily="18" charset="0"/>
-                          </a:rPr>
-                          <m:t>𝐿</m:t>
-                        </m:r>
-                        <m:r>
-                          <a:rPr lang="en-US" i="0" dirty="0">
-                            <a:latin typeface="Cambria Math" panose="02040503050406030204" pitchFamily="18" charset="0"/>
-                          </a:rPr>
-                          <m:t>−1</m:t>
-                        </m:r>
-                      </m:sup>
-                    </m:sSup>
-                  </m:oMath>
-                </a14:m>
-                <a:r>
-                  <a:rPr lang="en-US" dirty="0"/>
-                  <a:t> </a:t>
-                </a:r>
-                <a14:m>
-                  <m:oMath xmlns:m="http://schemas.openxmlformats.org/officeDocument/2006/math">
-                    <m:sSup>
-                      <m:sSupPr>
-                        <m:ctrlPr>
-                          <a:rPr lang="en-US" i="1">
-                            <a:latin typeface="Cambria Math" panose="02040503050406030204" pitchFamily="18" charset="0"/>
-                          </a:rPr>
-                        </m:ctrlPr>
-                      </m:sSupPr>
-                      <m:e>
-                        <m:r>
-                          <a:rPr lang="en-US" i="1">
-                            <a:latin typeface="Cambria Math" panose="02040503050406030204" pitchFamily="18" charset="0"/>
-                          </a:rPr>
-                          <m:t>𝑒</m:t>
-                        </m:r>
-                      </m:e>
-                      <m:sup>
-                        <m:r>
-                          <a:rPr lang="en-US" i="1">
-                            <a:latin typeface="Cambria Math" panose="02040503050406030204" pitchFamily="18" charset="0"/>
-                          </a:rPr>
-                          <m:t>−</m:t>
-                        </m:r>
-                        <m:r>
-                          <a:rPr lang="en-US" i="1">
-                            <a:latin typeface="Cambria Math" panose="02040503050406030204" pitchFamily="18" charset="0"/>
-                            <a:ea typeface="Cambria Math" panose="02040503050406030204" pitchFamily="18" charset="0"/>
-                          </a:rPr>
-                          <m:t>𝛾</m:t>
-                        </m:r>
-                        <m:r>
-                          <m:rPr>
-                            <m:nor/>
-                          </m:rPr>
-                          <a:rPr lang="en-US" baseline="-25000" dirty="0"/>
-                          <m:t>b</m:t>
-                        </m:r>
-                        <m:r>
-                          <a:rPr lang="en-US" i="1">
-                            <a:latin typeface="Cambria Math" panose="02040503050406030204" pitchFamily="18" charset="0"/>
-                          </a:rPr>
-                          <m:t>/</m:t>
-                        </m:r>
-                        <m:r>
-                          <a:rPr lang="en-US" i="1">
-                            <a:latin typeface="Cambria Math" panose="02040503050406030204" pitchFamily="18" charset="0"/>
-                            <a:ea typeface="Cambria Math" panose="02040503050406030204" pitchFamily="18" charset="0"/>
-                          </a:rPr>
-                          <m:t>𝛾</m:t>
-                        </m:r>
-                        <m:r>
-                          <m:rPr>
-                            <m:nor/>
-                          </m:rPr>
-                          <a:rPr lang="en-US" b="0" i="0" baseline="-25000" smtClean="0">
-                            <a:latin typeface="Cambria Math" panose="02040503050406030204" pitchFamily="18" charset="0"/>
-                            <a:ea typeface="Cambria Math" panose="02040503050406030204" pitchFamily="18" charset="0"/>
-                          </a:rPr>
-                          <m:t>c</m:t>
-                        </m:r>
-                      </m:sup>
-                    </m:sSup>
-                  </m:oMath>
-                </a14:m>
-                <a:endParaRPr lang="en-US" dirty="0"/>
-              </a:p>
-              <a:p>
-                <a:r>
-                  <a:rPr lang="en-US" dirty="0"/>
-                  <a:t>Here </a:t>
-                </a:r>
-                <a14:m>
-                  <m:oMath xmlns:m="http://schemas.openxmlformats.org/officeDocument/2006/math">
-                    <m:r>
-                      <a:rPr lang="en-US" i="1" smtClean="0">
-                        <a:latin typeface="Cambria Math" panose="02040503050406030204" pitchFamily="18" charset="0"/>
-                        <a:ea typeface="Cambria Math" panose="02040503050406030204" pitchFamily="18" charset="0"/>
-                      </a:rPr>
-                      <m:t>𝛾</m:t>
-                    </m:r>
-                    <m:r>
-                      <m:rPr>
-                        <m:nor/>
-                      </m:rPr>
-                      <a:rPr lang="en-US" b="0" i="0" baseline="-25000" smtClean="0">
-                        <a:latin typeface="Cambria Math" panose="02040503050406030204" pitchFamily="18" charset="0"/>
-                        <a:ea typeface="Cambria Math" panose="02040503050406030204" pitchFamily="18" charset="0"/>
-                      </a:rPr>
-                      <m:t>c</m:t>
-                    </m:r>
-                  </m:oMath>
-                </a14:m>
-                <a:r>
-                  <a:rPr lang="en-US" dirty="0"/>
-                  <a:t> is the average SNR per channel . </a:t>
-                </a:r>
+                <a:endParaRPr lang="en-US" i="1" dirty="0"/>
               </a:p>
             </p:txBody>
           </p:sp>
         </mc:Choice>
-        <mc:Fallback>
+        <mc:Fallback xmlns="">
           <p:sp>
             <p:nvSpPr>
               <p:cNvPr id="3" name="Content Placeholder 2">
@@ -19562,7 +19283,7 @@
               <a:blipFill>
                 <a:blip r:embed="rId2"/>
                 <a:stretch>
-                  <a:fillRect l="-522" t="-135" r="-1217"/>
+                  <a:fillRect l="-522" b="-14690"/>
                 </a:stretch>
               </a:blipFill>
             </p:spPr>
@@ -19606,7 +19327,7 @@
               <a:rPr lang="ko-KR" altLang="en-US" smtClean="0"/>
               <a:t>23</a:t>
             </a:fld>
-            <a:endParaRPr lang="ko-KR" altLang="en-US"/>
+            <a:endParaRPr lang="ko-KR" altLang="en-US" dirty="0"/>
           </a:p>
         </p:txBody>
       </p:sp>
@@ -19668,8 +19389,8 @@
           </a:p>
         </p:txBody>
       </p:sp>
-      <mc:AlternateContent xmlns:mc="http://schemas.openxmlformats.org/markup-compatibility/2006">
-        <mc:Choice xmlns:a14="http://schemas.microsoft.com/office/drawing/2010/main" Requires="a14">
+      <mc:AlternateContent xmlns:mc="http://schemas.openxmlformats.org/markup-compatibility/2006" xmlns:a14="http://schemas.microsoft.com/office/drawing/2010/main">
+        <mc:Choice Requires="a14">
           <p:sp>
             <p:nvSpPr>
               <p:cNvPr id="3" name="Content Placeholder 2">
@@ -19686,27 +19407,882 @@
                 <p:ph idx="1"/>
               </p:nvPr>
             </p:nvSpPr>
+            <p:spPr>
+              <a:xfrm>
+                <a:off x="838200" y="1649691"/>
+                <a:ext cx="10515600" cy="4997294"/>
+              </a:xfrm>
+            </p:spPr>
+            <p:txBody>
+              <a:bodyPr/>
+              <a:lstStyle/>
+              <a:p>
+                <a:pPr marL="0" indent="0">
+                  <a:lnSpc>
+                    <a:spcPct val="200000"/>
+                  </a:lnSpc>
+                  <a:buNone/>
+                </a:pPr>
+                <a:r>
+                  <a:rPr lang="en-US" dirty="0">
+                    <a:solidFill>
+                      <a:schemeClr val="accent2">
+                        <a:lumMod val="50000"/>
+                      </a:schemeClr>
+                    </a:solidFill>
+                  </a:rPr>
+                  <a:t>BER Analysis and Error Rate Behavior with L-</a:t>
+                </a:r>
+                <a:r>
+                  <a:rPr lang="en-US" dirty="0" err="1">
+                    <a:solidFill>
+                      <a:schemeClr val="accent2">
+                        <a:lumMod val="50000"/>
+                      </a:schemeClr>
+                    </a:solidFill>
+                  </a:rPr>
+                  <a:t>th</a:t>
+                </a:r>
+                <a:r>
+                  <a:rPr lang="en-US" dirty="0">
+                    <a:solidFill>
+                      <a:schemeClr val="accent2">
+                        <a:lumMod val="50000"/>
+                      </a:schemeClr>
+                    </a:solidFill>
+                  </a:rPr>
+                  <a:t> Order Diversity in Flat-Fading Channels:</a:t>
+                </a:r>
+              </a:p>
+              <a:p>
+                <a:pPr marL="457200" lvl="1" indent="0">
+                  <a:lnSpc>
+                    <a:spcPct val="200000"/>
+                  </a:lnSpc>
+                  <a:buNone/>
+                </a:pPr>
+                <a:r>
+                  <a:rPr lang="en-US" dirty="0"/>
+                  <a:t>The SNR per bit , </a:t>
+                </a:r>
+                <a14:m>
+                  <m:oMath xmlns:m="http://schemas.openxmlformats.org/officeDocument/2006/math">
+                    <m:r>
+                      <a:rPr lang="en-US" i="1">
+                        <a:latin typeface="Cambria Math" panose="02040503050406030204" pitchFamily="18" charset="0"/>
+                        <a:ea typeface="Cambria Math" panose="02040503050406030204" pitchFamily="18" charset="0"/>
+                      </a:rPr>
+                      <m:t>𝛾</m:t>
+                    </m:r>
+                  </m:oMath>
+                </a14:m>
+                <a:r>
+                  <a:rPr lang="en-US" baseline="-25000" dirty="0"/>
+                  <a:t>b </a:t>
+                </a:r>
+                <a:r>
+                  <a:rPr lang="en-US" dirty="0"/>
+                  <a:t>is given as :</a:t>
+                </a:r>
+              </a:p>
+              <a:p>
+                <a:pPr marL="457200" lvl="1" indent="0">
+                  <a:lnSpc>
+                    <a:spcPct val="200000"/>
+                  </a:lnSpc>
+                  <a:buNone/>
+                </a:pPr>
+                <a:r>
+                  <a:rPr lang="en-US" dirty="0">
+                    <a:ea typeface="Cambria Math" panose="02040503050406030204" pitchFamily="18" charset="0"/>
+                  </a:rPr>
+                  <a:t>                                                      </a:t>
+                </a:r>
+                <a14:m>
+                  <m:oMath xmlns:m="http://schemas.openxmlformats.org/officeDocument/2006/math">
+                    <m:r>
+                      <a:rPr lang="en-US" sz="2000" b="0" i="1" smtClean="0">
+                        <a:latin typeface="Cambria Math" panose="02040503050406030204" pitchFamily="18" charset="0"/>
+                        <a:ea typeface="Cambria Math" panose="02040503050406030204" pitchFamily="18" charset="0"/>
+                      </a:rPr>
+                      <m:t> </m:t>
+                    </m:r>
+                    <m:r>
+                      <a:rPr lang="en-US" sz="2000" i="1" smtClean="0">
+                        <a:latin typeface="Cambria Math" panose="02040503050406030204" pitchFamily="18" charset="0"/>
+                        <a:ea typeface="Cambria Math" panose="02040503050406030204" pitchFamily="18" charset="0"/>
+                      </a:rPr>
+                      <m:t>𝛾</m:t>
+                    </m:r>
+                  </m:oMath>
+                </a14:m>
+                <a:r>
+                  <a:rPr lang="en-US" sz="2000" i="1" baseline="-25000" dirty="0"/>
+                  <a:t>b </a:t>
+                </a:r>
+                <a:r>
+                  <a:rPr lang="en-US" sz="2000" i="1" dirty="0"/>
+                  <a:t>=</a:t>
+                </a:r>
+                <a14:m>
+                  <m:oMath xmlns:m="http://schemas.openxmlformats.org/officeDocument/2006/math">
+                    <m:nary>
+                      <m:naryPr>
+                        <m:chr m:val="∑"/>
+                        <m:limLoc m:val="subSup"/>
+                        <m:ctrlPr>
+                          <a:rPr lang="en-US" sz="2000" i="1" smtClean="0">
+                            <a:latin typeface="Cambria Math" panose="02040503050406030204" pitchFamily="18" charset="0"/>
+                          </a:rPr>
+                        </m:ctrlPr>
+                      </m:naryPr>
+                      <m:sub>
+                        <m:r>
+                          <m:rPr>
+                            <m:brk m:alnAt="25"/>
+                          </m:rPr>
+                          <a:rPr lang="en-US" sz="2000" b="0" i="1" smtClean="0">
+                            <a:latin typeface="Cambria Math" panose="02040503050406030204" pitchFamily="18" charset="0"/>
+                          </a:rPr>
+                          <m:t>𝑘</m:t>
+                        </m:r>
+                        <m:r>
+                          <a:rPr lang="en-US" sz="2000" b="0" i="1" smtClean="0">
+                            <a:latin typeface="Cambria Math" panose="02040503050406030204" pitchFamily="18" charset="0"/>
+                          </a:rPr>
+                          <m:t>=1</m:t>
+                        </m:r>
+                      </m:sub>
+                      <m:sup>
+                        <m:r>
+                          <a:rPr lang="en-US" sz="2000" b="0" i="1" smtClean="0">
+                            <a:latin typeface="Cambria Math" panose="02040503050406030204" pitchFamily="18" charset="0"/>
+                          </a:rPr>
+                          <m:t>𝐿</m:t>
+                        </m:r>
+                      </m:sup>
+                      <m:e>
+                        <m:f>
+                          <m:fPr>
+                            <m:ctrlPr>
+                              <a:rPr lang="en-US" sz="2000" b="0" i="1" smtClean="0">
+                                <a:latin typeface="Cambria Math" panose="02040503050406030204" pitchFamily="18" charset="0"/>
+                              </a:rPr>
+                            </m:ctrlPr>
+                          </m:fPr>
+                          <m:num>
+                            <m:r>
+                              <a:rPr lang="en-US" sz="2000" b="0" i="1" smtClean="0">
+                                <a:latin typeface="Cambria Math" panose="02040503050406030204" pitchFamily="18" charset="0"/>
+                              </a:rPr>
+                              <m:t>𝐸</m:t>
+                            </m:r>
+                            <m:r>
+                              <a:rPr lang="en-US" sz="2000" b="0" i="1" baseline="-25000" smtClean="0">
+                                <a:latin typeface="Cambria Math" panose="02040503050406030204" pitchFamily="18" charset="0"/>
+                              </a:rPr>
+                              <m:t>𝑏</m:t>
+                            </m:r>
+                          </m:num>
+                          <m:den>
+                            <m:r>
+                              <a:rPr lang="en-US" sz="2000" b="0" i="1" smtClean="0">
+                                <a:latin typeface="Cambria Math" panose="02040503050406030204" pitchFamily="18" charset="0"/>
+                              </a:rPr>
+                              <m:t>𝑁</m:t>
+                            </m:r>
+                            <m:r>
+                              <a:rPr lang="en-US" sz="2000" b="0" i="1" smtClean="0">
+                                <a:latin typeface="Cambria Math" panose="02040503050406030204" pitchFamily="18" charset="0"/>
+                              </a:rPr>
+                              <m:t>0</m:t>
+                            </m:r>
+                          </m:den>
+                        </m:f>
+                        <m:r>
+                          <a:rPr lang="en-US" sz="2000" b="0" i="1" smtClean="0">
+                            <a:latin typeface="Cambria Math" panose="02040503050406030204" pitchFamily="18" charset="0"/>
+                          </a:rPr>
+                          <m:t> </m:t>
+                        </m:r>
+                      </m:e>
+                    </m:nary>
+                  </m:oMath>
+                </a14:m>
+                <a:r>
+                  <a:rPr lang="en-US" sz="2000" i="1" dirty="0">
+                    <a:solidFill>
+                      <a:srgbClr val="836967"/>
+                    </a:solidFill>
+                  </a:rPr>
+                  <a:t> </a:t>
+                </a:r>
+                <a14:m>
+                  <m:oMath xmlns:m="http://schemas.openxmlformats.org/officeDocument/2006/math">
+                    <m:sSubSup>
+                      <m:sSubSupPr>
+                        <m:ctrlPr>
+                          <a:rPr lang="en-US" sz="2000" i="1">
+                            <a:solidFill>
+                              <a:srgbClr val="836967"/>
+                            </a:solidFill>
+                            <a:latin typeface="Cambria Math" panose="02040503050406030204" pitchFamily="18" charset="0"/>
+                          </a:rPr>
+                        </m:ctrlPr>
+                      </m:sSubSupPr>
+                      <m:e>
+                        <m:r>
+                          <a:rPr lang="en-US" sz="2000" i="1">
+                            <a:latin typeface="Cambria Math" panose="02040503050406030204" pitchFamily="18" charset="0"/>
+                          </a:rPr>
+                          <m:t>𝛼</m:t>
+                        </m:r>
+                      </m:e>
+                      <m:sub>
+                        <m:r>
+                          <a:rPr lang="en-US" sz="2000" i="1">
+                            <a:latin typeface="Cambria Math" panose="02040503050406030204" pitchFamily="18" charset="0"/>
+                          </a:rPr>
+                          <m:t>𝑘</m:t>
+                        </m:r>
+                      </m:sub>
+                      <m:sup>
+                        <m:r>
+                          <a:rPr lang="en-US" sz="2000" i="1">
+                            <a:latin typeface="Cambria Math" panose="02040503050406030204" pitchFamily="18" charset="0"/>
+                          </a:rPr>
+                          <m:t>2</m:t>
+                        </m:r>
+                      </m:sup>
+                    </m:sSubSup>
+                  </m:oMath>
+                </a14:m>
+                <a:r>
+                  <a:rPr lang="en-US" sz="2000" i="1" dirty="0"/>
+                  <a:t> = </a:t>
+                </a:r>
+                <a14:m>
+                  <m:oMath xmlns:m="http://schemas.openxmlformats.org/officeDocument/2006/math">
+                    <m:nary>
+                      <m:naryPr>
+                        <m:chr m:val="∑"/>
+                        <m:limLoc m:val="subSup"/>
+                        <m:ctrlPr>
+                          <a:rPr lang="en-US" sz="2000" i="1" smtClean="0">
+                            <a:latin typeface="Cambria Math" panose="02040503050406030204" pitchFamily="18" charset="0"/>
+                          </a:rPr>
+                        </m:ctrlPr>
+                      </m:naryPr>
+                      <m:sub>
+                        <m:r>
+                          <m:rPr>
+                            <m:brk m:alnAt="25"/>
+                          </m:rPr>
+                          <a:rPr lang="en-US" sz="2000" b="0" i="1" smtClean="0">
+                            <a:latin typeface="Cambria Math" panose="02040503050406030204" pitchFamily="18" charset="0"/>
+                          </a:rPr>
+                          <m:t>𝑘</m:t>
+                        </m:r>
+                        <m:r>
+                          <a:rPr lang="en-US" sz="2000" b="0" i="1" smtClean="0">
+                            <a:latin typeface="Cambria Math" panose="02040503050406030204" pitchFamily="18" charset="0"/>
+                          </a:rPr>
+                          <m:t>=1</m:t>
+                        </m:r>
+                      </m:sub>
+                      <m:sup>
+                        <m:r>
+                          <a:rPr lang="en-US" sz="2000" b="0" i="1" smtClean="0">
+                            <a:latin typeface="Cambria Math" panose="02040503050406030204" pitchFamily="18" charset="0"/>
+                          </a:rPr>
+                          <m:t>𝐿</m:t>
+                        </m:r>
+                      </m:sup>
+                      <m:e>
+                        <m:r>
+                          <a:rPr lang="en-US" sz="2000" i="1">
+                            <a:latin typeface="Cambria Math" panose="02040503050406030204" pitchFamily="18" charset="0"/>
+                            <a:ea typeface="Cambria Math" panose="02040503050406030204" pitchFamily="18" charset="0"/>
+                          </a:rPr>
+                          <m:t>𝛾</m:t>
+                        </m:r>
+                        <m:r>
+                          <m:rPr>
+                            <m:nor/>
+                          </m:rPr>
+                          <a:rPr lang="en-US" sz="2000" b="0" i="1" baseline="-25000" smtClean="0">
+                            <a:latin typeface="Cambria Math" panose="02040503050406030204" pitchFamily="18" charset="0"/>
+                            <a:ea typeface="Cambria Math" panose="02040503050406030204" pitchFamily="18" charset="0"/>
+                          </a:rPr>
+                          <m:t>k</m:t>
+                        </m:r>
+                      </m:e>
+                    </m:nary>
+                  </m:oMath>
+                </a14:m>
+                <a:endParaRPr lang="en-US" sz="2000" i="1" dirty="0"/>
+              </a:p>
+              <a:p>
+                <a:pPr lvl="1">
+                  <a:lnSpc>
+                    <a:spcPct val="200000"/>
+                  </a:lnSpc>
+                </a:pPr>
+                <a14:m>
+                  <m:oMath xmlns:m="http://schemas.openxmlformats.org/officeDocument/2006/math">
+                    <m:r>
+                      <a:rPr lang="en-US" i="1" smtClean="0">
+                        <a:latin typeface="Cambria Math" panose="02040503050406030204" pitchFamily="18" charset="0"/>
+                        <a:ea typeface="Cambria Math" panose="02040503050406030204" pitchFamily="18" charset="0"/>
+                      </a:rPr>
+                      <m:t>𝛾</m:t>
+                    </m:r>
+                    <m:r>
+                      <m:rPr>
+                        <m:nor/>
+                      </m:rPr>
+                      <a:rPr lang="en-US" b="0" i="0" baseline="-25000" smtClean="0">
+                        <a:latin typeface="Cambria Math" panose="02040503050406030204" pitchFamily="18" charset="0"/>
+                        <a:ea typeface="Cambria Math" panose="02040503050406030204" pitchFamily="18" charset="0"/>
+                      </a:rPr>
+                      <m:t>k</m:t>
+                    </m:r>
+                  </m:oMath>
+                </a14:m>
+                <a:r>
+                  <a:rPr lang="en-US" dirty="0"/>
+                  <a:t> is the instantaneous SNR on the k-</a:t>
+                </a:r>
+                <a:r>
+                  <a:rPr lang="en-US" dirty="0" err="1"/>
+                  <a:t>th</a:t>
+                </a:r>
+                <a:r>
+                  <a:rPr lang="en-US" dirty="0"/>
+                  <a:t> channel. Because </a:t>
+                </a:r>
+                <a14:m>
+                  <m:oMath xmlns:m="http://schemas.openxmlformats.org/officeDocument/2006/math">
+                    <m:r>
+                      <a:rPr lang="en-US" i="1">
+                        <a:latin typeface="Cambria Math" panose="02040503050406030204" pitchFamily="18" charset="0"/>
+                        <a:ea typeface="Cambria Math" panose="02040503050406030204" pitchFamily="18" charset="0"/>
+                      </a:rPr>
+                      <m:t>𝛾</m:t>
+                    </m:r>
+                  </m:oMath>
+                </a14:m>
+                <a:r>
+                  <a:rPr lang="en-US" baseline="-25000" dirty="0"/>
+                  <a:t>b  </a:t>
+                </a:r>
+                <a:r>
+                  <a:rPr lang="en-US" dirty="0"/>
+                  <a:t>can be seen as a chi-square </a:t>
+                </a:r>
+              </a:p>
+              <a:p>
+                <a:pPr lvl="1">
+                  <a:lnSpc>
+                    <a:spcPct val="200000"/>
+                  </a:lnSpc>
+                </a:pPr>
+                <a:r>
+                  <a:rPr lang="en-US" dirty="0"/>
+                  <a:t>Distributed random variable with 2L degrees of freedom ,The pdf P(</a:t>
+                </a:r>
+                <a14:m>
+                  <m:oMath xmlns:m="http://schemas.openxmlformats.org/officeDocument/2006/math">
+                    <m:r>
+                      <a:rPr lang="en-US" i="1" smtClean="0">
+                        <a:latin typeface="Cambria Math" panose="02040503050406030204" pitchFamily="18" charset="0"/>
+                        <a:ea typeface="Cambria Math" panose="02040503050406030204" pitchFamily="18" charset="0"/>
+                      </a:rPr>
+                      <m:t>𝛾</m:t>
+                    </m:r>
+                  </m:oMath>
+                </a14:m>
+                <a:r>
+                  <a:rPr lang="en-US" baseline="-25000" dirty="0"/>
+                  <a:t>b</a:t>
+                </a:r>
+                <a:r>
+                  <a:rPr lang="en-US" dirty="0"/>
+                  <a:t>) is :</a:t>
+                </a:r>
+              </a:p>
+              <a:p>
+                <a:pPr marL="457200" lvl="1" indent="0">
+                  <a:lnSpc>
+                    <a:spcPct val="200000"/>
+                  </a:lnSpc>
+                  <a:buNone/>
+                </a:pPr>
+                <a:r>
+                  <a:rPr lang="en-US" dirty="0"/>
+                  <a:t>                                                       </a:t>
+                </a:r>
+                <a:r>
+                  <a:rPr lang="en-US" sz="2000" dirty="0"/>
+                  <a:t>P(</a:t>
+                </a:r>
+                <a14:m>
+                  <m:oMath xmlns:m="http://schemas.openxmlformats.org/officeDocument/2006/math">
+                    <m:r>
+                      <a:rPr lang="en-US" sz="2000" i="1" smtClean="0">
+                        <a:latin typeface="Cambria Math" panose="02040503050406030204" pitchFamily="18" charset="0"/>
+                        <a:ea typeface="Cambria Math" panose="02040503050406030204" pitchFamily="18" charset="0"/>
+                      </a:rPr>
+                      <m:t>𝛾</m:t>
+                    </m:r>
+                  </m:oMath>
+                </a14:m>
+                <a:r>
+                  <a:rPr lang="en-US" sz="2000" baseline="-25000" dirty="0"/>
+                  <a:t>b</a:t>
+                </a:r>
+                <a:r>
+                  <a:rPr lang="en-US" sz="2000" dirty="0"/>
+                  <a:t>) = </a:t>
+                </a:r>
+                <a14:m>
+                  <m:oMath xmlns:m="http://schemas.openxmlformats.org/officeDocument/2006/math">
+                    <m:f>
+                      <m:fPr>
+                        <m:ctrlPr>
+                          <a:rPr lang="en-US" sz="2000" i="1" smtClean="0">
+                            <a:latin typeface="Cambria Math" panose="02040503050406030204" pitchFamily="18" charset="0"/>
+                          </a:rPr>
+                        </m:ctrlPr>
+                      </m:fPr>
+                      <m:num>
+                        <m:r>
+                          <a:rPr lang="en-US" sz="2000" b="0" i="1" smtClean="0">
+                            <a:latin typeface="Cambria Math" panose="02040503050406030204" pitchFamily="18" charset="0"/>
+                          </a:rPr>
+                          <m:t>1</m:t>
+                        </m:r>
+                      </m:num>
+                      <m:den>
+                        <m:d>
+                          <m:dPr>
+                            <m:ctrlPr>
+                              <a:rPr lang="en-US" sz="2000" b="0" i="1" smtClean="0">
+                                <a:latin typeface="Cambria Math" panose="02040503050406030204" pitchFamily="18" charset="0"/>
+                              </a:rPr>
+                            </m:ctrlPr>
+                          </m:dPr>
+                          <m:e>
+                            <m:r>
+                              <a:rPr lang="en-US" sz="2000" b="0" i="1" smtClean="0">
+                                <a:latin typeface="Cambria Math" panose="02040503050406030204" pitchFamily="18" charset="0"/>
+                              </a:rPr>
+                              <m:t>𝐿</m:t>
+                            </m:r>
+                            <m:r>
+                              <a:rPr lang="en-US" sz="2000" b="0" i="1" smtClean="0">
+                                <a:latin typeface="Cambria Math" panose="02040503050406030204" pitchFamily="18" charset="0"/>
+                              </a:rPr>
+                              <m:t>−1</m:t>
+                            </m:r>
+                          </m:e>
+                        </m:d>
+                        <m:r>
+                          <a:rPr lang="en-US" sz="2000" b="0" i="1" smtClean="0">
+                            <a:latin typeface="Cambria Math" panose="02040503050406030204" pitchFamily="18" charset="0"/>
+                          </a:rPr>
+                          <m:t>!</m:t>
+                        </m:r>
+                        <m:r>
+                          <a:rPr lang="en-US" sz="2000" i="1">
+                            <a:latin typeface="Cambria Math" panose="02040503050406030204" pitchFamily="18" charset="0"/>
+                            <a:ea typeface="Cambria Math" panose="02040503050406030204" pitchFamily="18" charset="0"/>
+                          </a:rPr>
+                          <m:t>𝛾</m:t>
+                        </m:r>
+                        <m:r>
+                          <a:rPr lang="en-US" sz="2000" b="0" i="1" smtClean="0">
+                            <a:latin typeface="Cambria Math" panose="02040503050406030204" pitchFamily="18" charset="0"/>
+                            <a:ea typeface="Cambria Math" panose="02040503050406030204" pitchFamily="18" charset="0"/>
+                          </a:rPr>
+                          <m:t>𝑙</m:t>
+                        </m:r>
+                        <m:r>
+                          <m:rPr>
+                            <m:nor/>
+                          </m:rPr>
+                          <a:rPr lang="en-US" sz="2000" b="0" i="0" baseline="-25000" smtClean="0">
+                            <a:latin typeface="Cambria Math" panose="02040503050406030204" pitchFamily="18" charset="0"/>
+                            <a:ea typeface="Cambria Math" panose="02040503050406030204" pitchFamily="18" charset="0"/>
+                          </a:rPr>
+                          <m:t>c</m:t>
+                        </m:r>
+                      </m:den>
+                    </m:f>
+                  </m:oMath>
+                </a14:m>
+                <a:r>
+                  <a:rPr lang="en-US" sz="2000" dirty="0">
+                    <a:ea typeface="Cambria Math" panose="02040503050406030204" pitchFamily="18" charset="0"/>
+                  </a:rPr>
+                  <a:t> </a:t>
+                </a:r>
+                <a14:m>
+                  <m:oMath xmlns:m="http://schemas.openxmlformats.org/officeDocument/2006/math">
+                    <m:r>
+                      <a:rPr lang="en-US" sz="2000" i="1" dirty="0" smtClean="0">
+                        <a:latin typeface="Cambria Math" panose="02040503050406030204" pitchFamily="18" charset="0"/>
+                      </a:rPr>
+                      <m:t>𝛾</m:t>
+                    </m:r>
+                    <m:sSup>
+                      <m:sSupPr>
+                        <m:ctrlPr>
+                          <a:rPr lang="en-US" sz="2000" i="1" dirty="0">
+                            <a:solidFill>
+                              <a:srgbClr val="836967"/>
+                            </a:solidFill>
+                            <a:latin typeface="Cambria Math" panose="02040503050406030204" pitchFamily="18" charset="0"/>
+                          </a:rPr>
+                        </m:ctrlPr>
+                      </m:sSupPr>
+                      <m:e>
+                        <m:r>
+                          <a:rPr lang="en-US" sz="2000" i="1" baseline="-25000" dirty="0">
+                            <a:latin typeface="Cambria Math" panose="02040503050406030204" pitchFamily="18" charset="0"/>
+                          </a:rPr>
+                          <m:t>𝑏</m:t>
+                        </m:r>
+                      </m:e>
+                      <m:sup>
+                        <m:r>
+                          <a:rPr lang="en-US" sz="2000" i="1" dirty="0">
+                            <a:latin typeface="Cambria Math" panose="02040503050406030204" pitchFamily="18" charset="0"/>
+                          </a:rPr>
+                          <m:t>𝐿</m:t>
+                        </m:r>
+                        <m:r>
+                          <a:rPr lang="en-US" sz="2000" i="0" dirty="0">
+                            <a:latin typeface="Cambria Math" panose="02040503050406030204" pitchFamily="18" charset="0"/>
+                          </a:rPr>
+                          <m:t>−1</m:t>
+                        </m:r>
+                      </m:sup>
+                    </m:sSup>
+                  </m:oMath>
+                </a14:m>
+                <a:r>
+                  <a:rPr lang="en-US" sz="2000" dirty="0"/>
+                  <a:t> </a:t>
+                </a:r>
+                <a14:m>
+                  <m:oMath xmlns:m="http://schemas.openxmlformats.org/officeDocument/2006/math">
+                    <m:sSup>
+                      <m:sSupPr>
+                        <m:ctrlPr>
+                          <a:rPr lang="en-US" sz="2000" i="1">
+                            <a:latin typeface="Cambria Math" panose="02040503050406030204" pitchFamily="18" charset="0"/>
+                          </a:rPr>
+                        </m:ctrlPr>
+                      </m:sSupPr>
+                      <m:e>
+                        <m:r>
+                          <a:rPr lang="en-US" sz="2000" i="1">
+                            <a:latin typeface="Cambria Math" panose="02040503050406030204" pitchFamily="18" charset="0"/>
+                          </a:rPr>
+                          <m:t>𝑒</m:t>
+                        </m:r>
+                      </m:e>
+                      <m:sup>
+                        <m:r>
+                          <a:rPr lang="en-US" sz="2000" i="1">
+                            <a:latin typeface="Cambria Math" panose="02040503050406030204" pitchFamily="18" charset="0"/>
+                          </a:rPr>
+                          <m:t>−</m:t>
+                        </m:r>
+                        <m:r>
+                          <a:rPr lang="en-US" sz="2000" i="1">
+                            <a:latin typeface="Cambria Math" panose="02040503050406030204" pitchFamily="18" charset="0"/>
+                            <a:ea typeface="Cambria Math" panose="02040503050406030204" pitchFamily="18" charset="0"/>
+                          </a:rPr>
+                          <m:t>𝛾</m:t>
+                        </m:r>
+                        <m:r>
+                          <m:rPr>
+                            <m:nor/>
+                          </m:rPr>
+                          <a:rPr lang="en-US" sz="2000" baseline="-25000" dirty="0"/>
+                          <m:t>b</m:t>
+                        </m:r>
+                        <m:r>
+                          <a:rPr lang="en-US" sz="2000" i="1">
+                            <a:latin typeface="Cambria Math" panose="02040503050406030204" pitchFamily="18" charset="0"/>
+                          </a:rPr>
+                          <m:t>/</m:t>
+                        </m:r>
+                        <m:r>
+                          <a:rPr lang="en-US" sz="2000" i="1">
+                            <a:latin typeface="Cambria Math" panose="02040503050406030204" pitchFamily="18" charset="0"/>
+                            <a:ea typeface="Cambria Math" panose="02040503050406030204" pitchFamily="18" charset="0"/>
+                          </a:rPr>
+                          <m:t>𝛾</m:t>
+                        </m:r>
+                        <m:r>
+                          <m:rPr>
+                            <m:nor/>
+                          </m:rPr>
+                          <a:rPr lang="en-US" sz="2000" b="0" i="0" baseline="-25000" smtClean="0">
+                            <a:latin typeface="Cambria Math" panose="02040503050406030204" pitchFamily="18" charset="0"/>
+                            <a:ea typeface="Cambria Math" panose="02040503050406030204" pitchFamily="18" charset="0"/>
+                          </a:rPr>
+                          <m:t>c</m:t>
+                        </m:r>
+                      </m:sup>
+                    </m:sSup>
+                  </m:oMath>
+                </a14:m>
+                <a:endParaRPr lang="en-US" sz="2000" dirty="0"/>
+              </a:p>
+              <a:p>
+                <a:pPr lvl="1">
+                  <a:lnSpc>
+                    <a:spcPct val="200000"/>
+                  </a:lnSpc>
+                </a:pPr>
+                <a:r>
+                  <a:rPr lang="en-US" dirty="0"/>
+                  <a:t>Here </a:t>
+                </a:r>
+                <a14:m>
+                  <m:oMath xmlns:m="http://schemas.openxmlformats.org/officeDocument/2006/math">
+                    <m:r>
+                      <a:rPr lang="en-US" i="1" smtClean="0">
+                        <a:latin typeface="Cambria Math" panose="02040503050406030204" pitchFamily="18" charset="0"/>
+                        <a:ea typeface="Cambria Math" panose="02040503050406030204" pitchFamily="18" charset="0"/>
+                      </a:rPr>
+                      <m:t>𝛾</m:t>
+                    </m:r>
+                    <m:r>
+                      <m:rPr>
+                        <m:nor/>
+                      </m:rPr>
+                      <a:rPr lang="en-US" b="0" i="0" baseline="-25000" smtClean="0">
+                        <a:latin typeface="Cambria Math" panose="02040503050406030204" pitchFamily="18" charset="0"/>
+                        <a:ea typeface="Cambria Math" panose="02040503050406030204" pitchFamily="18" charset="0"/>
+                      </a:rPr>
+                      <m:t>c</m:t>
+                    </m:r>
+                  </m:oMath>
+                </a14:m>
+                <a:r>
+                  <a:rPr lang="en-US" dirty="0"/>
+                  <a:t> is the average SNR per channel . </a:t>
+                </a:r>
+              </a:p>
+              <a:p>
+                <a:pPr lvl="1"/>
+                <a:endParaRPr lang="en-US" dirty="0"/>
+              </a:p>
+            </p:txBody>
+          </p:sp>
+        </mc:Choice>
+        <mc:Fallback xmlns="">
+          <p:sp>
+            <p:nvSpPr>
+              <p:cNvPr id="3" name="Content Placeholder 2">
+                <a:extLst>
+                  <a:ext uri="{FF2B5EF4-FFF2-40B4-BE49-F238E27FC236}">
+                    <a16:creationId xmlns:a16="http://schemas.microsoft.com/office/drawing/2014/main" id="{7DF72D41-4568-B5AA-B146-788A88E854E4}"/>
+                  </a:ext>
+                </a:extLst>
+              </p:cNvPr>
+              <p:cNvSpPr>
+                <a:spLocks noGrp="1" noRot="1" noChangeAspect="1" noMove="1" noResize="1" noEditPoints="1" noAdjustHandles="1" noChangeArrowheads="1" noChangeShapeType="1" noTextEdit="1"/>
+              </p:cNvSpPr>
+              <p:nvPr>
+                <p:ph idx="1"/>
+              </p:nvPr>
+            </p:nvSpPr>
+            <p:spPr>
+              <a:xfrm>
+                <a:off x="838200" y="1649691"/>
+                <a:ext cx="10515600" cy="4997294"/>
+              </a:xfrm>
+              <a:blipFill>
+                <a:blip r:embed="rId2"/>
+                <a:stretch>
+                  <a:fillRect l="-638" b="-1954"/>
+                </a:stretch>
+              </a:blipFill>
+            </p:spPr>
+            <p:txBody>
+              <a:bodyPr/>
+              <a:lstStyle/>
+              <a:p>
+                <a:r>
+                  <a:rPr lang="en-US">
+                    <a:noFill/>
+                  </a:rPr>
+                  <a:t> </a:t>
+                </a:r>
+              </a:p>
+            </p:txBody>
+          </p:sp>
+        </mc:Fallback>
+      </mc:AlternateContent>
+      <p:sp>
+        <p:nvSpPr>
+          <p:cNvPr id="4" name="Slide Number Placeholder 3">
+            <a:extLst>
+              <a:ext uri="{FF2B5EF4-FFF2-40B4-BE49-F238E27FC236}">
+                <a16:creationId xmlns:a16="http://schemas.microsoft.com/office/drawing/2014/main" id="{63819E69-0DDC-7D99-A732-65D4D51B548D}"/>
+              </a:ext>
+            </a:extLst>
+          </p:cNvPr>
+          <p:cNvSpPr>
+            <a:spLocks noGrp="1"/>
+          </p:cNvSpPr>
+          <p:nvPr>
+            <p:ph type="sldNum" sz="quarter" idx="12"/>
+          </p:nvPr>
+        </p:nvSpPr>
+        <p:spPr/>
+        <p:txBody>
+          <a:bodyPr/>
+          <a:lstStyle/>
+          <a:p>
+            <a:fld id="{A439D109-9F59-4B0B-8E20-D6D3A384B1F1}" type="slidenum">
+              <a:rPr lang="ko-KR" altLang="en-US" smtClean="0"/>
+              <a:t>24</a:t>
+            </a:fld>
+            <a:endParaRPr lang="ko-KR" altLang="en-US"/>
+          </a:p>
+        </p:txBody>
+      </p:sp>
+    </p:spTree>
+    <p:extLst>
+      <p:ext uri="{BB962C8B-B14F-4D97-AF65-F5344CB8AC3E}">
+        <p14:creationId xmlns:p14="http://schemas.microsoft.com/office/powerpoint/2010/main" val="3375202585"/>
+      </p:ext>
+    </p:extLst>
+  </p:cSld>
+  <p:clrMapOvr>
+    <a:masterClrMapping/>
+  </p:clrMapOvr>
+</p:sld>
+</file>
+
+<file path=ppt/slides/slide25.xml><?xml version="1.0" encoding="utf-8"?>
+<p:sld xmlns:a="http://schemas.openxmlformats.org/drawingml/2006/main" xmlns:r="http://schemas.openxmlformats.org/officeDocument/2006/relationships" xmlns:p="http://schemas.openxmlformats.org/presentationml/2006/main">
+  <p:cSld>
+    <p:spTree>
+      <p:nvGrpSpPr>
+        <p:cNvPr id="1" name=""/>
+        <p:cNvGrpSpPr/>
+        <p:nvPr/>
+      </p:nvGrpSpPr>
+      <p:grpSpPr>
+        <a:xfrm>
+          <a:off x="0" y="0"/>
+          <a:ext cx="0" cy="0"/>
+          <a:chOff x="0" y="0"/>
+          <a:chExt cx="0" cy="0"/>
+        </a:xfrm>
+      </p:grpSpPr>
+      <p:sp>
+        <p:nvSpPr>
+          <p:cNvPr id="2" name="Title 1">
+            <a:extLst>
+              <a:ext uri="{FF2B5EF4-FFF2-40B4-BE49-F238E27FC236}">
+                <a16:creationId xmlns:a16="http://schemas.microsoft.com/office/drawing/2014/main" id="{96EDFB29-34C5-60DF-5CC5-F77450BA57CE}"/>
+              </a:ext>
+            </a:extLst>
+          </p:cNvPr>
+          <p:cNvSpPr>
+            <a:spLocks noGrp="1"/>
+          </p:cNvSpPr>
+          <p:nvPr>
+            <p:ph type="title"/>
+          </p:nvPr>
+        </p:nvSpPr>
+        <p:spPr/>
+        <p:txBody>
+          <a:bodyPr/>
+          <a:lstStyle/>
+          <a:p>
+            <a:r>
+              <a:rPr lang="en-US" dirty="0"/>
+              <a:t>Theoretical BER </a:t>
+            </a:r>
+          </a:p>
+        </p:txBody>
+      </p:sp>
+      <mc:AlternateContent xmlns:mc="http://schemas.openxmlformats.org/markup-compatibility/2006" xmlns:a14="http://schemas.microsoft.com/office/drawing/2010/main">
+        <mc:Choice Requires="a14">
+          <p:sp>
+            <p:nvSpPr>
+              <p:cNvPr id="3" name="Content Placeholder 2">
+                <a:extLst>
+                  <a:ext uri="{FF2B5EF4-FFF2-40B4-BE49-F238E27FC236}">
+                    <a16:creationId xmlns:a16="http://schemas.microsoft.com/office/drawing/2014/main" id="{B3A75DBC-C0DD-1246-CC91-8D48916A3FF5}"/>
+                  </a:ext>
+                </a:extLst>
+              </p:cNvPr>
+              <p:cNvSpPr>
+                <a:spLocks noGrp="1"/>
+              </p:cNvSpPr>
+              <p:nvPr>
+                <p:ph idx="1"/>
+              </p:nvPr>
+            </p:nvSpPr>
             <p:spPr/>
             <p:txBody>
               <a:bodyPr/>
               <a:lstStyle/>
               <a:p>
                 <a:r>
+                  <a:rPr lang="en-US" dirty="0">
+                    <a:solidFill>
+                      <a:schemeClr val="accent2">
+                        <a:lumMod val="50000"/>
+                      </a:schemeClr>
+                    </a:solidFill>
+                  </a:rPr>
+                  <a:t>Closed-Form BER Analysis and Diversity Order for Zero Forcing (ZF) Solutions:</a:t>
+                </a:r>
+              </a:p>
+              <a:p>
+                <a:pPr lvl="1">
+                  <a:lnSpc>
+                    <a:spcPct val="150000"/>
+                  </a:lnSpc>
+                </a:pPr>
+                <a:r>
                   <a:rPr lang="en-US" dirty="0"/>
                   <a:t>To obtain BER, we need to average the conditional error probability:</a:t>
                 </a:r>
               </a:p>
               <a:p>
+                <a:pPr marL="457200" lvl="1" indent="0">
+                  <a:lnSpc>
+                    <a:spcPct val="150000"/>
+                  </a:lnSpc>
+                  <a:buNone/>
+                </a:pPr>
                 <a:r>
                   <a:rPr lang="en-US" dirty="0"/>
+                  <a:t>                                                  </a:t>
+                </a:r>
+                <a:r>
+                  <a:rPr lang="en-US" sz="2000" i="1" dirty="0"/>
                   <a:t>P</a:t>
                 </a:r>
                 <a:r>
-                  <a:rPr lang="en-US" baseline="-25000" dirty="0"/>
+                  <a:rPr lang="en-US" sz="2000" i="1" baseline="-25000" dirty="0"/>
                   <a:t>2</a:t>
                 </a:r>
                 <a:r>
-                  <a:rPr lang="en-US" dirty="0"/>
+                  <a:rPr lang="en-US" sz="2000" i="1" dirty="0"/>
                   <a:t> = </a:t>
                 </a:r>
                 <a14:m>
@@ -19714,7 +20290,7 @@
                     <m:nary>
                       <m:naryPr>
                         <m:ctrlPr>
-                          <a:rPr lang="en-US" i="1" smtClean="0">
+                          <a:rPr lang="en-US" sz="2000" i="1" smtClean="0">
                             <a:latin typeface="Cambria Math" panose="02040503050406030204" pitchFamily="18" charset="0"/>
                           </a:rPr>
                         </m:ctrlPr>
@@ -19724,7 +20300,7 @@
                           <m:rPr>
                             <m:brk m:alnAt="23"/>
                           </m:rPr>
-                          <a:rPr lang="en-US" b="0" i="1" smtClean="0">
+                          <a:rPr lang="en-US" sz="2000" b="0" i="1" smtClean="0">
                             <a:latin typeface="Cambria Math" panose="02040503050406030204" pitchFamily="18" charset="0"/>
                           </a:rPr>
                           <m:t>0</m:t>
@@ -19732,7 +20308,7 @@
                       </m:sub>
                       <m:sup>
                         <m:r>
-                          <a:rPr lang="en-US" i="1" smtClean="0">
+                          <a:rPr lang="en-US" sz="2000" i="1" smtClean="0">
                             <a:latin typeface="Cambria Math" panose="02040503050406030204" pitchFamily="18" charset="0"/>
                             <a:ea typeface="Cambria Math" panose="02040503050406030204" pitchFamily="18" charset="0"/>
                           </a:rPr>
@@ -19744,25 +20320,25 @@
                           <m:rPr>
                             <m:nor/>
                           </m:rPr>
-                          <a:rPr lang="en-US" dirty="0"/>
+                          <a:rPr lang="en-US" sz="2000" i="1" dirty="0"/>
                           <m:t>P</m:t>
                         </m:r>
                         <m:r>
                           <m:rPr>
                             <m:nor/>
                           </m:rPr>
-                          <a:rPr lang="en-US" baseline="-25000" dirty="0"/>
+                          <a:rPr lang="en-US" sz="2000" i="1" baseline="-25000" dirty="0"/>
                           <m:t>2</m:t>
                         </m:r>
                         <m:r>
                           <m:rPr>
                             <m:nor/>
                           </m:rPr>
-                          <a:rPr lang="en-US" dirty="0"/>
+                          <a:rPr lang="en-US" sz="2000" i="1" dirty="0"/>
                           <m:t> (</m:t>
                         </m:r>
                         <m:r>
-                          <a:rPr lang="en-US" i="1">
+                          <a:rPr lang="en-US" sz="2000" i="1">
                             <a:latin typeface="Cambria Math" panose="02040503050406030204" pitchFamily="18" charset="0"/>
                             <a:ea typeface="Cambria Math" panose="02040503050406030204" pitchFamily="18" charset="0"/>
                           </a:rPr>
@@ -19772,14 +20348,14 @@
                           <m:rPr>
                             <m:nor/>
                           </m:rPr>
-                          <a:rPr lang="en-US" baseline="-25000" dirty="0"/>
+                          <a:rPr lang="en-US" sz="2000" i="1" baseline="-25000" dirty="0"/>
                           <m:t>b</m:t>
                         </m:r>
                         <m:r>
                           <m:rPr>
                             <m:nor/>
                           </m:rPr>
-                          <a:rPr lang="en-US" dirty="0"/>
+                          <a:rPr lang="en-US" sz="2000" i="1" dirty="0"/>
                           <m:t>)</m:t>
                         </m:r>
                       </m:e>
@@ -19787,13 +20363,13 @@
                   </m:oMath>
                 </a14:m>
                 <a:r>
-                  <a:rPr lang="en-US" dirty="0"/>
+                  <a:rPr lang="en-US" sz="2000" i="1" dirty="0"/>
                   <a:t> P (</a:t>
                 </a:r>
                 <a14:m>
                   <m:oMath xmlns:m="http://schemas.openxmlformats.org/officeDocument/2006/math">
                     <m:r>
-                      <a:rPr lang="en-US" i="1">
+                      <a:rPr lang="en-US" sz="2000" i="1">
                         <a:latin typeface="Cambria Math" panose="02040503050406030204" pitchFamily="18" charset="0"/>
                         <a:ea typeface="Cambria Math" panose="02040503050406030204" pitchFamily="18" charset="0"/>
                       </a:rPr>
@@ -19802,17 +20378,17 @@
                   </m:oMath>
                 </a14:m>
                 <a:r>
-                  <a:rPr lang="en-US" baseline="-25000" dirty="0"/>
+                  <a:rPr lang="en-US" sz="2000" i="1" baseline="-25000" dirty="0"/>
                   <a:t>b</a:t>
                 </a:r>
                 <a:r>
-                  <a:rPr lang="en-US" dirty="0"/>
+                  <a:rPr lang="en-US" sz="2000" i="1" dirty="0"/>
                   <a:t>) d</a:t>
                 </a:r>
                 <a14:m>
                   <m:oMath xmlns:m="http://schemas.openxmlformats.org/officeDocument/2006/math">
                     <m:r>
-                      <a:rPr lang="en-US" i="1">
+                      <a:rPr lang="en-US" sz="2000" i="1">
                         <a:latin typeface="Cambria Math" panose="02040503050406030204" pitchFamily="18" charset="0"/>
                         <a:ea typeface="Cambria Math" panose="02040503050406030204" pitchFamily="18" charset="0"/>
                       </a:rPr>
@@ -19822,34 +20398,41 @@
                       <m:rPr>
                         <m:nor/>
                       </m:rPr>
-                      <a:rPr lang="en-US" baseline="-25000" dirty="0"/>
+                      <a:rPr lang="en-US" sz="2000" i="1" baseline="-25000" dirty="0"/>
                       <m:t>b</m:t>
                     </m:r>
                   </m:oMath>
                 </a14:m>
-                <a:endParaRPr lang="en-US" dirty="0"/>
+                <a:endParaRPr lang="en-US" sz="2000" i="1" dirty="0"/>
               </a:p>
               <a:p>
-                <a:r>
-                  <a:rPr lang="en-US" dirty="0" err="1"/>
-                  <a:t>Ther</a:t>
-                </a:r>
+                <a:pPr lvl="1">
+                  <a:lnSpc>
+                    <a:spcPct val="150000"/>
+                  </a:lnSpc>
+                </a:pPr>
                 <a:r>
                   <a:rPr lang="en-US" dirty="0"/>
-                  <a:t> is closed-form solution for this integral, which can be expressed as :</a:t>
+                  <a:t>There is closed-form solution for this integral, which can be expressed as :</a:t>
                 </a:r>
               </a:p>
               <a:p>
-                <a:r>
-                  <a:rPr lang="en-US" dirty="0"/>
-                  <a:t>P</a:t>
-                </a:r>
-                <a:r>
-                  <a:rPr lang="en-US" baseline="-25000" dirty="0"/>
+                <a:pPr marL="457200" lvl="1" indent="0">
+                  <a:lnSpc>
+                    <a:spcPct val="150000"/>
+                  </a:lnSpc>
+                  <a:buNone/>
+                </a:pPr>
+                <a:r>
+                  <a:rPr lang="en-US" sz="2000" i="1" dirty="0"/>
+                  <a:t>                               P</a:t>
+                </a:r>
+                <a:r>
+                  <a:rPr lang="en-US" sz="2000" i="1" baseline="-25000" dirty="0"/>
                   <a:t>2 </a:t>
                 </a:r>
                 <a:r>
-                  <a:rPr lang="en-US" dirty="0"/>
+                  <a:rPr lang="en-US" sz="2000" i="1" dirty="0"/>
                   <a:t>= [</a:t>
                 </a:r>
                 <a14:m>
@@ -19857,14 +20440,14 @@
                     <m:f>
                       <m:fPr>
                         <m:ctrlPr>
-                          <a:rPr lang="en-US" i="1" dirty="0">
+                          <a:rPr lang="en-US" sz="2000" i="1" dirty="0">
                             <a:latin typeface="Cambria Math" panose="02040503050406030204" pitchFamily="18" charset="0"/>
                           </a:rPr>
                         </m:ctrlPr>
                       </m:fPr>
                       <m:num>
                         <m:r>
-                          <a:rPr lang="en-US" i="1" dirty="0">
+                          <a:rPr lang="en-US" sz="2000" i="1" dirty="0">
                             <a:latin typeface="Cambria Math" panose="02040503050406030204" pitchFamily="18" charset="0"/>
                           </a:rPr>
                           <m:t> 1</m:t>
@@ -19872,7 +20455,7 @@
                       </m:num>
                       <m:den>
                         <m:r>
-                          <a:rPr lang="en-US" i="1" dirty="0">
+                          <a:rPr lang="en-US" sz="2000" i="1" dirty="0">
                             <a:latin typeface="Cambria Math" panose="02040503050406030204" pitchFamily="18" charset="0"/>
                           </a:rPr>
                           <m:t> 2</m:t>
@@ -19882,13 +20465,13 @@
                   </m:oMath>
                 </a14:m>
                 <a:r>
-                  <a:rPr lang="en-US" dirty="0"/>
+                  <a:rPr lang="en-US" sz="2000" i="1" dirty="0"/>
                   <a:t>(1 - </a:t>
                 </a:r>
                 <a14:m>
                   <m:oMath xmlns:m="http://schemas.openxmlformats.org/officeDocument/2006/math">
                     <m:r>
-                      <a:rPr lang="en-US" i="1">
+                      <a:rPr lang="en-US" sz="2000" i="1">
                         <a:latin typeface="Cambria Math" panose="02040503050406030204" pitchFamily="18" charset="0"/>
                         <a:ea typeface="Cambria Math" panose="02040503050406030204" pitchFamily="18" charset="0"/>
                       </a:rPr>
@@ -19897,12 +20480,12 @@
                   </m:oMath>
                 </a14:m>
                 <a:r>
-                  <a:rPr lang="en-US" dirty="0"/>
+                  <a:rPr lang="en-US" sz="2000" i="1" dirty="0"/>
                   <a:t>) ]</a:t>
                 </a:r>
                 <a:r>
-                  <a:rPr lang="en-US" baseline="30000" dirty="0"/>
-                  <a:t>L</a:t>
+                  <a:rPr lang="en-US" sz="2000" i="1" baseline="30000" dirty="0"/>
+                  <a:t>L     </a:t>
                 </a:r>
                 <a14:m>
                   <m:oMath xmlns:m="http://schemas.openxmlformats.org/officeDocument/2006/math">
@@ -19910,7 +20493,7 @@
                       <m:naryPr>
                         <m:chr m:val="∑"/>
                         <m:ctrlPr>
-                          <a:rPr lang="en-US" i="1" smtClean="0">
+                          <a:rPr lang="en-US" sz="2000" i="1" smtClean="0">
                             <a:latin typeface="Cambria Math" panose="02040503050406030204" pitchFamily="18" charset="0"/>
                           </a:rPr>
                         </m:ctrlPr>
@@ -19920,13 +20503,13 @@
                           <m:rPr>
                             <m:brk m:alnAt="23"/>
                           </m:rPr>
-                          <a:rPr lang="en-US" b="0" i="1" smtClean="0">
+                          <a:rPr lang="en-US" sz="2000" b="0" i="1" smtClean="0">
                             <a:latin typeface="Cambria Math" panose="02040503050406030204" pitchFamily="18" charset="0"/>
                           </a:rPr>
                           <m:t>𝑘</m:t>
                         </m:r>
                         <m:r>
-                          <a:rPr lang="en-US" b="0" i="1" smtClean="0">
+                          <a:rPr lang="en-US" sz="2000" b="0" i="1" smtClean="0">
                             <a:latin typeface="Cambria Math" panose="02040503050406030204" pitchFamily="18" charset="0"/>
                           </a:rPr>
                           <m:t>=0</m:t>
@@ -19934,13 +20517,13 @@
                       </m:sub>
                       <m:sup>
                         <m:r>
-                          <a:rPr lang="en-US" b="0" i="1" smtClean="0">
+                          <a:rPr lang="en-US" sz="2000" b="0" i="1" smtClean="0">
                             <a:latin typeface="Cambria Math" panose="02040503050406030204" pitchFamily="18" charset="0"/>
                           </a:rPr>
                           <m:t>𝑙</m:t>
                         </m:r>
                         <m:r>
-                          <a:rPr lang="en-US" b="0" i="1" smtClean="0">
+                          <a:rPr lang="en-US" sz="2000" b="0" i="1" smtClean="0">
                             <a:latin typeface="Cambria Math" panose="02040503050406030204" pitchFamily="18" charset="0"/>
                           </a:rPr>
                           <m:t>−1</m:t>
@@ -19950,7 +20533,7 @@
                         <m:d>
                           <m:dPr>
                             <m:ctrlPr>
-                              <a:rPr lang="en-US" i="1" smtClean="0">
+                              <a:rPr lang="en-US" sz="2000" i="1" smtClean="0">
                                 <a:solidFill>
                                   <a:srgbClr val="836967"/>
                                 </a:solidFill>
@@ -19971,7 +20554,7 @@
                                   </m:mc>
                                 </m:mcs>
                                 <m:ctrlPr>
-                                  <a:rPr lang="en-US" i="1" smtClean="0">
+                                  <a:rPr lang="en-US" sz="2000" i="1" smtClean="0">
                                     <a:solidFill>
                                       <a:srgbClr val="836967"/>
                                     </a:solidFill>
@@ -19982,25 +20565,25 @@
                               <m:mr>
                                 <m:e>
                                   <m:r>
-                                    <a:rPr lang="en-US" i="1" smtClean="0">
+                                    <a:rPr lang="en-US" sz="2000" i="1" smtClean="0">
                                       <a:latin typeface="Cambria Math" panose="02040503050406030204" pitchFamily="18" charset="0"/>
                                     </a:rPr>
                                     <m:t>𝐿</m:t>
                                   </m:r>
                                   <m:r>
-                                    <a:rPr lang="en-US" i="1" smtClean="0">
+                                    <a:rPr lang="en-US" sz="2000" i="1" smtClean="0">
                                       <a:latin typeface="Cambria Math" panose="02040503050406030204" pitchFamily="18" charset="0"/>
                                     </a:rPr>
                                     <m:t>−</m:t>
                                   </m:r>
                                   <m:r>
-                                    <a:rPr lang="en-US" i="1" smtClean="0">
+                                    <a:rPr lang="en-US" sz="2000" i="1" smtClean="0">
                                       <a:latin typeface="Cambria Math" panose="02040503050406030204" pitchFamily="18" charset="0"/>
                                     </a:rPr>
                                     <m:t>𝑘</m:t>
                                   </m:r>
                                   <m:r>
-                                    <a:rPr lang="en-US" i="1" smtClean="0">
+                                    <a:rPr lang="en-US" sz="2000" i="1" smtClean="0">
                                       <a:latin typeface="Cambria Math" panose="02040503050406030204" pitchFamily="18" charset="0"/>
                                     </a:rPr>
                                     <m:t>+1</m:t>
@@ -20010,7 +20593,7 @@
                               <m:mr>
                                 <m:e>
                                   <m:r>
-                                    <a:rPr lang="en-US" i="1" smtClean="0">
+                                    <a:rPr lang="en-US" sz="2000" i="1" smtClean="0">
                                       <a:latin typeface="Cambria Math" panose="02040503050406030204" pitchFamily="18" charset="0"/>
                                     </a:rPr>
                                     <m:t>𝑘</m:t>
@@ -20025,7 +20608,7 @@
                   </m:oMath>
                 </a14:m>
                 <a:r>
-                  <a:rPr lang="en-US" dirty="0"/>
+                  <a:rPr lang="en-US" sz="2000" i="1" dirty="0"/>
                   <a:t>[ </a:t>
                 </a:r>
                 <a14:m>
@@ -20033,14 +20616,14 @@
                     <m:f>
                       <m:fPr>
                         <m:ctrlPr>
-                          <a:rPr lang="en-US" i="1" dirty="0" smtClean="0">
+                          <a:rPr lang="en-US" sz="2000" i="1" dirty="0" smtClean="0">
                             <a:latin typeface="Cambria Math" panose="02040503050406030204" pitchFamily="18" charset="0"/>
                           </a:rPr>
                         </m:ctrlPr>
                       </m:fPr>
                       <m:num>
                         <m:r>
-                          <a:rPr lang="en-US" b="0" i="1" dirty="0" smtClean="0">
+                          <a:rPr lang="en-US" sz="2000" b="0" i="1" dirty="0" smtClean="0">
                             <a:latin typeface="Cambria Math" panose="02040503050406030204" pitchFamily="18" charset="0"/>
                           </a:rPr>
                           <m:t> 1</m:t>
@@ -20048,7 +20631,7 @@
                       </m:num>
                       <m:den>
                         <m:r>
-                          <a:rPr lang="en-US" b="0" i="1" dirty="0" smtClean="0">
+                          <a:rPr lang="en-US" sz="2000" b="0" i="1" dirty="0" smtClean="0">
                             <a:latin typeface="Cambria Math" panose="02040503050406030204" pitchFamily="18" charset="0"/>
                           </a:rPr>
                           <m:t> 2</m:t>
@@ -20058,13 +20641,13 @@
                   </m:oMath>
                 </a14:m>
                 <a:r>
-                  <a:rPr lang="en-US" dirty="0"/>
+                  <a:rPr lang="en-US" sz="2000" i="1" dirty="0"/>
                   <a:t>(1 + </a:t>
                 </a:r>
                 <a14:m>
                   <m:oMath xmlns:m="http://schemas.openxmlformats.org/officeDocument/2006/math">
                     <m:r>
-                      <a:rPr lang="en-US" i="1" smtClean="0">
+                      <a:rPr lang="en-US" sz="2000" i="1" smtClean="0">
                         <a:latin typeface="Cambria Math" panose="02040503050406030204" pitchFamily="18" charset="0"/>
                         <a:ea typeface="Cambria Math" panose="02040503050406030204" pitchFamily="18" charset="0"/>
                       </a:rPr>
@@ -20073,28 +20656,40 @@
                   </m:oMath>
                 </a14:m>
                 <a:r>
+                  <a:rPr lang="en-US" sz="2000" i="1" dirty="0"/>
+                  <a:t>) ]</a:t>
+                </a:r>
+                <a:r>
+                  <a:rPr lang="en-US" sz="2000" i="1" baseline="30000" dirty="0"/>
+                  <a:t>K </a:t>
+                </a:r>
+                <a:r>
+                  <a:rPr lang="en-US" sz="2000" i="1" dirty="0"/>
+                  <a:t> </a:t>
+                </a:r>
+              </a:p>
+              <a:p>
+                <a:pPr marL="457200" lvl="1" indent="0">
+                  <a:lnSpc>
+                    <a:spcPct val="150000"/>
+                  </a:lnSpc>
+                  <a:buNone/>
+                </a:pPr>
+                <a:r>
                   <a:rPr lang="en-US" dirty="0"/>
-                  <a:t>) ]</a:t>
-                </a:r>
-                <a:r>
-                  <a:rPr lang="en-US" baseline="30000" dirty="0"/>
-                  <a:t>K </a:t>
-                </a:r>
-                <a:r>
-                  <a:rPr lang="en-US" dirty="0"/>
-                  <a:t> where </a:t>
+                  <a:t>                                                       where </a:t>
                 </a:r>
                 <a14:m>
                   <m:oMath xmlns:m="http://schemas.openxmlformats.org/officeDocument/2006/math">
                     <m:r>
-                      <a:rPr lang="en-US" i="1">
+                      <a:rPr lang="en-US" sz="2000" i="1">
                         <a:latin typeface="Cambria Math" panose="02040503050406030204" pitchFamily="18" charset="0"/>
                         <a:ea typeface="Cambria Math" panose="02040503050406030204" pitchFamily="18" charset="0"/>
                       </a:rPr>
                       <m:t>𝜇</m:t>
                     </m:r>
                     <m:r>
-                      <a:rPr lang="en-US" b="0" i="0" smtClean="0">
+                      <a:rPr lang="en-US" sz="2000" b="0" i="1" smtClean="0">
                         <a:latin typeface="Cambria Math" panose="02040503050406030204" pitchFamily="18" charset="0"/>
                         <a:ea typeface="Cambria Math" panose="02040503050406030204" pitchFamily="18" charset="0"/>
                       </a:rPr>
@@ -20103,7 +20698,7 @@
                   </m:oMath>
                 </a14:m>
                 <a:r>
-                  <a:rPr lang="en-US" dirty="0"/>
+                  <a:rPr lang="en-US" sz="2000" i="1" dirty="0"/>
                   <a:t> </a:t>
                 </a:r>
                 <a14:m>
@@ -20112,7 +20707,7 @@
                       <m:radPr>
                         <m:degHide m:val="on"/>
                         <m:ctrlPr>
-                          <a:rPr lang="en-US" i="1" dirty="0" smtClean="0">
+                          <a:rPr lang="en-US" sz="2000" i="1" dirty="0" smtClean="0">
                             <a:latin typeface="Cambria Math" panose="02040503050406030204" pitchFamily="18" charset="0"/>
                           </a:rPr>
                         </m:ctrlPr>
@@ -20122,14 +20717,14 @@
                         <m:f>
                           <m:fPr>
                             <m:ctrlPr>
-                              <a:rPr lang="en-US" i="1" dirty="0" smtClean="0">
+                              <a:rPr lang="en-US" sz="2000" i="1" dirty="0" smtClean="0">
                                 <a:latin typeface="Cambria Math" panose="02040503050406030204" pitchFamily="18" charset="0"/>
                               </a:rPr>
                             </m:ctrlPr>
                           </m:fPr>
                           <m:num>
                             <m:r>
-                              <a:rPr lang="en-US" i="1">
+                              <a:rPr lang="en-US" sz="2000" i="1">
                                 <a:latin typeface="Cambria Math" panose="02040503050406030204" pitchFamily="18" charset="0"/>
                                 <a:ea typeface="Cambria Math" panose="02040503050406030204" pitchFamily="18" charset="0"/>
                               </a:rPr>
@@ -20139,7 +20734,7 @@
                               <m:rPr>
                                 <m:nor/>
                               </m:rPr>
-                              <a:rPr lang="en-US" baseline="-25000">
+                              <a:rPr lang="en-US" sz="2000" i="1" baseline="-25000">
                                 <a:latin typeface="Cambria Math" panose="02040503050406030204" pitchFamily="18" charset="0"/>
                                 <a:ea typeface="Cambria Math" panose="02040503050406030204" pitchFamily="18" charset="0"/>
                               </a:rPr>
@@ -20148,13 +20743,13 @@
                           </m:num>
                           <m:den>
                             <m:r>
-                              <a:rPr lang="en-US" b="0" i="1" dirty="0" smtClean="0">
+                              <a:rPr lang="en-US" sz="2000" b="0" i="1" dirty="0" smtClean="0">
                                 <a:latin typeface="Cambria Math" panose="02040503050406030204" pitchFamily="18" charset="0"/>
                               </a:rPr>
                               <m:t>1+</m:t>
                             </m:r>
                             <m:r>
-                              <a:rPr lang="en-US" i="1">
+                              <a:rPr lang="en-US" sz="2000" i="1">
                                 <a:latin typeface="Cambria Math" panose="02040503050406030204" pitchFamily="18" charset="0"/>
                                 <a:ea typeface="Cambria Math" panose="02040503050406030204" pitchFamily="18" charset="0"/>
                               </a:rPr>
@@ -20164,7 +20759,7 @@
                               <m:rPr>
                                 <m:nor/>
                               </m:rPr>
-                              <a:rPr lang="en-US" baseline="-25000">
+                              <a:rPr lang="en-US" sz="2000" i="1" baseline="-25000">
                                 <a:latin typeface="Cambria Math" panose="02040503050406030204" pitchFamily="18" charset="0"/>
                                 <a:ea typeface="Cambria Math" panose="02040503050406030204" pitchFamily="18" charset="0"/>
                               </a:rPr>
@@ -20177,11 +20772,199 @@
                   </m:oMath>
                 </a14:m>
                 <a:r>
-                  <a:rPr lang="en-US" dirty="0"/>
+                  <a:rPr lang="en-US" sz="2000" i="1" dirty="0"/>
                   <a:t> </a:t>
                 </a:r>
               </a:p>
               <a:p>
+                <a:pPr lvl="1">
+                  <a:lnSpc>
+                    <a:spcPct val="150000"/>
+                  </a:lnSpc>
+                </a:pPr>
+                <a:endParaRPr lang="en-US" dirty="0"/>
+              </a:p>
+            </p:txBody>
+          </p:sp>
+        </mc:Choice>
+        <mc:Fallback xmlns="">
+          <p:sp>
+            <p:nvSpPr>
+              <p:cNvPr id="3" name="Content Placeholder 2">
+                <a:extLst>
+                  <a:ext uri="{FF2B5EF4-FFF2-40B4-BE49-F238E27FC236}">
+                    <a16:creationId xmlns:a16="http://schemas.microsoft.com/office/drawing/2014/main" id="{B3A75DBC-C0DD-1246-CC91-8D48916A3FF5}"/>
+                  </a:ext>
+                </a:extLst>
+              </p:cNvPr>
+              <p:cNvSpPr>
+                <a:spLocks noGrp="1" noRot="1" noChangeAspect="1" noMove="1" noResize="1" noEditPoints="1" noAdjustHandles="1" noChangeArrowheads="1" noChangeShapeType="1" noTextEdit="1"/>
+              </p:cNvSpPr>
+              <p:nvPr>
+                <p:ph idx="1"/>
+              </p:nvPr>
+            </p:nvSpPr>
+            <p:spPr>
+              <a:blipFill>
+                <a:blip r:embed="rId2"/>
+                <a:stretch>
+                  <a:fillRect l="-522" t="-1348"/>
+                </a:stretch>
+              </a:blipFill>
+            </p:spPr>
+            <p:txBody>
+              <a:bodyPr/>
+              <a:lstStyle/>
+              <a:p>
+                <a:r>
+                  <a:rPr lang="en-US">
+                    <a:noFill/>
+                  </a:rPr>
+                  <a:t> </a:t>
+                </a:r>
+              </a:p>
+            </p:txBody>
+          </p:sp>
+        </mc:Fallback>
+      </mc:AlternateContent>
+      <p:sp>
+        <p:nvSpPr>
+          <p:cNvPr id="4" name="Slide Number Placeholder 3">
+            <a:extLst>
+              <a:ext uri="{FF2B5EF4-FFF2-40B4-BE49-F238E27FC236}">
+                <a16:creationId xmlns:a16="http://schemas.microsoft.com/office/drawing/2014/main" id="{F51D7A8B-1693-4FE9-A02E-3DBB7C2AA8E6}"/>
+              </a:ext>
+            </a:extLst>
+          </p:cNvPr>
+          <p:cNvSpPr>
+            <a:spLocks noGrp="1"/>
+          </p:cNvSpPr>
+          <p:nvPr>
+            <p:ph type="sldNum" sz="quarter" idx="12"/>
+          </p:nvPr>
+        </p:nvSpPr>
+        <p:spPr/>
+        <p:txBody>
+          <a:bodyPr/>
+          <a:lstStyle/>
+          <a:p>
+            <a:fld id="{A439D109-9F59-4B0B-8E20-D6D3A384B1F1}" type="slidenum">
+              <a:rPr lang="ko-KR" altLang="en-US" smtClean="0"/>
+              <a:t>25</a:t>
+            </a:fld>
+            <a:endParaRPr lang="ko-KR" altLang="en-US" dirty="0"/>
+          </a:p>
+        </p:txBody>
+      </p:sp>
+    </p:spTree>
+    <p:extLst>
+      <p:ext uri="{BB962C8B-B14F-4D97-AF65-F5344CB8AC3E}">
+        <p14:creationId xmlns:p14="http://schemas.microsoft.com/office/powerpoint/2010/main" val="3274170228"/>
+      </p:ext>
+    </p:extLst>
+  </p:cSld>
+  <p:clrMapOvr>
+    <a:masterClrMapping/>
+  </p:clrMapOvr>
+</p:sld>
+</file>
+
+<file path=ppt/slides/slide26.xml><?xml version="1.0" encoding="utf-8"?>
+<p:sld xmlns:a="http://schemas.openxmlformats.org/drawingml/2006/main" xmlns:r="http://schemas.openxmlformats.org/officeDocument/2006/relationships" xmlns:p="http://schemas.openxmlformats.org/presentationml/2006/main">
+  <p:cSld>
+    <p:spTree>
+      <p:nvGrpSpPr>
+        <p:cNvPr id="1" name=""/>
+        <p:cNvGrpSpPr/>
+        <p:nvPr/>
+      </p:nvGrpSpPr>
+      <p:grpSpPr>
+        <a:xfrm>
+          <a:off x="0" y="0"/>
+          <a:ext cx="0" cy="0"/>
+          <a:chOff x="0" y="0"/>
+          <a:chExt cx="0" cy="0"/>
+        </a:xfrm>
+      </p:grpSpPr>
+      <p:sp>
+        <p:nvSpPr>
+          <p:cNvPr id="2" name="Title 1">
+            <a:extLst>
+              <a:ext uri="{FF2B5EF4-FFF2-40B4-BE49-F238E27FC236}">
+                <a16:creationId xmlns:a16="http://schemas.microsoft.com/office/drawing/2014/main" id="{A71F8DFF-4C88-A83A-9B85-89FD6D2E19E1}"/>
+              </a:ext>
+            </a:extLst>
+          </p:cNvPr>
+          <p:cNvSpPr>
+            <a:spLocks noGrp="1"/>
+          </p:cNvSpPr>
+          <p:nvPr>
+            <p:ph type="title"/>
+          </p:nvPr>
+        </p:nvSpPr>
+        <p:spPr/>
+        <p:txBody>
+          <a:bodyPr/>
+          <a:lstStyle/>
+          <a:p>
+            <a:r>
+              <a:rPr lang="en-US" dirty="0"/>
+              <a:t>Theoretical BER </a:t>
+            </a:r>
+          </a:p>
+        </p:txBody>
+      </p:sp>
+      <mc:AlternateContent xmlns:mc="http://schemas.openxmlformats.org/markup-compatibility/2006" xmlns:a14="http://schemas.microsoft.com/office/drawing/2010/main">
+        <mc:Choice Requires="a14">
+          <p:sp>
+            <p:nvSpPr>
+              <p:cNvPr id="3" name="Content Placeholder 2">
+                <a:extLst>
+                  <a:ext uri="{FF2B5EF4-FFF2-40B4-BE49-F238E27FC236}">
+                    <a16:creationId xmlns:a16="http://schemas.microsoft.com/office/drawing/2014/main" id="{9C7A4593-58D2-5354-E6D6-1D2D4D1B4705}"/>
+                  </a:ext>
+                </a:extLst>
+              </p:cNvPr>
+              <p:cNvSpPr>
+                <a:spLocks noGrp="1"/>
+              </p:cNvSpPr>
+              <p:nvPr>
+                <p:ph idx="1"/>
+              </p:nvPr>
+            </p:nvSpPr>
+            <p:spPr>
+              <a:xfrm>
+                <a:off x="838200" y="1649691"/>
+                <a:ext cx="10515600" cy="4548886"/>
+              </a:xfrm>
+            </p:spPr>
+            <p:txBody>
+              <a:bodyPr/>
+              <a:lstStyle/>
+              <a:p>
+                <a:pPr>
+                  <a:lnSpc>
+                    <a:spcPct val="150000"/>
+                  </a:lnSpc>
+                </a:pPr>
+                <a:r>
+                  <a:rPr lang="en-US" dirty="0">
+                    <a:solidFill>
+                      <a:schemeClr val="accent2">
+                        <a:lumMod val="50000"/>
+                      </a:schemeClr>
+                    </a:solidFill>
+                  </a:rPr>
+                  <a:t>Closed-Form BER Analysis and Diversity Order for Zero Forcing (ZF) Solutions:</a:t>
+                </a:r>
+                <a:endParaRPr lang="en-US" dirty="0"/>
+              </a:p>
+              <a:p>
+                <a:pPr lvl="1">
+                  <a:lnSpc>
+                    <a:spcPct val="150000"/>
+                  </a:lnSpc>
+                </a:pPr>
                 <a:r>
                   <a:rPr lang="en-US" dirty="0"/>
                   <a:t>The conditional error probability is applicable for s = -</a:t>
@@ -20228,7 +21011,7 @@
                 </a14:m>
                 <a:r>
                   <a:rPr lang="en-US" dirty="0"/>
-                  <a:t> and this leads to a total error   probability of P</a:t>
+                  <a:t> and this leads to a total error            probability of P</a:t>
                 </a:r>
                 <a:r>
                   <a:rPr lang="en-US" baseline="-25000" dirty="0"/>
@@ -20439,13 +21222,23 @@
                 </a:r>
               </a:p>
               <a:p>
+                <a:pPr marL="457200" lvl="1" indent="0">
+                  <a:lnSpc>
+                    <a:spcPct val="150000"/>
+                  </a:lnSpc>
+                  <a:buNone/>
+                </a:pPr>
+                <a:r>
+                  <a:rPr lang="en-US" dirty="0"/>
+                  <a:t>                                                          </a:t>
+                </a:r>
                 <a14:m>
                   <m:oMath xmlns:m="http://schemas.openxmlformats.org/officeDocument/2006/math">
                     <m:nary>
                       <m:naryPr>
                         <m:chr m:val="∑"/>
                         <m:ctrlPr>
-                          <a:rPr lang="en-US" i="1" smtClean="0">
+                          <a:rPr lang="en-US" sz="2000" i="1" smtClean="0">
                             <a:latin typeface="Cambria Math" panose="02040503050406030204" pitchFamily="18" charset="0"/>
                           </a:rPr>
                         </m:ctrlPr>
@@ -20455,13 +21248,13 @@
                           <m:rPr>
                             <m:brk m:alnAt="23"/>
                           </m:rPr>
-                          <a:rPr lang="en-US" b="0" i="1" smtClean="0">
+                          <a:rPr lang="en-US" sz="2000" b="0" i="1" smtClean="0">
                             <a:latin typeface="Cambria Math" panose="02040503050406030204" pitchFamily="18" charset="0"/>
                           </a:rPr>
                           <m:t>𝑘</m:t>
                         </m:r>
                         <m:r>
-                          <a:rPr lang="en-US" b="0" i="1" smtClean="0">
+                          <a:rPr lang="en-US" sz="2000" b="0" i="1" smtClean="0">
                             <a:latin typeface="Cambria Math" panose="02040503050406030204" pitchFamily="18" charset="0"/>
                           </a:rPr>
                           <m:t>=0</m:t>
@@ -20469,13 +21262,13 @@
                       </m:sub>
                       <m:sup>
                         <m:r>
-                          <a:rPr lang="en-US" b="0" i="1" smtClean="0">
+                          <a:rPr lang="en-US" sz="2000" b="0" i="1" smtClean="0">
                             <a:latin typeface="Cambria Math" panose="02040503050406030204" pitchFamily="18" charset="0"/>
                           </a:rPr>
                           <m:t>𝑙</m:t>
                         </m:r>
                         <m:r>
-                          <a:rPr lang="en-US" b="0" i="1" smtClean="0">
+                          <a:rPr lang="en-US" sz="2000" b="0" i="1" smtClean="0">
                             <a:latin typeface="Cambria Math" panose="02040503050406030204" pitchFamily="18" charset="0"/>
                           </a:rPr>
                           <m:t>−1</m:t>
@@ -20485,7 +21278,7 @@
                         <m:d>
                           <m:dPr>
                             <m:ctrlPr>
-                              <a:rPr lang="en-US" i="1" smtClean="0">
+                              <a:rPr lang="en-US" sz="2000" i="1" smtClean="0">
                                 <a:solidFill>
                                   <a:srgbClr val="836967"/>
                                 </a:solidFill>
@@ -20506,7 +21299,7 @@
                                   </m:mc>
                                 </m:mcs>
                                 <m:ctrlPr>
-                                  <a:rPr lang="en-US" i="1" smtClean="0">
+                                  <a:rPr lang="en-US" sz="2000" i="1" smtClean="0">
                                     <a:solidFill>
                                       <a:srgbClr val="836967"/>
                                     </a:solidFill>
@@ -20517,25 +21310,25 @@
                               <m:mr>
                                 <m:e>
                                   <m:r>
-                                    <a:rPr lang="en-US" i="1" smtClean="0">
+                                    <a:rPr lang="en-US" sz="2000" i="1" smtClean="0">
                                       <a:latin typeface="Cambria Math" panose="02040503050406030204" pitchFamily="18" charset="0"/>
                                     </a:rPr>
                                     <m:t>𝐿</m:t>
                                   </m:r>
                                   <m:r>
-                                    <a:rPr lang="en-US" i="1" smtClean="0">
+                                    <a:rPr lang="en-US" sz="2000" i="1" smtClean="0">
                                       <a:latin typeface="Cambria Math" panose="02040503050406030204" pitchFamily="18" charset="0"/>
                                     </a:rPr>
                                     <m:t>−</m:t>
                                   </m:r>
                                   <m:r>
-                                    <a:rPr lang="en-US" i="1" smtClean="0">
+                                    <a:rPr lang="en-US" sz="2000" i="1" smtClean="0">
                                       <a:latin typeface="Cambria Math" panose="02040503050406030204" pitchFamily="18" charset="0"/>
                                     </a:rPr>
                                     <m:t>𝑘</m:t>
                                   </m:r>
                                   <m:r>
-                                    <a:rPr lang="en-US" i="1" smtClean="0">
+                                    <a:rPr lang="en-US" sz="2000" i="1" smtClean="0">
                                       <a:latin typeface="Cambria Math" panose="02040503050406030204" pitchFamily="18" charset="0"/>
                                     </a:rPr>
                                     <m:t>+1</m:t>
@@ -20545,7 +21338,7 @@
                               <m:mr>
                                 <m:e>
                                   <m:r>
-                                    <a:rPr lang="en-US" i="1" smtClean="0">
+                                    <a:rPr lang="en-US" sz="2000" i="1" smtClean="0">
                                       <a:latin typeface="Cambria Math" panose="02040503050406030204" pitchFamily="18" charset="0"/>
                                     </a:rPr>
                                     <m:t>𝑘</m:t>
@@ -20560,7 +21353,7 @@
                   </m:oMath>
                 </a14:m>
                 <a:r>
-                  <a:rPr lang="en-US" dirty="0"/>
+                  <a:rPr lang="en-US" sz="2000" i="1" dirty="0"/>
                   <a:t> = </a:t>
                 </a:r>
                 <a14:m>
@@ -20568,7 +21361,7 @@
                     <m:d>
                       <m:dPr>
                         <m:ctrlPr>
-                          <a:rPr lang="en-US" i="1">
+                          <a:rPr lang="en-US" sz="2000" i="1">
                             <a:solidFill>
                               <a:srgbClr val="836967"/>
                             </a:solidFill>
@@ -20589,7 +21382,7 @@
                               </m:mc>
                             </m:mcs>
                             <m:ctrlPr>
-                              <a:rPr lang="en-US" i="1">
+                              <a:rPr lang="en-US" sz="2000" i="1">
                                 <a:solidFill>
                                   <a:srgbClr val="836967"/>
                                 </a:solidFill>
@@ -20600,7 +21393,7 @@
                           <m:mr>
                             <m:e>
                               <m:r>
-                                <a:rPr lang="en-US" b="0" i="1" smtClean="0">
+                                <a:rPr lang="en-US" sz="2000" b="0" i="1" smtClean="0">
                                   <a:solidFill>
                                     <a:srgbClr val="836967"/>
                                   </a:solidFill>
@@ -20609,13 +21402,13 @@
                                 <m:t>2</m:t>
                               </m:r>
                               <m:r>
-                                <a:rPr lang="en-US" i="1">
+                                <a:rPr lang="en-US" sz="2000" i="1">
                                   <a:latin typeface="Cambria Math" panose="02040503050406030204" pitchFamily="18" charset="0"/>
                                 </a:rPr>
                                 <m:t>𝐿</m:t>
                               </m:r>
                               <m:r>
-                                <a:rPr lang="en-US" i="1">
+                                <a:rPr lang="en-US" sz="2000" i="1">
                                   <a:latin typeface="Cambria Math" panose="02040503050406030204" pitchFamily="18" charset="0"/>
                                 </a:rPr>
                                 <m:t>−1</m:t>
@@ -20625,7 +21418,7 @@
                           <m:mr>
                             <m:e>
                               <m:r>
-                                <a:rPr lang="en-US" b="0" i="1" smtClean="0">
+                                <a:rPr lang="en-US" sz="2000" b="0" i="1" smtClean="0">
                                   <a:latin typeface="Cambria Math" panose="02040503050406030204" pitchFamily="18" charset="0"/>
                                 </a:rPr>
                                 <m:t>𝐿</m:t>
@@ -20636,7 +21429,7 @@
                       </m:e>
                     </m:d>
                     <m:r>
-                      <a:rPr lang="en-US" b="0" i="1" smtClean="0">
+                      <a:rPr lang="en-US" sz="2000" b="0" i="1" smtClean="0">
                         <a:latin typeface="Cambria Math" panose="02040503050406030204" pitchFamily="18" charset="0"/>
                       </a:rPr>
                       <m:t> </m:t>
@@ -20644,21 +21437,30 @@
                   </m:oMath>
                 </a14:m>
                 <a:r>
-                  <a:rPr lang="en-US" dirty="0"/>
+                  <a:rPr lang="en-US" sz="2000" i="1" dirty="0"/>
                   <a:t> </a:t>
                 </a:r>
               </a:p>
               <a:p>
+                <a:pPr lvl="1">
+                  <a:lnSpc>
+                    <a:spcPct val="150000"/>
+                  </a:lnSpc>
+                </a:pPr>
                 <a:r>
                   <a:rPr lang="en-US" dirty="0"/>
-                  <a:t>Therefore , when is sufficiently large : P</a:t>
-                </a:r>
-                <a:r>
-                  <a:rPr lang="en-US" baseline="-25000" dirty="0"/>
+                  <a:t>Therefore , when is sufficiently large : </a:t>
+                </a:r>
+                <a:r>
+                  <a:rPr lang="en-US" sz="2000" i="1" dirty="0"/>
+                  <a:t>P</a:t>
+                </a:r>
+                <a:r>
+                  <a:rPr lang="en-US" sz="2000" i="1" baseline="-25000" dirty="0"/>
                   <a:t>2</a:t>
                 </a:r>
                 <a:r>
-                  <a:rPr lang="en-US" dirty="0">
+                  <a:rPr lang="en-US" sz="2000" i="1" dirty="0">
                     <a:ea typeface="Cambria Math" panose="02040503050406030204" pitchFamily="18" charset="0"/>
                   </a:rPr>
                   <a:t> </a:t>
@@ -20666,14 +21468,14 @@
                 <a14:m>
                   <m:oMath xmlns:m="http://schemas.openxmlformats.org/officeDocument/2006/math">
                     <m:r>
-                      <a:rPr lang="en-US" b="0" i="0" smtClean="0">
+                      <a:rPr lang="en-US" sz="2000" b="0" i="1" smtClean="0">
                         <a:latin typeface="Cambria Math" panose="02040503050406030204" pitchFamily="18" charset="0"/>
                         <a:ea typeface="Cambria Math" panose="02040503050406030204" pitchFamily="18" charset="0"/>
                       </a:rPr>
                       <m:t> </m:t>
                     </m:r>
                     <m:r>
-                      <a:rPr lang="en-US" i="1" smtClean="0">
+                      <a:rPr lang="en-US" sz="2000" i="1" smtClean="0">
                         <a:latin typeface="Cambria Math" panose="02040503050406030204" pitchFamily="18" charset="0"/>
                         <a:ea typeface="Cambria Math" panose="02040503050406030204" pitchFamily="18" charset="0"/>
                       </a:rPr>
@@ -20682,7 +21484,7 @@
                   </m:oMath>
                 </a14:m>
                 <a:r>
-                  <a:rPr lang="en-US" dirty="0"/>
+                  <a:rPr lang="en-US" sz="2000" i="1" dirty="0"/>
                   <a:t> </a:t>
                 </a:r>
                 <a14:m>
@@ -20690,7 +21492,7 @@
                     <m:f>
                       <m:fPr>
                         <m:ctrlPr>
-                          <a:rPr lang="en-US" i="1" smtClean="0">
+                          <a:rPr lang="en-US" sz="2000" i="1" smtClean="0">
                             <a:solidFill>
                               <a:srgbClr val="836967"/>
                             </a:solidFill>
@@ -20700,7 +21502,7 @@
                       </m:fPr>
                       <m:num>
                         <m:r>
-                          <a:rPr lang="en-US" b="0" i="1" smtClean="0">
+                          <a:rPr lang="en-US" sz="2000" b="0" i="1" smtClean="0">
                             <a:solidFill>
                               <a:srgbClr val="836967"/>
                             </a:solidFill>
@@ -20711,7 +21513,7 @@
                       </m:num>
                       <m:den>
                         <m:r>
-                          <a:rPr lang="en-US" b="0" i="1" smtClean="0">
+                          <a:rPr lang="en-US" sz="2000" b="0" i="1" smtClean="0">
                             <a:solidFill>
                               <a:srgbClr val="836967"/>
                             </a:solidFill>
@@ -20720,7 +21522,7 @@
                           <m:t>4</m:t>
                         </m:r>
                         <m:r>
-                          <a:rPr lang="en-US" i="1">
+                          <a:rPr lang="en-US" sz="2000" i="1">
                             <a:latin typeface="Cambria Math" panose="02040503050406030204" pitchFamily="18" charset="0"/>
                             <a:ea typeface="Cambria Math" panose="02040503050406030204" pitchFamily="18" charset="0"/>
                           </a:rPr>
@@ -20730,7 +21532,7 @@
                           <m:rPr>
                             <m:nor/>
                           </m:rPr>
-                          <a:rPr lang="en-US" baseline="-25000">
+                          <a:rPr lang="en-US" sz="2000" i="1" baseline="-25000">
                             <a:latin typeface="Cambria Math" panose="02040503050406030204" pitchFamily="18" charset="0"/>
                             <a:ea typeface="Cambria Math" panose="02040503050406030204" pitchFamily="18" charset="0"/>
                           </a:rPr>
@@ -20741,7 +21543,7 @@
                     <m:d>
                       <m:dPr>
                         <m:ctrlPr>
-                          <a:rPr lang="en-US" i="1">
+                          <a:rPr lang="en-US" sz="2000" i="1">
                             <a:solidFill>
                               <a:srgbClr val="836967"/>
                             </a:solidFill>
@@ -20762,7 +21564,7 @@
                               </m:mc>
                             </m:mcs>
                             <m:ctrlPr>
-                              <a:rPr lang="en-US" i="1">
+                              <a:rPr lang="en-US" sz="2000" i="1">
                                 <a:solidFill>
                                   <a:srgbClr val="836967"/>
                                 </a:solidFill>
@@ -20773,7 +21575,7 @@
                           <m:mr>
                             <m:e>
                               <m:r>
-                                <a:rPr lang="en-US" i="1">
+                                <a:rPr lang="en-US" sz="2000" i="1">
                                   <a:solidFill>
                                     <a:srgbClr val="836967"/>
                                   </a:solidFill>
@@ -20782,13 +21584,13 @@
                                 <m:t>2</m:t>
                               </m:r>
                               <m:r>
-                                <a:rPr lang="en-US" i="1">
+                                <a:rPr lang="en-US" sz="2000" i="1">
                                   <a:latin typeface="Cambria Math" panose="02040503050406030204" pitchFamily="18" charset="0"/>
                                 </a:rPr>
                                 <m:t>𝐿</m:t>
                               </m:r>
                               <m:r>
-                                <a:rPr lang="en-US" i="1">
+                                <a:rPr lang="en-US" sz="2000" i="1">
                                   <a:latin typeface="Cambria Math" panose="02040503050406030204" pitchFamily="18" charset="0"/>
                                 </a:rPr>
                                 <m:t>−1</m:t>
@@ -20798,7 +21600,7 @@
                           <m:mr>
                             <m:e>
                               <m:r>
-                                <a:rPr lang="en-US" i="1">
+                                <a:rPr lang="en-US" sz="2000" i="1">
                                   <a:latin typeface="Cambria Math" panose="02040503050406030204" pitchFamily="18" charset="0"/>
                                 </a:rPr>
                                 <m:t>𝐿</m:t>
@@ -20810,18 +21612,481 @@
                     </m:d>
                   </m:oMath>
                 </a14:m>
+                <a:endParaRPr lang="en-US" sz="2000" i="1" dirty="0"/>
+              </a:p>
+              <a:p>
+                <a:pPr lvl="1">
+                  <a:lnSpc>
+                    <a:spcPct val="150000"/>
+                  </a:lnSpc>
+                </a:pPr>
+                <a:r>
+                  <a:rPr lang="en-US" dirty="0"/>
+                  <a:t>Error rate decreases inversely L-</a:t>
+                </a:r>
+                <a:r>
+                  <a:rPr lang="en-US" dirty="0" err="1"/>
+                  <a:t>th</a:t>
+                </a:r>
+                <a:r>
+                  <a:rPr lang="en-US" dirty="0"/>
+                  <a:t> Power of the SNR</a:t>
+                </a:r>
+              </a:p>
+              <a:p>
+                <a:pPr lvl="1">
+                  <a:lnSpc>
+                    <a:spcPct val="150000"/>
+                  </a:lnSpc>
+                </a:pPr>
+                <a:r>
+                  <a:rPr lang="en-US" dirty="0"/>
+                  <a:t>So error rate decreases with an L-</a:t>
+                </a:r>
+                <a:r>
+                  <a:rPr lang="en-US" dirty="0" err="1"/>
+                  <a:t>th</a:t>
+                </a:r>
+                <a:r>
+                  <a:rPr lang="en-US" dirty="0"/>
+                  <a:t> order of diversity</a:t>
+                </a:r>
+              </a:p>
+              <a:p>
+                <a:pPr lvl="1">
+                  <a:lnSpc>
+                    <a:spcPct val="150000"/>
+                  </a:lnSpc>
+                </a:pPr>
+                <a:endParaRPr lang="en-US" dirty="0"/>
+              </a:p>
+              <a:p>
+                <a:pPr lvl="1">
+                  <a:lnSpc>
+                    <a:spcPct val="150000"/>
+                  </a:lnSpc>
+                </a:pPr>
                 <a:endParaRPr lang="en-US" dirty="0"/>
               </a:p>
             </p:txBody>
           </p:sp>
         </mc:Choice>
-        <mc:Fallback>
+        <mc:Fallback xmlns="">
           <p:sp>
             <p:nvSpPr>
               <p:cNvPr id="3" name="Content Placeholder 2">
                 <a:extLst>
                   <a:ext uri="{FF2B5EF4-FFF2-40B4-BE49-F238E27FC236}">
-                    <a16:creationId xmlns:a16="http://schemas.microsoft.com/office/drawing/2014/main" id="{7DF72D41-4568-B5AA-B146-788A88E854E4}"/>
+                    <a16:creationId xmlns:a16="http://schemas.microsoft.com/office/drawing/2014/main" id="{9C7A4593-58D2-5354-E6D6-1D2D4D1B4705}"/>
+                  </a:ext>
+                </a:extLst>
+              </p:cNvPr>
+              <p:cNvSpPr>
+                <a:spLocks noGrp="1" noRot="1" noChangeAspect="1" noMove="1" noResize="1" noEditPoints="1" noAdjustHandles="1" noChangeArrowheads="1" noChangeShapeType="1" noTextEdit="1"/>
+              </p:cNvSpPr>
+              <p:nvPr>
+                <p:ph idx="1"/>
+              </p:nvPr>
+            </p:nvSpPr>
+            <p:spPr>
+              <a:xfrm>
+                <a:off x="838200" y="1649691"/>
+                <a:ext cx="10515600" cy="4548886"/>
+              </a:xfrm>
+              <a:blipFill>
+                <a:blip r:embed="rId2"/>
+                <a:stretch>
+                  <a:fillRect l="-522" r="-174" b="-3619"/>
+                </a:stretch>
+              </a:blipFill>
+            </p:spPr>
+            <p:txBody>
+              <a:bodyPr/>
+              <a:lstStyle/>
+              <a:p>
+                <a:r>
+                  <a:rPr lang="en-US">
+                    <a:noFill/>
+                  </a:rPr>
+                  <a:t> </a:t>
+                </a:r>
+              </a:p>
+            </p:txBody>
+          </p:sp>
+        </mc:Fallback>
+      </mc:AlternateContent>
+      <p:sp>
+        <p:nvSpPr>
+          <p:cNvPr id="4" name="Slide Number Placeholder 3">
+            <a:extLst>
+              <a:ext uri="{FF2B5EF4-FFF2-40B4-BE49-F238E27FC236}">
+                <a16:creationId xmlns:a16="http://schemas.microsoft.com/office/drawing/2014/main" id="{F1621281-23B6-AB35-F979-3F3CB7A1B4A2}"/>
+              </a:ext>
+            </a:extLst>
+          </p:cNvPr>
+          <p:cNvSpPr>
+            <a:spLocks noGrp="1"/>
+          </p:cNvSpPr>
+          <p:nvPr>
+            <p:ph type="sldNum" sz="quarter" idx="12"/>
+          </p:nvPr>
+        </p:nvSpPr>
+        <p:spPr/>
+        <p:txBody>
+          <a:bodyPr/>
+          <a:lstStyle/>
+          <a:p>
+            <a:fld id="{A439D109-9F59-4B0B-8E20-D6D3A384B1F1}" type="slidenum">
+              <a:rPr lang="ko-KR" altLang="en-US" smtClean="0"/>
+              <a:t>26</a:t>
+            </a:fld>
+            <a:endParaRPr lang="ko-KR" altLang="en-US"/>
+          </a:p>
+        </p:txBody>
+      </p:sp>
+    </p:spTree>
+    <p:extLst>
+      <p:ext uri="{BB962C8B-B14F-4D97-AF65-F5344CB8AC3E}">
+        <p14:creationId xmlns:p14="http://schemas.microsoft.com/office/powerpoint/2010/main" val="676597249"/>
+      </p:ext>
+    </p:extLst>
+  </p:cSld>
+  <p:clrMapOvr>
+    <a:masterClrMapping/>
+  </p:clrMapOvr>
+</p:sld>
+</file>
+
+<file path=ppt/slides/slide27.xml><?xml version="1.0" encoding="utf-8"?>
+<p:sld xmlns:a="http://schemas.openxmlformats.org/drawingml/2006/main" xmlns:r="http://schemas.openxmlformats.org/officeDocument/2006/relationships" xmlns:p="http://schemas.openxmlformats.org/presentationml/2006/main">
+  <p:cSld>
+    <p:spTree>
+      <p:nvGrpSpPr>
+        <p:cNvPr id="1" name=""/>
+        <p:cNvGrpSpPr/>
+        <p:nvPr/>
+      </p:nvGrpSpPr>
+      <p:grpSpPr>
+        <a:xfrm>
+          <a:off x="0" y="0"/>
+          <a:ext cx="0" cy="0"/>
+          <a:chOff x="0" y="0"/>
+          <a:chExt cx="0" cy="0"/>
+        </a:xfrm>
+      </p:grpSpPr>
+      <p:sp>
+        <p:nvSpPr>
+          <p:cNvPr id="2" name="Title 1">
+            <a:extLst>
+              <a:ext uri="{FF2B5EF4-FFF2-40B4-BE49-F238E27FC236}">
+                <a16:creationId xmlns:a16="http://schemas.microsoft.com/office/drawing/2014/main" id="{B18EAF2F-73B5-F880-42DF-BB5F4B070370}"/>
+              </a:ext>
+            </a:extLst>
+          </p:cNvPr>
+          <p:cNvSpPr>
+            <a:spLocks noGrp="1"/>
+          </p:cNvSpPr>
+          <p:nvPr>
+            <p:ph type="title"/>
+          </p:nvPr>
+        </p:nvSpPr>
+        <p:spPr/>
+        <p:txBody>
+          <a:bodyPr/>
+          <a:lstStyle/>
+          <a:p>
+            <a:r>
+              <a:rPr lang="en-US" dirty="0"/>
+              <a:t>Theoretical BER </a:t>
+            </a:r>
+          </a:p>
+        </p:txBody>
+      </p:sp>
+      <mc:AlternateContent xmlns:mc="http://schemas.openxmlformats.org/markup-compatibility/2006" xmlns:a14="http://schemas.microsoft.com/office/drawing/2010/main">
+        <mc:Choice Requires="a14">
+          <p:sp>
+            <p:nvSpPr>
+              <p:cNvPr id="3" name="Content Placeholder 2">
+                <a:extLst>
+                  <a:ext uri="{FF2B5EF4-FFF2-40B4-BE49-F238E27FC236}">
+                    <a16:creationId xmlns:a16="http://schemas.microsoft.com/office/drawing/2014/main" id="{46B613B5-1363-7F66-8348-4DC7BE31EBD0}"/>
+                  </a:ext>
+                </a:extLst>
+              </p:cNvPr>
+              <p:cNvSpPr>
+                <a:spLocks noGrp="1"/>
+              </p:cNvSpPr>
+              <p:nvPr>
+                <p:ph idx="1"/>
+              </p:nvPr>
+            </p:nvSpPr>
+            <p:spPr/>
+            <p:txBody>
+              <a:bodyPr/>
+              <a:lstStyle/>
+              <a:p>
+                <a:pPr>
+                  <a:lnSpc>
+                    <a:spcPct val="150000"/>
+                  </a:lnSpc>
+                </a:pPr>
+                <a:r>
+                  <a:rPr lang="en-US" dirty="0">
+                    <a:solidFill>
+                      <a:schemeClr val="accent2">
+                        <a:lumMod val="50000"/>
+                      </a:schemeClr>
+                    </a:solidFill>
+                  </a:rPr>
+                  <a:t>Closed-Form BER Analysis and Diversity Order for Zero Forcing (ZF) Solutions:</a:t>
+                </a:r>
+                <a:endParaRPr lang="en-US" dirty="0"/>
+              </a:p>
+              <a:p>
+                <a:pPr lvl="1">
+                  <a:lnSpc>
+                    <a:spcPct val="150000"/>
+                  </a:lnSpc>
+                </a:pPr>
+                <a:r>
+                  <a:rPr lang="en-US" dirty="0"/>
+                  <a:t>It is shown that the diversity order of an </a:t>
+                </a:r>
+                <a:r>
+                  <a:rPr lang="en-US" sz="2000" i="1" dirty="0"/>
+                  <a:t>(</a:t>
+                </a:r>
+                <a:r>
+                  <a:rPr lang="en-US" sz="2000" i="1" dirty="0" err="1"/>
+                  <a:t>N</a:t>
+                </a:r>
+                <a:r>
+                  <a:rPr lang="en-US" sz="2000" i="1" baseline="-25000" dirty="0" err="1"/>
+                  <a:t>t</a:t>
+                </a:r>
+                <a:r>
+                  <a:rPr lang="en-US" sz="2000" i="1" dirty="0" err="1"/>
+                  <a:t>,N</a:t>
+                </a:r>
+                <a:r>
+                  <a:rPr lang="en-US" sz="2000" i="1" baseline="-25000" dirty="0" err="1"/>
+                  <a:t>r</a:t>
+                </a:r>
+                <a:r>
+                  <a:rPr lang="en-US" sz="2000" i="1" dirty="0"/>
+                  <a:t>) </a:t>
+                </a:r>
+                <a:r>
+                  <a:rPr lang="en-US" dirty="0"/>
+                  <a:t>system based on ZF is equal to </a:t>
+                </a:r>
+                <a:r>
+                  <a:rPr lang="en-US" sz="2000" i="1" dirty="0" err="1"/>
+                  <a:t>N</a:t>
+                </a:r>
+                <a:r>
+                  <a:rPr lang="en-US" sz="2000" i="1" baseline="-25000" dirty="0" err="1"/>
+                  <a:t>t</a:t>
+                </a:r>
+                <a:r>
+                  <a:rPr lang="en-US" sz="2000" i="1" baseline="-25000" dirty="0"/>
+                  <a:t> </a:t>
+                </a:r>
+                <a:r>
+                  <a:rPr lang="en-US" sz="2000" i="1" dirty="0"/>
+                  <a:t>- N</a:t>
+                </a:r>
+                <a:r>
+                  <a:rPr lang="en-US" sz="2000" i="1" baseline="-25000" dirty="0"/>
+                  <a:t>r </a:t>
+                </a:r>
+                <a:r>
+                  <a:rPr lang="en-US" sz="2000" i="1" dirty="0"/>
+                  <a:t>+ 1</a:t>
+                </a:r>
+                <a:r>
+                  <a:rPr lang="en-US" dirty="0"/>
+                  <a:t>.</a:t>
+                </a:r>
+              </a:p>
+              <a:p>
+                <a:pPr lvl="1">
+                  <a:lnSpc>
+                    <a:spcPct val="150000"/>
+                  </a:lnSpc>
+                </a:pPr>
+                <a:r>
+                  <a:rPr lang="en-US" dirty="0"/>
+                  <a:t>Substituting </a:t>
+                </a:r>
+                <a:r>
+                  <a:rPr lang="en-US" sz="2000" dirty="0"/>
+                  <a:t>L = </a:t>
+                </a:r>
+                <a:r>
+                  <a:rPr lang="en-US" sz="2000" dirty="0" err="1"/>
+                  <a:t>N</a:t>
+                </a:r>
+                <a:r>
+                  <a:rPr lang="en-US" sz="2000" baseline="-25000" dirty="0" err="1"/>
+                  <a:t>t</a:t>
+                </a:r>
+                <a:r>
+                  <a:rPr lang="en-US" sz="2000" baseline="-25000" dirty="0"/>
+                  <a:t> </a:t>
+                </a:r>
+                <a:r>
+                  <a:rPr lang="en-US" sz="2000" dirty="0"/>
+                  <a:t>- N</a:t>
+                </a:r>
+                <a:r>
+                  <a:rPr lang="en-US" sz="2000" baseline="-25000" dirty="0"/>
+                  <a:t>r </a:t>
+                </a:r>
+                <a:r>
+                  <a:rPr lang="en-US" sz="2000" dirty="0"/>
+                  <a:t>+ 1 </a:t>
+                </a:r>
+                <a:r>
+                  <a:rPr lang="en-US" dirty="0"/>
+                  <a:t>gives the exact BER for a ZF solution of an (</a:t>
+                </a:r>
+                <a:r>
+                  <a:rPr lang="en-US" dirty="0" err="1"/>
+                  <a:t>N</a:t>
+                </a:r>
+                <a:r>
+                  <a:rPr lang="en-US" baseline="-25000" dirty="0" err="1"/>
+                  <a:t>t</a:t>
+                </a:r>
+                <a:r>
+                  <a:rPr lang="en-US" dirty="0" err="1"/>
+                  <a:t>,N</a:t>
+                </a:r>
+                <a:r>
+                  <a:rPr lang="en-US" baseline="-25000" dirty="0" err="1"/>
+                  <a:t>r</a:t>
+                </a:r>
+                <a:r>
+                  <a:rPr lang="en-US" dirty="0"/>
+                  <a:t>) system with         BPSK.</a:t>
+                </a:r>
+              </a:p>
+              <a:p>
+                <a:pPr lvl="1">
+                  <a:lnSpc>
+                    <a:spcPct val="150000"/>
+                  </a:lnSpc>
+                </a:pPr>
+                <a:r>
+                  <a:rPr lang="en-US" dirty="0"/>
+                  <a:t>If </a:t>
+                </a:r>
+                <a14:m>
+                  <m:oMath xmlns:m="http://schemas.openxmlformats.org/officeDocument/2006/math">
+                    <m:r>
+                      <a:rPr lang="en-US" i="1" smtClean="0">
+                        <a:latin typeface="Cambria Math" panose="02040503050406030204" pitchFamily="18" charset="0"/>
+                        <a:ea typeface="Cambria Math" panose="02040503050406030204" pitchFamily="18" charset="0"/>
+                      </a:rPr>
+                      <m:t>𝜌</m:t>
+                    </m:r>
+                  </m:oMath>
+                </a14:m>
+                <a:r>
+                  <a:rPr lang="en-US" dirty="0"/>
+                  <a:t> represents the SNR per receiving antenna, the SNR per channel equals :</a:t>
+                </a:r>
+              </a:p>
+              <a:p>
+                <a:pPr marL="457200" lvl="1" indent="0">
+                  <a:lnSpc>
+                    <a:spcPct val="150000"/>
+                  </a:lnSpc>
+                  <a:buNone/>
+                </a:pPr>
+                <a:r>
+                  <a:rPr lang="en-US" b="0" dirty="0">
+                    <a:ea typeface="Cambria Math" panose="02040503050406030204" pitchFamily="18" charset="0"/>
+                  </a:rPr>
+                  <a:t>                                                              </a:t>
+                </a:r>
+                <a14:m>
+                  <m:oMath xmlns:m="http://schemas.openxmlformats.org/officeDocument/2006/math">
+                    <m:r>
+                      <a:rPr lang="en-US" sz="2000" b="0" i="1" smtClean="0">
+                        <a:latin typeface="Cambria Math" panose="02040503050406030204" pitchFamily="18" charset="0"/>
+                        <a:ea typeface="Cambria Math" panose="02040503050406030204" pitchFamily="18" charset="0"/>
+                      </a:rPr>
+                      <m:t>   </m:t>
+                    </m:r>
+                    <m:r>
+                      <a:rPr lang="en-US" sz="2000" i="1" smtClean="0">
+                        <a:latin typeface="Cambria Math" panose="02040503050406030204" pitchFamily="18" charset="0"/>
+                        <a:ea typeface="Cambria Math" panose="02040503050406030204" pitchFamily="18" charset="0"/>
+                      </a:rPr>
+                      <m:t>𝛾</m:t>
+                    </m:r>
+                  </m:oMath>
+                </a14:m>
+                <a:r>
+                  <a:rPr lang="en-US" sz="2000" i="1" baseline="-25000" dirty="0"/>
+                  <a:t>c</a:t>
+                </a:r>
+                <a:r>
+                  <a:rPr lang="en-US" sz="2000" i="1" dirty="0"/>
+                  <a:t> =    </a:t>
+                </a:r>
+                <a14:m>
+                  <m:oMath xmlns:m="http://schemas.openxmlformats.org/officeDocument/2006/math">
+                    <m:f>
+                      <m:fPr>
+                        <m:ctrlPr>
+                          <a:rPr lang="en-US" sz="2000" i="1" smtClean="0">
+                            <a:latin typeface="Cambria Math" panose="02040503050406030204" pitchFamily="18" charset="0"/>
+                          </a:rPr>
+                        </m:ctrlPr>
+                      </m:fPr>
+                      <m:num>
+                        <m:r>
+                          <a:rPr lang="en-US" sz="2000" i="1">
+                            <a:latin typeface="Cambria Math" panose="02040503050406030204" pitchFamily="18" charset="0"/>
+                            <a:ea typeface="Cambria Math" panose="02040503050406030204" pitchFamily="18" charset="0"/>
+                          </a:rPr>
+                          <m:t>𝜌</m:t>
+                        </m:r>
+                      </m:num>
+                      <m:den>
+                        <m:r>
+                          <m:rPr>
+                            <m:nor/>
+                          </m:rPr>
+                          <a:rPr lang="en-US" sz="2000" i="1" dirty="0"/>
+                          <m:t>N</m:t>
+                        </m:r>
+                        <m:r>
+                          <m:rPr>
+                            <m:nor/>
+                          </m:rPr>
+                          <a:rPr lang="en-US" sz="2000" i="1" baseline="-25000" dirty="0"/>
+                          <m:t>t</m:t>
+                        </m:r>
+                      </m:den>
+                    </m:f>
+                  </m:oMath>
+                </a14:m>
+                <a:endParaRPr lang="en-US" sz="2000" i="1" dirty="0"/>
+              </a:p>
+            </p:txBody>
+          </p:sp>
+        </mc:Choice>
+        <mc:Fallback xmlns="">
+          <p:sp>
+            <p:nvSpPr>
+              <p:cNvPr id="3" name="Content Placeholder 2">
+                <a:extLst>
+                  <a:ext uri="{FF2B5EF4-FFF2-40B4-BE49-F238E27FC236}">
+                    <a16:creationId xmlns:a16="http://schemas.microsoft.com/office/drawing/2014/main" id="{46B613B5-1363-7F66-8348-4DC7BE31EBD0}"/>
                   </a:ext>
                 </a:extLst>
               </p:cNvPr>
@@ -20836,7 +22101,7 @@
               <a:blipFill>
                 <a:blip r:embed="rId2"/>
                 <a:stretch>
-                  <a:fillRect l="-522" t="-4987" r="-1159"/>
+                  <a:fillRect l="-522"/>
                 </a:stretch>
               </a:blipFill>
             </p:spPr>
@@ -20860,7 +22125,7 @@
           <p:cNvPr id="4" name="Slide Number Placeholder 3">
             <a:extLst>
               <a:ext uri="{FF2B5EF4-FFF2-40B4-BE49-F238E27FC236}">
-                <a16:creationId xmlns:a16="http://schemas.microsoft.com/office/drawing/2014/main" id="{63819E69-0DDC-7D99-A732-65D4D51B548D}"/>
+                <a16:creationId xmlns:a16="http://schemas.microsoft.com/office/drawing/2014/main" id="{FAE247B0-9219-EC54-7976-462D3DDEB6F2}"/>
               </a:ext>
             </a:extLst>
           </p:cNvPr>
@@ -20878,7 +22143,7 @@
           <a:p>
             <a:fld id="{A439D109-9F59-4B0B-8E20-D6D3A384B1F1}" type="slidenum">
               <a:rPr lang="ko-KR" altLang="en-US" smtClean="0"/>
-              <a:t>24</a:t>
+              <a:t>27</a:t>
             </a:fld>
             <a:endParaRPr lang="ko-KR" altLang="en-US"/>
           </a:p>
@@ -20887,7 +22152,7 @@
     </p:spTree>
     <p:extLst>
       <p:ext uri="{BB962C8B-B14F-4D97-AF65-F5344CB8AC3E}">
-        <p14:creationId xmlns:p14="http://schemas.microsoft.com/office/powerpoint/2010/main" val="3375202585"/>
+        <p14:creationId xmlns:p14="http://schemas.microsoft.com/office/powerpoint/2010/main" val="3632514572"/>
       </p:ext>
     </p:extLst>
   </p:cSld>
@@ -20897,7 +22162,7 @@
 </p:sld>
 </file>
 
-<file path=ppt/slides/slide25.xml><?xml version="1.0" encoding="utf-8"?>
+<file path=ppt/slides/slide28.xml><?xml version="1.0" encoding="utf-8"?>
 <p:sld xmlns:a="http://schemas.openxmlformats.org/drawingml/2006/main" xmlns:r="http://schemas.openxmlformats.org/officeDocument/2006/relationships" xmlns:p="http://schemas.openxmlformats.org/presentationml/2006/main">
   <p:cSld>
     <p:spTree>
@@ -20937,7 +22202,7 @@
           <a:p>
             <a:fld id="{A439D109-9F59-4B0B-8E20-D6D3A384B1F1}" type="slidenum">
               <a:rPr lang="ko-KR" altLang="en-US" smtClean="0"/>
-              <a:t>25</a:t>
+              <a:t>28</a:t>
             </a:fld>
             <a:endParaRPr lang="ko-KR" altLang="en-US"/>
           </a:p>
@@ -20957,7 +22222,7 @@
         </p:nvSpPr>
         <p:spPr>
           <a:xfrm>
-            <a:off x="3799642" y="2601157"/>
+            <a:off x="3738096" y="2548403"/>
             <a:ext cx="5140172" cy="954107"/>
           </a:xfrm>
           <a:prstGeom prst="rect">
@@ -20986,7 +22251,7 @@
                 <a:latin typeface="Arial" panose="020B0604020202020204" pitchFamily="34" charset="0"/>
                 <a:cs typeface="Arial" panose="020B0604020202020204" pitchFamily="34" charset="0"/>
               </a:rPr>
-              <a:t>Thank You for Cooperation</a:t>
+              <a:t>Thank Your Listening.</a:t>
             </a:r>
             <a:br>
               <a:rPr lang="en-US" sz="2800" b="1" dirty="0">

--- a/SDM.pptx
+++ b/SDM.pptx
@@ -5,7 +5,7 @@
     <p:sldMasterId id="2147483648" r:id="rId1"/>
   </p:sldMasterIdLst>
   <p:notesMasterIdLst>
-    <p:notesMasterId r:id="rId30"/>
+    <p:notesMasterId r:id="rId36"/>
   </p:notesMasterIdLst>
   <p:sldIdLst>
     <p:sldId id="1596" r:id="rId2"/>
@@ -35,7 +35,13 @@
     <p:sldId id="1620" r:id="rId26"/>
     <p:sldId id="1621" r:id="rId27"/>
     <p:sldId id="1622" r:id="rId28"/>
-    <p:sldId id="1555" r:id="rId29"/>
+    <p:sldId id="1623" r:id="rId29"/>
+    <p:sldId id="1624" r:id="rId30"/>
+    <p:sldId id="1625" r:id="rId31"/>
+    <p:sldId id="1626" r:id="rId32"/>
+    <p:sldId id="1627" r:id="rId33"/>
+    <p:sldId id="1628" r:id="rId34"/>
+    <p:sldId id="1555" r:id="rId35"/>
   </p:sldIdLst>
   <p:sldSz cx="12192000" cy="6858000"/>
   <p:notesSz cx="6858000" cy="9144000"/>
@@ -423,7 +429,7 @@
           <a:p>
             <a:fld id="{0D7A80AD-75C0-4139-8349-D7A56AAE3422}" type="datetimeFigureOut">
               <a:rPr lang="ko-KR" altLang="en-US" smtClean="0"/>
-              <a:t>2023-10-24</a:t>
+              <a:t>2023-11-23</a:t>
             </a:fld>
             <a:endParaRPr lang="ko-KR" altLang="en-US"/>
           </a:p>
@@ -774,6 +780,90 @@
 </p:notes>
 </file>
 
+<file path=ppt/notesSlides/notesSlide2.xml><?xml version="1.0" encoding="utf-8"?>
+<p:notes xmlns:a="http://schemas.openxmlformats.org/drawingml/2006/main" xmlns:r="http://schemas.openxmlformats.org/officeDocument/2006/relationships" xmlns:p="http://schemas.openxmlformats.org/presentationml/2006/main">
+  <p:cSld>
+    <p:spTree>
+      <p:nvGrpSpPr>
+        <p:cNvPr id="1" name=""/>
+        <p:cNvGrpSpPr/>
+        <p:nvPr/>
+      </p:nvGrpSpPr>
+      <p:grpSpPr>
+        <a:xfrm>
+          <a:off x="0" y="0"/>
+          <a:ext cx="0" cy="0"/>
+          <a:chOff x="0" y="0"/>
+          <a:chExt cx="0" cy="0"/>
+        </a:xfrm>
+      </p:grpSpPr>
+      <p:sp>
+        <p:nvSpPr>
+          <p:cNvPr id="2" name="Slide Image Placeholder 1"/>
+          <p:cNvSpPr>
+            <a:spLocks noGrp="1" noRot="1" noChangeAspect="1"/>
+          </p:cNvSpPr>
+          <p:nvPr>
+            <p:ph type="sldImg"/>
+          </p:nvPr>
+        </p:nvSpPr>
+        <p:spPr/>
+      </p:sp>
+      <p:sp>
+        <p:nvSpPr>
+          <p:cNvPr id="3" name="Notes Placeholder 2"/>
+          <p:cNvSpPr>
+            <a:spLocks noGrp="1"/>
+          </p:cNvSpPr>
+          <p:nvPr>
+            <p:ph type="body" idx="1"/>
+          </p:nvPr>
+        </p:nvSpPr>
+        <p:spPr/>
+        <p:txBody>
+          <a:bodyPr/>
+          <a:lstStyle/>
+          <a:p>
+            <a:endParaRPr lang="en-US" dirty="0"/>
+          </a:p>
+        </p:txBody>
+      </p:sp>
+      <p:sp>
+        <p:nvSpPr>
+          <p:cNvPr id="4" name="Slide Number Placeholder 3"/>
+          <p:cNvSpPr>
+            <a:spLocks noGrp="1"/>
+          </p:cNvSpPr>
+          <p:nvPr>
+            <p:ph type="sldNum" sz="quarter" idx="5"/>
+          </p:nvPr>
+        </p:nvSpPr>
+        <p:spPr/>
+        <p:txBody>
+          <a:bodyPr/>
+          <a:lstStyle/>
+          <a:p>
+            <a:fld id="{79B06930-2FBF-4BDF-BB7A-ED0F3C0B8516}" type="slidenum">
+              <a:rPr lang="ko-KR" altLang="en-US" smtClean="0"/>
+              <a:t>33</a:t>
+            </a:fld>
+            <a:endParaRPr lang="ko-KR" altLang="en-US"/>
+          </a:p>
+        </p:txBody>
+      </p:sp>
+    </p:spTree>
+    <p:extLst>
+      <p:ext uri="{BB962C8B-B14F-4D97-AF65-F5344CB8AC3E}">
+        <p14:creationId xmlns:p14="http://schemas.microsoft.com/office/powerpoint/2010/main" val="17175544"/>
+      </p:ext>
+    </p:extLst>
+  </p:cSld>
+  <p:clrMapOvr>
+    <a:masterClrMapping/>
+  </p:clrMapOvr>
+</p:notes>
+</file>
+
 <file path=ppt/slideLayouts/slideLayout1.xml><?xml version="1.0" encoding="utf-8"?>
 <p:sldLayout xmlns:a="http://schemas.openxmlformats.org/drawingml/2006/main" xmlns:r="http://schemas.openxmlformats.org/officeDocument/2006/relationships" xmlns:p="http://schemas.openxmlformats.org/presentationml/2006/main" type="title" preserve="1">
   <p:cSld name="제목 슬라이드">
@@ -927,7 +1017,7 @@
           <a:p>
             <a:fld id="{3DF3EF48-9CCD-4EE9-BB40-4739D0DAE972}" type="datetime1">
               <a:rPr lang="ko-KR" altLang="en-US" smtClean="0"/>
-              <a:t>2023-10-24</a:t>
+              <a:t>2023-11-23</a:t>
             </a:fld>
             <a:endParaRPr lang="ko-KR" altLang="en-US"/>
           </a:p>
@@ -1198,7 +1288,7 @@
           <a:p>
             <a:fld id="{9E45620A-9A66-47B0-9218-43F171A33458}" type="datetime1">
               <a:rPr lang="ko-KR" altLang="en-US" smtClean="0"/>
-              <a:t>2023-10-24</a:t>
+              <a:t>2023-11-23</a:t>
             </a:fld>
             <a:endParaRPr lang="ko-KR" altLang="en-US"/>
           </a:p>
@@ -1474,7 +1564,7 @@
           <a:p>
             <a:fld id="{C1E586D9-B5F3-454A-8918-B4C99ED5AEDE}" type="datetime1">
               <a:rPr lang="ko-KR" altLang="en-US" smtClean="0"/>
-              <a:t>2023-10-24</a:t>
+              <a:t>2023-11-23</a:t>
             </a:fld>
             <a:endParaRPr lang="ko-KR" altLang="en-US"/>
           </a:p>
@@ -1698,7 +1788,7 @@
           <a:p>
             <a:fld id="{B0E4ADD3-F434-478C-876A-1D3933DF4707}" type="datetime1">
               <a:rPr lang="ko-KR" altLang="en-US" smtClean="0"/>
-              <a:t>2023-10-24</a:t>
+              <a:t>2023-11-23</a:t>
             </a:fld>
             <a:endParaRPr lang="ko-KR" altLang="en-US"/>
           </a:p>
@@ -2052,7 +2142,7 @@
           <a:p>
             <a:fld id="{38DF26BB-6A75-410D-A6B0-8FD34915C10D}" type="datetime1">
               <a:rPr lang="ko-KR" altLang="en-US" smtClean="0"/>
-              <a:t>2023-10-24</a:t>
+              <a:t>2023-11-23</a:t>
             </a:fld>
             <a:endParaRPr lang="ko-KR" altLang="en-US"/>
           </a:p>
@@ -2432,7 +2522,7 @@
           <a:p>
             <a:fld id="{4584CDF8-1723-475A-8393-34F016E9B184}" type="datetime1">
               <a:rPr lang="ko-KR" altLang="en-US" smtClean="0"/>
-              <a:t>2023-10-24</a:t>
+              <a:t>2023-11-23</a:t>
             </a:fld>
             <a:endParaRPr lang="ko-KR" altLang="en-US"/>
           </a:p>
@@ -2912,7 +3002,7 @@
           <a:p>
             <a:fld id="{FB8CCD4A-1F8C-4D3E-BDD6-84C4090AF0D6}" type="datetime1">
               <a:rPr lang="ko-KR" altLang="en-US" smtClean="0"/>
-              <a:t>2023-10-24</a:t>
+              <a:t>2023-11-23</a:t>
             </a:fld>
             <a:endParaRPr lang="ko-KR" altLang="en-US"/>
           </a:p>
@@ -3053,7 +3143,7 @@
           <a:p>
             <a:fld id="{CE073545-46C1-49FB-A041-5415163523D0}" type="datetime1">
               <a:rPr lang="ko-KR" altLang="en-US" smtClean="0"/>
-              <a:t>2023-10-24</a:t>
+              <a:t>2023-11-23</a:t>
             </a:fld>
             <a:endParaRPr lang="ko-KR" altLang="en-US"/>
           </a:p>
@@ -3234,7 +3324,7 @@
           <a:p>
             <a:fld id="{7EDBC6A4-6274-4803-89FF-1DA18D4FE7AA}" type="datetime1">
               <a:rPr lang="ko-KR" altLang="en-US" smtClean="0"/>
-              <a:t>2023-10-24</a:t>
+              <a:t>2023-11-23</a:t>
             </a:fld>
             <a:endParaRPr lang="ko-KR" altLang="en-US"/>
           </a:p>
@@ -3545,7 +3635,7 @@
           <a:p>
             <a:fld id="{B84A353D-6971-4305-AB04-6AEE4DD0E048}" type="datetime1">
               <a:rPr lang="ko-KR" altLang="en-US" smtClean="0"/>
-              <a:t>2023-10-24</a:t>
+              <a:t>2023-11-23</a:t>
             </a:fld>
             <a:endParaRPr lang="ko-KR" altLang="en-US"/>
           </a:p>
@@ -3833,7 +3923,7 @@
           <a:p>
             <a:fld id="{4AC75523-461B-44DB-AD97-7C06B206BE7B}" type="datetime1">
               <a:rPr lang="ko-KR" altLang="en-US" smtClean="0"/>
-              <a:t>2023-10-24</a:t>
+              <a:t>2023-11-23</a:t>
             </a:fld>
             <a:endParaRPr lang="ko-KR" altLang="en-US"/>
           </a:p>
@@ -4078,7 +4168,7 @@
           <a:p>
             <a:fld id="{9D1D2423-15C0-4D7C-B759-40ACCC100800}" type="datetime1">
               <a:rPr lang="ko-KR" altLang="en-US" smtClean="0"/>
-              <a:t>2023-10-24</a:t>
+              <a:t>2023-11-23</a:t>
             </a:fld>
             <a:endParaRPr lang="ko-KR" altLang="en-US"/>
           </a:p>
@@ -22181,10 +22271,523 @@
       </p:grpSpPr>
       <p:sp>
         <p:nvSpPr>
-          <p:cNvPr id="2" name="Slide Number Placeholder 1">
+          <p:cNvPr id="2" name="Title 1">
             <a:extLst>
               <a:ext uri="{FF2B5EF4-FFF2-40B4-BE49-F238E27FC236}">
-                <a16:creationId xmlns:a16="http://schemas.microsoft.com/office/drawing/2014/main" id="{1E8DBDDC-461B-4CBA-92C5-B19A06DCDE1B}"/>
+                <a16:creationId xmlns:a16="http://schemas.microsoft.com/office/drawing/2014/main" id="{8077CDE7-0834-BB58-A32F-60929CB22F5C}"/>
+              </a:ext>
+            </a:extLst>
+          </p:cNvPr>
+          <p:cNvSpPr>
+            <a:spLocks noGrp="1"/>
+          </p:cNvSpPr>
+          <p:nvPr>
+            <p:ph type="title"/>
+          </p:nvPr>
+        </p:nvSpPr>
+        <p:spPr/>
+        <p:txBody>
+          <a:bodyPr/>
+          <a:lstStyle/>
+          <a:p>
+            <a:r>
+              <a:rPr lang="en-US" dirty="0"/>
+              <a:t>The Minimum Mean Square Error solution</a:t>
+            </a:r>
+          </a:p>
+        </p:txBody>
+      </p:sp>
+      <mc:AlternateContent xmlns:mc="http://schemas.openxmlformats.org/markup-compatibility/2006">
+        <mc:Choice xmlns:a14="http://schemas.microsoft.com/office/drawing/2010/main" Requires="a14">
+          <p:sp>
+            <p:nvSpPr>
+              <p:cNvPr id="3" name="Content Placeholder 2">
+                <a:extLst>
+                  <a:ext uri="{FF2B5EF4-FFF2-40B4-BE49-F238E27FC236}">
+                    <a16:creationId xmlns:a16="http://schemas.microsoft.com/office/drawing/2014/main" id="{648282D5-5B9B-DB1B-B141-A5596FA6CE15}"/>
+                  </a:ext>
+                </a:extLst>
+              </p:cNvPr>
+              <p:cNvSpPr>
+                <a:spLocks noGrp="1"/>
+              </p:cNvSpPr>
+              <p:nvPr>
+                <p:ph idx="1"/>
+              </p:nvPr>
+            </p:nvSpPr>
+            <p:spPr/>
+            <p:txBody>
+              <a:bodyPr/>
+              <a:lstStyle/>
+              <a:p>
+                <a:r>
+                  <a:rPr lang="en-US" dirty="0"/>
+                  <a:t>In estimation theory, Estimating a random variable s based on observations x  </a:t>
+                </a:r>
+              </a:p>
+              <a:p>
+                <a:r>
+                  <a:rPr lang="en-US" dirty="0"/>
+                  <a:t>Choose a function g(x) that minimizes the Mean Square Error</a:t>
+                </a:r>
+              </a:p>
+              <a:p>
+                <a:pPr marL="0" indent="0">
+                  <a:buNone/>
+                </a:pPr>
+                <a:r>
+                  <a:rPr lang="en-US" dirty="0"/>
+                  <a:t> </a:t>
+                </a:r>
+              </a:p>
+              <a:p>
+                <a:pPr marL="0" indent="0">
+                  <a:buNone/>
+                </a:pPr>
+                <a:r>
+                  <a:rPr lang="en-US" dirty="0"/>
+                  <a:t> </a:t>
+                </a:r>
+                <a14:m>
+                  <m:oMath xmlns:m="http://schemas.openxmlformats.org/officeDocument/2006/math">
+                    <m:sSup>
+                      <m:sSupPr>
+                        <m:ctrlPr>
+                          <a:rPr lang="en-US" b="0" i="1" smtClean="0">
+                            <a:latin typeface="Cambria Math" panose="02040503050406030204" pitchFamily="18" charset="0"/>
+                            <a:ea typeface="Cambria Math" panose="02040503050406030204" pitchFamily="18" charset="0"/>
+                          </a:rPr>
+                        </m:ctrlPr>
+                      </m:sSupPr>
+                      <m:e>
+                        <m:r>
+                          <a:rPr lang="en-US" b="0" i="1" smtClean="0">
+                            <a:latin typeface="Cambria Math" panose="02040503050406030204" pitchFamily="18" charset="0"/>
+                            <a:ea typeface="Cambria Math" panose="02040503050406030204" pitchFamily="18" charset="0"/>
+                          </a:rPr>
+                          <m:t>                                       </m:t>
+                        </m:r>
+                        <m:r>
+                          <a:rPr lang="en-US" i="1" smtClean="0">
+                            <a:latin typeface="Cambria Math" panose="02040503050406030204" pitchFamily="18" charset="0"/>
+                            <a:ea typeface="Cambria Math" panose="02040503050406030204" pitchFamily="18" charset="0"/>
+                          </a:rPr>
+                          <m:t>𝜀</m:t>
+                        </m:r>
+                      </m:e>
+                      <m:sup>
+                        <m:r>
+                          <a:rPr lang="en-US" b="0" i="1" smtClean="0">
+                            <a:latin typeface="Cambria Math" panose="02040503050406030204" pitchFamily="18" charset="0"/>
+                            <a:ea typeface="Cambria Math" panose="02040503050406030204" pitchFamily="18" charset="0"/>
+                          </a:rPr>
+                          <m:t>2</m:t>
+                        </m:r>
+                      </m:sup>
+                    </m:sSup>
+                    <m:r>
+                      <a:rPr lang="en-US" b="0" i="1" smtClean="0">
+                        <a:latin typeface="Cambria Math" panose="02040503050406030204" pitchFamily="18" charset="0"/>
+                        <a:ea typeface="Cambria Math" panose="02040503050406030204" pitchFamily="18" charset="0"/>
+                      </a:rPr>
+                      <m:t>=</m:t>
+                    </m:r>
+                  </m:oMath>
+                </a14:m>
+                <a:r>
+                  <a:rPr lang="en-US" dirty="0"/>
+                  <a:t> E [(s – </a:t>
+                </a:r>
+                <a:r>
+                  <a:rPr lang="en-US" dirty="0" err="1"/>
+                  <a:t>s</a:t>
+                </a:r>
+                <a:r>
+                  <a:rPr lang="en-US" baseline="-25000" dirty="0" err="1"/>
+                  <a:t>est</a:t>
+                </a:r>
+                <a:r>
+                  <a:rPr lang="en-US" dirty="0"/>
+                  <a:t>)*(s- </a:t>
+                </a:r>
+                <a:r>
+                  <a:rPr lang="en-US" dirty="0" err="1"/>
+                  <a:t>s</a:t>
+                </a:r>
+                <a:r>
+                  <a:rPr lang="en-US" baseline="-25000" dirty="0" err="1"/>
+                  <a:t>est</a:t>
+                </a:r>
+                <a:r>
+                  <a:rPr lang="en-US" dirty="0"/>
+                  <a:t>) ] = [(s – g(x))* (s-g(x))]</a:t>
+                </a:r>
+              </a:p>
+              <a:p>
+                <a:r>
+                  <a:rPr lang="en-US" dirty="0"/>
+                  <a:t> Using linear processing, the estimates of s can be found by</a:t>
+                </a:r>
+              </a:p>
+              <a:p>
+                <a:pPr marL="0" indent="0">
+                  <a:buNone/>
+                </a:pPr>
+                <a:r>
+                  <a:rPr lang="en-US" dirty="0"/>
+                  <a:t>                                              </a:t>
+                </a:r>
+                <a:r>
+                  <a:rPr lang="en-US" dirty="0" err="1"/>
+                  <a:t>s</a:t>
+                </a:r>
+                <a:r>
+                  <a:rPr lang="en-US" baseline="-25000" dirty="0" err="1"/>
+                  <a:t>est</a:t>
+                </a:r>
+                <a:r>
+                  <a:rPr lang="en-US" baseline="-25000" dirty="0"/>
+                  <a:t> </a:t>
+                </a:r>
+                <a:r>
+                  <a:rPr lang="en-US" dirty="0"/>
+                  <a:t>= Dx</a:t>
+                </a:r>
+              </a:p>
+              <a:p>
+                <a:r>
+                  <a:rPr lang="en-US" dirty="0"/>
+                  <a:t>D must be chosen such that the Mean Square Error </a:t>
+                </a:r>
+                <a14:m>
+                  <m:oMath xmlns:m="http://schemas.openxmlformats.org/officeDocument/2006/math">
+                    <m:sSup>
+                      <m:sSupPr>
+                        <m:ctrlPr>
+                          <a:rPr lang="en-US" b="0" i="1" smtClean="0">
+                            <a:latin typeface="Cambria Math" panose="02040503050406030204" pitchFamily="18" charset="0"/>
+                            <a:ea typeface="Cambria Math" panose="02040503050406030204" pitchFamily="18" charset="0"/>
+                          </a:rPr>
+                        </m:ctrlPr>
+                      </m:sSupPr>
+                      <m:e>
+                        <m:r>
+                          <a:rPr lang="en-US" i="1" smtClean="0">
+                            <a:latin typeface="Cambria Math" panose="02040503050406030204" pitchFamily="18" charset="0"/>
+                            <a:ea typeface="Cambria Math" panose="02040503050406030204" pitchFamily="18" charset="0"/>
+                          </a:rPr>
+                          <m:t>𝜀</m:t>
+                        </m:r>
+                      </m:e>
+                      <m:sup>
+                        <m:r>
+                          <a:rPr lang="en-US" b="0" i="1" smtClean="0">
+                            <a:latin typeface="Cambria Math" panose="02040503050406030204" pitchFamily="18" charset="0"/>
+                            <a:ea typeface="Cambria Math" panose="02040503050406030204" pitchFamily="18" charset="0"/>
+                          </a:rPr>
+                          <m:t>2</m:t>
+                        </m:r>
+                      </m:sup>
+                    </m:sSup>
+                  </m:oMath>
+                </a14:m>
+                <a:r>
+                  <a:rPr lang="en-US" dirty="0"/>
+                  <a:t> is minimized</a:t>
+                </a:r>
+              </a:p>
+              <a:p>
+                <a:pPr marL="0" indent="0">
+                  <a:buNone/>
+                </a:pPr>
+                <a:r>
+                  <a:rPr lang="en-US" dirty="0"/>
+                  <a:t>                                      </a:t>
+                </a:r>
+                <a14:m>
+                  <m:oMath xmlns:m="http://schemas.openxmlformats.org/officeDocument/2006/math">
+                    <m:sSup>
+                      <m:sSupPr>
+                        <m:ctrlPr>
+                          <a:rPr lang="en-US" b="0" i="1" smtClean="0">
+                            <a:latin typeface="Cambria Math" panose="02040503050406030204" pitchFamily="18" charset="0"/>
+                            <a:ea typeface="Cambria Math" panose="02040503050406030204" pitchFamily="18" charset="0"/>
+                          </a:rPr>
+                        </m:ctrlPr>
+                      </m:sSupPr>
+                      <m:e>
+                        <m:r>
+                          <a:rPr lang="en-US" b="0" i="1" smtClean="0">
+                            <a:latin typeface="Cambria Math" panose="02040503050406030204" pitchFamily="18" charset="0"/>
+                            <a:ea typeface="Cambria Math" panose="02040503050406030204" pitchFamily="18" charset="0"/>
+                          </a:rPr>
+                          <m:t>        </m:t>
+                        </m:r>
+                        <m:r>
+                          <a:rPr lang="en-US" i="1" smtClean="0">
+                            <a:latin typeface="Cambria Math" panose="02040503050406030204" pitchFamily="18" charset="0"/>
+                            <a:ea typeface="Cambria Math" panose="02040503050406030204" pitchFamily="18" charset="0"/>
+                          </a:rPr>
+                          <m:t>𝜀</m:t>
+                        </m:r>
+                      </m:e>
+                      <m:sup>
+                        <m:r>
+                          <a:rPr lang="en-US" b="0" i="1" smtClean="0">
+                            <a:latin typeface="Cambria Math" panose="02040503050406030204" pitchFamily="18" charset="0"/>
+                            <a:ea typeface="Cambria Math" panose="02040503050406030204" pitchFamily="18" charset="0"/>
+                          </a:rPr>
+                          <m:t>2</m:t>
+                        </m:r>
+                      </m:sup>
+                    </m:sSup>
+                    <m:r>
+                      <a:rPr lang="en-US" b="0" i="1" smtClean="0">
+                        <a:latin typeface="Cambria Math" panose="02040503050406030204" pitchFamily="18" charset="0"/>
+                        <a:ea typeface="Cambria Math" panose="02040503050406030204" pitchFamily="18" charset="0"/>
+                      </a:rPr>
+                      <m:t>=</m:t>
+                    </m:r>
+                  </m:oMath>
+                </a14:m>
+                <a:r>
+                  <a:rPr lang="en-US" dirty="0"/>
+                  <a:t> E [(s – </a:t>
+                </a:r>
+                <a:r>
+                  <a:rPr lang="en-US" dirty="0" err="1"/>
+                  <a:t>s</a:t>
+                </a:r>
+                <a:r>
+                  <a:rPr lang="en-US" baseline="-25000" dirty="0" err="1"/>
+                  <a:t>est</a:t>
+                </a:r>
+                <a:r>
+                  <a:rPr lang="en-US" dirty="0"/>
+                  <a:t>)*(s- </a:t>
+                </a:r>
+                <a:r>
+                  <a:rPr lang="en-US" dirty="0" err="1"/>
+                  <a:t>s</a:t>
+                </a:r>
+                <a:r>
+                  <a:rPr lang="en-US" baseline="-25000" dirty="0" err="1"/>
+                  <a:t>est</a:t>
+                </a:r>
+                <a:r>
+                  <a:rPr lang="en-US" dirty="0"/>
+                  <a:t>) ] = E[(s – Dx)* (s- Dx)]</a:t>
+                </a:r>
+              </a:p>
+              <a:p>
+                <a:pPr marL="0" indent="0">
+                  <a:buNone/>
+                </a:pPr>
+                <a:r>
+                  <a:rPr lang="en-US" dirty="0"/>
+                  <a:t>                                            E[(s – Dx)* (s- Dx)] = tr(E[(s – Dx)* (s- Dx)] )</a:t>
+                </a:r>
+              </a:p>
+              <a:p>
+                <a:pPr marL="0" indent="0">
+                  <a:buNone/>
+                </a:pPr>
+                <a:r>
+                  <a:rPr lang="en-US" dirty="0"/>
+                  <a:t>                                                                            = tr(Q</a:t>
+                </a:r>
+                <a:r>
+                  <a:rPr lang="en-US" baseline="-25000" dirty="0"/>
+                  <a:t>s</a:t>
+                </a:r>
+                <a:r>
+                  <a:rPr lang="en-US" dirty="0"/>
+                  <a:t> – </a:t>
+                </a:r>
+                <a:r>
+                  <a:rPr lang="en-US" dirty="0" err="1"/>
+                  <a:t>Q</a:t>
+                </a:r>
+                <a:r>
+                  <a:rPr lang="en-US" baseline="-25000" dirty="0" err="1"/>
+                  <a:t>sx</a:t>
+                </a:r>
+                <a:r>
+                  <a:rPr lang="en-US" dirty="0" err="1"/>
+                  <a:t>D</a:t>
+                </a:r>
+                <a:r>
+                  <a:rPr lang="en-US" dirty="0"/>
+                  <a:t>* - </a:t>
+                </a:r>
+                <a:r>
+                  <a:rPr lang="en-US" dirty="0" err="1"/>
+                  <a:t>DQ</a:t>
+                </a:r>
+                <a:r>
+                  <a:rPr lang="en-US" baseline="-25000" dirty="0" err="1"/>
+                  <a:t>xs</a:t>
+                </a:r>
+                <a:r>
+                  <a:rPr lang="en-US" dirty="0"/>
+                  <a:t> + </a:t>
+                </a:r>
+                <a:r>
+                  <a:rPr lang="en-US" dirty="0" err="1"/>
+                  <a:t>DQ</a:t>
+                </a:r>
+                <a:r>
+                  <a:rPr lang="en-US" baseline="-25000" dirty="0" err="1"/>
+                  <a:t>x</a:t>
+                </a:r>
+                <a:r>
+                  <a:rPr lang="en-US" dirty="0" err="1"/>
+                  <a:t>D</a:t>
+                </a:r>
+                <a:r>
+                  <a:rPr lang="en-US" dirty="0"/>
+                  <a:t>*)</a:t>
+                </a:r>
+              </a:p>
+              <a:p>
+                <a:pPr marL="0" indent="0">
+                  <a:buNone/>
+                </a:pPr>
+                <a:r>
+                  <a:rPr lang="en-US" dirty="0"/>
+                  <a:t>                            Where Q</a:t>
+                </a:r>
+                <a:r>
+                  <a:rPr lang="en-US" baseline="-25000" dirty="0"/>
+                  <a:t>s</a:t>
+                </a:r>
+                <a:r>
+                  <a:rPr lang="en-US" dirty="0"/>
+                  <a:t> = E[ss*], </a:t>
+                </a:r>
+                <a:r>
+                  <a:rPr lang="en-US" dirty="0" err="1"/>
+                  <a:t>Q</a:t>
+                </a:r>
+                <a:r>
+                  <a:rPr lang="en-US" baseline="-25000" dirty="0" err="1"/>
+                  <a:t>sx</a:t>
+                </a:r>
+                <a:r>
+                  <a:rPr lang="en-US" dirty="0"/>
+                  <a:t> = E[</a:t>
+                </a:r>
+                <a:r>
+                  <a:rPr lang="en-US" dirty="0" err="1"/>
+                  <a:t>sx</a:t>
+                </a:r>
+                <a:r>
+                  <a:rPr lang="en-US" dirty="0"/>
+                  <a:t>*], </a:t>
+                </a:r>
+                <a:r>
+                  <a:rPr lang="en-US" dirty="0" err="1"/>
+                  <a:t>Q</a:t>
+                </a:r>
+                <a:r>
+                  <a:rPr lang="en-US" baseline="-25000" dirty="0" err="1"/>
+                  <a:t>xs</a:t>
+                </a:r>
+                <a:r>
+                  <a:rPr lang="en-US" dirty="0"/>
+                  <a:t> = E[</a:t>
+                </a:r>
+                <a:r>
+                  <a:rPr lang="en-US" dirty="0" err="1"/>
+                  <a:t>xs</a:t>
+                </a:r>
+                <a:r>
+                  <a:rPr lang="en-US" dirty="0"/>
+                  <a:t>*] and </a:t>
+                </a:r>
+                <a:r>
+                  <a:rPr lang="en-US" dirty="0" err="1"/>
+                  <a:t>Q</a:t>
+                </a:r>
+                <a:r>
+                  <a:rPr lang="en-US" baseline="-25000" dirty="0" err="1"/>
+                  <a:t>x</a:t>
+                </a:r>
+                <a:r>
+                  <a:rPr lang="en-US" dirty="0"/>
+                  <a:t> = E[xx*]</a:t>
+                </a:r>
+              </a:p>
+              <a:p>
+                <a:pPr marL="0" indent="0">
+                  <a:buNone/>
+                </a:pPr>
+                <a:r>
+                  <a:rPr lang="en-US" dirty="0"/>
+                  <a:t>                    </a:t>
+                </a:r>
+              </a:p>
+              <a:p>
+                <a:pPr marL="0" indent="0">
+                  <a:buNone/>
+                </a:pPr>
+                <a:endParaRPr lang="en-US" dirty="0"/>
+              </a:p>
+              <a:p>
+                <a:pPr marL="0" indent="0">
+                  <a:buNone/>
+                </a:pPr>
+                <a:endParaRPr lang="en-US" dirty="0"/>
+              </a:p>
+            </p:txBody>
+          </p:sp>
+        </mc:Choice>
+        <mc:Fallback>
+          <p:sp>
+            <p:nvSpPr>
+              <p:cNvPr id="3" name="Content Placeholder 2">
+                <a:extLst>
+                  <a:ext uri="{FF2B5EF4-FFF2-40B4-BE49-F238E27FC236}">
+                    <a16:creationId xmlns:a16="http://schemas.microsoft.com/office/drawing/2014/main" id="{648282D5-5B9B-DB1B-B141-A5596FA6CE15}"/>
+                  </a:ext>
+                </a:extLst>
+              </p:cNvPr>
+              <p:cNvSpPr>
+                <a:spLocks noGrp="1" noRot="1" noChangeAspect="1" noMove="1" noResize="1" noEditPoints="1" noAdjustHandles="1" noChangeArrowheads="1" noChangeShapeType="1" noTextEdit="1"/>
+              </p:cNvSpPr>
+              <p:nvPr>
+                <p:ph idx="1"/>
+              </p:nvPr>
+            </p:nvSpPr>
+            <p:spPr>
+              <a:blipFill>
+                <a:blip r:embed="rId2"/>
+                <a:stretch>
+                  <a:fillRect l="-522" t="-1348"/>
+                </a:stretch>
+              </a:blipFill>
+            </p:spPr>
+            <p:txBody>
+              <a:bodyPr/>
+              <a:lstStyle/>
+              <a:p>
+                <a:r>
+                  <a:rPr lang="en-US">
+                    <a:noFill/>
+                  </a:rPr>
+                  <a:t> </a:t>
+                </a:r>
+              </a:p>
+            </p:txBody>
+          </p:sp>
+        </mc:Fallback>
+      </mc:AlternateContent>
+      <p:sp>
+        <p:nvSpPr>
+          <p:cNvPr id="4" name="Slide Number Placeholder 3">
+            <a:extLst>
+              <a:ext uri="{FF2B5EF4-FFF2-40B4-BE49-F238E27FC236}">
+                <a16:creationId xmlns:a16="http://schemas.microsoft.com/office/drawing/2014/main" id="{5967B3D4-B13A-9627-0CBD-9DB62AD32005}"/>
               </a:ext>
             </a:extLst>
           </p:cNvPr>
@@ -22208,72 +22811,315 @@
           </a:p>
         </p:txBody>
       </p:sp>
+    </p:spTree>
+    <p:extLst>
+      <p:ext uri="{BB962C8B-B14F-4D97-AF65-F5344CB8AC3E}">
+        <p14:creationId xmlns:p14="http://schemas.microsoft.com/office/powerpoint/2010/main" val="2582878111"/>
+      </p:ext>
+    </p:extLst>
+  </p:cSld>
+  <p:clrMapOvr>
+    <a:masterClrMapping/>
+  </p:clrMapOvr>
+</p:sld>
+</file>
+
+<file path=ppt/slides/slide29.xml><?xml version="1.0" encoding="utf-8"?>
+<p:sld xmlns:a="http://schemas.openxmlformats.org/drawingml/2006/main" xmlns:r="http://schemas.openxmlformats.org/officeDocument/2006/relationships" xmlns:p="http://schemas.openxmlformats.org/presentationml/2006/main">
+  <p:cSld>
+    <p:spTree>
+      <p:nvGrpSpPr>
+        <p:cNvPr id="1" name=""/>
+        <p:cNvGrpSpPr/>
+        <p:nvPr/>
+      </p:nvGrpSpPr>
+      <p:grpSpPr>
+        <a:xfrm>
+          <a:off x="0" y="0"/>
+          <a:ext cx="0" cy="0"/>
+          <a:chOff x="0" y="0"/>
+          <a:chExt cx="0" cy="0"/>
+        </a:xfrm>
+      </p:grpSpPr>
       <p:sp>
         <p:nvSpPr>
-          <p:cNvPr id="3" name="TextBox 2">
+          <p:cNvPr id="2" name="Title 1">
             <a:extLst>
               <a:ext uri="{FF2B5EF4-FFF2-40B4-BE49-F238E27FC236}">
-                <a16:creationId xmlns:a16="http://schemas.microsoft.com/office/drawing/2014/main" id="{32CBCF92-C2DB-403D-BA0D-6E5B8199F341}"/>
+                <a16:creationId xmlns:a16="http://schemas.microsoft.com/office/drawing/2014/main" id="{4A0567B4-3680-A043-3141-8A45BD667F8C}"/>
               </a:ext>
             </a:extLst>
           </p:cNvPr>
-          <p:cNvSpPr txBox="1"/>
-          <p:nvPr/>
+          <p:cNvSpPr>
+            <a:spLocks noGrp="1"/>
+          </p:cNvSpPr>
+          <p:nvPr>
+            <p:ph type="title"/>
+          </p:nvPr>
         </p:nvSpPr>
-        <p:spPr>
-          <a:xfrm>
-            <a:off x="3738096" y="2548403"/>
-            <a:ext cx="5140172" cy="954107"/>
-          </a:xfrm>
-          <a:prstGeom prst="rect">
-            <a:avLst/>
-          </a:prstGeom>
-          <a:noFill/>
-        </p:spPr>
+        <p:spPr/>
         <p:txBody>
-          <a:bodyPr wrap="square" rtlCol="0">
-            <a:spAutoFit/>
-          </a:bodyPr>
+          <a:bodyPr/>
           <a:lstStyle/>
           <a:p>
             <a:r>
-              <a:rPr lang="en-US" dirty="0">
-                <a:solidFill>
-                  <a:srgbClr val="00B0F0"/>
-                </a:solidFill>
-                <a:latin typeface="Arial" panose="020B0604020202020204" pitchFamily="34" charset="0"/>
-                <a:cs typeface="Arial" panose="020B0604020202020204" pitchFamily="34" charset="0"/>
-              </a:rPr>
-              <a:t> </a:t>
-            </a:r>
-            <a:r>
-              <a:rPr lang="en-US" sz="2800" b="1" dirty="0">
-                <a:latin typeface="Arial" panose="020B0604020202020204" pitchFamily="34" charset="0"/>
-                <a:cs typeface="Arial" panose="020B0604020202020204" pitchFamily="34" charset="0"/>
-              </a:rPr>
-              <a:t>Thank Your Listening.</a:t>
-            </a:r>
-            <a:br>
-              <a:rPr lang="en-US" sz="2800" b="1" dirty="0">
-                <a:latin typeface="Arial" panose="020B0604020202020204" pitchFamily="34" charset="0"/>
-                <a:cs typeface="Arial" panose="020B0604020202020204" pitchFamily="34" charset="0"/>
-              </a:rPr>
-            </a:br>
-            <a:r>
-              <a:rPr lang="en-US" sz="2800" b="1" dirty="0">
-                <a:latin typeface="Arial" panose="020B0604020202020204" pitchFamily="34" charset="0"/>
-                <a:cs typeface="Arial" panose="020B0604020202020204" pitchFamily="34" charset="0"/>
-              </a:rPr>
-              <a:t>  Any Questions?</a:t>
-            </a:r>
-            <a:endParaRPr lang="en-US" sz="2800" b="1" dirty="0"/>
+              <a:rPr lang="en-US" dirty="0"/>
+              <a:t>The Minimum Mean Square Error solution</a:t>
+            </a:r>
+          </a:p>
+        </p:txBody>
+      </p:sp>
+      <mc:AlternateContent xmlns:mc="http://schemas.openxmlformats.org/markup-compatibility/2006">
+        <mc:Choice xmlns:a14="http://schemas.microsoft.com/office/drawing/2010/main" Requires="a14">
+          <p:sp>
+            <p:nvSpPr>
+              <p:cNvPr id="3" name="Content Placeholder 2">
+                <a:extLst>
+                  <a:ext uri="{FF2B5EF4-FFF2-40B4-BE49-F238E27FC236}">
+                    <a16:creationId xmlns:a16="http://schemas.microsoft.com/office/drawing/2014/main" id="{DA4FB503-7B9A-6C36-A42E-B18A049BEA1A}"/>
+                  </a:ext>
+                </a:extLst>
+              </p:cNvPr>
+              <p:cNvSpPr>
+                <a:spLocks noGrp="1"/>
+              </p:cNvSpPr>
+              <p:nvPr>
+                <p:ph idx="1"/>
+              </p:nvPr>
+            </p:nvSpPr>
+            <p:spPr>
+              <a:xfrm>
+                <a:off x="838200" y="1649690"/>
+                <a:ext cx="10515600" cy="4803863"/>
+              </a:xfrm>
+            </p:spPr>
+            <p:txBody>
+              <a:bodyPr/>
+              <a:lstStyle/>
+              <a:p>
+                <a:r>
+                  <a:rPr lang="en-US" dirty="0"/>
+                  <a:t>Remark that the covariance matrices are Hermitian: Q = Q*</a:t>
+                </a:r>
+              </a:p>
+              <a:p>
+                <a:r>
+                  <a:rPr lang="en-US" dirty="0"/>
+                  <a:t>Proof)</a:t>
+                </a:r>
+              </a:p>
+              <a:p>
+                <a:pPr marL="0" indent="0">
+                  <a:buNone/>
+                </a:pPr>
+                <a:r>
+                  <a:rPr lang="en-US" dirty="0"/>
+                  <a:t>                    Let  Q = E[aa*]</a:t>
+                </a:r>
+              </a:p>
+              <a:p>
+                <a:pPr marL="0" indent="0">
+                  <a:buNone/>
+                </a:pPr>
+                <a:r>
+                  <a:rPr lang="en-US" dirty="0"/>
+                  <a:t>                    So Q* = (E[aa*])* = E[(aa*)*] = E[ (a*)* a* ] = E[a*a ] = Q</a:t>
+                </a:r>
+              </a:p>
+              <a:p>
+                <a:r>
+                  <a:rPr lang="en-US" dirty="0"/>
+                  <a:t>Remark that the covariance matrices are nonnegative definite</a:t>
+                </a:r>
+              </a:p>
+              <a:p>
+                <a:r>
+                  <a:rPr lang="en-US" dirty="0"/>
+                  <a:t>Proof)</a:t>
+                </a:r>
+              </a:p>
+              <a:p>
+                <a:pPr marL="0" indent="0">
+                  <a:buNone/>
+                </a:pPr>
+                <a:r>
+                  <a:rPr lang="en-US" dirty="0"/>
+                  <a:t>                       z Q z* = z E[aa*] z* = E[z*a a*z] = E[</a:t>
+                </a:r>
+                <a14:m>
+                  <m:oMath xmlns:m="http://schemas.openxmlformats.org/officeDocument/2006/math">
+                    <m:r>
+                      <m:rPr>
+                        <m:nor/>
+                      </m:rPr>
+                      <a:rPr lang="en-US" dirty="0"/>
+                      <m:t>|</m:t>
+                    </m:r>
+                    <m:r>
+                      <m:rPr>
+                        <m:nor/>
+                      </m:rPr>
+                      <a:rPr lang="en-US" dirty="0"/>
+                      <m:t>a</m:t>
+                    </m:r>
+                    <m:r>
+                      <m:rPr>
+                        <m:nor/>
+                      </m:rPr>
+                      <a:rPr lang="en-US" dirty="0"/>
+                      <m:t>*</m:t>
+                    </m:r>
+                    <m:r>
+                      <m:rPr>
+                        <m:nor/>
+                      </m:rPr>
+                      <a:rPr lang="en-US" dirty="0"/>
+                      <m:t>z</m:t>
+                    </m:r>
+                    <m:r>
+                      <m:rPr>
+                        <m:nor/>
+                      </m:rPr>
+                      <a:rPr lang="en-US" dirty="0"/>
+                      <m:t>|2]</m:t>
+                    </m:r>
+                  </m:oMath>
+                </a14:m>
+                <a:r>
+                  <a:rPr lang="en-US" dirty="0"/>
+                  <a:t>] </a:t>
+                </a:r>
+                <a14:m>
+                  <m:oMath xmlns:m="http://schemas.openxmlformats.org/officeDocument/2006/math">
+                    <m:r>
+                      <a:rPr lang="en-US" i="1" dirty="0" smtClean="0">
+                        <a:latin typeface="Cambria Math" panose="02040503050406030204" pitchFamily="18" charset="0"/>
+                        <a:ea typeface="Cambria Math" panose="02040503050406030204" pitchFamily="18" charset="0"/>
+                      </a:rPr>
+                      <m:t>≥</m:t>
+                    </m:r>
+                  </m:oMath>
+                </a14:m>
+                <a:r>
+                  <a:rPr lang="en-US" dirty="0"/>
+                  <a:t> 0</a:t>
+                </a:r>
+              </a:p>
+              <a:p>
+                <a:r>
+                  <a:rPr lang="en-US" dirty="0"/>
+                  <a:t>Furthermore, remark that each eigenvalue of a nonnegative definite matrix is a                   nonnegative real number.</a:t>
+                </a:r>
+              </a:p>
+              <a:p>
+                <a:r>
+                  <a:rPr lang="en-US" dirty="0"/>
+                  <a:t>Proof)</a:t>
+                </a:r>
+              </a:p>
+              <a:p>
+                <a:r>
+                  <a:rPr lang="en-US" dirty="0"/>
+                  <a:t>Let  Q be nonnegative definite,</a:t>
+                </a:r>
+              </a:p>
+              <a:p>
+                <a:r>
+                  <a:rPr lang="en-US" dirty="0"/>
+                  <a:t>       </a:t>
+                </a:r>
+                <a:r>
+                  <a:rPr lang="el-GR" dirty="0"/>
+                  <a:t>λ</a:t>
+                </a:r>
+                <a:r>
+                  <a:rPr lang="en-US" dirty="0"/>
+                  <a:t> be an eigenvalue of Q,</a:t>
+                </a:r>
+              </a:p>
+              <a:p>
+                <a:endParaRPr lang="en-US" dirty="0"/>
+              </a:p>
+            </p:txBody>
+          </p:sp>
+        </mc:Choice>
+        <mc:Fallback>
+          <p:sp>
+            <p:nvSpPr>
+              <p:cNvPr id="3" name="Content Placeholder 2">
+                <a:extLst>
+                  <a:ext uri="{FF2B5EF4-FFF2-40B4-BE49-F238E27FC236}">
+                    <a16:creationId xmlns:a16="http://schemas.microsoft.com/office/drawing/2014/main" id="{DA4FB503-7B9A-6C36-A42E-B18A049BEA1A}"/>
+                  </a:ext>
+                </a:extLst>
+              </p:cNvPr>
+              <p:cNvSpPr>
+                <a:spLocks noGrp="1" noRot="1" noChangeAspect="1" noMove="1" noResize="1" noEditPoints="1" noAdjustHandles="1" noChangeArrowheads="1" noChangeShapeType="1" noTextEdit="1"/>
+              </p:cNvSpPr>
+              <p:nvPr>
+                <p:ph idx="1"/>
+              </p:nvPr>
+            </p:nvSpPr>
+            <p:spPr>
+              <a:xfrm>
+                <a:off x="838200" y="1649690"/>
+                <a:ext cx="10515600" cy="4803863"/>
+              </a:xfrm>
+              <a:blipFill>
+                <a:blip r:embed="rId2"/>
+                <a:stretch>
+                  <a:fillRect l="-522" t="-1269" r="-812"/>
+                </a:stretch>
+              </a:blipFill>
+            </p:spPr>
+            <p:txBody>
+              <a:bodyPr/>
+              <a:lstStyle/>
+              <a:p>
+                <a:r>
+                  <a:rPr lang="en-US">
+                    <a:noFill/>
+                  </a:rPr>
+                  <a:t> </a:t>
+                </a:r>
+              </a:p>
+            </p:txBody>
+          </p:sp>
+        </mc:Fallback>
+      </mc:AlternateContent>
+      <p:sp>
+        <p:nvSpPr>
+          <p:cNvPr id="4" name="Slide Number Placeholder 3">
+            <a:extLst>
+              <a:ext uri="{FF2B5EF4-FFF2-40B4-BE49-F238E27FC236}">
+                <a16:creationId xmlns:a16="http://schemas.microsoft.com/office/drawing/2014/main" id="{7BD7B0B0-FE3E-D8F2-E301-8C32FB96D3D6}"/>
+              </a:ext>
+            </a:extLst>
+          </p:cNvPr>
+          <p:cNvSpPr>
+            <a:spLocks noGrp="1"/>
+          </p:cNvSpPr>
+          <p:nvPr>
+            <p:ph type="sldNum" sz="quarter" idx="12"/>
+          </p:nvPr>
+        </p:nvSpPr>
+        <p:spPr/>
+        <p:txBody>
+          <a:bodyPr/>
+          <a:lstStyle/>
+          <a:p>
+            <a:fld id="{A439D109-9F59-4B0B-8E20-D6D3A384B1F1}" type="slidenum">
+              <a:rPr lang="ko-KR" altLang="en-US" smtClean="0"/>
+              <a:t>29</a:t>
+            </a:fld>
+            <a:endParaRPr lang="ko-KR" altLang="en-US"/>
           </a:p>
         </p:txBody>
       </p:sp>
     </p:spTree>
     <p:extLst>
       <p:ext uri="{BB962C8B-B14F-4D97-AF65-F5344CB8AC3E}">
-        <p14:creationId xmlns:p14="http://schemas.microsoft.com/office/powerpoint/2010/main" val="75383750"/>
+        <p14:creationId xmlns:p14="http://schemas.microsoft.com/office/powerpoint/2010/main" val="2239025508"/>
       </p:ext>
     </p:extLst>
   </p:cSld>
@@ -22469,6 +23315,3161 @@
     <p:extLst>
       <p:ext uri="{BB962C8B-B14F-4D97-AF65-F5344CB8AC3E}">
         <p14:creationId xmlns:p14="http://schemas.microsoft.com/office/powerpoint/2010/main" val="16691617"/>
+      </p:ext>
+    </p:extLst>
+  </p:cSld>
+  <p:clrMapOvr>
+    <a:masterClrMapping/>
+  </p:clrMapOvr>
+</p:sld>
+</file>
+
+<file path=ppt/slides/slide30.xml><?xml version="1.0" encoding="utf-8"?>
+<p:sld xmlns:a="http://schemas.openxmlformats.org/drawingml/2006/main" xmlns:r="http://schemas.openxmlformats.org/officeDocument/2006/relationships" xmlns:p="http://schemas.openxmlformats.org/presentationml/2006/main">
+  <p:cSld>
+    <p:spTree>
+      <p:nvGrpSpPr>
+        <p:cNvPr id="1" name=""/>
+        <p:cNvGrpSpPr/>
+        <p:nvPr/>
+      </p:nvGrpSpPr>
+      <p:grpSpPr>
+        <a:xfrm>
+          <a:off x="0" y="0"/>
+          <a:ext cx="0" cy="0"/>
+          <a:chOff x="0" y="0"/>
+          <a:chExt cx="0" cy="0"/>
+        </a:xfrm>
+      </p:grpSpPr>
+      <p:sp>
+        <p:nvSpPr>
+          <p:cNvPr id="2" name="Title 1">
+            <a:extLst>
+              <a:ext uri="{FF2B5EF4-FFF2-40B4-BE49-F238E27FC236}">
+                <a16:creationId xmlns:a16="http://schemas.microsoft.com/office/drawing/2014/main" id="{19F66F0F-DEE4-A457-844D-4675EA46023D}"/>
+              </a:ext>
+            </a:extLst>
+          </p:cNvPr>
+          <p:cNvSpPr>
+            <a:spLocks noGrp="1"/>
+          </p:cNvSpPr>
+          <p:nvPr>
+            <p:ph type="title"/>
+          </p:nvPr>
+        </p:nvSpPr>
+        <p:spPr/>
+        <p:txBody>
+          <a:bodyPr/>
+          <a:lstStyle/>
+          <a:p>
+            <a:r>
+              <a:rPr lang="en-US" dirty="0"/>
+              <a:t>The Minimum Mean Square Error solution</a:t>
+            </a:r>
+          </a:p>
+        </p:txBody>
+      </p:sp>
+      <mc:AlternateContent xmlns:mc="http://schemas.openxmlformats.org/markup-compatibility/2006">
+        <mc:Choice xmlns:a14="http://schemas.microsoft.com/office/drawing/2010/main" Requires="a14">
+          <p:sp>
+            <p:nvSpPr>
+              <p:cNvPr id="3" name="Content Placeholder 2">
+                <a:extLst>
+                  <a:ext uri="{FF2B5EF4-FFF2-40B4-BE49-F238E27FC236}">
+                    <a16:creationId xmlns:a16="http://schemas.microsoft.com/office/drawing/2014/main" id="{B3FB1FA5-FDAA-E680-BF02-42ACF44E5D11}"/>
+                  </a:ext>
+                </a:extLst>
+              </p:cNvPr>
+              <p:cNvSpPr>
+                <a:spLocks noGrp="1"/>
+              </p:cNvSpPr>
+              <p:nvPr>
+                <p:ph idx="1"/>
+              </p:nvPr>
+            </p:nvSpPr>
+            <p:spPr>
+              <a:xfrm>
+                <a:off x="838200" y="1649691"/>
+                <a:ext cx="10515600" cy="5006086"/>
+              </a:xfrm>
+            </p:spPr>
+            <p:txBody>
+              <a:bodyPr/>
+              <a:lstStyle/>
+              <a:p>
+                <a:r>
+                  <a:rPr lang="en-US" dirty="0"/>
+                  <a:t>Let  z be </a:t>
+                </a:r>
+                <a:r>
+                  <a:rPr lang="en-US" dirty="0" err="1"/>
+                  <a:t>be</a:t>
+                </a:r>
+                <a:r>
+                  <a:rPr lang="en-US" dirty="0"/>
+                  <a:t> an eigenvector of Q associated with </a:t>
+                </a:r>
+                <a:r>
+                  <a:rPr lang="el-GR" dirty="0"/>
+                  <a:t>λ</a:t>
+                </a:r>
+                <a:endParaRPr lang="en-US" dirty="0"/>
+              </a:p>
+              <a:p>
+                <a:r>
+                  <a:rPr lang="en-US" dirty="0"/>
+                  <a:t>So z* Q z = z* </a:t>
+                </a:r>
+                <a:r>
+                  <a:rPr lang="el-GR" dirty="0"/>
+                  <a:t>λ</a:t>
+                </a:r>
+                <a:r>
+                  <a:rPr lang="en-US" dirty="0"/>
+                  <a:t> z = </a:t>
+                </a:r>
+                <a:r>
+                  <a:rPr lang="el-GR" dirty="0"/>
+                  <a:t>λ</a:t>
+                </a:r>
+                <a:r>
+                  <a:rPr lang="en-US" dirty="0"/>
+                  <a:t> |z|</a:t>
+                </a:r>
+                <a:r>
+                  <a:rPr lang="en-US" baseline="30000" dirty="0"/>
+                  <a:t>2 </a:t>
+                </a:r>
+                <a:r>
+                  <a:rPr lang="en-US" dirty="0"/>
+                  <a:t> </a:t>
+                </a:r>
+              </a:p>
+              <a:p>
+                <a:r>
+                  <a:rPr lang="en-US" dirty="0"/>
+                  <a:t>Therefor z*Q z / |z|</a:t>
+                </a:r>
+                <a:r>
+                  <a:rPr lang="en-US" baseline="30000" dirty="0"/>
+                  <a:t>2  </a:t>
+                </a:r>
+                <a:r>
+                  <a:rPr lang="en-US" dirty="0"/>
+                  <a:t>is real and nonnegative since it is a ratio of a real nonnegative and a  real positive number.</a:t>
+                </a:r>
+              </a:p>
+              <a:p>
+                <a:r>
+                  <a:rPr lang="en-US" dirty="0"/>
+                  <a:t>Finally, remark that the eigenvectors of a Hermitian matrix Q, if they come from different eigenvalues, are orthogonal to one another.</a:t>
+                </a:r>
+              </a:p>
+              <a:p>
+                <a:r>
+                  <a:rPr lang="en-US" dirty="0"/>
+                  <a:t>Proof)</a:t>
+                </a:r>
+              </a:p>
+              <a:p>
+                <a:r>
+                  <a:rPr lang="en-US" dirty="0" err="1"/>
+                  <a:t>Qx</a:t>
+                </a:r>
+                <a:r>
+                  <a:rPr lang="en-US" dirty="0"/>
+                  <a:t> = </a:t>
+                </a:r>
+                <a:r>
+                  <a:rPr lang="el-GR" dirty="0"/>
+                  <a:t>λ</a:t>
+                </a:r>
+                <a:r>
+                  <a:rPr lang="en-US" baseline="-25000" dirty="0"/>
+                  <a:t>1</a:t>
+                </a:r>
+                <a:r>
+                  <a:rPr lang="en-US" dirty="0"/>
+                  <a:t> x and </a:t>
+                </a:r>
+                <a:r>
+                  <a:rPr lang="en-US" dirty="0" err="1"/>
+                  <a:t>Qy</a:t>
+                </a:r>
+                <a:r>
+                  <a:rPr lang="en-US" dirty="0"/>
+                  <a:t> =  </a:t>
+                </a:r>
+                <a:r>
+                  <a:rPr lang="el-GR" dirty="0"/>
+                  <a:t>λ</a:t>
+                </a:r>
+                <a:r>
+                  <a:rPr lang="en-US" baseline="-25000" dirty="0"/>
+                  <a:t>2</a:t>
+                </a:r>
+                <a:r>
+                  <a:rPr lang="en-US" dirty="0"/>
+                  <a:t> y and Q = Q* where x and y are the eigenvectors for the                 eigenvalues </a:t>
+                </a:r>
+                <a:r>
+                  <a:rPr lang="el-GR" dirty="0"/>
+                  <a:t>λ</a:t>
+                </a:r>
+                <a:r>
+                  <a:rPr lang="en-US" baseline="-25000" dirty="0"/>
+                  <a:t>1</a:t>
+                </a:r>
+                <a:r>
+                  <a:rPr lang="en-US" dirty="0"/>
+                  <a:t>  and </a:t>
+                </a:r>
+                <a:r>
+                  <a:rPr lang="el-GR" dirty="0"/>
+                  <a:t>λ</a:t>
+                </a:r>
+                <a:r>
+                  <a:rPr lang="en-US" baseline="-25000" dirty="0"/>
+                  <a:t>2</a:t>
+                </a:r>
+                <a:r>
+                  <a:rPr lang="en-US" dirty="0"/>
+                  <a:t>, respectively.</a:t>
+                </a:r>
+              </a:p>
+              <a:p>
+                <a:r>
+                  <a:rPr lang="en-US" dirty="0"/>
+                  <a:t>Then (</a:t>
+                </a:r>
+                <a:r>
+                  <a:rPr lang="el-GR" dirty="0"/>
+                  <a:t>λ</a:t>
+                </a:r>
+                <a:r>
+                  <a:rPr lang="en-US" baseline="-25000" dirty="0"/>
+                  <a:t>1</a:t>
+                </a:r>
+                <a:r>
+                  <a:rPr lang="en-US" dirty="0"/>
+                  <a:t>x)*y = (</a:t>
+                </a:r>
+                <a:r>
+                  <a:rPr lang="en-US" dirty="0" err="1"/>
+                  <a:t>Qx</a:t>
+                </a:r>
+                <a:r>
+                  <a:rPr lang="en-US" dirty="0"/>
+                  <a:t>)* y = x* Q y = x* (</a:t>
+                </a:r>
+                <a:r>
+                  <a:rPr lang="el-GR" dirty="0"/>
+                  <a:t>λ</a:t>
+                </a:r>
+                <a:r>
+                  <a:rPr lang="en-US" baseline="-25000" dirty="0"/>
+                  <a:t>2</a:t>
+                </a:r>
+                <a:r>
+                  <a:rPr lang="en-US" dirty="0"/>
+                  <a:t> y)</a:t>
+                </a:r>
+              </a:p>
+              <a:p>
+                <a:r>
+                  <a:rPr lang="en-US" dirty="0"/>
+                  <a:t>We can write  </a:t>
+                </a:r>
+                <a:r>
+                  <a:rPr lang="el-GR" dirty="0"/>
+                  <a:t>λ</a:t>
+                </a:r>
+                <a:r>
+                  <a:rPr lang="en-US" baseline="-25000" dirty="0"/>
+                  <a:t>1 </a:t>
+                </a:r>
+                <a:r>
+                  <a:rPr lang="en-US" dirty="0"/>
+                  <a:t>x*y = </a:t>
+                </a:r>
+                <a:r>
+                  <a:rPr lang="el-GR" dirty="0"/>
+                  <a:t>λ</a:t>
+                </a:r>
+                <a:r>
+                  <a:rPr lang="en-US" baseline="-25000" dirty="0"/>
+                  <a:t>2</a:t>
+                </a:r>
+                <a:r>
+                  <a:rPr lang="en-US" dirty="0"/>
+                  <a:t> x* y Now we use the assumption </a:t>
+                </a:r>
+                <a:r>
+                  <a:rPr lang="el-GR" dirty="0"/>
+                  <a:t>λ</a:t>
+                </a:r>
+                <a:r>
+                  <a:rPr lang="en-US" baseline="-25000" dirty="0"/>
+                  <a:t>1</a:t>
+                </a:r>
+                <a14:m>
+                  <m:oMath xmlns:m="http://schemas.openxmlformats.org/officeDocument/2006/math">
+                    <m:r>
+                      <a:rPr lang="en-US" b="0" i="0" smtClean="0">
+                        <a:latin typeface="Cambria Math" panose="02040503050406030204" pitchFamily="18" charset="0"/>
+                        <a:ea typeface="Cambria Math" panose="02040503050406030204" pitchFamily="18" charset="0"/>
+                      </a:rPr>
+                      <m:t> </m:t>
+                    </m:r>
+                    <m:r>
+                      <a:rPr lang="en-US" i="1" smtClean="0">
+                        <a:latin typeface="Cambria Math" panose="02040503050406030204" pitchFamily="18" charset="0"/>
+                        <a:ea typeface="Cambria Math" panose="02040503050406030204" pitchFamily="18" charset="0"/>
+                      </a:rPr>
+                      <m:t>≠</m:t>
+                    </m:r>
+                  </m:oMath>
+                </a14:m>
+                <a:r>
+                  <a:rPr lang="en-US" dirty="0"/>
+                  <a:t> </a:t>
+                </a:r>
+                <a:r>
+                  <a:rPr lang="el-GR" dirty="0"/>
+                  <a:t>λ</a:t>
+                </a:r>
+                <a:r>
+                  <a:rPr lang="en-US" baseline="-25000" dirty="0"/>
+                  <a:t>2</a:t>
+                </a:r>
+                <a:r>
+                  <a:rPr lang="en-US" dirty="0"/>
+                  <a:t>, which forces the           conclusion that x*y = 0, which again shows that x and y are orthogonal.</a:t>
+                </a:r>
+              </a:p>
+              <a:p>
+                <a:r>
+                  <a:rPr lang="en-US" dirty="0"/>
+                  <a:t>the eigenvectors have been </a:t>
+                </a:r>
+                <a:r>
+                  <a:rPr lang="en-US" dirty="0" err="1"/>
+                  <a:t>normalised</a:t>
+                </a:r>
+                <a:r>
+                  <a:rPr lang="en-US" dirty="0"/>
+                  <a:t> to have length one. Since they were already         orthogonal, they are now orthonormal.</a:t>
+                </a:r>
+              </a:p>
+            </p:txBody>
+          </p:sp>
+        </mc:Choice>
+        <mc:Fallback>
+          <p:sp>
+            <p:nvSpPr>
+              <p:cNvPr id="3" name="Content Placeholder 2">
+                <a:extLst>
+                  <a:ext uri="{FF2B5EF4-FFF2-40B4-BE49-F238E27FC236}">
+                    <a16:creationId xmlns:a16="http://schemas.microsoft.com/office/drawing/2014/main" id="{B3FB1FA5-FDAA-E680-BF02-42ACF44E5D11}"/>
+                  </a:ext>
+                </a:extLst>
+              </p:cNvPr>
+              <p:cNvSpPr>
+                <a:spLocks noGrp="1" noRot="1" noChangeAspect="1" noMove="1" noResize="1" noEditPoints="1" noAdjustHandles="1" noChangeArrowheads="1" noChangeShapeType="1" noTextEdit="1"/>
+              </p:cNvSpPr>
+              <p:nvPr>
+                <p:ph idx="1"/>
+              </p:nvPr>
+            </p:nvSpPr>
+            <p:spPr>
+              <a:xfrm>
+                <a:off x="838200" y="1649691"/>
+                <a:ext cx="10515600" cy="5006086"/>
+              </a:xfrm>
+              <a:blipFill>
+                <a:blip r:embed="rId2"/>
+                <a:stretch>
+                  <a:fillRect l="-522" t="-1218" r="-638" b="-1096"/>
+                </a:stretch>
+              </a:blipFill>
+            </p:spPr>
+            <p:txBody>
+              <a:bodyPr/>
+              <a:lstStyle/>
+              <a:p>
+                <a:r>
+                  <a:rPr lang="en-US">
+                    <a:noFill/>
+                  </a:rPr>
+                  <a:t> </a:t>
+                </a:r>
+              </a:p>
+            </p:txBody>
+          </p:sp>
+        </mc:Fallback>
+      </mc:AlternateContent>
+      <p:sp>
+        <p:nvSpPr>
+          <p:cNvPr id="4" name="Slide Number Placeholder 3">
+            <a:extLst>
+              <a:ext uri="{FF2B5EF4-FFF2-40B4-BE49-F238E27FC236}">
+                <a16:creationId xmlns:a16="http://schemas.microsoft.com/office/drawing/2014/main" id="{EC2CA950-EEF8-42E0-3F77-5CF963BA739B}"/>
+              </a:ext>
+            </a:extLst>
+          </p:cNvPr>
+          <p:cNvSpPr>
+            <a:spLocks noGrp="1"/>
+          </p:cNvSpPr>
+          <p:nvPr>
+            <p:ph type="sldNum" sz="quarter" idx="12"/>
+          </p:nvPr>
+        </p:nvSpPr>
+        <p:spPr/>
+        <p:txBody>
+          <a:bodyPr/>
+          <a:lstStyle/>
+          <a:p>
+            <a:fld id="{A439D109-9F59-4B0B-8E20-D6D3A384B1F1}" type="slidenum">
+              <a:rPr lang="ko-KR" altLang="en-US" smtClean="0"/>
+              <a:t>30</a:t>
+            </a:fld>
+            <a:endParaRPr lang="ko-KR" altLang="en-US"/>
+          </a:p>
+        </p:txBody>
+      </p:sp>
+    </p:spTree>
+    <p:extLst>
+      <p:ext uri="{BB962C8B-B14F-4D97-AF65-F5344CB8AC3E}">
+        <p14:creationId xmlns:p14="http://schemas.microsoft.com/office/powerpoint/2010/main" val="742678444"/>
+      </p:ext>
+    </p:extLst>
+  </p:cSld>
+  <p:clrMapOvr>
+    <a:masterClrMapping/>
+  </p:clrMapOvr>
+</p:sld>
+</file>
+
+<file path=ppt/slides/slide31.xml><?xml version="1.0" encoding="utf-8"?>
+<p:sld xmlns:a="http://schemas.openxmlformats.org/drawingml/2006/main" xmlns:r="http://schemas.openxmlformats.org/officeDocument/2006/relationships" xmlns:p="http://schemas.openxmlformats.org/presentationml/2006/main">
+  <p:cSld>
+    <p:spTree>
+      <p:nvGrpSpPr>
+        <p:cNvPr id="1" name=""/>
+        <p:cNvGrpSpPr/>
+        <p:nvPr/>
+      </p:nvGrpSpPr>
+      <p:grpSpPr>
+        <a:xfrm>
+          <a:off x="0" y="0"/>
+          <a:ext cx="0" cy="0"/>
+          <a:chOff x="0" y="0"/>
+          <a:chExt cx="0" cy="0"/>
+        </a:xfrm>
+      </p:grpSpPr>
+      <p:sp>
+        <p:nvSpPr>
+          <p:cNvPr id="2" name="Title 1">
+            <a:extLst>
+              <a:ext uri="{FF2B5EF4-FFF2-40B4-BE49-F238E27FC236}">
+                <a16:creationId xmlns:a16="http://schemas.microsoft.com/office/drawing/2014/main" id="{F17E5923-32AB-7D51-E33C-52B70D32E439}"/>
+              </a:ext>
+            </a:extLst>
+          </p:cNvPr>
+          <p:cNvSpPr>
+            <a:spLocks noGrp="1"/>
+          </p:cNvSpPr>
+          <p:nvPr>
+            <p:ph type="title"/>
+          </p:nvPr>
+        </p:nvSpPr>
+        <p:spPr/>
+        <p:txBody>
+          <a:bodyPr/>
+          <a:lstStyle/>
+          <a:p>
+            <a:r>
+              <a:rPr lang="en-US" dirty="0"/>
+              <a:t>The Minimum Mean Square Error solution</a:t>
+            </a:r>
+          </a:p>
+        </p:txBody>
+      </p:sp>
+      <mc:AlternateContent xmlns:mc="http://schemas.openxmlformats.org/markup-compatibility/2006">
+        <mc:Choice xmlns:a14="http://schemas.microsoft.com/office/drawing/2010/main" Requires="a14">
+          <p:sp>
+            <p:nvSpPr>
+              <p:cNvPr id="3" name="Content Placeholder 2">
+                <a:extLst>
+                  <a:ext uri="{FF2B5EF4-FFF2-40B4-BE49-F238E27FC236}">
+                    <a16:creationId xmlns:a16="http://schemas.microsoft.com/office/drawing/2014/main" id="{71232B7F-D61E-8BA8-3AB1-FCA74B5CD421}"/>
+                  </a:ext>
+                </a:extLst>
+              </p:cNvPr>
+              <p:cNvSpPr>
+                <a:spLocks noGrp="1"/>
+              </p:cNvSpPr>
+              <p:nvPr>
+                <p:ph idx="1"/>
+              </p:nvPr>
+            </p:nvSpPr>
+            <p:spPr>
+              <a:xfrm>
+                <a:off x="838200" y="1649691"/>
+                <a:ext cx="10515600" cy="4900578"/>
+              </a:xfrm>
+            </p:spPr>
+            <p:txBody>
+              <a:bodyPr/>
+              <a:lstStyle/>
+              <a:p>
+                <a:r>
+                  <a:rPr lang="en-US" dirty="0"/>
+                  <a:t>If these orthonormal eigenvectors are chosen to be the columns of U</a:t>
+                </a:r>
+              </a:p>
+              <a:p>
+                <a:r>
+                  <a:rPr lang="en-US" dirty="0"/>
+                  <a:t>Then we have U* Q U = </a:t>
+                </a:r>
+                <a14:m>
+                  <m:oMath xmlns:m="http://schemas.openxmlformats.org/officeDocument/2006/math">
+                    <m:r>
+                      <a:rPr lang="en-US" i="1" smtClean="0">
+                        <a:latin typeface="Cambria Math" panose="02040503050406030204" pitchFamily="18" charset="0"/>
+                      </a:rPr>
+                      <m:t>Ʌ</m:t>
+                    </m:r>
+                  </m:oMath>
+                </a14:m>
+                <a:r>
+                  <a:rPr lang="en-US" dirty="0"/>
+                  <a:t>, where </a:t>
+                </a:r>
+                <a14:m>
+                  <m:oMath xmlns:m="http://schemas.openxmlformats.org/officeDocument/2006/math">
+                    <m:r>
+                      <a:rPr lang="en-US" i="1">
+                        <a:latin typeface="Cambria Math" panose="02040503050406030204" pitchFamily="18" charset="0"/>
+                      </a:rPr>
+                      <m:t>Ʌ</m:t>
+                    </m:r>
+                  </m:oMath>
+                </a14:m>
+                <a:r>
+                  <a:rPr lang="en-US" dirty="0"/>
+                  <a:t> is a diagonal matrix with the eigenvalues of Q on the diagonal and U is said to be a unitary matrix.</a:t>
+                </a:r>
+              </a:p>
+              <a:p>
+                <a:r>
+                  <a:rPr lang="en-US" dirty="0"/>
+                  <a:t>we see that we may write </a:t>
+                </a:r>
+                <a:r>
+                  <a:rPr lang="en-US" dirty="0" err="1"/>
+                  <a:t>Qx</a:t>
+                </a:r>
+                <a:r>
+                  <a:rPr lang="en-US" dirty="0"/>
+                  <a:t> as follows:</a:t>
+                </a:r>
+              </a:p>
+              <a:p>
+                <a:r>
+                  <a:rPr lang="en-US" dirty="0"/>
+                  <a:t> </a:t>
+                </a:r>
+                <a:r>
+                  <a:rPr lang="en-US" dirty="0" err="1"/>
+                  <a:t>Q</a:t>
+                </a:r>
+                <a:r>
+                  <a:rPr lang="en-US" baseline="-25000" dirty="0" err="1"/>
+                  <a:t>x</a:t>
+                </a:r>
+                <a:r>
+                  <a:rPr lang="en-US" dirty="0"/>
+                  <a:t> = U*</a:t>
+                </a:r>
+                <a14:m>
+                  <m:oMath xmlns:m="http://schemas.openxmlformats.org/officeDocument/2006/math">
+                    <m:r>
+                      <a:rPr lang="en-US" i="1" smtClean="0">
+                        <a:latin typeface="Cambria Math" panose="02040503050406030204" pitchFamily="18" charset="0"/>
+                      </a:rPr>
+                      <m:t>Ʌ</m:t>
+                    </m:r>
+                  </m:oMath>
+                </a14:m>
+                <a:r>
+                  <a:rPr lang="en-US" baseline="-25000" dirty="0"/>
+                  <a:t>x</a:t>
+                </a:r>
+                <a:r>
+                  <a:rPr lang="en-US" dirty="0"/>
+                  <a:t>U = U*</a:t>
+                </a:r>
+                <a14:m>
+                  <m:oMath xmlns:m="http://schemas.openxmlformats.org/officeDocument/2006/math">
+                    <m:r>
+                      <a:rPr lang="en-US" i="1">
+                        <a:latin typeface="Cambria Math" panose="02040503050406030204" pitchFamily="18" charset="0"/>
+                      </a:rPr>
+                      <m:t>Ʌ</m:t>
+                    </m:r>
+                  </m:oMath>
+                </a14:m>
+                <a:r>
+                  <a:rPr lang="en-US" baseline="-25000" dirty="0"/>
+                  <a:t>x</a:t>
+                </a:r>
+                <a:r>
+                  <a:rPr lang="en-US" baseline="30000" dirty="0"/>
+                  <a:t>1/2</a:t>
+                </a:r>
+                <a:r>
+                  <a:rPr lang="en-US" dirty="0"/>
+                  <a:t> </a:t>
+                </a:r>
+                <a14:m>
+                  <m:oMath xmlns:m="http://schemas.openxmlformats.org/officeDocument/2006/math">
+                    <m:r>
+                      <a:rPr lang="en-US" i="1">
+                        <a:latin typeface="Cambria Math" panose="02040503050406030204" pitchFamily="18" charset="0"/>
+                      </a:rPr>
+                      <m:t>Ʌ</m:t>
+                    </m:r>
+                  </m:oMath>
+                </a14:m>
+                <a:r>
+                  <a:rPr lang="en-US" baseline="-25000" dirty="0"/>
+                  <a:t>x</a:t>
+                </a:r>
+                <a:r>
+                  <a:rPr lang="en-US" baseline="30000" dirty="0"/>
+                  <a:t>1/2</a:t>
+                </a:r>
+                <a:r>
+                  <a:rPr lang="en-US" dirty="0"/>
+                  <a:t>U  = (</a:t>
+                </a:r>
+                <a14:m>
+                  <m:oMath xmlns:m="http://schemas.openxmlformats.org/officeDocument/2006/math">
+                    <m:r>
+                      <a:rPr lang="en-US" i="1">
+                        <a:latin typeface="Cambria Math" panose="02040503050406030204" pitchFamily="18" charset="0"/>
+                      </a:rPr>
+                      <m:t>Ʌ</m:t>
+                    </m:r>
+                  </m:oMath>
+                </a14:m>
+                <a:r>
+                  <a:rPr lang="en-US" baseline="-25000" dirty="0"/>
+                  <a:t>x</a:t>
+                </a:r>
+                <a:r>
+                  <a:rPr lang="en-US" baseline="30000" dirty="0"/>
+                  <a:t>1/2 </a:t>
+                </a:r>
+                <a:r>
+                  <a:rPr lang="en-US" dirty="0"/>
+                  <a:t>U)* (</a:t>
+                </a:r>
+                <a14:m>
+                  <m:oMath xmlns:m="http://schemas.openxmlformats.org/officeDocument/2006/math">
+                    <m:r>
+                      <a:rPr lang="en-US" i="1">
+                        <a:latin typeface="Cambria Math" panose="02040503050406030204" pitchFamily="18" charset="0"/>
+                      </a:rPr>
+                      <m:t>Ʌ</m:t>
+                    </m:r>
+                  </m:oMath>
+                </a14:m>
+                <a:r>
+                  <a:rPr lang="en-US" baseline="-25000" dirty="0"/>
+                  <a:t>x</a:t>
+                </a:r>
+                <a:r>
+                  <a:rPr lang="en-US" baseline="30000" dirty="0"/>
+                  <a:t>1/2 </a:t>
+                </a:r>
+                <a:r>
+                  <a:rPr lang="en-US" dirty="0"/>
+                  <a:t>U)  = A * A </a:t>
+                </a:r>
+              </a:p>
+              <a:p>
+                <a:pPr>
+                  <a:lnSpc>
+                    <a:spcPct val="100000"/>
+                  </a:lnSpc>
+                </a:pPr>
+                <a:r>
+                  <a:rPr lang="en-US" dirty="0"/>
+                  <a:t>Finally, we can rewrite the MMSE problem to a form, from which a solution for D can be    obtained that </a:t>
+                </a:r>
+                <a:r>
+                  <a:rPr lang="en-US" dirty="0" err="1"/>
+                  <a:t>minimises</a:t>
+                </a:r>
+                <a:r>
+                  <a:rPr lang="en-US" dirty="0"/>
+                  <a:t> the Mean Square Error:</a:t>
+                </a:r>
+              </a:p>
+              <a:p>
+                <a:pPr>
+                  <a:lnSpc>
+                    <a:spcPct val="100000"/>
+                  </a:lnSpc>
+                </a:pPr>
+                <a14:m>
+                  <m:oMath xmlns:m="http://schemas.openxmlformats.org/officeDocument/2006/math">
+                    <m:sSup>
+                      <m:sSupPr>
+                        <m:ctrlPr>
+                          <a:rPr lang="en-US" b="0" i="1" smtClean="0">
+                            <a:latin typeface="Cambria Math" panose="02040503050406030204" pitchFamily="18" charset="0"/>
+                            <a:ea typeface="Cambria Math" panose="02040503050406030204" pitchFamily="18" charset="0"/>
+                          </a:rPr>
+                        </m:ctrlPr>
+                      </m:sSupPr>
+                      <m:e>
+                        <m:r>
+                          <a:rPr lang="en-US" b="0" i="1" smtClean="0">
+                            <a:latin typeface="Cambria Math" panose="02040503050406030204" pitchFamily="18" charset="0"/>
+                            <a:ea typeface="Cambria Math" panose="02040503050406030204" pitchFamily="18" charset="0"/>
+                          </a:rPr>
+                          <m:t>        </m:t>
+                        </m:r>
+                        <m:r>
+                          <a:rPr lang="en-US" i="1" smtClean="0">
+                            <a:latin typeface="Cambria Math" panose="02040503050406030204" pitchFamily="18" charset="0"/>
+                            <a:ea typeface="Cambria Math" panose="02040503050406030204" pitchFamily="18" charset="0"/>
+                          </a:rPr>
+                          <m:t>𝜀</m:t>
+                        </m:r>
+                      </m:e>
+                      <m:sup>
+                        <m:r>
+                          <a:rPr lang="en-US" b="0" i="1" smtClean="0">
+                            <a:latin typeface="Cambria Math" panose="02040503050406030204" pitchFamily="18" charset="0"/>
+                            <a:ea typeface="Cambria Math" panose="02040503050406030204" pitchFamily="18" charset="0"/>
+                          </a:rPr>
+                          <m:t>2</m:t>
+                        </m:r>
+                      </m:sup>
+                    </m:sSup>
+                  </m:oMath>
+                </a14:m>
+                <a:r>
+                  <a:rPr lang="en-US" dirty="0"/>
+                  <a:t> =  tr(Q</a:t>
+                </a:r>
+                <a:r>
+                  <a:rPr lang="en-US" baseline="-25000" dirty="0"/>
+                  <a:t>s</a:t>
+                </a:r>
+                <a:r>
+                  <a:rPr lang="en-US" dirty="0"/>
+                  <a:t> – </a:t>
+                </a:r>
+                <a:r>
+                  <a:rPr lang="en-US" dirty="0" err="1"/>
+                  <a:t>Q</a:t>
+                </a:r>
+                <a:r>
+                  <a:rPr lang="en-US" baseline="-25000" dirty="0" err="1"/>
+                  <a:t>sx</a:t>
+                </a:r>
+                <a:r>
+                  <a:rPr lang="en-US" dirty="0" err="1"/>
+                  <a:t>D</a:t>
+                </a:r>
+                <a:r>
+                  <a:rPr lang="en-US" dirty="0"/>
+                  <a:t>* - </a:t>
+                </a:r>
+                <a:r>
+                  <a:rPr lang="en-US" dirty="0" err="1"/>
+                  <a:t>DQ</a:t>
+                </a:r>
+                <a:r>
+                  <a:rPr lang="en-US" baseline="-25000" dirty="0" err="1"/>
+                  <a:t>xs</a:t>
+                </a:r>
+                <a:r>
+                  <a:rPr lang="en-US" dirty="0"/>
+                  <a:t> + </a:t>
+                </a:r>
+                <a:r>
+                  <a:rPr lang="en-US" dirty="0" err="1"/>
+                  <a:t>DQ</a:t>
+                </a:r>
+                <a:r>
+                  <a:rPr lang="en-US" baseline="-25000" dirty="0" err="1"/>
+                  <a:t>x</a:t>
+                </a:r>
+                <a:r>
+                  <a:rPr lang="en-US" dirty="0" err="1"/>
+                  <a:t>D</a:t>
+                </a:r>
+                <a:r>
+                  <a:rPr lang="en-US" dirty="0"/>
+                  <a:t>*)</a:t>
+                </a:r>
+              </a:p>
+              <a:p>
+                <a:pPr>
+                  <a:lnSpc>
+                    <a:spcPct val="100000"/>
+                  </a:lnSpc>
+                </a:pPr>
+                <a:r>
+                  <a:rPr lang="en-US" dirty="0"/>
+                  <a:t>           = tr(Q</a:t>
+                </a:r>
+                <a:r>
+                  <a:rPr lang="en-US" baseline="-25000" dirty="0"/>
+                  <a:t>s</a:t>
+                </a:r>
+                <a:r>
+                  <a:rPr lang="en-US" dirty="0"/>
+                  <a:t> – </a:t>
+                </a:r>
+                <a:r>
+                  <a:rPr lang="en-US" dirty="0" err="1"/>
+                  <a:t>Q</a:t>
+                </a:r>
+                <a:r>
+                  <a:rPr lang="en-US" baseline="-25000" dirty="0" err="1"/>
+                  <a:t>sx</a:t>
+                </a:r>
+                <a:r>
+                  <a:rPr lang="en-US" baseline="-25000" dirty="0"/>
+                  <a:t> </a:t>
+                </a:r>
+                <a:r>
+                  <a:rPr lang="en-US" dirty="0"/>
+                  <a:t>A A</a:t>
+                </a:r>
+                <a:r>
+                  <a:rPr lang="en-US" baseline="30000" dirty="0"/>
+                  <a:t>-1</a:t>
+                </a:r>
+                <a:r>
+                  <a:rPr lang="en-US" dirty="0"/>
+                  <a:t>D* - D A* A*</a:t>
+                </a:r>
+                <a:r>
+                  <a:rPr lang="en-US" baseline="30000" dirty="0"/>
+                  <a:t>-1</a:t>
+                </a:r>
+                <a:r>
+                  <a:rPr lang="en-US" dirty="0"/>
+                  <a:t> </a:t>
+                </a:r>
+                <a:r>
+                  <a:rPr lang="en-US" dirty="0" err="1"/>
+                  <a:t>Q</a:t>
+                </a:r>
+                <a:r>
+                  <a:rPr lang="en-US" baseline="-25000" dirty="0" err="1"/>
+                  <a:t>xs</a:t>
+                </a:r>
+                <a:r>
+                  <a:rPr lang="en-US" dirty="0"/>
+                  <a:t> + DA*AD*) </a:t>
+                </a:r>
+              </a:p>
+              <a:p>
+                <a:pPr>
+                  <a:lnSpc>
+                    <a:spcPct val="100000"/>
+                  </a:lnSpc>
+                </a:pPr>
+                <a:r>
+                  <a:rPr lang="en-US" baseline="30000" dirty="0"/>
+                  <a:t>              </a:t>
+                </a:r>
+                <a:r>
+                  <a:rPr lang="en-US" dirty="0"/>
+                  <a:t> = tr(Q</a:t>
+                </a:r>
+                <a:r>
+                  <a:rPr lang="en-US" baseline="-25000" dirty="0"/>
+                  <a:t>s</a:t>
+                </a:r>
+                <a:r>
+                  <a:rPr lang="en-US" dirty="0"/>
+                  <a:t> – </a:t>
+                </a:r>
+                <a:r>
+                  <a:rPr lang="en-US" dirty="0" err="1"/>
+                  <a:t>Q</a:t>
+                </a:r>
+                <a:r>
+                  <a:rPr lang="en-US" baseline="-25000" dirty="0" err="1"/>
+                  <a:t>sx</a:t>
+                </a:r>
+                <a:r>
+                  <a:rPr lang="en-US" baseline="-25000" dirty="0"/>
+                  <a:t> </a:t>
+                </a:r>
+                <a:r>
+                  <a:rPr lang="en-US" dirty="0"/>
+                  <a:t>A</a:t>
+                </a:r>
+                <a:r>
+                  <a:rPr lang="en-US" baseline="30000" dirty="0"/>
+                  <a:t>-1</a:t>
+                </a:r>
+                <a:r>
+                  <a:rPr lang="en-US" dirty="0"/>
+                  <a:t> A*</a:t>
+                </a:r>
+                <a:r>
+                  <a:rPr lang="en-US" baseline="30000" dirty="0"/>
+                  <a:t>-1</a:t>
+                </a:r>
+                <a:r>
+                  <a:rPr lang="en-US" dirty="0"/>
+                  <a:t> </a:t>
+                </a:r>
+                <a:r>
+                  <a:rPr lang="en-US" dirty="0" err="1"/>
+                  <a:t>Q</a:t>
+                </a:r>
+                <a:r>
+                  <a:rPr lang="en-US" baseline="-25000" dirty="0" err="1"/>
+                  <a:t>xs</a:t>
+                </a:r>
+                <a:r>
+                  <a:rPr lang="en-US" dirty="0"/>
+                  <a:t> + </a:t>
+                </a:r>
+                <a:r>
+                  <a:rPr lang="en-US" dirty="0" err="1"/>
+                  <a:t>Q</a:t>
+                </a:r>
+                <a:r>
+                  <a:rPr lang="en-US" baseline="-25000" dirty="0" err="1"/>
+                  <a:t>sx</a:t>
+                </a:r>
+                <a:r>
+                  <a:rPr lang="en-US" baseline="-25000" dirty="0"/>
+                  <a:t> </a:t>
+                </a:r>
+                <a:r>
+                  <a:rPr lang="en-US" dirty="0"/>
+                  <a:t>A</a:t>
+                </a:r>
+                <a:r>
+                  <a:rPr lang="en-US" baseline="30000" dirty="0"/>
+                  <a:t>-1</a:t>
+                </a:r>
+                <a:r>
+                  <a:rPr lang="en-US" dirty="0"/>
+                  <a:t> A*</a:t>
+                </a:r>
+                <a:r>
+                  <a:rPr lang="en-US" baseline="30000" dirty="0"/>
+                  <a:t>-1</a:t>
+                </a:r>
+                <a:r>
+                  <a:rPr lang="en-US" dirty="0"/>
+                  <a:t> </a:t>
+                </a:r>
+                <a:r>
+                  <a:rPr lang="en-US" dirty="0" err="1"/>
+                  <a:t>Q</a:t>
+                </a:r>
+                <a:r>
+                  <a:rPr lang="en-US" baseline="-25000" dirty="0" err="1"/>
+                  <a:t>xs</a:t>
+                </a:r>
+                <a:r>
+                  <a:rPr lang="en-US" dirty="0"/>
+                  <a:t> – </a:t>
+                </a:r>
+                <a:r>
+                  <a:rPr lang="en-US" dirty="0" err="1"/>
+                  <a:t>Q</a:t>
+                </a:r>
+                <a:r>
+                  <a:rPr lang="en-US" baseline="-25000" dirty="0" err="1"/>
+                  <a:t>sx</a:t>
+                </a:r>
+                <a:r>
+                  <a:rPr lang="en-US" baseline="-25000" dirty="0"/>
+                  <a:t> </a:t>
+                </a:r>
+                <a:r>
+                  <a:rPr lang="en-US" dirty="0"/>
+                  <a:t>A A</a:t>
+                </a:r>
+                <a:r>
+                  <a:rPr lang="en-US" baseline="30000" dirty="0"/>
+                  <a:t>-1</a:t>
+                </a:r>
+                <a:r>
+                  <a:rPr lang="en-US" dirty="0"/>
+                  <a:t>D* -  D A* A*</a:t>
+                </a:r>
+                <a:r>
+                  <a:rPr lang="en-US" baseline="30000" dirty="0"/>
+                  <a:t>-1</a:t>
+                </a:r>
+                <a:r>
+                  <a:rPr lang="en-US" dirty="0"/>
+                  <a:t> </a:t>
+                </a:r>
+                <a:r>
+                  <a:rPr lang="en-US" dirty="0" err="1"/>
+                  <a:t>Q</a:t>
+                </a:r>
+                <a:r>
+                  <a:rPr lang="en-US" baseline="-25000" dirty="0" err="1"/>
+                  <a:t>xs</a:t>
+                </a:r>
+                <a:r>
+                  <a:rPr lang="en-US" dirty="0"/>
+                  <a:t> + DA*AD*) </a:t>
+                </a:r>
+              </a:p>
+              <a:p>
+                <a:pPr>
+                  <a:lnSpc>
+                    <a:spcPct val="100000"/>
+                  </a:lnSpc>
+                </a:pPr>
+                <a:r>
+                  <a:rPr lang="en-US" dirty="0"/>
+                  <a:t>          =tr(Q</a:t>
+                </a:r>
+                <a:r>
+                  <a:rPr lang="en-US" baseline="-25000" dirty="0"/>
+                  <a:t>s</a:t>
+                </a:r>
+                <a:r>
+                  <a:rPr lang="en-US" dirty="0"/>
+                  <a:t> – </a:t>
+                </a:r>
+                <a:r>
+                  <a:rPr lang="en-US" dirty="0" err="1"/>
+                  <a:t>Q</a:t>
+                </a:r>
+                <a:r>
+                  <a:rPr lang="en-US" baseline="-25000" dirty="0" err="1"/>
+                  <a:t>sx</a:t>
+                </a:r>
+                <a:r>
+                  <a:rPr lang="en-US" baseline="-25000" dirty="0"/>
+                  <a:t> </a:t>
+                </a:r>
+                <a:r>
+                  <a:rPr lang="en-US" dirty="0"/>
+                  <a:t>A</a:t>
+                </a:r>
+                <a:r>
+                  <a:rPr lang="en-US" baseline="30000" dirty="0"/>
+                  <a:t>-1</a:t>
+                </a:r>
+                <a:r>
+                  <a:rPr lang="en-US" dirty="0"/>
+                  <a:t> A*</a:t>
+                </a:r>
+                <a:r>
+                  <a:rPr lang="en-US" baseline="30000" dirty="0"/>
+                  <a:t>-1</a:t>
+                </a:r>
+                <a:r>
+                  <a:rPr lang="en-US" dirty="0"/>
+                  <a:t> </a:t>
+                </a:r>
+                <a:r>
+                  <a:rPr lang="en-US" dirty="0" err="1"/>
+                  <a:t>Q</a:t>
+                </a:r>
+                <a:r>
+                  <a:rPr lang="en-US" baseline="-25000" dirty="0" err="1"/>
+                  <a:t>xs</a:t>
+                </a:r>
+                <a:r>
+                  <a:rPr lang="en-US" dirty="0"/>
+                  <a:t> +(DA* - </a:t>
+                </a:r>
+                <a:r>
+                  <a:rPr lang="en-US" dirty="0" err="1"/>
+                  <a:t>Q</a:t>
+                </a:r>
+                <a:r>
+                  <a:rPr lang="en-US" baseline="-25000" dirty="0" err="1"/>
+                  <a:t>sx</a:t>
+                </a:r>
+                <a:r>
+                  <a:rPr lang="en-US" baseline="-25000" dirty="0"/>
+                  <a:t> </a:t>
+                </a:r>
+                <a:r>
+                  <a:rPr lang="en-US" dirty="0"/>
+                  <a:t>A</a:t>
+                </a:r>
+                <a:r>
+                  <a:rPr lang="en-US" baseline="30000" dirty="0"/>
+                  <a:t>-1</a:t>
+                </a:r>
+                <a:r>
+                  <a:rPr lang="en-US" dirty="0"/>
+                  <a:t> )(DA* - </a:t>
+                </a:r>
+                <a:r>
+                  <a:rPr lang="en-US" dirty="0" err="1"/>
+                  <a:t>Q</a:t>
+                </a:r>
+                <a:r>
+                  <a:rPr lang="en-US" baseline="-25000" dirty="0" err="1"/>
+                  <a:t>sx</a:t>
+                </a:r>
+                <a:r>
+                  <a:rPr lang="en-US" baseline="-25000" dirty="0"/>
+                  <a:t> </a:t>
+                </a:r>
+                <a:r>
+                  <a:rPr lang="en-US" dirty="0"/>
+                  <a:t>A</a:t>
+                </a:r>
+                <a:r>
+                  <a:rPr lang="en-US" baseline="30000" dirty="0"/>
+                  <a:t>-1</a:t>
+                </a:r>
+                <a:r>
+                  <a:rPr lang="en-US" dirty="0"/>
+                  <a:t> )*)</a:t>
+                </a:r>
+              </a:p>
+            </p:txBody>
+          </p:sp>
+        </mc:Choice>
+        <mc:Fallback>
+          <p:sp>
+            <p:nvSpPr>
+              <p:cNvPr id="3" name="Content Placeholder 2">
+                <a:extLst>
+                  <a:ext uri="{FF2B5EF4-FFF2-40B4-BE49-F238E27FC236}">
+                    <a16:creationId xmlns:a16="http://schemas.microsoft.com/office/drawing/2014/main" id="{71232B7F-D61E-8BA8-3AB1-FCA74B5CD421}"/>
+                  </a:ext>
+                </a:extLst>
+              </p:cNvPr>
+              <p:cNvSpPr>
+                <a:spLocks noGrp="1" noRot="1" noChangeAspect="1" noMove="1" noResize="1" noEditPoints="1" noAdjustHandles="1" noChangeArrowheads="1" noChangeShapeType="1" noTextEdit="1"/>
+              </p:cNvSpPr>
+              <p:nvPr>
+                <p:ph idx="1"/>
+              </p:nvPr>
+            </p:nvSpPr>
+            <p:spPr>
+              <a:xfrm>
+                <a:off x="838200" y="1649691"/>
+                <a:ext cx="10515600" cy="4900578"/>
+              </a:xfrm>
+              <a:blipFill>
+                <a:blip r:embed="rId2"/>
+                <a:stretch>
+                  <a:fillRect l="-522" t="-1244" r="-174"/>
+                </a:stretch>
+              </a:blipFill>
+            </p:spPr>
+            <p:txBody>
+              <a:bodyPr/>
+              <a:lstStyle/>
+              <a:p>
+                <a:r>
+                  <a:rPr lang="en-US">
+                    <a:noFill/>
+                  </a:rPr>
+                  <a:t> </a:t>
+                </a:r>
+              </a:p>
+            </p:txBody>
+          </p:sp>
+        </mc:Fallback>
+      </mc:AlternateContent>
+      <p:sp>
+        <p:nvSpPr>
+          <p:cNvPr id="4" name="Slide Number Placeholder 3">
+            <a:extLst>
+              <a:ext uri="{FF2B5EF4-FFF2-40B4-BE49-F238E27FC236}">
+                <a16:creationId xmlns:a16="http://schemas.microsoft.com/office/drawing/2014/main" id="{5C809862-3832-F9B0-5C59-099BF38B4757}"/>
+              </a:ext>
+            </a:extLst>
+          </p:cNvPr>
+          <p:cNvSpPr>
+            <a:spLocks noGrp="1"/>
+          </p:cNvSpPr>
+          <p:nvPr>
+            <p:ph type="sldNum" sz="quarter" idx="12"/>
+          </p:nvPr>
+        </p:nvSpPr>
+        <p:spPr/>
+        <p:txBody>
+          <a:bodyPr/>
+          <a:lstStyle/>
+          <a:p>
+            <a:fld id="{A439D109-9F59-4B0B-8E20-D6D3A384B1F1}" type="slidenum">
+              <a:rPr lang="ko-KR" altLang="en-US" smtClean="0"/>
+              <a:t>31</a:t>
+            </a:fld>
+            <a:endParaRPr lang="ko-KR" altLang="en-US"/>
+          </a:p>
+        </p:txBody>
+      </p:sp>
+    </p:spTree>
+    <p:extLst>
+      <p:ext uri="{BB962C8B-B14F-4D97-AF65-F5344CB8AC3E}">
+        <p14:creationId xmlns:p14="http://schemas.microsoft.com/office/powerpoint/2010/main" val="2227927126"/>
+      </p:ext>
+    </p:extLst>
+  </p:cSld>
+  <p:clrMapOvr>
+    <a:masterClrMapping/>
+  </p:clrMapOvr>
+</p:sld>
+</file>
+
+<file path=ppt/slides/slide32.xml><?xml version="1.0" encoding="utf-8"?>
+<p:sld xmlns:a="http://schemas.openxmlformats.org/drawingml/2006/main" xmlns:r="http://schemas.openxmlformats.org/officeDocument/2006/relationships" xmlns:p="http://schemas.openxmlformats.org/presentationml/2006/main">
+  <p:cSld>
+    <p:spTree>
+      <p:nvGrpSpPr>
+        <p:cNvPr id="1" name=""/>
+        <p:cNvGrpSpPr/>
+        <p:nvPr/>
+      </p:nvGrpSpPr>
+      <p:grpSpPr>
+        <a:xfrm>
+          <a:off x="0" y="0"/>
+          <a:ext cx="0" cy="0"/>
+          <a:chOff x="0" y="0"/>
+          <a:chExt cx="0" cy="0"/>
+        </a:xfrm>
+      </p:grpSpPr>
+      <p:sp>
+        <p:nvSpPr>
+          <p:cNvPr id="2" name="Title 1">
+            <a:extLst>
+              <a:ext uri="{FF2B5EF4-FFF2-40B4-BE49-F238E27FC236}">
+                <a16:creationId xmlns:a16="http://schemas.microsoft.com/office/drawing/2014/main" id="{36EB1705-3BD2-1782-2995-9AC005E65D4F}"/>
+              </a:ext>
+            </a:extLst>
+          </p:cNvPr>
+          <p:cNvSpPr>
+            <a:spLocks noGrp="1"/>
+          </p:cNvSpPr>
+          <p:nvPr>
+            <p:ph type="title"/>
+          </p:nvPr>
+        </p:nvSpPr>
+        <p:spPr/>
+        <p:txBody>
+          <a:bodyPr/>
+          <a:lstStyle/>
+          <a:p>
+            <a:r>
+              <a:rPr lang="en-US" dirty="0"/>
+              <a:t>The Minimum Mean Square Error solution</a:t>
+            </a:r>
+          </a:p>
+        </p:txBody>
+      </p:sp>
+      <mc:AlternateContent xmlns:mc="http://schemas.openxmlformats.org/markup-compatibility/2006">
+        <mc:Choice xmlns:a14="http://schemas.microsoft.com/office/drawing/2010/main" Requires="a14">
+          <p:sp>
+            <p:nvSpPr>
+              <p:cNvPr id="3" name="Content Placeholder 2">
+                <a:extLst>
+                  <a:ext uri="{FF2B5EF4-FFF2-40B4-BE49-F238E27FC236}">
+                    <a16:creationId xmlns:a16="http://schemas.microsoft.com/office/drawing/2014/main" id="{AF47E500-BC7A-EC54-57CB-2AF2ACE613A8}"/>
+                  </a:ext>
+                </a:extLst>
+              </p:cNvPr>
+              <p:cNvSpPr>
+                <a:spLocks noGrp="1"/>
+              </p:cNvSpPr>
+              <p:nvPr>
+                <p:ph idx="1"/>
+              </p:nvPr>
+            </p:nvSpPr>
+            <p:spPr/>
+            <p:txBody>
+              <a:bodyPr/>
+              <a:lstStyle/>
+              <a:p>
+                <a:r>
+                  <a:rPr lang="en-US" dirty="0"/>
+                  <a:t>Because the first and the second term of this result do not depend on D, the result is        </a:t>
+                </a:r>
+                <a:r>
+                  <a:rPr lang="en-US" dirty="0" err="1"/>
+                  <a:t>minimised</a:t>
+                </a:r>
+                <a:r>
+                  <a:rPr lang="en-US" dirty="0"/>
+                  <a:t> if:</a:t>
+                </a:r>
+              </a:p>
+              <a:p>
+                <a:r>
+                  <a:rPr lang="en-US" dirty="0"/>
+                  <a:t>DA* - </a:t>
+                </a:r>
+                <a:r>
+                  <a:rPr lang="en-US" dirty="0" err="1"/>
+                  <a:t>Q</a:t>
+                </a:r>
+                <a:r>
+                  <a:rPr lang="en-US" baseline="-25000" dirty="0" err="1"/>
+                  <a:t>sx</a:t>
+                </a:r>
+                <a:r>
+                  <a:rPr lang="en-US" baseline="-25000" dirty="0"/>
+                  <a:t> </a:t>
+                </a:r>
+                <a:r>
+                  <a:rPr lang="en-US" dirty="0"/>
+                  <a:t>A</a:t>
+                </a:r>
+                <a:r>
+                  <a:rPr lang="en-US" baseline="30000" dirty="0"/>
+                  <a:t>-1</a:t>
+                </a:r>
+                <a:r>
+                  <a:rPr lang="en-US" dirty="0"/>
+                  <a:t> = 0 </a:t>
+                </a:r>
+              </a:p>
+              <a:p>
+                <a:r>
+                  <a:rPr lang="en-US" dirty="0"/>
+                  <a:t> DA* = </a:t>
+                </a:r>
+                <a:r>
+                  <a:rPr lang="en-US" dirty="0" err="1"/>
+                  <a:t>Q</a:t>
+                </a:r>
+                <a:r>
+                  <a:rPr lang="en-US" baseline="-25000" dirty="0" err="1"/>
+                  <a:t>sx</a:t>
+                </a:r>
+                <a:r>
+                  <a:rPr lang="en-US" baseline="-25000" dirty="0"/>
+                  <a:t> </a:t>
+                </a:r>
+                <a:r>
+                  <a:rPr lang="en-US" dirty="0"/>
+                  <a:t>A</a:t>
+                </a:r>
+                <a:r>
+                  <a:rPr lang="en-US" baseline="30000" dirty="0"/>
+                  <a:t>-1</a:t>
+                </a:r>
+                <a:r>
+                  <a:rPr lang="en-US" dirty="0"/>
+                  <a:t> </a:t>
+                </a:r>
+              </a:p>
+              <a:p>
+                <a:r>
+                  <a:rPr lang="en-US" dirty="0"/>
+                  <a:t>D = </a:t>
+                </a:r>
+                <a:r>
+                  <a:rPr lang="en-US" dirty="0" err="1"/>
+                  <a:t>Q</a:t>
+                </a:r>
+                <a:r>
+                  <a:rPr lang="en-US" baseline="-25000" dirty="0" err="1"/>
+                  <a:t>sx</a:t>
+                </a:r>
+                <a:r>
+                  <a:rPr lang="en-US" baseline="-25000" dirty="0"/>
+                  <a:t> </a:t>
+                </a:r>
+                <a:r>
+                  <a:rPr lang="en-US" dirty="0"/>
+                  <a:t>A</a:t>
+                </a:r>
+                <a:r>
+                  <a:rPr lang="en-US" baseline="30000" dirty="0"/>
+                  <a:t>-1</a:t>
+                </a:r>
+                <a:r>
+                  <a:rPr lang="en-US" dirty="0"/>
+                  <a:t> A*</a:t>
+                </a:r>
+                <a:r>
+                  <a:rPr lang="en-US" baseline="30000" dirty="0"/>
+                  <a:t>-1 </a:t>
+                </a:r>
+                <a:r>
+                  <a:rPr lang="en-US" dirty="0"/>
+                  <a:t>= (A*A)</a:t>
+                </a:r>
+                <a:r>
+                  <a:rPr lang="en-US" baseline="30000" dirty="0"/>
+                  <a:t> -1 </a:t>
+                </a:r>
+                <a:r>
+                  <a:rPr lang="en-US" dirty="0"/>
+                  <a:t> = </a:t>
+                </a:r>
+                <a:r>
+                  <a:rPr lang="en-US" dirty="0" err="1"/>
+                  <a:t>Q</a:t>
+                </a:r>
+                <a:r>
+                  <a:rPr lang="en-US" baseline="-25000" dirty="0" err="1"/>
+                  <a:t>sx</a:t>
+                </a:r>
+                <a:r>
+                  <a:rPr lang="en-US" baseline="-25000" dirty="0"/>
+                  <a:t> </a:t>
+                </a:r>
+                <a:r>
+                  <a:rPr lang="en-US" dirty="0"/>
+                  <a:t>Q</a:t>
+                </a:r>
+                <a:r>
+                  <a:rPr lang="en-US" baseline="-25000" dirty="0"/>
+                  <a:t>x</a:t>
+                </a:r>
+                <a:r>
+                  <a:rPr lang="en-US" baseline="30000" dirty="0"/>
+                  <a:t>-1</a:t>
+                </a:r>
+              </a:p>
+              <a:p>
+                <a:r>
+                  <a:rPr lang="en-US" dirty="0"/>
+                  <a:t>our channel model (x =Hs + v) and assume that Qs =E[ss*] =</a:t>
+                </a:r>
+                <a14:m>
+                  <m:oMath xmlns:m="http://schemas.openxmlformats.org/officeDocument/2006/math">
+                    <m:sSup>
+                      <m:sSupPr>
+                        <m:ctrlPr>
+                          <a:rPr lang="en-US" b="0" i="1" smtClean="0">
+                            <a:latin typeface="Cambria Math" panose="02040503050406030204" pitchFamily="18" charset="0"/>
+                          </a:rPr>
+                        </m:ctrlPr>
+                      </m:sSupPr>
+                      <m:e>
+                        <m:r>
+                          <a:rPr lang="en-US" b="0" i="1" smtClean="0">
+                            <a:latin typeface="Cambria Math" panose="02040503050406030204" pitchFamily="18" charset="0"/>
+                          </a:rPr>
+                          <m:t>𝜎</m:t>
+                        </m:r>
+                        <m:r>
+                          <a:rPr lang="en-US" b="0" i="1" baseline="-25000" smtClean="0">
+                            <a:latin typeface="Cambria Math" panose="02040503050406030204" pitchFamily="18" charset="0"/>
+                          </a:rPr>
+                          <m:t>𝑠</m:t>
+                        </m:r>
+                      </m:e>
+                      <m:sup>
+                        <m:r>
+                          <a:rPr lang="en-US" b="0" i="1" smtClean="0">
+                            <a:latin typeface="Cambria Math" panose="02040503050406030204" pitchFamily="18" charset="0"/>
+                          </a:rPr>
+                          <m:t>2</m:t>
+                        </m:r>
+                      </m:sup>
+                    </m:sSup>
+                    <m:r>
+                      <a:rPr lang="en-US" b="0" i="1" smtClean="0">
+                        <a:latin typeface="Cambria Math" panose="02040503050406030204" pitchFamily="18" charset="0"/>
+                      </a:rPr>
+                      <m:t>𝐼</m:t>
+                    </m:r>
+                  </m:oMath>
+                </a14:m>
+                <a:r>
+                  <a:rPr lang="en-US" dirty="0"/>
+                  <a:t> and Qv = E[</a:t>
+                </a:r>
+                <a:r>
+                  <a:rPr lang="en-US" dirty="0" err="1"/>
+                  <a:t>vv</a:t>
+                </a:r>
+                <a:r>
+                  <a:rPr lang="en-US" dirty="0"/>
+                  <a:t>*] =</a:t>
+                </a:r>
+                <a14:m>
+                  <m:oMath xmlns:m="http://schemas.openxmlformats.org/officeDocument/2006/math">
+                    <m:sSup>
+                      <m:sSupPr>
+                        <m:ctrlPr>
+                          <a:rPr lang="en-US" b="0" i="1" smtClean="0">
+                            <a:latin typeface="Cambria Math" panose="02040503050406030204" pitchFamily="18" charset="0"/>
+                          </a:rPr>
+                        </m:ctrlPr>
+                      </m:sSupPr>
+                      <m:e>
+                        <m:r>
+                          <a:rPr lang="en-US" b="0" i="1" smtClean="0">
+                            <a:latin typeface="Cambria Math" panose="02040503050406030204" pitchFamily="18" charset="0"/>
+                          </a:rPr>
+                          <m:t>𝜎</m:t>
+                        </m:r>
+                        <m:r>
+                          <a:rPr lang="en-US" b="0" i="1" baseline="-25000" smtClean="0">
+                            <a:latin typeface="Cambria Math" panose="02040503050406030204" pitchFamily="18" charset="0"/>
+                          </a:rPr>
+                          <m:t>𝑣</m:t>
+                        </m:r>
+                      </m:e>
+                      <m:sup>
+                        <m:r>
+                          <a:rPr lang="en-US" b="0" i="1" smtClean="0">
+                            <a:latin typeface="Cambria Math" panose="02040503050406030204" pitchFamily="18" charset="0"/>
+                          </a:rPr>
+                          <m:t>2</m:t>
+                        </m:r>
+                      </m:sup>
+                    </m:sSup>
+                    <m:r>
+                      <m:rPr>
+                        <m:sty m:val="p"/>
+                      </m:rPr>
+                      <a:rPr lang="en-US" b="0" i="0" smtClean="0">
+                        <a:latin typeface="Cambria Math" panose="02040503050406030204" pitchFamily="18" charset="0"/>
+                      </a:rPr>
+                      <m:t>I</m:t>
+                    </m:r>
+                  </m:oMath>
+                </a14:m>
+                <a:r>
+                  <a:rPr lang="en-US" dirty="0"/>
+                  <a:t> </a:t>
+                </a:r>
+              </a:p>
+              <a:p>
+                <a:r>
+                  <a:rPr lang="en-US" dirty="0"/>
+                  <a:t>And that </a:t>
+                </a:r>
+                <a:r>
+                  <a:rPr lang="en-US" dirty="0" err="1"/>
+                  <a:t>Qx</a:t>
+                </a:r>
+                <a:r>
+                  <a:rPr lang="en-US" dirty="0"/>
+                  <a:t> = E[xx*] = </a:t>
+                </a:r>
+                <a:r>
+                  <a:rPr lang="en-US" dirty="0" err="1"/>
+                  <a:t>HQsH</a:t>
+                </a:r>
+                <a:r>
+                  <a:rPr lang="en-US" dirty="0"/>
+                  <a:t>* + Qv is invertible</a:t>
+                </a:r>
+              </a:p>
+              <a:p>
+                <a:r>
+                  <a:rPr lang="en-US" dirty="0"/>
+                  <a:t>Then with </a:t>
+                </a:r>
+                <a:r>
+                  <a:rPr lang="en-US" dirty="0" err="1"/>
+                  <a:t>Qsx</a:t>
+                </a:r>
+                <a:r>
+                  <a:rPr lang="en-US" dirty="0"/>
+                  <a:t> = E[</a:t>
+                </a:r>
+                <a:r>
+                  <a:rPr lang="en-US" dirty="0" err="1"/>
+                  <a:t>sx</a:t>
+                </a:r>
+                <a:r>
+                  <a:rPr lang="en-US" dirty="0"/>
+                  <a:t>*] = E[s(s*H* + v*)] = </a:t>
+                </a:r>
+                <a:r>
+                  <a:rPr lang="en-US" dirty="0" err="1"/>
+                  <a:t>QsH</a:t>
+                </a:r>
+                <a:r>
+                  <a:rPr lang="en-US" dirty="0"/>
+                  <a:t>*</a:t>
+                </a:r>
+              </a:p>
+              <a:p>
+                <a:r>
+                  <a:rPr lang="en-US" dirty="0"/>
+                  <a:t>D becomes D = </a:t>
+                </a:r>
+                <a:r>
+                  <a:rPr lang="en-US" dirty="0" err="1"/>
+                  <a:t>QsH</a:t>
+                </a:r>
+                <a:r>
+                  <a:rPr lang="en-US" dirty="0"/>
+                  <a:t>*(</a:t>
+                </a:r>
+                <a:r>
+                  <a:rPr lang="en-US" dirty="0" err="1"/>
+                  <a:t>HQsH</a:t>
+                </a:r>
+                <a:r>
+                  <a:rPr lang="en-US" dirty="0"/>
+                  <a:t>* + Qv)</a:t>
+                </a:r>
+                <a:r>
+                  <a:rPr lang="en-US" baseline="30000" dirty="0"/>
+                  <a:t>-1 </a:t>
+                </a:r>
+                <a:r>
+                  <a:rPr lang="en-US" dirty="0"/>
+                  <a:t>= </a:t>
+                </a:r>
+                <a14:m>
+                  <m:oMath xmlns:m="http://schemas.openxmlformats.org/officeDocument/2006/math">
+                    <m:sSup>
+                      <m:sSupPr>
+                        <m:ctrlPr>
+                          <a:rPr lang="en-US" b="0" i="1" smtClean="0">
+                            <a:latin typeface="Cambria Math" panose="02040503050406030204" pitchFamily="18" charset="0"/>
+                          </a:rPr>
+                        </m:ctrlPr>
+                      </m:sSupPr>
+                      <m:e>
+                        <m:r>
+                          <a:rPr lang="en-US" b="0" i="1" smtClean="0">
+                            <a:latin typeface="Cambria Math" panose="02040503050406030204" pitchFamily="18" charset="0"/>
+                          </a:rPr>
+                          <m:t>𝜎</m:t>
+                        </m:r>
+                        <m:r>
+                          <a:rPr lang="en-US" b="0" i="1" baseline="-25000" smtClean="0">
+                            <a:latin typeface="Cambria Math" panose="02040503050406030204" pitchFamily="18" charset="0"/>
+                          </a:rPr>
+                          <m:t>𝑠</m:t>
+                        </m:r>
+                      </m:e>
+                      <m:sup>
+                        <m:r>
+                          <a:rPr lang="en-US" b="0" i="1" smtClean="0">
+                            <a:latin typeface="Cambria Math" panose="02040503050406030204" pitchFamily="18" charset="0"/>
+                          </a:rPr>
+                          <m:t>2</m:t>
+                        </m:r>
+                      </m:sup>
+                    </m:sSup>
+                    <m:r>
+                      <a:rPr lang="en-US" b="0" i="1" smtClean="0">
+                        <a:latin typeface="Cambria Math" panose="02040503050406030204" pitchFamily="18" charset="0"/>
+                      </a:rPr>
+                      <m:t> </m:t>
+                    </m:r>
+                  </m:oMath>
+                </a14:m>
+                <a:r>
+                  <a:rPr lang="en-US" dirty="0"/>
+                  <a:t>H*(</a:t>
+                </a:r>
+                <a14:m>
+                  <m:oMath xmlns:m="http://schemas.openxmlformats.org/officeDocument/2006/math">
+                    <m:sSup>
+                      <m:sSupPr>
+                        <m:ctrlPr>
+                          <a:rPr lang="en-US" i="1">
+                            <a:latin typeface="Cambria Math" panose="02040503050406030204" pitchFamily="18" charset="0"/>
+                          </a:rPr>
+                        </m:ctrlPr>
+                      </m:sSupPr>
+                      <m:e>
+                        <m:r>
+                          <a:rPr lang="en-US" i="1">
+                            <a:latin typeface="Cambria Math" panose="02040503050406030204" pitchFamily="18" charset="0"/>
+                          </a:rPr>
+                          <m:t>𝜎</m:t>
+                        </m:r>
+                        <m:r>
+                          <a:rPr lang="en-US" i="1" baseline="-25000">
+                            <a:latin typeface="Cambria Math" panose="02040503050406030204" pitchFamily="18" charset="0"/>
+                          </a:rPr>
+                          <m:t>𝑠</m:t>
+                        </m:r>
+                      </m:e>
+                      <m:sup>
+                        <m:r>
+                          <a:rPr lang="en-US" i="1">
+                            <a:latin typeface="Cambria Math" panose="02040503050406030204" pitchFamily="18" charset="0"/>
+                          </a:rPr>
+                          <m:t>2</m:t>
+                        </m:r>
+                      </m:sup>
+                    </m:sSup>
+                    <m:r>
+                      <a:rPr lang="en-US" i="1">
+                        <a:latin typeface="Cambria Math" panose="02040503050406030204" pitchFamily="18" charset="0"/>
+                      </a:rPr>
+                      <m:t> </m:t>
+                    </m:r>
+                  </m:oMath>
+                </a14:m>
+                <a:r>
+                  <a:rPr lang="en-US" dirty="0"/>
+                  <a:t>HH* + </a:t>
+                </a:r>
+                <a14:m>
+                  <m:oMath xmlns:m="http://schemas.openxmlformats.org/officeDocument/2006/math">
+                    <m:sSup>
+                      <m:sSupPr>
+                        <m:ctrlPr>
+                          <a:rPr lang="en-US" i="1">
+                            <a:latin typeface="Cambria Math" panose="02040503050406030204" pitchFamily="18" charset="0"/>
+                          </a:rPr>
+                        </m:ctrlPr>
+                      </m:sSupPr>
+                      <m:e>
+                        <m:r>
+                          <a:rPr lang="en-US" i="1">
+                            <a:latin typeface="Cambria Math" panose="02040503050406030204" pitchFamily="18" charset="0"/>
+                          </a:rPr>
+                          <m:t>𝜎</m:t>
+                        </m:r>
+                        <m:r>
+                          <a:rPr lang="en-US" i="1" baseline="-25000">
+                            <a:latin typeface="Cambria Math" panose="02040503050406030204" pitchFamily="18" charset="0"/>
+                          </a:rPr>
+                          <m:t>𝑣</m:t>
+                        </m:r>
+                      </m:e>
+                      <m:sup>
+                        <m:r>
+                          <a:rPr lang="en-US" i="1">
+                            <a:latin typeface="Cambria Math" panose="02040503050406030204" pitchFamily="18" charset="0"/>
+                          </a:rPr>
+                          <m:t>2</m:t>
+                        </m:r>
+                      </m:sup>
+                    </m:sSup>
+                    <m:r>
+                      <m:rPr>
+                        <m:sty m:val="p"/>
+                      </m:rPr>
+                      <a:rPr lang="en-US">
+                        <a:latin typeface="Cambria Math" panose="02040503050406030204" pitchFamily="18" charset="0"/>
+                      </a:rPr>
+                      <m:t>I</m:t>
+                    </m:r>
+                  </m:oMath>
+                </a14:m>
+                <a:r>
+                  <a:rPr lang="en-US" dirty="0"/>
+                  <a:t> ) = H*(HH* + </a:t>
+                </a:r>
+                <a14:m>
+                  <m:oMath xmlns:m="http://schemas.openxmlformats.org/officeDocument/2006/math">
+                    <m:r>
+                      <a:rPr lang="en-US" b="0" i="1" smtClean="0">
+                        <a:latin typeface="Cambria Math" panose="02040503050406030204" pitchFamily="18" charset="0"/>
+                      </a:rPr>
+                      <m:t>𝛼</m:t>
+                    </m:r>
+                    <m:r>
+                      <a:rPr lang="en-US" b="0" i="1" smtClean="0">
+                        <a:latin typeface="Cambria Math" panose="02040503050406030204" pitchFamily="18" charset="0"/>
+                      </a:rPr>
+                      <m:t>𝐼</m:t>
+                    </m:r>
+                  </m:oMath>
+                </a14:m>
+                <a:r>
+                  <a:rPr lang="en-US" dirty="0"/>
+                  <a:t>)</a:t>
+                </a:r>
+                <a:r>
+                  <a:rPr lang="en-US" baseline="30000" dirty="0"/>
+                  <a:t>-1 </a:t>
+                </a:r>
+                <a:r>
+                  <a:rPr lang="en-US" dirty="0"/>
+                  <a:t>,</a:t>
+                </a:r>
+              </a:p>
+              <a:p>
+                <a:r>
+                  <a:rPr lang="en-US" dirty="0"/>
+                  <a:t>Where </a:t>
+                </a:r>
+                <a14:m>
+                  <m:oMath xmlns:m="http://schemas.openxmlformats.org/officeDocument/2006/math">
+                    <m:r>
+                      <a:rPr lang="en-US" b="0" i="1" smtClean="0">
+                        <a:latin typeface="Cambria Math" panose="02040503050406030204" pitchFamily="18" charset="0"/>
+                      </a:rPr>
+                      <m:t>𝛼</m:t>
+                    </m:r>
+                  </m:oMath>
+                </a14:m>
+                <a:r>
+                  <a:rPr lang="en-US" dirty="0"/>
+                  <a:t> = </a:t>
+                </a:r>
+                <a14:m>
+                  <m:oMath xmlns:m="http://schemas.openxmlformats.org/officeDocument/2006/math">
+                    <m:sSup>
+                      <m:sSupPr>
+                        <m:ctrlPr>
+                          <a:rPr lang="en-US" i="1">
+                            <a:latin typeface="Cambria Math" panose="02040503050406030204" pitchFamily="18" charset="0"/>
+                          </a:rPr>
+                        </m:ctrlPr>
+                      </m:sSupPr>
+                      <m:e>
+                        <m:r>
+                          <a:rPr lang="en-US" i="1">
+                            <a:latin typeface="Cambria Math" panose="02040503050406030204" pitchFamily="18" charset="0"/>
+                          </a:rPr>
+                          <m:t>𝜎</m:t>
+                        </m:r>
+                        <m:r>
+                          <a:rPr lang="en-US" i="1" baseline="-25000">
+                            <a:latin typeface="Cambria Math" panose="02040503050406030204" pitchFamily="18" charset="0"/>
+                          </a:rPr>
+                          <m:t>𝑣</m:t>
+                        </m:r>
+                      </m:e>
+                      <m:sup>
+                        <m:r>
+                          <a:rPr lang="en-US" i="1">
+                            <a:latin typeface="Cambria Math" panose="02040503050406030204" pitchFamily="18" charset="0"/>
+                          </a:rPr>
+                          <m:t>2</m:t>
+                        </m:r>
+                      </m:sup>
+                    </m:sSup>
+                  </m:oMath>
+                </a14:m>
+                <a:r>
+                  <a:rPr lang="en-US" dirty="0"/>
+                  <a:t> / </a:t>
+                </a:r>
+                <a14:m>
+                  <m:oMath xmlns:m="http://schemas.openxmlformats.org/officeDocument/2006/math">
+                    <m:sSup>
+                      <m:sSupPr>
+                        <m:ctrlPr>
+                          <a:rPr lang="en-US" i="1">
+                            <a:latin typeface="Cambria Math" panose="02040503050406030204" pitchFamily="18" charset="0"/>
+                          </a:rPr>
+                        </m:ctrlPr>
+                      </m:sSupPr>
+                      <m:e>
+                        <m:r>
+                          <a:rPr lang="en-US" i="1">
+                            <a:latin typeface="Cambria Math" panose="02040503050406030204" pitchFamily="18" charset="0"/>
+                          </a:rPr>
+                          <m:t>𝜎</m:t>
+                        </m:r>
+                        <m:r>
+                          <a:rPr lang="en-US" i="1" baseline="-25000">
+                            <a:latin typeface="Cambria Math" panose="02040503050406030204" pitchFamily="18" charset="0"/>
+                          </a:rPr>
+                          <m:t>𝑠</m:t>
+                        </m:r>
+                      </m:e>
+                      <m:sup>
+                        <m:r>
+                          <a:rPr lang="en-US" i="1">
+                            <a:latin typeface="Cambria Math" panose="02040503050406030204" pitchFamily="18" charset="0"/>
+                          </a:rPr>
+                          <m:t>2</m:t>
+                        </m:r>
+                      </m:sup>
+                    </m:sSup>
+                    <m:r>
+                      <a:rPr lang="en-US" i="1">
+                        <a:latin typeface="Cambria Math" panose="02040503050406030204" pitchFamily="18" charset="0"/>
+                      </a:rPr>
+                      <m:t> </m:t>
+                    </m:r>
+                    <m:r>
+                      <a:rPr lang="en-US" b="0" i="1" smtClean="0">
+                        <a:latin typeface="Cambria Math" panose="02040503050406030204" pitchFamily="18" charset="0"/>
+                      </a:rPr>
+                      <m:t>.</m:t>
+                    </m:r>
+                  </m:oMath>
+                </a14:m>
+                <a:endParaRPr lang="en-US" dirty="0"/>
+              </a:p>
+            </p:txBody>
+          </p:sp>
+        </mc:Choice>
+        <mc:Fallback>
+          <p:sp>
+            <p:nvSpPr>
+              <p:cNvPr id="3" name="Content Placeholder 2">
+                <a:extLst>
+                  <a:ext uri="{FF2B5EF4-FFF2-40B4-BE49-F238E27FC236}">
+                    <a16:creationId xmlns:a16="http://schemas.microsoft.com/office/drawing/2014/main" id="{AF47E500-BC7A-EC54-57CB-2AF2ACE613A8}"/>
+                  </a:ext>
+                </a:extLst>
+              </p:cNvPr>
+              <p:cNvSpPr>
+                <a:spLocks noGrp="1" noRot="1" noChangeAspect="1" noMove="1" noResize="1" noEditPoints="1" noAdjustHandles="1" noChangeArrowheads="1" noChangeShapeType="1" noTextEdit="1"/>
+              </p:cNvSpPr>
+              <p:nvPr>
+                <p:ph idx="1"/>
+              </p:nvPr>
+            </p:nvSpPr>
+            <p:spPr>
+              <a:blipFill>
+                <a:blip r:embed="rId2"/>
+                <a:stretch>
+                  <a:fillRect l="-522" t="-1348"/>
+                </a:stretch>
+              </a:blipFill>
+            </p:spPr>
+            <p:txBody>
+              <a:bodyPr/>
+              <a:lstStyle/>
+              <a:p>
+                <a:r>
+                  <a:rPr lang="en-US">
+                    <a:noFill/>
+                  </a:rPr>
+                  <a:t> </a:t>
+                </a:r>
+              </a:p>
+            </p:txBody>
+          </p:sp>
+        </mc:Fallback>
+      </mc:AlternateContent>
+      <p:sp>
+        <p:nvSpPr>
+          <p:cNvPr id="4" name="Slide Number Placeholder 3">
+            <a:extLst>
+              <a:ext uri="{FF2B5EF4-FFF2-40B4-BE49-F238E27FC236}">
+                <a16:creationId xmlns:a16="http://schemas.microsoft.com/office/drawing/2014/main" id="{1137A09A-CDBD-55F6-E01F-CAE43A9F398A}"/>
+              </a:ext>
+            </a:extLst>
+          </p:cNvPr>
+          <p:cNvSpPr>
+            <a:spLocks noGrp="1"/>
+          </p:cNvSpPr>
+          <p:nvPr>
+            <p:ph type="sldNum" sz="quarter" idx="12"/>
+          </p:nvPr>
+        </p:nvSpPr>
+        <p:spPr/>
+        <p:txBody>
+          <a:bodyPr/>
+          <a:lstStyle/>
+          <a:p>
+            <a:fld id="{A439D109-9F59-4B0B-8E20-D6D3A384B1F1}" type="slidenum">
+              <a:rPr lang="ko-KR" altLang="en-US" smtClean="0"/>
+              <a:t>32</a:t>
+            </a:fld>
+            <a:endParaRPr lang="ko-KR" altLang="en-US"/>
+          </a:p>
+        </p:txBody>
+      </p:sp>
+    </p:spTree>
+    <p:extLst>
+      <p:ext uri="{BB962C8B-B14F-4D97-AF65-F5344CB8AC3E}">
+        <p14:creationId xmlns:p14="http://schemas.microsoft.com/office/powerpoint/2010/main" val="48481772"/>
+      </p:ext>
+    </p:extLst>
+  </p:cSld>
+  <p:clrMapOvr>
+    <a:masterClrMapping/>
+  </p:clrMapOvr>
+</p:sld>
+</file>
+
+<file path=ppt/slides/slide33.xml><?xml version="1.0" encoding="utf-8"?>
+<p:sld xmlns:a="http://schemas.openxmlformats.org/drawingml/2006/main" xmlns:r="http://schemas.openxmlformats.org/officeDocument/2006/relationships" xmlns:p="http://schemas.openxmlformats.org/presentationml/2006/main">
+  <p:cSld>
+    <p:spTree>
+      <p:nvGrpSpPr>
+        <p:cNvPr id="1" name=""/>
+        <p:cNvGrpSpPr/>
+        <p:nvPr/>
+      </p:nvGrpSpPr>
+      <p:grpSpPr>
+        <a:xfrm>
+          <a:off x="0" y="0"/>
+          <a:ext cx="0" cy="0"/>
+          <a:chOff x="0" y="0"/>
+          <a:chExt cx="0" cy="0"/>
+        </a:xfrm>
+      </p:grpSpPr>
+      <p:sp>
+        <p:nvSpPr>
+          <p:cNvPr id="2" name="Title 1">
+            <a:extLst>
+              <a:ext uri="{FF2B5EF4-FFF2-40B4-BE49-F238E27FC236}">
+                <a16:creationId xmlns:a16="http://schemas.microsoft.com/office/drawing/2014/main" id="{CF42F8E9-98CE-80C6-16A0-0946BA246635}"/>
+              </a:ext>
+            </a:extLst>
+          </p:cNvPr>
+          <p:cNvSpPr>
+            <a:spLocks noGrp="1"/>
+          </p:cNvSpPr>
+          <p:nvPr>
+            <p:ph type="title"/>
+          </p:nvPr>
+        </p:nvSpPr>
+        <p:spPr/>
+        <p:txBody>
+          <a:bodyPr/>
+          <a:lstStyle/>
+          <a:p>
+            <a:r>
+              <a:rPr lang="en-US" dirty="0"/>
+              <a:t>The Minimum Mean Square Error solution</a:t>
+            </a:r>
+          </a:p>
+        </p:txBody>
+      </p:sp>
+      <mc:AlternateContent xmlns:mc="http://schemas.openxmlformats.org/markup-compatibility/2006">
+        <mc:Choice xmlns:a14="http://schemas.microsoft.com/office/drawing/2010/main" Requires="a14">
+          <p:sp>
+            <p:nvSpPr>
+              <p:cNvPr id="3" name="Content Placeholder 2">
+                <a:extLst>
+                  <a:ext uri="{FF2B5EF4-FFF2-40B4-BE49-F238E27FC236}">
+                    <a16:creationId xmlns:a16="http://schemas.microsoft.com/office/drawing/2014/main" id="{4FE8604B-DFB5-B3D8-99EA-2514011AADAE}"/>
+                  </a:ext>
+                </a:extLst>
+              </p:cNvPr>
+              <p:cNvSpPr>
+                <a:spLocks noGrp="1"/>
+              </p:cNvSpPr>
+              <p:nvPr>
+                <p:ph idx="1"/>
+              </p:nvPr>
+            </p:nvSpPr>
+            <p:spPr>
+              <a:xfrm>
+                <a:off x="838200" y="1649690"/>
+                <a:ext cx="10515600" cy="4856617"/>
+              </a:xfrm>
+            </p:spPr>
+            <p:txBody>
+              <a:bodyPr/>
+              <a:lstStyle/>
+              <a:p>
+                <a:r>
+                  <a:rPr lang="en-US" dirty="0"/>
+                  <a:t>When using the Matrix Inversion Lemma and demanding that Qs and Qv must be                invertible and D can be rewritten as follows:</a:t>
+                </a:r>
+              </a:p>
+              <a:p>
+                <a:r>
+                  <a:rPr lang="en-US" dirty="0"/>
+                  <a:t> D = </a:t>
+                </a:r>
+                <a:r>
+                  <a:rPr lang="en-US" dirty="0" err="1"/>
+                  <a:t>QsH</a:t>
+                </a:r>
+                <a:r>
+                  <a:rPr lang="en-US" dirty="0"/>
+                  <a:t>*(Qv + </a:t>
+                </a:r>
+                <a:r>
+                  <a:rPr lang="en-US" dirty="0" err="1"/>
+                  <a:t>HQsH</a:t>
+                </a:r>
+                <a:r>
+                  <a:rPr lang="en-US" dirty="0"/>
+                  <a:t>* )</a:t>
+                </a:r>
+                <a:r>
+                  <a:rPr lang="en-US" baseline="30000" dirty="0"/>
+                  <a:t>-1</a:t>
+                </a:r>
+                <a:r>
+                  <a:rPr lang="en-US" dirty="0"/>
+                  <a:t> = </a:t>
+                </a:r>
+                <a:r>
+                  <a:rPr lang="en-US" baseline="30000" dirty="0"/>
+                  <a:t> </a:t>
+                </a:r>
+                <a:r>
+                  <a:rPr lang="en-US" dirty="0" err="1"/>
+                  <a:t>QsH</a:t>
+                </a:r>
+                <a:r>
+                  <a:rPr lang="en-US" dirty="0"/>
+                  <a:t>*(Q</a:t>
+                </a:r>
+                <a:r>
+                  <a:rPr lang="en-US" baseline="-25000" dirty="0"/>
+                  <a:t>v</a:t>
+                </a:r>
+                <a:r>
+                  <a:rPr lang="en-US" baseline="30000" dirty="0"/>
+                  <a:t>-1</a:t>
+                </a:r>
+                <a:r>
+                  <a:rPr lang="en-US" dirty="0"/>
+                  <a:t> - Q</a:t>
+                </a:r>
+                <a:r>
+                  <a:rPr lang="en-US" baseline="-25000" dirty="0"/>
+                  <a:t>v</a:t>
+                </a:r>
+                <a:r>
+                  <a:rPr lang="en-US" baseline="30000" dirty="0"/>
+                  <a:t>-1 </a:t>
+                </a:r>
+                <a:r>
+                  <a:rPr lang="en-US" dirty="0"/>
+                  <a:t>H(H* Q</a:t>
+                </a:r>
+                <a:r>
+                  <a:rPr lang="en-US" baseline="-25000" dirty="0"/>
+                  <a:t>v</a:t>
+                </a:r>
+                <a:r>
+                  <a:rPr lang="en-US" baseline="30000" dirty="0"/>
+                  <a:t>-1 </a:t>
+                </a:r>
+                <a:r>
+                  <a:rPr lang="en-US" dirty="0"/>
+                  <a:t>H + Q</a:t>
+                </a:r>
+                <a:r>
+                  <a:rPr lang="en-US" baseline="-25000" dirty="0"/>
+                  <a:t>s</a:t>
+                </a:r>
+                <a:r>
+                  <a:rPr lang="en-US" baseline="30000" dirty="0"/>
+                  <a:t>-1</a:t>
+                </a:r>
+                <a:r>
+                  <a:rPr lang="en-US" dirty="0"/>
+                  <a:t>)</a:t>
+                </a:r>
+                <a:r>
+                  <a:rPr lang="en-US" baseline="30000" dirty="0"/>
+                  <a:t>-1</a:t>
+                </a:r>
+                <a:r>
+                  <a:rPr lang="en-US" dirty="0"/>
+                  <a:t> + H* Q</a:t>
+                </a:r>
+                <a:r>
+                  <a:rPr lang="en-US" baseline="-25000" dirty="0"/>
+                  <a:t>v</a:t>
+                </a:r>
+                <a:r>
+                  <a:rPr lang="en-US" baseline="30000" dirty="0"/>
+                  <a:t>-1</a:t>
+                </a:r>
+                <a:r>
+                  <a:rPr lang="en-US" dirty="0"/>
+                  <a:t>)</a:t>
+                </a:r>
+              </a:p>
+              <a:p>
+                <a:r>
+                  <a:rPr lang="en-US" dirty="0"/>
+                  <a:t>                                           = (</a:t>
+                </a:r>
+                <a:r>
+                  <a:rPr lang="en-US" dirty="0" err="1"/>
+                  <a:t>QsH</a:t>
+                </a:r>
+                <a:r>
+                  <a:rPr lang="en-US" dirty="0"/>
+                  <a:t>* Q</a:t>
+                </a:r>
+                <a:r>
+                  <a:rPr lang="en-US" baseline="-25000" dirty="0"/>
+                  <a:t>v</a:t>
+                </a:r>
+                <a:r>
+                  <a:rPr lang="en-US" baseline="30000" dirty="0"/>
+                  <a:t>-1</a:t>
+                </a:r>
+                <a:r>
+                  <a:rPr lang="en-US" dirty="0"/>
+                  <a:t> – </a:t>
+                </a:r>
+                <a:r>
+                  <a:rPr lang="en-US" dirty="0" err="1"/>
+                  <a:t>QsH</a:t>
+                </a:r>
+                <a:r>
+                  <a:rPr lang="en-US" dirty="0"/>
+                  <a:t>* Q</a:t>
+                </a:r>
+                <a:r>
+                  <a:rPr lang="en-US" baseline="-25000" dirty="0"/>
+                  <a:t>v</a:t>
+                </a:r>
+                <a:r>
+                  <a:rPr lang="en-US" baseline="30000" dirty="0"/>
+                  <a:t>-1 </a:t>
+                </a:r>
+                <a:r>
+                  <a:rPr lang="en-US" dirty="0"/>
+                  <a:t>H (H* Q</a:t>
+                </a:r>
+                <a:r>
+                  <a:rPr lang="en-US" baseline="-25000" dirty="0"/>
+                  <a:t>v</a:t>
+                </a:r>
+                <a:r>
+                  <a:rPr lang="en-US" baseline="30000" dirty="0"/>
+                  <a:t>-1 </a:t>
+                </a:r>
+                <a:r>
+                  <a:rPr lang="en-US" dirty="0"/>
+                  <a:t>H + Q</a:t>
+                </a:r>
+                <a:r>
+                  <a:rPr lang="en-US" baseline="-25000" dirty="0"/>
+                  <a:t>s</a:t>
+                </a:r>
+                <a:r>
+                  <a:rPr lang="en-US" baseline="30000" dirty="0"/>
+                  <a:t>-1</a:t>
+                </a:r>
+                <a:r>
+                  <a:rPr lang="en-US" dirty="0"/>
+                  <a:t>)</a:t>
+                </a:r>
+                <a:r>
+                  <a:rPr lang="en-US" baseline="30000" dirty="0"/>
+                  <a:t>-1</a:t>
+                </a:r>
+                <a:r>
+                  <a:rPr lang="en-US" dirty="0"/>
+                  <a:t>)H* Q</a:t>
+                </a:r>
+                <a:r>
+                  <a:rPr lang="en-US" baseline="-25000" dirty="0"/>
+                  <a:t>v</a:t>
+                </a:r>
+                <a:r>
+                  <a:rPr lang="en-US" baseline="30000" dirty="0"/>
+                  <a:t>-1 </a:t>
+                </a:r>
+                <a:endParaRPr lang="en-US" dirty="0"/>
+              </a:p>
+              <a:p>
+                <a:r>
+                  <a:rPr lang="en-US" dirty="0"/>
+                  <a:t>                                         = (Qs(H* Q</a:t>
+                </a:r>
+                <a:r>
+                  <a:rPr lang="en-US" baseline="-25000" dirty="0"/>
+                  <a:t>v</a:t>
+                </a:r>
+                <a:r>
+                  <a:rPr lang="en-US" baseline="30000" dirty="0"/>
+                  <a:t>-1 </a:t>
+                </a:r>
+                <a:r>
+                  <a:rPr lang="en-US" dirty="0"/>
+                  <a:t>H + Q</a:t>
+                </a:r>
+                <a:r>
+                  <a:rPr lang="en-US" baseline="-25000" dirty="0"/>
+                  <a:t>s</a:t>
+                </a:r>
+                <a:r>
+                  <a:rPr lang="en-US" baseline="30000" dirty="0"/>
+                  <a:t>-1</a:t>
+                </a:r>
+                <a:r>
+                  <a:rPr lang="en-US" dirty="0"/>
+                  <a:t>)-Qs H* Q</a:t>
+                </a:r>
+                <a:r>
+                  <a:rPr lang="en-US" baseline="-25000" dirty="0"/>
+                  <a:t>v</a:t>
+                </a:r>
+                <a:r>
+                  <a:rPr lang="en-US" baseline="30000" dirty="0"/>
+                  <a:t>-1 </a:t>
+                </a:r>
+                <a:r>
+                  <a:rPr lang="en-US" dirty="0"/>
+                  <a:t>H ) (H* Q</a:t>
+                </a:r>
+                <a:r>
+                  <a:rPr lang="en-US" baseline="-25000" dirty="0"/>
+                  <a:t>v</a:t>
+                </a:r>
+                <a:r>
+                  <a:rPr lang="en-US" baseline="30000" dirty="0"/>
+                  <a:t>-1 </a:t>
+                </a:r>
+                <a:r>
+                  <a:rPr lang="en-US" dirty="0"/>
+                  <a:t>H + Q</a:t>
+                </a:r>
+                <a:r>
+                  <a:rPr lang="en-US" baseline="-25000" dirty="0"/>
+                  <a:t>s</a:t>
+                </a:r>
+                <a:r>
+                  <a:rPr lang="en-US" baseline="30000" dirty="0"/>
+                  <a:t>-1</a:t>
+                </a:r>
+                <a:r>
+                  <a:rPr lang="en-US" dirty="0"/>
+                  <a:t>)</a:t>
+                </a:r>
+                <a:r>
+                  <a:rPr lang="en-US" baseline="30000" dirty="0"/>
+                  <a:t>-1 </a:t>
+                </a:r>
+                <a:r>
+                  <a:rPr lang="en-US" dirty="0"/>
+                  <a:t>H* Q</a:t>
+                </a:r>
+                <a:r>
+                  <a:rPr lang="en-US" baseline="-25000" dirty="0"/>
+                  <a:t>v</a:t>
+                </a:r>
+                <a:r>
+                  <a:rPr lang="en-US" baseline="30000" dirty="0"/>
+                  <a:t>-1</a:t>
+                </a:r>
+                <a:r>
+                  <a:rPr lang="en-US" dirty="0"/>
+                  <a:t>,</a:t>
+                </a:r>
+              </a:p>
+              <a:p>
+                <a:r>
+                  <a:rPr lang="en-US" dirty="0"/>
+                  <a:t>                                  = (H* Q</a:t>
+                </a:r>
+                <a:r>
+                  <a:rPr lang="en-US" baseline="-25000" dirty="0"/>
+                  <a:t>v</a:t>
+                </a:r>
+                <a:r>
+                  <a:rPr lang="en-US" baseline="30000" dirty="0"/>
+                  <a:t>-1 </a:t>
+                </a:r>
+                <a:r>
+                  <a:rPr lang="en-US" dirty="0"/>
+                  <a:t>H + Q</a:t>
+                </a:r>
+                <a:r>
+                  <a:rPr lang="en-US" baseline="-25000" dirty="0"/>
+                  <a:t>s</a:t>
+                </a:r>
+                <a:r>
+                  <a:rPr lang="en-US" baseline="30000" dirty="0"/>
+                  <a:t>-1</a:t>
+                </a:r>
+                <a:r>
+                  <a:rPr lang="en-US" dirty="0"/>
+                  <a:t>)</a:t>
+                </a:r>
+                <a:r>
+                  <a:rPr lang="en-US" baseline="30000" dirty="0"/>
+                  <a:t>-1 </a:t>
+                </a:r>
+                <a:r>
+                  <a:rPr lang="en-US" dirty="0"/>
+                  <a:t>H* Q</a:t>
+                </a:r>
+                <a:r>
+                  <a:rPr lang="en-US" baseline="-25000" dirty="0"/>
+                  <a:t>v</a:t>
+                </a:r>
+                <a:r>
+                  <a:rPr lang="en-US" baseline="30000" dirty="0"/>
+                  <a:t>-1 </a:t>
+                </a:r>
+                <a:r>
+                  <a:rPr lang="en-US" dirty="0"/>
+                  <a:t>= (</a:t>
+                </a:r>
+                <a14:m>
+                  <m:oMath xmlns:m="http://schemas.openxmlformats.org/officeDocument/2006/math">
+                    <m:f>
+                      <m:fPr>
+                        <m:ctrlPr>
+                          <a:rPr lang="en-US" i="1" smtClean="0">
+                            <a:latin typeface="Cambria Math" panose="02040503050406030204" pitchFamily="18" charset="0"/>
+                          </a:rPr>
+                        </m:ctrlPr>
+                      </m:fPr>
+                      <m:num>
+                        <m:r>
+                          <a:rPr lang="en-US" b="0" i="1" smtClean="0">
+                            <a:latin typeface="Cambria Math" panose="02040503050406030204" pitchFamily="18" charset="0"/>
+                          </a:rPr>
+                          <m:t>1</m:t>
+                        </m:r>
+                      </m:num>
+                      <m:den>
+                        <m:sSup>
+                          <m:sSupPr>
+                            <m:ctrlPr>
+                              <a:rPr lang="en-US" i="1">
+                                <a:latin typeface="Cambria Math" panose="02040503050406030204" pitchFamily="18" charset="0"/>
+                              </a:rPr>
+                            </m:ctrlPr>
+                          </m:sSupPr>
+                          <m:e>
+                            <m:r>
+                              <a:rPr lang="en-US" i="1">
+                                <a:latin typeface="Cambria Math" panose="02040503050406030204" pitchFamily="18" charset="0"/>
+                              </a:rPr>
+                              <m:t>𝜎</m:t>
+                            </m:r>
+                            <m:r>
+                              <a:rPr lang="en-US" i="1" baseline="-25000">
+                                <a:latin typeface="Cambria Math" panose="02040503050406030204" pitchFamily="18" charset="0"/>
+                              </a:rPr>
+                              <m:t>𝑣</m:t>
+                            </m:r>
+                          </m:e>
+                          <m:sup>
+                            <m:r>
+                              <a:rPr lang="en-US" i="1">
+                                <a:latin typeface="Cambria Math" panose="02040503050406030204" pitchFamily="18" charset="0"/>
+                              </a:rPr>
+                              <m:t>2</m:t>
+                            </m:r>
+                          </m:sup>
+                        </m:sSup>
+                      </m:den>
+                    </m:f>
+                  </m:oMath>
+                </a14:m>
+                <a:r>
+                  <a:rPr lang="en-US" dirty="0"/>
+                  <a:t>H*H + </a:t>
+                </a:r>
+                <a14:m>
+                  <m:oMath xmlns:m="http://schemas.openxmlformats.org/officeDocument/2006/math">
+                    <m:f>
+                      <m:fPr>
+                        <m:ctrlPr>
+                          <a:rPr lang="en-US" i="1" smtClean="0">
+                            <a:latin typeface="Cambria Math" panose="02040503050406030204" pitchFamily="18" charset="0"/>
+                          </a:rPr>
+                        </m:ctrlPr>
+                      </m:fPr>
+                      <m:num>
+                        <m:r>
+                          <a:rPr lang="en-US" b="0" i="1" smtClean="0">
+                            <a:latin typeface="Cambria Math" panose="02040503050406030204" pitchFamily="18" charset="0"/>
+                          </a:rPr>
+                          <m:t>1</m:t>
+                        </m:r>
+                      </m:num>
+                      <m:den>
+                        <m:sSup>
+                          <m:sSupPr>
+                            <m:ctrlPr>
+                              <a:rPr lang="en-US" i="1">
+                                <a:latin typeface="Cambria Math" panose="02040503050406030204" pitchFamily="18" charset="0"/>
+                              </a:rPr>
+                            </m:ctrlPr>
+                          </m:sSupPr>
+                          <m:e>
+                            <m:r>
+                              <a:rPr lang="en-US" i="1">
+                                <a:latin typeface="Cambria Math" panose="02040503050406030204" pitchFamily="18" charset="0"/>
+                              </a:rPr>
+                              <m:t>𝜎</m:t>
+                            </m:r>
+                            <m:r>
+                              <a:rPr lang="en-US" i="1" baseline="-25000">
+                                <a:latin typeface="Cambria Math" panose="02040503050406030204" pitchFamily="18" charset="0"/>
+                              </a:rPr>
+                              <m:t>𝑠</m:t>
+                            </m:r>
+                          </m:e>
+                          <m:sup>
+                            <m:r>
+                              <a:rPr lang="en-US" i="1">
+                                <a:latin typeface="Cambria Math" panose="02040503050406030204" pitchFamily="18" charset="0"/>
+                              </a:rPr>
+                              <m:t>2</m:t>
+                            </m:r>
+                          </m:sup>
+                        </m:sSup>
+                      </m:den>
+                    </m:f>
+                  </m:oMath>
+                </a14:m>
+                <a:r>
+                  <a:rPr lang="en-US" dirty="0"/>
+                  <a:t>I)</a:t>
+                </a:r>
+                <a:r>
+                  <a:rPr lang="en-US" baseline="30000" dirty="0"/>
+                  <a:t>-1 </a:t>
+                </a:r>
+                <a14:m>
+                  <m:oMath xmlns:m="http://schemas.openxmlformats.org/officeDocument/2006/math">
+                    <m:f>
+                      <m:fPr>
+                        <m:ctrlPr>
+                          <a:rPr lang="en-US" i="1" smtClean="0">
+                            <a:latin typeface="Cambria Math" panose="02040503050406030204" pitchFamily="18" charset="0"/>
+                          </a:rPr>
+                        </m:ctrlPr>
+                      </m:fPr>
+                      <m:num>
+                        <m:r>
+                          <a:rPr lang="en-US" b="0" i="1" smtClean="0">
+                            <a:latin typeface="Cambria Math" panose="02040503050406030204" pitchFamily="18" charset="0"/>
+                          </a:rPr>
+                          <m:t>1</m:t>
+                        </m:r>
+                      </m:num>
+                      <m:den>
+                        <m:sSup>
+                          <m:sSupPr>
+                            <m:ctrlPr>
+                              <a:rPr lang="en-US" i="1">
+                                <a:latin typeface="Cambria Math" panose="02040503050406030204" pitchFamily="18" charset="0"/>
+                              </a:rPr>
+                            </m:ctrlPr>
+                          </m:sSupPr>
+                          <m:e>
+                            <m:r>
+                              <a:rPr lang="en-US" i="1">
+                                <a:latin typeface="Cambria Math" panose="02040503050406030204" pitchFamily="18" charset="0"/>
+                              </a:rPr>
+                              <m:t>𝜎</m:t>
+                            </m:r>
+                            <m:r>
+                              <a:rPr lang="en-US" i="1" baseline="-25000">
+                                <a:latin typeface="Cambria Math" panose="02040503050406030204" pitchFamily="18" charset="0"/>
+                              </a:rPr>
+                              <m:t>𝑣</m:t>
+                            </m:r>
+                          </m:e>
+                          <m:sup>
+                            <m:r>
+                              <a:rPr lang="en-US" i="1">
+                                <a:latin typeface="Cambria Math" panose="02040503050406030204" pitchFamily="18" charset="0"/>
+                              </a:rPr>
+                              <m:t>2</m:t>
+                            </m:r>
+                          </m:sup>
+                        </m:sSup>
+                      </m:den>
+                    </m:f>
+                  </m:oMath>
+                </a14:m>
+                <a:r>
+                  <a:rPr lang="en-US" dirty="0"/>
+                  <a:t>H* = H*(HH* + </a:t>
+                </a:r>
+                <a14:m>
+                  <m:oMath xmlns:m="http://schemas.openxmlformats.org/officeDocument/2006/math">
+                    <m:r>
+                      <a:rPr lang="en-US" i="1">
+                        <a:latin typeface="Cambria Math" panose="02040503050406030204" pitchFamily="18" charset="0"/>
+                      </a:rPr>
+                      <m:t>𝛼</m:t>
+                    </m:r>
+                    <m:r>
+                      <a:rPr lang="en-US" i="1">
+                        <a:latin typeface="Cambria Math" panose="02040503050406030204" pitchFamily="18" charset="0"/>
+                      </a:rPr>
+                      <m:t>𝐼</m:t>
+                    </m:r>
+                  </m:oMath>
+                </a14:m>
+                <a:r>
+                  <a:rPr lang="en-US" dirty="0"/>
+                  <a:t>)</a:t>
+                </a:r>
+                <a:r>
+                  <a:rPr lang="en-US" baseline="30000" dirty="0"/>
+                  <a:t>-1</a:t>
+                </a:r>
+              </a:p>
+              <a:p>
+                <a:r>
+                  <a:rPr lang="en-US" dirty="0"/>
+                  <a:t> Where </a:t>
+                </a:r>
+                <a14:m>
+                  <m:oMath xmlns:m="http://schemas.openxmlformats.org/officeDocument/2006/math">
+                    <m:r>
+                      <a:rPr lang="en-US" i="1">
+                        <a:latin typeface="Cambria Math" panose="02040503050406030204" pitchFamily="18" charset="0"/>
+                      </a:rPr>
+                      <m:t>𝛼</m:t>
+                    </m:r>
+                    <m:r>
+                      <a:rPr lang="en-US" i="1">
+                        <a:latin typeface="Cambria Math" panose="02040503050406030204" pitchFamily="18" charset="0"/>
+                      </a:rPr>
+                      <m:t> </m:t>
+                    </m:r>
+                  </m:oMath>
+                </a14:m>
+                <a:r>
+                  <a:rPr lang="en-US" dirty="0"/>
+                  <a:t>= </a:t>
+                </a:r>
+                <a14:m>
+                  <m:oMath xmlns:m="http://schemas.openxmlformats.org/officeDocument/2006/math">
+                    <m:sSup>
+                      <m:sSupPr>
+                        <m:ctrlPr>
+                          <a:rPr lang="en-US" i="1">
+                            <a:latin typeface="Cambria Math" panose="02040503050406030204" pitchFamily="18" charset="0"/>
+                          </a:rPr>
+                        </m:ctrlPr>
+                      </m:sSupPr>
+                      <m:e>
+                        <m:r>
+                          <a:rPr lang="en-US" i="1">
+                            <a:latin typeface="Cambria Math" panose="02040503050406030204" pitchFamily="18" charset="0"/>
+                          </a:rPr>
+                          <m:t>𝜎</m:t>
+                        </m:r>
+                        <m:r>
+                          <a:rPr lang="en-US" i="1" baseline="-25000">
+                            <a:latin typeface="Cambria Math" panose="02040503050406030204" pitchFamily="18" charset="0"/>
+                          </a:rPr>
+                          <m:t>𝑣</m:t>
+                        </m:r>
+                      </m:e>
+                      <m:sup>
+                        <m:r>
+                          <a:rPr lang="en-US" i="1">
+                            <a:latin typeface="Cambria Math" panose="02040503050406030204" pitchFamily="18" charset="0"/>
+                          </a:rPr>
+                          <m:t>2</m:t>
+                        </m:r>
+                      </m:sup>
+                    </m:sSup>
+                  </m:oMath>
+                </a14:m>
+                <a:r>
+                  <a:rPr lang="en-US" dirty="0"/>
+                  <a:t> / </a:t>
+                </a:r>
+                <a14:m>
+                  <m:oMath xmlns:m="http://schemas.openxmlformats.org/officeDocument/2006/math">
+                    <m:sSup>
+                      <m:sSupPr>
+                        <m:ctrlPr>
+                          <a:rPr lang="en-US" i="1">
+                            <a:latin typeface="Cambria Math" panose="02040503050406030204" pitchFamily="18" charset="0"/>
+                          </a:rPr>
+                        </m:ctrlPr>
+                      </m:sSupPr>
+                      <m:e>
+                        <m:r>
+                          <a:rPr lang="en-US" i="1">
+                            <a:latin typeface="Cambria Math" panose="02040503050406030204" pitchFamily="18" charset="0"/>
+                          </a:rPr>
+                          <m:t>𝜎</m:t>
+                        </m:r>
+                        <m:r>
+                          <a:rPr lang="en-US" i="1" baseline="-25000">
+                            <a:latin typeface="Cambria Math" panose="02040503050406030204" pitchFamily="18" charset="0"/>
+                          </a:rPr>
+                          <m:t>𝑠</m:t>
+                        </m:r>
+                      </m:e>
+                      <m:sup>
+                        <m:r>
+                          <a:rPr lang="en-US" i="1">
+                            <a:latin typeface="Cambria Math" panose="02040503050406030204" pitchFamily="18" charset="0"/>
+                          </a:rPr>
+                          <m:t>2</m:t>
+                        </m:r>
+                      </m:sup>
+                    </m:sSup>
+                    <m:r>
+                      <a:rPr lang="en-US" i="1" smtClean="0">
+                        <a:latin typeface="Cambria Math" panose="02040503050406030204" pitchFamily="18" charset="0"/>
+                        <a:ea typeface="Cambria Math" panose="02040503050406030204" pitchFamily="18" charset="0"/>
+                      </a:rPr>
+                      <m:t>&gt;</m:t>
+                    </m:r>
+                  </m:oMath>
+                </a14:m>
+                <a:r>
+                  <a:rPr lang="en-US" dirty="0"/>
+                  <a:t>0.</a:t>
+                </a:r>
+              </a:p>
+              <a:p>
+                <a:r>
+                  <a:rPr lang="en-US" dirty="0"/>
+                  <a:t>If </a:t>
+                </a:r>
+                <a14:m>
+                  <m:oMath xmlns:m="http://schemas.openxmlformats.org/officeDocument/2006/math">
+                    <m:r>
+                      <a:rPr lang="en-US" i="1" smtClean="0">
+                        <a:latin typeface="Cambria Math" panose="02040503050406030204" pitchFamily="18" charset="0"/>
+                      </a:rPr>
+                      <m:t>𝛼</m:t>
+                    </m:r>
+                  </m:oMath>
+                </a14:m>
+                <a:r>
+                  <a:rPr lang="en-US" dirty="0"/>
+                  <a:t> = 0 we obtain the zero forcing solution.</a:t>
+                </a:r>
+              </a:p>
+              <a:p>
+                <a:r>
+                  <a:rPr lang="en-US" dirty="0"/>
+                  <a:t>So it must be equal to : D = H*(HH* + </a:t>
+                </a:r>
+                <a14:m>
+                  <m:oMath xmlns:m="http://schemas.openxmlformats.org/officeDocument/2006/math">
+                    <m:r>
+                      <a:rPr lang="en-US" i="1">
+                        <a:latin typeface="Cambria Math" panose="02040503050406030204" pitchFamily="18" charset="0"/>
+                      </a:rPr>
+                      <m:t>𝛼</m:t>
+                    </m:r>
+                    <m:r>
+                      <a:rPr lang="en-US" i="1">
+                        <a:latin typeface="Cambria Math" panose="02040503050406030204" pitchFamily="18" charset="0"/>
+                      </a:rPr>
+                      <m:t>𝐼</m:t>
+                    </m:r>
+                  </m:oMath>
+                </a14:m>
+                <a:r>
+                  <a:rPr lang="en-US" dirty="0"/>
+                  <a:t>)</a:t>
+                </a:r>
+                <a:r>
+                  <a:rPr lang="en-US" baseline="30000" dirty="0"/>
+                  <a:t>-1</a:t>
+                </a:r>
+                <a:r>
+                  <a:rPr lang="en-US" dirty="0"/>
+                  <a:t>, </a:t>
+                </a:r>
+                <a14:m>
+                  <m:oMath xmlns:m="http://schemas.openxmlformats.org/officeDocument/2006/math">
+                    <m:r>
+                      <a:rPr lang="en-US" i="1">
+                        <a:latin typeface="Cambria Math" panose="02040503050406030204" pitchFamily="18" charset="0"/>
+                      </a:rPr>
+                      <m:t>𝛼</m:t>
+                    </m:r>
+                  </m:oMath>
+                </a14:m>
+                <a:r>
+                  <a:rPr lang="en-US" dirty="0"/>
+                  <a:t> </a:t>
+                </a:r>
+                <a14:m>
+                  <m:oMath xmlns:m="http://schemas.openxmlformats.org/officeDocument/2006/math">
+                    <m:r>
+                      <a:rPr lang="en-US" i="1">
+                        <a:latin typeface="Cambria Math" panose="02040503050406030204" pitchFamily="18" charset="0"/>
+                        <a:ea typeface="Cambria Math" panose="02040503050406030204" pitchFamily="18" charset="0"/>
+                      </a:rPr>
+                      <m:t>&gt;</m:t>
+                    </m:r>
+                  </m:oMath>
+                </a14:m>
+                <a:r>
+                  <a:rPr lang="en-US" dirty="0"/>
+                  <a:t>0</a:t>
+                </a:r>
+              </a:p>
+              <a:p>
+                <a:r>
+                  <a:rPr lang="en-US" dirty="0"/>
+                  <a:t>Where </a:t>
+                </a:r>
+              </a:p>
+              <a:p>
+                <a14:m>
+                  <m:oMath xmlns:m="http://schemas.openxmlformats.org/officeDocument/2006/math">
+                    <m:r>
+                      <a:rPr lang="en-US" b="0" i="1" smtClean="0">
+                        <a:latin typeface="Cambria Math" panose="02040503050406030204" pitchFamily="18" charset="0"/>
+                      </a:rPr>
+                      <m:t>𝛼</m:t>
+                    </m:r>
+                    <m:r>
+                      <a:rPr lang="en-US" b="0" i="1" smtClean="0">
+                        <a:latin typeface="Cambria Math" panose="02040503050406030204" pitchFamily="18" charset="0"/>
+                      </a:rPr>
+                      <m:t>  </m:t>
+                    </m:r>
+                  </m:oMath>
+                </a14:m>
+                <a:r>
+                  <a:rPr lang="en-US" dirty="0"/>
+                  <a:t>is equal to </a:t>
+                </a:r>
+                <a14:m>
+                  <m:oMath xmlns:m="http://schemas.openxmlformats.org/officeDocument/2006/math">
+                    <m:sSup>
+                      <m:sSupPr>
+                        <m:ctrlPr>
+                          <a:rPr lang="en-US" i="1">
+                            <a:latin typeface="Cambria Math" panose="02040503050406030204" pitchFamily="18" charset="0"/>
+                          </a:rPr>
+                        </m:ctrlPr>
+                      </m:sSupPr>
+                      <m:e>
+                        <m:r>
+                          <a:rPr lang="en-US" i="1">
+                            <a:latin typeface="Cambria Math" panose="02040503050406030204" pitchFamily="18" charset="0"/>
+                          </a:rPr>
+                          <m:t>𝜎</m:t>
+                        </m:r>
+                        <m:r>
+                          <a:rPr lang="en-US" i="1" baseline="-25000">
+                            <a:latin typeface="Cambria Math" panose="02040503050406030204" pitchFamily="18" charset="0"/>
+                          </a:rPr>
+                          <m:t>𝑣</m:t>
+                        </m:r>
+                      </m:e>
+                      <m:sup>
+                        <m:r>
+                          <a:rPr lang="en-US" i="1">
+                            <a:latin typeface="Cambria Math" panose="02040503050406030204" pitchFamily="18" charset="0"/>
+                          </a:rPr>
+                          <m:t>2</m:t>
+                        </m:r>
+                      </m:sup>
+                    </m:sSup>
+                  </m:oMath>
+                </a14:m>
+                <a:r>
+                  <a:rPr lang="en-US" dirty="0"/>
+                  <a:t> / </a:t>
+                </a:r>
+                <a14:m>
+                  <m:oMath xmlns:m="http://schemas.openxmlformats.org/officeDocument/2006/math">
+                    <m:sSup>
+                      <m:sSupPr>
+                        <m:ctrlPr>
+                          <a:rPr lang="en-US" i="1">
+                            <a:latin typeface="Cambria Math" panose="02040503050406030204" pitchFamily="18" charset="0"/>
+                          </a:rPr>
+                        </m:ctrlPr>
+                      </m:sSupPr>
+                      <m:e>
+                        <m:r>
+                          <a:rPr lang="en-US" i="1">
+                            <a:latin typeface="Cambria Math" panose="02040503050406030204" pitchFamily="18" charset="0"/>
+                          </a:rPr>
+                          <m:t>𝜎</m:t>
+                        </m:r>
+                        <m:r>
+                          <a:rPr lang="en-US" i="1" baseline="-25000">
+                            <a:latin typeface="Cambria Math" panose="02040503050406030204" pitchFamily="18" charset="0"/>
+                          </a:rPr>
+                          <m:t>𝑠</m:t>
+                        </m:r>
+                      </m:e>
+                      <m:sup>
+                        <m:r>
+                          <a:rPr lang="en-US" i="1">
+                            <a:latin typeface="Cambria Math" panose="02040503050406030204" pitchFamily="18" charset="0"/>
+                          </a:rPr>
+                          <m:t>2</m:t>
+                        </m:r>
+                      </m:sup>
+                    </m:sSup>
+                  </m:oMath>
+                </a14:m>
+                <a:r>
+                  <a:rPr lang="en-US" dirty="0"/>
+                  <a:t> = </a:t>
+                </a:r>
+                <a14:m>
+                  <m:oMath xmlns:m="http://schemas.openxmlformats.org/officeDocument/2006/math">
+                    <m:f>
+                      <m:fPr>
+                        <m:ctrlPr>
+                          <a:rPr lang="en-US" b="0" i="1" smtClean="0">
+                            <a:latin typeface="Cambria Math" panose="02040503050406030204" pitchFamily="18" charset="0"/>
+                          </a:rPr>
+                        </m:ctrlPr>
+                      </m:fPr>
+                      <m:num>
+                        <m:r>
+                          <a:rPr lang="en-US" b="0" i="1" smtClean="0">
+                            <a:latin typeface="Cambria Math" panose="02040503050406030204" pitchFamily="18" charset="0"/>
+                          </a:rPr>
+                          <m:t>𝑁𝑡</m:t>
+                        </m:r>
+                      </m:num>
+                      <m:den>
+                        <m:r>
+                          <a:rPr lang="en-US" b="0" i="1" smtClean="0">
+                            <a:latin typeface="Cambria Math" panose="02040503050406030204" pitchFamily="18" charset="0"/>
+                          </a:rPr>
+                          <m:t>𝜌</m:t>
+                        </m:r>
+                      </m:den>
+                    </m:f>
+                    <m:r>
+                      <a:rPr lang="en-US" b="0" i="1" smtClean="0">
+                        <a:latin typeface="Cambria Math" panose="02040503050406030204" pitchFamily="18" charset="0"/>
+                      </a:rPr>
+                      <m:t>. </m:t>
+                    </m:r>
+                  </m:oMath>
+                </a14:m>
+                <a:endParaRPr lang="en-US" dirty="0"/>
+              </a:p>
+              <a:p>
+                <a:r>
+                  <a:rPr lang="en-US" dirty="0"/>
+                  <a:t>It becomes clear that the ZF solution corresponds to an MMSE solution with </a:t>
+                </a:r>
+                <a14:m>
+                  <m:oMath xmlns:m="http://schemas.openxmlformats.org/officeDocument/2006/math">
+                    <m:r>
+                      <a:rPr lang="en-US" b="0" i="1" smtClean="0">
+                        <a:latin typeface="Cambria Math" panose="02040503050406030204" pitchFamily="18" charset="0"/>
+                      </a:rPr>
+                      <m:t>𝛼</m:t>
+                    </m:r>
+                    <m:r>
+                      <a:rPr lang="en-US" b="0" i="1" smtClean="0">
+                        <a:latin typeface="Cambria Math" panose="02040503050406030204" pitchFamily="18" charset="0"/>
+                      </a:rPr>
+                      <m:t>=0</m:t>
+                    </m:r>
+                  </m:oMath>
+                </a14:m>
+                <a:endParaRPr lang="en-US" dirty="0"/>
+              </a:p>
+            </p:txBody>
+          </p:sp>
+        </mc:Choice>
+        <mc:Fallback>
+          <p:sp>
+            <p:nvSpPr>
+              <p:cNvPr id="3" name="Content Placeholder 2">
+                <a:extLst>
+                  <a:ext uri="{FF2B5EF4-FFF2-40B4-BE49-F238E27FC236}">
+                    <a16:creationId xmlns:a16="http://schemas.microsoft.com/office/drawing/2014/main" id="{4FE8604B-DFB5-B3D8-99EA-2514011AADAE}"/>
+                  </a:ext>
+                </a:extLst>
+              </p:cNvPr>
+              <p:cNvSpPr>
+                <a:spLocks noGrp="1" noRot="1" noChangeAspect="1" noMove="1" noResize="1" noEditPoints="1" noAdjustHandles="1" noChangeArrowheads="1" noChangeShapeType="1" noTextEdit="1"/>
+              </p:cNvSpPr>
+              <p:nvPr>
+                <p:ph idx="1"/>
+              </p:nvPr>
+            </p:nvSpPr>
+            <p:spPr>
+              <a:xfrm>
+                <a:off x="838200" y="1649690"/>
+                <a:ext cx="10515600" cy="4856617"/>
+              </a:xfrm>
+              <a:blipFill>
+                <a:blip r:embed="rId3"/>
+                <a:stretch>
+                  <a:fillRect l="-522" t="-1256" r="-1797" b="-3643"/>
+                </a:stretch>
+              </a:blipFill>
+            </p:spPr>
+            <p:txBody>
+              <a:bodyPr/>
+              <a:lstStyle/>
+              <a:p>
+                <a:r>
+                  <a:rPr lang="en-US">
+                    <a:noFill/>
+                  </a:rPr>
+                  <a:t> </a:t>
+                </a:r>
+              </a:p>
+            </p:txBody>
+          </p:sp>
+        </mc:Fallback>
+      </mc:AlternateContent>
+      <p:sp>
+        <p:nvSpPr>
+          <p:cNvPr id="4" name="Slide Number Placeholder 3">
+            <a:extLst>
+              <a:ext uri="{FF2B5EF4-FFF2-40B4-BE49-F238E27FC236}">
+                <a16:creationId xmlns:a16="http://schemas.microsoft.com/office/drawing/2014/main" id="{E7B7735F-BA3F-8E5F-7C8A-909C5FEBFB79}"/>
+              </a:ext>
+            </a:extLst>
+          </p:cNvPr>
+          <p:cNvSpPr>
+            <a:spLocks noGrp="1"/>
+          </p:cNvSpPr>
+          <p:nvPr>
+            <p:ph type="sldNum" sz="quarter" idx="12"/>
+          </p:nvPr>
+        </p:nvSpPr>
+        <p:spPr/>
+        <p:txBody>
+          <a:bodyPr/>
+          <a:lstStyle/>
+          <a:p>
+            <a:fld id="{A439D109-9F59-4B0B-8E20-D6D3A384B1F1}" type="slidenum">
+              <a:rPr lang="ko-KR" altLang="en-US" smtClean="0"/>
+              <a:t>33</a:t>
+            </a:fld>
+            <a:endParaRPr lang="ko-KR" altLang="en-US"/>
+          </a:p>
+        </p:txBody>
+      </p:sp>
+    </p:spTree>
+    <p:extLst>
+      <p:ext uri="{BB962C8B-B14F-4D97-AF65-F5344CB8AC3E}">
+        <p14:creationId xmlns:p14="http://schemas.microsoft.com/office/powerpoint/2010/main" val="3723519784"/>
+      </p:ext>
+    </p:extLst>
+  </p:cSld>
+  <p:clrMapOvr>
+    <a:masterClrMapping/>
+  </p:clrMapOvr>
+</p:sld>
+</file>
+
+<file path=ppt/slides/slide34.xml><?xml version="1.0" encoding="utf-8"?>
+<p:sld xmlns:a="http://schemas.openxmlformats.org/drawingml/2006/main" xmlns:r="http://schemas.openxmlformats.org/officeDocument/2006/relationships" xmlns:p="http://schemas.openxmlformats.org/presentationml/2006/main">
+  <p:cSld>
+    <p:spTree>
+      <p:nvGrpSpPr>
+        <p:cNvPr id="1" name=""/>
+        <p:cNvGrpSpPr/>
+        <p:nvPr/>
+      </p:nvGrpSpPr>
+      <p:grpSpPr>
+        <a:xfrm>
+          <a:off x="0" y="0"/>
+          <a:ext cx="0" cy="0"/>
+          <a:chOff x="0" y="0"/>
+          <a:chExt cx="0" cy="0"/>
+        </a:xfrm>
+      </p:grpSpPr>
+      <p:sp>
+        <p:nvSpPr>
+          <p:cNvPr id="2" name="Slide Number Placeholder 1">
+            <a:extLst>
+              <a:ext uri="{FF2B5EF4-FFF2-40B4-BE49-F238E27FC236}">
+                <a16:creationId xmlns:a16="http://schemas.microsoft.com/office/drawing/2014/main" id="{1E8DBDDC-461B-4CBA-92C5-B19A06DCDE1B}"/>
+              </a:ext>
+            </a:extLst>
+          </p:cNvPr>
+          <p:cNvSpPr>
+            <a:spLocks noGrp="1"/>
+          </p:cNvSpPr>
+          <p:nvPr>
+            <p:ph type="sldNum" sz="quarter" idx="12"/>
+          </p:nvPr>
+        </p:nvSpPr>
+        <p:spPr/>
+        <p:txBody>
+          <a:bodyPr/>
+          <a:lstStyle/>
+          <a:p>
+            <a:fld id="{A439D109-9F59-4B0B-8E20-D6D3A384B1F1}" type="slidenum">
+              <a:rPr lang="ko-KR" altLang="en-US" smtClean="0"/>
+              <a:t>34</a:t>
+            </a:fld>
+            <a:endParaRPr lang="ko-KR" altLang="en-US"/>
+          </a:p>
+        </p:txBody>
+      </p:sp>
+      <p:sp>
+        <p:nvSpPr>
+          <p:cNvPr id="3" name="TextBox 2">
+            <a:extLst>
+              <a:ext uri="{FF2B5EF4-FFF2-40B4-BE49-F238E27FC236}">
+                <a16:creationId xmlns:a16="http://schemas.microsoft.com/office/drawing/2014/main" id="{32CBCF92-C2DB-403D-BA0D-6E5B8199F341}"/>
+              </a:ext>
+            </a:extLst>
+          </p:cNvPr>
+          <p:cNvSpPr txBox="1"/>
+          <p:nvPr/>
+        </p:nvSpPr>
+        <p:spPr>
+          <a:xfrm>
+            <a:off x="3738096" y="2548403"/>
+            <a:ext cx="5140172" cy="954107"/>
+          </a:xfrm>
+          <a:prstGeom prst="rect">
+            <a:avLst/>
+          </a:prstGeom>
+          <a:noFill/>
+        </p:spPr>
+        <p:txBody>
+          <a:bodyPr wrap="square" rtlCol="0">
+            <a:spAutoFit/>
+          </a:bodyPr>
+          <a:lstStyle/>
+          <a:p>
+            <a:r>
+              <a:rPr lang="en-US" dirty="0">
+                <a:solidFill>
+                  <a:srgbClr val="00B0F0"/>
+                </a:solidFill>
+                <a:latin typeface="Arial" panose="020B0604020202020204" pitchFamily="34" charset="0"/>
+                <a:cs typeface="Arial" panose="020B0604020202020204" pitchFamily="34" charset="0"/>
+              </a:rPr>
+              <a:t> </a:t>
+            </a:r>
+            <a:r>
+              <a:rPr lang="en-US" sz="2800" b="1" dirty="0">
+                <a:latin typeface="Arial" panose="020B0604020202020204" pitchFamily="34" charset="0"/>
+                <a:cs typeface="Arial" panose="020B0604020202020204" pitchFamily="34" charset="0"/>
+              </a:rPr>
+              <a:t>Thank Your Listening.</a:t>
+            </a:r>
+            <a:br>
+              <a:rPr lang="en-US" sz="2800" b="1" dirty="0">
+                <a:latin typeface="Arial" panose="020B0604020202020204" pitchFamily="34" charset="0"/>
+                <a:cs typeface="Arial" panose="020B0604020202020204" pitchFamily="34" charset="0"/>
+              </a:rPr>
+            </a:br>
+            <a:r>
+              <a:rPr lang="en-US" sz="2800" b="1" dirty="0">
+                <a:latin typeface="Arial" panose="020B0604020202020204" pitchFamily="34" charset="0"/>
+                <a:cs typeface="Arial" panose="020B0604020202020204" pitchFamily="34" charset="0"/>
+              </a:rPr>
+              <a:t>  Any Questions?</a:t>
+            </a:r>
+            <a:endParaRPr lang="en-US" sz="2800" b="1" dirty="0"/>
+          </a:p>
+        </p:txBody>
+      </p:sp>
+    </p:spTree>
+    <p:extLst>
+      <p:ext uri="{BB962C8B-B14F-4D97-AF65-F5344CB8AC3E}">
+        <p14:creationId xmlns:p14="http://schemas.microsoft.com/office/powerpoint/2010/main" val="75383750"/>
       </p:ext>
     </p:extLst>
   </p:cSld>

--- a/SDM.pptx
+++ b/SDM.pptx
@@ -429,7 +429,7 @@
           <a:p>
             <a:fld id="{0D7A80AD-75C0-4139-8349-D7A56AAE3422}" type="datetimeFigureOut">
               <a:rPr lang="ko-KR" altLang="en-US" smtClean="0"/>
-              <a:t>2023-11-23</a:t>
+              <a:t>2023-11-28</a:t>
             </a:fld>
             <a:endParaRPr lang="ko-KR" altLang="en-US"/>
           </a:p>
@@ -1017,7 +1017,7 @@
           <a:p>
             <a:fld id="{3DF3EF48-9CCD-4EE9-BB40-4739D0DAE972}" type="datetime1">
               <a:rPr lang="ko-KR" altLang="en-US" smtClean="0"/>
-              <a:t>2023-11-23</a:t>
+              <a:t>2023-11-28</a:t>
             </a:fld>
             <a:endParaRPr lang="ko-KR" altLang="en-US"/>
           </a:p>
@@ -1288,7 +1288,7 @@
           <a:p>
             <a:fld id="{9E45620A-9A66-47B0-9218-43F171A33458}" type="datetime1">
               <a:rPr lang="ko-KR" altLang="en-US" smtClean="0"/>
-              <a:t>2023-11-23</a:t>
+              <a:t>2023-11-28</a:t>
             </a:fld>
             <a:endParaRPr lang="ko-KR" altLang="en-US"/>
           </a:p>
@@ -1564,7 +1564,7 @@
           <a:p>
             <a:fld id="{C1E586D9-B5F3-454A-8918-B4C99ED5AEDE}" type="datetime1">
               <a:rPr lang="ko-KR" altLang="en-US" smtClean="0"/>
-              <a:t>2023-11-23</a:t>
+              <a:t>2023-11-28</a:t>
             </a:fld>
             <a:endParaRPr lang="ko-KR" altLang="en-US"/>
           </a:p>
@@ -1788,7 +1788,7 @@
           <a:p>
             <a:fld id="{B0E4ADD3-F434-478C-876A-1D3933DF4707}" type="datetime1">
               <a:rPr lang="ko-KR" altLang="en-US" smtClean="0"/>
-              <a:t>2023-11-23</a:t>
+              <a:t>2023-11-28</a:t>
             </a:fld>
             <a:endParaRPr lang="ko-KR" altLang="en-US"/>
           </a:p>
@@ -2142,7 +2142,7 @@
           <a:p>
             <a:fld id="{38DF26BB-6A75-410D-A6B0-8FD34915C10D}" type="datetime1">
               <a:rPr lang="ko-KR" altLang="en-US" smtClean="0"/>
-              <a:t>2023-11-23</a:t>
+              <a:t>2023-11-28</a:t>
             </a:fld>
             <a:endParaRPr lang="ko-KR" altLang="en-US"/>
           </a:p>
@@ -2522,7 +2522,7 @@
           <a:p>
             <a:fld id="{4584CDF8-1723-475A-8393-34F016E9B184}" type="datetime1">
               <a:rPr lang="ko-KR" altLang="en-US" smtClean="0"/>
-              <a:t>2023-11-23</a:t>
+              <a:t>2023-11-28</a:t>
             </a:fld>
             <a:endParaRPr lang="ko-KR" altLang="en-US"/>
           </a:p>
@@ -3002,7 +3002,7 @@
           <a:p>
             <a:fld id="{FB8CCD4A-1F8C-4D3E-BDD6-84C4090AF0D6}" type="datetime1">
               <a:rPr lang="ko-KR" altLang="en-US" smtClean="0"/>
-              <a:t>2023-11-23</a:t>
+              <a:t>2023-11-28</a:t>
             </a:fld>
             <a:endParaRPr lang="ko-KR" altLang="en-US"/>
           </a:p>
@@ -3143,7 +3143,7 @@
           <a:p>
             <a:fld id="{CE073545-46C1-49FB-A041-5415163523D0}" type="datetime1">
               <a:rPr lang="ko-KR" altLang="en-US" smtClean="0"/>
-              <a:t>2023-11-23</a:t>
+              <a:t>2023-11-28</a:t>
             </a:fld>
             <a:endParaRPr lang="ko-KR" altLang="en-US"/>
           </a:p>
@@ -3324,7 +3324,7 @@
           <a:p>
             <a:fld id="{7EDBC6A4-6274-4803-89FF-1DA18D4FE7AA}" type="datetime1">
               <a:rPr lang="ko-KR" altLang="en-US" smtClean="0"/>
-              <a:t>2023-11-23</a:t>
+              <a:t>2023-11-28</a:t>
             </a:fld>
             <a:endParaRPr lang="ko-KR" altLang="en-US"/>
           </a:p>
@@ -3635,7 +3635,7 @@
           <a:p>
             <a:fld id="{B84A353D-6971-4305-AB04-6AEE4DD0E048}" type="datetime1">
               <a:rPr lang="ko-KR" altLang="en-US" smtClean="0"/>
-              <a:t>2023-11-23</a:t>
+              <a:t>2023-11-28</a:t>
             </a:fld>
             <a:endParaRPr lang="ko-KR" altLang="en-US"/>
           </a:p>
@@ -3923,7 +3923,7 @@
           <a:p>
             <a:fld id="{4AC75523-461B-44DB-AD97-7C06B206BE7B}" type="datetime1">
               <a:rPr lang="ko-KR" altLang="en-US" smtClean="0"/>
-              <a:t>2023-11-23</a:t>
+              <a:t>2023-11-28</a:t>
             </a:fld>
             <a:endParaRPr lang="ko-KR" altLang="en-US"/>
           </a:p>
@@ -4168,7 +4168,7 @@
           <a:p>
             <a:fld id="{9D1D2423-15C0-4D7C-B759-40ACCC100800}" type="datetime1">
               <a:rPr lang="ko-KR" altLang="en-US" smtClean="0"/>
-              <a:t>2023-11-23</a:t>
+              <a:t>2023-11-28</a:t>
             </a:fld>
             <a:endParaRPr lang="ko-KR" altLang="en-US"/>
           </a:p>
@@ -22321,14 +22321,100 @@
               <a:lstStyle/>
               <a:p>
                 <a:r>
+                  <a:rPr lang="en-US" dirty="0">
+                    <a:solidFill>
+                      <a:schemeClr val="accent1">
+                        <a:lumMod val="75000"/>
+                      </a:schemeClr>
+                    </a:solidFill>
+                  </a:rPr>
+                  <a:t>In estimation theory</a:t>
+                </a:r>
+                <a:r>
                   <a:rPr lang="en-US" dirty="0"/>
-                  <a:t>In estimation theory, Estimating a random variable s based on observations x  </a:t>
+                  <a:t>, Estimating a random variable </a:t>
+                </a:r>
+                <a:r>
+                  <a:rPr lang="en-US" dirty="0">
+                    <a:solidFill>
+                      <a:schemeClr val="accent6">
+                        <a:lumMod val="50000"/>
+                      </a:schemeClr>
+                    </a:solidFill>
+                  </a:rPr>
+                  <a:t>s</a:t>
+                </a:r>
+                <a:r>
+                  <a:rPr lang="en-US" dirty="0"/>
+                  <a:t> based on observations </a:t>
+                </a:r>
+                <a:r>
+                  <a:rPr lang="en-US" dirty="0">
+                    <a:solidFill>
+                      <a:schemeClr val="accent6">
+                        <a:lumMod val="50000"/>
+                      </a:schemeClr>
+                    </a:solidFill>
+                  </a:rPr>
+                  <a:t>x</a:t>
+                </a:r>
+                <a:r>
+                  <a:rPr lang="en-US" dirty="0"/>
+                  <a:t>  </a:t>
                 </a:r>
               </a:p>
               <a:p>
                 <a:r>
+                  <a:rPr lang="en-US" dirty="0">
+                    <a:solidFill>
+                      <a:schemeClr val="accent1">
+                        <a:lumMod val="75000"/>
+                      </a:schemeClr>
+                    </a:solidFill>
+                  </a:rPr>
+                  <a:t>Choose</a:t>
+                </a:r>
+                <a:r>
                   <a:rPr lang="en-US" dirty="0"/>
-                  <a:t>Choose a function g(x) that minimizes the Mean Square Error</a:t>
+                  <a:t> a function </a:t>
+                </a:r>
+                <a:r>
+                  <a:rPr lang="en-US" dirty="0">
+                    <a:solidFill>
+                      <a:schemeClr val="accent6">
+                        <a:lumMod val="50000"/>
+                      </a:schemeClr>
+                    </a:solidFill>
+                  </a:rPr>
+                  <a:t>g(x)</a:t>
+                </a:r>
+                <a:r>
+                  <a:rPr lang="en-US" dirty="0"/>
+                  <a:t> that </a:t>
+                </a:r>
+                <a:r>
+                  <a:rPr lang="en-US" dirty="0">
+                    <a:solidFill>
+                      <a:schemeClr val="accent1">
+                        <a:lumMod val="75000"/>
+                      </a:schemeClr>
+                    </a:solidFill>
+                  </a:rPr>
+                  <a:t>minimizes</a:t>
+                </a:r>
+                <a:r>
+                  <a:rPr lang="en-US" dirty="0"/>
+                  <a:t> the </a:t>
+                </a:r>
+                <a:r>
+                  <a:rPr lang="en-US" dirty="0">
+                    <a:solidFill>
+                      <a:schemeClr val="accent1">
+                        <a:lumMod val="75000"/>
+                      </a:schemeClr>
+                    </a:solidFill>
+                  </a:rPr>
+                  <a:t>Mean Square Error</a:t>
                 </a:r>
               </a:p>
               <a:p>
@@ -22354,6 +22440,11 @@
                       <m:sSupPr>
                         <m:ctrlPr>
                           <a:rPr lang="en-US" b="0" i="1" smtClean="0">
+                            <a:solidFill>
+                              <a:schemeClr val="accent6">
+                                <a:lumMod val="50000"/>
+                              </a:schemeClr>
+                            </a:solidFill>
                             <a:latin typeface="Cambria Math" panose="02040503050406030204" pitchFamily="18" charset="0"/>
                             <a:ea typeface="Cambria Math" panose="02040503050406030204" pitchFamily="18" charset="0"/>
                           </a:rPr>
@@ -22362,6 +22453,11 @@
                       <m:e>
                         <m:r>
                           <a:rPr lang="en-US" b="0" i="1" smtClean="0">
+                            <a:solidFill>
+                              <a:schemeClr val="accent6">
+                                <a:lumMod val="50000"/>
+                              </a:schemeClr>
+                            </a:solidFill>
                             <a:latin typeface="Cambria Math" panose="02040503050406030204" pitchFamily="18" charset="0"/>
                             <a:ea typeface="Cambria Math" panose="02040503050406030204" pitchFamily="18" charset="0"/>
                           </a:rPr>
@@ -22369,6 +22465,11 @@
                         </m:r>
                         <m:r>
                           <a:rPr lang="en-US" i="1" smtClean="0">
+                            <a:solidFill>
+                              <a:schemeClr val="accent6">
+                                <a:lumMod val="50000"/>
+                              </a:schemeClr>
+                            </a:solidFill>
                             <a:latin typeface="Cambria Math" panose="02040503050406030204" pitchFamily="18" charset="0"/>
                             <a:ea typeface="Cambria Math" panose="02040503050406030204" pitchFamily="18" charset="0"/>
                           </a:rPr>
@@ -22378,6 +22479,11 @@
                       <m:sup>
                         <m:r>
                           <a:rPr lang="en-US" b="0" i="1" smtClean="0">
+                            <a:solidFill>
+                              <a:schemeClr val="accent6">
+                                <a:lumMod val="50000"/>
+                              </a:schemeClr>
+                            </a:solidFill>
                             <a:latin typeface="Cambria Math" panose="02040503050406030204" pitchFamily="18" charset="0"/>
                             <a:ea typeface="Cambria Math" panose="02040503050406030204" pitchFamily="18" charset="0"/>
                           </a:rPr>
@@ -22387,6 +22493,11 @@
                     </m:sSup>
                     <m:r>
                       <a:rPr lang="en-US" b="0" i="1" smtClean="0">
+                        <a:solidFill>
+                          <a:schemeClr val="accent6">
+                            <a:lumMod val="50000"/>
+                          </a:schemeClr>
+                        </a:solidFill>
                         <a:latin typeface="Cambria Math" panose="02040503050406030204" pitchFamily="18" charset="0"/>
                         <a:ea typeface="Cambria Math" panose="02040503050406030204" pitchFamily="18" charset="0"/>
                       </a:rPr>
@@ -22395,38 +22506,109 @@
                   </m:oMath>
                 </a14:m>
                 <a:r>
-                  <a:rPr lang="en-US" dirty="0"/>
+                  <a:rPr lang="en-US" dirty="0">
+                    <a:solidFill>
+                      <a:schemeClr val="accent6">
+                        <a:lumMod val="50000"/>
+                      </a:schemeClr>
+                    </a:solidFill>
+                  </a:rPr>
                   <a:t> E [(s – </a:t>
                 </a:r>
                 <a:r>
-                  <a:rPr lang="en-US" dirty="0" err="1"/>
+                  <a:rPr lang="en-US" dirty="0" err="1">
+                    <a:solidFill>
+                      <a:schemeClr val="accent6">
+                        <a:lumMod val="50000"/>
+                      </a:schemeClr>
+                    </a:solidFill>
+                  </a:rPr>
                   <a:t>s</a:t>
                 </a:r>
                 <a:r>
-                  <a:rPr lang="en-US" baseline="-25000" dirty="0" err="1"/>
+                  <a:rPr lang="en-US" baseline="-25000" dirty="0" err="1">
+                    <a:solidFill>
+                      <a:schemeClr val="accent6">
+                        <a:lumMod val="50000"/>
+                      </a:schemeClr>
+                    </a:solidFill>
+                  </a:rPr>
                   <a:t>est</a:t>
                 </a:r>
                 <a:r>
-                  <a:rPr lang="en-US" dirty="0"/>
+                  <a:rPr lang="en-US" dirty="0">
+                    <a:solidFill>
+                      <a:schemeClr val="accent6">
+                        <a:lumMod val="50000"/>
+                      </a:schemeClr>
+                    </a:solidFill>
+                  </a:rPr>
                   <a:t>)*(s- </a:t>
                 </a:r>
                 <a:r>
-                  <a:rPr lang="en-US" dirty="0" err="1"/>
+                  <a:rPr lang="en-US" dirty="0" err="1">
+                    <a:solidFill>
+                      <a:schemeClr val="accent6">
+                        <a:lumMod val="50000"/>
+                      </a:schemeClr>
+                    </a:solidFill>
+                  </a:rPr>
                   <a:t>s</a:t>
                 </a:r>
                 <a:r>
-                  <a:rPr lang="en-US" baseline="-25000" dirty="0" err="1"/>
+                  <a:rPr lang="en-US" baseline="-25000" dirty="0" err="1">
+                    <a:solidFill>
+                      <a:schemeClr val="accent6">
+                        <a:lumMod val="50000"/>
+                      </a:schemeClr>
+                    </a:solidFill>
+                  </a:rPr>
                   <a:t>est</a:t>
                 </a:r>
                 <a:r>
-                  <a:rPr lang="en-US" dirty="0"/>
+                  <a:rPr lang="en-US" dirty="0">
+                    <a:solidFill>
+                      <a:schemeClr val="accent6">
+                        <a:lumMod val="50000"/>
+                      </a:schemeClr>
+                    </a:solidFill>
+                  </a:rPr>
                   <a:t>) ] = [(s – g(x))* (s-g(x))]</a:t>
                 </a:r>
+                <a:endParaRPr lang="en-US" dirty="0"/>
               </a:p>
               <a:p>
                 <a:r>
                   <a:rPr lang="en-US" dirty="0"/>
-                  <a:t> Using linear processing, the estimates of s can be found by</a:t>
+                  <a:t> </a:t>
+                </a:r>
+                <a:r>
+                  <a:rPr lang="en-US" dirty="0">
+                    <a:solidFill>
+                      <a:schemeClr val="accent1">
+                        <a:lumMod val="75000"/>
+                      </a:schemeClr>
+                    </a:solidFill>
+                  </a:rPr>
+                  <a:t>Using</a:t>
+                </a:r>
+                <a:r>
+                  <a:rPr lang="en-US" dirty="0"/>
+                  <a:t> linear processing, the estimates of </a:t>
+                </a:r>
+                <a:r>
+                  <a:rPr lang="en-US" dirty="0">
+                    <a:solidFill>
+                      <a:schemeClr val="accent6">
+                        <a:lumMod val="50000"/>
+                      </a:schemeClr>
+                    </a:solidFill>
+                  </a:rPr>
+                  <a:t>s</a:t>
+                </a:r>
+                <a:r>
+                  <a:rPr lang="en-US" dirty="0"/>
+                  <a:t> can be found by</a:t>
                 </a:r>
               </a:p>
               <a:p>
@@ -22438,26 +22620,64 @@
                   <a:t>                                              </a:t>
                 </a:r>
                 <a:r>
-                  <a:rPr lang="en-US" dirty="0" err="1"/>
+                  <a:rPr lang="en-US" dirty="0" err="1">
+                    <a:solidFill>
+                      <a:schemeClr val="accent6">
+                        <a:lumMod val="50000"/>
+                      </a:schemeClr>
+                    </a:solidFill>
+                  </a:rPr>
                   <a:t>s</a:t>
                 </a:r>
                 <a:r>
-                  <a:rPr lang="en-US" baseline="-25000" dirty="0" err="1"/>
+                  <a:rPr lang="en-US" baseline="-25000" dirty="0" err="1">
+                    <a:solidFill>
+                      <a:schemeClr val="accent6">
+                        <a:lumMod val="50000"/>
+                      </a:schemeClr>
+                    </a:solidFill>
+                  </a:rPr>
                   <a:t>est</a:t>
                 </a:r>
                 <a:r>
-                  <a:rPr lang="en-US" baseline="-25000" dirty="0"/>
+                  <a:rPr lang="en-US" baseline="-25000" dirty="0">
+                    <a:solidFill>
+                      <a:schemeClr val="accent6">
+                        <a:lumMod val="50000"/>
+                      </a:schemeClr>
+                    </a:solidFill>
+                  </a:rPr>
                   <a:t> </a:t>
                 </a:r>
                 <a:r>
-                  <a:rPr lang="en-US" dirty="0"/>
+                  <a:rPr lang="en-US" dirty="0">
+                    <a:solidFill>
+                      <a:schemeClr val="accent6">
+                        <a:lumMod val="50000"/>
+                      </a:schemeClr>
+                    </a:solidFill>
+                  </a:rPr>
                   <a:t>= Dx</a:t>
                 </a:r>
               </a:p>
               <a:p>
                 <a:r>
                   <a:rPr lang="en-US" dirty="0"/>
-                  <a:t>D must be chosen such that the Mean Square Error </a:t>
+                  <a:t>D must be </a:t>
+                </a:r>
+                <a:r>
+                  <a:rPr lang="en-US" dirty="0">
+                    <a:solidFill>
+                      <a:schemeClr val="accent1">
+                        <a:lumMod val="75000"/>
+                      </a:schemeClr>
+                    </a:solidFill>
+                  </a:rPr>
+                  <a:t>chosen</a:t>
+                </a:r>
+                <a:r>
+                  <a:rPr lang="en-US" dirty="0"/>
+                  <a:t> such that the Mean Square Error </a:t>
                 </a:r>
                 <a14:m>
                   <m:oMath xmlns:m="http://schemas.openxmlformats.org/officeDocument/2006/math">
@@ -22510,6 +22730,11 @@
                       <m:sSupPr>
                         <m:ctrlPr>
                           <a:rPr lang="en-US" b="0" i="1" smtClean="0">
+                            <a:solidFill>
+                              <a:schemeClr val="accent6">
+                                <a:lumMod val="50000"/>
+                              </a:schemeClr>
+                            </a:solidFill>
                             <a:latin typeface="Cambria Math" panose="02040503050406030204" pitchFamily="18" charset="0"/>
                             <a:ea typeface="Cambria Math" panose="02040503050406030204" pitchFamily="18" charset="0"/>
                           </a:rPr>
@@ -22518,6 +22743,11 @@
                       <m:e>
                         <m:r>
                           <a:rPr lang="en-US" b="0" i="1" smtClean="0">
+                            <a:solidFill>
+                              <a:schemeClr val="accent6">
+                                <a:lumMod val="50000"/>
+                              </a:schemeClr>
+                            </a:solidFill>
                             <a:latin typeface="Cambria Math" panose="02040503050406030204" pitchFamily="18" charset="0"/>
                             <a:ea typeface="Cambria Math" panose="02040503050406030204" pitchFamily="18" charset="0"/>
                           </a:rPr>
@@ -22525,6 +22755,11 @@
                         </m:r>
                         <m:r>
                           <a:rPr lang="en-US" i="1" smtClean="0">
+                            <a:solidFill>
+                              <a:schemeClr val="accent6">
+                                <a:lumMod val="50000"/>
+                              </a:schemeClr>
+                            </a:solidFill>
                             <a:latin typeface="Cambria Math" panose="02040503050406030204" pitchFamily="18" charset="0"/>
                             <a:ea typeface="Cambria Math" panose="02040503050406030204" pitchFamily="18" charset="0"/>
                           </a:rPr>
@@ -22534,6 +22769,11 @@
                       <m:sup>
                         <m:r>
                           <a:rPr lang="en-US" b="0" i="1" smtClean="0">
+                            <a:solidFill>
+                              <a:schemeClr val="accent6">
+                                <a:lumMod val="50000"/>
+                              </a:schemeClr>
+                            </a:solidFill>
                             <a:latin typeface="Cambria Math" panose="02040503050406030204" pitchFamily="18" charset="0"/>
                             <a:ea typeface="Cambria Math" panose="02040503050406030204" pitchFamily="18" charset="0"/>
                           </a:rPr>
@@ -22543,6 +22783,11 @@
                     </m:sSup>
                     <m:r>
                       <a:rPr lang="en-US" b="0" i="1" smtClean="0">
+                        <a:solidFill>
+                          <a:schemeClr val="accent6">
+                            <a:lumMod val="50000"/>
+                          </a:schemeClr>
+                        </a:solidFill>
                         <a:latin typeface="Cambria Math" panose="02040503050406030204" pitchFamily="18" charset="0"/>
                         <a:ea typeface="Cambria Math" panose="02040503050406030204" pitchFamily="18" charset="0"/>
                       </a:rPr>
@@ -22551,31 +22796,73 @@
                   </m:oMath>
                 </a14:m>
                 <a:r>
-                  <a:rPr lang="en-US" dirty="0"/>
+                  <a:rPr lang="en-US" dirty="0">
+                    <a:solidFill>
+                      <a:schemeClr val="accent6">
+                        <a:lumMod val="50000"/>
+                      </a:schemeClr>
+                    </a:solidFill>
+                  </a:rPr>
                   <a:t> E [(s – </a:t>
                 </a:r>
                 <a:r>
-                  <a:rPr lang="en-US" dirty="0" err="1"/>
+                  <a:rPr lang="en-US" dirty="0" err="1">
+                    <a:solidFill>
+                      <a:schemeClr val="accent6">
+                        <a:lumMod val="50000"/>
+                      </a:schemeClr>
+                    </a:solidFill>
+                  </a:rPr>
                   <a:t>s</a:t>
                 </a:r>
                 <a:r>
-                  <a:rPr lang="en-US" baseline="-25000" dirty="0" err="1"/>
+                  <a:rPr lang="en-US" baseline="-25000" dirty="0" err="1">
+                    <a:solidFill>
+                      <a:schemeClr val="accent6">
+                        <a:lumMod val="50000"/>
+                      </a:schemeClr>
+                    </a:solidFill>
+                  </a:rPr>
                   <a:t>est</a:t>
                 </a:r>
                 <a:r>
-                  <a:rPr lang="en-US" dirty="0"/>
+                  <a:rPr lang="en-US" dirty="0">
+                    <a:solidFill>
+                      <a:schemeClr val="accent6">
+                        <a:lumMod val="50000"/>
+                      </a:schemeClr>
+                    </a:solidFill>
+                  </a:rPr>
                   <a:t>)*(s- </a:t>
                 </a:r>
                 <a:r>
-                  <a:rPr lang="en-US" dirty="0" err="1"/>
+                  <a:rPr lang="en-US" dirty="0" err="1">
+                    <a:solidFill>
+                      <a:schemeClr val="accent6">
+                        <a:lumMod val="50000"/>
+                      </a:schemeClr>
+                    </a:solidFill>
+                  </a:rPr>
                   <a:t>s</a:t>
                 </a:r>
                 <a:r>
-                  <a:rPr lang="en-US" baseline="-25000" dirty="0" err="1"/>
+                  <a:rPr lang="en-US" baseline="-25000" dirty="0" err="1">
+                    <a:solidFill>
+                      <a:schemeClr val="accent6">
+                        <a:lumMod val="50000"/>
+                      </a:schemeClr>
+                    </a:solidFill>
+                  </a:rPr>
                   <a:t>est</a:t>
                 </a:r>
                 <a:r>
-                  <a:rPr lang="en-US" dirty="0"/>
+                  <a:rPr lang="en-US" dirty="0">
+                    <a:solidFill>
+                      <a:schemeClr val="accent6">
+                        <a:lumMod val="50000"/>
+                      </a:schemeClr>
+                    </a:solidFill>
+                  </a:rPr>
                   <a:t>) ] = E[(s – Dx)* (s- Dx)]</a:t>
                 </a:r>
               </a:p>
@@ -22584,7 +22871,13 @@
                   <a:buNone/>
                 </a:pPr>
                 <a:r>
-                  <a:rPr lang="en-US" dirty="0"/>
+                  <a:rPr lang="en-US" dirty="0">
+                    <a:solidFill>
+                      <a:schemeClr val="accent6">
+                        <a:lumMod val="50000"/>
+                      </a:schemeClr>
+                    </a:solidFill>
+                  </a:rPr>
                   <a:t>                                            E[(s – Dx)* (s- Dx)] = tr(E[(s – Dx)* (s- Dx)] )</a:t>
                 </a:r>
               </a:p>
@@ -22593,59 +22886,143 @@
                   <a:buNone/>
                 </a:pPr>
                 <a:r>
-                  <a:rPr lang="en-US" dirty="0"/>
+                  <a:rPr lang="en-US" dirty="0">
+                    <a:solidFill>
+                      <a:schemeClr val="accent6">
+                        <a:lumMod val="50000"/>
+                      </a:schemeClr>
+                    </a:solidFill>
+                  </a:rPr>
                   <a:t>                                                                            = tr(Q</a:t>
                 </a:r>
                 <a:r>
-                  <a:rPr lang="en-US" baseline="-25000" dirty="0"/>
+                  <a:rPr lang="en-US" baseline="-25000" dirty="0">
+                    <a:solidFill>
+                      <a:schemeClr val="accent6">
+                        <a:lumMod val="50000"/>
+                      </a:schemeClr>
+                    </a:solidFill>
+                  </a:rPr>
                   <a:t>s</a:t>
                 </a:r>
                 <a:r>
-                  <a:rPr lang="en-US" dirty="0"/>
+                  <a:rPr lang="en-US" dirty="0">
+                    <a:solidFill>
+                      <a:schemeClr val="accent6">
+                        <a:lumMod val="50000"/>
+                      </a:schemeClr>
+                    </a:solidFill>
+                  </a:rPr>
                   <a:t> – </a:t>
                 </a:r>
                 <a:r>
-                  <a:rPr lang="en-US" dirty="0" err="1"/>
+                  <a:rPr lang="en-US" dirty="0" err="1">
+                    <a:solidFill>
+                      <a:schemeClr val="accent6">
+                        <a:lumMod val="50000"/>
+                      </a:schemeClr>
+                    </a:solidFill>
+                  </a:rPr>
                   <a:t>Q</a:t>
                 </a:r>
                 <a:r>
-                  <a:rPr lang="en-US" baseline="-25000" dirty="0" err="1"/>
+                  <a:rPr lang="en-US" baseline="-25000" dirty="0" err="1">
+                    <a:solidFill>
+                      <a:schemeClr val="accent6">
+                        <a:lumMod val="50000"/>
+                      </a:schemeClr>
+                    </a:solidFill>
+                  </a:rPr>
                   <a:t>sx</a:t>
                 </a:r>
                 <a:r>
-                  <a:rPr lang="en-US" dirty="0" err="1"/>
+                  <a:rPr lang="en-US" dirty="0" err="1">
+                    <a:solidFill>
+                      <a:schemeClr val="accent6">
+                        <a:lumMod val="50000"/>
+                      </a:schemeClr>
+                    </a:solidFill>
+                  </a:rPr>
                   <a:t>D</a:t>
                 </a:r>
                 <a:r>
-                  <a:rPr lang="en-US" dirty="0"/>
+                  <a:rPr lang="en-US" dirty="0">
+                    <a:solidFill>
+                      <a:schemeClr val="accent6">
+                        <a:lumMod val="50000"/>
+                      </a:schemeClr>
+                    </a:solidFill>
+                  </a:rPr>
                   <a:t>* - </a:t>
                 </a:r>
                 <a:r>
-                  <a:rPr lang="en-US" dirty="0" err="1"/>
+                  <a:rPr lang="en-US" dirty="0" err="1">
+                    <a:solidFill>
+                      <a:schemeClr val="accent6">
+                        <a:lumMod val="50000"/>
+                      </a:schemeClr>
+                    </a:solidFill>
+                  </a:rPr>
                   <a:t>DQ</a:t>
                 </a:r>
                 <a:r>
-                  <a:rPr lang="en-US" baseline="-25000" dirty="0" err="1"/>
+                  <a:rPr lang="en-US" baseline="-25000" dirty="0" err="1">
+                    <a:solidFill>
+                      <a:schemeClr val="accent6">
+                        <a:lumMod val="50000"/>
+                      </a:schemeClr>
+                    </a:solidFill>
+                  </a:rPr>
                   <a:t>xs</a:t>
                 </a:r>
                 <a:r>
-                  <a:rPr lang="en-US" dirty="0"/>
+                  <a:rPr lang="en-US" dirty="0">
+                    <a:solidFill>
+                      <a:schemeClr val="accent6">
+                        <a:lumMod val="50000"/>
+                      </a:schemeClr>
+                    </a:solidFill>
+                  </a:rPr>
                   <a:t> + </a:t>
                 </a:r>
                 <a:r>
-                  <a:rPr lang="en-US" dirty="0" err="1"/>
+                  <a:rPr lang="en-US" dirty="0" err="1">
+                    <a:solidFill>
+                      <a:schemeClr val="accent6">
+                        <a:lumMod val="50000"/>
+                      </a:schemeClr>
+                    </a:solidFill>
+                  </a:rPr>
                   <a:t>DQ</a:t>
                 </a:r>
                 <a:r>
-                  <a:rPr lang="en-US" baseline="-25000" dirty="0" err="1"/>
+                  <a:rPr lang="en-US" baseline="-25000" dirty="0" err="1">
+                    <a:solidFill>
+                      <a:schemeClr val="accent6">
+                        <a:lumMod val="50000"/>
+                      </a:schemeClr>
+                    </a:solidFill>
+                  </a:rPr>
                   <a:t>x</a:t>
                 </a:r>
                 <a:r>
-                  <a:rPr lang="en-US" dirty="0" err="1"/>
+                  <a:rPr lang="en-US" dirty="0" err="1">
+                    <a:solidFill>
+                      <a:schemeClr val="accent6">
+                        <a:lumMod val="50000"/>
+                      </a:schemeClr>
+                    </a:solidFill>
+                  </a:rPr>
                   <a:t>D</a:t>
                 </a:r>
                 <a:r>
-                  <a:rPr lang="en-US" dirty="0"/>
+                  <a:rPr lang="en-US" dirty="0">
+                    <a:solidFill>
+                      <a:schemeClr val="accent6">
+                        <a:lumMod val="50000"/>
+                      </a:schemeClr>
+                    </a:solidFill>
+                  </a:rPr>
                   <a:t>*)</a:t>
                 </a:r>
               </a:p>
@@ -22655,66 +23032,166 @@
                 </a:pPr>
                 <a:r>
                   <a:rPr lang="en-US" dirty="0"/>
-                  <a:t>                            Where Q</a:t>
-                </a:r>
-                <a:r>
-                  <a:rPr lang="en-US" baseline="-25000" dirty="0"/>
+                  <a:t>                            Where </a:t>
+                </a:r>
+                <a:r>
+                  <a:rPr lang="en-US" dirty="0">
+                    <a:solidFill>
+                      <a:schemeClr val="accent6">
+                        <a:lumMod val="50000"/>
+                      </a:schemeClr>
+                    </a:solidFill>
+                  </a:rPr>
+                  <a:t>Q</a:t>
+                </a:r>
+                <a:r>
+                  <a:rPr lang="en-US" baseline="-25000" dirty="0">
+                    <a:solidFill>
+                      <a:schemeClr val="accent6">
+                        <a:lumMod val="50000"/>
+                      </a:schemeClr>
+                    </a:solidFill>
+                  </a:rPr>
                   <a:t>s</a:t>
                 </a:r>
                 <a:r>
-                  <a:rPr lang="en-US" dirty="0"/>
+                  <a:rPr lang="en-US" dirty="0">
+                    <a:solidFill>
+                      <a:schemeClr val="accent6">
+                        <a:lumMod val="50000"/>
+                      </a:schemeClr>
+                    </a:solidFill>
+                  </a:rPr>
                   <a:t> = E[ss*], </a:t>
                 </a:r>
                 <a:r>
-                  <a:rPr lang="en-US" dirty="0" err="1"/>
+                  <a:rPr lang="en-US" dirty="0" err="1">
+                    <a:solidFill>
+                      <a:schemeClr val="accent6">
+                        <a:lumMod val="50000"/>
+                      </a:schemeClr>
+                    </a:solidFill>
+                  </a:rPr>
                   <a:t>Q</a:t>
                 </a:r>
                 <a:r>
-                  <a:rPr lang="en-US" baseline="-25000" dirty="0" err="1"/>
+                  <a:rPr lang="en-US" baseline="-25000" dirty="0" err="1">
+                    <a:solidFill>
+                      <a:schemeClr val="accent6">
+                        <a:lumMod val="50000"/>
+                      </a:schemeClr>
+                    </a:solidFill>
+                  </a:rPr>
                   <a:t>sx</a:t>
                 </a:r>
                 <a:r>
-                  <a:rPr lang="en-US" dirty="0"/>
+                  <a:rPr lang="en-US" dirty="0">
+                    <a:solidFill>
+                      <a:schemeClr val="accent6">
+                        <a:lumMod val="50000"/>
+                      </a:schemeClr>
+                    </a:solidFill>
+                  </a:rPr>
                   <a:t> = E[</a:t>
                 </a:r>
                 <a:r>
-                  <a:rPr lang="en-US" dirty="0" err="1"/>
+                  <a:rPr lang="en-US" dirty="0" err="1">
+                    <a:solidFill>
+                      <a:schemeClr val="accent6">
+                        <a:lumMod val="50000"/>
+                      </a:schemeClr>
+                    </a:solidFill>
+                  </a:rPr>
                   <a:t>sx</a:t>
                 </a:r>
                 <a:r>
-                  <a:rPr lang="en-US" dirty="0"/>
+                  <a:rPr lang="en-US" dirty="0">
+                    <a:solidFill>
+                      <a:schemeClr val="accent6">
+                        <a:lumMod val="50000"/>
+                      </a:schemeClr>
+                    </a:solidFill>
+                  </a:rPr>
                   <a:t>*], </a:t>
                 </a:r>
                 <a:r>
-                  <a:rPr lang="en-US" dirty="0" err="1"/>
+                  <a:rPr lang="en-US" dirty="0" err="1">
+                    <a:solidFill>
+                      <a:schemeClr val="accent6">
+                        <a:lumMod val="50000"/>
+                      </a:schemeClr>
+                    </a:solidFill>
+                  </a:rPr>
                   <a:t>Q</a:t>
                 </a:r>
                 <a:r>
-                  <a:rPr lang="en-US" baseline="-25000" dirty="0" err="1"/>
+                  <a:rPr lang="en-US" baseline="-25000" dirty="0" err="1">
+                    <a:solidFill>
+                      <a:schemeClr val="accent6">
+                        <a:lumMod val="50000"/>
+                      </a:schemeClr>
+                    </a:solidFill>
+                  </a:rPr>
                   <a:t>xs</a:t>
                 </a:r>
                 <a:r>
-                  <a:rPr lang="en-US" dirty="0"/>
+                  <a:rPr lang="en-US" dirty="0">
+                    <a:solidFill>
+                      <a:schemeClr val="accent6">
+                        <a:lumMod val="50000"/>
+                      </a:schemeClr>
+                    </a:solidFill>
+                  </a:rPr>
                   <a:t> = E[</a:t>
                 </a:r>
                 <a:r>
-                  <a:rPr lang="en-US" dirty="0" err="1"/>
+                  <a:rPr lang="en-US" dirty="0" err="1">
+                    <a:solidFill>
+                      <a:schemeClr val="accent6">
+                        <a:lumMod val="50000"/>
+                      </a:schemeClr>
+                    </a:solidFill>
+                  </a:rPr>
                   <a:t>xs</a:t>
                 </a:r>
                 <a:r>
-                  <a:rPr lang="en-US" dirty="0"/>
+                  <a:rPr lang="en-US" dirty="0">
+                    <a:solidFill>
+                      <a:schemeClr val="accent6">
+                        <a:lumMod val="50000"/>
+                      </a:schemeClr>
+                    </a:solidFill>
+                  </a:rPr>
                   <a:t>*] and </a:t>
                 </a:r>
                 <a:r>
-                  <a:rPr lang="en-US" dirty="0" err="1"/>
+                  <a:rPr lang="en-US" dirty="0" err="1">
+                    <a:solidFill>
+                      <a:schemeClr val="accent6">
+                        <a:lumMod val="50000"/>
+                      </a:schemeClr>
+                    </a:solidFill>
+                  </a:rPr>
                   <a:t>Q</a:t>
                 </a:r>
                 <a:r>
-                  <a:rPr lang="en-US" baseline="-25000" dirty="0" err="1"/>
+                  <a:rPr lang="en-US" baseline="-25000" dirty="0" err="1">
+                    <a:solidFill>
+                      <a:schemeClr val="accent6">
+                        <a:lumMod val="50000"/>
+                      </a:schemeClr>
+                    </a:solidFill>
+                  </a:rPr>
                   <a:t>x</a:t>
                 </a:r>
                 <a:r>
-                  <a:rPr lang="en-US" dirty="0"/>
+                  <a:rPr lang="en-US" dirty="0">
+                    <a:solidFill>
+                      <a:schemeClr val="accent6">
+                        <a:lumMod val="50000"/>
+                      </a:schemeClr>
+                    </a:solidFill>
+                  </a:rPr>
                   <a:t> = E[xx*]</a:t>
                 </a:r>
               </a:p>
@@ -22898,13 +23375,29 @@
               <a:lstStyle/>
               <a:p>
                 <a:r>
+                  <a:rPr lang="en-US" dirty="0">
+                    <a:solidFill>
+                      <a:schemeClr val="accent1">
+                        <a:lumMod val="75000"/>
+                      </a:schemeClr>
+                    </a:solidFill>
+                  </a:rPr>
+                  <a:t>Remark</a:t>
+                </a:r>
+                <a:r>
                   <a:rPr lang="en-US" dirty="0"/>
-                  <a:t>Remark that the covariance matrices are Hermitian: Q = Q*</a:t>
+                  <a:t> that the covariance matrices are Hermitian: Q = Q*</a:t>
                 </a:r>
               </a:p>
               <a:p>
                 <a:r>
-                  <a:rPr lang="en-US" dirty="0"/>
+                  <a:rPr lang="en-US" dirty="0">
+                    <a:solidFill>
+                      <a:schemeClr val="accent1">
+                        <a:lumMod val="75000"/>
+                      </a:schemeClr>
+                    </a:solidFill>
+                  </a:rPr>
                   <a:t>Proof)</a:t>
                 </a:r>
               </a:p>
@@ -22914,7 +23407,17 @@
                 </a:pPr>
                 <a:r>
                   <a:rPr lang="en-US" dirty="0"/>
-                  <a:t>                    Let  Q = E[aa*]</a:t>
+                  <a:t>                    Let  </a:t>
+                </a:r>
+                <a:r>
+                  <a:rPr lang="en-US" dirty="0">
+                    <a:solidFill>
+                      <a:schemeClr val="accent6">
+                        <a:lumMod val="50000"/>
+                      </a:schemeClr>
+                    </a:solidFill>
+                  </a:rPr>
+                  <a:t>Q = E[aa*]</a:t>
                 </a:r>
               </a:p>
               <a:p>
@@ -22923,19 +23426,49 @@
                 </a:pPr>
                 <a:r>
                   <a:rPr lang="en-US" dirty="0"/>
-                  <a:t>                    So Q* = (E[aa*])* = E[(aa*)*] = E[ (a*)* a* ] = E[a*a ] = Q</a:t>
+                  <a:t>                    So, </a:t>
+                </a:r>
+                <a:r>
+                  <a:rPr lang="en-US" dirty="0">
+                    <a:solidFill>
+                      <a:schemeClr val="accent6">
+                        <a:lumMod val="50000"/>
+                      </a:schemeClr>
+                    </a:solidFill>
+                  </a:rPr>
+                  <a:t>Q* = (E[aa*])* = E[(aa*)*] = E[ (a*)* a* ] = E[a*a ] = Q</a:t>
                 </a:r>
               </a:p>
               <a:p>
                 <a:r>
+                  <a:rPr lang="en-US" dirty="0">
+                    <a:solidFill>
+                      <a:schemeClr val="accent1">
+                        <a:lumMod val="75000"/>
+                      </a:schemeClr>
+                    </a:solidFill>
+                  </a:rPr>
+                  <a:t>Remark</a:t>
+                </a:r>
+                <a:r>
                   <a:rPr lang="en-US" dirty="0"/>
-                  <a:t>Remark that the covariance matrices are nonnegative definite</a:t>
+                  <a:t> that the covariance matrices are nonnegative definite</a:t>
                 </a:r>
               </a:p>
               <a:p>
                 <a:r>
+                  <a:rPr lang="en-US" dirty="0">
+                    <a:solidFill>
+                      <a:schemeClr val="accent1">
+                        <a:lumMod val="75000"/>
+                      </a:schemeClr>
+                    </a:solidFill>
+                  </a:rPr>
+                  <a:t>Proof</a:t>
+                </a:r>
+                <a:r>
                   <a:rPr lang="en-US" dirty="0"/>
-                  <a:t>Proof)</a:t>
+                  <a:t>)</a:t>
                 </a:r>
               </a:p>
               <a:p>
@@ -22944,7 +23477,17 @@
                 </a:pPr>
                 <a:r>
                   <a:rPr lang="en-US" dirty="0"/>
-                  <a:t>                       z Q z* = z E[aa*] z* = E[z*a a*z] = E[</a:t>
+                  <a:t>                       </a:t>
+                </a:r>
+                <a:r>
+                  <a:rPr lang="en-US" dirty="0">
+                    <a:solidFill>
+                      <a:schemeClr val="accent6">
+                        <a:lumMod val="50000"/>
+                      </a:schemeClr>
+                    </a:solidFill>
+                  </a:rPr>
+                  <a:t>z Q z* = z E[aa*] z* = E[z*a a*z] = E[</a:t>
                 </a:r>
                 <a14:m>
                   <m:oMath xmlns:m="http://schemas.openxmlformats.org/officeDocument/2006/math">
@@ -22952,47 +23495,88 @@
                       <m:rPr>
                         <m:nor/>
                       </m:rPr>
-                      <a:rPr lang="en-US" dirty="0"/>
+                      <a:rPr lang="en-US" dirty="0">
+                        <a:solidFill>
+                          <a:schemeClr val="accent6">
+                            <a:lumMod val="50000"/>
+                          </a:schemeClr>
+                        </a:solidFill>
+                      </a:rPr>
                       <m:t>|</m:t>
                     </m:r>
                     <m:r>
                       <m:rPr>
                         <m:nor/>
                       </m:rPr>
-                      <a:rPr lang="en-US" dirty="0"/>
+                      <a:rPr lang="en-US" dirty="0">
+                        <a:solidFill>
+                          <a:schemeClr val="accent6">
+                            <a:lumMod val="50000"/>
+                          </a:schemeClr>
+                        </a:solidFill>
+                      </a:rPr>
                       <m:t>a</m:t>
                     </m:r>
                     <m:r>
                       <m:rPr>
                         <m:nor/>
                       </m:rPr>
-                      <a:rPr lang="en-US" dirty="0"/>
-                      <m:t>*</m:t>
+                      <a:rPr lang="en-US" dirty="0">
+                        <a:solidFill>
+                          <a:schemeClr val="accent6">
+                            <a:lumMod val="50000"/>
+                          </a:schemeClr>
+                        </a:solidFill>
+                      </a:rPr>
+                      <m:t>∗</m:t>
                     </m:r>
                     <m:r>
                       <m:rPr>
                         <m:nor/>
                       </m:rPr>
-                      <a:rPr lang="en-US" dirty="0"/>
+                      <a:rPr lang="en-US" dirty="0">
+                        <a:solidFill>
+                          <a:schemeClr val="accent6">
+                            <a:lumMod val="50000"/>
+                          </a:schemeClr>
+                        </a:solidFill>
+                      </a:rPr>
                       <m:t>z</m:t>
                     </m:r>
                     <m:r>
                       <m:rPr>
                         <m:nor/>
                       </m:rPr>
-                      <a:rPr lang="en-US" dirty="0"/>
+                      <a:rPr lang="en-US" dirty="0">
+                        <a:solidFill>
+                          <a:schemeClr val="accent6">
+                            <a:lumMod val="50000"/>
+                          </a:schemeClr>
+                        </a:solidFill>
+                      </a:rPr>
                       <m:t>|2]</m:t>
                     </m:r>
                   </m:oMath>
                 </a14:m>
                 <a:r>
-                  <a:rPr lang="en-US" dirty="0"/>
+                  <a:rPr lang="en-US" dirty="0">
+                    <a:solidFill>
+                      <a:schemeClr val="accent6">
+                        <a:lumMod val="50000"/>
+                      </a:schemeClr>
+                    </a:solidFill>
+                  </a:rPr>
                   <a:t>] </a:t>
                 </a:r>
                 <a14:m>
                   <m:oMath xmlns:m="http://schemas.openxmlformats.org/officeDocument/2006/math">
                     <m:r>
                       <a:rPr lang="en-US" i="1" dirty="0" smtClean="0">
+                        <a:solidFill>
+                          <a:schemeClr val="accent6">
+                            <a:lumMod val="50000"/>
+                          </a:schemeClr>
+                        </a:solidFill>
                         <a:latin typeface="Cambria Math" panose="02040503050406030204" pitchFamily="18" charset="0"/>
                         <a:ea typeface="Cambria Math" panose="02040503050406030204" pitchFamily="18" charset="0"/>
                       </a:rPr>
@@ -23001,14 +23585,58 @@
                   </m:oMath>
                 </a14:m>
                 <a:r>
-                  <a:rPr lang="en-US" dirty="0"/>
+                  <a:rPr lang="en-US" dirty="0">
+                    <a:solidFill>
+                      <a:schemeClr val="accent6">
+                        <a:lumMod val="50000"/>
+                      </a:schemeClr>
+                    </a:solidFill>
+                  </a:rPr>
                   <a:t> 0</a:t>
                 </a:r>
               </a:p>
               <a:p>
                 <a:r>
+                  <a:rPr lang="en-US" dirty="0">
+                    <a:solidFill>
+                      <a:schemeClr val="accent1">
+                        <a:lumMod val="75000"/>
+                      </a:schemeClr>
+                    </a:solidFill>
+                  </a:rPr>
+                  <a:t>Furthermore</a:t>
+                </a:r>
+                <a:r>
                   <a:rPr lang="en-US" dirty="0"/>
-                  <a:t>Furthermore, remark that each eigenvalue of a nonnegative definite matrix is a                   nonnegative real number.</a:t>
+                  <a:t>, remark that each eigenvalue of a </a:t>
+                </a:r>
+                <a:r>
+                  <a:rPr lang="en-US" dirty="0">
+                    <a:solidFill>
+                      <a:schemeClr val="accent1">
+                        <a:lumMod val="75000"/>
+                      </a:schemeClr>
+                    </a:solidFill>
+                  </a:rPr>
+                  <a:t>nonnegative definite </a:t>
+                </a:r>
+                <a:r>
+                  <a:rPr lang="en-US" dirty="0"/>
+                  <a:t>matrix is a                   nonnegative </a:t>
+                </a:r>
+                <a:r>
+                  <a:rPr lang="en-US" dirty="0">
+                    <a:solidFill>
+                      <a:schemeClr val="accent1">
+                        <a:lumMod val="75000"/>
+                      </a:schemeClr>
+                    </a:solidFill>
+                  </a:rPr>
+                  <a:t>real number</a:t>
+                </a:r>
+                <a:r>
+                  <a:rPr lang="en-US" dirty="0"/>
+                  <a:t>.</a:t>
                 </a:r>
               </a:p>
               <a:p>
@@ -23018,23 +23646,91 @@
                 </a:r>
               </a:p>
               <a:p>
+                <a:pPr marL="0" indent="0">
+                  <a:buNone/>
+                </a:pPr>
                 <a:r>
                   <a:rPr lang="en-US" dirty="0"/>
-                  <a:t>Let  Q be nonnegative definite,</a:t>
+                  <a:t>       Let  </a:t>
+                </a:r>
+                <a:r>
+                  <a:rPr lang="en-US" dirty="0">
+                    <a:solidFill>
+                      <a:schemeClr val="accent6">
+                        <a:lumMod val="50000"/>
+                      </a:schemeClr>
+                    </a:solidFill>
+                  </a:rPr>
+                  <a:t>Q</a:t>
+                </a:r>
+                <a:r>
+                  <a:rPr lang="en-US" dirty="0"/>
+                  <a:t> be </a:t>
+                </a:r>
+                <a:r>
+                  <a:rPr lang="en-US" dirty="0">
+                    <a:solidFill>
+                      <a:schemeClr val="accent1">
+                        <a:lumMod val="75000"/>
+                      </a:schemeClr>
+                    </a:solidFill>
+                  </a:rPr>
+                  <a:t>nonnegative definite</a:t>
+                </a:r>
+                <a:r>
+                  <a:rPr lang="en-US" dirty="0"/>
+                  <a:t>,</a:t>
                 </a:r>
               </a:p>
               <a:p>
+                <a:pPr marL="0" indent="0">
+                  <a:buNone/>
+                </a:pPr>
                 <a:r>
                   <a:rPr lang="en-US" dirty="0"/>
-                  <a:t>       </a:t>
-                </a:r>
-                <a:r>
-                  <a:rPr lang="el-GR" dirty="0"/>
+                  <a:t>           </a:t>
+                </a:r>
+                <a:r>
+                  <a:rPr lang="el-GR" dirty="0">
+                    <a:solidFill>
+                      <a:schemeClr val="accent6">
+                        <a:lumMod val="50000"/>
+                      </a:schemeClr>
+                    </a:solidFill>
+                  </a:rPr>
                   <a:t>λ</a:t>
                 </a:r>
                 <a:r>
                   <a:rPr lang="en-US" dirty="0"/>
-                  <a:t> be an eigenvalue of Q,</a:t>
+                  <a:t> be an </a:t>
+                </a:r>
+                <a:r>
+                  <a:rPr lang="en-US" dirty="0">
+                    <a:solidFill>
+                      <a:schemeClr val="accent1">
+                        <a:lumMod val="75000"/>
+                      </a:schemeClr>
+                    </a:solidFill>
+                  </a:rPr>
+                  <a:t>eigenvalue</a:t>
+                </a:r>
+                <a:r>
+                  <a:rPr lang="en-US" dirty="0"/>
+                  <a:t> of </a:t>
+                </a:r>
+                <a:r>
+                  <a:rPr lang="en-US" dirty="0">
+                    <a:solidFill>
+                      <a:schemeClr val="accent6">
+                        <a:lumMod val="50000"/>
+                      </a:schemeClr>
+                    </a:solidFill>
+                  </a:rPr>
+                  <a:t>Q</a:t>
+                </a:r>
+                <a:r>
+                  <a:rPr lang="en-US" dirty="0"/>
+                  <a:t>,</a:t>
                 </a:r>
               </a:p>
               <a:p>
@@ -23397,9 +24093,26 @@
               <a:bodyPr/>
               <a:lstStyle/>
               <a:p>
+                <a:pPr marL="0" indent="0">
+                  <a:buNone/>
+                </a:pPr>
                 <a:r>
                   <a:rPr lang="en-US" dirty="0"/>
-                  <a:t>Let  z be </a:t>
+                  <a:t>   Let  </a:t>
+                </a:r>
+                <a:r>
+                  <a:rPr lang="en-US" dirty="0">
+                    <a:solidFill>
+                      <a:schemeClr val="accent6">
+                        <a:lumMod val="50000"/>
+                      </a:schemeClr>
+                    </a:solidFill>
+                  </a:rPr>
+                  <a:t>z</a:t>
+                </a:r>
+                <a:r>
+                  <a:rPr lang="en-US" dirty="0"/>
+                  <a:t> be </a:t>
                 </a:r>
                 <a:r>
                   <a:rPr lang="en-US" dirty="0" err="1"/>
@@ -23407,215 +24120,815 @@
                 </a:r>
                 <a:r>
                   <a:rPr lang="en-US" dirty="0"/>
-                  <a:t> an eigenvector of Q associated with </a:t>
-                </a:r>
-                <a:r>
-                  <a:rPr lang="el-GR" dirty="0"/>
+                  <a:t> an </a:t>
+                </a:r>
+                <a:r>
+                  <a:rPr lang="en-US" dirty="0">
+                    <a:solidFill>
+                      <a:schemeClr val="accent1">
+                        <a:lumMod val="75000"/>
+                      </a:schemeClr>
+                    </a:solidFill>
+                  </a:rPr>
+                  <a:t>eigenvector</a:t>
+                </a:r>
+                <a:r>
+                  <a:rPr lang="en-US" dirty="0"/>
+                  <a:t> of Q </a:t>
+                </a:r>
+                <a:r>
+                  <a:rPr lang="en-US" dirty="0">
+                    <a:solidFill>
+                      <a:schemeClr val="accent1">
+                        <a:lumMod val="75000"/>
+                      </a:schemeClr>
+                    </a:solidFill>
+                  </a:rPr>
+                  <a:t>associated</a:t>
+                </a:r>
+                <a:r>
+                  <a:rPr lang="en-US" dirty="0"/>
+                  <a:t> with </a:t>
+                </a:r>
+                <a:r>
+                  <a:rPr lang="el-GR" dirty="0">
+                    <a:solidFill>
+                      <a:schemeClr val="accent6">
+                        <a:lumMod val="50000"/>
+                      </a:schemeClr>
+                    </a:solidFill>
+                  </a:rPr>
                   <a:t>λ</a:t>
                 </a:r>
-                <a:endParaRPr lang="en-US" dirty="0"/>
+                <a:endParaRPr lang="en-US" dirty="0">
+                  <a:solidFill>
+                    <a:schemeClr val="accent6">
+                      <a:lumMod val="50000"/>
+                    </a:schemeClr>
+                  </a:solidFill>
+                </a:endParaRPr>
               </a:p>
               <a:p>
+                <a:pPr marL="0" indent="0">
+                  <a:buNone/>
+                </a:pPr>
                 <a:r>
                   <a:rPr lang="en-US" dirty="0"/>
-                  <a:t>So z* Q z = z* </a:t>
-                </a:r>
-                <a:r>
-                  <a:rPr lang="el-GR" dirty="0"/>
+                  <a:t>          So, </a:t>
+                </a:r>
+                <a:r>
+                  <a:rPr lang="en-US" dirty="0">
+                    <a:solidFill>
+                      <a:schemeClr val="accent6">
+                        <a:lumMod val="50000"/>
+                      </a:schemeClr>
+                    </a:solidFill>
+                  </a:rPr>
+                  <a:t>z* Q z = z* </a:t>
+                </a:r>
+                <a:r>
+                  <a:rPr lang="el-GR" dirty="0">
+                    <a:solidFill>
+                      <a:schemeClr val="accent6">
+                        <a:lumMod val="50000"/>
+                      </a:schemeClr>
+                    </a:solidFill>
+                  </a:rPr>
                   <a:t>λ</a:t>
                 </a:r>
                 <a:r>
+                  <a:rPr lang="en-US" dirty="0">
+                    <a:solidFill>
+                      <a:schemeClr val="accent6">
+                        <a:lumMod val="50000"/>
+                      </a:schemeClr>
+                    </a:solidFill>
+                  </a:rPr>
+                  <a:t> z = </a:t>
+                </a:r>
+                <a:r>
+                  <a:rPr lang="el-GR" dirty="0">
+                    <a:solidFill>
+                      <a:schemeClr val="accent6">
+                        <a:lumMod val="50000"/>
+                      </a:schemeClr>
+                    </a:solidFill>
+                  </a:rPr>
+                  <a:t>λ</a:t>
+                </a:r>
+                <a:r>
+                  <a:rPr lang="en-US" dirty="0">
+                    <a:solidFill>
+                      <a:schemeClr val="accent6">
+                        <a:lumMod val="50000"/>
+                      </a:schemeClr>
+                    </a:solidFill>
+                  </a:rPr>
+                  <a:t> |z|</a:t>
+                </a:r>
+                <a:r>
+                  <a:rPr lang="en-US" baseline="30000" dirty="0">
+                    <a:solidFill>
+                      <a:schemeClr val="accent6">
+                        <a:lumMod val="50000"/>
+                      </a:schemeClr>
+                    </a:solidFill>
+                  </a:rPr>
+                  <a:t>2 </a:t>
+                </a:r>
+                <a:r>
+                  <a:rPr lang="en-US" dirty="0">
+                    <a:solidFill>
+                      <a:schemeClr val="accent6">
+                        <a:lumMod val="50000"/>
+                      </a:schemeClr>
+                    </a:solidFill>
+                  </a:rPr>
+                  <a:t> </a:t>
+                </a:r>
+              </a:p>
+              <a:p>
+                <a:pPr marL="0" indent="0">
+                  <a:buNone/>
+                </a:pPr>
+                <a:r>
                   <a:rPr lang="en-US" dirty="0"/>
-                  <a:t> z = </a:t>
-                </a:r>
-                <a:r>
-                  <a:rPr lang="el-GR" dirty="0"/>
-                  <a:t>λ</a:t>
-                </a:r>
-                <a:r>
-                  <a:rPr lang="en-US" dirty="0"/>
-                  <a:t> |z|</a:t>
-                </a:r>
-                <a:r>
-                  <a:rPr lang="en-US" baseline="30000" dirty="0"/>
-                  <a:t>2 </a:t>
+                  <a:t>    </a:t>
+                </a:r>
+                <a:r>
+                  <a:rPr lang="en-US" dirty="0">
+                    <a:solidFill>
+                      <a:schemeClr val="accent1">
+                        <a:lumMod val="75000"/>
+                      </a:schemeClr>
+                    </a:solidFill>
+                  </a:rPr>
+                  <a:t>Therefore</a:t>
                 </a:r>
                 <a:r>
                   <a:rPr lang="en-US" dirty="0"/>
                   <a:t> </a:t>
                 </a:r>
+                <a:r>
+                  <a:rPr lang="en-US" dirty="0">
+                    <a:solidFill>
+                      <a:schemeClr val="accent6">
+                        <a:lumMod val="50000"/>
+                      </a:schemeClr>
+                    </a:solidFill>
+                  </a:rPr>
+                  <a:t>z*Q z / |z|</a:t>
+                </a:r>
+                <a:r>
+                  <a:rPr lang="en-US" baseline="30000" dirty="0">
+                    <a:solidFill>
+                      <a:schemeClr val="accent6">
+                        <a:lumMod val="50000"/>
+                      </a:schemeClr>
+                    </a:solidFill>
+                  </a:rPr>
+                  <a:t>2  </a:t>
+                </a:r>
+                <a:r>
+                  <a:rPr lang="en-US" dirty="0"/>
+                  <a:t>is </a:t>
+                </a:r>
+                <a:r>
+                  <a:rPr lang="en-US" dirty="0">
+                    <a:solidFill>
+                      <a:schemeClr val="accent1">
+                        <a:lumMod val="75000"/>
+                      </a:schemeClr>
+                    </a:solidFill>
+                  </a:rPr>
+                  <a:t>real and nonnegative </a:t>
+                </a:r>
+                <a:r>
+                  <a:rPr lang="en-US" dirty="0"/>
+                  <a:t>since it is </a:t>
+                </a:r>
+                <a:r>
+                  <a:rPr lang="en-US" dirty="0">
+                    <a:solidFill>
+                      <a:schemeClr val="accent1">
+                        <a:lumMod val="75000"/>
+                      </a:schemeClr>
+                    </a:solidFill>
+                  </a:rPr>
+                  <a:t>a ratio of </a:t>
+                </a:r>
+                <a:r>
+                  <a:rPr lang="en-US" dirty="0"/>
+                  <a:t>a real nonnegative and       a real positive number.</a:t>
+                </a:r>
               </a:p>
               <a:p>
                 <a:r>
+                  <a:rPr lang="en-US" dirty="0">
+                    <a:solidFill>
+                      <a:schemeClr val="accent1">
+                        <a:lumMod val="75000"/>
+                      </a:schemeClr>
+                    </a:solidFill>
+                  </a:rPr>
+                  <a:t>Finally</a:t>
+                </a:r>
+                <a:r>
                   <a:rPr lang="en-US" dirty="0"/>
-                  <a:t>Therefor z*Q z / |z|</a:t>
-                </a:r>
-                <a:r>
-                  <a:rPr lang="en-US" baseline="30000" dirty="0"/>
-                  <a:t>2  </a:t>
+                  <a:t>, remark that the </a:t>
+                </a:r>
+                <a:r>
+                  <a:rPr lang="en-US" dirty="0">
+                    <a:solidFill>
+                      <a:schemeClr val="accent1">
+                        <a:lumMod val="75000"/>
+                      </a:schemeClr>
+                    </a:solidFill>
+                  </a:rPr>
+                  <a:t>eigenvectors</a:t>
                 </a:r>
                 <a:r>
                   <a:rPr lang="en-US" dirty="0"/>
-                  <a:t>is real and nonnegative since it is a ratio of a real nonnegative and a  real positive number.</a:t>
+                  <a:t> of a </a:t>
+                </a:r>
+                <a:r>
+                  <a:rPr lang="en-US" dirty="0">
+                    <a:solidFill>
+                      <a:schemeClr val="accent1">
+                        <a:lumMod val="75000"/>
+                      </a:schemeClr>
+                    </a:solidFill>
+                  </a:rPr>
+                  <a:t>Hermitian</a:t>
+                </a:r>
+                <a:r>
+                  <a:rPr lang="en-US" dirty="0"/>
+                  <a:t> matrix </a:t>
+                </a:r>
+                <a:r>
+                  <a:rPr lang="en-US" dirty="0">
+                    <a:solidFill>
+                      <a:schemeClr val="accent6">
+                        <a:lumMod val="50000"/>
+                      </a:schemeClr>
+                    </a:solidFill>
+                  </a:rPr>
+                  <a:t>Q</a:t>
+                </a:r>
+                <a:r>
+                  <a:rPr lang="en-US" dirty="0"/>
+                  <a:t>, if they come from </a:t>
+                </a:r>
+                <a:r>
+                  <a:rPr lang="en-US" dirty="0">
+                    <a:solidFill>
+                      <a:schemeClr val="accent1">
+                        <a:lumMod val="75000"/>
+                      </a:schemeClr>
+                    </a:solidFill>
+                  </a:rPr>
+                  <a:t>different   eigenvalues</a:t>
+                </a:r>
+                <a:r>
+                  <a:rPr lang="en-US" dirty="0"/>
+                  <a:t>, are </a:t>
+                </a:r>
+                <a:r>
+                  <a:rPr lang="en-US" dirty="0">
+                    <a:solidFill>
+                      <a:schemeClr val="accent1">
+                        <a:lumMod val="75000"/>
+                      </a:schemeClr>
+                    </a:solidFill>
+                  </a:rPr>
+                  <a:t>orthogonal</a:t>
+                </a:r>
+                <a:r>
+                  <a:rPr lang="en-US" dirty="0"/>
+                  <a:t> to one another.</a:t>
                 </a:r>
               </a:p>
               <a:p>
                 <a:r>
-                  <a:rPr lang="en-US" dirty="0"/>
-                  <a:t>Finally, remark that the eigenvectors of a Hermitian matrix Q, if they come from different eigenvalues, are orthogonal to one another.</a:t>
+                  <a:rPr lang="en-US" dirty="0">
+                    <a:solidFill>
+                      <a:schemeClr val="accent1">
+                        <a:lumMod val="75000"/>
+                      </a:schemeClr>
+                    </a:solidFill>
+                  </a:rPr>
+                  <a:t>Proof)</a:t>
                 </a:r>
               </a:p>
               <a:p>
+                <a:pPr marL="0" indent="0">
+                  <a:buNone/>
+                </a:pPr>
                 <a:r>
                   <a:rPr lang="en-US" dirty="0"/>
-                  <a:t>Proof)</a:t>
+                  <a:t>   </a:t>
+                </a:r>
+                <a:r>
+                  <a:rPr lang="en-US" dirty="0" err="1">
+                    <a:solidFill>
+                      <a:schemeClr val="accent6">
+                        <a:lumMod val="50000"/>
+                      </a:schemeClr>
+                    </a:solidFill>
+                  </a:rPr>
+                  <a:t>Q</a:t>
+                </a:r>
+                <a:r>
+                  <a:rPr lang="en-US" baseline="-25000" dirty="0" err="1">
+                    <a:solidFill>
+                      <a:schemeClr val="accent6">
+                        <a:lumMod val="50000"/>
+                      </a:schemeClr>
+                    </a:solidFill>
+                  </a:rPr>
+                  <a:t>x</a:t>
+                </a:r>
+                <a:r>
+                  <a:rPr lang="en-US" dirty="0">
+                    <a:solidFill>
+                      <a:schemeClr val="accent6">
+                        <a:lumMod val="50000"/>
+                      </a:schemeClr>
+                    </a:solidFill>
+                  </a:rPr>
+                  <a:t> = </a:t>
+                </a:r>
+                <a:r>
+                  <a:rPr lang="el-GR" dirty="0">
+                    <a:solidFill>
+                      <a:schemeClr val="accent6">
+                        <a:lumMod val="50000"/>
+                      </a:schemeClr>
+                    </a:solidFill>
+                  </a:rPr>
+                  <a:t>λ</a:t>
+                </a:r>
+                <a:r>
+                  <a:rPr lang="en-US" baseline="-25000" dirty="0">
+                    <a:solidFill>
+                      <a:schemeClr val="accent6">
+                        <a:lumMod val="50000"/>
+                      </a:schemeClr>
+                    </a:solidFill>
+                  </a:rPr>
+                  <a:t>1</a:t>
+                </a:r>
+                <a:r>
+                  <a:rPr lang="en-US" dirty="0">
+                    <a:solidFill>
+                      <a:schemeClr val="accent6">
+                        <a:lumMod val="50000"/>
+                      </a:schemeClr>
+                    </a:solidFill>
+                  </a:rPr>
+                  <a:t> x </a:t>
+                </a:r>
+                <a:r>
+                  <a:rPr lang="en-US" dirty="0"/>
+                  <a:t>and </a:t>
+                </a:r>
+                <a:r>
+                  <a:rPr lang="en-US" dirty="0" err="1">
+                    <a:solidFill>
+                      <a:schemeClr val="accent6">
+                        <a:lumMod val="50000"/>
+                      </a:schemeClr>
+                    </a:solidFill>
+                  </a:rPr>
+                  <a:t>Q</a:t>
+                </a:r>
+                <a:r>
+                  <a:rPr lang="en-US" baseline="-25000" dirty="0" err="1">
+                    <a:solidFill>
+                      <a:schemeClr val="accent6">
+                        <a:lumMod val="50000"/>
+                      </a:schemeClr>
+                    </a:solidFill>
+                  </a:rPr>
+                  <a:t>y</a:t>
+                </a:r>
+                <a:r>
+                  <a:rPr lang="en-US" dirty="0">
+                    <a:solidFill>
+                      <a:schemeClr val="accent6">
+                        <a:lumMod val="50000"/>
+                      </a:schemeClr>
+                    </a:solidFill>
+                  </a:rPr>
+                  <a:t> =  </a:t>
+                </a:r>
+                <a:r>
+                  <a:rPr lang="el-GR" dirty="0">
+                    <a:solidFill>
+                      <a:schemeClr val="accent6">
+                        <a:lumMod val="50000"/>
+                      </a:schemeClr>
+                    </a:solidFill>
+                  </a:rPr>
+                  <a:t>λ</a:t>
+                </a:r>
+                <a:r>
+                  <a:rPr lang="en-US" baseline="-25000" dirty="0">
+                    <a:solidFill>
+                      <a:schemeClr val="accent6">
+                        <a:lumMod val="50000"/>
+                      </a:schemeClr>
+                    </a:solidFill>
+                  </a:rPr>
+                  <a:t>2</a:t>
+                </a:r>
+                <a:r>
+                  <a:rPr lang="en-US" dirty="0">
+                    <a:solidFill>
+                      <a:schemeClr val="accent6">
+                        <a:lumMod val="50000"/>
+                      </a:schemeClr>
+                    </a:solidFill>
+                  </a:rPr>
+                  <a:t> y </a:t>
+                </a:r>
+                <a:r>
+                  <a:rPr lang="en-US" dirty="0"/>
+                  <a:t>and </a:t>
+                </a:r>
+                <a:r>
+                  <a:rPr lang="en-US" dirty="0">
+                    <a:solidFill>
+                      <a:schemeClr val="accent6">
+                        <a:lumMod val="50000"/>
+                      </a:schemeClr>
+                    </a:solidFill>
+                  </a:rPr>
+                  <a:t>Q = Q* </a:t>
+                </a:r>
+                <a:r>
+                  <a:rPr lang="en-US" dirty="0"/>
+                  <a:t>where </a:t>
+                </a:r>
+                <a:r>
+                  <a:rPr lang="en-US" dirty="0">
+                    <a:solidFill>
+                      <a:schemeClr val="accent6">
+                        <a:lumMod val="50000"/>
+                      </a:schemeClr>
+                    </a:solidFill>
+                  </a:rPr>
+                  <a:t>x</a:t>
+                </a:r>
+                <a:r>
+                  <a:rPr lang="en-US" dirty="0"/>
+                  <a:t> and </a:t>
+                </a:r>
+                <a:r>
+                  <a:rPr lang="en-US" dirty="0">
+                    <a:solidFill>
+                      <a:schemeClr val="accent6">
+                        <a:lumMod val="50000"/>
+                      </a:schemeClr>
+                    </a:solidFill>
+                  </a:rPr>
+                  <a:t>y</a:t>
+                </a:r>
+                <a:r>
+                  <a:rPr lang="en-US" dirty="0"/>
+                  <a:t> are the </a:t>
+                </a:r>
+                <a:r>
+                  <a:rPr lang="en-US" dirty="0">
+                    <a:solidFill>
+                      <a:schemeClr val="accent1">
+                        <a:lumMod val="75000"/>
+                      </a:schemeClr>
+                    </a:solidFill>
+                  </a:rPr>
+                  <a:t>eigenvectors</a:t>
+                </a:r>
+                <a:r>
+                  <a:rPr lang="en-US" dirty="0"/>
+                  <a:t> for the                                          eigenvalues </a:t>
+                </a:r>
+                <a:r>
+                  <a:rPr lang="el-GR" dirty="0">
+                    <a:solidFill>
+                      <a:schemeClr val="accent6">
+                        <a:lumMod val="50000"/>
+                      </a:schemeClr>
+                    </a:solidFill>
+                  </a:rPr>
+                  <a:t>λ</a:t>
+                </a:r>
+                <a:r>
+                  <a:rPr lang="en-US" baseline="-25000" dirty="0">
+                    <a:solidFill>
+                      <a:schemeClr val="accent6">
+                        <a:lumMod val="50000"/>
+                      </a:schemeClr>
+                    </a:solidFill>
+                  </a:rPr>
+                  <a:t>1</a:t>
+                </a:r>
+                <a:r>
+                  <a:rPr lang="en-US" dirty="0"/>
+                  <a:t>  and </a:t>
+                </a:r>
+                <a:r>
+                  <a:rPr lang="el-GR" dirty="0">
+                    <a:solidFill>
+                      <a:schemeClr val="accent6">
+                        <a:lumMod val="50000"/>
+                      </a:schemeClr>
+                    </a:solidFill>
+                  </a:rPr>
+                  <a:t>λ</a:t>
+                </a:r>
+                <a:r>
+                  <a:rPr lang="en-US" baseline="-25000" dirty="0">
+                    <a:solidFill>
+                      <a:schemeClr val="accent6">
+                        <a:lumMod val="50000"/>
+                      </a:schemeClr>
+                    </a:solidFill>
+                  </a:rPr>
+                  <a:t>2</a:t>
+                </a:r>
+                <a:r>
+                  <a:rPr lang="en-US" dirty="0"/>
+                  <a:t>, </a:t>
+                </a:r>
+                <a:r>
+                  <a:rPr lang="en-US" dirty="0">
+                    <a:solidFill>
+                      <a:schemeClr val="accent1">
+                        <a:lumMod val="75000"/>
+                      </a:schemeClr>
+                    </a:solidFill>
+                  </a:rPr>
+                  <a:t>respectively</a:t>
+                </a:r>
+                <a:r>
+                  <a:rPr lang="en-US" dirty="0"/>
+                  <a:t>.</a:t>
                 </a:r>
               </a:p>
               <a:p>
-                <a:r>
-                  <a:rPr lang="en-US" dirty="0" err="1"/>
-                  <a:t>Qx</a:t>
-                </a:r>
+                <a:pPr marL="0" indent="0">
+                  <a:buNone/>
+                </a:pPr>
                 <a:r>
                   <a:rPr lang="en-US" dirty="0"/>
-                  <a:t> = </a:t>
-                </a:r>
-                <a:r>
-                  <a:rPr lang="el-GR" dirty="0"/>
+                  <a:t>         Then </a:t>
+                </a:r>
+                <a:r>
+                  <a:rPr lang="en-US" dirty="0">
+                    <a:solidFill>
+                      <a:schemeClr val="accent6">
+                        <a:lumMod val="50000"/>
+                      </a:schemeClr>
+                    </a:solidFill>
+                  </a:rPr>
+                  <a:t>(</a:t>
+                </a:r>
+                <a:r>
+                  <a:rPr lang="el-GR" dirty="0">
+                    <a:solidFill>
+                      <a:schemeClr val="accent6">
+                        <a:lumMod val="50000"/>
+                      </a:schemeClr>
+                    </a:solidFill>
+                  </a:rPr>
                   <a:t>λ</a:t>
                 </a:r>
                 <a:r>
-                  <a:rPr lang="en-US" baseline="-25000" dirty="0"/>
+                  <a:rPr lang="en-US" baseline="-25000" dirty="0">
+                    <a:solidFill>
+                      <a:schemeClr val="accent6">
+                        <a:lumMod val="50000"/>
+                      </a:schemeClr>
+                    </a:solidFill>
+                  </a:rPr>
                   <a:t>1</a:t>
                 </a:r>
                 <a:r>
-                  <a:rPr lang="en-US" dirty="0"/>
-                  <a:t> x and </a:t>
-                </a:r>
-                <a:r>
-                  <a:rPr lang="en-US" dirty="0" err="1"/>
-                  <a:t>Qy</a:t>
-                </a:r>
-                <a:r>
-                  <a:rPr lang="en-US" dirty="0"/>
-                  <a:t> =  </a:t>
-                </a:r>
-                <a:r>
-                  <a:rPr lang="el-GR" dirty="0"/>
+                  <a:rPr lang="en-US" dirty="0">
+                    <a:solidFill>
+                      <a:schemeClr val="accent6">
+                        <a:lumMod val="50000"/>
+                      </a:schemeClr>
+                    </a:solidFill>
+                  </a:rPr>
+                  <a:t>x)*y = (</a:t>
+                </a:r>
+                <a:r>
+                  <a:rPr lang="en-US" dirty="0" err="1">
+                    <a:solidFill>
+                      <a:schemeClr val="accent6">
+                        <a:lumMod val="50000"/>
+                      </a:schemeClr>
+                    </a:solidFill>
+                  </a:rPr>
+                  <a:t>Q</a:t>
+                </a:r>
+                <a:r>
+                  <a:rPr lang="en-US" baseline="-25000" dirty="0" err="1">
+                    <a:solidFill>
+                      <a:schemeClr val="accent6">
+                        <a:lumMod val="50000"/>
+                      </a:schemeClr>
+                    </a:solidFill>
+                  </a:rPr>
+                  <a:t>x</a:t>
+                </a:r>
+                <a:r>
+                  <a:rPr lang="en-US" dirty="0">
+                    <a:solidFill>
+                      <a:schemeClr val="accent6">
+                        <a:lumMod val="50000"/>
+                      </a:schemeClr>
+                    </a:solidFill>
+                  </a:rPr>
+                  <a:t>)* y = x* </a:t>
+                </a:r>
+                <a:r>
+                  <a:rPr lang="en-US" dirty="0" err="1">
+                    <a:solidFill>
+                      <a:schemeClr val="accent6">
+                        <a:lumMod val="50000"/>
+                      </a:schemeClr>
+                    </a:solidFill>
+                  </a:rPr>
+                  <a:t>Q</a:t>
+                </a:r>
+                <a:r>
+                  <a:rPr lang="en-US" baseline="-25000" dirty="0" err="1">
+                    <a:solidFill>
+                      <a:schemeClr val="accent6">
+                        <a:lumMod val="50000"/>
+                      </a:schemeClr>
+                    </a:solidFill>
+                  </a:rPr>
+                  <a:t>y</a:t>
+                </a:r>
+                <a:r>
+                  <a:rPr lang="en-US" dirty="0">
+                    <a:solidFill>
+                      <a:schemeClr val="accent6">
+                        <a:lumMod val="50000"/>
+                      </a:schemeClr>
+                    </a:solidFill>
+                  </a:rPr>
+                  <a:t> = x* (</a:t>
+                </a:r>
+                <a:r>
+                  <a:rPr lang="el-GR" dirty="0">
+                    <a:solidFill>
+                      <a:schemeClr val="accent6">
+                        <a:lumMod val="50000"/>
+                      </a:schemeClr>
+                    </a:solidFill>
+                  </a:rPr>
                   <a:t>λ</a:t>
                 </a:r>
                 <a:r>
-                  <a:rPr lang="en-US" baseline="-25000" dirty="0"/>
+                  <a:rPr lang="en-US" baseline="-25000" dirty="0">
+                    <a:solidFill>
+                      <a:schemeClr val="accent6">
+                        <a:lumMod val="50000"/>
+                      </a:schemeClr>
+                    </a:solidFill>
+                  </a:rPr>
                   <a:t>2</a:t>
                 </a:r>
                 <a:r>
-                  <a:rPr lang="en-US" dirty="0"/>
-                  <a:t> y and Q = Q* where x and y are the eigenvectors for the                 eigenvalues </a:t>
-                </a:r>
-                <a:r>
-                  <a:rPr lang="el-GR" dirty="0"/>
-                  <a:t>λ</a:t>
-                </a:r>
-                <a:r>
-                  <a:rPr lang="en-US" baseline="-25000" dirty="0"/>
-                  <a:t>1</a:t>
-                </a:r>
-                <a:r>
-                  <a:rPr lang="en-US" dirty="0"/>
-                  <a:t>  and </a:t>
-                </a:r>
-                <a:r>
-                  <a:rPr lang="el-GR" dirty="0"/>
-                  <a:t>λ</a:t>
-                </a:r>
-                <a:r>
-                  <a:rPr lang="en-US" baseline="-25000" dirty="0"/>
-                  <a:t>2</a:t>
-                </a:r>
-                <a:r>
-                  <a:rPr lang="en-US" dirty="0"/>
-                  <a:t>, respectively.</a:t>
+                  <a:rPr lang="en-US" dirty="0">
+                    <a:solidFill>
+                      <a:schemeClr val="accent6">
+                        <a:lumMod val="50000"/>
+                      </a:schemeClr>
+                    </a:solidFill>
+                  </a:rPr>
+                  <a:t>y)</a:t>
                 </a:r>
               </a:p>
               <a:p>
+                <a:pPr marL="0" indent="0">
+                  <a:buNone/>
+                </a:pPr>
                 <a:r>
                   <a:rPr lang="en-US" dirty="0"/>
-                  <a:t>Then (</a:t>
-                </a:r>
-                <a:r>
-                  <a:rPr lang="el-GR" dirty="0"/>
+                  <a:t>   We can write  </a:t>
+                </a:r>
+                <a:r>
+                  <a:rPr lang="el-GR" dirty="0">
+                    <a:solidFill>
+                      <a:schemeClr val="accent6">
+                        <a:lumMod val="50000"/>
+                      </a:schemeClr>
+                    </a:solidFill>
+                  </a:rPr>
                   <a:t>λ</a:t>
                 </a:r>
                 <a:r>
-                  <a:rPr lang="en-US" baseline="-25000" dirty="0"/>
-                  <a:t>1</a:t>
+                  <a:rPr lang="en-US" baseline="-25000" dirty="0">
+                    <a:solidFill>
+                      <a:schemeClr val="accent6">
+                        <a:lumMod val="50000"/>
+                      </a:schemeClr>
+                    </a:solidFill>
+                  </a:rPr>
+                  <a:t>1 </a:t>
+                </a:r>
+                <a:r>
+                  <a:rPr lang="en-US" dirty="0">
+                    <a:solidFill>
+                      <a:schemeClr val="accent6">
+                        <a:lumMod val="50000"/>
+                      </a:schemeClr>
+                    </a:solidFill>
+                  </a:rPr>
+                  <a:t>x*y = </a:t>
+                </a:r>
+                <a:r>
+                  <a:rPr lang="el-GR" dirty="0">
+                    <a:solidFill>
+                      <a:schemeClr val="accent6">
+                        <a:lumMod val="50000"/>
+                      </a:schemeClr>
+                    </a:solidFill>
+                  </a:rPr>
+                  <a:t>λ</a:t>
+                </a:r>
+                <a:r>
+                  <a:rPr lang="en-US" baseline="-25000" dirty="0">
+                    <a:solidFill>
+                      <a:schemeClr val="accent6">
+                        <a:lumMod val="50000"/>
+                      </a:schemeClr>
+                    </a:solidFill>
+                  </a:rPr>
+                  <a:t>2</a:t>
+                </a:r>
+                <a:r>
+                  <a:rPr lang="en-US" dirty="0">
+                    <a:solidFill>
+                      <a:schemeClr val="accent6">
+                        <a:lumMod val="50000"/>
+                      </a:schemeClr>
+                    </a:solidFill>
+                  </a:rPr>
+                  <a:t> x* y </a:t>
                 </a:r>
                 <a:r>
                   <a:rPr lang="en-US" dirty="0"/>
-                  <a:t>x)*y = (</a:t>
-                </a:r>
-                <a:r>
-                  <a:rPr lang="en-US" dirty="0" err="1"/>
-                  <a:t>Qx</a:t>
+                  <a:t>Now we use the </a:t>
+                </a:r>
+                <a:r>
+                  <a:rPr lang="en-US" dirty="0">
+                    <a:solidFill>
+                      <a:schemeClr val="accent1">
+                        <a:lumMod val="75000"/>
+                      </a:schemeClr>
+                    </a:solidFill>
+                  </a:rPr>
+                  <a:t>assumption</a:t>
                 </a:r>
                 <a:r>
                   <a:rPr lang="en-US" dirty="0"/>
-                  <a:t>)* y = x* Q y = x* (</a:t>
-                </a:r>
-                <a:r>
-                  <a:rPr lang="el-GR" dirty="0"/>
+                  <a:t> </a:t>
+                </a:r>
+                <a:r>
+                  <a:rPr lang="el-GR" dirty="0">
+                    <a:solidFill>
+                      <a:schemeClr val="accent6">
+                        <a:lumMod val="50000"/>
+                      </a:schemeClr>
+                    </a:solidFill>
+                  </a:rPr>
                   <a:t>λ</a:t>
                 </a:r>
                 <a:r>
-                  <a:rPr lang="en-US" baseline="-25000" dirty="0"/>
-                  <a:t>2</a:t>
-                </a:r>
-                <a:r>
-                  <a:rPr lang="en-US" dirty="0"/>
-                  <a:t> y)</a:t>
-                </a:r>
-              </a:p>
-              <a:p>
-                <a:r>
-                  <a:rPr lang="en-US" dirty="0"/>
-                  <a:t>We can write  </a:t>
-                </a:r>
-                <a:r>
-                  <a:rPr lang="el-GR" dirty="0"/>
-                  <a:t>λ</a:t>
-                </a:r>
-                <a:r>
-                  <a:rPr lang="en-US" baseline="-25000" dirty="0"/>
-                  <a:t>1 </a:t>
-                </a:r>
-                <a:r>
-                  <a:rPr lang="en-US" dirty="0"/>
-                  <a:t>x*y = </a:t>
-                </a:r>
-                <a:r>
-                  <a:rPr lang="el-GR" dirty="0"/>
-                  <a:t>λ</a:t>
-                </a:r>
-                <a:r>
-                  <a:rPr lang="en-US" baseline="-25000" dirty="0"/>
-                  <a:t>2</a:t>
-                </a:r>
-                <a:r>
-                  <a:rPr lang="en-US" dirty="0"/>
-                  <a:t> x* y Now we use the assumption </a:t>
-                </a:r>
-                <a:r>
-                  <a:rPr lang="el-GR" dirty="0"/>
-                  <a:t>λ</a:t>
-                </a:r>
-                <a:r>
-                  <a:rPr lang="en-US" baseline="-25000" dirty="0"/>
+                  <a:rPr lang="en-US" baseline="-25000" dirty="0">
+                    <a:solidFill>
+                      <a:schemeClr val="accent6">
+                        <a:lumMod val="50000"/>
+                      </a:schemeClr>
+                    </a:solidFill>
+                  </a:rPr>
                   <a:t>1</a:t>
                 </a:r>
                 <a14:m>
                   <m:oMath xmlns:m="http://schemas.openxmlformats.org/officeDocument/2006/math">
                     <m:r>
                       <a:rPr lang="en-US" b="0" i="0" smtClean="0">
+                        <a:solidFill>
+                          <a:schemeClr val="accent6">
+                            <a:lumMod val="50000"/>
+                          </a:schemeClr>
+                        </a:solidFill>
                         <a:latin typeface="Cambria Math" panose="02040503050406030204" pitchFamily="18" charset="0"/>
                         <a:ea typeface="Cambria Math" panose="02040503050406030204" pitchFamily="18" charset="0"/>
                       </a:rPr>
@@ -23623,6 +24936,11 @@
                     </m:r>
                     <m:r>
                       <a:rPr lang="en-US" i="1" smtClean="0">
+                        <a:solidFill>
+                          <a:schemeClr val="accent6">
+                            <a:lumMod val="50000"/>
+                          </a:schemeClr>
+                        </a:solidFill>
                         <a:latin typeface="Cambria Math" panose="02040503050406030204" pitchFamily="18" charset="0"/>
                         <a:ea typeface="Cambria Math" panose="02040503050406030204" pitchFamily="18" charset="0"/>
                       </a:rPr>
@@ -23631,34 +24949,131 @@
                   </m:oMath>
                 </a14:m>
                 <a:r>
+                  <a:rPr lang="en-US" dirty="0">
+                    <a:solidFill>
+                      <a:schemeClr val="accent6">
+                        <a:lumMod val="50000"/>
+                      </a:schemeClr>
+                    </a:solidFill>
+                  </a:rPr>
+                  <a:t> </a:t>
+                </a:r>
+                <a:r>
+                  <a:rPr lang="el-GR" dirty="0">
+                    <a:solidFill>
+                      <a:schemeClr val="accent6">
+                        <a:lumMod val="50000"/>
+                      </a:schemeClr>
+                    </a:solidFill>
+                  </a:rPr>
+                  <a:t>λ</a:t>
+                </a:r>
+                <a:r>
+                  <a:rPr lang="en-US" baseline="-25000" dirty="0">
+                    <a:solidFill>
+                      <a:schemeClr val="accent6">
+                        <a:lumMod val="50000"/>
+                      </a:schemeClr>
+                    </a:solidFill>
+                  </a:rPr>
+                  <a:t>2</a:t>
+                </a:r>
+                <a:r>
                   <a:rPr lang="en-US" dirty="0"/>
-                  <a:t> </a:t>
-                </a:r>
-                <a:r>
-                  <a:rPr lang="el-GR" dirty="0"/>
-                  <a:t>λ</a:t>
-                </a:r>
-                <a:r>
-                  <a:rPr lang="en-US" baseline="-25000" dirty="0"/>
-                  <a:t>2</a:t>
+                  <a:t>, which </a:t>
+                </a:r>
+                <a:r>
+                  <a:rPr lang="en-US" dirty="0">
+                    <a:solidFill>
+                      <a:schemeClr val="accent1">
+                        <a:lumMod val="75000"/>
+                      </a:schemeClr>
+                    </a:solidFill>
+                  </a:rPr>
+                  <a:t>forces</a:t>
                 </a:r>
                 <a:r>
                   <a:rPr lang="en-US" dirty="0"/>
-                  <a:t>, which forces the           conclusion that x*y = 0, which again shows that x and y are orthogonal.</a:t>
+                  <a:t> the           conclusion that </a:t>
+                </a:r>
+                <a:r>
+                  <a:rPr lang="en-US" dirty="0">
+                    <a:solidFill>
+                      <a:schemeClr val="accent6">
+                        <a:lumMod val="50000"/>
+                      </a:schemeClr>
+                    </a:solidFill>
+                  </a:rPr>
+                  <a:t>x*y = 0, </a:t>
+                </a:r>
+                <a:r>
+                  <a:rPr lang="en-US" dirty="0"/>
+                  <a:t>which again shows that x and y are </a:t>
+                </a:r>
+                <a:r>
+                  <a:rPr lang="en-US" dirty="0">
+                    <a:solidFill>
+                      <a:schemeClr val="accent1">
+                        <a:lumMod val="75000"/>
+                      </a:schemeClr>
+                    </a:solidFill>
+                  </a:rPr>
+                  <a:t>orthogonal</a:t>
+                </a:r>
+                <a:r>
+                  <a:rPr lang="en-US" dirty="0"/>
+                  <a:t>.</a:t>
                 </a:r>
               </a:p>
               <a:p>
+                <a:pPr marL="0" indent="0">
+                  <a:buNone/>
+                </a:pPr>
                 <a:r>
                   <a:rPr lang="en-US" dirty="0"/>
-                  <a:t>the eigenvectors have been </a:t>
-                </a:r>
-                <a:r>
-                  <a:rPr lang="en-US" dirty="0" err="1"/>
-                  <a:t>normalised</a:t>
+                  <a:t>   The </a:t>
+                </a:r>
+                <a:r>
+                  <a:rPr lang="en-US" dirty="0">
+                    <a:solidFill>
+                      <a:schemeClr val="accent1">
+                        <a:lumMod val="75000"/>
+                      </a:schemeClr>
+                    </a:solidFill>
+                  </a:rPr>
+                  <a:t>eigenvectors</a:t>
                 </a:r>
                 <a:r>
                   <a:rPr lang="en-US" dirty="0"/>
-                  <a:t> to have length one. Since they were already         orthogonal, they are now orthonormal.</a:t>
+                  <a:t> have been normalized to have length one. Since they were </a:t>
+                </a:r>
+                <a:r>
+                  <a:rPr lang="en-US" dirty="0">
+                    <a:solidFill>
+                      <a:schemeClr val="accent1">
+                        <a:lumMod val="75000"/>
+                      </a:schemeClr>
+                    </a:solidFill>
+                  </a:rPr>
+                  <a:t>already         orthogonal</a:t>
+                </a:r>
+                <a:r>
+                  <a:rPr lang="en-US" dirty="0"/>
+                  <a:t>, they are now </a:t>
+                </a:r>
+                <a:r>
+                  <a:rPr lang="en-US" dirty="0">
+                    <a:solidFill>
+                      <a:schemeClr val="accent1">
+                        <a:lumMod val="75000"/>
+                      </a:schemeClr>
+                    </a:solidFill>
+                  </a:rPr>
+                  <a:t>orthonormal</a:t>
+                </a:r>
+                <a:r>
+                  <a:rPr lang="en-US" dirty="0"/>
+                  <a:t>.</a:t>
                 </a:r>
               </a:p>
             </p:txBody>
@@ -23689,7 +25104,7 @@
               <a:blipFill>
                 <a:blip r:embed="rId2"/>
                 <a:stretch>
-                  <a:fillRect l="-522" t="-1218" r="-638" b="-1096"/>
+                  <a:fillRect l="-638" t="-1218" r="-812" b="-1096"/>
                 </a:stretch>
               </a:blipFill>
             </p:spPr>
@@ -23733,7 +25148,7 @@
               <a:rPr lang="ko-KR" altLang="en-US" smtClean="0"/>
               <a:t>30</a:t>
             </a:fld>
-            <a:endParaRPr lang="ko-KR" altLang="en-US"/>
+            <a:endParaRPr lang="ko-KR" altLang="en-US" dirty="0"/>
           </a:p>
         </p:txBody>
       </p:sp>
@@ -23823,20 +25238,79 @@
               <a:bodyPr/>
               <a:lstStyle/>
               <a:p>
+                <a:pPr marL="0" indent="0">
+                  <a:buNone/>
+                </a:pPr>
                 <a:r>
                   <a:rPr lang="en-US" dirty="0"/>
-                  <a:t>If these orthonormal eigenvectors are chosen to be the columns of U</a:t>
+                  <a:t>  If these </a:t>
+                </a:r>
+                <a:r>
+                  <a:rPr lang="en-US" dirty="0">
+                    <a:solidFill>
+                      <a:schemeClr val="accent1">
+                        <a:lumMod val="75000"/>
+                      </a:schemeClr>
+                    </a:solidFill>
+                  </a:rPr>
+                  <a:t>orthonormal eigenvectors </a:t>
+                </a:r>
+                <a:r>
+                  <a:rPr lang="en-US" dirty="0"/>
+                  <a:t>are chosen to be the </a:t>
+                </a:r>
+                <a:r>
+                  <a:rPr lang="en-US" dirty="0">
+                    <a:solidFill>
+                      <a:schemeClr val="accent1">
+                        <a:lumMod val="75000"/>
+                      </a:schemeClr>
+                    </a:solidFill>
+                  </a:rPr>
+                  <a:t>columns </a:t>
+                </a:r>
+                <a:r>
+                  <a:rPr lang="en-US" dirty="0"/>
+                  <a:t>of </a:t>
+                </a:r>
+                <a:r>
+                  <a:rPr lang="en-US" dirty="0">
+                    <a:solidFill>
+                      <a:schemeClr val="accent6">
+                        <a:lumMod val="50000"/>
+                      </a:schemeClr>
+                    </a:solidFill>
+                  </a:rPr>
+                  <a:t>U</a:t>
                 </a:r>
               </a:p>
               <a:p>
+                <a:pPr marL="0" indent="0">
+                  <a:buNone/>
+                </a:pPr>
                 <a:r>
                   <a:rPr lang="en-US" dirty="0"/>
-                  <a:t>Then we have U* Q U = </a:t>
+                  <a:t>   Then we have </a:t>
+                </a:r>
+                <a:r>
+                  <a:rPr lang="en-US" dirty="0">
+                    <a:solidFill>
+                      <a:schemeClr val="accent6">
+                        <a:lumMod val="50000"/>
+                      </a:schemeClr>
+                    </a:solidFill>
+                  </a:rPr>
+                  <a:t>U* Q U = </a:t>
                 </a:r>
                 <a14:m>
                   <m:oMath xmlns:m="http://schemas.openxmlformats.org/officeDocument/2006/math">
                     <m:r>
                       <a:rPr lang="en-US" i="1" smtClean="0">
+                        <a:solidFill>
+                          <a:schemeClr val="accent6">
+                            <a:lumMod val="50000"/>
+                          </a:schemeClr>
+                        </a:solidFill>
                         <a:latin typeface="Cambria Math" panose="02040503050406030204" pitchFamily="18" charset="0"/>
                       </a:rPr>
                       <m:t>Ʌ</m:t>
@@ -23850,7 +25324,12 @@
                 <a14:m>
                   <m:oMath xmlns:m="http://schemas.openxmlformats.org/officeDocument/2006/math">
                     <m:r>
-                      <a:rPr lang="en-US" i="1">
+                      <a:rPr lang="en-US" i="1" smtClean="0">
+                        <a:solidFill>
+                          <a:schemeClr val="accent6">
+                            <a:lumMod val="50000"/>
+                          </a:schemeClr>
+                        </a:solidFill>
                         <a:latin typeface="Cambria Math" panose="02040503050406030204" pitchFamily="18" charset="0"/>
                       </a:rPr>
                       <m:t>Ʌ</m:t>
@@ -23859,17 +25338,94 @@
                 </a14:m>
                 <a:r>
                   <a:rPr lang="en-US" dirty="0"/>
-                  <a:t> is a diagonal matrix with the eigenvalues of Q on the diagonal and U is said to be a unitary matrix.</a:t>
+                  <a:t> is a </a:t>
+                </a:r>
+                <a:r>
+                  <a:rPr lang="en-US" dirty="0">
+                    <a:solidFill>
+                      <a:schemeClr val="accent1">
+                        <a:lumMod val="75000"/>
+                      </a:schemeClr>
+                    </a:solidFill>
+                  </a:rPr>
+                  <a:t>diagonal matrix </a:t>
+                </a:r>
+                <a:r>
+                  <a:rPr lang="en-US" dirty="0"/>
+                  <a:t>with the </a:t>
+                </a:r>
+                <a:r>
+                  <a:rPr lang="en-US" dirty="0">
+                    <a:solidFill>
+                      <a:schemeClr val="accent1">
+                        <a:lumMod val="75000"/>
+                      </a:schemeClr>
+                    </a:solidFill>
+                  </a:rPr>
+                  <a:t>eigenvalues</a:t>
+                </a:r>
+                <a:r>
+                  <a:rPr lang="en-US" dirty="0"/>
+                  <a:t> of </a:t>
+                </a:r>
+                <a:r>
+                  <a:rPr lang="en-US" dirty="0">
+                    <a:solidFill>
+                      <a:schemeClr val="accent6">
+                        <a:lumMod val="50000"/>
+                      </a:schemeClr>
+                    </a:solidFill>
+                  </a:rPr>
+                  <a:t>Q</a:t>
+                </a:r>
+                <a:r>
+                  <a:rPr lang="en-US" dirty="0"/>
+                  <a:t> on the diagonal and </a:t>
+                </a:r>
+                <a:r>
+                  <a:rPr lang="en-US" dirty="0">
+                    <a:solidFill>
+                      <a:schemeClr val="accent6">
+                        <a:lumMod val="50000"/>
+                      </a:schemeClr>
+                    </a:solidFill>
+                  </a:rPr>
+                  <a:t>U</a:t>
+                </a:r>
+                <a:r>
+                  <a:rPr lang="en-US" dirty="0"/>
+                  <a:t> is said to be a </a:t>
+                </a:r>
+                <a:r>
+                  <a:rPr lang="en-US" dirty="0">
+                    <a:solidFill>
+                      <a:schemeClr val="accent1">
+                        <a:lumMod val="75000"/>
+                      </a:schemeClr>
+                    </a:solidFill>
+                  </a:rPr>
+                  <a:t>unitary matrix</a:t>
+                </a:r>
+                <a:r>
+                  <a:rPr lang="en-US" dirty="0"/>
+                  <a:t>.</a:t>
                 </a:r>
               </a:p>
               <a:p>
+                <a:pPr marL="0" indent="0">
+                  <a:buNone/>
+                </a:pPr>
                 <a:r>
                   <a:rPr lang="en-US" dirty="0"/>
-                  <a:t>we see that we may write </a:t>
+                  <a:t> we see that we may write </a:t>
                 </a:r>
                 <a:r>
                   <a:rPr lang="en-US" dirty="0" err="1"/>
-                  <a:t>Qx</a:t>
+                  <a:t>Q</a:t>
+                </a:r>
+                <a:r>
+                  <a:rPr lang="en-US" baseline="-25000" dirty="0" err="1"/>
+                  <a:t>x</a:t>
                 </a:r>
                 <a:r>
                   <a:rPr lang="en-US" dirty="0"/>
@@ -23877,26 +25433,52 @@
                 </a:r>
               </a:p>
               <a:p>
+                <a:pPr marL="0" indent="0">
+                  <a:buNone/>
+                </a:pPr>
                 <a:r>
                   <a:rPr lang="en-US" dirty="0"/>
-                  <a:t> </a:t>
-                </a:r>
-                <a:r>
-                  <a:rPr lang="en-US" dirty="0" err="1"/>
+                  <a:t>                  </a:t>
+                </a:r>
+                <a:r>
+                  <a:rPr lang="en-US" dirty="0">
+                    <a:solidFill>
+                      <a:schemeClr val="accent6">
+                        <a:lumMod val="50000"/>
+                      </a:schemeClr>
+                    </a:solidFill>
+                  </a:rPr>
                   <a:t>Q</a:t>
                 </a:r>
                 <a:r>
-                  <a:rPr lang="en-US" baseline="-25000" dirty="0" err="1"/>
+                  <a:rPr lang="en-US" baseline="-25000" dirty="0" err="1">
+                    <a:solidFill>
+                      <a:schemeClr val="accent6">
+                        <a:lumMod val="50000"/>
+                      </a:schemeClr>
+                    </a:solidFill>
+                  </a:rPr>
                   <a:t>x</a:t>
                 </a:r>
                 <a:r>
-                  <a:rPr lang="en-US" dirty="0"/>
+                  <a:rPr lang="en-US" dirty="0">
+                    <a:solidFill>
+                      <a:schemeClr val="accent6">
+                        <a:lumMod val="50000"/>
+                      </a:schemeClr>
+                    </a:solidFill>
+                  </a:rPr>
                   <a:t> = U*</a:t>
                 </a:r>
                 <a14:m>
                   <m:oMath xmlns:m="http://schemas.openxmlformats.org/officeDocument/2006/math">
                     <m:r>
                       <a:rPr lang="en-US" i="1" smtClean="0">
+                        <a:solidFill>
+                          <a:schemeClr val="accent6">
+                            <a:lumMod val="50000"/>
+                          </a:schemeClr>
+                        </a:solidFill>
                         <a:latin typeface="Cambria Math" panose="02040503050406030204" pitchFamily="18" charset="0"/>
                       </a:rPr>
                       <m:t>Ʌ</m:t>
@@ -23904,17 +25486,34 @@
                   </m:oMath>
                 </a14:m>
                 <a:r>
-                  <a:rPr lang="en-US" baseline="-25000" dirty="0"/>
+                  <a:rPr lang="en-US" baseline="-25000" dirty="0">
+                    <a:solidFill>
+                      <a:schemeClr val="accent6">
+                        <a:lumMod val="50000"/>
+                      </a:schemeClr>
+                    </a:solidFill>
+                  </a:rPr>
                   <a:t>x</a:t>
                 </a:r>
                 <a:r>
-                  <a:rPr lang="en-US" dirty="0"/>
+                  <a:rPr lang="en-US" dirty="0">
+                    <a:solidFill>
+                      <a:schemeClr val="accent6">
+                        <a:lumMod val="50000"/>
+                      </a:schemeClr>
+                    </a:solidFill>
+                  </a:rPr>
                   <a:t>U = U*</a:t>
                 </a:r>
                 <a14:m>
                   <m:oMath xmlns:m="http://schemas.openxmlformats.org/officeDocument/2006/math">
                     <m:r>
                       <a:rPr lang="en-US" i="1">
+                        <a:solidFill>
+                          <a:schemeClr val="accent6">
+                            <a:lumMod val="50000"/>
+                          </a:schemeClr>
+                        </a:solidFill>
                         <a:latin typeface="Cambria Math" panose="02040503050406030204" pitchFamily="18" charset="0"/>
                       </a:rPr>
                       <m:t>Ʌ</m:t>
@@ -23922,21 +25521,44 @@
                   </m:oMath>
                 </a14:m>
                 <a:r>
-                  <a:rPr lang="en-US" baseline="-25000" dirty="0"/>
+                  <a:rPr lang="en-US" baseline="-25000" dirty="0">
+                    <a:solidFill>
+                      <a:schemeClr val="accent6">
+                        <a:lumMod val="50000"/>
+                      </a:schemeClr>
+                    </a:solidFill>
+                  </a:rPr>
                   <a:t>x</a:t>
                 </a:r>
                 <a:r>
-                  <a:rPr lang="en-US" baseline="30000" dirty="0"/>
+                  <a:rPr lang="en-US" baseline="30000" dirty="0">
+                    <a:solidFill>
+                      <a:schemeClr val="accent6">
+                        <a:lumMod val="50000"/>
+                      </a:schemeClr>
+                    </a:solidFill>
+                  </a:rPr>
                   <a:t>1/2</a:t>
                 </a:r>
                 <a:r>
-                  <a:rPr lang="en-US" dirty="0"/>
+                  <a:rPr lang="en-US" dirty="0">
+                    <a:solidFill>
+                      <a:schemeClr val="accent6">
+                        <a:lumMod val="50000"/>
+                      </a:schemeClr>
+                    </a:solidFill>
+                  </a:rPr>
                   <a:t> </a:t>
                 </a:r>
                 <a14:m>
                   <m:oMath xmlns:m="http://schemas.openxmlformats.org/officeDocument/2006/math">
                     <m:r>
                       <a:rPr lang="en-US" i="1">
+                        <a:solidFill>
+                          <a:schemeClr val="accent6">
+                            <a:lumMod val="50000"/>
+                          </a:schemeClr>
+                        </a:solidFill>
                         <a:latin typeface="Cambria Math" panose="02040503050406030204" pitchFamily="18" charset="0"/>
                       </a:rPr>
                       <m:t>Ʌ</m:t>
@@ -23944,21 +25566,44 @@
                   </m:oMath>
                 </a14:m>
                 <a:r>
-                  <a:rPr lang="en-US" baseline="-25000" dirty="0"/>
+                  <a:rPr lang="en-US" baseline="-25000" dirty="0">
+                    <a:solidFill>
+                      <a:schemeClr val="accent6">
+                        <a:lumMod val="50000"/>
+                      </a:schemeClr>
+                    </a:solidFill>
+                  </a:rPr>
                   <a:t>x</a:t>
                 </a:r>
                 <a:r>
-                  <a:rPr lang="en-US" baseline="30000" dirty="0"/>
+                  <a:rPr lang="en-US" baseline="30000" dirty="0">
+                    <a:solidFill>
+                      <a:schemeClr val="accent6">
+                        <a:lumMod val="50000"/>
+                      </a:schemeClr>
+                    </a:solidFill>
+                  </a:rPr>
                   <a:t>1/2</a:t>
                 </a:r>
                 <a:r>
-                  <a:rPr lang="en-US" dirty="0"/>
+                  <a:rPr lang="en-US" dirty="0">
+                    <a:solidFill>
+                      <a:schemeClr val="accent6">
+                        <a:lumMod val="50000"/>
+                      </a:schemeClr>
+                    </a:solidFill>
+                  </a:rPr>
                   <a:t>U  = (</a:t>
                 </a:r>
                 <a14:m>
                   <m:oMath xmlns:m="http://schemas.openxmlformats.org/officeDocument/2006/math">
                     <m:r>
                       <a:rPr lang="en-US" i="1">
+                        <a:solidFill>
+                          <a:schemeClr val="accent6">
+                            <a:lumMod val="50000"/>
+                          </a:schemeClr>
+                        </a:solidFill>
                         <a:latin typeface="Cambria Math" panose="02040503050406030204" pitchFamily="18" charset="0"/>
                       </a:rPr>
                       <m:t>Ʌ</m:t>
@@ -23966,21 +25611,44 @@
                   </m:oMath>
                 </a14:m>
                 <a:r>
-                  <a:rPr lang="en-US" baseline="-25000" dirty="0"/>
+                  <a:rPr lang="en-US" baseline="-25000" dirty="0">
+                    <a:solidFill>
+                      <a:schemeClr val="accent6">
+                        <a:lumMod val="50000"/>
+                      </a:schemeClr>
+                    </a:solidFill>
+                  </a:rPr>
                   <a:t>x</a:t>
                 </a:r>
                 <a:r>
-                  <a:rPr lang="en-US" baseline="30000" dirty="0"/>
+                  <a:rPr lang="en-US" baseline="30000" dirty="0">
+                    <a:solidFill>
+                      <a:schemeClr val="accent6">
+                        <a:lumMod val="50000"/>
+                      </a:schemeClr>
+                    </a:solidFill>
+                  </a:rPr>
                   <a:t>1/2 </a:t>
                 </a:r>
                 <a:r>
-                  <a:rPr lang="en-US" dirty="0"/>
+                  <a:rPr lang="en-US" dirty="0">
+                    <a:solidFill>
+                      <a:schemeClr val="accent6">
+                        <a:lumMod val="50000"/>
+                      </a:schemeClr>
+                    </a:solidFill>
+                  </a:rPr>
                   <a:t>U)* (</a:t>
                 </a:r>
                 <a14:m>
                   <m:oMath xmlns:m="http://schemas.openxmlformats.org/officeDocument/2006/math">
                     <m:r>
                       <a:rPr lang="en-US" i="1">
+                        <a:solidFill>
+                          <a:schemeClr val="accent6">
+                            <a:lumMod val="50000"/>
+                          </a:schemeClr>
+                        </a:solidFill>
                         <a:latin typeface="Cambria Math" panose="02040503050406030204" pitchFamily="18" charset="0"/>
                       </a:rPr>
                       <m:t>Ʌ</m:t>
@@ -23988,49 +25656,143 @@
                   </m:oMath>
                 </a14:m>
                 <a:r>
-                  <a:rPr lang="en-US" baseline="-25000" dirty="0"/>
+                  <a:rPr lang="en-US" baseline="-25000" dirty="0">
+                    <a:solidFill>
+                      <a:schemeClr val="accent6">
+                        <a:lumMod val="50000"/>
+                      </a:schemeClr>
+                    </a:solidFill>
+                  </a:rPr>
                   <a:t>x</a:t>
                 </a:r>
                 <a:r>
-                  <a:rPr lang="en-US" baseline="30000" dirty="0"/>
+                  <a:rPr lang="en-US" baseline="30000" dirty="0">
+                    <a:solidFill>
+                      <a:schemeClr val="accent6">
+                        <a:lumMod val="50000"/>
+                      </a:schemeClr>
+                    </a:solidFill>
+                  </a:rPr>
                   <a:t>1/2 </a:t>
                 </a:r>
                 <a:r>
-                  <a:rPr lang="en-US" dirty="0"/>
+                  <a:rPr lang="en-US" dirty="0">
+                    <a:solidFill>
+                      <a:schemeClr val="accent6">
+                        <a:lumMod val="50000"/>
+                      </a:schemeClr>
+                    </a:solidFill>
+                  </a:rPr>
                   <a:t>U)  = A * A </a:t>
                 </a:r>
+                <a:endParaRPr lang="en-US" dirty="0"/>
               </a:p>
               <a:p>
-                <a:pPr>
+                <a:pPr marL="0" indent="0">
                   <a:lnSpc>
                     <a:spcPct val="100000"/>
                   </a:lnSpc>
+                  <a:buNone/>
                 </a:pPr>
                 <a:r>
                   <a:rPr lang="en-US" dirty="0"/>
-                  <a:t>Finally, we can rewrite the MMSE problem to a form, from which a solution for D can be    obtained that </a:t>
-                </a:r>
-                <a:r>
-                  <a:rPr lang="en-US" dirty="0" err="1"/>
-                  <a:t>minimises</a:t>
+                  <a:t>  Finally, we can rewrite the </a:t>
+                </a:r>
+                <a:r>
+                  <a:rPr lang="en-US" dirty="0">
+                    <a:solidFill>
+                      <a:schemeClr val="accent1">
+                        <a:lumMod val="75000"/>
+                      </a:schemeClr>
+                    </a:solidFill>
+                  </a:rPr>
+                  <a:t>MMSE problem </a:t>
                 </a:r>
                 <a:r>
                   <a:rPr lang="en-US" dirty="0"/>
-                  <a:t> the Mean Square Error:</a:t>
+                  <a:t>to a form, from which a </a:t>
+                </a:r>
+                <a:r>
+                  <a:rPr lang="en-US" dirty="0">
+                    <a:solidFill>
+                      <a:schemeClr val="accent1">
+                        <a:lumMod val="75000"/>
+                      </a:schemeClr>
+                    </a:solidFill>
+                  </a:rPr>
+                  <a:t>solution</a:t>
+                </a:r>
+                <a:r>
+                  <a:rPr lang="en-US" dirty="0"/>
+                  <a:t> for D can be    </a:t>
+                </a:r>
+                <a:r>
+                  <a:rPr lang="en-US" dirty="0">
+                    <a:solidFill>
+                      <a:schemeClr val="accent1">
+                        <a:lumMod val="75000"/>
+                      </a:schemeClr>
+                    </a:solidFill>
+                  </a:rPr>
+                  <a:t>obtained</a:t>
+                </a:r>
+                <a:r>
+                  <a:rPr lang="en-US" dirty="0"/>
+                  <a:t> that </a:t>
+                </a:r>
+                <a:r>
+                  <a:rPr lang="en-US" dirty="0">
+                    <a:solidFill>
+                      <a:schemeClr val="accent1">
+                        <a:lumMod val="75000"/>
+                      </a:schemeClr>
+                    </a:solidFill>
+                  </a:rPr>
+                  <a:t>minimizes</a:t>
+                </a:r>
+                <a:r>
+                  <a:rPr lang="en-US" dirty="0"/>
+                  <a:t> the </a:t>
+                </a:r>
+                <a:r>
+                  <a:rPr lang="en-US" dirty="0">
+                    <a:solidFill>
+                      <a:schemeClr val="accent1">
+                        <a:lumMod val="75000"/>
+                      </a:schemeClr>
+                    </a:solidFill>
+                  </a:rPr>
+                  <a:t>Mean Square Error</a:t>
+                </a:r>
+                <a:r>
+                  <a:rPr lang="en-US" dirty="0"/>
+                  <a:t>:</a:t>
                 </a:r>
               </a:p>
               <a:p>
-                <a:pPr>
+                <a:pPr marL="0" indent="0">
                   <a:lnSpc>
                     <a:spcPct val="100000"/>
                   </a:lnSpc>
+                  <a:buNone/>
                 </a:pPr>
+                <a:r>
+                  <a:rPr lang="en-US" b="0" dirty="0">
+                    <a:ea typeface="Cambria Math" panose="02040503050406030204" pitchFamily="18" charset="0"/>
+                  </a:rPr>
+                  <a:t>    </a:t>
+                </a:r>
                 <a14:m>
                   <m:oMath xmlns:m="http://schemas.openxmlformats.org/officeDocument/2006/math">
                     <m:sSup>
                       <m:sSupPr>
                         <m:ctrlPr>
                           <a:rPr lang="en-US" b="0" i="1" smtClean="0">
+                            <a:solidFill>
+                              <a:schemeClr val="accent6">
+                                <a:lumMod val="50000"/>
+                              </a:schemeClr>
+                            </a:solidFill>
                             <a:latin typeface="Cambria Math" panose="02040503050406030204" pitchFamily="18" charset="0"/>
                             <a:ea typeface="Cambria Math" panose="02040503050406030204" pitchFamily="18" charset="0"/>
                           </a:rPr>
@@ -24039,6 +25801,11 @@
                       <m:e>
                         <m:r>
                           <a:rPr lang="en-US" b="0" i="1" smtClean="0">
+                            <a:solidFill>
+                              <a:schemeClr val="accent6">
+                                <a:lumMod val="50000"/>
+                              </a:schemeClr>
+                            </a:solidFill>
                             <a:latin typeface="Cambria Math" panose="02040503050406030204" pitchFamily="18" charset="0"/>
                             <a:ea typeface="Cambria Math" panose="02040503050406030204" pitchFamily="18" charset="0"/>
                           </a:rPr>
@@ -24046,6 +25813,11 @@
                         </m:r>
                         <m:r>
                           <a:rPr lang="en-US" i="1" smtClean="0">
+                            <a:solidFill>
+                              <a:schemeClr val="accent6">
+                                <a:lumMod val="50000"/>
+                              </a:schemeClr>
+                            </a:solidFill>
                             <a:latin typeface="Cambria Math" panose="02040503050406030204" pitchFamily="18" charset="0"/>
                             <a:ea typeface="Cambria Math" panose="02040503050406030204" pitchFamily="18" charset="0"/>
                           </a:rPr>
@@ -24055,6 +25827,11 @@
                       <m:sup>
                         <m:r>
                           <a:rPr lang="en-US" b="0" i="1" smtClean="0">
+                            <a:solidFill>
+                              <a:schemeClr val="accent6">
+                                <a:lumMod val="50000"/>
+                              </a:schemeClr>
+                            </a:solidFill>
                             <a:latin typeface="Cambria Math" panose="02040503050406030204" pitchFamily="18" charset="0"/>
                             <a:ea typeface="Cambria Math" panose="02040503050406030204" pitchFamily="18" charset="0"/>
                           </a:rPr>
@@ -24065,388 +25842,937 @@
                   </m:oMath>
                 </a14:m>
                 <a:r>
-                  <a:rPr lang="en-US" dirty="0"/>
+                  <a:rPr lang="en-US" dirty="0">
+                    <a:solidFill>
+                      <a:schemeClr val="accent6">
+                        <a:lumMod val="50000"/>
+                      </a:schemeClr>
+                    </a:solidFill>
+                  </a:rPr>
                   <a:t> =  tr(Q</a:t>
                 </a:r>
                 <a:r>
-                  <a:rPr lang="en-US" baseline="-25000" dirty="0"/>
+                  <a:rPr lang="en-US" baseline="-25000" dirty="0">
+                    <a:solidFill>
+                      <a:schemeClr val="accent6">
+                        <a:lumMod val="50000"/>
+                      </a:schemeClr>
+                    </a:solidFill>
+                  </a:rPr>
                   <a:t>s</a:t>
                 </a:r>
                 <a:r>
-                  <a:rPr lang="en-US" dirty="0"/>
+                  <a:rPr lang="en-US" dirty="0">
+                    <a:solidFill>
+                      <a:schemeClr val="accent6">
+                        <a:lumMod val="50000"/>
+                      </a:schemeClr>
+                    </a:solidFill>
+                  </a:rPr>
                   <a:t> – </a:t>
                 </a:r>
                 <a:r>
-                  <a:rPr lang="en-US" dirty="0" err="1"/>
+                  <a:rPr lang="en-US" dirty="0" err="1">
+                    <a:solidFill>
+                      <a:schemeClr val="accent6">
+                        <a:lumMod val="50000"/>
+                      </a:schemeClr>
+                    </a:solidFill>
+                  </a:rPr>
                   <a:t>Q</a:t>
                 </a:r>
                 <a:r>
-                  <a:rPr lang="en-US" baseline="-25000" dirty="0" err="1"/>
+                  <a:rPr lang="en-US" baseline="-25000" dirty="0" err="1">
+                    <a:solidFill>
+                      <a:schemeClr val="accent6">
+                        <a:lumMod val="50000"/>
+                      </a:schemeClr>
+                    </a:solidFill>
+                  </a:rPr>
                   <a:t>sx</a:t>
                 </a:r>
                 <a:r>
-                  <a:rPr lang="en-US" dirty="0" err="1"/>
+                  <a:rPr lang="en-US" dirty="0" err="1">
+                    <a:solidFill>
+                      <a:schemeClr val="accent6">
+                        <a:lumMod val="50000"/>
+                      </a:schemeClr>
+                    </a:solidFill>
+                  </a:rPr>
                   <a:t>D</a:t>
                 </a:r>
                 <a:r>
-                  <a:rPr lang="en-US" dirty="0"/>
+                  <a:rPr lang="en-US" dirty="0">
+                    <a:solidFill>
+                      <a:schemeClr val="accent6">
+                        <a:lumMod val="50000"/>
+                      </a:schemeClr>
+                    </a:solidFill>
+                  </a:rPr>
                   <a:t>* - </a:t>
                 </a:r>
                 <a:r>
-                  <a:rPr lang="en-US" dirty="0" err="1"/>
+                  <a:rPr lang="en-US" dirty="0" err="1">
+                    <a:solidFill>
+                      <a:schemeClr val="accent6">
+                        <a:lumMod val="50000"/>
+                      </a:schemeClr>
+                    </a:solidFill>
+                  </a:rPr>
                   <a:t>DQ</a:t>
                 </a:r>
                 <a:r>
-                  <a:rPr lang="en-US" baseline="-25000" dirty="0" err="1"/>
+                  <a:rPr lang="en-US" baseline="-25000" dirty="0" err="1">
+                    <a:solidFill>
+                      <a:schemeClr val="accent6">
+                        <a:lumMod val="50000"/>
+                      </a:schemeClr>
+                    </a:solidFill>
+                  </a:rPr>
                   <a:t>xs</a:t>
                 </a:r>
                 <a:r>
-                  <a:rPr lang="en-US" dirty="0"/>
+                  <a:rPr lang="en-US" dirty="0">
+                    <a:solidFill>
+                      <a:schemeClr val="accent6">
+                        <a:lumMod val="50000"/>
+                      </a:schemeClr>
+                    </a:solidFill>
+                  </a:rPr>
                   <a:t> + </a:t>
                 </a:r>
                 <a:r>
-                  <a:rPr lang="en-US" dirty="0" err="1"/>
+                  <a:rPr lang="en-US" dirty="0" err="1">
+                    <a:solidFill>
+                      <a:schemeClr val="accent6">
+                        <a:lumMod val="50000"/>
+                      </a:schemeClr>
+                    </a:solidFill>
+                  </a:rPr>
                   <a:t>DQ</a:t>
                 </a:r>
                 <a:r>
-                  <a:rPr lang="en-US" baseline="-25000" dirty="0" err="1"/>
+                  <a:rPr lang="en-US" baseline="-25000" dirty="0" err="1">
+                    <a:solidFill>
+                      <a:schemeClr val="accent6">
+                        <a:lumMod val="50000"/>
+                      </a:schemeClr>
+                    </a:solidFill>
+                  </a:rPr>
                   <a:t>x</a:t>
                 </a:r>
                 <a:r>
-                  <a:rPr lang="en-US" dirty="0" err="1"/>
+                  <a:rPr lang="en-US" dirty="0" err="1">
+                    <a:solidFill>
+                      <a:schemeClr val="accent6">
+                        <a:lumMod val="50000"/>
+                      </a:schemeClr>
+                    </a:solidFill>
+                  </a:rPr>
                   <a:t>D</a:t>
                 </a:r>
                 <a:r>
-                  <a:rPr lang="en-US" dirty="0"/>
+                  <a:rPr lang="en-US" dirty="0">
+                    <a:solidFill>
+                      <a:schemeClr val="accent6">
+                        <a:lumMod val="50000"/>
+                      </a:schemeClr>
+                    </a:solidFill>
+                  </a:rPr>
                   <a:t>*)</a:t>
                 </a:r>
               </a:p>
               <a:p>
-                <a:pPr>
+                <a:pPr marL="0" indent="0">
                   <a:lnSpc>
                     <a:spcPct val="100000"/>
                   </a:lnSpc>
+                  <a:buNone/>
                 </a:pPr>
                 <a:r>
-                  <a:rPr lang="en-US" dirty="0"/>
-                  <a:t>           = tr(Q</a:t>
-                </a:r>
-                <a:r>
-                  <a:rPr lang="en-US" baseline="-25000" dirty="0"/>
+                  <a:rPr lang="en-US" dirty="0">
+                    <a:solidFill>
+                      <a:schemeClr val="accent6">
+                        <a:lumMod val="50000"/>
+                      </a:schemeClr>
+                    </a:solidFill>
+                  </a:rPr>
+                  <a:t>               = tr(Q</a:t>
+                </a:r>
+                <a:r>
+                  <a:rPr lang="en-US" baseline="-25000" dirty="0">
+                    <a:solidFill>
+                      <a:schemeClr val="accent6">
+                        <a:lumMod val="50000"/>
+                      </a:schemeClr>
+                    </a:solidFill>
+                  </a:rPr>
                   <a:t>s</a:t>
                 </a:r>
                 <a:r>
-                  <a:rPr lang="en-US" dirty="0"/>
+                  <a:rPr lang="en-US" dirty="0">
+                    <a:solidFill>
+                      <a:schemeClr val="accent6">
+                        <a:lumMod val="50000"/>
+                      </a:schemeClr>
+                    </a:solidFill>
+                  </a:rPr>
                   <a:t> – </a:t>
                 </a:r>
                 <a:r>
-                  <a:rPr lang="en-US" dirty="0" err="1"/>
+                  <a:rPr lang="en-US" dirty="0" err="1">
+                    <a:solidFill>
+                      <a:schemeClr val="accent6">
+                        <a:lumMod val="50000"/>
+                      </a:schemeClr>
+                    </a:solidFill>
+                  </a:rPr>
                   <a:t>Q</a:t>
                 </a:r>
                 <a:r>
-                  <a:rPr lang="en-US" baseline="-25000" dirty="0" err="1"/>
+                  <a:rPr lang="en-US" baseline="-25000" dirty="0" err="1">
+                    <a:solidFill>
+                      <a:schemeClr val="accent6">
+                        <a:lumMod val="50000"/>
+                      </a:schemeClr>
+                    </a:solidFill>
+                  </a:rPr>
                   <a:t>sx</a:t>
                 </a:r>
                 <a:r>
-                  <a:rPr lang="en-US" baseline="-25000" dirty="0"/>
+                  <a:rPr lang="en-US" baseline="-25000" dirty="0">
+                    <a:solidFill>
+                      <a:schemeClr val="accent6">
+                        <a:lumMod val="50000"/>
+                      </a:schemeClr>
+                    </a:solidFill>
+                  </a:rPr>
                   <a:t> </a:t>
                 </a:r>
                 <a:r>
-                  <a:rPr lang="en-US" dirty="0"/>
+                  <a:rPr lang="en-US" dirty="0">
+                    <a:solidFill>
+                      <a:schemeClr val="accent6">
+                        <a:lumMod val="50000"/>
+                      </a:schemeClr>
+                    </a:solidFill>
+                  </a:rPr>
                   <a:t>A A</a:t>
                 </a:r>
                 <a:r>
-                  <a:rPr lang="en-US" baseline="30000" dirty="0"/>
+                  <a:rPr lang="en-US" baseline="30000" dirty="0">
+                    <a:solidFill>
+                      <a:schemeClr val="accent6">
+                        <a:lumMod val="50000"/>
+                      </a:schemeClr>
+                    </a:solidFill>
+                  </a:rPr>
                   <a:t>-1</a:t>
                 </a:r>
                 <a:r>
-                  <a:rPr lang="en-US" dirty="0"/>
+                  <a:rPr lang="en-US" dirty="0">
+                    <a:solidFill>
+                      <a:schemeClr val="accent6">
+                        <a:lumMod val="50000"/>
+                      </a:schemeClr>
+                    </a:solidFill>
+                  </a:rPr>
                   <a:t>D* - D A* A*</a:t>
                 </a:r>
                 <a:r>
-                  <a:rPr lang="en-US" baseline="30000" dirty="0"/>
+                  <a:rPr lang="en-US" baseline="30000" dirty="0">
+                    <a:solidFill>
+                      <a:schemeClr val="accent6">
+                        <a:lumMod val="50000"/>
+                      </a:schemeClr>
+                    </a:solidFill>
+                  </a:rPr>
                   <a:t>-1</a:t>
                 </a:r>
                 <a:r>
-                  <a:rPr lang="en-US" dirty="0"/>
+                  <a:rPr lang="en-US" dirty="0">
+                    <a:solidFill>
+                      <a:schemeClr val="accent6">
+                        <a:lumMod val="50000"/>
+                      </a:schemeClr>
+                    </a:solidFill>
+                  </a:rPr>
                   <a:t> </a:t>
                 </a:r>
                 <a:r>
-                  <a:rPr lang="en-US" dirty="0" err="1"/>
+                  <a:rPr lang="en-US" dirty="0" err="1">
+                    <a:solidFill>
+                      <a:schemeClr val="accent6">
+                        <a:lumMod val="50000"/>
+                      </a:schemeClr>
+                    </a:solidFill>
+                  </a:rPr>
                   <a:t>Q</a:t>
                 </a:r>
                 <a:r>
-                  <a:rPr lang="en-US" baseline="-25000" dirty="0" err="1"/>
+                  <a:rPr lang="en-US" baseline="-25000" dirty="0" err="1">
+                    <a:solidFill>
+                      <a:schemeClr val="accent6">
+                        <a:lumMod val="50000"/>
+                      </a:schemeClr>
+                    </a:solidFill>
+                  </a:rPr>
                   <a:t>xs</a:t>
                 </a:r>
                 <a:r>
-                  <a:rPr lang="en-US" dirty="0"/>
+                  <a:rPr lang="en-US" dirty="0">
+                    <a:solidFill>
+                      <a:schemeClr val="accent6">
+                        <a:lumMod val="50000"/>
+                      </a:schemeClr>
+                    </a:solidFill>
+                  </a:rPr>
                   <a:t> + DA*AD*) </a:t>
                 </a:r>
               </a:p>
               <a:p>
-                <a:pPr>
+                <a:pPr marL="0" indent="0">
                   <a:lnSpc>
                     <a:spcPct val="100000"/>
                   </a:lnSpc>
+                  <a:buNone/>
                 </a:pPr>
                 <a:r>
-                  <a:rPr lang="en-US" baseline="30000" dirty="0"/>
-                  <a:t>              </a:t>
-                </a:r>
-                <a:r>
-                  <a:rPr lang="en-US" dirty="0"/>
+                  <a:rPr lang="en-US" baseline="30000" dirty="0">
+                    <a:solidFill>
+                      <a:schemeClr val="accent6">
+                        <a:lumMod val="50000"/>
+                      </a:schemeClr>
+                    </a:solidFill>
+                  </a:rPr>
+                  <a:t>                    </a:t>
+                </a:r>
+                <a:r>
+                  <a:rPr lang="en-US" dirty="0">
+                    <a:solidFill>
+                      <a:schemeClr val="accent6">
+                        <a:lumMod val="50000"/>
+                      </a:schemeClr>
+                    </a:solidFill>
+                  </a:rPr>
                   <a:t> = tr(Q</a:t>
                 </a:r>
                 <a:r>
-                  <a:rPr lang="en-US" baseline="-25000" dirty="0"/>
+                  <a:rPr lang="en-US" baseline="-25000" dirty="0">
+                    <a:solidFill>
+                      <a:schemeClr val="accent6">
+                        <a:lumMod val="50000"/>
+                      </a:schemeClr>
+                    </a:solidFill>
+                  </a:rPr>
                   <a:t>s</a:t>
                 </a:r>
                 <a:r>
-                  <a:rPr lang="en-US" dirty="0"/>
+                  <a:rPr lang="en-US" dirty="0">
+                    <a:solidFill>
+                      <a:schemeClr val="accent6">
+                        <a:lumMod val="50000"/>
+                      </a:schemeClr>
+                    </a:solidFill>
+                  </a:rPr>
                   <a:t> – </a:t>
                 </a:r>
                 <a:r>
-                  <a:rPr lang="en-US" dirty="0" err="1"/>
+                  <a:rPr lang="en-US" dirty="0" err="1">
+                    <a:solidFill>
+                      <a:schemeClr val="accent6">
+                        <a:lumMod val="50000"/>
+                      </a:schemeClr>
+                    </a:solidFill>
+                  </a:rPr>
                   <a:t>Q</a:t>
                 </a:r>
                 <a:r>
-                  <a:rPr lang="en-US" baseline="-25000" dirty="0" err="1"/>
+                  <a:rPr lang="en-US" baseline="-25000" dirty="0" err="1">
+                    <a:solidFill>
+                      <a:schemeClr val="accent6">
+                        <a:lumMod val="50000"/>
+                      </a:schemeClr>
+                    </a:solidFill>
+                  </a:rPr>
                   <a:t>sx</a:t>
                 </a:r>
                 <a:r>
-                  <a:rPr lang="en-US" baseline="-25000" dirty="0"/>
+                  <a:rPr lang="en-US" baseline="-25000" dirty="0">
+                    <a:solidFill>
+                      <a:schemeClr val="accent6">
+                        <a:lumMod val="50000"/>
+                      </a:schemeClr>
+                    </a:solidFill>
+                  </a:rPr>
                   <a:t> </a:t>
                 </a:r>
                 <a:r>
-                  <a:rPr lang="en-US" dirty="0"/>
+                  <a:rPr lang="en-US" dirty="0">
+                    <a:solidFill>
+                      <a:schemeClr val="accent6">
+                        <a:lumMod val="50000"/>
+                      </a:schemeClr>
+                    </a:solidFill>
+                  </a:rPr>
                   <a:t>A</a:t>
                 </a:r>
                 <a:r>
-                  <a:rPr lang="en-US" baseline="30000" dirty="0"/>
+                  <a:rPr lang="en-US" baseline="30000" dirty="0">
+                    <a:solidFill>
+                      <a:schemeClr val="accent6">
+                        <a:lumMod val="50000"/>
+                      </a:schemeClr>
+                    </a:solidFill>
+                  </a:rPr>
                   <a:t>-1</a:t>
                 </a:r>
                 <a:r>
-                  <a:rPr lang="en-US" dirty="0"/>
+                  <a:rPr lang="en-US" dirty="0">
+                    <a:solidFill>
+                      <a:schemeClr val="accent6">
+                        <a:lumMod val="50000"/>
+                      </a:schemeClr>
+                    </a:solidFill>
+                  </a:rPr>
                   <a:t> A*</a:t>
                 </a:r>
                 <a:r>
-                  <a:rPr lang="en-US" baseline="30000" dirty="0"/>
+                  <a:rPr lang="en-US" baseline="30000" dirty="0">
+                    <a:solidFill>
+                      <a:schemeClr val="accent6">
+                        <a:lumMod val="50000"/>
+                      </a:schemeClr>
+                    </a:solidFill>
+                  </a:rPr>
                   <a:t>-1</a:t>
                 </a:r>
                 <a:r>
-                  <a:rPr lang="en-US" dirty="0"/>
+                  <a:rPr lang="en-US" dirty="0">
+                    <a:solidFill>
+                      <a:schemeClr val="accent6">
+                        <a:lumMod val="50000"/>
+                      </a:schemeClr>
+                    </a:solidFill>
+                  </a:rPr>
                   <a:t> </a:t>
                 </a:r>
                 <a:r>
-                  <a:rPr lang="en-US" dirty="0" err="1"/>
+                  <a:rPr lang="en-US" dirty="0" err="1">
+                    <a:solidFill>
+                      <a:schemeClr val="accent6">
+                        <a:lumMod val="50000"/>
+                      </a:schemeClr>
+                    </a:solidFill>
+                  </a:rPr>
                   <a:t>Q</a:t>
                 </a:r>
                 <a:r>
-                  <a:rPr lang="en-US" baseline="-25000" dirty="0" err="1"/>
+                  <a:rPr lang="en-US" baseline="-25000" dirty="0" err="1">
+                    <a:solidFill>
+                      <a:schemeClr val="accent6">
+                        <a:lumMod val="50000"/>
+                      </a:schemeClr>
+                    </a:solidFill>
+                  </a:rPr>
                   <a:t>xs</a:t>
                 </a:r>
                 <a:r>
-                  <a:rPr lang="en-US" dirty="0"/>
+                  <a:rPr lang="en-US" dirty="0">
+                    <a:solidFill>
+                      <a:schemeClr val="accent6">
+                        <a:lumMod val="50000"/>
+                      </a:schemeClr>
+                    </a:solidFill>
+                  </a:rPr>
                   <a:t> + </a:t>
                 </a:r>
                 <a:r>
-                  <a:rPr lang="en-US" dirty="0" err="1"/>
+                  <a:rPr lang="en-US" dirty="0" err="1">
+                    <a:solidFill>
+                      <a:schemeClr val="accent6">
+                        <a:lumMod val="50000"/>
+                      </a:schemeClr>
+                    </a:solidFill>
+                  </a:rPr>
                   <a:t>Q</a:t>
                 </a:r>
                 <a:r>
-                  <a:rPr lang="en-US" baseline="-25000" dirty="0" err="1"/>
+                  <a:rPr lang="en-US" baseline="-25000" dirty="0" err="1">
+                    <a:solidFill>
+                      <a:schemeClr val="accent6">
+                        <a:lumMod val="50000"/>
+                      </a:schemeClr>
+                    </a:solidFill>
+                  </a:rPr>
                   <a:t>sx</a:t>
                 </a:r>
                 <a:r>
-                  <a:rPr lang="en-US" baseline="-25000" dirty="0"/>
+                  <a:rPr lang="en-US" baseline="-25000" dirty="0">
+                    <a:solidFill>
+                      <a:schemeClr val="accent6">
+                        <a:lumMod val="50000"/>
+                      </a:schemeClr>
+                    </a:solidFill>
+                  </a:rPr>
                   <a:t> </a:t>
                 </a:r>
                 <a:r>
-                  <a:rPr lang="en-US" dirty="0"/>
+                  <a:rPr lang="en-US" dirty="0">
+                    <a:solidFill>
+                      <a:schemeClr val="accent6">
+                        <a:lumMod val="50000"/>
+                      </a:schemeClr>
+                    </a:solidFill>
+                  </a:rPr>
                   <a:t>A</a:t>
                 </a:r>
                 <a:r>
-                  <a:rPr lang="en-US" baseline="30000" dirty="0"/>
+                  <a:rPr lang="en-US" baseline="30000" dirty="0">
+                    <a:solidFill>
+                      <a:schemeClr val="accent6">
+                        <a:lumMod val="50000"/>
+                      </a:schemeClr>
+                    </a:solidFill>
+                  </a:rPr>
                   <a:t>-1</a:t>
                 </a:r>
                 <a:r>
-                  <a:rPr lang="en-US" dirty="0"/>
+                  <a:rPr lang="en-US" dirty="0">
+                    <a:solidFill>
+                      <a:schemeClr val="accent6">
+                        <a:lumMod val="50000"/>
+                      </a:schemeClr>
+                    </a:solidFill>
+                  </a:rPr>
                   <a:t> A*</a:t>
                 </a:r>
                 <a:r>
-                  <a:rPr lang="en-US" baseline="30000" dirty="0"/>
+                  <a:rPr lang="en-US" baseline="30000" dirty="0">
+                    <a:solidFill>
+                      <a:schemeClr val="accent6">
+                        <a:lumMod val="50000"/>
+                      </a:schemeClr>
+                    </a:solidFill>
+                  </a:rPr>
                   <a:t>-1</a:t>
                 </a:r>
                 <a:r>
-                  <a:rPr lang="en-US" dirty="0"/>
+                  <a:rPr lang="en-US" dirty="0">
+                    <a:solidFill>
+                      <a:schemeClr val="accent6">
+                        <a:lumMod val="50000"/>
+                      </a:schemeClr>
+                    </a:solidFill>
+                  </a:rPr>
                   <a:t> </a:t>
                 </a:r>
                 <a:r>
-                  <a:rPr lang="en-US" dirty="0" err="1"/>
+                  <a:rPr lang="en-US" dirty="0" err="1">
+                    <a:solidFill>
+                      <a:schemeClr val="accent6">
+                        <a:lumMod val="50000"/>
+                      </a:schemeClr>
+                    </a:solidFill>
+                  </a:rPr>
                   <a:t>Q</a:t>
                 </a:r>
                 <a:r>
-                  <a:rPr lang="en-US" baseline="-25000" dirty="0" err="1"/>
+                  <a:rPr lang="en-US" baseline="-25000" dirty="0" err="1">
+                    <a:solidFill>
+                      <a:schemeClr val="accent6">
+                        <a:lumMod val="50000"/>
+                      </a:schemeClr>
+                    </a:solidFill>
+                  </a:rPr>
                   <a:t>xs</a:t>
                 </a:r>
                 <a:r>
-                  <a:rPr lang="en-US" dirty="0"/>
+                  <a:rPr lang="en-US" dirty="0">
+                    <a:solidFill>
+                      <a:schemeClr val="accent6">
+                        <a:lumMod val="50000"/>
+                      </a:schemeClr>
+                    </a:solidFill>
+                  </a:rPr>
                   <a:t> – </a:t>
                 </a:r>
                 <a:r>
-                  <a:rPr lang="en-US" dirty="0" err="1"/>
+                  <a:rPr lang="en-US" dirty="0" err="1">
+                    <a:solidFill>
+                      <a:schemeClr val="accent6">
+                        <a:lumMod val="50000"/>
+                      </a:schemeClr>
+                    </a:solidFill>
+                  </a:rPr>
                   <a:t>Q</a:t>
                 </a:r>
                 <a:r>
-                  <a:rPr lang="en-US" baseline="-25000" dirty="0" err="1"/>
+                  <a:rPr lang="en-US" baseline="-25000" dirty="0" err="1">
+                    <a:solidFill>
+                      <a:schemeClr val="accent6">
+                        <a:lumMod val="50000"/>
+                      </a:schemeClr>
+                    </a:solidFill>
+                  </a:rPr>
                   <a:t>sx</a:t>
                 </a:r>
                 <a:r>
-                  <a:rPr lang="en-US" baseline="-25000" dirty="0"/>
+                  <a:rPr lang="en-US" baseline="-25000" dirty="0">
+                    <a:solidFill>
+                      <a:schemeClr val="accent6">
+                        <a:lumMod val="50000"/>
+                      </a:schemeClr>
+                    </a:solidFill>
+                  </a:rPr>
                   <a:t> </a:t>
                 </a:r>
                 <a:r>
-                  <a:rPr lang="en-US" dirty="0"/>
+                  <a:rPr lang="en-US" dirty="0">
+                    <a:solidFill>
+                      <a:schemeClr val="accent6">
+                        <a:lumMod val="50000"/>
+                      </a:schemeClr>
+                    </a:solidFill>
+                  </a:rPr>
                   <a:t>A A</a:t>
                 </a:r>
                 <a:r>
-                  <a:rPr lang="en-US" baseline="30000" dirty="0"/>
+                  <a:rPr lang="en-US" baseline="30000" dirty="0">
+                    <a:solidFill>
+                      <a:schemeClr val="accent6">
+                        <a:lumMod val="50000"/>
+                      </a:schemeClr>
+                    </a:solidFill>
+                  </a:rPr>
                   <a:t>-1</a:t>
                 </a:r>
                 <a:r>
-                  <a:rPr lang="en-US" dirty="0"/>
+                  <a:rPr lang="en-US" dirty="0">
+                    <a:solidFill>
+                      <a:schemeClr val="accent6">
+                        <a:lumMod val="50000"/>
+                      </a:schemeClr>
+                    </a:solidFill>
+                  </a:rPr>
                   <a:t>D* -  D A* A*</a:t>
                 </a:r>
                 <a:r>
-                  <a:rPr lang="en-US" baseline="30000" dirty="0"/>
+                  <a:rPr lang="en-US" baseline="30000" dirty="0">
+                    <a:solidFill>
+                      <a:schemeClr val="accent6">
+                        <a:lumMod val="50000"/>
+                      </a:schemeClr>
+                    </a:solidFill>
+                  </a:rPr>
                   <a:t>-1</a:t>
                 </a:r>
                 <a:r>
-                  <a:rPr lang="en-US" dirty="0"/>
+                  <a:rPr lang="en-US" dirty="0">
+                    <a:solidFill>
+                      <a:schemeClr val="accent6">
+                        <a:lumMod val="50000"/>
+                      </a:schemeClr>
+                    </a:solidFill>
+                  </a:rPr>
                   <a:t> </a:t>
                 </a:r>
                 <a:r>
-                  <a:rPr lang="en-US" dirty="0" err="1"/>
+                  <a:rPr lang="en-US" dirty="0" err="1">
+                    <a:solidFill>
+                      <a:schemeClr val="accent6">
+                        <a:lumMod val="50000"/>
+                      </a:schemeClr>
+                    </a:solidFill>
+                  </a:rPr>
                   <a:t>Q</a:t>
                 </a:r>
                 <a:r>
-                  <a:rPr lang="en-US" baseline="-25000" dirty="0" err="1"/>
+                  <a:rPr lang="en-US" baseline="-25000" dirty="0" err="1">
+                    <a:solidFill>
+                      <a:schemeClr val="accent6">
+                        <a:lumMod val="50000"/>
+                      </a:schemeClr>
+                    </a:solidFill>
+                  </a:rPr>
                   <a:t>xs</a:t>
                 </a:r>
                 <a:r>
-                  <a:rPr lang="en-US" dirty="0"/>
+                  <a:rPr lang="en-US" dirty="0">
+                    <a:solidFill>
+                      <a:schemeClr val="accent6">
+                        <a:lumMod val="50000"/>
+                      </a:schemeClr>
+                    </a:solidFill>
+                  </a:rPr>
                   <a:t> + DA*AD*) </a:t>
                 </a:r>
               </a:p>
               <a:p>
-                <a:pPr>
+                <a:pPr marL="0" indent="0">
                   <a:lnSpc>
                     <a:spcPct val="100000"/>
                   </a:lnSpc>
+                  <a:buNone/>
                 </a:pPr>
                 <a:r>
-                  <a:rPr lang="en-US" dirty="0"/>
-                  <a:t>          =tr(Q</a:t>
-                </a:r>
-                <a:r>
-                  <a:rPr lang="en-US" baseline="-25000" dirty="0"/>
+                  <a:rPr lang="en-US" dirty="0">
+                    <a:solidFill>
+                      <a:schemeClr val="accent6">
+                        <a:lumMod val="50000"/>
+                      </a:schemeClr>
+                    </a:solidFill>
+                  </a:rPr>
+                  <a:t>              =tr(Q</a:t>
+                </a:r>
+                <a:r>
+                  <a:rPr lang="en-US" baseline="-25000" dirty="0">
+                    <a:solidFill>
+                      <a:schemeClr val="accent6">
+                        <a:lumMod val="50000"/>
+                      </a:schemeClr>
+                    </a:solidFill>
+                  </a:rPr>
                   <a:t>s</a:t>
                 </a:r>
                 <a:r>
-                  <a:rPr lang="en-US" dirty="0"/>
+                  <a:rPr lang="en-US" dirty="0">
+                    <a:solidFill>
+                      <a:schemeClr val="accent6">
+                        <a:lumMod val="50000"/>
+                      </a:schemeClr>
+                    </a:solidFill>
+                  </a:rPr>
                   <a:t> – </a:t>
                 </a:r>
                 <a:r>
-                  <a:rPr lang="en-US" dirty="0" err="1"/>
+                  <a:rPr lang="en-US" dirty="0" err="1">
+                    <a:solidFill>
+                      <a:schemeClr val="accent6">
+                        <a:lumMod val="50000"/>
+                      </a:schemeClr>
+                    </a:solidFill>
+                  </a:rPr>
                   <a:t>Q</a:t>
                 </a:r>
                 <a:r>
-                  <a:rPr lang="en-US" baseline="-25000" dirty="0" err="1"/>
+                  <a:rPr lang="en-US" baseline="-25000" dirty="0" err="1">
+                    <a:solidFill>
+                      <a:schemeClr val="accent6">
+                        <a:lumMod val="50000"/>
+                      </a:schemeClr>
+                    </a:solidFill>
+                  </a:rPr>
                   <a:t>sx</a:t>
                 </a:r>
                 <a:r>
-                  <a:rPr lang="en-US" baseline="-25000" dirty="0"/>
+                  <a:rPr lang="en-US" baseline="-25000" dirty="0">
+                    <a:solidFill>
+                      <a:schemeClr val="accent6">
+                        <a:lumMod val="50000"/>
+                      </a:schemeClr>
+                    </a:solidFill>
+                  </a:rPr>
                   <a:t> </a:t>
                 </a:r>
                 <a:r>
-                  <a:rPr lang="en-US" dirty="0"/>
+                  <a:rPr lang="en-US" dirty="0">
+                    <a:solidFill>
+                      <a:schemeClr val="accent6">
+                        <a:lumMod val="50000"/>
+                      </a:schemeClr>
+                    </a:solidFill>
+                  </a:rPr>
                   <a:t>A</a:t>
                 </a:r>
                 <a:r>
-                  <a:rPr lang="en-US" baseline="30000" dirty="0"/>
+                  <a:rPr lang="en-US" baseline="30000" dirty="0">
+                    <a:solidFill>
+                      <a:schemeClr val="accent6">
+                        <a:lumMod val="50000"/>
+                      </a:schemeClr>
+                    </a:solidFill>
+                  </a:rPr>
                   <a:t>-1</a:t>
                 </a:r>
                 <a:r>
-                  <a:rPr lang="en-US" dirty="0"/>
+                  <a:rPr lang="en-US" dirty="0">
+                    <a:solidFill>
+                      <a:schemeClr val="accent6">
+                        <a:lumMod val="50000"/>
+                      </a:schemeClr>
+                    </a:solidFill>
+                  </a:rPr>
                   <a:t> A*</a:t>
                 </a:r>
                 <a:r>
-                  <a:rPr lang="en-US" baseline="30000" dirty="0"/>
+                  <a:rPr lang="en-US" baseline="30000" dirty="0">
+                    <a:solidFill>
+                      <a:schemeClr val="accent6">
+                        <a:lumMod val="50000"/>
+                      </a:schemeClr>
+                    </a:solidFill>
+                  </a:rPr>
                   <a:t>-1</a:t>
                 </a:r>
                 <a:r>
-                  <a:rPr lang="en-US" dirty="0"/>
+                  <a:rPr lang="en-US" dirty="0">
+                    <a:solidFill>
+                      <a:schemeClr val="accent6">
+                        <a:lumMod val="50000"/>
+                      </a:schemeClr>
+                    </a:solidFill>
+                  </a:rPr>
                   <a:t> </a:t>
                 </a:r>
                 <a:r>
-                  <a:rPr lang="en-US" dirty="0" err="1"/>
+                  <a:rPr lang="en-US" dirty="0" err="1">
+                    <a:solidFill>
+                      <a:schemeClr val="accent6">
+                        <a:lumMod val="50000"/>
+                      </a:schemeClr>
+                    </a:solidFill>
+                  </a:rPr>
                   <a:t>Q</a:t>
                 </a:r>
                 <a:r>
-                  <a:rPr lang="en-US" baseline="-25000" dirty="0" err="1"/>
+                  <a:rPr lang="en-US" baseline="-25000" dirty="0" err="1">
+                    <a:solidFill>
+                      <a:schemeClr val="accent6">
+                        <a:lumMod val="50000"/>
+                      </a:schemeClr>
+                    </a:solidFill>
+                  </a:rPr>
                   <a:t>xs</a:t>
                 </a:r>
                 <a:r>
-                  <a:rPr lang="en-US" dirty="0"/>
+                  <a:rPr lang="en-US" dirty="0">
+                    <a:solidFill>
+                      <a:schemeClr val="accent6">
+                        <a:lumMod val="50000"/>
+                      </a:schemeClr>
+                    </a:solidFill>
+                  </a:rPr>
                   <a:t> +(DA* - </a:t>
                 </a:r>
                 <a:r>
-                  <a:rPr lang="en-US" dirty="0" err="1"/>
+                  <a:rPr lang="en-US" dirty="0" err="1">
+                    <a:solidFill>
+                      <a:schemeClr val="accent6">
+                        <a:lumMod val="50000"/>
+                      </a:schemeClr>
+                    </a:solidFill>
+                  </a:rPr>
                   <a:t>Q</a:t>
                 </a:r>
                 <a:r>
-                  <a:rPr lang="en-US" baseline="-25000" dirty="0" err="1"/>
+                  <a:rPr lang="en-US" baseline="-25000" dirty="0" err="1">
+                    <a:solidFill>
+                      <a:schemeClr val="accent6">
+                        <a:lumMod val="50000"/>
+                      </a:schemeClr>
+                    </a:solidFill>
+                  </a:rPr>
                   <a:t>sx</a:t>
                 </a:r>
                 <a:r>
-                  <a:rPr lang="en-US" baseline="-25000" dirty="0"/>
+                  <a:rPr lang="en-US" baseline="-25000" dirty="0">
+                    <a:solidFill>
+                      <a:schemeClr val="accent6">
+                        <a:lumMod val="50000"/>
+                      </a:schemeClr>
+                    </a:solidFill>
+                  </a:rPr>
                   <a:t> </a:t>
                 </a:r>
                 <a:r>
-                  <a:rPr lang="en-US" dirty="0"/>
+                  <a:rPr lang="en-US" dirty="0">
+                    <a:solidFill>
+                      <a:schemeClr val="accent6">
+                        <a:lumMod val="50000"/>
+                      </a:schemeClr>
+                    </a:solidFill>
+                  </a:rPr>
                   <a:t>A</a:t>
                 </a:r>
                 <a:r>
-                  <a:rPr lang="en-US" baseline="30000" dirty="0"/>
+                  <a:rPr lang="en-US" baseline="30000" dirty="0">
+                    <a:solidFill>
+                      <a:schemeClr val="accent6">
+                        <a:lumMod val="50000"/>
+                      </a:schemeClr>
+                    </a:solidFill>
+                  </a:rPr>
                   <a:t>-1</a:t>
                 </a:r>
                 <a:r>
-                  <a:rPr lang="en-US" dirty="0"/>
+                  <a:rPr lang="en-US" dirty="0">
+                    <a:solidFill>
+                      <a:schemeClr val="accent6">
+                        <a:lumMod val="50000"/>
+                      </a:schemeClr>
+                    </a:solidFill>
+                  </a:rPr>
                   <a:t> )(DA* - </a:t>
                 </a:r>
                 <a:r>
-                  <a:rPr lang="en-US" dirty="0" err="1"/>
+                  <a:rPr lang="en-US" dirty="0" err="1">
+                    <a:solidFill>
+                      <a:schemeClr val="accent6">
+                        <a:lumMod val="50000"/>
+                      </a:schemeClr>
+                    </a:solidFill>
+                  </a:rPr>
                   <a:t>Q</a:t>
                 </a:r>
                 <a:r>
-                  <a:rPr lang="en-US" baseline="-25000" dirty="0" err="1"/>
+                  <a:rPr lang="en-US" baseline="-25000" dirty="0" err="1">
+                    <a:solidFill>
+                      <a:schemeClr val="accent6">
+                        <a:lumMod val="50000"/>
+                      </a:schemeClr>
+                    </a:solidFill>
+                  </a:rPr>
                   <a:t>sx</a:t>
                 </a:r>
                 <a:r>
-                  <a:rPr lang="en-US" baseline="-25000" dirty="0"/>
+                  <a:rPr lang="en-US" baseline="-25000" dirty="0">
+                    <a:solidFill>
+                      <a:schemeClr val="accent6">
+                        <a:lumMod val="50000"/>
+                      </a:schemeClr>
+                    </a:solidFill>
+                  </a:rPr>
                   <a:t> </a:t>
                 </a:r>
                 <a:r>
-                  <a:rPr lang="en-US" dirty="0"/>
+                  <a:rPr lang="en-US" dirty="0">
+                    <a:solidFill>
+                      <a:schemeClr val="accent6">
+                        <a:lumMod val="50000"/>
+                      </a:schemeClr>
+                    </a:solidFill>
+                  </a:rPr>
                   <a:t>A</a:t>
                 </a:r>
                 <a:r>
-                  <a:rPr lang="en-US" baseline="30000" dirty="0"/>
+                  <a:rPr lang="en-US" baseline="30000" dirty="0">
+                    <a:solidFill>
+                      <a:schemeClr val="accent6">
+                        <a:lumMod val="50000"/>
+                      </a:schemeClr>
+                    </a:solidFill>
+                  </a:rPr>
                   <a:t>-1</a:t>
                 </a:r>
                 <a:r>
-                  <a:rPr lang="en-US" dirty="0"/>
+                  <a:rPr lang="en-US" dirty="0">
+                    <a:solidFill>
+                      <a:schemeClr val="accent6">
+                        <a:lumMod val="50000"/>
+                      </a:schemeClr>
+                    </a:solidFill>
+                  </a:rPr>
                   <a:t> )*)</a:t>
                 </a:r>
               </a:p>
@@ -24478,7 +26804,7 @@
               <a:blipFill>
                 <a:blip r:embed="rId2"/>
                 <a:stretch>
-                  <a:fillRect l="-522" t="-1244" r="-174"/>
+                  <a:fillRect l="-638" t="-1244"/>
                 </a:stretch>
               </a:blipFill>
             </p:spPr>
@@ -24609,11 +26935,31 @@
               <a:p>
                 <a:r>
                   <a:rPr lang="en-US" dirty="0"/>
-                  <a:t>Because the first and the second term of this result do not depend on D, the result is        </a:t>
-                </a:r>
-                <a:r>
-                  <a:rPr lang="en-US" dirty="0" err="1"/>
-                  <a:t>minimised</a:t>
+                  <a:t>Because the </a:t>
+                </a:r>
+                <a:r>
+                  <a:rPr lang="en-US" dirty="0">
+                    <a:solidFill>
+                      <a:schemeClr val="accent1">
+                        <a:lumMod val="75000"/>
+                      </a:schemeClr>
+                    </a:solidFill>
+                  </a:rPr>
+                  <a:t>first and the second </a:t>
+                </a:r>
+                <a:r>
+                  <a:rPr lang="en-US" dirty="0"/>
+                  <a:t>term of this result do not depend on D, the result is        </a:t>
+                </a:r>
+                <a:r>
+                  <a:rPr lang="en-US" dirty="0">
+                    <a:solidFill>
+                      <a:schemeClr val="accent1">
+                        <a:lumMod val="75000"/>
+                      </a:schemeClr>
+                    </a:solidFill>
+                  </a:rPr>
+                  <a:t>minimized</a:t>
                 </a:r>
                 <a:r>
                   <a:rPr lang="en-US" dirty="0"/>
@@ -24621,139 +26967,392 @@
                 </a:r>
               </a:p>
               <a:p>
+                <a:pPr marL="457200" lvl="1" indent="0">
+                  <a:buNone/>
+                </a:pPr>
                 <a:r>
                   <a:rPr lang="en-US" dirty="0"/>
+                  <a:t>                        </a:t>
+                </a:r>
+                <a:r>
+                  <a:rPr lang="en-US" dirty="0">
+                    <a:solidFill>
+                      <a:schemeClr val="accent6">
+                        <a:lumMod val="50000"/>
+                      </a:schemeClr>
+                    </a:solidFill>
+                  </a:rPr>
                   <a:t>DA* - </a:t>
                 </a:r>
                 <a:r>
-                  <a:rPr lang="en-US" dirty="0" err="1"/>
+                  <a:rPr lang="en-US" dirty="0" err="1">
+                    <a:solidFill>
+                      <a:schemeClr val="accent6">
+                        <a:lumMod val="50000"/>
+                      </a:schemeClr>
+                    </a:solidFill>
+                  </a:rPr>
                   <a:t>Q</a:t>
                 </a:r>
                 <a:r>
-                  <a:rPr lang="en-US" baseline="-25000" dirty="0" err="1"/>
+                  <a:rPr lang="en-US" baseline="-25000" dirty="0" err="1">
+                    <a:solidFill>
+                      <a:schemeClr val="accent6">
+                        <a:lumMod val="50000"/>
+                      </a:schemeClr>
+                    </a:solidFill>
+                  </a:rPr>
                   <a:t>sx</a:t>
                 </a:r>
                 <a:r>
-                  <a:rPr lang="en-US" baseline="-25000" dirty="0"/>
+                  <a:rPr lang="en-US" baseline="-25000" dirty="0">
+                    <a:solidFill>
+                      <a:schemeClr val="accent6">
+                        <a:lumMod val="50000"/>
+                      </a:schemeClr>
+                    </a:solidFill>
+                  </a:rPr>
                   <a:t> </a:t>
                 </a:r>
                 <a:r>
-                  <a:rPr lang="en-US" dirty="0"/>
+                  <a:rPr lang="en-US" dirty="0">
+                    <a:solidFill>
+                      <a:schemeClr val="accent6">
+                        <a:lumMod val="50000"/>
+                      </a:schemeClr>
+                    </a:solidFill>
+                  </a:rPr>
                   <a:t>A</a:t>
                 </a:r>
                 <a:r>
-                  <a:rPr lang="en-US" baseline="30000" dirty="0"/>
+                  <a:rPr lang="en-US" baseline="30000" dirty="0">
+                    <a:solidFill>
+                      <a:schemeClr val="accent6">
+                        <a:lumMod val="50000"/>
+                      </a:schemeClr>
+                    </a:solidFill>
+                  </a:rPr>
                   <a:t>-1</a:t>
                 </a:r>
                 <a:r>
-                  <a:rPr lang="en-US" dirty="0"/>
+                  <a:rPr lang="en-US" dirty="0">
+                    <a:solidFill>
+                      <a:schemeClr val="accent6">
+                        <a:lumMod val="50000"/>
+                      </a:schemeClr>
+                    </a:solidFill>
+                  </a:rPr>
                   <a:t> = 0 </a:t>
                 </a:r>
               </a:p>
               <a:p>
-                <a:r>
-                  <a:rPr lang="en-US" dirty="0"/>
-                  <a:t> DA* = </a:t>
-                </a:r>
-                <a:r>
-                  <a:rPr lang="en-US" dirty="0" err="1"/>
+                <a:pPr marL="457200" lvl="1" indent="0">
+                  <a:buNone/>
+                </a:pPr>
+                <a:r>
+                  <a:rPr lang="en-US" dirty="0">
+                    <a:solidFill>
+                      <a:schemeClr val="accent6">
+                        <a:lumMod val="50000"/>
+                      </a:schemeClr>
+                    </a:solidFill>
+                  </a:rPr>
+                  <a:t>                        DA* = </a:t>
+                </a:r>
+                <a:r>
+                  <a:rPr lang="en-US" dirty="0" err="1">
+                    <a:solidFill>
+                      <a:schemeClr val="accent6">
+                        <a:lumMod val="50000"/>
+                      </a:schemeClr>
+                    </a:solidFill>
+                  </a:rPr>
                   <a:t>Q</a:t>
                 </a:r>
                 <a:r>
-                  <a:rPr lang="en-US" baseline="-25000" dirty="0" err="1"/>
+                  <a:rPr lang="en-US" baseline="-25000" dirty="0" err="1">
+                    <a:solidFill>
+                      <a:schemeClr val="accent6">
+                        <a:lumMod val="50000"/>
+                      </a:schemeClr>
+                    </a:solidFill>
+                  </a:rPr>
                   <a:t>sx</a:t>
                 </a:r>
                 <a:r>
-                  <a:rPr lang="en-US" baseline="-25000" dirty="0"/>
+                  <a:rPr lang="en-US" baseline="-25000" dirty="0">
+                    <a:solidFill>
+                      <a:schemeClr val="accent6">
+                        <a:lumMod val="50000"/>
+                      </a:schemeClr>
+                    </a:solidFill>
+                  </a:rPr>
                   <a:t> </a:t>
                 </a:r>
                 <a:r>
-                  <a:rPr lang="en-US" dirty="0"/>
+                  <a:rPr lang="en-US" dirty="0">
+                    <a:solidFill>
+                      <a:schemeClr val="accent6">
+                        <a:lumMod val="50000"/>
+                      </a:schemeClr>
+                    </a:solidFill>
+                  </a:rPr>
                   <a:t>A</a:t>
                 </a:r>
                 <a:r>
-                  <a:rPr lang="en-US" baseline="30000" dirty="0"/>
+                  <a:rPr lang="en-US" baseline="30000" dirty="0">
+                    <a:solidFill>
+                      <a:schemeClr val="accent6">
+                        <a:lumMod val="50000"/>
+                      </a:schemeClr>
+                    </a:solidFill>
+                  </a:rPr>
                   <a:t>-1</a:t>
                 </a:r>
                 <a:r>
-                  <a:rPr lang="en-US" dirty="0"/>
+                  <a:rPr lang="en-US" dirty="0">
+                    <a:solidFill>
+                      <a:schemeClr val="accent6">
+                        <a:lumMod val="50000"/>
+                      </a:schemeClr>
+                    </a:solidFill>
+                  </a:rPr>
                   <a:t> </a:t>
                 </a:r>
               </a:p>
               <a:p>
-                <a:r>
-                  <a:rPr lang="en-US" dirty="0"/>
-                  <a:t>D = </a:t>
-                </a:r>
-                <a:r>
-                  <a:rPr lang="en-US" dirty="0" err="1"/>
+                <a:pPr marL="457200" lvl="1" indent="0">
+                  <a:buNone/>
+                </a:pPr>
+                <a:r>
+                  <a:rPr lang="en-US" dirty="0">
+                    <a:solidFill>
+                      <a:schemeClr val="accent6">
+                        <a:lumMod val="50000"/>
+                      </a:schemeClr>
+                    </a:solidFill>
+                  </a:rPr>
+                  <a:t>                        D = </a:t>
+                </a:r>
+                <a:r>
+                  <a:rPr lang="en-US" dirty="0" err="1">
+                    <a:solidFill>
+                      <a:schemeClr val="accent6">
+                        <a:lumMod val="50000"/>
+                      </a:schemeClr>
+                    </a:solidFill>
+                  </a:rPr>
                   <a:t>Q</a:t>
                 </a:r>
                 <a:r>
-                  <a:rPr lang="en-US" baseline="-25000" dirty="0" err="1"/>
+                  <a:rPr lang="en-US" baseline="-25000" dirty="0" err="1">
+                    <a:solidFill>
+                      <a:schemeClr val="accent6">
+                        <a:lumMod val="50000"/>
+                      </a:schemeClr>
+                    </a:solidFill>
+                  </a:rPr>
                   <a:t>sx</a:t>
                 </a:r>
                 <a:r>
-                  <a:rPr lang="en-US" baseline="-25000" dirty="0"/>
+                  <a:rPr lang="en-US" baseline="-25000" dirty="0">
+                    <a:solidFill>
+                      <a:schemeClr val="accent6">
+                        <a:lumMod val="50000"/>
+                      </a:schemeClr>
+                    </a:solidFill>
+                  </a:rPr>
                   <a:t> </a:t>
                 </a:r>
                 <a:r>
-                  <a:rPr lang="en-US" dirty="0"/>
+                  <a:rPr lang="en-US" dirty="0">
+                    <a:solidFill>
+                      <a:schemeClr val="accent6">
+                        <a:lumMod val="50000"/>
+                      </a:schemeClr>
+                    </a:solidFill>
+                  </a:rPr>
                   <a:t>A</a:t>
                 </a:r>
                 <a:r>
-                  <a:rPr lang="en-US" baseline="30000" dirty="0"/>
+                  <a:rPr lang="en-US" baseline="30000" dirty="0">
+                    <a:solidFill>
+                      <a:schemeClr val="accent6">
+                        <a:lumMod val="50000"/>
+                      </a:schemeClr>
+                    </a:solidFill>
+                  </a:rPr>
                   <a:t>-1</a:t>
                 </a:r>
                 <a:r>
-                  <a:rPr lang="en-US" dirty="0"/>
+                  <a:rPr lang="en-US" dirty="0">
+                    <a:solidFill>
+                      <a:schemeClr val="accent6">
+                        <a:lumMod val="50000"/>
+                      </a:schemeClr>
+                    </a:solidFill>
+                  </a:rPr>
                   <a:t> A*</a:t>
                 </a:r>
                 <a:r>
-                  <a:rPr lang="en-US" baseline="30000" dirty="0"/>
+                  <a:rPr lang="en-US" baseline="30000" dirty="0">
+                    <a:solidFill>
+                      <a:schemeClr val="accent6">
+                        <a:lumMod val="50000"/>
+                      </a:schemeClr>
+                    </a:solidFill>
+                  </a:rPr>
                   <a:t>-1 </a:t>
                 </a:r>
                 <a:r>
-                  <a:rPr lang="en-US" dirty="0"/>
+                  <a:rPr lang="en-US" dirty="0">
+                    <a:solidFill>
+                      <a:schemeClr val="accent6">
+                        <a:lumMod val="50000"/>
+                      </a:schemeClr>
+                    </a:solidFill>
+                  </a:rPr>
                   <a:t>= (A*A)</a:t>
                 </a:r>
                 <a:r>
-                  <a:rPr lang="en-US" baseline="30000" dirty="0"/>
+                  <a:rPr lang="en-US" baseline="30000" dirty="0">
+                    <a:solidFill>
+                      <a:schemeClr val="accent6">
+                        <a:lumMod val="50000"/>
+                      </a:schemeClr>
+                    </a:solidFill>
+                  </a:rPr>
                   <a:t> -1 </a:t>
                 </a:r>
                 <a:r>
-                  <a:rPr lang="en-US" dirty="0"/>
+                  <a:rPr lang="en-US" dirty="0">
+                    <a:solidFill>
+                      <a:schemeClr val="accent6">
+                        <a:lumMod val="50000"/>
+                      </a:schemeClr>
+                    </a:solidFill>
+                  </a:rPr>
                   <a:t> = </a:t>
                 </a:r>
                 <a:r>
-                  <a:rPr lang="en-US" dirty="0" err="1"/>
+                  <a:rPr lang="en-US" dirty="0" err="1">
+                    <a:solidFill>
+                      <a:schemeClr val="accent6">
+                        <a:lumMod val="50000"/>
+                      </a:schemeClr>
+                    </a:solidFill>
+                  </a:rPr>
                   <a:t>Q</a:t>
                 </a:r>
                 <a:r>
-                  <a:rPr lang="en-US" baseline="-25000" dirty="0" err="1"/>
+                  <a:rPr lang="en-US" baseline="-25000" dirty="0" err="1">
+                    <a:solidFill>
+                      <a:schemeClr val="accent6">
+                        <a:lumMod val="50000"/>
+                      </a:schemeClr>
+                    </a:solidFill>
+                  </a:rPr>
                   <a:t>sx</a:t>
                 </a:r>
                 <a:r>
-                  <a:rPr lang="en-US" baseline="-25000" dirty="0"/>
+                  <a:rPr lang="en-US" baseline="-25000" dirty="0">
+                    <a:solidFill>
+                      <a:schemeClr val="accent6">
+                        <a:lumMod val="50000"/>
+                      </a:schemeClr>
+                    </a:solidFill>
+                  </a:rPr>
                   <a:t> </a:t>
                 </a:r>
                 <a:r>
-                  <a:rPr lang="en-US" dirty="0"/>
+                  <a:rPr lang="en-US" dirty="0">
+                    <a:solidFill>
+                      <a:schemeClr val="accent6">
+                        <a:lumMod val="50000"/>
+                      </a:schemeClr>
+                    </a:solidFill>
+                  </a:rPr>
                   <a:t>Q</a:t>
                 </a:r>
                 <a:r>
-                  <a:rPr lang="en-US" baseline="-25000" dirty="0"/>
+                  <a:rPr lang="en-US" baseline="-25000" dirty="0">
+                    <a:solidFill>
+                      <a:schemeClr val="accent6">
+                        <a:lumMod val="50000"/>
+                      </a:schemeClr>
+                    </a:solidFill>
+                  </a:rPr>
                   <a:t>x</a:t>
                 </a:r>
                 <a:r>
-                  <a:rPr lang="en-US" baseline="30000" dirty="0"/>
+                  <a:rPr lang="en-US" baseline="30000" dirty="0">
+                    <a:solidFill>
+                      <a:schemeClr val="accent6">
+                        <a:lumMod val="50000"/>
+                      </a:schemeClr>
+                    </a:solidFill>
+                  </a:rPr>
                   <a:t>-1</a:t>
                 </a:r>
               </a:p>
               <a:p>
+                <a:pPr marL="0" indent="0">
+                  <a:buNone/>
+                </a:pPr>
                 <a:r>
                   <a:rPr lang="en-US" dirty="0"/>
-                  <a:t>our channel model (x =Hs + v) and assume that Qs =E[ss*] =</a:t>
+                  <a:t>  </a:t>
+                </a:r>
+                <a:br>
+                  <a:rPr lang="en-US" dirty="0"/>
+                </a:br>
+                <a:r>
+                  <a:rPr lang="en-US" dirty="0"/>
+                  <a:t>   Our channel model (</a:t>
+                </a:r>
+                <a:r>
+                  <a:rPr lang="en-US" dirty="0">
+                    <a:solidFill>
+                      <a:schemeClr val="accent6">
+                        <a:lumMod val="50000"/>
+                      </a:schemeClr>
+                    </a:solidFill>
+                  </a:rPr>
+                  <a:t>x =Hs + v</a:t>
+                </a:r>
+                <a:r>
+                  <a:rPr lang="en-US" dirty="0"/>
+                  <a:t>) and assume that </a:t>
+                </a:r>
+                <a:r>
+                  <a:rPr lang="en-US" dirty="0">
+                    <a:solidFill>
+                      <a:schemeClr val="accent6">
+                        <a:lumMod val="50000"/>
+                      </a:schemeClr>
+                    </a:solidFill>
+                  </a:rPr>
+                  <a:t>Q</a:t>
+                </a:r>
+                <a:r>
+                  <a:rPr lang="en-US" baseline="-25000" dirty="0">
+                    <a:solidFill>
+                      <a:schemeClr val="accent6">
+                        <a:lumMod val="50000"/>
+                      </a:schemeClr>
+                    </a:solidFill>
+                  </a:rPr>
+                  <a:t>s</a:t>
+                </a:r>
+                <a:r>
+                  <a:rPr lang="en-US" dirty="0">
+                    <a:solidFill>
+                      <a:schemeClr val="accent6">
+                        <a:lumMod val="50000"/>
+                      </a:schemeClr>
+                    </a:solidFill>
+                  </a:rPr>
+                  <a:t> =E[ss*] =</a:t>
                 </a:r>
                 <a14:m>
                   <m:oMath xmlns:m="http://schemas.openxmlformats.org/officeDocument/2006/math">
@@ -24761,6 +27360,11 @@
                       <m:sSupPr>
                         <m:ctrlPr>
                           <a:rPr lang="en-US" b="0" i="1" smtClean="0">
+                            <a:solidFill>
+                              <a:schemeClr val="accent6">
+                                <a:lumMod val="50000"/>
+                              </a:schemeClr>
+                            </a:solidFill>
                             <a:latin typeface="Cambria Math" panose="02040503050406030204" pitchFamily="18" charset="0"/>
                           </a:rPr>
                         </m:ctrlPr>
@@ -24768,12 +27372,22 @@
                       <m:e>
                         <m:r>
                           <a:rPr lang="en-US" b="0" i="1" smtClean="0">
+                            <a:solidFill>
+                              <a:schemeClr val="accent6">
+                                <a:lumMod val="50000"/>
+                              </a:schemeClr>
+                            </a:solidFill>
                             <a:latin typeface="Cambria Math" panose="02040503050406030204" pitchFamily="18" charset="0"/>
                           </a:rPr>
                           <m:t>𝜎</m:t>
                         </m:r>
                         <m:r>
                           <a:rPr lang="en-US" b="0" i="1" baseline="-25000" smtClean="0">
+                            <a:solidFill>
+                              <a:schemeClr val="accent6">
+                                <a:lumMod val="50000"/>
+                              </a:schemeClr>
+                            </a:solidFill>
                             <a:latin typeface="Cambria Math" panose="02040503050406030204" pitchFamily="18" charset="0"/>
                           </a:rPr>
                           <m:t>𝑠</m:t>
@@ -24782,6 +27396,11 @@
                       <m:sup>
                         <m:r>
                           <a:rPr lang="en-US" b="0" i="1" smtClean="0">
+                            <a:solidFill>
+                              <a:schemeClr val="accent6">
+                                <a:lumMod val="50000"/>
+                              </a:schemeClr>
+                            </a:solidFill>
                             <a:latin typeface="Cambria Math" panose="02040503050406030204" pitchFamily="18" charset="0"/>
                           </a:rPr>
                           <m:t>2</m:t>
@@ -24790,6 +27409,11 @@
                     </m:sSup>
                     <m:r>
                       <a:rPr lang="en-US" b="0" i="1" smtClean="0">
+                        <a:solidFill>
+                          <a:schemeClr val="accent6">
+                            <a:lumMod val="50000"/>
+                          </a:schemeClr>
+                        </a:solidFill>
                         <a:latin typeface="Cambria Math" panose="02040503050406030204" pitchFamily="18" charset="0"/>
                       </a:rPr>
                       <m:t>𝐼</m:t>
@@ -24797,15 +27421,67 @@
                   </m:oMath>
                 </a14:m>
                 <a:r>
+                  <a:rPr lang="en-US" dirty="0">
+                    <a:solidFill>
+                      <a:schemeClr val="accent6">
+                        <a:lumMod val="50000"/>
+                      </a:schemeClr>
+                    </a:solidFill>
+                  </a:rPr>
+                  <a:t> </a:t>
+                </a:r>
+                <a:r>
                   <a:rPr lang="en-US" dirty="0"/>
-                  <a:t> and Qv = E[</a:t>
-                </a:r>
-                <a:r>
-                  <a:rPr lang="en-US" dirty="0" err="1"/>
+                  <a:t>and </a:t>
+                </a:r>
+                <a:r>
+                  <a:rPr lang="en-US" dirty="0">
+                    <a:solidFill>
+                      <a:schemeClr val="accent6">
+                        <a:lumMod val="50000"/>
+                      </a:schemeClr>
+                    </a:solidFill>
+                  </a:rPr>
+                  <a:t>Q</a:t>
+                </a:r>
+                <a:r>
+                  <a:rPr lang="en-US" baseline="-25000" dirty="0">
+                    <a:solidFill>
+                      <a:schemeClr val="accent6">
+                        <a:lumMod val="50000"/>
+                      </a:schemeClr>
+                    </a:solidFill>
+                  </a:rPr>
+                  <a:t>v</a:t>
+                </a:r>
+                <a:r>
+                  <a:rPr lang="en-US" dirty="0">
+                    <a:solidFill>
+                      <a:schemeClr val="accent6">
+                        <a:lumMod val="50000"/>
+                      </a:schemeClr>
+                    </a:solidFill>
+                  </a:rPr>
+                  <a:t> = E[</a:t>
+                </a:r>
+                <a:r>
+                  <a:rPr lang="en-US" dirty="0" err="1">
+                    <a:solidFill>
+                      <a:schemeClr val="accent6">
+                        <a:lumMod val="50000"/>
+                      </a:schemeClr>
+                    </a:solidFill>
+                  </a:rPr>
                   <a:t>vv</a:t>
                 </a:r>
                 <a:r>
-                  <a:rPr lang="en-US" dirty="0"/>
+                  <a:rPr lang="en-US" dirty="0">
+                    <a:solidFill>
+                      <a:schemeClr val="accent6">
+                        <a:lumMod val="50000"/>
+                      </a:schemeClr>
+                    </a:solidFill>
+                  </a:rPr>
                   <a:t>*] =</a:t>
                 </a:r>
                 <a14:m>
@@ -24814,6 +27490,11 @@
                       <m:sSupPr>
                         <m:ctrlPr>
                           <a:rPr lang="en-US" b="0" i="1" smtClean="0">
+                            <a:solidFill>
+                              <a:schemeClr val="accent6">
+                                <a:lumMod val="50000"/>
+                              </a:schemeClr>
+                            </a:solidFill>
                             <a:latin typeface="Cambria Math" panose="02040503050406030204" pitchFamily="18" charset="0"/>
                           </a:rPr>
                         </m:ctrlPr>
@@ -24821,12 +27502,22 @@
                       <m:e>
                         <m:r>
                           <a:rPr lang="en-US" b="0" i="1" smtClean="0">
+                            <a:solidFill>
+                              <a:schemeClr val="accent6">
+                                <a:lumMod val="50000"/>
+                              </a:schemeClr>
+                            </a:solidFill>
                             <a:latin typeface="Cambria Math" panose="02040503050406030204" pitchFamily="18" charset="0"/>
                           </a:rPr>
                           <m:t>𝜎</m:t>
                         </m:r>
                         <m:r>
                           <a:rPr lang="en-US" b="0" i="1" baseline="-25000" smtClean="0">
+                            <a:solidFill>
+                              <a:schemeClr val="accent6">
+                                <a:lumMod val="50000"/>
+                              </a:schemeClr>
+                            </a:solidFill>
                             <a:latin typeface="Cambria Math" panose="02040503050406030204" pitchFamily="18" charset="0"/>
                           </a:rPr>
                           <m:t>𝑣</m:t>
@@ -24835,6 +27526,11 @@
                       <m:sup>
                         <m:r>
                           <a:rPr lang="en-US" b="0" i="1" smtClean="0">
+                            <a:solidFill>
+                              <a:schemeClr val="accent6">
+                                <a:lumMod val="50000"/>
+                              </a:schemeClr>
+                            </a:solidFill>
                             <a:latin typeface="Cambria Math" panose="02040503050406030204" pitchFamily="18" charset="0"/>
                           </a:rPr>
                           <m:t>2</m:t>
@@ -24846,6 +27542,11 @@
                         <m:sty m:val="p"/>
                       </m:rPr>
                       <a:rPr lang="en-US" b="0" i="0" smtClean="0">
+                        <a:solidFill>
+                          <a:schemeClr val="accent6">
+                            <a:lumMod val="50000"/>
+                          </a:schemeClr>
+                        </a:solidFill>
                         <a:latin typeface="Cambria Math" panose="02040503050406030204" pitchFamily="18" charset="0"/>
                       </a:rPr>
                       <m:t>I</m:t>
@@ -24858,84 +27559,347 @@
                 </a:r>
               </a:p>
               <a:p>
+                <a:pPr marL="0" indent="0">
+                  <a:buNone/>
+                </a:pPr>
                 <a:r>
                   <a:rPr lang="en-US" dirty="0"/>
-                  <a:t>And that </a:t>
-                </a:r>
-                <a:r>
-                  <a:rPr lang="en-US" dirty="0" err="1"/>
-                  <a:t>Qx</a:t>
+                  <a:t>   And that </a:t>
+                </a:r>
+                <a:r>
+                  <a:rPr lang="en-US" dirty="0" err="1">
+                    <a:solidFill>
+                      <a:schemeClr val="accent6">
+                        <a:lumMod val="50000"/>
+                      </a:schemeClr>
+                    </a:solidFill>
+                  </a:rPr>
+                  <a:t>Q</a:t>
+                </a:r>
+                <a:r>
+                  <a:rPr lang="en-US" baseline="-25000" dirty="0" err="1">
+                    <a:solidFill>
+                      <a:schemeClr val="accent6">
+                        <a:lumMod val="50000"/>
+                      </a:schemeClr>
+                    </a:solidFill>
+                  </a:rPr>
+                  <a:t>x</a:t>
+                </a:r>
+                <a:r>
+                  <a:rPr lang="en-US" dirty="0">
+                    <a:solidFill>
+                      <a:schemeClr val="accent6">
+                        <a:lumMod val="50000"/>
+                      </a:schemeClr>
+                    </a:solidFill>
+                  </a:rPr>
+                  <a:t> = E[xx*] = </a:t>
+                </a:r>
+                <a:r>
+                  <a:rPr lang="en-US" dirty="0" err="1">
+                    <a:solidFill>
+                      <a:schemeClr val="accent6">
+                        <a:lumMod val="50000"/>
+                      </a:schemeClr>
+                    </a:solidFill>
+                  </a:rPr>
+                  <a:t>HQ</a:t>
+                </a:r>
+                <a:r>
+                  <a:rPr lang="en-US" baseline="-25000" dirty="0" err="1">
+                    <a:solidFill>
+                      <a:schemeClr val="accent6">
+                        <a:lumMod val="50000"/>
+                      </a:schemeClr>
+                    </a:solidFill>
+                  </a:rPr>
+                  <a:t>s</a:t>
+                </a:r>
+                <a:r>
+                  <a:rPr lang="en-US" dirty="0" err="1">
+                    <a:solidFill>
+                      <a:schemeClr val="accent6">
+                        <a:lumMod val="50000"/>
+                      </a:schemeClr>
+                    </a:solidFill>
+                  </a:rPr>
+                  <a:t>H</a:t>
+                </a:r>
+                <a:r>
+                  <a:rPr lang="en-US" dirty="0">
+                    <a:solidFill>
+                      <a:schemeClr val="accent6">
+                        <a:lumMod val="50000"/>
+                      </a:schemeClr>
+                    </a:solidFill>
+                  </a:rPr>
+                  <a:t>* + Qv </a:t>
                 </a:r>
                 <a:r>
                   <a:rPr lang="en-US" dirty="0"/>
-                  <a:t> = E[xx*] = </a:t>
-                </a:r>
-                <a:r>
-                  <a:rPr lang="en-US" dirty="0" err="1"/>
-                  <a:t>HQsH</a:t>
-                </a:r>
-                <a:r>
-                  <a:rPr lang="en-US" dirty="0"/>
-                  <a:t>* + Qv is invertible</a:t>
+                  <a:t>is </a:t>
+                </a:r>
+                <a:r>
+                  <a:rPr lang="en-US" dirty="0">
+                    <a:solidFill>
+                      <a:schemeClr val="accent1">
+                        <a:lumMod val="75000"/>
+                      </a:schemeClr>
+                    </a:solidFill>
+                  </a:rPr>
+                  <a:t>invertible</a:t>
                 </a:r>
               </a:p>
               <a:p>
+                <a:pPr marL="0" indent="0">
+                  <a:buNone/>
+                </a:pPr>
                 <a:r>
                   <a:rPr lang="en-US" dirty="0"/>
-                  <a:t>Then with </a:t>
-                </a:r>
-                <a:r>
-                  <a:rPr lang="en-US" dirty="0" err="1"/>
-                  <a:t>Qsx</a:t>
-                </a:r>
-                <a:r>
-                  <a:rPr lang="en-US" dirty="0"/>
+                  <a:t>   Then with </a:t>
+                </a:r>
+                <a:r>
+                  <a:rPr lang="en-US" dirty="0" err="1">
+                    <a:solidFill>
+                      <a:schemeClr val="accent6">
+                        <a:lumMod val="50000"/>
+                      </a:schemeClr>
+                    </a:solidFill>
+                  </a:rPr>
+                  <a:t>Q</a:t>
+                </a:r>
+                <a:r>
+                  <a:rPr lang="en-US" baseline="-25000" dirty="0" err="1">
+                    <a:solidFill>
+                      <a:schemeClr val="accent6">
+                        <a:lumMod val="50000"/>
+                      </a:schemeClr>
+                    </a:solidFill>
+                  </a:rPr>
+                  <a:t>sx</a:t>
+                </a:r>
+                <a:r>
+                  <a:rPr lang="en-US" dirty="0">
+                    <a:solidFill>
+                      <a:schemeClr val="accent6">
+                        <a:lumMod val="50000"/>
+                      </a:schemeClr>
+                    </a:solidFill>
+                  </a:rPr>
                   <a:t> = E[</a:t>
                 </a:r>
                 <a:r>
-                  <a:rPr lang="en-US" dirty="0" err="1"/>
+                  <a:rPr lang="en-US" dirty="0" err="1">
+                    <a:solidFill>
+                      <a:schemeClr val="accent6">
+                        <a:lumMod val="50000"/>
+                      </a:schemeClr>
+                    </a:solidFill>
+                  </a:rPr>
                   <a:t>sx</a:t>
                 </a:r>
                 <a:r>
-                  <a:rPr lang="en-US" dirty="0"/>
+                  <a:rPr lang="en-US" dirty="0">
+                    <a:solidFill>
+                      <a:schemeClr val="accent6">
+                        <a:lumMod val="50000"/>
+                      </a:schemeClr>
+                    </a:solidFill>
+                  </a:rPr>
                   <a:t>*] = E[s(s*H* + v*)] = </a:t>
                 </a:r>
                 <a:r>
-                  <a:rPr lang="en-US" dirty="0" err="1"/>
-                  <a:t>QsH</a:t>
-                </a:r>
-                <a:r>
-                  <a:rPr lang="en-US" dirty="0"/>
+                  <a:rPr lang="en-US" dirty="0" err="1">
+                    <a:solidFill>
+                      <a:schemeClr val="accent6">
+                        <a:lumMod val="50000"/>
+                      </a:schemeClr>
+                    </a:solidFill>
+                  </a:rPr>
+                  <a:t>Q</a:t>
+                </a:r>
+                <a:r>
+                  <a:rPr lang="en-US" baseline="-25000" dirty="0" err="1">
+                    <a:solidFill>
+                      <a:schemeClr val="accent6">
+                        <a:lumMod val="50000"/>
+                      </a:schemeClr>
+                    </a:solidFill>
+                  </a:rPr>
+                  <a:t>s</a:t>
+                </a:r>
+                <a:r>
+                  <a:rPr lang="en-US" dirty="0" err="1">
+                    <a:solidFill>
+                      <a:schemeClr val="accent6">
+                        <a:lumMod val="50000"/>
+                      </a:schemeClr>
+                    </a:solidFill>
+                  </a:rPr>
+                  <a:t>H</a:t>
+                </a:r>
+                <a:r>
+                  <a:rPr lang="en-US" dirty="0">
+                    <a:solidFill>
+                      <a:schemeClr val="accent6">
+                        <a:lumMod val="50000"/>
+                      </a:schemeClr>
+                    </a:solidFill>
+                  </a:rPr>
                   <a:t>*</a:t>
                 </a:r>
               </a:p>
               <a:p>
+                <a:pPr marL="0" indent="0">
+                  <a:buNone/>
+                </a:pPr>
                 <a:r>
                   <a:rPr lang="en-US" dirty="0"/>
-                  <a:t>D becomes D = </a:t>
-                </a:r>
-                <a:r>
-                  <a:rPr lang="en-US" dirty="0" err="1"/>
-                  <a:t>QsH</a:t>
+                  <a:t>   D </a:t>
+                </a:r>
+                <a:r>
+                  <a:rPr lang="en-US" dirty="0">
+                    <a:solidFill>
+                      <a:schemeClr val="accent1">
+                        <a:lumMod val="75000"/>
+                      </a:schemeClr>
+                    </a:solidFill>
+                  </a:rPr>
+                  <a:t>becomes</a:t>
                 </a:r>
                 <a:r>
                   <a:rPr lang="en-US" dirty="0"/>
+                  <a:t> </a:t>
+                </a:r>
+                <a:r>
+                  <a:rPr lang="en-US" dirty="0">
+                    <a:solidFill>
+                      <a:schemeClr val="accent6">
+                        <a:lumMod val="50000"/>
+                      </a:schemeClr>
+                    </a:solidFill>
+                  </a:rPr>
+                  <a:t>D = </a:t>
+                </a:r>
+                <a:r>
+                  <a:rPr lang="en-US" dirty="0" err="1">
+                    <a:solidFill>
+                      <a:schemeClr val="accent6">
+                        <a:lumMod val="50000"/>
+                      </a:schemeClr>
+                    </a:solidFill>
+                  </a:rPr>
+                  <a:t>Q</a:t>
+                </a:r>
+                <a:r>
+                  <a:rPr lang="en-US" baseline="-25000" dirty="0" err="1">
+                    <a:solidFill>
+                      <a:schemeClr val="accent6">
+                        <a:lumMod val="50000"/>
+                      </a:schemeClr>
+                    </a:solidFill>
+                  </a:rPr>
+                  <a:t>s</a:t>
+                </a:r>
+                <a:r>
+                  <a:rPr lang="en-US" dirty="0" err="1">
+                    <a:solidFill>
+                      <a:schemeClr val="accent6">
+                        <a:lumMod val="50000"/>
+                      </a:schemeClr>
+                    </a:solidFill>
+                  </a:rPr>
+                  <a:t>H</a:t>
+                </a:r>
+                <a:r>
+                  <a:rPr lang="en-US" dirty="0">
+                    <a:solidFill>
+                      <a:schemeClr val="accent6">
+                        <a:lumMod val="50000"/>
+                      </a:schemeClr>
+                    </a:solidFill>
+                  </a:rPr>
                   <a:t>*(</a:t>
                 </a:r>
                 <a:r>
-                  <a:rPr lang="en-US" dirty="0" err="1"/>
-                  <a:t>HQsH</a:t>
-                </a:r>
-                <a:r>
-                  <a:rPr lang="en-US" dirty="0"/>
-                  <a:t>* + Qv)</a:t>
-                </a:r>
-                <a:r>
-                  <a:rPr lang="en-US" baseline="30000" dirty="0"/>
+                  <a:rPr lang="en-US" dirty="0" err="1">
+                    <a:solidFill>
+                      <a:schemeClr val="accent6">
+                        <a:lumMod val="50000"/>
+                      </a:schemeClr>
+                    </a:solidFill>
+                  </a:rPr>
+                  <a:t>HQ</a:t>
+                </a:r>
+                <a:r>
+                  <a:rPr lang="en-US" baseline="-25000" dirty="0" err="1">
+                    <a:solidFill>
+                      <a:schemeClr val="accent6">
+                        <a:lumMod val="50000"/>
+                      </a:schemeClr>
+                    </a:solidFill>
+                  </a:rPr>
+                  <a:t>s</a:t>
+                </a:r>
+                <a:r>
+                  <a:rPr lang="en-US" dirty="0" err="1">
+                    <a:solidFill>
+                      <a:schemeClr val="accent6">
+                        <a:lumMod val="50000"/>
+                      </a:schemeClr>
+                    </a:solidFill>
+                  </a:rPr>
+                  <a:t>H</a:t>
+                </a:r>
+                <a:r>
+                  <a:rPr lang="en-US" dirty="0">
+                    <a:solidFill>
+                      <a:schemeClr val="accent6">
+                        <a:lumMod val="50000"/>
+                      </a:schemeClr>
+                    </a:solidFill>
+                  </a:rPr>
+                  <a:t>* + Q</a:t>
+                </a:r>
+                <a:r>
+                  <a:rPr lang="en-US" baseline="-25000" dirty="0">
+                    <a:solidFill>
+                      <a:schemeClr val="accent6">
+                        <a:lumMod val="50000"/>
+                      </a:schemeClr>
+                    </a:solidFill>
+                  </a:rPr>
+                  <a:t>v</a:t>
+                </a:r>
+                <a:r>
+                  <a:rPr lang="en-US" dirty="0">
+                    <a:solidFill>
+                      <a:schemeClr val="accent6">
+                        <a:lumMod val="50000"/>
+                      </a:schemeClr>
+                    </a:solidFill>
+                  </a:rPr>
+                  <a:t>)</a:t>
+                </a:r>
+                <a:r>
+                  <a:rPr lang="en-US" baseline="30000" dirty="0">
+                    <a:solidFill>
+                      <a:schemeClr val="accent6">
+                        <a:lumMod val="50000"/>
+                      </a:schemeClr>
+                    </a:solidFill>
+                  </a:rPr>
                   <a:t>-1 </a:t>
                 </a:r>
                 <a:r>
-                  <a:rPr lang="en-US" dirty="0"/>
+                  <a:rPr lang="en-US" dirty="0">
+                    <a:solidFill>
+                      <a:schemeClr val="accent6">
+                        <a:lumMod val="50000"/>
+                      </a:schemeClr>
+                    </a:solidFill>
+                  </a:rPr>
                   <a:t>= </a:t>
                 </a:r>
                 <a14:m>
@@ -24944,6 +27908,11 @@
                       <m:sSupPr>
                         <m:ctrlPr>
                           <a:rPr lang="en-US" b="0" i="1" smtClean="0">
+                            <a:solidFill>
+                              <a:schemeClr val="accent6">
+                                <a:lumMod val="50000"/>
+                              </a:schemeClr>
+                            </a:solidFill>
                             <a:latin typeface="Cambria Math" panose="02040503050406030204" pitchFamily="18" charset="0"/>
                           </a:rPr>
                         </m:ctrlPr>
@@ -24951,12 +27920,22 @@
                       <m:e>
                         <m:r>
                           <a:rPr lang="en-US" b="0" i="1" smtClean="0">
+                            <a:solidFill>
+                              <a:schemeClr val="accent6">
+                                <a:lumMod val="50000"/>
+                              </a:schemeClr>
+                            </a:solidFill>
                             <a:latin typeface="Cambria Math" panose="02040503050406030204" pitchFamily="18" charset="0"/>
                           </a:rPr>
                           <m:t>𝜎</m:t>
                         </m:r>
                         <m:r>
                           <a:rPr lang="en-US" b="0" i="1" baseline="-25000" smtClean="0">
+                            <a:solidFill>
+                              <a:schemeClr val="accent6">
+                                <a:lumMod val="50000"/>
+                              </a:schemeClr>
+                            </a:solidFill>
                             <a:latin typeface="Cambria Math" panose="02040503050406030204" pitchFamily="18" charset="0"/>
                           </a:rPr>
                           <m:t>𝑠</m:t>
@@ -24965,6 +27944,11 @@
                       <m:sup>
                         <m:r>
                           <a:rPr lang="en-US" b="0" i="1" smtClean="0">
+                            <a:solidFill>
+                              <a:schemeClr val="accent6">
+                                <a:lumMod val="50000"/>
+                              </a:schemeClr>
+                            </a:solidFill>
                             <a:latin typeface="Cambria Math" panose="02040503050406030204" pitchFamily="18" charset="0"/>
                           </a:rPr>
                           <m:t>2</m:t>
@@ -24973,6 +27957,11 @@
                     </m:sSup>
                     <m:r>
                       <a:rPr lang="en-US" b="0" i="1" smtClean="0">
+                        <a:solidFill>
+                          <a:schemeClr val="accent6">
+                            <a:lumMod val="50000"/>
+                          </a:schemeClr>
+                        </a:solidFill>
                         <a:latin typeface="Cambria Math" panose="02040503050406030204" pitchFamily="18" charset="0"/>
                       </a:rPr>
                       <m:t> </m:t>
@@ -24980,7 +27969,13 @@
                   </m:oMath>
                 </a14:m>
                 <a:r>
-                  <a:rPr lang="en-US" dirty="0"/>
+                  <a:rPr lang="en-US" dirty="0">
+                    <a:solidFill>
+                      <a:schemeClr val="accent6">
+                        <a:lumMod val="50000"/>
+                      </a:schemeClr>
+                    </a:solidFill>
+                  </a:rPr>
                   <a:t>H*(</a:t>
                 </a:r>
                 <a14:m>
@@ -24989,6 +27984,11 @@
                       <m:sSupPr>
                         <m:ctrlPr>
                           <a:rPr lang="en-US" i="1">
+                            <a:solidFill>
+                              <a:schemeClr val="accent6">
+                                <a:lumMod val="50000"/>
+                              </a:schemeClr>
+                            </a:solidFill>
                             <a:latin typeface="Cambria Math" panose="02040503050406030204" pitchFamily="18" charset="0"/>
                           </a:rPr>
                         </m:ctrlPr>
@@ -24996,12 +27996,22 @@
                       <m:e>
                         <m:r>
                           <a:rPr lang="en-US" i="1">
+                            <a:solidFill>
+                              <a:schemeClr val="accent6">
+                                <a:lumMod val="50000"/>
+                              </a:schemeClr>
+                            </a:solidFill>
                             <a:latin typeface="Cambria Math" panose="02040503050406030204" pitchFamily="18" charset="0"/>
                           </a:rPr>
                           <m:t>𝜎</m:t>
                         </m:r>
                         <m:r>
                           <a:rPr lang="en-US" i="1" baseline="-25000">
+                            <a:solidFill>
+                              <a:schemeClr val="accent6">
+                                <a:lumMod val="50000"/>
+                              </a:schemeClr>
+                            </a:solidFill>
                             <a:latin typeface="Cambria Math" panose="02040503050406030204" pitchFamily="18" charset="0"/>
                           </a:rPr>
                           <m:t>𝑠</m:t>
@@ -25010,6 +28020,11 @@
                       <m:sup>
                         <m:r>
                           <a:rPr lang="en-US" i="1">
+                            <a:solidFill>
+                              <a:schemeClr val="accent6">
+                                <a:lumMod val="50000"/>
+                              </a:schemeClr>
+                            </a:solidFill>
                             <a:latin typeface="Cambria Math" panose="02040503050406030204" pitchFamily="18" charset="0"/>
                           </a:rPr>
                           <m:t>2</m:t>
@@ -25018,6 +28033,11 @@
                     </m:sSup>
                     <m:r>
                       <a:rPr lang="en-US" i="1">
+                        <a:solidFill>
+                          <a:schemeClr val="accent6">
+                            <a:lumMod val="50000"/>
+                          </a:schemeClr>
+                        </a:solidFill>
                         <a:latin typeface="Cambria Math" panose="02040503050406030204" pitchFamily="18" charset="0"/>
                       </a:rPr>
                       <m:t> </m:t>
@@ -25025,7 +28045,13 @@
                   </m:oMath>
                 </a14:m>
                 <a:r>
-                  <a:rPr lang="en-US" dirty="0"/>
+                  <a:rPr lang="en-US" dirty="0">
+                    <a:solidFill>
+                      <a:schemeClr val="accent6">
+                        <a:lumMod val="50000"/>
+                      </a:schemeClr>
+                    </a:solidFill>
+                  </a:rPr>
                   <a:t>HH* + </a:t>
                 </a:r>
                 <a14:m>
@@ -25034,6 +28060,11 @@
                       <m:sSupPr>
                         <m:ctrlPr>
                           <a:rPr lang="en-US" i="1">
+                            <a:solidFill>
+                              <a:schemeClr val="accent6">
+                                <a:lumMod val="50000"/>
+                              </a:schemeClr>
+                            </a:solidFill>
                             <a:latin typeface="Cambria Math" panose="02040503050406030204" pitchFamily="18" charset="0"/>
                           </a:rPr>
                         </m:ctrlPr>
@@ -25041,12 +28072,22 @@
                       <m:e>
                         <m:r>
                           <a:rPr lang="en-US" i="1">
+                            <a:solidFill>
+                              <a:schemeClr val="accent6">
+                                <a:lumMod val="50000"/>
+                              </a:schemeClr>
+                            </a:solidFill>
                             <a:latin typeface="Cambria Math" panose="02040503050406030204" pitchFamily="18" charset="0"/>
                           </a:rPr>
                           <m:t>𝜎</m:t>
                         </m:r>
                         <m:r>
                           <a:rPr lang="en-US" i="1" baseline="-25000">
+                            <a:solidFill>
+                              <a:schemeClr val="accent6">
+                                <a:lumMod val="50000"/>
+                              </a:schemeClr>
+                            </a:solidFill>
                             <a:latin typeface="Cambria Math" panose="02040503050406030204" pitchFamily="18" charset="0"/>
                           </a:rPr>
                           <m:t>𝑣</m:t>
@@ -25055,6 +28096,11 @@
                       <m:sup>
                         <m:r>
                           <a:rPr lang="en-US" i="1">
+                            <a:solidFill>
+                              <a:schemeClr val="accent6">
+                                <a:lumMod val="50000"/>
+                              </a:schemeClr>
+                            </a:solidFill>
                             <a:latin typeface="Cambria Math" panose="02040503050406030204" pitchFamily="18" charset="0"/>
                           </a:rPr>
                           <m:t>2</m:t>
@@ -25066,6 +28112,11 @@
                         <m:sty m:val="p"/>
                       </m:rPr>
                       <a:rPr lang="en-US">
+                        <a:solidFill>
+                          <a:schemeClr val="accent6">
+                            <a:lumMod val="50000"/>
+                          </a:schemeClr>
+                        </a:solidFill>
                         <a:latin typeface="Cambria Math" panose="02040503050406030204" pitchFamily="18" charset="0"/>
                       </a:rPr>
                       <m:t>I</m:t>
@@ -25073,19 +28124,35 @@
                   </m:oMath>
                 </a14:m>
                 <a:r>
-                  <a:rPr lang="en-US" dirty="0"/>
+                  <a:rPr lang="en-US" dirty="0">
+                    <a:solidFill>
+                      <a:schemeClr val="accent6">
+                        <a:lumMod val="50000"/>
+                      </a:schemeClr>
+                    </a:solidFill>
+                  </a:rPr>
                   <a:t> ) = H*(HH* + </a:t>
                 </a:r>
                 <a14:m>
                   <m:oMath xmlns:m="http://schemas.openxmlformats.org/officeDocument/2006/math">
                     <m:r>
                       <a:rPr lang="en-US" b="0" i="1" smtClean="0">
+                        <a:solidFill>
+                          <a:schemeClr val="accent6">
+                            <a:lumMod val="50000"/>
+                          </a:schemeClr>
+                        </a:solidFill>
                         <a:latin typeface="Cambria Math" panose="02040503050406030204" pitchFamily="18" charset="0"/>
                       </a:rPr>
                       <m:t>𝛼</m:t>
                     </m:r>
                     <m:r>
                       <a:rPr lang="en-US" b="0" i="1" smtClean="0">
+                        <a:solidFill>
+                          <a:schemeClr val="accent6">
+                            <a:lumMod val="50000"/>
+                          </a:schemeClr>
+                        </a:solidFill>
                         <a:latin typeface="Cambria Math" panose="02040503050406030204" pitchFamily="18" charset="0"/>
                       </a:rPr>
                       <m:t>𝐼</m:t>
@@ -25093,11 +28160,23 @@
                   </m:oMath>
                 </a14:m>
                 <a:r>
-                  <a:rPr lang="en-US" dirty="0"/>
+                  <a:rPr lang="en-US" dirty="0">
+                    <a:solidFill>
+                      <a:schemeClr val="accent6">
+                        <a:lumMod val="50000"/>
+                      </a:schemeClr>
+                    </a:solidFill>
+                  </a:rPr>
                   <a:t>)</a:t>
                 </a:r>
                 <a:r>
-                  <a:rPr lang="en-US" baseline="30000" dirty="0"/>
+                  <a:rPr lang="en-US" baseline="30000" dirty="0">
+                    <a:solidFill>
+                      <a:schemeClr val="accent6">
+                        <a:lumMod val="50000"/>
+                      </a:schemeClr>
+                    </a:solidFill>
+                  </a:rPr>
                   <a:t>-1 </a:t>
                 </a:r>
                 <a:r>
@@ -25106,14 +28185,36 @@
                 </a:r>
               </a:p>
               <a:p>
+                <a:pPr marL="0" indent="0">
+                  <a:buNone/>
+                </a:pPr>
                 <a:r>
                   <a:rPr lang="en-US" dirty="0"/>
-                  <a:t>Where </a:t>
+                  <a:t>   </a:t>
+                </a:r>
+                <a:r>
+                  <a:rPr lang="en-US" dirty="0">
+                    <a:solidFill>
+                      <a:schemeClr val="accent1">
+                        <a:lumMod val="75000"/>
+                      </a:schemeClr>
+                    </a:solidFill>
+                  </a:rPr>
+                  <a:t>Where</a:t>
+                </a:r>
+                <a:r>
+                  <a:rPr lang="en-US" dirty="0"/>
+                  <a:t> </a:t>
                 </a:r>
                 <a14:m>
                   <m:oMath xmlns:m="http://schemas.openxmlformats.org/officeDocument/2006/math">
                     <m:r>
                       <a:rPr lang="en-US" b="0" i="1" smtClean="0">
+                        <a:solidFill>
+                          <a:schemeClr val="accent6">
+                            <a:lumMod val="50000"/>
+                          </a:schemeClr>
+                        </a:solidFill>
                         <a:latin typeface="Cambria Math" panose="02040503050406030204" pitchFamily="18" charset="0"/>
                       </a:rPr>
                       <m:t>𝛼</m:t>
@@ -25121,7 +28222,13 @@
                   </m:oMath>
                 </a14:m>
                 <a:r>
-                  <a:rPr lang="en-US" dirty="0"/>
+                  <a:rPr lang="en-US" dirty="0">
+                    <a:solidFill>
+                      <a:schemeClr val="accent6">
+                        <a:lumMod val="50000"/>
+                      </a:schemeClr>
+                    </a:solidFill>
+                  </a:rPr>
                   <a:t> = </a:t>
                 </a:r>
                 <a14:m>
@@ -25130,6 +28237,11 @@
                       <m:sSupPr>
                         <m:ctrlPr>
                           <a:rPr lang="en-US" i="1">
+                            <a:solidFill>
+                              <a:schemeClr val="accent6">
+                                <a:lumMod val="50000"/>
+                              </a:schemeClr>
+                            </a:solidFill>
                             <a:latin typeface="Cambria Math" panose="02040503050406030204" pitchFamily="18" charset="0"/>
                           </a:rPr>
                         </m:ctrlPr>
@@ -25137,12 +28249,22 @@
                       <m:e>
                         <m:r>
                           <a:rPr lang="en-US" i="1">
+                            <a:solidFill>
+                              <a:schemeClr val="accent6">
+                                <a:lumMod val="50000"/>
+                              </a:schemeClr>
+                            </a:solidFill>
                             <a:latin typeface="Cambria Math" panose="02040503050406030204" pitchFamily="18" charset="0"/>
                           </a:rPr>
                           <m:t>𝜎</m:t>
                         </m:r>
                         <m:r>
                           <a:rPr lang="en-US" i="1" baseline="-25000">
+                            <a:solidFill>
+                              <a:schemeClr val="accent6">
+                                <a:lumMod val="50000"/>
+                              </a:schemeClr>
+                            </a:solidFill>
                             <a:latin typeface="Cambria Math" panose="02040503050406030204" pitchFamily="18" charset="0"/>
                           </a:rPr>
                           <m:t>𝑣</m:t>
@@ -25151,6 +28273,11 @@
                       <m:sup>
                         <m:r>
                           <a:rPr lang="en-US" i="1">
+                            <a:solidFill>
+                              <a:schemeClr val="accent6">
+                                <a:lumMod val="50000"/>
+                              </a:schemeClr>
+                            </a:solidFill>
                             <a:latin typeface="Cambria Math" panose="02040503050406030204" pitchFamily="18" charset="0"/>
                           </a:rPr>
                           <m:t>2</m:t>
@@ -25160,7 +28287,13 @@
                   </m:oMath>
                 </a14:m>
                 <a:r>
-                  <a:rPr lang="en-US" dirty="0"/>
+                  <a:rPr lang="en-US" dirty="0">
+                    <a:solidFill>
+                      <a:schemeClr val="accent6">
+                        <a:lumMod val="50000"/>
+                      </a:schemeClr>
+                    </a:solidFill>
+                  </a:rPr>
                   <a:t> / </a:t>
                 </a:r>
                 <a14:m>
@@ -25169,6 +28302,11 @@
                       <m:sSupPr>
                         <m:ctrlPr>
                           <a:rPr lang="en-US" i="1">
+                            <a:solidFill>
+                              <a:schemeClr val="accent6">
+                                <a:lumMod val="50000"/>
+                              </a:schemeClr>
+                            </a:solidFill>
                             <a:latin typeface="Cambria Math" panose="02040503050406030204" pitchFamily="18" charset="0"/>
                           </a:rPr>
                         </m:ctrlPr>
@@ -25176,12 +28314,22 @@
                       <m:e>
                         <m:r>
                           <a:rPr lang="en-US" i="1">
+                            <a:solidFill>
+                              <a:schemeClr val="accent6">
+                                <a:lumMod val="50000"/>
+                              </a:schemeClr>
+                            </a:solidFill>
                             <a:latin typeface="Cambria Math" panose="02040503050406030204" pitchFamily="18" charset="0"/>
                           </a:rPr>
                           <m:t>𝜎</m:t>
                         </m:r>
                         <m:r>
                           <a:rPr lang="en-US" i="1" baseline="-25000">
+                            <a:solidFill>
+                              <a:schemeClr val="accent6">
+                                <a:lumMod val="50000"/>
+                              </a:schemeClr>
+                            </a:solidFill>
                             <a:latin typeface="Cambria Math" panose="02040503050406030204" pitchFamily="18" charset="0"/>
                           </a:rPr>
                           <m:t>𝑠</m:t>
@@ -25190,6 +28338,11 @@
                       <m:sup>
                         <m:r>
                           <a:rPr lang="en-US" i="1">
+                            <a:solidFill>
+                              <a:schemeClr val="accent6">
+                                <a:lumMod val="50000"/>
+                              </a:schemeClr>
+                            </a:solidFill>
                             <a:latin typeface="Cambria Math" panose="02040503050406030204" pitchFamily="18" charset="0"/>
                           </a:rPr>
                           <m:t>2</m:t>
@@ -25198,6 +28351,11 @@
                     </m:sSup>
                     <m:r>
                       <a:rPr lang="en-US" i="1">
+                        <a:solidFill>
+                          <a:schemeClr val="accent6">
+                            <a:lumMod val="50000"/>
+                          </a:schemeClr>
+                        </a:solidFill>
                         <a:latin typeface="Cambria Math" panose="02040503050406030204" pitchFamily="18" charset="0"/>
                       </a:rPr>
                       <m:t> </m:t>
@@ -25372,339 +28530,982 @@
               <a:p>
                 <a:r>
                   <a:rPr lang="en-US" dirty="0"/>
-                  <a:t>When using the Matrix Inversion Lemma and demanding that Qs and Qv must be                invertible and D can be rewritten as follows:</a:t>
+                  <a:t>When using the </a:t>
+                </a:r>
+                <a:r>
+                  <a:rPr lang="en-US" dirty="0">
+                    <a:solidFill>
+                      <a:schemeClr val="accent1">
+                        <a:lumMod val="75000"/>
+                      </a:schemeClr>
+                    </a:solidFill>
+                  </a:rPr>
+                  <a:t>Matrix Inversion Lemma </a:t>
+                </a:r>
+                <a:r>
+                  <a:rPr lang="en-US" dirty="0"/>
+                  <a:t>and </a:t>
+                </a:r>
+                <a:r>
+                  <a:rPr lang="en-US" dirty="0">
+                    <a:solidFill>
+                      <a:schemeClr val="accent1">
+                        <a:lumMod val="75000"/>
+                      </a:schemeClr>
+                    </a:solidFill>
+                  </a:rPr>
+                  <a:t>demanding</a:t>
+                </a:r>
+                <a:r>
+                  <a:rPr lang="en-US" dirty="0"/>
+                  <a:t> that Q</a:t>
+                </a:r>
+                <a:r>
+                  <a:rPr lang="en-US" baseline="-25000" dirty="0"/>
+                  <a:t>s</a:t>
+                </a:r>
+                <a:r>
+                  <a:rPr lang="en-US" dirty="0"/>
+                  <a:t> and Q</a:t>
+                </a:r>
+                <a:r>
+                  <a:rPr lang="en-US" baseline="-25000" dirty="0"/>
+                  <a:t>v</a:t>
+                </a:r>
+                <a:r>
+                  <a:rPr lang="en-US" dirty="0"/>
+                  <a:t> must be                </a:t>
+                </a:r>
+                <a:r>
+                  <a:rPr lang="en-US" dirty="0">
+                    <a:solidFill>
+                      <a:schemeClr val="accent1">
+                        <a:lumMod val="75000"/>
+                      </a:schemeClr>
+                    </a:solidFill>
+                  </a:rPr>
+                  <a:t>invertible</a:t>
+                </a:r>
+                <a:r>
+                  <a:rPr lang="en-US" dirty="0"/>
+                  <a:t> and D can be rewritten as follows:</a:t>
                 </a:r>
               </a:p>
               <a:p>
                 <a:r>
                   <a:rPr lang="en-US" dirty="0"/>
-                  <a:t> D = </a:t>
-                </a:r>
-                <a:r>
-                  <a:rPr lang="en-US" dirty="0" err="1"/>
-                  <a:t>QsH</a:t>
-                </a:r>
-                <a:r>
-                  <a:rPr lang="en-US" dirty="0"/>
-                  <a:t>*(Qv + </a:t>
-                </a:r>
-                <a:r>
-                  <a:rPr lang="en-US" dirty="0" err="1"/>
-                  <a:t>HQsH</a:t>
-                </a:r>
-                <a:r>
-                  <a:rPr lang="en-US" dirty="0"/>
+                  <a:t> </a:t>
+                </a:r>
+                <a:r>
+                  <a:rPr lang="en-US" dirty="0">
+                    <a:solidFill>
+                      <a:schemeClr val="accent6">
+                        <a:lumMod val="50000"/>
+                      </a:schemeClr>
+                    </a:solidFill>
+                  </a:rPr>
+                  <a:t>D = </a:t>
+                </a:r>
+                <a:r>
+                  <a:rPr lang="en-US" dirty="0" err="1">
+                    <a:solidFill>
+                      <a:schemeClr val="accent6">
+                        <a:lumMod val="50000"/>
+                      </a:schemeClr>
+                    </a:solidFill>
+                  </a:rPr>
+                  <a:t>Q</a:t>
+                </a:r>
+                <a:r>
+                  <a:rPr lang="en-US" baseline="-25000" dirty="0" err="1">
+                    <a:solidFill>
+                      <a:schemeClr val="accent6">
+                        <a:lumMod val="50000"/>
+                      </a:schemeClr>
+                    </a:solidFill>
+                  </a:rPr>
+                  <a:t>s</a:t>
+                </a:r>
+                <a:r>
+                  <a:rPr lang="en-US" dirty="0" err="1">
+                    <a:solidFill>
+                      <a:schemeClr val="accent6">
+                        <a:lumMod val="50000"/>
+                      </a:schemeClr>
+                    </a:solidFill>
+                  </a:rPr>
+                  <a:t>H</a:t>
+                </a:r>
+                <a:r>
+                  <a:rPr lang="en-US" dirty="0">
+                    <a:solidFill>
+                      <a:schemeClr val="accent6">
+                        <a:lumMod val="50000"/>
+                      </a:schemeClr>
+                    </a:solidFill>
+                  </a:rPr>
+                  <a:t>*(Q</a:t>
+                </a:r>
+                <a:r>
+                  <a:rPr lang="en-US" baseline="-25000" dirty="0">
+                    <a:solidFill>
+                      <a:schemeClr val="accent6">
+                        <a:lumMod val="50000"/>
+                      </a:schemeClr>
+                    </a:solidFill>
+                  </a:rPr>
+                  <a:t>v</a:t>
+                </a:r>
+                <a:r>
+                  <a:rPr lang="en-US" dirty="0">
+                    <a:solidFill>
+                      <a:schemeClr val="accent6">
+                        <a:lumMod val="50000"/>
+                      </a:schemeClr>
+                    </a:solidFill>
+                  </a:rPr>
+                  <a:t> + </a:t>
+                </a:r>
+                <a:r>
+                  <a:rPr lang="en-US" dirty="0" err="1">
+                    <a:solidFill>
+                      <a:schemeClr val="accent6">
+                        <a:lumMod val="50000"/>
+                      </a:schemeClr>
+                    </a:solidFill>
+                  </a:rPr>
+                  <a:t>HQ</a:t>
+                </a:r>
+                <a:r>
+                  <a:rPr lang="en-US" baseline="-25000" dirty="0" err="1">
+                    <a:solidFill>
+                      <a:schemeClr val="accent6">
+                        <a:lumMod val="50000"/>
+                      </a:schemeClr>
+                    </a:solidFill>
+                  </a:rPr>
+                  <a:t>s</a:t>
+                </a:r>
+                <a:r>
+                  <a:rPr lang="en-US" dirty="0" err="1">
+                    <a:solidFill>
+                      <a:schemeClr val="accent6">
+                        <a:lumMod val="50000"/>
+                      </a:schemeClr>
+                    </a:solidFill>
+                  </a:rPr>
+                  <a:t>H</a:t>
+                </a:r>
+                <a:r>
+                  <a:rPr lang="en-US" dirty="0">
+                    <a:solidFill>
+                      <a:schemeClr val="accent6">
+                        <a:lumMod val="50000"/>
+                      </a:schemeClr>
+                    </a:solidFill>
+                  </a:rPr>
                   <a:t>* )</a:t>
                 </a:r>
                 <a:r>
-                  <a:rPr lang="en-US" baseline="30000" dirty="0"/>
+                  <a:rPr lang="en-US" baseline="30000" dirty="0">
+                    <a:solidFill>
+                      <a:schemeClr val="accent6">
+                        <a:lumMod val="50000"/>
+                      </a:schemeClr>
+                    </a:solidFill>
+                  </a:rPr>
                   <a:t>-1</a:t>
                 </a:r>
                 <a:r>
-                  <a:rPr lang="en-US" dirty="0"/>
+                  <a:rPr lang="en-US" dirty="0">
+                    <a:solidFill>
+                      <a:schemeClr val="accent6">
+                        <a:lumMod val="50000"/>
+                      </a:schemeClr>
+                    </a:solidFill>
+                  </a:rPr>
                   <a:t> = </a:t>
                 </a:r>
                 <a:r>
-                  <a:rPr lang="en-US" baseline="30000" dirty="0"/>
+                  <a:rPr lang="en-US" baseline="30000" dirty="0">
+                    <a:solidFill>
+                      <a:schemeClr val="accent6">
+                        <a:lumMod val="50000"/>
+                      </a:schemeClr>
+                    </a:solidFill>
+                  </a:rPr>
                   <a:t> </a:t>
                 </a:r>
                 <a:r>
-                  <a:rPr lang="en-US" dirty="0" err="1"/>
-                  <a:t>QsH</a:t>
-                </a:r>
-                <a:r>
-                  <a:rPr lang="en-US" dirty="0"/>
+                  <a:rPr lang="en-US" dirty="0" err="1">
+                    <a:solidFill>
+                      <a:schemeClr val="accent6">
+                        <a:lumMod val="50000"/>
+                      </a:schemeClr>
+                    </a:solidFill>
+                  </a:rPr>
+                  <a:t>Q</a:t>
+                </a:r>
+                <a:r>
+                  <a:rPr lang="en-US" baseline="-25000" dirty="0" err="1">
+                    <a:solidFill>
+                      <a:schemeClr val="accent6">
+                        <a:lumMod val="50000"/>
+                      </a:schemeClr>
+                    </a:solidFill>
+                  </a:rPr>
+                  <a:t>s</a:t>
+                </a:r>
+                <a:r>
+                  <a:rPr lang="en-US" dirty="0" err="1">
+                    <a:solidFill>
+                      <a:schemeClr val="accent6">
+                        <a:lumMod val="50000"/>
+                      </a:schemeClr>
+                    </a:solidFill>
+                  </a:rPr>
+                  <a:t>H</a:t>
+                </a:r>
+                <a:r>
+                  <a:rPr lang="en-US" dirty="0">
+                    <a:solidFill>
+                      <a:schemeClr val="accent6">
+                        <a:lumMod val="50000"/>
+                      </a:schemeClr>
+                    </a:solidFill>
+                  </a:rPr>
                   <a:t>*(Q</a:t>
                 </a:r>
                 <a:r>
-                  <a:rPr lang="en-US" baseline="-25000" dirty="0"/>
+                  <a:rPr lang="en-US" baseline="-25000" dirty="0">
+                    <a:solidFill>
+                      <a:schemeClr val="accent6">
+                        <a:lumMod val="50000"/>
+                      </a:schemeClr>
+                    </a:solidFill>
+                  </a:rPr>
                   <a:t>v</a:t>
                 </a:r>
                 <a:r>
-                  <a:rPr lang="en-US" baseline="30000" dirty="0"/>
+                  <a:rPr lang="en-US" baseline="30000" dirty="0">
+                    <a:solidFill>
+                      <a:schemeClr val="accent6">
+                        <a:lumMod val="50000"/>
+                      </a:schemeClr>
+                    </a:solidFill>
+                  </a:rPr>
                   <a:t>-1</a:t>
                 </a:r>
                 <a:r>
-                  <a:rPr lang="en-US" dirty="0"/>
+                  <a:rPr lang="en-US" dirty="0">
+                    <a:solidFill>
+                      <a:schemeClr val="accent6">
+                        <a:lumMod val="50000"/>
+                      </a:schemeClr>
+                    </a:solidFill>
+                  </a:rPr>
                   <a:t> - Q</a:t>
                 </a:r>
                 <a:r>
-                  <a:rPr lang="en-US" baseline="-25000" dirty="0"/>
+                  <a:rPr lang="en-US" baseline="-25000" dirty="0">
+                    <a:solidFill>
+                      <a:schemeClr val="accent6">
+                        <a:lumMod val="50000"/>
+                      </a:schemeClr>
+                    </a:solidFill>
+                  </a:rPr>
                   <a:t>v</a:t>
                 </a:r>
                 <a:r>
-                  <a:rPr lang="en-US" baseline="30000" dirty="0"/>
+                  <a:rPr lang="en-US" baseline="30000" dirty="0">
+                    <a:solidFill>
+                      <a:schemeClr val="accent6">
+                        <a:lumMod val="50000"/>
+                      </a:schemeClr>
+                    </a:solidFill>
+                  </a:rPr>
                   <a:t>-1 </a:t>
                 </a:r>
                 <a:r>
-                  <a:rPr lang="en-US" dirty="0"/>
+                  <a:rPr lang="en-US" dirty="0">
+                    <a:solidFill>
+                      <a:schemeClr val="accent6">
+                        <a:lumMod val="50000"/>
+                      </a:schemeClr>
+                    </a:solidFill>
+                  </a:rPr>
                   <a:t>H(H* Q</a:t>
                 </a:r>
                 <a:r>
-                  <a:rPr lang="en-US" baseline="-25000" dirty="0"/>
+                  <a:rPr lang="en-US" baseline="-25000" dirty="0">
+                    <a:solidFill>
+                      <a:schemeClr val="accent6">
+                        <a:lumMod val="50000"/>
+                      </a:schemeClr>
+                    </a:solidFill>
+                  </a:rPr>
                   <a:t>v</a:t>
                 </a:r>
                 <a:r>
-                  <a:rPr lang="en-US" baseline="30000" dirty="0"/>
+                  <a:rPr lang="en-US" baseline="30000" dirty="0">
+                    <a:solidFill>
+                      <a:schemeClr val="accent6">
+                        <a:lumMod val="50000"/>
+                      </a:schemeClr>
+                    </a:solidFill>
+                  </a:rPr>
                   <a:t>-1 </a:t>
                 </a:r>
                 <a:r>
-                  <a:rPr lang="en-US" dirty="0"/>
+                  <a:rPr lang="en-US" dirty="0">
+                    <a:solidFill>
+                      <a:schemeClr val="accent6">
+                        <a:lumMod val="50000"/>
+                      </a:schemeClr>
+                    </a:solidFill>
+                  </a:rPr>
                   <a:t>H + Q</a:t>
                 </a:r>
                 <a:r>
-                  <a:rPr lang="en-US" baseline="-25000" dirty="0"/>
+                  <a:rPr lang="en-US" baseline="-25000" dirty="0">
+                    <a:solidFill>
+                      <a:schemeClr val="accent6">
+                        <a:lumMod val="50000"/>
+                      </a:schemeClr>
+                    </a:solidFill>
+                  </a:rPr>
                   <a:t>s</a:t>
                 </a:r>
                 <a:r>
-                  <a:rPr lang="en-US" baseline="30000" dirty="0"/>
+                  <a:rPr lang="en-US" baseline="30000" dirty="0">
+                    <a:solidFill>
+                      <a:schemeClr val="accent6">
+                        <a:lumMod val="50000"/>
+                      </a:schemeClr>
+                    </a:solidFill>
+                  </a:rPr>
                   <a:t>-1</a:t>
                 </a:r>
                 <a:r>
-                  <a:rPr lang="en-US" dirty="0"/>
+                  <a:rPr lang="en-US" dirty="0">
+                    <a:solidFill>
+                      <a:schemeClr val="accent6">
+                        <a:lumMod val="50000"/>
+                      </a:schemeClr>
+                    </a:solidFill>
+                  </a:rPr>
                   <a:t>)</a:t>
                 </a:r>
                 <a:r>
-                  <a:rPr lang="en-US" baseline="30000" dirty="0"/>
+                  <a:rPr lang="en-US" baseline="30000" dirty="0">
+                    <a:solidFill>
+                      <a:schemeClr val="accent6">
+                        <a:lumMod val="50000"/>
+                      </a:schemeClr>
+                    </a:solidFill>
+                  </a:rPr>
                   <a:t>-1</a:t>
                 </a:r>
                 <a:r>
-                  <a:rPr lang="en-US" dirty="0"/>
+                  <a:rPr lang="en-US" dirty="0">
+                    <a:solidFill>
+                      <a:schemeClr val="accent6">
+                        <a:lumMod val="50000"/>
+                      </a:schemeClr>
+                    </a:solidFill>
+                  </a:rPr>
                   <a:t> + H* Q</a:t>
                 </a:r>
                 <a:r>
-                  <a:rPr lang="en-US" baseline="-25000" dirty="0"/>
+                  <a:rPr lang="en-US" baseline="-25000" dirty="0">
+                    <a:solidFill>
+                      <a:schemeClr val="accent6">
+                        <a:lumMod val="50000"/>
+                      </a:schemeClr>
+                    </a:solidFill>
+                  </a:rPr>
                   <a:t>v</a:t>
                 </a:r>
                 <a:r>
-                  <a:rPr lang="en-US" baseline="30000" dirty="0"/>
+                  <a:rPr lang="en-US" baseline="30000" dirty="0">
+                    <a:solidFill>
+                      <a:schemeClr val="accent6">
+                        <a:lumMod val="50000"/>
+                      </a:schemeClr>
+                    </a:solidFill>
+                  </a:rPr>
                   <a:t>-1</a:t>
                 </a:r>
                 <a:r>
-                  <a:rPr lang="en-US" dirty="0"/>
+                  <a:rPr lang="en-US" dirty="0">
+                    <a:solidFill>
+                      <a:schemeClr val="accent6">
+                        <a:lumMod val="50000"/>
+                      </a:schemeClr>
+                    </a:solidFill>
+                  </a:rPr>
                   <a:t>)</a:t>
                 </a:r>
               </a:p>
               <a:p>
-                <a:r>
-                  <a:rPr lang="en-US" dirty="0"/>
-                  <a:t>                                           = (</a:t>
-                </a:r>
-                <a:r>
-                  <a:rPr lang="en-US" dirty="0" err="1"/>
+                <a:pPr marL="0" indent="0">
+                  <a:buNone/>
+                </a:pPr>
+                <a:r>
+                  <a:rPr lang="en-US" dirty="0">
+                    <a:solidFill>
+                      <a:schemeClr val="accent6">
+                        <a:lumMod val="50000"/>
+                      </a:schemeClr>
+                    </a:solidFill>
+                  </a:rPr>
+                  <a:t>                                             = (</a:t>
+                </a:r>
+                <a:r>
+                  <a:rPr lang="en-US" dirty="0" err="1">
+                    <a:solidFill>
+                      <a:schemeClr val="accent6">
+                        <a:lumMod val="50000"/>
+                      </a:schemeClr>
+                    </a:solidFill>
+                  </a:rPr>
                   <a:t>QsH</a:t>
                 </a:r>
                 <a:r>
-                  <a:rPr lang="en-US" dirty="0"/>
+                  <a:rPr lang="en-US" dirty="0">
+                    <a:solidFill>
+                      <a:schemeClr val="accent6">
+                        <a:lumMod val="50000"/>
+                      </a:schemeClr>
+                    </a:solidFill>
+                  </a:rPr>
                   <a:t>* Q</a:t>
                 </a:r>
                 <a:r>
-                  <a:rPr lang="en-US" baseline="-25000" dirty="0"/>
+                  <a:rPr lang="en-US" baseline="-25000" dirty="0">
+                    <a:solidFill>
+                      <a:schemeClr val="accent6">
+                        <a:lumMod val="50000"/>
+                      </a:schemeClr>
+                    </a:solidFill>
+                  </a:rPr>
                   <a:t>v</a:t>
                 </a:r>
                 <a:r>
-                  <a:rPr lang="en-US" baseline="30000" dirty="0"/>
+                  <a:rPr lang="en-US" baseline="30000" dirty="0">
+                    <a:solidFill>
+                      <a:schemeClr val="accent6">
+                        <a:lumMod val="50000"/>
+                      </a:schemeClr>
+                    </a:solidFill>
+                  </a:rPr>
                   <a:t>-1</a:t>
                 </a:r>
                 <a:r>
-                  <a:rPr lang="en-US" dirty="0"/>
+                  <a:rPr lang="en-US" dirty="0">
+                    <a:solidFill>
+                      <a:schemeClr val="accent6">
+                        <a:lumMod val="50000"/>
+                      </a:schemeClr>
+                    </a:solidFill>
+                  </a:rPr>
                   <a:t> – </a:t>
                 </a:r>
                 <a:r>
-                  <a:rPr lang="en-US" dirty="0" err="1"/>
+                  <a:rPr lang="en-US" dirty="0" err="1">
+                    <a:solidFill>
+                      <a:schemeClr val="accent6">
+                        <a:lumMod val="50000"/>
+                      </a:schemeClr>
+                    </a:solidFill>
+                  </a:rPr>
                   <a:t>QsH</a:t>
                 </a:r>
                 <a:r>
-                  <a:rPr lang="en-US" dirty="0"/>
+                  <a:rPr lang="en-US" dirty="0">
+                    <a:solidFill>
+                      <a:schemeClr val="accent6">
+                        <a:lumMod val="50000"/>
+                      </a:schemeClr>
+                    </a:solidFill>
+                  </a:rPr>
                   <a:t>* Q</a:t>
                 </a:r>
                 <a:r>
-                  <a:rPr lang="en-US" baseline="-25000" dirty="0"/>
+                  <a:rPr lang="en-US" baseline="-25000" dirty="0">
+                    <a:solidFill>
+                      <a:schemeClr val="accent6">
+                        <a:lumMod val="50000"/>
+                      </a:schemeClr>
+                    </a:solidFill>
+                  </a:rPr>
                   <a:t>v</a:t>
                 </a:r>
                 <a:r>
-                  <a:rPr lang="en-US" baseline="30000" dirty="0"/>
+                  <a:rPr lang="en-US" baseline="30000" dirty="0">
+                    <a:solidFill>
+                      <a:schemeClr val="accent6">
+                        <a:lumMod val="50000"/>
+                      </a:schemeClr>
+                    </a:solidFill>
+                  </a:rPr>
                   <a:t>-1 </a:t>
                 </a:r>
                 <a:r>
-                  <a:rPr lang="en-US" dirty="0"/>
+                  <a:rPr lang="en-US" dirty="0">
+                    <a:solidFill>
+                      <a:schemeClr val="accent6">
+                        <a:lumMod val="50000"/>
+                      </a:schemeClr>
+                    </a:solidFill>
+                  </a:rPr>
                   <a:t>H (H* Q</a:t>
                 </a:r>
                 <a:r>
-                  <a:rPr lang="en-US" baseline="-25000" dirty="0"/>
+                  <a:rPr lang="en-US" baseline="-25000" dirty="0">
+                    <a:solidFill>
+                      <a:schemeClr val="accent6">
+                        <a:lumMod val="50000"/>
+                      </a:schemeClr>
+                    </a:solidFill>
+                  </a:rPr>
                   <a:t>v</a:t>
                 </a:r>
                 <a:r>
-                  <a:rPr lang="en-US" baseline="30000" dirty="0"/>
+                  <a:rPr lang="en-US" baseline="30000" dirty="0">
+                    <a:solidFill>
+                      <a:schemeClr val="accent6">
+                        <a:lumMod val="50000"/>
+                      </a:schemeClr>
+                    </a:solidFill>
+                  </a:rPr>
                   <a:t>-1 </a:t>
                 </a:r>
                 <a:r>
-                  <a:rPr lang="en-US" dirty="0"/>
+                  <a:rPr lang="en-US" dirty="0">
+                    <a:solidFill>
+                      <a:schemeClr val="accent6">
+                        <a:lumMod val="50000"/>
+                      </a:schemeClr>
+                    </a:solidFill>
+                  </a:rPr>
                   <a:t>H + Q</a:t>
                 </a:r>
                 <a:r>
-                  <a:rPr lang="en-US" baseline="-25000" dirty="0"/>
+                  <a:rPr lang="en-US" baseline="-25000" dirty="0">
+                    <a:solidFill>
+                      <a:schemeClr val="accent6">
+                        <a:lumMod val="50000"/>
+                      </a:schemeClr>
+                    </a:solidFill>
+                  </a:rPr>
                   <a:t>s</a:t>
                 </a:r>
                 <a:r>
-                  <a:rPr lang="en-US" baseline="30000" dirty="0"/>
+                  <a:rPr lang="en-US" baseline="30000" dirty="0">
+                    <a:solidFill>
+                      <a:schemeClr val="accent6">
+                        <a:lumMod val="50000"/>
+                      </a:schemeClr>
+                    </a:solidFill>
+                  </a:rPr>
                   <a:t>-1</a:t>
                 </a:r>
                 <a:r>
-                  <a:rPr lang="en-US" dirty="0"/>
+                  <a:rPr lang="en-US" dirty="0">
+                    <a:solidFill>
+                      <a:schemeClr val="accent6">
+                        <a:lumMod val="50000"/>
+                      </a:schemeClr>
+                    </a:solidFill>
+                  </a:rPr>
                   <a:t>)</a:t>
                 </a:r>
                 <a:r>
-                  <a:rPr lang="en-US" baseline="30000" dirty="0"/>
+                  <a:rPr lang="en-US" baseline="30000" dirty="0">
+                    <a:solidFill>
+                      <a:schemeClr val="accent6">
+                        <a:lumMod val="50000"/>
+                      </a:schemeClr>
+                    </a:solidFill>
+                  </a:rPr>
                   <a:t>-1</a:t>
                 </a:r>
                 <a:r>
-                  <a:rPr lang="en-US" dirty="0"/>
+                  <a:rPr lang="en-US" dirty="0">
+                    <a:solidFill>
+                      <a:schemeClr val="accent6">
+                        <a:lumMod val="50000"/>
+                      </a:schemeClr>
+                    </a:solidFill>
+                  </a:rPr>
                   <a:t>)H* Q</a:t>
                 </a:r>
                 <a:r>
-                  <a:rPr lang="en-US" baseline="-25000" dirty="0"/>
+                  <a:rPr lang="en-US" baseline="-25000" dirty="0">
+                    <a:solidFill>
+                      <a:schemeClr val="accent6">
+                        <a:lumMod val="50000"/>
+                      </a:schemeClr>
+                    </a:solidFill>
+                  </a:rPr>
                   <a:t>v</a:t>
                 </a:r>
                 <a:r>
-                  <a:rPr lang="en-US" baseline="30000" dirty="0"/>
+                  <a:rPr lang="en-US" baseline="30000" dirty="0">
+                    <a:solidFill>
+                      <a:schemeClr val="accent6">
+                        <a:lumMod val="50000"/>
+                      </a:schemeClr>
+                    </a:solidFill>
+                  </a:rPr>
                   <a:t>-1 </a:t>
                 </a:r>
-                <a:endParaRPr lang="en-US" dirty="0"/>
+                <a:endParaRPr lang="en-US" dirty="0">
+                  <a:solidFill>
+                    <a:schemeClr val="accent6">
+                      <a:lumMod val="50000"/>
+                    </a:schemeClr>
+                  </a:solidFill>
+                </a:endParaRPr>
               </a:p>
               <a:p>
-                <a:r>
-                  <a:rPr lang="en-US" dirty="0"/>
-                  <a:t>                                         = (Qs(H* Q</a:t>
-                </a:r>
-                <a:r>
-                  <a:rPr lang="en-US" baseline="-25000" dirty="0"/>
+                <a:pPr marL="0" indent="0">
+                  <a:buNone/>
+                </a:pPr>
+                <a:r>
+                  <a:rPr lang="en-US" dirty="0">
+                    <a:solidFill>
+                      <a:schemeClr val="accent6">
+                        <a:lumMod val="50000"/>
+                      </a:schemeClr>
+                    </a:solidFill>
+                  </a:rPr>
+                  <a:t>                                          = (Qs(H* Q</a:t>
+                </a:r>
+                <a:r>
+                  <a:rPr lang="en-US" baseline="-25000" dirty="0">
+                    <a:solidFill>
+                      <a:schemeClr val="accent6">
+                        <a:lumMod val="50000"/>
+                      </a:schemeClr>
+                    </a:solidFill>
+                  </a:rPr>
                   <a:t>v</a:t>
                 </a:r>
                 <a:r>
-                  <a:rPr lang="en-US" baseline="30000" dirty="0"/>
+                  <a:rPr lang="en-US" baseline="30000" dirty="0">
+                    <a:solidFill>
+                      <a:schemeClr val="accent6">
+                        <a:lumMod val="50000"/>
+                      </a:schemeClr>
+                    </a:solidFill>
+                  </a:rPr>
                   <a:t>-1 </a:t>
                 </a:r>
                 <a:r>
-                  <a:rPr lang="en-US" dirty="0"/>
+                  <a:rPr lang="en-US" dirty="0">
+                    <a:solidFill>
+                      <a:schemeClr val="accent6">
+                        <a:lumMod val="50000"/>
+                      </a:schemeClr>
+                    </a:solidFill>
+                  </a:rPr>
                   <a:t>H + Q</a:t>
                 </a:r>
                 <a:r>
-                  <a:rPr lang="en-US" baseline="-25000" dirty="0"/>
+                  <a:rPr lang="en-US" baseline="-25000" dirty="0">
+                    <a:solidFill>
+                      <a:schemeClr val="accent6">
+                        <a:lumMod val="50000"/>
+                      </a:schemeClr>
+                    </a:solidFill>
+                  </a:rPr>
                   <a:t>s</a:t>
                 </a:r>
                 <a:r>
-                  <a:rPr lang="en-US" baseline="30000" dirty="0"/>
+                  <a:rPr lang="en-US" baseline="30000" dirty="0">
+                    <a:solidFill>
+                      <a:schemeClr val="accent6">
+                        <a:lumMod val="50000"/>
+                      </a:schemeClr>
+                    </a:solidFill>
+                  </a:rPr>
                   <a:t>-1</a:t>
                 </a:r>
                 <a:r>
-                  <a:rPr lang="en-US" dirty="0"/>
+                  <a:rPr lang="en-US" dirty="0">
+                    <a:solidFill>
+                      <a:schemeClr val="accent6">
+                        <a:lumMod val="50000"/>
+                      </a:schemeClr>
+                    </a:solidFill>
+                  </a:rPr>
                   <a:t>)-Qs H* Q</a:t>
                 </a:r>
                 <a:r>
-                  <a:rPr lang="en-US" baseline="-25000" dirty="0"/>
+                  <a:rPr lang="en-US" baseline="-25000" dirty="0">
+                    <a:solidFill>
+                      <a:schemeClr val="accent6">
+                        <a:lumMod val="50000"/>
+                      </a:schemeClr>
+                    </a:solidFill>
+                  </a:rPr>
                   <a:t>v</a:t>
                 </a:r>
                 <a:r>
-                  <a:rPr lang="en-US" baseline="30000" dirty="0"/>
+                  <a:rPr lang="en-US" baseline="30000" dirty="0">
+                    <a:solidFill>
+                      <a:schemeClr val="accent6">
+                        <a:lumMod val="50000"/>
+                      </a:schemeClr>
+                    </a:solidFill>
+                  </a:rPr>
                   <a:t>-1 </a:t>
                 </a:r>
                 <a:r>
-                  <a:rPr lang="en-US" dirty="0"/>
+                  <a:rPr lang="en-US" dirty="0">
+                    <a:solidFill>
+                      <a:schemeClr val="accent6">
+                        <a:lumMod val="50000"/>
+                      </a:schemeClr>
+                    </a:solidFill>
+                  </a:rPr>
                   <a:t>H ) (H* Q</a:t>
                 </a:r>
                 <a:r>
-                  <a:rPr lang="en-US" baseline="-25000" dirty="0"/>
+                  <a:rPr lang="en-US" baseline="-25000" dirty="0">
+                    <a:solidFill>
+                      <a:schemeClr val="accent6">
+                        <a:lumMod val="50000"/>
+                      </a:schemeClr>
+                    </a:solidFill>
+                  </a:rPr>
                   <a:t>v</a:t>
                 </a:r>
                 <a:r>
-                  <a:rPr lang="en-US" baseline="30000" dirty="0"/>
+                  <a:rPr lang="en-US" baseline="30000" dirty="0">
+                    <a:solidFill>
+                      <a:schemeClr val="accent6">
+                        <a:lumMod val="50000"/>
+                      </a:schemeClr>
+                    </a:solidFill>
+                  </a:rPr>
                   <a:t>-1 </a:t>
                 </a:r>
                 <a:r>
-                  <a:rPr lang="en-US" dirty="0"/>
+                  <a:rPr lang="en-US" dirty="0">
+                    <a:solidFill>
+                      <a:schemeClr val="accent6">
+                        <a:lumMod val="50000"/>
+                      </a:schemeClr>
+                    </a:solidFill>
+                  </a:rPr>
                   <a:t>H + Q</a:t>
                 </a:r>
                 <a:r>
-                  <a:rPr lang="en-US" baseline="-25000" dirty="0"/>
+                  <a:rPr lang="en-US" baseline="-25000" dirty="0">
+                    <a:solidFill>
+                      <a:schemeClr val="accent6">
+                        <a:lumMod val="50000"/>
+                      </a:schemeClr>
+                    </a:solidFill>
+                  </a:rPr>
                   <a:t>s</a:t>
                 </a:r>
                 <a:r>
-                  <a:rPr lang="en-US" baseline="30000" dirty="0"/>
+                  <a:rPr lang="en-US" baseline="30000" dirty="0">
+                    <a:solidFill>
+                      <a:schemeClr val="accent6">
+                        <a:lumMod val="50000"/>
+                      </a:schemeClr>
+                    </a:solidFill>
+                  </a:rPr>
                   <a:t>-1</a:t>
                 </a:r>
                 <a:r>
-                  <a:rPr lang="en-US" dirty="0"/>
+                  <a:rPr lang="en-US" dirty="0">
+                    <a:solidFill>
+                      <a:schemeClr val="accent6">
+                        <a:lumMod val="50000"/>
+                      </a:schemeClr>
+                    </a:solidFill>
+                  </a:rPr>
                   <a:t>)</a:t>
                 </a:r>
                 <a:r>
-                  <a:rPr lang="en-US" baseline="30000" dirty="0"/>
+                  <a:rPr lang="en-US" baseline="30000" dirty="0">
+                    <a:solidFill>
+                      <a:schemeClr val="accent6">
+                        <a:lumMod val="50000"/>
+                      </a:schemeClr>
+                    </a:solidFill>
+                  </a:rPr>
                   <a:t>-1 </a:t>
                 </a:r>
                 <a:r>
-                  <a:rPr lang="en-US" dirty="0"/>
+                  <a:rPr lang="en-US" dirty="0">
+                    <a:solidFill>
+                      <a:schemeClr val="accent6">
+                        <a:lumMod val="50000"/>
+                      </a:schemeClr>
+                    </a:solidFill>
+                  </a:rPr>
                   <a:t>H* Q</a:t>
                 </a:r>
                 <a:r>
-                  <a:rPr lang="en-US" baseline="-25000" dirty="0"/>
+                  <a:rPr lang="en-US" baseline="-25000" dirty="0">
+                    <a:solidFill>
+                      <a:schemeClr val="accent6">
+                        <a:lumMod val="50000"/>
+                      </a:schemeClr>
+                    </a:solidFill>
+                  </a:rPr>
                   <a:t>v</a:t>
                 </a:r>
                 <a:r>
-                  <a:rPr lang="en-US" baseline="30000" dirty="0"/>
+                  <a:rPr lang="en-US" baseline="30000" dirty="0">
+                    <a:solidFill>
+                      <a:schemeClr val="accent6">
+                        <a:lumMod val="50000"/>
+                      </a:schemeClr>
+                    </a:solidFill>
+                  </a:rPr>
                   <a:t>-1</a:t>
                 </a:r>
                 <a:r>
-                  <a:rPr lang="en-US" dirty="0"/>
+                  <a:rPr lang="en-US" dirty="0">
+                    <a:solidFill>
+                      <a:schemeClr val="accent6">
+                        <a:lumMod val="50000"/>
+                      </a:schemeClr>
+                    </a:solidFill>
+                  </a:rPr>
                   <a:t>,</a:t>
                 </a:r>
               </a:p>
               <a:p>
-                <a:r>
-                  <a:rPr lang="en-US" dirty="0"/>
+                <a:pPr marL="0" indent="0">
+                  <a:buNone/>
+                </a:pPr>
+                <a:r>
+                  <a:rPr lang="en-US" dirty="0">
+                    <a:solidFill>
+                      <a:schemeClr val="accent6">
+                        <a:lumMod val="50000"/>
+                      </a:schemeClr>
+                    </a:solidFill>
+                  </a:rPr>
                   <a:t>                                  = (H* Q</a:t>
                 </a:r>
                 <a:r>
-                  <a:rPr lang="en-US" baseline="-25000" dirty="0"/>
+                  <a:rPr lang="en-US" baseline="-25000" dirty="0">
+                    <a:solidFill>
+                      <a:schemeClr val="accent6">
+                        <a:lumMod val="50000"/>
+                      </a:schemeClr>
+                    </a:solidFill>
+                  </a:rPr>
                   <a:t>v</a:t>
                 </a:r>
                 <a:r>
-                  <a:rPr lang="en-US" baseline="30000" dirty="0"/>
+                  <a:rPr lang="en-US" baseline="30000" dirty="0">
+                    <a:solidFill>
+                      <a:schemeClr val="accent6">
+                        <a:lumMod val="50000"/>
+                      </a:schemeClr>
+                    </a:solidFill>
+                  </a:rPr>
                   <a:t>-1 </a:t>
                 </a:r>
                 <a:r>
-                  <a:rPr lang="en-US" dirty="0"/>
+                  <a:rPr lang="en-US" dirty="0">
+                    <a:solidFill>
+                      <a:schemeClr val="accent6">
+                        <a:lumMod val="50000"/>
+                      </a:schemeClr>
+                    </a:solidFill>
+                  </a:rPr>
                   <a:t>H + Q</a:t>
                 </a:r>
                 <a:r>
-                  <a:rPr lang="en-US" baseline="-25000" dirty="0"/>
+                  <a:rPr lang="en-US" baseline="-25000" dirty="0">
+                    <a:solidFill>
+                      <a:schemeClr val="accent6">
+                        <a:lumMod val="50000"/>
+                      </a:schemeClr>
+                    </a:solidFill>
+                  </a:rPr>
                   <a:t>s</a:t>
                 </a:r>
                 <a:r>
-                  <a:rPr lang="en-US" baseline="30000" dirty="0"/>
+                  <a:rPr lang="en-US" baseline="30000" dirty="0">
+                    <a:solidFill>
+                      <a:schemeClr val="accent6">
+                        <a:lumMod val="50000"/>
+                      </a:schemeClr>
+                    </a:solidFill>
+                  </a:rPr>
                   <a:t>-1</a:t>
                 </a:r>
                 <a:r>
-                  <a:rPr lang="en-US" dirty="0"/>
+                  <a:rPr lang="en-US" dirty="0">
+                    <a:solidFill>
+                      <a:schemeClr val="accent6">
+                        <a:lumMod val="50000"/>
+                      </a:schemeClr>
+                    </a:solidFill>
+                  </a:rPr>
                   <a:t>)</a:t>
                 </a:r>
                 <a:r>
-                  <a:rPr lang="en-US" baseline="30000" dirty="0"/>
+                  <a:rPr lang="en-US" baseline="30000" dirty="0">
+                    <a:solidFill>
+                      <a:schemeClr val="accent6">
+                        <a:lumMod val="50000"/>
+                      </a:schemeClr>
+                    </a:solidFill>
+                  </a:rPr>
                   <a:t>-1 </a:t>
                 </a:r>
                 <a:r>
-                  <a:rPr lang="en-US" dirty="0"/>
+                  <a:rPr lang="en-US" dirty="0">
+                    <a:solidFill>
+                      <a:schemeClr val="accent6">
+                        <a:lumMod val="50000"/>
+                      </a:schemeClr>
+                    </a:solidFill>
+                  </a:rPr>
                   <a:t>H* Q</a:t>
                 </a:r>
                 <a:r>
-                  <a:rPr lang="en-US" baseline="-25000" dirty="0"/>
+                  <a:rPr lang="en-US" baseline="-25000" dirty="0">
+                    <a:solidFill>
+                      <a:schemeClr val="accent6">
+                        <a:lumMod val="50000"/>
+                      </a:schemeClr>
+                    </a:solidFill>
+                  </a:rPr>
                   <a:t>v</a:t>
                 </a:r>
                 <a:r>
-                  <a:rPr lang="en-US" baseline="30000" dirty="0"/>
+                  <a:rPr lang="en-US" baseline="30000" dirty="0">
+                    <a:solidFill>
+                      <a:schemeClr val="accent6">
+                        <a:lumMod val="50000"/>
+                      </a:schemeClr>
+                    </a:solidFill>
+                  </a:rPr>
                   <a:t>-1 </a:t>
                 </a:r>
                 <a:r>
-                  <a:rPr lang="en-US" dirty="0"/>
+                  <a:rPr lang="en-US" dirty="0">
+                    <a:solidFill>
+                      <a:schemeClr val="accent6">
+                        <a:lumMod val="50000"/>
+                      </a:schemeClr>
+                    </a:solidFill>
+                  </a:rPr>
                   <a:t>= (</a:t>
                 </a:r>
                 <a14:m>
@@ -25713,6 +29514,11 @@
                       <m:fPr>
                         <m:ctrlPr>
                           <a:rPr lang="en-US" i="1" smtClean="0">
+                            <a:solidFill>
+                              <a:schemeClr val="accent6">
+                                <a:lumMod val="50000"/>
+                              </a:schemeClr>
+                            </a:solidFill>
                             <a:latin typeface="Cambria Math" panose="02040503050406030204" pitchFamily="18" charset="0"/>
                           </a:rPr>
                         </m:ctrlPr>
@@ -25720,6 +29526,11 @@
                       <m:num>
                         <m:r>
                           <a:rPr lang="en-US" b="0" i="1" smtClean="0">
+                            <a:solidFill>
+                              <a:schemeClr val="accent6">
+                                <a:lumMod val="50000"/>
+                              </a:schemeClr>
+                            </a:solidFill>
                             <a:latin typeface="Cambria Math" panose="02040503050406030204" pitchFamily="18" charset="0"/>
                           </a:rPr>
                           <m:t>1</m:t>
@@ -25730,6 +29541,11 @@
                           <m:sSupPr>
                             <m:ctrlPr>
                               <a:rPr lang="en-US" i="1">
+                                <a:solidFill>
+                                  <a:schemeClr val="accent6">
+                                    <a:lumMod val="50000"/>
+                                  </a:schemeClr>
+                                </a:solidFill>
                                 <a:latin typeface="Cambria Math" panose="02040503050406030204" pitchFamily="18" charset="0"/>
                               </a:rPr>
                             </m:ctrlPr>
@@ -25737,12 +29553,22 @@
                           <m:e>
                             <m:r>
                               <a:rPr lang="en-US" i="1">
+                                <a:solidFill>
+                                  <a:schemeClr val="accent6">
+                                    <a:lumMod val="50000"/>
+                                  </a:schemeClr>
+                                </a:solidFill>
                                 <a:latin typeface="Cambria Math" panose="02040503050406030204" pitchFamily="18" charset="0"/>
                               </a:rPr>
                               <m:t>𝜎</m:t>
                             </m:r>
                             <m:r>
                               <a:rPr lang="en-US" i="1" baseline="-25000">
+                                <a:solidFill>
+                                  <a:schemeClr val="accent6">
+                                    <a:lumMod val="50000"/>
+                                  </a:schemeClr>
+                                </a:solidFill>
                                 <a:latin typeface="Cambria Math" panose="02040503050406030204" pitchFamily="18" charset="0"/>
                               </a:rPr>
                               <m:t>𝑣</m:t>
@@ -25751,6 +29577,11 @@
                           <m:sup>
                             <m:r>
                               <a:rPr lang="en-US" i="1">
+                                <a:solidFill>
+                                  <a:schemeClr val="accent6">
+                                    <a:lumMod val="50000"/>
+                                  </a:schemeClr>
+                                </a:solidFill>
                                 <a:latin typeface="Cambria Math" panose="02040503050406030204" pitchFamily="18" charset="0"/>
                               </a:rPr>
                               <m:t>2</m:t>
@@ -25762,7 +29593,13 @@
                   </m:oMath>
                 </a14:m>
                 <a:r>
-                  <a:rPr lang="en-US" dirty="0"/>
+                  <a:rPr lang="en-US" dirty="0">
+                    <a:solidFill>
+                      <a:schemeClr val="accent6">
+                        <a:lumMod val="50000"/>
+                      </a:schemeClr>
+                    </a:solidFill>
+                  </a:rPr>
                   <a:t>H*H + </a:t>
                 </a:r>
                 <a14:m>
@@ -25771,6 +29608,11 @@
                       <m:fPr>
                         <m:ctrlPr>
                           <a:rPr lang="en-US" i="1" smtClean="0">
+                            <a:solidFill>
+                              <a:schemeClr val="accent6">
+                                <a:lumMod val="50000"/>
+                              </a:schemeClr>
+                            </a:solidFill>
                             <a:latin typeface="Cambria Math" panose="02040503050406030204" pitchFamily="18" charset="0"/>
                           </a:rPr>
                         </m:ctrlPr>
@@ -25778,6 +29620,11 @@
                       <m:num>
                         <m:r>
                           <a:rPr lang="en-US" b="0" i="1" smtClean="0">
+                            <a:solidFill>
+                              <a:schemeClr val="accent6">
+                                <a:lumMod val="50000"/>
+                              </a:schemeClr>
+                            </a:solidFill>
                             <a:latin typeface="Cambria Math" panose="02040503050406030204" pitchFamily="18" charset="0"/>
                           </a:rPr>
                           <m:t>1</m:t>
@@ -25788,6 +29635,11 @@
                           <m:sSupPr>
                             <m:ctrlPr>
                               <a:rPr lang="en-US" i="1">
+                                <a:solidFill>
+                                  <a:schemeClr val="accent6">
+                                    <a:lumMod val="50000"/>
+                                  </a:schemeClr>
+                                </a:solidFill>
                                 <a:latin typeface="Cambria Math" panose="02040503050406030204" pitchFamily="18" charset="0"/>
                               </a:rPr>
                             </m:ctrlPr>
@@ -25795,12 +29647,22 @@
                           <m:e>
                             <m:r>
                               <a:rPr lang="en-US" i="1">
+                                <a:solidFill>
+                                  <a:schemeClr val="accent6">
+                                    <a:lumMod val="50000"/>
+                                  </a:schemeClr>
+                                </a:solidFill>
                                 <a:latin typeface="Cambria Math" panose="02040503050406030204" pitchFamily="18" charset="0"/>
                               </a:rPr>
                               <m:t>𝜎</m:t>
                             </m:r>
                             <m:r>
                               <a:rPr lang="en-US" i="1" baseline="-25000">
+                                <a:solidFill>
+                                  <a:schemeClr val="accent6">
+                                    <a:lumMod val="50000"/>
+                                  </a:schemeClr>
+                                </a:solidFill>
                                 <a:latin typeface="Cambria Math" panose="02040503050406030204" pitchFamily="18" charset="0"/>
                               </a:rPr>
                               <m:t>𝑠</m:t>
@@ -25809,6 +29671,11 @@
                           <m:sup>
                             <m:r>
                               <a:rPr lang="en-US" i="1">
+                                <a:solidFill>
+                                  <a:schemeClr val="accent6">
+                                    <a:lumMod val="50000"/>
+                                  </a:schemeClr>
+                                </a:solidFill>
                                 <a:latin typeface="Cambria Math" panose="02040503050406030204" pitchFamily="18" charset="0"/>
                               </a:rPr>
                               <m:t>2</m:t>
@@ -25820,11 +29687,23 @@
                   </m:oMath>
                 </a14:m>
                 <a:r>
-                  <a:rPr lang="en-US" dirty="0"/>
+                  <a:rPr lang="en-US" dirty="0">
+                    <a:solidFill>
+                      <a:schemeClr val="accent6">
+                        <a:lumMod val="50000"/>
+                      </a:schemeClr>
+                    </a:solidFill>
+                  </a:rPr>
                   <a:t>I)</a:t>
                 </a:r>
                 <a:r>
-                  <a:rPr lang="en-US" baseline="30000" dirty="0"/>
+                  <a:rPr lang="en-US" baseline="30000" dirty="0">
+                    <a:solidFill>
+                      <a:schemeClr val="accent6">
+                        <a:lumMod val="50000"/>
+                      </a:schemeClr>
+                    </a:solidFill>
+                  </a:rPr>
                   <a:t>-1 </a:t>
                 </a:r>
                 <a14:m>
@@ -25833,6 +29712,11 @@
                       <m:fPr>
                         <m:ctrlPr>
                           <a:rPr lang="en-US" i="1" smtClean="0">
+                            <a:solidFill>
+                              <a:schemeClr val="accent6">
+                                <a:lumMod val="50000"/>
+                              </a:schemeClr>
+                            </a:solidFill>
                             <a:latin typeface="Cambria Math" panose="02040503050406030204" pitchFamily="18" charset="0"/>
                           </a:rPr>
                         </m:ctrlPr>
@@ -25840,6 +29724,11 @@
                       <m:num>
                         <m:r>
                           <a:rPr lang="en-US" b="0" i="1" smtClean="0">
+                            <a:solidFill>
+                              <a:schemeClr val="accent6">
+                                <a:lumMod val="50000"/>
+                              </a:schemeClr>
+                            </a:solidFill>
                             <a:latin typeface="Cambria Math" panose="02040503050406030204" pitchFamily="18" charset="0"/>
                           </a:rPr>
                           <m:t>1</m:t>
@@ -25850,6 +29739,11 @@
                           <m:sSupPr>
                             <m:ctrlPr>
                               <a:rPr lang="en-US" i="1">
+                                <a:solidFill>
+                                  <a:schemeClr val="accent6">
+                                    <a:lumMod val="50000"/>
+                                  </a:schemeClr>
+                                </a:solidFill>
                                 <a:latin typeface="Cambria Math" panose="02040503050406030204" pitchFamily="18" charset="0"/>
                               </a:rPr>
                             </m:ctrlPr>
@@ -25857,12 +29751,22 @@
                           <m:e>
                             <m:r>
                               <a:rPr lang="en-US" i="1">
+                                <a:solidFill>
+                                  <a:schemeClr val="accent6">
+                                    <a:lumMod val="50000"/>
+                                  </a:schemeClr>
+                                </a:solidFill>
                                 <a:latin typeface="Cambria Math" panose="02040503050406030204" pitchFamily="18" charset="0"/>
                               </a:rPr>
                               <m:t>𝜎</m:t>
                             </m:r>
                             <m:r>
                               <a:rPr lang="en-US" i="1" baseline="-25000">
+                                <a:solidFill>
+                                  <a:schemeClr val="accent6">
+                                    <a:lumMod val="50000"/>
+                                  </a:schemeClr>
+                                </a:solidFill>
                                 <a:latin typeface="Cambria Math" panose="02040503050406030204" pitchFamily="18" charset="0"/>
                               </a:rPr>
                               <m:t>𝑣</m:t>
@@ -25871,6 +29775,11 @@
                           <m:sup>
                             <m:r>
                               <a:rPr lang="en-US" i="1">
+                                <a:solidFill>
+                                  <a:schemeClr val="accent6">
+                                    <a:lumMod val="50000"/>
+                                  </a:schemeClr>
+                                </a:solidFill>
                                 <a:latin typeface="Cambria Math" panose="02040503050406030204" pitchFamily="18" charset="0"/>
                               </a:rPr>
                               <m:t>2</m:t>
@@ -25882,19 +29791,35 @@
                   </m:oMath>
                 </a14:m>
                 <a:r>
-                  <a:rPr lang="en-US" dirty="0"/>
+                  <a:rPr lang="en-US" dirty="0">
+                    <a:solidFill>
+                      <a:schemeClr val="accent6">
+                        <a:lumMod val="50000"/>
+                      </a:schemeClr>
+                    </a:solidFill>
+                  </a:rPr>
                   <a:t>H* = H*(HH* + </a:t>
                 </a:r>
                 <a14:m>
                   <m:oMath xmlns:m="http://schemas.openxmlformats.org/officeDocument/2006/math">
                     <m:r>
                       <a:rPr lang="en-US" i="1">
+                        <a:solidFill>
+                          <a:schemeClr val="accent6">
+                            <a:lumMod val="50000"/>
+                          </a:schemeClr>
+                        </a:solidFill>
                         <a:latin typeface="Cambria Math" panose="02040503050406030204" pitchFamily="18" charset="0"/>
                       </a:rPr>
                       <m:t>𝛼</m:t>
                     </m:r>
                     <m:r>
                       <a:rPr lang="en-US" i="1">
+                        <a:solidFill>
+                          <a:schemeClr val="accent6">
+                            <a:lumMod val="50000"/>
+                          </a:schemeClr>
+                        </a:solidFill>
                         <a:latin typeface="Cambria Math" panose="02040503050406030204" pitchFamily="18" charset="0"/>
                       </a:rPr>
                       <m:t>𝐼</m:t>
@@ -25902,29 +29827,68 @@
                   </m:oMath>
                 </a14:m>
                 <a:r>
-                  <a:rPr lang="en-US" dirty="0"/>
+                  <a:rPr lang="en-US" dirty="0">
+                    <a:solidFill>
+                      <a:schemeClr val="accent6">
+                        <a:lumMod val="50000"/>
+                      </a:schemeClr>
+                    </a:solidFill>
+                  </a:rPr>
                   <a:t>)</a:t>
                 </a:r>
                 <a:r>
-                  <a:rPr lang="en-US" baseline="30000" dirty="0"/>
+                  <a:rPr lang="en-US" baseline="30000" dirty="0">
+                    <a:solidFill>
+                      <a:schemeClr val="accent6">
+                        <a:lumMod val="50000"/>
+                      </a:schemeClr>
+                    </a:solidFill>
+                  </a:rPr>
                   <a:t>-1</a:t>
                 </a:r>
               </a:p>
               <a:p>
+                <a:pPr marL="0" indent="0">
+                  <a:buNone/>
+                </a:pPr>
                 <a:r>
                   <a:rPr lang="en-US" dirty="0"/>
-                  <a:t> Where </a:t>
+                  <a:t>       </a:t>
+                </a:r>
+                <a:r>
+                  <a:rPr lang="en-US" dirty="0">
+                    <a:solidFill>
+                      <a:schemeClr val="accent1">
+                        <a:lumMod val="75000"/>
+                      </a:schemeClr>
+                    </a:solidFill>
+                  </a:rPr>
+                  <a:t>Where</a:t>
+                </a:r>
+                <a:r>
+                  <a:rPr lang="en-US" dirty="0"/>
+                  <a:t> </a:t>
                 </a:r>
                 <a14:m>
                   <m:oMath xmlns:m="http://schemas.openxmlformats.org/officeDocument/2006/math">
                     <m:r>
-                      <a:rPr lang="en-US" i="1">
+                      <a:rPr lang="en-US" i="1" smtClean="0">
+                        <a:solidFill>
+                          <a:schemeClr val="accent6">
+                            <a:lumMod val="50000"/>
+                          </a:schemeClr>
+                        </a:solidFill>
                         <a:latin typeface="Cambria Math" panose="02040503050406030204" pitchFamily="18" charset="0"/>
                       </a:rPr>
                       <m:t>𝛼</m:t>
                     </m:r>
                     <m:r>
-                      <a:rPr lang="en-US" i="1">
+                      <a:rPr lang="en-US" i="1" smtClean="0">
+                        <a:solidFill>
+                          <a:schemeClr val="accent6">
+                            <a:lumMod val="50000"/>
+                          </a:schemeClr>
+                        </a:solidFill>
                         <a:latin typeface="Cambria Math" panose="02040503050406030204" pitchFamily="18" charset="0"/>
                       </a:rPr>
                       <m:t> </m:t>
@@ -25932,7 +29896,13 @@
                   </m:oMath>
                 </a14:m>
                 <a:r>
-                  <a:rPr lang="en-US" dirty="0"/>
+                  <a:rPr lang="en-US" dirty="0">
+                    <a:solidFill>
+                      <a:schemeClr val="accent6">
+                        <a:lumMod val="50000"/>
+                      </a:schemeClr>
+                    </a:solidFill>
+                  </a:rPr>
                   <a:t>= </a:t>
                 </a:r>
                 <a14:m>
@@ -25941,6 +29911,11 @@
                       <m:sSupPr>
                         <m:ctrlPr>
                           <a:rPr lang="en-US" i="1">
+                            <a:solidFill>
+                              <a:schemeClr val="accent6">
+                                <a:lumMod val="50000"/>
+                              </a:schemeClr>
+                            </a:solidFill>
                             <a:latin typeface="Cambria Math" panose="02040503050406030204" pitchFamily="18" charset="0"/>
                           </a:rPr>
                         </m:ctrlPr>
@@ -25948,12 +29923,22 @@
                       <m:e>
                         <m:r>
                           <a:rPr lang="en-US" i="1">
+                            <a:solidFill>
+                              <a:schemeClr val="accent6">
+                                <a:lumMod val="50000"/>
+                              </a:schemeClr>
+                            </a:solidFill>
                             <a:latin typeface="Cambria Math" panose="02040503050406030204" pitchFamily="18" charset="0"/>
                           </a:rPr>
                           <m:t>𝜎</m:t>
                         </m:r>
                         <m:r>
                           <a:rPr lang="en-US" i="1" baseline="-25000">
+                            <a:solidFill>
+                              <a:schemeClr val="accent6">
+                                <a:lumMod val="50000"/>
+                              </a:schemeClr>
+                            </a:solidFill>
                             <a:latin typeface="Cambria Math" panose="02040503050406030204" pitchFamily="18" charset="0"/>
                           </a:rPr>
                           <m:t>𝑣</m:t>
@@ -25962,6 +29947,11 @@
                       <m:sup>
                         <m:r>
                           <a:rPr lang="en-US" i="1">
+                            <a:solidFill>
+                              <a:schemeClr val="accent6">
+                                <a:lumMod val="50000"/>
+                              </a:schemeClr>
+                            </a:solidFill>
                             <a:latin typeface="Cambria Math" panose="02040503050406030204" pitchFamily="18" charset="0"/>
                           </a:rPr>
                           <m:t>2</m:t>
@@ -25971,7 +29961,13 @@
                   </m:oMath>
                 </a14:m>
                 <a:r>
-                  <a:rPr lang="en-US" dirty="0"/>
+                  <a:rPr lang="en-US" dirty="0">
+                    <a:solidFill>
+                      <a:schemeClr val="accent6">
+                        <a:lumMod val="50000"/>
+                      </a:schemeClr>
+                    </a:solidFill>
+                  </a:rPr>
                   <a:t> / </a:t>
                 </a:r>
                 <a14:m>
@@ -25980,6 +29976,11 @@
                       <m:sSupPr>
                         <m:ctrlPr>
                           <a:rPr lang="en-US" i="1">
+                            <a:solidFill>
+                              <a:schemeClr val="accent6">
+                                <a:lumMod val="50000"/>
+                              </a:schemeClr>
+                            </a:solidFill>
                             <a:latin typeface="Cambria Math" panose="02040503050406030204" pitchFamily="18" charset="0"/>
                           </a:rPr>
                         </m:ctrlPr>
@@ -25987,12 +29988,22 @@
                       <m:e>
                         <m:r>
                           <a:rPr lang="en-US" i="1">
+                            <a:solidFill>
+                              <a:schemeClr val="accent6">
+                                <a:lumMod val="50000"/>
+                              </a:schemeClr>
+                            </a:solidFill>
                             <a:latin typeface="Cambria Math" panose="02040503050406030204" pitchFamily="18" charset="0"/>
                           </a:rPr>
                           <m:t>𝜎</m:t>
                         </m:r>
                         <m:r>
                           <a:rPr lang="en-US" i="1" baseline="-25000">
+                            <a:solidFill>
+                              <a:schemeClr val="accent6">
+                                <a:lumMod val="50000"/>
+                              </a:schemeClr>
+                            </a:solidFill>
                             <a:latin typeface="Cambria Math" panose="02040503050406030204" pitchFamily="18" charset="0"/>
                           </a:rPr>
                           <m:t>𝑠</m:t>
@@ -26001,6 +30012,11 @@
                       <m:sup>
                         <m:r>
                           <a:rPr lang="en-US" i="1">
+                            <a:solidFill>
+                              <a:schemeClr val="accent6">
+                                <a:lumMod val="50000"/>
+                              </a:schemeClr>
+                            </a:solidFill>
                             <a:latin typeface="Cambria Math" panose="02040503050406030204" pitchFamily="18" charset="0"/>
                           </a:rPr>
                           <m:t>2</m:t>
@@ -26009,6 +30025,11 @@
                     </m:sSup>
                     <m:r>
                       <a:rPr lang="en-US" i="1" smtClean="0">
+                        <a:solidFill>
+                          <a:schemeClr val="accent6">
+                            <a:lumMod val="50000"/>
+                          </a:schemeClr>
+                        </a:solidFill>
                         <a:latin typeface="Cambria Math" panose="02040503050406030204" pitchFamily="18" charset="0"/>
                         <a:ea typeface="Cambria Math" panose="02040503050406030204" pitchFamily="18" charset="0"/>
                       </a:rPr>
@@ -26017,19 +30038,37 @@
                   </m:oMath>
                 </a14:m>
                 <a:r>
+                  <a:rPr lang="en-US" dirty="0">
+                    <a:solidFill>
+                      <a:schemeClr val="accent6">
+                        <a:lumMod val="50000"/>
+                      </a:schemeClr>
+                    </a:solidFill>
+                  </a:rPr>
+                  <a:t>0</a:t>
+                </a:r>
+                <a:r>
                   <a:rPr lang="en-US" dirty="0"/>
-                  <a:t>0.</a:t>
+                  <a:t>.</a:t>
                 </a:r>
               </a:p>
               <a:p>
+                <a:pPr marL="0" indent="0">
+                  <a:buNone/>
+                </a:pPr>
                 <a:r>
                   <a:rPr lang="en-US" dirty="0"/>
-                  <a:t>If </a:t>
+                  <a:t>     If </a:t>
                 </a:r>
                 <a14:m>
                   <m:oMath xmlns:m="http://schemas.openxmlformats.org/officeDocument/2006/math">
                     <m:r>
                       <a:rPr lang="en-US" i="1" smtClean="0">
+                        <a:solidFill>
+                          <a:schemeClr val="accent1">
+                            <a:lumMod val="75000"/>
+                          </a:schemeClr>
+                        </a:solidFill>
                         <a:latin typeface="Cambria Math" panose="02040503050406030204" pitchFamily="18" charset="0"/>
                       </a:rPr>
                       <m:t>𝛼</m:t>
@@ -26037,25 +30076,72 @@
                   </m:oMath>
                 </a14:m>
                 <a:r>
+                  <a:rPr lang="en-US" dirty="0">
+                    <a:solidFill>
+                      <a:schemeClr val="accent1">
+                        <a:lumMod val="75000"/>
+                      </a:schemeClr>
+                    </a:solidFill>
+                  </a:rPr>
+                  <a:t> = 0 </a:t>
+                </a:r>
+                <a:r>
                   <a:rPr lang="en-US" dirty="0"/>
-                  <a:t> = 0 we obtain the zero forcing solution.</a:t>
+                  <a:t>we obtain the </a:t>
+                </a:r>
+                <a:r>
+                  <a:rPr lang="en-US" dirty="0">
+                    <a:solidFill>
+                      <a:schemeClr val="accent1">
+                        <a:lumMod val="75000"/>
+                      </a:schemeClr>
+                    </a:solidFill>
+                  </a:rPr>
+                  <a:t>zero-forcing</a:t>
+                </a:r>
+                <a:r>
+                  <a:rPr lang="en-US" dirty="0"/>
+                  <a:t> solution.</a:t>
                 </a:r>
               </a:p>
               <a:p>
+                <a:pPr marL="0" indent="0">
+                  <a:buNone/>
+                </a:pPr>
                 <a:r>
                   <a:rPr lang="en-US" dirty="0"/>
-                  <a:t>So it must be equal to : D = H*(HH* + </a:t>
+                  <a:t>     So, it must be equal to : </a:t>
+                </a:r>
+                <a:r>
+                  <a:rPr lang="en-US" dirty="0">
+                    <a:solidFill>
+                      <a:schemeClr val="accent6">
+                        <a:lumMod val="50000"/>
+                      </a:schemeClr>
+                    </a:solidFill>
+                  </a:rPr>
+                  <a:t>D = H*(HH* + </a:t>
                 </a:r>
                 <a14:m>
                   <m:oMath xmlns:m="http://schemas.openxmlformats.org/officeDocument/2006/math">
                     <m:r>
                       <a:rPr lang="en-US" i="1">
+                        <a:solidFill>
+                          <a:schemeClr val="accent6">
+                            <a:lumMod val="50000"/>
+                          </a:schemeClr>
+                        </a:solidFill>
                         <a:latin typeface="Cambria Math" panose="02040503050406030204" pitchFamily="18" charset="0"/>
                       </a:rPr>
                       <m:t>𝛼</m:t>
                     </m:r>
                     <m:r>
                       <a:rPr lang="en-US" i="1">
+                        <a:solidFill>
+                          <a:schemeClr val="accent6">
+                            <a:lumMod val="50000"/>
+                          </a:schemeClr>
+                        </a:solidFill>
                         <a:latin typeface="Cambria Math" panose="02040503050406030204" pitchFamily="18" charset="0"/>
                       </a:rPr>
                       <m:t>𝐼</m:t>
@@ -26063,21 +30149,44 @@
                   </m:oMath>
                 </a14:m>
                 <a:r>
-                  <a:rPr lang="en-US" dirty="0"/>
+                  <a:rPr lang="en-US" dirty="0">
+                    <a:solidFill>
+                      <a:schemeClr val="accent6">
+                        <a:lumMod val="50000"/>
+                      </a:schemeClr>
+                    </a:solidFill>
+                  </a:rPr>
                   <a:t>)</a:t>
                 </a:r>
                 <a:r>
-                  <a:rPr lang="en-US" baseline="30000" dirty="0"/>
+                  <a:rPr lang="en-US" baseline="30000" dirty="0">
+                    <a:solidFill>
+                      <a:schemeClr val="accent6">
+                        <a:lumMod val="50000"/>
+                      </a:schemeClr>
+                    </a:solidFill>
+                  </a:rPr>
                   <a:t>-1</a:t>
                 </a:r>
                 <a:r>
-                  <a:rPr lang="en-US" dirty="0"/>
+                  <a:rPr lang="en-US" dirty="0">
+                    <a:solidFill>
+                      <a:schemeClr val="accent6">
+                        <a:lumMod val="50000"/>
+                      </a:schemeClr>
+                    </a:solidFill>
+                  </a:rPr>
                   <a:t>, </a:t>
                 </a:r>
                 <a14:m>
                   <m:oMath xmlns:m="http://schemas.openxmlformats.org/officeDocument/2006/math">
                     <m:r>
                       <a:rPr lang="en-US" i="1">
+                        <a:solidFill>
+                          <a:schemeClr val="accent6">
+                            <a:lumMod val="50000"/>
+                          </a:schemeClr>
+                        </a:solidFill>
                         <a:latin typeface="Cambria Math" panose="02040503050406030204" pitchFamily="18" charset="0"/>
                       </a:rPr>
                       <m:t>𝛼</m:t>
@@ -26085,13 +30194,24 @@
                   </m:oMath>
                 </a14:m>
                 <a:r>
-                  <a:rPr lang="en-US" dirty="0"/>
+                  <a:rPr lang="en-US" dirty="0">
+                    <a:solidFill>
+                      <a:schemeClr val="accent6">
+                        <a:lumMod val="50000"/>
+                      </a:schemeClr>
+                    </a:solidFill>
+                  </a:rPr>
                   <a:t> </a:t>
                 </a:r>
                 <a14:m>
                   <m:oMath xmlns:m="http://schemas.openxmlformats.org/officeDocument/2006/math">
                     <m:r>
                       <a:rPr lang="en-US" i="1">
+                        <a:solidFill>
+                          <a:schemeClr val="accent6">
+                            <a:lumMod val="50000"/>
+                          </a:schemeClr>
+                        </a:solidFill>
                         <a:latin typeface="Cambria Math" panose="02040503050406030204" pitchFamily="18" charset="0"/>
                         <a:ea typeface="Cambria Math" panose="02040503050406030204" pitchFamily="18" charset="0"/>
                       </a:rPr>
@@ -26100,21 +30220,47 @@
                   </m:oMath>
                 </a14:m>
                 <a:r>
-                  <a:rPr lang="en-US" dirty="0"/>
+                  <a:rPr lang="en-US" dirty="0">
+                    <a:solidFill>
+                      <a:schemeClr val="accent6">
+                        <a:lumMod val="50000"/>
+                      </a:schemeClr>
+                    </a:solidFill>
+                  </a:rPr>
                   <a:t>0</a:t>
                 </a:r>
               </a:p>
               <a:p>
+                <a:pPr marL="0" indent="0">
+                  <a:buNone/>
+                </a:pPr>
                 <a:r>
                   <a:rPr lang="en-US" dirty="0"/>
-                  <a:t>Where </a:t>
-                </a:r>
-              </a:p>
-              <a:p>
+                  <a:t>      </a:t>
+                </a:r>
+                <a:r>
+                  <a:rPr lang="en-US" dirty="0">
+                    <a:solidFill>
+                      <a:schemeClr val="accent1">
+                        <a:lumMod val="75000"/>
+                      </a:schemeClr>
+                    </a:solidFill>
+                  </a:rPr>
+                  <a:t>Where</a:t>
+                </a:r>
+                <a:r>
+                  <a:rPr lang="en-US" dirty="0"/>
+                  <a:t> </a:t>
+                </a:r>
                 <a14:m>
                   <m:oMath xmlns:m="http://schemas.openxmlformats.org/officeDocument/2006/math">
                     <m:r>
                       <a:rPr lang="en-US" b="0" i="1" smtClean="0">
+                        <a:solidFill>
+                          <a:schemeClr val="accent6">
+                            <a:lumMod val="50000"/>
+                          </a:schemeClr>
+                        </a:solidFill>
                         <a:latin typeface="Cambria Math" panose="02040503050406030204" pitchFamily="18" charset="0"/>
                       </a:rPr>
                       <m:t>𝛼</m:t>
@@ -26136,7 +30282,12 @@
                     <m:sSup>
                       <m:sSupPr>
                         <m:ctrlPr>
-                          <a:rPr lang="en-US" i="1">
+                          <a:rPr lang="en-US" i="1" smtClean="0">
+                            <a:solidFill>
+                              <a:schemeClr val="accent6">
+                                <a:lumMod val="50000"/>
+                              </a:schemeClr>
+                            </a:solidFill>
                             <a:latin typeface="Cambria Math" panose="02040503050406030204" pitchFamily="18" charset="0"/>
                           </a:rPr>
                         </m:ctrlPr>
@@ -26144,12 +30295,22 @@
                       <m:e>
                         <m:r>
                           <a:rPr lang="en-US" i="1">
+                            <a:solidFill>
+                              <a:schemeClr val="accent6">
+                                <a:lumMod val="50000"/>
+                              </a:schemeClr>
+                            </a:solidFill>
                             <a:latin typeface="Cambria Math" panose="02040503050406030204" pitchFamily="18" charset="0"/>
                           </a:rPr>
                           <m:t>𝜎</m:t>
                         </m:r>
                         <m:r>
                           <a:rPr lang="en-US" i="1" baseline="-25000">
+                            <a:solidFill>
+                              <a:schemeClr val="accent6">
+                                <a:lumMod val="50000"/>
+                              </a:schemeClr>
+                            </a:solidFill>
                             <a:latin typeface="Cambria Math" panose="02040503050406030204" pitchFamily="18" charset="0"/>
                           </a:rPr>
                           <m:t>𝑣</m:t>
@@ -26158,6 +30319,11 @@
                       <m:sup>
                         <m:r>
                           <a:rPr lang="en-US" i="1">
+                            <a:solidFill>
+                              <a:schemeClr val="accent6">
+                                <a:lumMod val="50000"/>
+                              </a:schemeClr>
+                            </a:solidFill>
                             <a:latin typeface="Cambria Math" panose="02040503050406030204" pitchFamily="18" charset="0"/>
                           </a:rPr>
                           <m:t>2</m:t>
@@ -26167,7 +30333,13 @@
                   </m:oMath>
                 </a14:m>
                 <a:r>
-                  <a:rPr lang="en-US" dirty="0"/>
+                  <a:rPr lang="en-US" dirty="0">
+                    <a:solidFill>
+                      <a:schemeClr val="accent6">
+                        <a:lumMod val="50000"/>
+                      </a:schemeClr>
+                    </a:solidFill>
+                  </a:rPr>
                   <a:t> / </a:t>
                 </a:r>
                 <a14:m>
@@ -26176,6 +30348,11 @@
                       <m:sSupPr>
                         <m:ctrlPr>
                           <a:rPr lang="en-US" i="1">
+                            <a:solidFill>
+                              <a:schemeClr val="accent6">
+                                <a:lumMod val="50000"/>
+                              </a:schemeClr>
+                            </a:solidFill>
                             <a:latin typeface="Cambria Math" panose="02040503050406030204" pitchFamily="18" charset="0"/>
                           </a:rPr>
                         </m:ctrlPr>
@@ -26183,12 +30360,22 @@
                       <m:e>
                         <m:r>
                           <a:rPr lang="en-US" i="1">
+                            <a:solidFill>
+                              <a:schemeClr val="accent6">
+                                <a:lumMod val="50000"/>
+                              </a:schemeClr>
+                            </a:solidFill>
                             <a:latin typeface="Cambria Math" panose="02040503050406030204" pitchFamily="18" charset="0"/>
                           </a:rPr>
                           <m:t>𝜎</m:t>
                         </m:r>
                         <m:r>
                           <a:rPr lang="en-US" i="1" baseline="-25000">
+                            <a:solidFill>
+                              <a:schemeClr val="accent6">
+                                <a:lumMod val="50000"/>
+                              </a:schemeClr>
+                            </a:solidFill>
                             <a:latin typeface="Cambria Math" panose="02040503050406030204" pitchFamily="18" charset="0"/>
                           </a:rPr>
                           <m:t>𝑠</m:t>
@@ -26197,6 +30384,11 @@
                       <m:sup>
                         <m:r>
                           <a:rPr lang="en-US" i="1">
+                            <a:solidFill>
+                              <a:schemeClr val="accent6">
+                                <a:lumMod val="50000"/>
+                              </a:schemeClr>
+                            </a:solidFill>
                             <a:latin typeface="Cambria Math" panose="02040503050406030204" pitchFamily="18" charset="0"/>
                           </a:rPr>
                           <m:t>2</m:t>
@@ -26206,7 +30398,13 @@
                   </m:oMath>
                 </a14:m>
                 <a:r>
-                  <a:rPr lang="en-US" dirty="0"/>
+                  <a:rPr lang="en-US" dirty="0">
+                    <a:solidFill>
+                      <a:schemeClr val="accent6">
+                        <a:lumMod val="50000"/>
+                      </a:schemeClr>
+                    </a:solidFill>
+                  </a:rPr>
                   <a:t> = </a:t>
                 </a:r>
                 <a14:m>
@@ -26215,6 +30413,11 @@
                       <m:fPr>
                         <m:ctrlPr>
                           <a:rPr lang="en-US" b="0" i="1" smtClean="0">
+                            <a:solidFill>
+                              <a:schemeClr val="accent6">
+                                <a:lumMod val="50000"/>
+                              </a:schemeClr>
+                            </a:solidFill>
                             <a:latin typeface="Cambria Math" panose="02040503050406030204" pitchFamily="18" charset="0"/>
                           </a:rPr>
                         </m:ctrlPr>
@@ -26222,6 +30425,11 @@
                       <m:num>
                         <m:r>
                           <a:rPr lang="en-US" b="0" i="1" smtClean="0">
+                            <a:solidFill>
+                              <a:schemeClr val="accent6">
+                                <a:lumMod val="50000"/>
+                              </a:schemeClr>
+                            </a:solidFill>
                             <a:latin typeface="Cambria Math" panose="02040503050406030204" pitchFamily="18" charset="0"/>
                           </a:rPr>
                           <m:t>𝑁𝑡</m:t>
@@ -26230,6 +30438,11 @@
                       <m:den>
                         <m:r>
                           <a:rPr lang="en-US" b="0" i="1" smtClean="0">
+                            <a:solidFill>
+                              <a:schemeClr val="accent6">
+                                <a:lumMod val="50000"/>
+                              </a:schemeClr>
+                            </a:solidFill>
                             <a:latin typeface="Cambria Math" panose="02040503050406030204" pitchFamily="18" charset="0"/>
                           </a:rPr>
                           <m:t>𝜌</m:t>
@@ -26247,20 +30460,61 @@
                 <a:endParaRPr lang="en-US" dirty="0"/>
               </a:p>
               <a:p>
+                <a:pPr marL="0" indent="0">
+                  <a:buNone/>
+                </a:pPr>
                 <a:r>
                   <a:rPr lang="en-US" dirty="0"/>
-                  <a:t>It becomes clear that the ZF solution corresponds to an MMSE solution with </a:t>
+                  <a:t>    It becomes clear that the ZF solution </a:t>
+                </a:r>
+                <a:r>
+                  <a:rPr lang="en-US" dirty="0">
+                    <a:solidFill>
+                      <a:schemeClr val="accent1">
+                        <a:lumMod val="75000"/>
+                      </a:schemeClr>
+                    </a:solidFill>
+                  </a:rPr>
+                  <a:t>corresponds</a:t>
+                </a:r>
+                <a:r>
+                  <a:rPr lang="en-US" dirty="0"/>
+                  <a:t> to an </a:t>
+                </a:r>
+                <a:r>
+                  <a:rPr lang="en-US" dirty="0">
+                    <a:solidFill>
+                      <a:schemeClr val="accent1">
+                        <a:lumMod val="75000"/>
+                      </a:schemeClr>
+                    </a:solidFill>
+                  </a:rPr>
+                  <a:t>MMSE</a:t>
+                </a:r>
+                <a:r>
+                  <a:rPr lang="en-US" dirty="0"/>
+                  <a:t> solution with </a:t>
                 </a:r>
                 <a14:m>
                   <m:oMath xmlns:m="http://schemas.openxmlformats.org/officeDocument/2006/math">
                     <m:r>
                       <a:rPr lang="en-US" b="0" i="1" smtClean="0">
+                        <a:solidFill>
+                          <a:schemeClr val="accent6">
+                            <a:lumMod val="50000"/>
+                          </a:schemeClr>
+                        </a:solidFill>
                         <a:latin typeface="Cambria Math" panose="02040503050406030204" pitchFamily="18" charset="0"/>
                       </a:rPr>
                       <m:t>𝛼</m:t>
                     </m:r>
                     <m:r>
                       <a:rPr lang="en-US" b="0" i="1" smtClean="0">
+                        <a:solidFill>
+                          <a:schemeClr val="accent6">
+                            <a:lumMod val="50000"/>
+                          </a:schemeClr>
+                        </a:solidFill>
                         <a:latin typeface="Cambria Math" panose="02040503050406030204" pitchFamily="18" charset="0"/>
                       </a:rPr>
                       <m:t>=0</m:t>
@@ -26297,7 +30551,7 @@
               <a:blipFill>
                 <a:blip r:embed="rId3"/>
                 <a:stretch>
-                  <a:fillRect l="-522" t="-1256" r="-1797" b="-3643"/>
+                  <a:fillRect l="-522" t="-1256" r="-986"/>
                 </a:stretch>
               </a:blipFill>
             </p:spPr>

--- a/SDM.pptx
+++ b/SDM.pptx
@@ -5,7 +5,7 @@
     <p:sldMasterId id="2147483648" r:id="rId1"/>
   </p:sldMasterIdLst>
   <p:notesMasterIdLst>
-    <p:notesMasterId r:id="rId36"/>
+    <p:notesMasterId r:id="rId42"/>
   </p:notesMasterIdLst>
   <p:sldIdLst>
     <p:sldId id="1596" r:id="rId2"/>
@@ -41,7 +41,13 @@
     <p:sldId id="1626" r:id="rId32"/>
     <p:sldId id="1627" r:id="rId33"/>
     <p:sldId id="1628" r:id="rId34"/>
-    <p:sldId id="1555" r:id="rId35"/>
+    <p:sldId id="1629" r:id="rId35"/>
+    <p:sldId id="1630" r:id="rId36"/>
+    <p:sldId id="1631" r:id="rId37"/>
+    <p:sldId id="1632" r:id="rId38"/>
+    <p:sldId id="1633" r:id="rId39"/>
+    <p:sldId id="1634" r:id="rId40"/>
+    <p:sldId id="1555" r:id="rId41"/>
   </p:sldIdLst>
   <p:sldSz cx="12192000" cy="6858000"/>
   <p:notesSz cx="6858000" cy="9144000"/>
@@ -429,7 +435,7 @@
           <a:p>
             <a:fld id="{0D7A80AD-75C0-4139-8349-D7A56AAE3422}" type="datetimeFigureOut">
               <a:rPr lang="ko-KR" altLang="en-US" smtClean="0"/>
-              <a:t>2023-11-28</a:t>
+              <a:t>2023-12-27</a:t>
             </a:fld>
             <a:endParaRPr lang="ko-KR" altLang="en-US"/>
           </a:p>
@@ -1017,7 +1023,7 @@
           <a:p>
             <a:fld id="{3DF3EF48-9CCD-4EE9-BB40-4739D0DAE972}" type="datetime1">
               <a:rPr lang="ko-KR" altLang="en-US" smtClean="0"/>
-              <a:t>2023-11-28</a:t>
+              <a:t>2023-12-27</a:t>
             </a:fld>
             <a:endParaRPr lang="ko-KR" altLang="en-US"/>
           </a:p>
@@ -1288,7 +1294,7 @@
           <a:p>
             <a:fld id="{9E45620A-9A66-47B0-9218-43F171A33458}" type="datetime1">
               <a:rPr lang="ko-KR" altLang="en-US" smtClean="0"/>
-              <a:t>2023-11-28</a:t>
+              <a:t>2023-12-27</a:t>
             </a:fld>
             <a:endParaRPr lang="ko-KR" altLang="en-US"/>
           </a:p>
@@ -1564,7 +1570,7 @@
           <a:p>
             <a:fld id="{C1E586D9-B5F3-454A-8918-B4C99ED5AEDE}" type="datetime1">
               <a:rPr lang="ko-KR" altLang="en-US" smtClean="0"/>
-              <a:t>2023-11-28</a:t>
+              <a:t>2023-12-27</a:t>
             </a:fld>
             <a:endParaRPr lang="ko-KR" altLang="en-US"/>
           </a:p>
@@ -1788,7 +1794,7 @@
           <a:p>
             <a:fld id="{B0E4ADD3-F434-478C-876A-1D3933DF4707}" type="datetime1">
               <a:rPr lang="ko-KR" altLang="en-US" smtClean="0"/>
-              <a:t>2023-11-28</a:t>
+              <a:t>2023-12-27</a:t>
             </a:fld>
             <a:endParaRPr lang="ko-KR" altLang="en-US"/>
           </a:p>
@@ -2142,7 +2148,7 @@
           <a:p>
             <a:fld id="{38DF26BB-6A75-410D-A6B0-8FD34915C10D}" type="datetime1">
               <a:rPr lang="ko-KR" altLang="en-US" smtClean="0"/>
-              <a:t>2023-11-28</a:t>
+              <a:t>2023-12-27</a:t>
             </a:fld>
             <a:endParaRPr lang="ko-KR" altLang="en-US"/>
           </a:p>
@@ -2522,7 +2528,7 @@
           <a:p>
             <a:fld id="{4584CDF8-1723-475A-8393-34F016E9B184}" type="datetime1">
               <a:rPr lang="ko-KR" altLang="en-US" smtClean="0"/>
-              <a:t>2023-11-28</a:t>
+              <a:t>2023-12-27</a:t>
             </a:fld>
             <a:endParaRPr lang="ko-KR" altLang="en-US"/>
           </a:p>
@@ -3002,7 +3008,7 @@
           <a:p>
             <a:fld id="{FB8CCD4A-1F8C-4D3E-BDD6-84C4090AF0D6}" type="datetime1">
               <a:rPr lang="ko-KR" altLang="en-US" smtClean="0"/>
-              <a:t>2023-11-28</a:t>
+              <a:t>2023-12-27</a:t>
             </a:fld>
             <a:endParaRPr lang="ko-KR" altLang="en-US"/>
           </a:p>
@@ -3143,7 +3149,7 @@
           <a:p>
             <a:fld id="{CE073545-46C1-49FB-A041-5415163523D0}" type="datetime1">
               <a:rPr lang="ko-KR" altLang="en-US" smtClean="0"/>
-              <a:t>2023-11-28</a:t>
+              <a:t>2023-12-27</a:t>
             </a:fld>
             <a:endParaRPr lang="ko-KR" altLang="en-US"/>
           </a:p>
@@ -3324,7 +3330,7 @@
           <a:p>
             <a:fld id="{7EDBC6A4-6274-4803-89FF-1DA18D4FE7AA}" type="datetime1">
               <a:rPr lang="ko-KR" altLang="en-US" smtClean="0"/>
-              <a:t>2023-11-28</a:t>
+              <a:t>2023-12-27</a:t>
             </a:fld>
             <a:endParaRPr lang="ko-KR" altLang="en-US"/>
           </a:p>
@@ -3635,7 +3641,7 @@
           <a:p>
             <a:fld id="{B84A353D-6971-4305-AB04-6AEE4DD0E048}" type="datetime1">
               <a:rPr lang="ko-KR" altLang="en-US" smtClean="0"/>
-              <a:t>2023-11-28</a:t>
+              <a:t>2023-12-27</a:t>
             </a:fld>
             <a:endParaRPr lang="ko-KR" altLang="en-US"/>
           </a:p>
@@ -3923,7 +3929,7 @@
           <a:p>
             <a:fld id="{4AC75523-461B-44DB-AD97-7C06B206BE7B}" type="datetime1">
               <a:rPr lang="ko-KR" altLang="en-US" smtClean="0"/>
-              <a:t>2023-11-28</a:t>
+              <a:t>2023-12-27</a:t>
             </a:fld>
             <a:endParaRPr lang="ko-KR" altLang="en-US"/>
           </a:p>
@@ -4168,7 +4174,7 @@
           <a:p>
             <a:fld id="{9D1D2423-15C0-4D7C-B759-40ACCC100800}" type="datetime1">
               <a:rPr lang="ko-KR" altLang="en-US" smtClean="0"/>
-              <a:t>2023-11-28</a:t>
+              <a:t>2023-12-27</a:t>
             </a:fld>
             <a:endParaRPr lang="ko-KR" altLang="en-US"/>
           </a:p>
@@ -22297,8 +22303,8 @@
           </a:p>
         </p:txBody>
       </p:sp>
-      <mc:AlternateContent xmlns:mc="http://schemas.openxmlformats.org/markup-compatibility/2006">
-        <mc:Choice xmlns:a14="http://schemas.microsoft.com/office/drawing/2010/main" Requires="a14">
+      <mc:AlternateContent xmlns:mc="http://schemas.openxmlformats.org/markup-compatibility/2006" xmlns:a14="http://schemas.microsoft.com/office/drawing/2010/main">
+        <mc:Choice Requires="a14">
           <p:sp>
             <p:nvSpPr>
               <p:cNvPr id="3" name="Content Placeholder 2">
@@ -23219,7 +23225,7 @@
             </p:txBody>
           </p:sp>
         </mc:Choice>
-        <mc:Fallback>
+        <mc:Fallback xmlns="">
           <p:sp>
             <p:nvSpPr>
               <p:cNvPr id="3" name="Content Placeholder 2">
@@ -23346,8 +23352,8 @@
           </a:p>
         </p:txBody>
       </p:sp>
-      <mc:AlternateContent xmlns:mc="http://schemas.openxmlformats.org/markup-compatibility/2006">
-        <mc:Choice xmlns:a14="http://schemas.microsoft.com/office/drawing/2010/main" Requires="a14">
+      <mc:AlternateContent xmlns:mc="http://schemas.openxmlformats.org/markup-compatibility/2006" xmlns:a14="http://schemas.microsoft.com/office/drawing/2010/main">
+        <mc:Choice Requires="a14">
           <p:sp>
             <p:nvSpPr>
               <p:cNvPr id="3" name="Content Placeholder 2">
@@ -23739,7 +23745,7 @@
             </p:txBody>
           </p:sp>
         </mc:Choice>
-        <mc:Fallback>
+        <mc:Fallback xmlns="">
           <p:sp>
             <p:nvSpPr>
               <p:cNvPr id="3" name="Content Placeholder 2">
@@ -24065,8 +24071,8 @@
           </a:p>
         </p:txBody>
       </p:sp>
-      <mc:AlternateContent xmlns:mc="http://schemas.openxmlformats.org/markup-compatibility/2006">
-        <mc:Choice xmlns:a14="http://schemas.microsoft.com/office/drawing/2010/main" Requires="a14">
+      <mc:AlternateContent xmlns:mc="http://schemas.openxmlformats.org/markup-compatibility/2006" xmlns:a14="http://schemas.microsoft.com/office/drawing/2010/main">
+        <mc:Choice Requires="a14">
           <p:sp>
             <p:nvSpPr>
               <p:cNvPr id="3" name="Content Placeholder 2">
@@ -25079,7 +25085,7 @@
             </p:txBody>
           </p:sp>
         </mc:Choice>
-        <mc:Fallback>
+        <mc:Fallback xmlns="">
           <p:sp>
             <p:nvSpPr>
               <p:cNvPr id="3" name="Content Placeholder 2">
@@ -25210,8 +25216,8 @@
           </a:p>
         </p:txBody>
       </p:sp>
-      <mc:AlternateContent xmlns:mc="http://schemas.openxmlformats.org/markup-compatibility/2006">
-        <mc:Choice xmlns:a14="http://schemas.microsoft.com/office/drawing/2010/main" Requires="a14">
+      <mc:AlternateContent xmlns:mc="http://schemas.openxmlformats.org/markup-compatibility/2006" xmlns:a14="http://schemas.microsoft.com/office/drawing/2010/main">
+        <mc:Choice Requires="a14">
           <p:sp>
             <p:nvSpPr>
               <p:cNvPr id="3" name="Content Placeholder 2">
@@ -26779,7 +26785,7 @@
             </p:txBody>
           </p:sp>
         </mc:Choice>
-        <mc:Fallback>
+        <mc:Fallback xmlns="">
           <p:sp>
             <p:nvSpPr>
               <p:cNvPr id="3" name="Content Placeholder 2">
@@ -26910,8 +26916,8 @@
           </a:p>
         </p:txBody>
       </p:sp>
-      <mc:AlternateContent xmlns:mc="http://schemas.openxmlformats.org/markup-compatibility/2006">
-        <mc:Choice xmlns:a14="http://schemas.microsoft.com/office/drawing/2010/main" Requires="a14">
+      <mc:AlternateContent xmlns:mc="http://schemas.openxmlformats.org/markup-compatibility/2006" xmlns:a14="http://schemas.microsoft.com/office/drawing/2010/main">
+        <mc:Choice Requires="a14">
           <p:sp>
             <p:nvSpPr>
               <p:cNvPr id="3" name="Content Placeholder 2">
@@ -28373,7 +28379,7 @@
             </p:txBody>
           </p:sp>
         </mc:Choice>
-        <mc:Fallback>
+        <mc:Fallback xmlns="">
           <p:sp>
             <p:nvSpPr>
               <p:cNvPr id="3" name="Content Placeholder 2">
@@ -28500,8 +28506,8 @@
           </a:p>
         </p:txBody>
       </p:sp>
-      <mc:AlternateContent xmlns:mc="http://schemas.openxmlformats.org/markup-compatibility/2006">
-        <mc:Choice xmlns:a14="http://schemas.microsoft.com/office/drawing/2010/main" Requires="a14">
+      <mc:AlternateContent xmlns:mc="http://schemas.openxmlformats.org/markup-compatibility/2006" xmlns:a14="http://schemas.microsoft.com/office/drawing/2010/main">
+        <mc:Choice Requires="a14">
           <p:sp>
             <p:nvSpPr>
               <p:cNvPr id="3" name="Content Placeholder 2">
@@ -30526,7 +30532,7 @@
             </p:txBody>
           </p:sp>
         </mc:Choice>
-        <mc:Fallback>
+        <mc:Fallback xmlns="">
           <p:sp>
             <p:nvSpPr>
               <p:cNvPr id="3" name="Content Placeholder 2">
@@ -30631,10 +30637,118 @@
       </p:grpSpPr>
       <p:sp>
         <p:nvSpPr>
-          <p:cNvPr id="2" name="Slide Number Placeholder 1">
+          <p:cNvPr id="2" name="Title 1">
             <a:extLst>
               <a:ext uri="{FF2B5EF4-FFF2-40B4-BE49-F238E27FC236}">
-                <a16:creationId xmlns:a16="http://schemas.microsoft.com/office/drawing/2014/main" id="{1E8DBDDC-461B-4CBA-92C5-B19A06DCDE1B}"/>
+                <a16:creationId xmlns:a16="http://schemas.microsoft.com/office/drawing/2014/main" id="{40AF2946-8574-5EE4-DC99-0A7A6996B2F7}"/>
+              </a:ext>
+            </a:extLst>
+          </p:cNvPr>
+          <p:cNvSpPr>
+            <a:spLocks noGrp="1"/>
+          </p:cNvSpPr>
+          <p:nvPr>
+            <p:ph type="title"/>
+          </p:nvPr>
+        </p:nvSpPr>
+        <p:spPr/>
+        <p:txBody>
+          <a:bodyPr/>
+          <a:lstStyle/>
+          <a:p>
+            <a:r>
+              <a:rPr lang="en-US" dirty="0"/>
+              <a:t>Zero Forcing with Decision Feedback Decoding</a:t>
+            </a:r>
+          </a:p>
+        </p:txBody>
+      </p:sp>
+      <p:sp>
+        <p:nvSpPr>
+          <p:cNvPr id="3" name="Content Placeholder 2">
+            <a:extLst>
+              <a:ext uri="{FF2B5EF4-FFF2-40B4-BE49-F238E27FC236}">
+                <a16:creationId xmlns:a16="http://schemas.microsoft.com/office/drawing/2014/main" id="{BE2DE657-6BD3-F2F6-275F-C645D61AB766}"/>
+              </a:ext>
+            </a:extLst>
+          </p:cNvPr>
+          <p:cNvSpPr>
+            <a:spLocks noGrp="1"/>
+          </p:cNvSpPr>
+          <p:nvPr>
+            <p:ph idx="1"/>
+          </p:nvPr>
+        </p:nvSpPr>
+        <p:spPr/>
+        <p:txBody>
+          <a:bodyPr/>
+          <a:lstStyle/>
+          <a:p>
+            <a:r>
+              <a:rPr lang="en-US" dirty="0"/>
+              <a:t>Superior performance can be achieved by symbol cancellation</a:t>
+            </a:r>
+          </a:p>
+          <a:p>
+            <a:r>
+              <a:rPr lang="en-US" dirty="0"/>
+              <a:t>Symbol cancellation involves:</a:t>
+            </a:r>
+          </a:p>
+          <a:p>
+            <a:pPr lvl="1"/>
+            <a:r>
+              <a:rPr lang="en-US" dirty="0"/>
+              <a:t>Decoding the most reliable element first.</a:t>
+            </a:r>
+          </a:p>
+          <a:p>
+            <a:pPr lvl="1"/>
+            <a:r>
+              <a:rPr lang="en-US" dirty="0"/>
+              <a:t>Improving decoding of other elements.</a:t>
+            </a:r>
+          </a:p>
+          <a:p>
+            <a:r>
+              <a:rPr lang="en-US" dirty="0"/>
+              <a:t>Linear nulling (ZF or MMSE) used for detection.</a:t>
+            </a:r>
+          </a:p>
+          <a:p>
+            <a:r>
+              <a:rPr lang="en-US" dirty="0"/>
+              <a:t>Decision Feedback Decoding (DFB) is analogous to decision feedback equalization.</a:t>
+            </a:r>
+          </a:p>
+          <a:p>
+            <a:r>
+              <a:rPr lang="en-US" dirty="0"/>
+              <a:t>DFB modifies the receiver vector by subtracting interference from already detected           components.</a:t>
+            </a:r>
+          </a:p>
+          <a:p>
+            <a:r>
+              <a:rPr lang="en-US" dirty="0"/>
+              <a:t>When symbol cancellation is used components of </a:t>
+            </a:r>
+            <a:r>
+              <a:rPr lang="en-US" b="1" dirty="0"/>
+              <a:t>s</a:t>
+            </a:r>
+            <a:r>
+              <a:rPr lang="en-US" dirty="0"/>
+              <a:t> are detected becomes important to    the overall performance of the system.</a:t>
+            </a:r>
+          </a:p>
+        </p:txBody>
+      </p:sp>
+      <p:sp>
+        <p:nvSpPr>
+          <p:cNvPr id="4" name="Slide Number Placeholder 3">
+            <a:extLst>
+              <a:ext uri="{FF2B5EF4-FFF2-40B4-BE49-F238E27FC236}">
+                <a16:creationId xmlns:a16="http://schemas.microsoft.com/office/drawing/2014/main" id="{2824DBEC-073D-0B4E-3938-1D509C27C031}"/>
               </a:ext>
             </a:extLst>
           </p:cNvPr>
@@ -30658,72 +30772,5205 @@
           </a:p>
         </p:txBody>
       </p:sp>
+    </p:spTree>
+    <p:extLst>
+      <p:ext uri="{BB962C8B-B14F-4D97-AF65-F5344CB8AC3E}">
+        <p14:creationId xmlns:p14="http://schemas.microsoft.com/office/powerpoint/2010/main" val="1344374649"/>
+      </p:ext>
+    </p:extLst>
+  </p:cSld>
+  <p:clrMapOvr>
+    <a:masterClrMapping/>
+  </p:clrMapOvr>
+</p:sld>
+</file>
+
+<file path=ppt/slides/slide35.xml><?xml version="1.0" encoding="utf-8"?>
+<p:sld xmlns:a="http://schemas.openxmlformats.org/drawingml/2006/main" xmlns:r="http://schemas.openxmlformats.org/officeDocument/2006/relationships" xmlns:p="http://schemas.openxmlformats.org/presentationml/2006/main">
+  <p:cSld>
+    <p:spTree>
+      <p:nvGrpSpPr>
+        <p:cNvPr id="1" name=""/>
+        <p:cNvGrpSpPr/>
+        <p:nvPr/>
+      </p:nvGrpSpPr>
+      <p:grpSpPr>
+        <a:xfrm>
+          <a:off x="0" y="0"/>
+          <a:ext cx="0" cy="0"/>
+          <a:chOff x="0" y="0"/>
+          <a:chExt cx="0" cy="0"/>
+        </a:xfrm>
+      </p:grpSpPr>
       <p:sp>
         <p:nvSpPr>
-          <p:cNvPr id="3" name="TextBox 2">
+          <p:cNvPr id="2" name="Title 1">
             <a:extLst>
               <a:ext uri="{FF2B5EF4-FFF2-40B4-BE49-F238E27FC236}">
-                <a16:creationId xmlns:a16="http://schemas.microsoft.com/office/drawing/2014/main" id="{32CBCF92-C2DB-403D-BA0D-6E5B8199F341}"/>
+                <a16:creationId xmlns:a16="http://schemas.microsoft.com/office/drawing/2014/main" id="{87312A28-BA33-9E7E-8AB5-57723D08DCB8}"/>
               </a:ext>
             </a:extLst>
           </p:cNvPr>
-          <p:cNvSpPr txBox="1"/>
-          <p:nvPr/>
+          <p:cNvSpPr>
+            <a:spLocks noGrp="1"/>
+          </p:cNvSpPr>
+          <p:nvPr>
+            <p:ph type="title"/>
+          </p:nvPr>
         </p:nvSpPr>
-        <p:spPr>
-          <a:xfrm>
-            <a:off x="3738096" y="2548403"/>
-            <a:ext cx="5140172" cy="954107"/>
-          </a:xfrm>
-          <a:prstGeom prst="rect">
-            <a:avLst/>
-          </a:prstGeom>
-          <a:noFill/>
-        </p:spPr>
+        <p:spPr/>
         <p:txBody>
-          <a:bodyPr wrap="square" rtlCol="0">
-            <a:spAutoFit/>
-          </a:bodyPr>
+          <a:bodyPr/>
           <a:lstStyle/>
           <a:p>
             <a:r>
-              <a:rPr lang="en-US" dirty="0">
-                <a:solidFill>
-                  <a:srgbClr val="00B0F0"/>
-                </a:solidFill>
-                <a:latin typeface="Arial" panose="020B0604020202020204" pitchFamily="34" charset="0"/>
-                <a:cs typeface="Arial" panose="020B0604020202020204" pitchFamily="34" charset="0"/>
-              </a:rPr>
-              <a:t> </a:t>
-            </a:r>
-            <a:r>
-              <a:rPr lang="en-US" sz="2800" b="1" dirty="0">
-                <a:latin typeface="Arial" panose="020B0604020202020204" pitchFamily="34" charset="0"/>
-                <a:cs typeface="Arial" panose="020B0604020202020204" pitchFamily="34" charset="0"/>
-              </a:rPr>
-              <a:t>Thank Your Listening.</a:t>
-            </a:r>
-            <a:br>
-              <a:rPr lang="en-US" sz="2800" b="1" dirty="0">
-                <a:latin typeface="Arial" panose="020B0604020202020204" pitchFamily="34" charset="0"/>
-                <a:cs typeface="Arial" panose="020B0604020202020204" pitchFamily="34" charset="0"/>
-              </a:rPr>
-            </a:br>
-            <a:r>
-              <a:rPr lang="en-US" sz="2800" b="1" dirty="0">
-                <a:latin typeface="Arial" panose="020B0604020202020204" pitchFamily="34" charset="0"/>
-                <a:cs typeface="Arial" panose="020B0604020202020204" pitchFamily="34" charset="0"/>
-              </a:rPr>
-              <a:t>  Any Questions?</a:t>
-            </a:r>
-            <a:endParaRPr lang="en-US" sz="2800" b="1" dirty="0"/>
+              <a:rPr lang="en-US" dirty="0"/>
+              <a:t>Zero Forcing with Decision Feedback Decoding</a:t>
+            </a:r>
+          </a:p>
+        </p:txBody>
+      </p:sp>
+      <mc:AlternateContent xmlns:mc="http://schemas.openxmlformats.org/markup-compatibility/2006" xmlns:a14="http://schemas.microsoft.com/office/drawing/2010/main">
+        <mc:Choice Requires="a14">
+          <p:sp>
+            <p:nvSpPr>
+              <p:cNvPr id="3" name="Content Placeholder 2">
+                <a:extLst>
+                  <a:ext uri="{FF2B5EF4-FFF2-40B4-BE49-F238E27FC236}">
+                    <a16:creationId xmlns:a16="http://schemas.microsoft.com/office/drawing/2014/main" id="{9B0BA58D-892C-E503-7519-16D3636F4D39}"/>
+                  </a:ext>
+                </a:extLst>
+              </p:cNvPr>
+              <p:cNvSpPr>
+                <a:spLocks noGrp="1"/>
+              </p:cNvSpPr>
+              <p:nvPr>
+                <p:ph idx="1"/>
+              </p:nvPr>
+            </p:nvSpPr>
+            <p:spPr>
+              <a:xfrm>
+                <a:off x="838200" y="1649690"/>
+                <a:ext cx="10515600" cy="4706659"/>
+              </a:xfrm>
+            </p:spPr>
+            <p:txBody>
+              <a:bodyPr/>
+              <a:lstStyle/>
+              <a:p>
+                <a:r>
+                  <a:rPr lang="en-US" dirty="0"/>
+                  <a:t>To determine a good ordering of detection</a:t>
+                </a:r>
+              </a:p>
+              <a:p>
+                <a:r>
+                  <a:rPr lang="en-US" dirty="0"/>
+                  <a:t>The covariance matrix of the estimation error </a:t>
+                </a:r>
+                <a:r>
+                  <a:rPr lang="en-US" b="1" dirty="0"/>
+                  <a:t>s - </a:t>
+                </a:r>
+                <a:r>
+                  <a:rPr lang="en-US" b="1" dirty="0" err="1"/>
+                  <a:t>S</a:t>
+                </a:r>
+                <a:r>
+                  <a:rPr lang="en-US" b="1" baseline="-25000" dirty="0" err="1"/>
+                  <a:t>est</a:t>
+                </a:r>
+                <a:r>
+                  <a:rPr lang="en-US" b="1" dirty="0"/>
+                  <a:t> </a:t>
+                </a:r>
+                <a:r>
+                  <a:rPr lang="en-US" dirty="0"/>
+                  <a:t>will be used</a:t>
+                </a:r>
+              </a:p>
+              <a:p>
+                <a:r>
+                  <a:rPr lang="en-US" dirty="0"/>
+                  <a:t>For ZF, this covariance matrix can be shown</a:t>
+                </a:r>
+              </a:p>
+              <a:p>
+                <a14:m>
+                  <m:oMath xmlns:m="http://schemas.openxmlformats.org/officeDocument/2006/math">
+                    <m:r>
+                      <a:rPr lang="en-US" b="0" i="1" smtClean="0">
+                        <a:latin typeface="Cambria Math" panose="02040503050406030204" pitchFamily="18" charset="0"/>
+                      </a:rPr>
+                      <m:t>𝐸</m:t>
+                    </m:r>
+                    <m:d>
+                      <m:dPr>
+                        <m:begChr m:val="["/>
+                        <m:endChr m:val="]"/>
+                        <m:ctrlPr>
+                          <a:rPr lang="en-US" b="0" i="1" smtClean="0">
+                            <a:latin typeface="Cambria Math" panose="02040503050406030204" pitchFamily="18" charset="0"/>
+                          </a:rPr>
+                        </m:ctrlPr>
+                      </m:dPr>
+                      <m:e>
+                        <m:d>
+                          <m:dPr>
+                            <m:ctrlPr>
+                              <a:rPr lang="en-US" b="0" i="1" smtClean="0">
+                                <a:latin typeface="Cambria Math" panose="02040503050406030204" pitchFamily="18" charset="0"/>
+                              </a:rPr>
+                            </m:ctrlPr>
+                          </m:dPr>
+                          <m:e>
+                            <m:r>
+                              <a:rPr lang="en-US" b="1" i="1" smtClean="0">
+                                <a:latin typeface="Cambria Math" panose="02040503050406030204" pitchFamily="18" charset="0"/>
+                              </a:rPr>
+                              <m:t>𝒔</m:t>
+                            </m:r>
+                            <m:r>
+                              <a:rPr lang="en-US" b="0" i="1" smtClean="0">
+                                <a:latin typeface="Cambria Math" panose="02040503050406030204" pitchFamily="18" charset="0"/>
+                              </a:rPr>
+                              <m:t>−</m:t>
+                            </m:r>
+                            <m:r>
+                              <a:rPr lang="en-US" b="1" i="1" smtClean="0">
+                                <a:latin typeface="Cambria Math" panose="02040503050406030204" pitchFamily="18" charset="0"/>
+                              </a:rPr>
+                              <m:t>𝒔</m:t>
+                            </m:r>
+                            <m:r>
+                              <a:rPr lang="en-US" b="0" i="1" baseline="-25000" smtClean="0">
+                                <a:latin typeface="Cambria Math" panose="02040503050406030204" pitchFamily="18" charset="0"/>
+                              </a:rPr>
+                              <m:t>𝑒𝑠𝑡</m:t>
+                            </m:r>
+                            <m:r>
+                              <a:rPr lang="en-US" b="0" i="1" smtClean="0">
+                                <a:latin typeface="Cambria Math" panose="02040503050406030204" pitchFamily="18" charset="0"/>
+                              </a:rPr>
+                              <m:t> </m:t>
+                            </m:r>
+                          </m:e>
+                        </m:d>
+                        <m:sSup>
+                          <m:sSupPr>
+                            <m:ctrlPr>
+                              <a:rPr lang="en-US" b="0" i="1" smtClean="0">
+                                <a:latin typeface="Cambria Math" panose="02040503050406030204" pitchFamily="18" charset="0"/>
+                              </a:rPr>
+                            </m:ctrlPr>
+                          </m:sSupPr>
+                          <m:e>
+                            <m:d>
+                              <m:dPr>
+                                <m:ctrlPr>
+                                  <a:rPr lang="en-US" b="0" i="1" smtClean="0">
+                                    <a:latin typeface="Cambria Math" panose="02040503050406030204" pitchFamily="18" charset="0"/>
+                                  </a:rPr>
+                                </m:ctrlPr>
+                              </m:dPr>
+                              <m:e>
+                                <m:r>
+                                  <a:rPr lang="en-US" b="1" i="1" smtClean="0">
+                                    <a:latin typeface="Cambria Math" panose="02040503050406030204" pitchFamily="18" charset="0"/>
+                                  </a:rPr>
+                                  <m:t>𝒔</m:t>
+                                </m:r>
+                                <m:r>
+                                  <a:rPr lang="en-US" b="0" i="1" smtClean="0">
+                                    <a:latin typeface="Cambria Math" panose="02040503050406030204" pitchFamily="18" charset="0"/>
+                                  </a:rPr>
+                                  <m:t> −</m:t>
+                                </m:r>
+                                <m:r>
+                                  <a:rPr lang="en-US" b="1" i="1" smtClean="0">
+                                    <a:latin typeface="Cambria Math" panose="02040503050406030204" pitchFamily="18" charset="0"/>
+                                  </a:rPr>
+                                  <m:t>𝒔</m:t>
+                                </m:r>
+                                <m:r>
+                                  <a:rPr lang="en-US" b="1" i="1" baseline="-25000" smtClean="0">
+                                    <a:latin typeface="Cambria Math" panose="02040503050406030204" pitchFamily="18" charset="0"/>
+                                  </a:rPr>
+                                  <m:t>𝒆𝒔𝒕</m:t>
+                                </m:r>
+                                <m:r>
+                                  <a:rPr lang="en-US" b="0" i="1" smtClean="0">
+                                    <a:latin typeface="Cambria Math" panose="02040503050406030204" pitchFamily="18" charset="0"/>
+                                  </a:rPr>
+                                  <m:t> </m:t>
+                                </m:r>
+                              </m:e>
+                            </m:d>
+                          </m:e>
+                          <m:sup>
+                            <m:r>
+                              <a:rPr lang="en-US" b="1" i="1" smtClean="0">
+                                <a:latin typeface="Cambria Math" panose="02040503050406030204" pitchFamily="18" charset="0"/>
+                              </a:rPr>
+                              <m:t>∗</m:t>
+                            </m:r>
+                          </m:sup>
+                        </m:sSup>
+                      </m:e>
+                    </m:d>
+                    <m:r>
+                      <a:rPr lang="en-US" b="0" i="1" smtClean="0">
+                        <a:latin typeface="Cambria Math" panose="02040503050406030204" pitchFamily="18" charset="0"/>
+                      </a:rPr>
+                      <m:t>=</m:t>
+                    </m:r>
+                    <m:r>
+                      <a:rPr lang="en-US" b="0" i="1" smtClean="0">
+                        <a:latin typeface="Cambria Math" panose="02040503050406030204" pitchFamily="18" charset="0"/>
+                      </a:rPr>
+                      <m:t>𝐸</m:t>
+                    </m:r>
+                    <m:d>
+                      <m:dPr>
+                        <m:begChr m:val="["/>
+                        <m:endChr m:val="]"/>
+                        <m:ctrlPr>
+                          <a:rPr lang="en-US" b="0" i="1" smtClean="0">
+                            <a:latin typeface="Cambria Math" panose="02040503050406030204" pitchFamily="18" charset="0"/>
+                          </a:rPr>
+                        </m:ctrlPr>
+                      </m:dPr>
+                      <m:e>
+                        <m:d>
+                          <m:dPr>
+                            <m:ctrlPr>
+                              <a:rPr lang="en-US" b="1" i="1" smtClean="0">
+                                <a:latin typeface="Cambria Math" panose="02040503050406030204" pitchFamily="18" charset="0"/>
+                              </a:rPr>
+                            </m:ctrlPr>
+                          </m:dPr>
+                          <m:e>
+                            <m:r>
+                              <a:rPr lang="en-US" b="1" i="1" smtClean="0">
+                                <a:latin typeface="Cambria Math" panose="02040503050406030204" pitchFamily="18" charset="0"/>
+                              </a:rPr>
+                              <m:t>𝒔</m:t>
+                            </m:r>
+                            <m:r>
+                              <a:rPr lang="en-US" b="1" i="1" smtClean="0">
+                                <a:latin typeface="Cambria Math" panose="02040503050406030204" pitchFamily="18" charset="0"/>
+                              </a:rPr>
+                              <m:t>−</m:t>
+                            </m:r>
+                            <m:sSup>
+                              <m:sSupPr>
+                                <m:ctrlPr>
+                                  <a:rPr lang="en-US" b="1" i="1" smtClean="0">
+                                    <a:latin typeface="Cambria Math" panose="02040503050406030204" pitchFamily="18" charset="0"/>
+                                  </a:rPr>
+                                </m:ctrlPr>
+                              </m:sSupPr>
+                              <m:e>
+                                <m:d>
+                                  <m:dPr>
+                                    <m:ctrlPr>
+                                      <a:rPr lang="en-US" b="1" i="1" smtClean="0">
+                                        <a:latin typeface="Cambria Math" panose="02040503050406030204" pitchFamily="18" charset="0"/>
+                                      </a:rPr>
+                                    </m:ctrlPr>
+                                  </m:dPr>
+                                  <m:e>
+                                    <m:sSup>
+                                      <m:sSupPr>
+                                        <m:ctrlPr>
+                                          <a:rPr lang="en-US" b="1" i="1" smtClean="0">
+                                            <a:latin typeface="Cambria Math" panose="02040503050406030204" pitchFamily="18" charset="0"/>
+                                          </a:rPr>
+                                        </m:ctrlPr>
+                                      </m:sSupPr>
+                                      <m:e>
+                                        <m:r>
+                                          <a:rPr lang="en-US" b="1" i="1" smtClean="0">
+                                            <a:latin typeface="Cambria Math" panose="02040503050406030204" pitchFamily="18" charset="0"/>
+                                          </a:rPr>
+                                          <m:t>𝑯</m:t>
+                                        </m:r>
+                                      </m:e>
+                                      <m:sup>
+                                        <m:r>
+                                          <a:rPr lang="en-US" b="1" i="1" smtClean="0">
+                                            <a:latin typeface="Cambria Math" panose="02040503050406030204" pitchFamily="18" charset="0"/>
+                                          </a:rPr>
+                                          <m:t>∗</m:t>
+                                        </m:r>
+                                      </m:sup>
+                                    </m:sSup>
+                                    <m:r>
+                                      <a:rPr lang="en-US" b="1" i="1" smtClean="0">
+                                        <a:latin typeface="Cambria Math" panose="02040503050406030204" pitchFamily="18" charset="0"/>
+                                      </a:rPr>
+                                      <m:t>𝑯</m:t>
+                                    </m:r>
+                                  </m:e>
+                                </m:d>
+                              </m:e>
+                              <m:sup>
+                                <m:r>
+                                  <a:rPr lang="en-US" b="1" i="1" smtClean="0">
+                                    <a:latin typeface="Cambria Math" panose="02040503050406030204" pitchFamily="18" charset="0"/>
+                                  </a:rPr>
+                                  <m:t>−</m:t>
+                                </m:r>
+                                <m:r>
+                                  <a:rPr lang="en-US" b="1" i="1" smtClean="0">
+                                    <a:latin typeface="Cambria Math" panose="02040503050406030204" pitchFamily="18" charset="0"/>
+                                  </a:rPr>
+                                  <m:t>𝟏</m:t>
+                                </m:r>
+                              </m:sup>
+                            </m:sSup>
+                            <m:sSup>
+                              <m:sSupPr>
+                                <m:ctrlPr>
+                                  <a:rPr lang="en-US" b="1" i="1" smtClean="0">
+                                    <a:latin typeface="Cambria Math" panose="02040503050406030204" pitchFamily="18" charset="0"/>
+                                  </a:rPr>
+                                </m:ctrlPr>
+                              </m:sSupPr>
+                              <m:e>
+                                <m:r>
+                                  <a:rPr lang="en-US" b="1" i="1" smtClean="0">
+                                    <a:latin typeface="Cambria Math" panose="02040503050406030204" pitchFamily="18" charset="0"/>
+                                  </a:rPr>
+                                  <m:t>𝑯</m:t>
+                                </m:r>
+                              </m:e>
+                              <m:sup>
+                                <m:r>
+                                  <a:rPr lang="en-US" b="1" i="1" smtClean="0">
+                                    <a:latin typeface="Cambria Math" panose="02040503050406030204" pitchFamily="18" charset="0"/>
+                                  </a:rPr>
+                                  <m:t>∗</m:t>
+                                </m:r>
+                              </m:sup>
+                            </m:sSup>
+                            <m:r>
+                              <a:rPr lang="en-US" b="1" i="1" smtClean="0">
+                                <a:latin typeface="Cambria Math" panose="02040503050406030204" pitchFamily="18" charset="0"/>
+                              </a:rPr>
+                              <m:t>𝒙</m:t>
+                            </m:r>
+                          </m:e>
+                        </m:d>
+                        <m:sSup>
+                          <m:sSupPr>
+                            <m:ctrlPr>
+                              <a:rPr lang="en-US" b="1" i="1" smtClean="0">
+                                <a:latin typeface="Cambria Math" panose="02040503050406030204" pitchFamily="18" charset="0"/>
+                              </a:rPr>
+                            </m:ctrlPr>
+                          </m:sSupPr>
+                          <m:e>
+                            <m:d>
+                              <m:dPr>
+                                <m:ctrlPr>
+                                  <a:rPr lang="en-US" b="1" i="1" smtClean="0">
+                                    <a:latin typeface="Cambria Math" panose="02040503050406030204" pitchFamily="18" charset="0"/>
+                                  </a:rPr>
+                                </m:ctrlPr>
+                              </m:dPr>
+                              <m:e>
+                                <m:r>
+                                  <a:rPr lang="en-US" b="1" i="1" smtClean="0">
+                                    <a:latin typeface="Cambria Math" panose="02040503050406030204" pitchFamily="18" charset="0"/>
+                                  </a:rPr>
+                                  <m:t>𝒔</m:t>
+                                </m:r>
+                                <m:r>
+                                  <a:rPr lang="en-US" b="1" i="1" smtClean="0">
+                                    <a:latin typeface="Cambria Math" panose="02040503050406030204" pitchFamily="18" charset="0"/>
+                                  </a:rPr>
+                                  <m:t>−</m:t>
+                                </m:r>
+                                <m:sSup>
+                                  <m:sSupPr>
+                                    <m:ctrlPr>
+                                      <a:rPr lang="en-US" b="1" i="1" smtClean="0">
+                                        <a:latin typeface="Cambria Math" panose="02040503050406030204" pitchFamily="18" charset="0"/>
+                                      </a:rPr>
+                                    </m:ctrlPr>
+                                  </m:sSupPr>
+                                  <m:e>
+                                    <m:d>
+                                      <m:dPr>
+                                        <m:ctrlPr>
+                                          <a:rPr lang="en-US" b="1" i="1" smtClean="0">
+                                            <a:latin typeface="Cambria Math" panose="02040503050406030204" pitchFamily="18" charset="0"/>
+                                          </a:rPr>
+                                        </m:ctrlPr>
+                                      </m:dPr>
+                                      <m:e>
+                                        <m:sSup>
+                                          <m:sSupPr>
+                                            <m:ctrlPr>
+                                              <a:rPr lang="en-US" b="1" i="1" smtClean="0">
+                                                <a:latin typeface="Cambria Math" panose="02040503050406030204" pitchFamily="18" charset="0"/>
+                                              </a:rPr>
+                                            </m:ctrlPr>
+                                          </m:sSupPr>
+                                          <m:e>
+                                            <m:r>
+                                              <a:rPr lang="en-US" b="1" i="1" smtClean="0">
+                                                <a:latin typeface="Cambria Math" panose="02040503050406030204" pitchFamily="18" charset="0"/>
+                                              </a:rPr>
+                                              <m:t>𝑯</m:t>
+                                            </m:r>
+                                          </m:e>
+                                          <m:sup>
+                                            <m:r>
+                                              <a:rPr lang="en-US" b="1" i="1" smtClean="0">
+                                                <a:latin typeface="Cambria Math" panose="02040503050406030204" pitchFamily="18" charset="0"/>
+                                              </a:rPr>
+                                              <m:t>∗</m:t>
+                                            </m:r>
+                                          </m:sup>
+                                        </m:sSup>
+                                        <m:r>
+                                          <a:rPr lang="en-US" b="1" i="1" smtClean="0">
+                                            <a:latin typeface="Cambria Math" panose="02040503050406030204" pitchFamily="18" charset="0"/>
+                                          </a:rPr>
+                                          <m:t>𝑯</m:t>
+                                        </m:r>
+                                      </m:e>
+                                    </m:d>
+                                  </m:e>
+                                  <m:sup>
+                                    <m:r>
+                                      <a:rPr lang="en-US" b="1" i="1" smtClean="0">
+                                        <a:latin typeface="Cambria Math" panose="02040503050406030204" pitchFamily="18" charset="0"/>
+                                      </a:rPr>
+                                      <m:t>−</m:t>
+                                    </m:r>
+                                    <m:r>
+                                      <a:rPr lang="en-US" b="1" i="1" smtClean="0">
+                                        <a:latin typeface="Cambria Math" panose="02040503050406030204" pitchFamily="18" charset="0"/>
+                                      </a:rPr>
+                                      <m:t>𝟏</m:t>
+                                    </m:r>
+                                  </m:sup>
+                                </m:sSup>
+                                <m:sSup>
+                                  <m:sSupPr>
+                                    <m:ctrlPr>
+                                      <a:rPr lang="en-US" b="1" i="1" smtClean="0">
+                                        <a:latin typeface="Cambria Math" panose="02040503050406030204" pitchFamily="18" charset="0"/>
+                                      </a:rPr>
+                                    </m:ctrlPr>
+                                  </m:sSupPr>
+                                  <m:e>
+                                    <m:r>
+                                      <a:rPr lang="en-US" b="1" i="1" smtClean="0">
+                                        <a:latin typeface="Cambria Math" panose="02040503050406030204" pitchFamily="18" charset="0"/>
+                                      </a:rPr>
+                                      <m:t>𝑯</m:t>
+                                    </m:r>
+                                  </m:e>
+                                  <m:sup>
+                                    <m:r>
+                                      <a:rPr lang="en-US" b="1" i="1" smtClean="0">
+                                        <a:latin typeface="Cambria Math" panose="02040503050406030204" pitchFamily="18" charset="0"/>
+                                      </a:rPr>
+                                      <m:t>∗</m:t>
+                                    </m:r>
+                                  </m:sup>
+                                </m:sSup>
+                                <m:r>
+                                  <a:rPr lang="en-US" b="1" i="1" smtClean="0">
+                                    <a:latin typeface="Cambria Math" panose="02040503050406030204" pitchFamily="18" charset="0"/>
+                                  </a:rPr>
+                                  <m:t>𝒙</m:t>
+                                </m:r>
+                              </m:e>
+                            </m:d>
+                          </m:e>
+                          <m:sup>
+                            <m:r>
+                              <a:rPr lang="en-US" b="1" i="1" smtClean="0">
+                                <a:latin typeface="Cambria Math" panose="02040503050406030204" pitchFamily="18" charset="0"/>
+                              </a:rPr>
+                              <m:t>∗</m:t>
+                            </m:r>
+                          </m:sup>
+                        </m:sSup>
+                      </m:e>
+                    </m:d>
+                  </m:oMath>
+                </a14:m>
+                <a:endParaRPr lang="en-US" b="0" dirty="0"/>
+              </a:p>
+              <a:p>
+                <a:r>
+                  <a:rPr lang="en-US" dirty="0"/>
+                  <a:t>                                      </a:t>
+                </a:r>
+                <a14:m>
+                  <m:oMath xmlns:m="http://schemas.openxmlformats.org/officeDocument/2006/math">
+                    <m:r>
+                      <a:rPr lang="en-US" b="0" i="1" smtClean="0">
+                        <a:latin typeface="Cambria Math" panose="02040503050406030204" pitchFamily="18" charset="0"/>
+                      </a:rPr>
+                      <m:t>=</m:t>
+                    </m:r>
+                    <m:r>
+                      <a:rPr lang="en-US" b="0" i="1" smtClean="0">
+                        <a:latin typeface="Cambria Math" panose="02040503050406030204" pitchFamily="18" charset="0"/>
+                      </a:rPr>
+                      <m:t>𝐸</m:t>
+                    </m:r>
+                    <m:r>
+                      <a:rPr lang="en-US" b="0" i="1" smtClean="0">
+                        <a:latin typeface="Cambria Math" panose="02040503050406030204" pitchFamily="18" charset="0"/>
+                      </a:rPr>
+                      <m:t>[</m:t>
+                    </m:r>
+                    <m:d>
+                      <m:dPr>
+                        <m:ctrlPr>
+                          <a:rPr lang="en-US" b="1" i="1" smtClean="0">
+                            <a:latin typeface="Cambria Math" panose="02040503050406030204" pitchFamily="18" charset="0"/>
+                          </a:rPr>
+                        </m:ctrlPr>
+                      </m:dPr>
+                      <m:e>
+                        <m:r>
+                          <a:rPr lang="en-US" b="1" i="1" smtClean="0">
+                            <a:latin typeface="Cambria Math" panose="02040503050406030204" pitchFamily="18" charset="0"/>
+                          </a:rPr>
+                          <m:t>𝒔</m:t>
+                        </m:r>
+                        <m:r>
+                          <a:rPr lang="en-US" b="1" i="1" smtClean="0">
+                            <a:latin typeface="Cambria Math" panose="02040503050406030204" pitchFamily="18" charset="0"/>
+                          </a:rPr>
+                          <m:t>−</m:t>
+                        </m:r>
+                        <m:r>
+                          <a:rPr lang="en-US" b="1" i="1" smtClean="0">
+                            <a:latin typeface="Cambria Math" panose="02040503050406030204" pitchFamily="18" charset="0"/>
+                          </a:rPr>
+                          <m:t>𝒔</m:t>
+                        </m:r>
+                        <m:r>
+                          <a:rPr lang="en-US" b="1" i="1" smtClean="0">
+                            <a:latin typeface="Cambria Math" panose="02040503050406030204" pitchFamily="18" charset="0"/>
+                          </a:rPr>
+                          <m:t>−</m:t>
+                        </m:r>
+                        <m:sSup>
+                          <m:sSupPr>
+                            <m:ctrlPr>
+                              <a:rPr lang="en-US" b="1" i="1" smtClean="0">
+                                <a:latin typeface="Cambria Math" panose="02040503050406030204" pitchFamily="18" charset="0"/>
+                              </a:rPr>
+                            </m:ctrlPr>
+                          </m:sSupPr>
+                          <m:e>
+                            <m:d>
+                              <m:dPr>
+                                <m:ctrlPr>
+                                  <a:rPr lang="en-US" b="1" i="1" smtClean="0">
+                                    <a:latin typeface="Cambria Math" panose="02040503050406030204" pitchFamily="18" charset="0"/>
+                                  </a:rPr>
+                                </m:ctrlPr>
+                              </m:dPr>
+                              <m:e>
+                                <m:sSup>
+                                  <m:sSupPr>
+                                    <m:ctrlPr>
+                                      <a:rPr lang="en-US" b="1" i="1" smtClean="0">
+                                        <a:latin typeface="Cambria Math" panose="02040503050406030204" pitchFamily="18" charset="0"/>
+                                      </a:rPr>
+                                    </m:ctrlPr>
+                                  </m:sSupPr>
+                                  <m:e>
+                                    <m:r>
+                                      <a:rPr lang="en-US" b="1" i="1" smtClean="0">
+                                        <a:latin typeface="Cambria Math" panose="02040503050406030204" pitchFamily="18" charset="0"/>
+                                      </a:rPr>
+                                      <m:t>𝑯</m:t>
+                                    </m:r>
+                                  </m:e>
+                                  <m:sup>
+                                    <m:r>
+                                      <a:rPr lang="en-US" b="1" i="1" smtClean="0">
+                                        <a:latin typeface="Cambria Math" panose="02040503050406030204" pitchFamily="18" charset="0"/>
+                                      </a:rPr>
+                                      <m:t>∗</m:t>
+                                    </m:r>
+                                  </m:sup>
+                                </m:sSup>
+                                <m:r>
+                                  <a:rPr lang="en-US" b="1" i="1" smtClean="0">
+                                    <a:latin typeface="Cambria Math" panose="02040503050406030204" pitchFamily="18" charset="0"/>
+                                  </a:rPr>
+                                  <m:t>𝑯</m:t>
+                                </m:r>
+                              </m:e>
+                            </m:d>
+                          </m:e>
+                          <m:sup>
+                            <m:r>
+                              <a:rPr lang="en-US" b="1" i="1" smtClean="0">
+                                <a:latin typeface="Cambria Math" panose="02040503050406030204" pitchFamily="18" charset="0"/>
+                              </a:rPr>
+                              <m:t>−</m:t>
+                            </m:r>
+                            <m:r>
+                              <a:rPr lang="en-US" b="1" i="1" smtClean="0">
+                                <a:latin typeface="Cambria Math" panose="02040503050406030204" pitchFamily="18" charset="0"/>
+                              </a:rPr>
+                              <m:t>𝟏</m:t>
+                            </m:r>
+                          </m:sup>
+                        </m:sSup>
+                        <m:sSup>
+                          <m:sSupPr>
+                            <m:ctrlPr>
+                              <a:rPr lang="en-US" b="1" i="1" smtClean="0">
+                                <a:latin typeface="Cambria Math" panose="02040503050406030204" pitchFamily="18" charset="0"/>
+                              </a:rPr>
+                            </m:ctrlPr>
+                          </m:sSupPr>
+                          <m:e>
+                            <m:r>
+                              <a:rPr lang="en-US" b="1" i="1" smtClean="0">
+                                <a:latin typeface="Cambria Math" panose="02040503050406030204" pitchFamily="18" charset="0"/>
+                              </a:rPr>
+                              <m:t>𝑯</m:t>
+                            </m:r>
+                          </m:e>
+                          <m:sup>
+                            <m:r>
+                              <a:rPr lang="en-US" b="1" i="1" smtClean="0">
+                                <a:latin typeface="Cambria Math" panose="02040503050406030204" pitchFamily="18" charset="0"/>
+                              </a:rPr>
+                              <m:t>∗</m:t>
+                            </m:r>
+                          </m:sup>
+                        </m:sSup>
+                        <m:r>
+                          <a:rPr lang="en-US" b="1" i="1" smtClean="0">
+                            <a:latin typeface="Cambria Math" panose="02040503050406030204" pitchFamily="18" charset="0"/>
+                          </a:rPr>
+                          <m:t>𝒗</m:t>
+                        </m:r>
+                      </m:e>
+                    </m:d>
+                    <m:sSup>
+                      <m:sSupPr>
+                        <m:ctrlPr>
+                          <a:rPr lang="en-US" b="0" i="1" smtClean="0">
+                            <a:latin typeface="Cambria Math" panose="02040503050406030204" pitchFamily="18" charset="0"/>
+                          </a:rPr>
+                        </m:ctrlPr>
+                      </m:sSupPr>
+                      <m:e>
+                        <m:d>
+                          <m:dPr>
+                            <m:ctrlPr>
+                              <a:rPr lang="en-US" b="0" i="1" smtClean="0">
+                                <a:latin typeface="Cambria Math" panose="02040503050406030204" pitchFamily="18" charset="0"/>
+                              </a:rPr>
+                            </m:ctrlPr>
+                          </m:dPr>
+                          <m:e>
+                            <m:r>
+                              <a:rPr lang="en-US" b="1" i="1" smtClean="0">
+                                <a:latin typeface="Cambria Math" panose="02040503050406030204" pitchFamily="18" charset="0"/>
+                              </a:rPr>
+                              <m:t>𝒔</m:t>
+                            </m:r>
+                            <m:r>
+                              <a:rPr lang="en-US" b="1" i="1" smtClean="0">
+                                <a:latin typeface="Cambria Math" panose="02040503050406030204" pitchFamily="18" charset="0"/>
+                              </a:rPr>
+                              <m:t>−</m:t>
+                            </m:r>
+                            <m:r>
+                              <a:rPr lang="en-US" b="1" i="1" smtClean="0">
+                                <a:latin typeface="Cambria Math" panose="02040503050406030204" pitchFamily="18" charset="0"/>
+                              </a:rPr>
+                              <m:t>𝒔</m:t>
+                            </m:r>
+                            <m:r>
+                              <a:rPr lang="en-US" b="1" i="1" smtClean="0">
+                                <a:latin typeface="Cambria Math" panose="02040503050406030204" pitchFamily="18" charset="0"/>
+                              </a:rPr>
+                              <m:t>−</m:t>
+                            </m:r>
+                            <m:sSup>
+                              <m:sSupPr>
+                                <m:ctrlPr>
+                                  <a:rPr lang="en-US" b="1" i="1" smtClean="0">
+                                    <a:latin typeface="Cambria Math" panose="02040503050406030204" pitchFamily="18" charset="0"/>
+                                  </a:rPr>
+                                </m:ctrlPr>
+                              </m:sSupPr>
+                              <m:e>
+                                <m:d>
+                                  <m:dPr>
+                                    <m:ctrlPr>
+                                      <a:rPr lang="en-US" b="1" i="1" smtClean="0">
+                                        <a:latin typeface="Cambria Math" panose="02040503050406030204" pitchFamily="18" charset="0"/>
+                                      </a:rPr>
+                                    </m:ctrlPr>
+                                  </m:dPr>
+                                  <m:e>
+                                    <m:sSup>
+                                      <m:sSupPr>
+                                        <m:ctrlPr>
+                                          <a:rPr lang="en-US" b="1" i="1" smtClean="0">
+                                            <a:latin typeface="Cambria Math" panose="02040503050406030204" pitchFamily="18" charset="0"/>
+                                          </a:rPr>
+                                        </m:ctrlPr>
+                                      </m:sSupPr>
+                                      <m:e>
+                                        <m:r>
+                                          <a:rPr lang="en-US" b="1" i="1" smtClean="0">
+                                            <a:latin typeface="Cambria Math" panose="02040503050406030204" pitchFamily="18" charset="0"/>
+                                          </a:rPr>
+                                          <m:t>𝑯</m:t>
+                                        </m:r>
+                                      </m:e>
+                                      <m:sup>
+                                        <m:r>
+                                          <a:rPr lang="en-US" b="1" i="1" smtClean="0">
+                                            <a:latin typeface="Cambria Math" panose="02040503050406030204" pitchFamily="18" charset="0"/>
+                                          </a:rPr>
+                                          <m:t>∗</m:t>
+                                        </m:r>
+                                      </m:sup>
+                                    </m:sSup>
+                                    <m:r>
+                                      <a:rPr lang="en-US" b="1" i="1" smtClean="0">
+                                        <a:latin typeface="Cambria Math" panose="02040503050406030204" pitchFamily="18" charset="0"/>
+                                      </a:rPr>
+                                      <m:t>𝑯</m:t>
+                                    </m:r>
+                                  </m:e>
+                                </m:d>
+                              </m:e>
+                              <m:sup>
+                                <m:r>
+                                  <a:rPr lang="en-US" b="1" i="1" smtClean="0">
+                                    <a:latin typeface="Cambria Math" panose="02040503050406030204" pitchFamily="18" charset="0"/>
+                                  </a:rPr>
+                                  <m:t>−</m:t>
+                                </m:r>
+                                <m:r>
+                                  <a:rPr lang="en-US" b="1" i="1" smtClean="0">
+                                    <a:latin typeface="Cambria Math" panose="02040503050406030204" pitchFamily="18" charset="0"/>
+                                  </a:rPr>
+                                  <m:t>𝟏</m:t>
+                                </m:r>
+                              </m:sup>
+                            </m:sSup>
+                            <m:sSup>
+                              <m:sSupPr>
+                                <m:ctrlPr>
+                                  <a:rPr lang="en-US" b="1" i="1" smtClean="0">
+                                    <a:latin typeface="Cambria Math" panose="02040503050406030204" pitchFamily="18" charset="0"/>
+                                  </a:rPr>
+                                </m:ctrlPr>
+                              </m:sSupPr>
+                              <m:e>
+                                <m:r>
+                                  <a:rPr lang="en-US" b="1" i="1" smtClean="0">
+                                    <a:latin typeface="Cambria Math" panose="02040503050406030204" pitchFamily="18" charset="0"/>
+                                  </a:rPr>
+                                  <m:t>𝑯</m:t>
+                                </m:r>
+                              </m:e>
+                              <m:sup>
+                                <m:r>
+                                  <a:rPr lang="en-US" b="1" i="1" smtClean="0">
+                                    <a:latin typeface="Cambria Math" panose="02040503050406030204" pitchFamily="18" charset="0"/>
+                                  </a:rPr>
+                                  <m:t>∗</m:t>
+                                </m:r>
+                              </m:sup>
+                            </m:sSup>
+                            <m:r>
+                              <a:rPr lang="en-US" b="1" i="1" smtClean="0">
+                                <a:latin typeface="Cambria Math" panose="02040503050406030204" pitchFamily="18" charset="0"/>
+                              </a:rPr>
+                              <m:t>𝒗</m:t>
+                            </m:r>
+                          </m:e>
+                        </m:d>
+                      </m:e>
+                      <m:sup>
+                        <m:r>
+                          <a:rPr lang="en-US" b="0" i="1" smtClean="0">
+                            <a:latin typeface="Cambria Math" panose="02040503050406030204" pitchFamily="18" charset="0"/>
+                          </a:rPr>
+                          <m:t>∗</m:t>
+                        </m:r>
+                      </m:sup>
+                    </m:sSup>
+                    <m:r>
+                      <a:rPr lang="en-US" b="0" i="1" smtClean="0">
+                        <a:latin typeface="Cambria Math" panose="02040503050406030204" pitchFamily="18" charset="0"/>
+                      </a:rPr>
+                      <m:t>]</m:t>
+                    </m:r>
+                  </m:oMath>
+                </a14:m>
+                <a:endParaRPr lang="en-US" b="0" dirty="0"/>
+              </a:p>
+              <a:p>
+                <a:r>
+                  <a:rPr lang="en-US" b="0" dirty="0"/>
+                  <a:t>                                     </a:t>
+                </a:r>
+                <a14:m>
+                  <m:oMath xmlns:m="http://schemas.openxmlformats.org/officeDocument/2006/math">
+                    <m:r>
+                      <a:rPr lang="en-US" b="0" i="0" smtClean="0">
+                        <a:latin typeface="Cambria Math" panose="02040503050406030204" pitchFamily="18" charset="0"/>
+                      </a:rPr>
+                      <m:t> </m:t>
+                    </m:r>
+                    <m:r>
+                      <a:rPr lang="en-US" b="0" i="1" smtClean="0">
+                        <a:latin typeface="Cambria Math" panose="02040503050406030204" pitchFamily="18" charset="0"/>
+                      </a:rPr>
+                      <m:t>=</m:t>
+                    </m:r>
+                    <m:r>
+                      <a:rPr lang="en-US" b="0" i="1" smtClean="0">
+                        <a:latin typeface="Cambria Math" panose="02040503050406030204" pitchFamily="18" charset="0"/>
+                      </a:rPr>
+                      <m:t>𝐸</m:t>
+                    </m:r>
+                    <m:d>
+                      <m:dPr>
+                        <m:begChr m:val="["/>
+                        <m:endChr m:val="]"/>
+                        <m:ctrlPr>
+                          <a:rPr lang="en-US" b="1" i="1" smtClean="0">
+                            <a:latin typeface="Cambria Math" panose="02040503050406030204" pitchFamily="18" charset="0"/>
+                          </a:rPr>
+                        </m:ctrlPr>
+                      </m:dPr>
+                      <m:e>
+                        <m:sSup>
+                          <m:sSupPr>
+                            <m:ctrlPr>
+                              <a:rPr lang="en-US" b="1" i="1" smtClean="0">
+                                <a:latin typeface="Cambria Math" panose="02040503050406030204" pitchFamily="18" charset="0"/>
+                              </a:rPr>
+                            </m:ctrlPr>
+                          </m:sSupPr>
+                          <m:e>
+                            <m:d>
+                              <m:dPr>
+                                <m:ctrlPr>
+                                  <a:rPr lang="en-US" b="1" i="1" smtClean="0">
+                                    <a:latin typeface="Cambria Math" panose="02040503050406030204" pitchFamily="18" charset="0"/>
+                                  </a:rPr>
+                                </m:ctrlPr>
+                              </m:dPr>
+                              <m:e>
+                                <m:sSup>
+                                  <m:sSupPr>
+                                    <m:ctrlPr>
+                                      <a:rPr lang="en-US" b="1" i="1" smtClean="0">
+                                        <a:latin typeface="Cambria Math" panose="02040503050406030204" pitchFamily="18" charset="0"/>
+                                      </a:rPr>
+                                    </m:ctrlPr>
+                                  </m:sSupPr>
+                                  <m:e>
+                                    <m:r>
+                                      <a:rPr lang="en-US" b="1" i="1" smtClean="0">
+                                        <a:latin typeface="Cambria Math" panose="02040503050406030204" pitchFamily="18" charset="0"/>
+                                      </a:rPr>
+                                      <m:t>𝑯</m:t>
+                                    </m:r>
+                                  </m:e>
+                                  <m:sup>
+                                    <m:r>
+                                      <a:rPr lang="en-US" b="1" i="1" smtClean="0">
+                                        <a:latin typeface="Cambria Math" panose="02040503050406030204" pitchFamily="18" charset="0"/>
+                                      </a:rPr>
+                                      <m:t>∗</m:t>
+                                    </m:r>
+                                  </m:sup>
+                                </m:sSup>
+                                <m:r>
+                                  <a:rPr lang="en-US" b="1" i="1" smtClean="0">
+                                    <a:latin typeface="Cambria Math" panose="02040503050406030204" pitchFamily="18" charset="0"/>
+                                  </a:rPr>
+                                  <m:t>𝑯</m:t>
+                                </m:r>
+                              </m:e>
+                            </m:d>
+                          </m:e>
+                          <m:sup>
+                            <m:r>
+                              <a:rPr lang="en-US" b="1" i="1" smtClean="0">
+                                <a:latin typeface="Cambria Math" panose="02040503050406030204" pitchFamily="18" charset="0"/>
+                              </a:rPr>
+                              <m:t>−</m:t>
+                            </m:r>
+                            <m:r>
+                              <a:rPr lang="en-US" b="1" i="1" smtClean="0">
+                                <a:latin typeface="Cambria Math" panose="02040503050406030204" pitchFamily="18" charset="0"/>
+                              </a:rPr>
+                              <m:t>𝟏</m:t>
+                            </m:r>
+                          </m:sup>
+                        </m:sSup>
+                        <m:sSup>
+                          <m:sSupPr>
+                            <m:ctrlPr>
+                              <a:rPr lang="en-US" b="1" i="1" smtClean="0">
+                                <a:latin typeface="Cambria Math" panose="02040503050406030204" pitchFamily="18" charset="0"/>
+                              </a:rPr>
+                            </m:ctrlPr>
+                          </m:sSupPr>
+                          <m:e>
+                            <m:r>
+                              <a:rPr lang="en-US" b="1" i="1" smtClean="0">
+                                <a:latin typeface="Cambria Math" panose="02040503050406030204" pitchFamily="18" charset="0"/>
+                              </a:rPr>
+                              <m:t>𝑯</m:t>
+                            </m:r>
+                          </m:e>
+                          <m:sup>
+                            <m:r>
+                              <a:rPr lang="en-US" b="1" i="1" smtClean="0">
+                                <a:latin typeface="Cambria Math" panose="02040503050406030204" pitchFamily="18" charset="0"/>
+                              </a:rPr>
+                              <m:t>∗</m:t>
+                            </m:r>
+                          </m:sup>
+                        </m:sSup>
+                        <m:r>
+                          <a:rPr lang="en-US" b="1" i="1" smtClean="0">
+                            <a:latin typeface="Cambria Math" panose="02040503050406030204" pitchFamily="18" charset="0"/>
+                          </a:rPr>
+                          <m:t>𝒗</m:t>
+                        </m:r>
+                        <m:sSup>
+                          <m:sSupPr>
+                            <m:ctrlPr>
+                              <a:rPr lang="en-US" b="1" i="1" smtClean="0">
+                                <a:latin typeface="Cambria Math" panose="02040503050406030204" pitchFamily="18" charset="0"/>
+                              </a:rPr>
+                            </m:ctrlPr>
+                          </m:sSupPr>
+                          <m:e>
+                            <m:r>
+                              <a:rPr lang="en-US" b="1" i="1" smtClean="0">
+                                <a:latin typeface="Cambria Math" panose="02040503050406030204" pitchFamily="18" charset="0"/>
+                              </a:rPr>
+                              <m:t>𝒗</m:t>
+                            </m:r>
+                          </m:e>
+                          <m:sup>
+                            <m:r>
+                              <a:rPr lang="en-US" b="1" i="1" smtClean="0">
+                                <a:latin typeface="Cambria Math" panose="02040503050406030204" pitchFamily="18" charset="0"/>
+                              </a:rPr>
+                              <m:t>∗</m:t>
+                            </m:r>
+                          </m:sup>
+                        </m:sSup>
+                        <m:r>
+                          <a:rPr lang="en-US" b="1" i="1" smtClean="0">
+                            <a:latin typeface="Cambria Math" panose="02040503050406030204" pitchFamily="18" charset="0"/>
+                          </a:rPr>
+                          <m:t>𝑯</m:t>
+                        </m:r>
+                        <m:sSup>
+                          <m:sSupPr>
+                            <m:ctrlPr>
+                              <a:rPr lang="en-US" b="1" i="1" smtClean="0">
+                                <a:latin typeface="Cambria Math" panose="02040503050406030204" pitchFamily="18" charset="0"/>
+                              </a:rPr>
+                            </m:ctrlPr>
+                          </m:sSupPr>
+                          <m:e>
+                            <m:d>
+                              <m:dPr>
+                                <m:ctrlPr>
+                                  <a:rPr lang="en-US" b="1" i="1" smtClean="0">
+                                    <a:latin typeface="Cambria Math" panose="02040503050406030204" pitchFamily="18" charset="0"/>
+                                  </a:rPr>
+                                </m:ctrlPr>
+                              </m:dPr>
+                              <m:e>
+                                <m:sSup>
+                                  <m:sSupPr>
+                                    <m:ctrlPr>
+                                      <a:rPr lang="en-US" b="1" i="1" smtClean="0">
+                                        <a:latin typeface="Cambria Math" panose="02040503050406030204" pitchFamily="18" charset="0"/>
+                                      </a:rPr>
+                                    </m:ctrlPr>
+                                  </m:sSupPr>
+                                  <m:e>
+                                    <m:r>
+                                      <a:rPr lang="en-US" b="1" i="1" smtClean="0">
+                                        <a:latin typeface="Cambria Math" panose="02040503050406030204" pitchFamily="18" charset="0"/>
+                                      </a:rPr>
+                                      <m:t>𝑯</m:t>
+                                    </m:r>
+                                  </m:e>
+                                  <m:sup>
+                                    <m:r>
+                                      <a:rPr lang="en-US" b="1" i="1" smtClean="0">
+                                        <a:latin typeface="Cambria Math" panose="02040503050406030204" pitchFamily="18" charset="0"/>
+                                      </a:rPr>
+                                      <m:t>∗</m:t>
+                                    </m:r>
+                                  </m:sup>
+                                </m:sSup>
+                                <m:r>
+                                  <a:rPr lang="en-US" b="1" i="1" smtClean="0">
+                                    <a:latin typeface="Cambria Math" panose="02040503050406030204" pitchFamily="18" charset="0"/>
+                                  </a:rPr>
+                                  <m:t>𝑯</m:t>
+                                </m:r>
+                              </m:e>
+                            </m:d>
+                          </m:e>
+                          <m:sup>
+                            <m:r>
+                              <a:rPr lang="en-US" b="1" i="1" smtClean="0">
+                                <a:latin typeface="Cambria Math" panose="02040503050406030204" pitchFamily="18" charset="0"/>
+                              </a:rPr>
+                              <m:t>−</m:t>
+                            </m:r>
+                            <m:r>
+                              <a:rPr lang="en-US" b="1" i="1" smtClean="0">
+                                <a:latin typeface="Cambria Math" panose="02040503050406030204" pitchFamily="18" charset="0"/>
+                              </a:rPr>
+                              <m:t>𝟏</m:t>
+                            </m:r>
+                          </m:sup>
+                        </m:sSup>
+                      </m:e>
+                    </m:d>
+                    <m:r>
+                      <a:rPr lang="en-US" b="1" i="1" smtClean="0">
+                        <a:latin typeface="Cambria Math" panose="02040503050406030204" pitchFamily="18" charset="0"/>
+                      </a:rPr>
+                      <m:t>=</m:t>
+                    </m:r>
+                    <m:r>
+                      <a:rPr lang="en-US" b="1" i="1" smtClean="0">
+                        <a:latin typeface="Cambria Math" panose="02040503050406030204" pitchFamily="18" charset="0"/>
+                      </a:rPr>
+                      <m:t>𝝈</m:t>
+                    </m:r>
+                    <m:r>
+                      <a:rPr lang="en-US" b="1" i="1" baseline="-25000" smtClean="0">
+                        <a:latin typeface="Cambria Math" panose="02040503050406030204" pitchFamily="18" charset="0"/>
+                      </a:rPr>
+                      <m:t>𝒗</m:t>
+                    </m:r>
+                    <m:sSup>
+                      <m:sSupPr>
+                        <m:ctrlPr>
+                          <a:rPr lang="en-US" b="1" i="1" smtClean="0">
+                            <a:latin typeface="Cambria Math" panose="02040503050406030204" pitchFamily="18" charset="0"/>
+                          </a:rPr>
+                        </m:ctrlPr>
+                      </m:sSupPr>
+                      <m:e>
+                        <m:r>
+                          <a:rPr lang="en-US" b="1" i="1" baseline="30000" smtClean="0">
+                            <a:latin typeface="Cambria Math" panose="02040503050406030204" pitchFamily="18" charset="0"/>
+                          </a:rPr>
+                          <m:t>𝟐</m:t>
+                        </m:r>
+                        <m:r>
+                          <a:rPr lang="en-US" b="1" i="1" baseline="30000" smtClean="0">
+                            <a:latin typeface="Cambria Math" panose="02040503050406030204" pitchFamily="18" charset="0"/>
+                          </a:rPr>
+                          <m:t> </m:t>
+                        </m:r>
+                        <m:d>
+                          <m:dPr>
+                            <m:ctrlPr>
+                              <a:rPr lang="en-US" b="1" i="1" smtClean="0">
+                                <a:latin typeface="Cambria Math" panose="02040503050406030204" pitchFamily="18" charset="0"/>
+                              </a:rPr>
+                            </m:ctrlPr>
+                          </m:dPr>
+                          <m:e>
+                            <m:sSup>
+                              <m:sSupPr>
+                                <m:ctrlPr>
+                                  <a:rPr lang="en-US" b="1" i="1" smtClean="0">
+                                    <a:latin typeface="Cambria Math" panose="02040503050406030204" pitchFamily="18" charset="0"/>
+                                  </a:rPr>
+                                </m:ctrlPr>
+                              </m:sSupPr>
+                              <m:e>
+                                <m:r>
+                                  <a:rPr lang="en-US" b="1" i="1" smtClean="0">
+                                    <a:latin typeface="Cambria Math" panose="02040503050406030204" pitchFamily="18" charset="0"/>
+                                  </a:rPr>
+                                  <m:t>𝑯</m:t>
+                                </m:r>
+                              </m:e>
+                              <m:sup>
+                                <m:r>
+                                  <a:rPr lang="en-US" b="1" i="1" smtClean="0">
+                                    <a:latin typeface="Cambria Math" panose="02040503050406030204" pitchFamily="18" charset="0"/>
+                                  </a:rPr>
+                                  <m:t>∗</m:t>
+                                </m:r>
+                              </m:sup>
+                            </m:sSup>
+                            <m:r>
+                              <a:rPr lang="en-US" b="1" i="1" smtClean="0">
+                                <a:latin typeface="Cambria Math" panose="02040503050406030204" pitchFamily="18" charset="0"/>
+                              </a:rPr>
+                              <m:t>𝑯</m:t>
+                            </m:r>
+                          </m:e>
+                        </m:d>
+                      </m:e>
+                      <m:sup>
+                        <m:r>
+                          <a:rPr lang="en-US" b="1" i="1" smtClean="0">
+                            <a:latin typeface="Cambria Math" panose="02040503050406030204" pitchFamily="18" charset="0"/>
+                          </a:rPr>
+                          <m:t>−</m:t>
+                        </m:r>
+                        <m:r>
+                          <a:rPr lang="en-US" b="1" i="1" smtClean="0">
+                            <a:latin typeface="Cambria Math" panose="02040503050406030204" pitchFamily="18" charset="0"/>
+                          </a:rPr>
+                          <m:t>𝟏</m:t>
+                        </m:r>
+                      </m:sup>
+                    </m:sSup>
+                    <m:r>
+                      <a:rPr lang="en-US" b="1" i="1" smtClean="0">
+                        <a:latin typeface="Cambria Math" panose="02040503050406030204" pitchFamily="18" charset="0"/>
+                      </a:rPr>
+                      <m:t> ≜</m:t>
+                    </m:r>
+                  </m:oMath>
+                </a14:m>
+                <a:r>
+                  <a:rPr lang="en-US" b="1" dirty="0"/>
+                  <a:t> </a:t>
+                </a:r>
+                <a14:m>
+                  <m:oMath xmlns:m="http://schemas.openxmlformats.org/officeDocument/2006/math">
+                    <m:r>
+                      <a:rPr lang="en-US" b="1" i="1">
+                        <a:latin typeface="Cambria Math" panose="02040503050406030204" pitchFamily="18" charset="0"/>
+                      </a:rPr>
+                      <m:t>𝝈</m:t>
+                    </m:r>
+                    <m:r>
+                      <a:rPr lang="en-US" b="1" i="1" baseline="-25000">
+                        <a:latin typeface="Cambria Math" panose="02040503050406030204" pitchFamily="18" charset="0"/>
+                      </a:rPr>
+                      <m:t>𝒗</m:t>
+                    </m:r>
+                  </m:oMath>
+                </a14:m>
+                <a:r>
+                  <a:rPr lang="en-US" b="1" baseline="30000" dirty="0"/>
+                  <a:t>2</a:t>
+                </a:r>
+                <a:r>
+                  <a:rPr lang="en-US" b="1" dirty="0"/>
+                  <a:t> </a:t>
+                </a:r>
+                <a14:m>
+                  <m:oMath xmlns:m="http://schemas.openxmlformats.org/officeDocument/2006/math">
+                    <m:r>
+                      <a:rPr lang="en-US" b="1" i="1" smtClean="0">
+                        <a:latin typeface="Cambria Math" panose="02040503050406030204" pitchFamily="18" charset="0"/>
+                      </a:rPr>
+                      <m:t>𝑷</m:t>
+                    </m:r>
+                  </m:oMath>
+                </a14:m>
+                <a:endParaRPr lang="en-US" b="1" dirty="0"/>
+              </a:p>
+              <a:p>
+                <a:r>
+                  <a:rPr lang="en-US" dirty="0"/>
+                  <a:t>Or using the pseudo-inverse:</a:t>
+                </a:r>
+              </a:p>
+              <a:p>
+                <a:endParaRPr lang="en-US" dirty="0"/>
+              </a:p>
+              <a:p>
+                <a14:m>
+                  <m:oMath xmlns:m="http://schemas.openxmlformats.org/officeDocument/2006/math">
+                    <m:r>
+                      <a:rPr lang="en-US" b="1" i="1" smtClean="0">
+                        <a:latin typeface="Cambria Math" panose="02040503050406030204" pitchFamily="18" charset="0"/>
+                      </a:rPr>
+                      <m:t>𝑷</m:t>
+                    </m:r>
+                    <m:r>
+                      <a:rPr lang="en-US" b="1" i="1" smtClean="0">
+                        <a:latin typeface="Cambria Math" panose="02040503050406030204" pitchFamily="18" charset="0"/>
+                      </a:rPr>
+                      <m:t>=</m:t>
+                    </m:r>
+                    <m:sSup>
+                      <m:sSupPr>
+                        <m:ctrlPr>
+                          <a:rPr lang="en-US" b="1" i="1" smtClean="0">
+                            <a:latin typeface="Cambria Math" panose="02040503050406030204" pitchFamily="18" charset="0"/>
+                          </a:rPr>
+                        </m:ctrlPr>
+                      </m:sSupPr>
+                      <m:e>
+                        <m:r>
+                          <a:rPr lang="en-US" b="1" i="1" smtClean="0">
+                            <a:latin typeface="Cambria Math" panose="02040503050406030204" pitchFamily="18" charset="0"/>
+                          </a:rPr>
+                          <m:t>𝑯</m:t>
+                        </m:r>
+                      </m:e>
+                      <m:sup>
+                        <m:r>
+                          <a:rPr lang="en-US" b="1" i="1" smtClean="0">
+                            <a:latin typeface="Cambria Math" panose="02040503050406030204" pitchFamily="18" charset="0"/>
+                          </a:rPr>
+                          <m:t>+</m:t>
+                        </m:r>
+                      </m:sup>
+                    </m:sSup>
+                    <m:sSup>
+                      <m:sSupPr>
+                        <m:ctrlPr>
+                          <a:rPr lang="en-US" b="1" i="1" smtClean="0">
+                            <a:latin typeface="Cambria Math" panose="02040503050406030204" pitchFamily="18" charset="0"/>
+                          </a:rPr>
+                        </m:ctrlPr>
+                      </m:sSupPr>
+                      <m:e>
+                        <m:d>
+                          <m:dPr>
+                            <m:ctrlPr>
+                              <a:rPr lang="en-US" b="1" i="1" smtClean="0">
+                                <a:latin typeface="Cambria Math" panose="02040503050406030204" pitchFamily="18" charset="0"/>
+                              </a:rPr>
+                            </m:ctrlPr>
+                          </m:dPr>
+                          <m:e>
+                            <m:sSup>
+                              <m:sSupPr>
+                                <m:ctrlPr>
+                                  <a:rPr lang="en-US" b="1" i="1" smtClean="0">
+                                    <a:latin typeface="Cambria Math" panose="02040503050406030204" pitchFamily="18" charset="0"/>
+                                  </a:rPr>
+                                </m:ctrlPr>
+                              </m:sSupPr>
+                              <m:e>
+                                <m:r>
+                                  <a:rPr lang="en-US" b="1" i="1" smtClean="0">
+                                    <a:latin typeface="Cambria Math" panose="02040503050406030204" pitchFamily="18" charset="0"/>
+                                  </a:rPr>
+                                  <m:t>𝑯</m:t>
+                                </m:r>
+                              </m:e>
+                              <m:sup>
+                                <m:r>
+                                  <a:rPr lang="en-US" b="1" i="1" smtClean="0">
+                                    <a:latin typeface="Cambria Math" panose="02040503050406030204" pitchFamily="18" charset="0"/>
+                                  </a:rPr>
+                                  <m:t>+</m:t>
+                                </m:r>
+                              </m:sup>
+                            </m:sSup>
+                          </m:e>
+                        </m:d>
+                      </m:e>
+                      <m:sup>
+                        <m:r>
+                          <a:rPr lang="en-US" b="1" i="1" smtClean="0">
+                            <a:latin typeface="Cambria Math" panose="02040503050406030204" pitchFamily="18" charset="0"/>
+                          </a:rPr>
+                          <m:t>∗</m:t>
+                        </m:r>
+                      </m:sup>
+                    </m:sSup>
+                  </m:oMath>
+                </a14:m>
+                <a:endParaRPr lang="en-US" b="1" dirty="0"/>
+              </a:p>
+            </p:txBody>
+          </p:sp>
+        </mc:Choice>
+        <mc:Fallback xmlns="">
+          <p:sp>
+            <p:nvSpPr>
+              <p:cNvPr id="3" name="Content Placeholder 2">
+                <a:extLst>
+                  <a:ext uri="{FF2B5EF4-FFF2-40B4-BE49-F238E27FC236}">
+                    <a16:creationId xmlns:a16="http://schemas.microsoft.com/office/drawing/2014/main" id="{9B0BA58D-892C-E503-7519-16D3636F4D39}"/>
+                  </a:ext>
+                </a:extLst>
+              </p:cNvPr>
+              <p:cNvSpPr>
+                <a:spLocks noGrp="1" noRot="1" noChangeAspect="1" noMove="1" noResize="1" noEditPoints="1" noAdjustHandles="1" noChangeArrowheads="1" noChangeShapeType="1" noTextEdit="1"/>
+              </p:cNvSpPr>
+              <p:nvPr>
+                <p:ph idx="1"/>
+              </p:nvPr>
+            </p:nvSpPr>
+            <p:spPr>
+              <a:xfrm>
+                <a:off x="838200" y="1649690"/>
+                <a:ext cx="10515600" cy="4706659"/>
+              </a:xfrm>
+              <a:blipFill>
+                <a:blip r:embed="rId2"/>
+                <a:stretch>
+                  <a:fillRect l="-522" t="-1295"/>
+                </a:stretch>
+              </a:blipFill>
+            </p:spPr>
+            <p:txBody>
+              <a:bodyPr/>
+              <a:lstStyle/>
+              <a:p>
+                <a:r>
+                  <a:rPr lang="en-US">
+                    <a:noFill/>
+                  </a:rPr>
+                  <a:t> </a:t>
+                </a:r>
+              </a:p>
+            </p:txBody>
+          </p:sp>
+        </mc:Fallback>
+      </mc:AlternateContent>
+      <p:sp>
+        <p:nvSpPr>
+          <p:cNvPr id="4" name="Slide Number Placeholder 3">
+            <a:extLst>
+              <a:ext uri="{FF2B5EF4-FFF2-40B4-BE49-F238E27FC236}">
+                <a16:creationId xmlns:a16="http://schemas.microsoft.com/office/drawing/2014/main" id="{2EB167EC-D374-7DAB-AA9D-95C8A366EE3A}"/>
+              </a:ext>
+            </a:extLst>
+          </p:cNvPr>
+          <p:cNvSpPr>
+            <a:spLocks noGrp="1"/>
+          </p:cNvSpPr>
+          <p:nvPr>
+            <p:ph type="sldNum" sz="quarter" idx="12"/>
+          </p:nvPr>
+        </p:nvSpPr>
+        <p:spPr/>
+        <p:txBody>
+          <a:bodyPr/>
+          <a:lstStyle/>
+          <a:p>
+            <a:fld id="{A439D109-9F59-4B0B-8E20-D6D3A384B1F1}" type="slidenum">
+              <a:rPr lang="ko-KR" altLang="en-US" smtClean="0"/>
+              <a:t>35</a:t>
+            </a:fld>
+            <a:endParaRPr lang="ko-KR" altLang="en-US"/>
           </a:p>
         </p:txBody>
       </p:sp>
     </p:spTree>
     <p:extLst>
       <p:ext uri="{BB962C8B-B14F-4D97-AF65-F5344CB8AC3E}">
-        <p14:creationId xmlns:p14="http://schemas.microsoft.com/office/powerpoint/2010/main" val="75383750"/>
+        <p14:creationId xmlns:p14="http://schemas.microsoft.com/office/powerpoint/2010/main" val="3451368749"/>
+      </p:ext>
+    </p:extLst>
+  </p:cSld>
+  <p:clrMapOvr>
+    <a:masterClrMapping/>
+  </p:clrMapOvr>
+</p:sld>
+</file>
+
+<file path=ppt/slides/slide36.xml><?xml version="1.0" encoding="utf-8"?>
+<p:sld xmlns:a="http://schemas.openxmlformats.org/drawingml/2006/main" xmlns:r="http://schemas.openxmlformats.org/officeDocument/2006/relationships" xmlns:p="http://schemas.openxmlformats.org/presentationml/2006/main">
+  <p:cSld>
+    <p:spTree>
+      <p:nvGrpSpPr>
+        <p:cNvPr id="1" name=""/>
+        <p:cNvGrpSpPr/>
+        <p:nvPr/>
+      </p:nvGrpSpPr>
+      <p:grpSpPr>
+        <a:xfrm>
+          <a:off x="0" y="0"/>
+          <a:ext cx="0" cy="0"/>
+          <a:chOff x="0" y="0"/>
+          <a:chExt cx="0" cy="0"/>
+        </a:xfrm>
+      </p:grpSpPr>
+      <p:sp>
+        <p:nvSpPr>
+          <p:cNvPr id="2" name="Title 1">
+            <a:extLst>
+              <a:ext uri="{FF2B5EF4-FFF2-40B4-BE49-F238E27FC236}">
+                <a16:creationId xmlns:a16="http://schemas.microsoft.com/office/drawing/2014/main" id="{3B8521F4-FF50-87DA-DC56-101A96010B4E}"/>
+              </a:ext>
+            </a:extLst>
+          </p:cNvPr>
+          <p:cNvSpPr>
+            <a:spLocks noGrp="1"/>
+          </p:cNvSpPr>
+          <p:nvPr>
+            <p:ph type="title"/>
+          </p:nvPr>
+        </p:nvSpPr>
+        <p:spPr/>
+        <p:txBody>
+          <a:bodyPr/>
+          <a:lstStyle/>
+          <a:p>
+            <a:r>
+              <a:rPr lang="en-US" dirty="0"/>
+              <a:t>Zero Forcing with Decision Feedback Decoding</a:t>
+            </a:r>
+          </a:p>
+        </p:txBody>
+      </p:sp>
+      <mc:AlternateContent xmlns:mc="http://schemas.openxmlformats.org/markup-compatibility/2006">
+        <mc:Choice xmlns:a14="http://schemas.microsoft.com/office/drawing/2010/main" Requires="a14">
+          <p:sp>
+            <p:nvSpPr>
+              <p:cNvPr id="3" name="Content Placeholder 2">
+                <a:extLst>
+                  <a:ext uri="{FF2B5EF4-FFF2-40B4-BE49-F238E27FC236}">
+                    <a16:creationId xmlns:a16="http://schemas.microsoft.com/office/drawing/2014/main" id="{C69D6EB8-2040-CA82-A4B5-091816CD8D23}"/>
+                  </a:ext>
+                </a:extLst>
+              </p:cNvPr>
+              <p:cNvSpPr>
+                <a:spLocks noGrp="1"/>
+              </p:cNvSpPr>
+              <p:nvPr>
+                <p:ph idx="1"/>
+              </p:nvPr>
+            </p:nvSpPr>
+            <p:spPr/>
+            <p:txBody>
+              <a:bodyPr/>
+              <a:lstStyle/>
+              <a:p>
+                <a:r>
+                  <a:rPr lang="en-US" dirty="0"/>
+                  <a:t>Let </a:t>
+                </a:r>
+                <a:r>
+                  <a:rPr lang="en-US" b="1" dirty="0"/>
+                  <a:t>(</a:t>
+                </a:r>
+                <a:r>
+                  <a:rPr lang="en-US" b="1" dirty="0" err="1"/>
+                  <a:t>s</a:t>
+                </a:r>
+                <a:r>
+                  <a:rPr lang="en-US" b="1" baseline="-25000" dirty="0" err="1"/>
+                  <a:t>est</a:t>
+                </a:r>
+                <a:r>
+                  <a:rPr lang="en-US" b="1" dirty="0"/>
+                  <a:t>)</a:t>
+                </a:r>
+                <a:r>
+                  <a:rPr lang="en-US" b="1" baseline="-25000" dirty="0" err="1"/>
+                  <a:t>i</a:t>
+                </a:r>
+                <a:r>
+                  <a:rPr lang="en-US" b="1" dirty="0"/>
+                  <a:t> </a:t>
+                </a:r>
+                <a:r>
+                  <a:rPr lang="en-US" dirty="0"/>
+                  <a:t>be the </a:t>
+                </a:r>
+                <a:r>
+                  <a:rPr lang="en-US" dirty="0" err="1"/>
+                  <a:t>i-th</a:t>
+                </a:r>
+                <a:r>
+                  <a:rPr lang="en-US" dirty="0"/>
+                  <a:t> entry of </a:t>
+                </a:r>
+                <a:r>
+                  <a:rPr lang="en-US" b="1" dirty="0" err="1"/>
+                  <a:t>s</a:t>
+                </a:r>
+                <a:r>
+                  <a:rPr lang="en-US" b="1" baseline="-25000" dirty="0" err="1"/>
+                  <a:t>est</a:t>
+                </a:r>
+                <a:endParaRPr lang="en-US" b="1" dirty="0"/>
+              </a:p>
+              <a:p>
+                <a:r>
+                  <a:rPr lang="en-US" dirty="0"/>
+                  <a:t>The best estimate (</a:t>
+                </a:r>
+                <a:r>
+                  <a:rPr lang="en-US" b="1" dirty="0" err="1"/>
+                  <a:t>s</a:t>
+                </a:r>
+                <a:r>
+                  <a:rPr lang="en-US" b="1" baseline="-25000" dirty="0" err="1"/>
+                  <a:t>est</a:t>
+                </a:r>
+                <a:r>
+                  <a:rPr lang="en-US" dirty="0"/>
+                  <a:t>)</a:t>
+                </a:r>
+                <a:r>
+                  <a:rPr lang="en-US" baseline="-25000" dirty="0" err="1"/>
+                  <a:t>i</a:t>
+                </a:r>
+                <a:r>
+                  <a:rPr lang="en-US" dirty="0"/>
+                  <a:t>, is the one for which </a:t>
+                </a:r>
+                <a:r>
+                  <a:rPr lang="en-US" b="1" dirty="0" err="1"/>
+                  <a:t>P</a:t>
+                </a:r>
+                <a:r>
+                  <a:rPr lang="en-US" b="1" baseline="-25000" dirty="0" err="1"/>
+                  <a:t>ii</a:t>
+                </a:r>
+                <a:r>
+                  <a:rPr lang="en-US" b="1" dirty="0"/>
+                  <a:t> </a:t>
+                </a:r>
+                <a:r>
+                  <a:rPr lang="en-US" dirty="0"/>
+                  <a:t>is the smallest </a:t>
+                </a:r>
+              </a:p>
+              <a:p>
+                <a:r>
+                  <a:rPr lang="en-US" dirty="0"/>
+                  <a:t>Estimate with the smallest error covariance</a:t>
+                </a:r>
+              </a:p>
+              <a:p>
+                <a:r>
+                  <a:rPr lang="en-US" b="1" dirty="0" err="1"/>
+                  <a:t>P</a:t>
+                </a:r>
+                <a:r>
+                  <a:rPr lang="en-US" b="1" baseline="-25000" dirty="0" err="1"/>
+                  <a:t>ii</a:t>
+                </a:r>
+                <a:r>
+                  <a:rPr lang="en-US" dirty="0"/>
+                  <a:t> is equal to the squared length of the </a:t>
+                </a:r>
+                <a:r>
+                  <a:rPr lang="en-US" dirty="0" err="1"/>
+                  <a:t>i-th</a:t>
+                </a:r>
+                <a:r>
+                  <a:rPr lang="en-US" dirty="0"/>
+                  <a:t> row of the pseudo-inverse</a:t>
+                </a:r>
+              </a:p>
+              <a:p>
+                <a:r>
+                  <a:rPr lang="en-US" dirty="0"/>
+                  <a:t>The minimum squared length row of </a:t>
+                </a:r>
+                <a:r>
+                  <a:rPr lang="en-US" b="1" dirty="0"/>
+                  <a:t>H</a:t>
+                </a:r>
+                <a:r>
+                  <a:rPr lang="en-US" b="1" baseline="30000" dirty="0"/>
+                  <a:t>+</a:t>
+                </a:r>
+                <a:r>
+                  <a:rPr lang="en-US" dirty="0"/>
+                  <a:t> is equivalent</a:t>
+                </a:r>
+              </a:p>
+              <a:p>
+                <a:r>
+                  <a:rPr lang="en-US" dirty="0"/>
+                  <a:t>The pseudo-inverse of </a:t>
+                </a:r>
+                <a:r>
+                  <a:rPr lang="en-US" b="1" dirty="0"/>
+                  <a:t>H</a:t>
+                </a:r>
+                <a:r>
+                  <a:rPr lang="en-US" dirty="0"/>
+                  <a:t> is arranged such that the row with the least squared length         becomes the last row</a:t>
+                </a:r>
+              </a:p>
+              <a:p>
+                <a:r>
+                  <a:rPr lang="en-US" dirty="0"/>
+                  <a:t>Then the </a:t>
+                </a:r>
+                <a:r>
+                  <a:rPr lang="en-US" b="1" dirty="0" err="1"/>
+                  <a:t>N</a:t>
+                </a:r>
+                <a:r>
+                  <a:rPr lang="en-US" b="1" baseline="-25000" dirty="0" err="1"/>
+                  <a:t>t</a:t>
+                </a:r>
+                <a:r>
+                  <a:rPr lang="en-US" b="1" dirty="0" err="1"/>
+                  <a:t>-th</a:t>
+                </a:r>
+                <a:r>
+                  <a:rPr lang="en-US" dirty="0"/>
+                  <a:t> element of </a:t>
+                </a:r>
+                <a:r>
+                  <a:rPr lang="en-US" b="1" dirty="0" err="1"/>
+                  <a:t>S</a:t>
+                </a:r>
+                <a:r>
+                  <a:rPr lang="en-US" b="1" baseline="-25000" dirty="0" err="1"/>
+                  <a:t>est</a:t>
+                </a:r>
+                <a:r>
+                  <a:rPr lang="en-US" dirty="0"/>
+                  <a:t> can be independently decoded</a:t>
+                </a:r>
+              </a:p>
+              <a:p>
+                <a:r>
+                  <a:rPr lang="en-US" dirty="0"/>
+                  <a:t>Let </a:t>
+                </a:r>
+                <a14:m>
+                  <m:oMath xmlns:m="http://schemas.openxmlformats.org/officeDocument/2006/math">
+                    <m:acc>
+                      <m:accPr>
+                        <m:chr m:val="̂"/>
+                        <m:ctrlPr>
+                          <a:rPr lang="en-US" b="1" i="1" smtClean="0">
+                            <a:latin typeface="Cambria Math" panose="02040503050406030204" pitchFamily="18" charset="0"/>
+                          </a:rPr>
+                        </m:ctrlPr>
+                      </m:accPr>
+                      <m:e>
+                        <m:r>
+                          <a:rPr lang="en-US" b="1" i="1" smtClean="0">
+                            <a:latin typeface="Cambria Math" panose="02040503050406030204" pitchFamily="18" charset="0"/>
+                          </a:rPr>
+                          <m:t>𝒔</m:t>
+                        </m:r>
+                      </m:e>
+                    </m:acc>
+                  </m:oMath>
+                </a14:m>
+                <a:r>
+                  <a:rPr lang="en-US" b="1" baseline="-25000" dirty="0" err="1"/>
+                  <a:t>Nt</a:t>
+                </a:r>
+                <a:r>
+                  <a:rPr lang="en-US" b="1" dirty="0"/>
+                  <a:t> </a:t>
+                </a:r>
+                <a:r>
+                  <a:rPr lang="en-US" dirty="0"/>
+                  <a:t>denote the decode value</a:t>
+                </a:r>
+              </a:p>
+              <a:p>
+                <a:r>
+                  <a:rPr lang="en-US" dirty="0"/>
+                  <a:t>The value can be used to improve the estimate of the remaining </a:t>
+                </a:r>
+                <a14:m>
+                  <m:oMath xmlns:m="http://schemas.openxmlformats.org/officeDocument/2006/math">
+                    <m:acc>
+                      <m:accPr>
+                        <m:chr m:val="̂"/>
+                        <m:ctrlPr>
+                          <a:rPr lang="en-US" b="1" i="1" smtClean="0">
+                            <a:latin typeface="Cambria Math" panose="02040503050406030204" pitchFamily="18" charset="0"/>
+                          </a:rPr>
+                        </m:ctrlPr>
+                      </m:accPr>
+                      <m:e>
+                        <m:r>
+                          <a:rPr lang="en-US" b="1" i="1" smtClean="0">
+                            <a:latin typeface="Cambria Math" panose="02040503050406030204" pitchFamily="18" charset="0"/>
+                          </a:rPr>
+                          <m:t>𝒔</m:t>
+                        </m:r>
+                      </m:e>
+                    </m:acc>
+                  </m:oMath>
+                </a14:m>
+                <a:r>
+                  <a:rPr lang="en-US" b="1" baseline="-25000" dirty="0" err="1"/>
+                  <a:t>Nt</a:t>
+                </a:r>
+                <a:r>
+                  <a:rPr lang="en-US" b="1" dirty="0"/>
+                  <a:t> </a:t>
+                </a:r>
+                <a:r>
+                  <a:rPr lang="en-US" dirty="0"/>
+                  <a:t>signals </a:t>
+                </a:r>
+              </a:p>
+            </p:txBody>
+          </p:sp>
+        </mc:Choice>
+        <mc:Fallback>
+          <p:sp>
+            <p:nvSpPr>
+              <p:cNvPr id="3" name="Content Placeholder 2">
+                <a:extLst>
+                  <a:ext uri="{FF2B5EF4-FFF2-40B4-BE49-F238E27FC236}">
+                    <a16:creationId xmlns:a16="http://schemas.microsoft.com/office/drawing/2014/main" id="{C69D6EB8-2040-CA82-A4B5-091816CD8D23}"/>
+                  </a:ext>
+                </a:extLst>
+              </p:cNvPr>
+              <p:cNvSpPr>
+                <a:spLocks noGrp="1" noRot="1" noChangeAspect="1" noMove="1" noResize="1" noEditPoints="1" noAdjustHandles="1" noChangeArrowheads="1" noChangeShapeType="1" noTextEdit="1"/>
+              </p:cNvSpPr>
+              <p:nvPr>
+                <p:ph idx="1"/>
+              </p:nvPr>
+            </p:nvSpPr>
+            <p:spPr>
+              <a:blipFill>
+                <a:blip r:embed="rId2"/>
+                <a:stretch>
+                  <a:fillRect l="-522" t="-1348" r="-58"/>
+                </a:stretch>
+              </a:blipFill>
+            </p:spPr>
+            <p:txBody>
+              <a:bodyPr/>
+              <a:lstStyle/>
+              <a:p>
+                <a:r>
+                  <a:rPr lang="en-US">
+                    <a:noFill/>
+                  </a:rPr>
+                  <a:t> </a:t>
+                </a:r>
+              </a:p>
+            </p:txBody>
+          </p:sp>
+        </mc:Fallback>
+      </mc:AlternateContent>
+      <p:sp>
+        <p:nvSpPr>
+          <p:cNvPr id="4" name="Slide Number Placeholder 3">
+            <a:extLst>
+              <a:ext uri="{FF2B5EF4-FFF2-40B4-BE49-F238E27FC236}">
+                <a16:creationId xmlns:a16="http://schemas.microsoft.com/office/drawing/2014/main" id="{F839EE4F-24DA-4287-E991-1D9F1CECF911}"/>
+              </a:ext>
+            </a:extLst>
+          </p:cNvPr>
+          <p:cNvSpPr>
+            <a:spLocks noGrp="1"/>
+          </p:cNvSpPr>
+          <p:nvPr>
+            <p:ph type="sldNum" sz="quarter" idx="12"/>
+          </p:nvPr>
+        </p:nvSpPr>
+        <p:spPr/>
+        <p:txBody>
+          <a:bodyPr/>
+          <a:lstStyle/>
+          <a:p>
+            <a:fld id="{A439D109-9F59-4B0B-8E20-D6D3A384B1F1}" type="slidenum">
+              <a:rPr lang="ko-KR" altLang="en-US" smtClean="0"/>
+              <a:t>36</a:t>
+            </a:fld>
+            <a:endParaRPr lang="ko-KR" altLang="en-US"/>
+          </a:p>
+        </p:txBody>
+      </p:sp>
+    </p:spTree>
+    <p:extLst>
+      <p:ext uri="{BB962C8B-B14F-4D97-AF65-F5344CB8AC3E}">
+        <p14:creationId xmlns:p14="http://schemas.microsoft.com/office/powerpoint/2010/main" val="1847507675"/>
+      </p:ext>
+    </p:extLst>
+  </p:cSld>
+  <p:clrMapOvr>
+    <a:masterClrMapping/>
+  </p:clrMapOvr>
+</p:sld>
+</file>
+
+<file path=ppt/slides/slide37.xml><?xml version="1.0" encoding="utf-8"?>
+<p:sld xmlns:a="http://schemas.openxmlformats.org/drawingml/2006/main" xmlns:r="http://schemas.openxmlformats.org/officeDocument/2006/relationships" xmlns:p="http://schemas.openxmlformats.org/presentationml/2006/main">
+  <p:cSld>
+    <p:spTree>
+      <p:nvGrpSpPr>
+        <p:cNvPr id="1" name=""/>
+        <p:cNvGrpSpPr/>
+        <p:nvPr/>
+      </p:nvGrpSpPr>
+      <p:grpSpPr>
+        <a:xfrm>
+          <a:off x="0" y="0"/>
+          <a:ext cx="0" cy="0"/>
+          <a:chOff x="0" y="0"/>
+          <a:chExt cx="0" cy="0"/>
+        </a:xfrm>
+      </p:grpSpPr>
+      <p:sp>
+        <p:nvSpPr>
+          <p:cNvPr id="2" name="Title 1">
+            <a:extLst>
+              <a:ext uri="{FF2B5EF4-FFF2-40B4-BE49-F238E27FC236}">
+                <a16:creationId xmlns:a16="http://schemas.microsoft.com/office/drawing/2014/main" id="{68059EE9-E195-B9EC-9C7B-A094B1A7CF22}"/>
+              </a:ext>
+            </a:extLst>
+          </p:cNvPr>
+          <p:cNvSpPr>
+            <a:spLocks noGrp="1"/>
+          </p:cNvSpPr>
+          <p:nvPr>
+            <p:ph type="title"/>
+          </p:nvPr>
+        </p:nvSpPr>
+        <p:spPr/>
+        <p:txBody>
+          <a:bodyPr/>
+          <a:lstStyle/>
+          <a:p>
+            <a:r>
+              <a:rPr lang="en-US" dirty="0"/>
+              <a:t>Zero Forcing with Decision Feedback Decoding</a:t>
+            </a:r>
+          </a:p>
+        </p:txBody>
+      </p:sp>
+      <mc:AlternateContent xmlns:mc="http://schemas.openxmlformats.org/markup-compatibility/2006">
+        <mc:Choice xmlns:a14="http://schemas.microsoft.com/office/drawing/2010/main" Requires="a14">
+          <p:sp>
+            <p:nvSpPr>
+              <p:cNvPr id="3" name="Content Placeholder 2">
+                <a:extLst>
+                  <a:ext uri="{FF2B5EF4-FFF2-40B4-BE49-F238E27FC236}">
+                    <a16:creationId xmlns:a16="http://schemas.microsoft.com/office/drawing/2014/main" id="{54143C80-2733-A1F3-CFD4-3A63C169FD7E}"/>
+                  </a:ext>
+                </a:extLst>
+              </p:cNvPr>
+              <p:cNvSpPr>
+                <a:spLocks noGrp="1"/>
+              </p:cNvSpPr>
+              <p:nvPr>
+                <p:ph idx="1"/>
+              </p:nvPr>
+            </p:nvSpPr>
+            <p:spPr>
+              <a:xfrm>
+                <a:off x="838200" y="1649691"/>
+                <a:ext cx="10750062" cy="4786278"/>
+              </a:xfrm>
+            </p:spPr>
+            <p:txBody>
+              <a:bodyPr/>
+              <a:lstStyle/>
+              <a:p>
+                <a:r>
+                  <a:rPr lang="en-US" dirty="0"/>
+                  <a:t>Best estimate is performed in a recursive way</a:t>
+                </a:r>
+              </a:p>
+              <a:p>
+                <a:r>
+                  <a:rPr lang="en-US" dirty="0"/>
+                  <a:t>The so-called Optimal Detection (OD) method as described</a:t>
+                </a:r>
+              </a:p>
+              <a:p>
+                <a:pPr marL="457200" indent="-457200">
+                  <a:buFont typeface="+mj-lt"/>
+                  <a:buAutoNum type="arabicPeriod"/>
+                </a:pPr>
+                <a:r>
+                  <a:rPr lang="en-US" dirty="0"/>
+                  <a:t>Compute </a:t>
+                </a:r>
+                <a:r>
+                  <a:rPr lang="en-US" b="1" dirty="0"/>
+                  <a:t>H</a:t>
+                </a:r>
+                <a:r>
+                  <a:rPr lang="en-US" b="1" baseline="30000" dirty="0"/>
+                  <a:t>+</a:t>
+                </a:r>
+              </a:p>
+              <a:p>
+                <a:pPr marL="457200" indent="-457200">
+                  <a:buFont typeface="+mj-lt"/>
+                  <a:buAutoNum type="arabicPeriod"/>
+                </a:pPr>
+                <a:r>
+                  <a:rPr lang="en-US" dirty="0"/>
+                  <a:t>Find the minimum squared length row of </a:t>
+                </a:r>
+                <a:r>
+                  <a:rPr lang="en-US" b="1" dirty="0"/>
+                  <a:t>H</a:t>
+                </a:r>
+                <a:r>
+                  <a:rPr lang="en-US" b="1" baseline="30000" dirty="0"/>
+                  <a:t>+</a:t>
+                </a:r>
+                <a:r>
+                  <a:rPr lang="en-US" dirty="0"/>
+                  <a:t> and permute it to be the last row, permute the   columns of </a:t>
+                </a:r>
+                <a:r>
+                  <a:rPr lang="en-US" b="1" dirty="0"/>
+                  <a:t>H</a:t>
+                </a:r>
+                <a:r>
+                  <a:rPr lang="en-US" dirty="0"/>
+                  <a:t> accordingly.</a:t>
+                </a:r>
+              </a:p>
+              <a:p>
+                <a:pPr marL="457200" indent="-457200">
+                  <a:buFont typeface="+mj-lt"/>
+                  <a:buAutoNum type="arabicPeriod"/>
+                </a:pPr>
+                <a:r>
+                  <a:rPr lang="en-US" dirty="0"/>
+                  <a:t>Form the estimate of the last component of </a:t>
+                </a:r>
+                <a:r>
+                  <a:rPr lang="en-US" b="1" dirty="0"/>
+                  <a:t>s</a:t>
+                </a:r>
+                <a:r>
+                  <a:rPr lang="en-US" dirty="0"/>
+                  <a:t>. In case of ZF: </a:t>
+                </a:r>
+                <a14:m>
+                  <m:oMath xmlns:m="http://schemas.openxmlformats.org/officeDocument/2006/math">
+                    <m:d>
+                      <m:dPr>
+                        <m:ctrlPr>
+                          <a:rPr lang="en-US" b="0" i="1" smtClean="0">
+                            <a:latin typeface="Cambria Math" panose="02040503050406030204" pitchFamily="18" charset="0"/>
+                          </a:rPr>
+                        </m:ctrlPr>
+                      </m:dPr>
+                      <m:e>
+                        <m:r>
+                          <a:rPr lang="en-US" b="1" i="1" smtClean="0">
+                            <a:latin typeface="Cambria Math" panose="02040503050406030204" pitchFamily="18" charset="0"/>
+                          </a:rPr>
+                          <m:t>𝒔</m:t>
+                        </m:r>
+                        <m:r>
+                          <a:rPr lang="en-US" b="1" i="1" baseline="-25000" smtClean="0">
+                            <a:latin typeface="Cambria Math" panose="02040503050406030204" pitchFamily="18" charset="0"/>
+                          </a:rPr>
+                          <m:t>𝒆𝒔𝒕</m:t>
+                        </m:r>
+                      </m:e>
+                    </m:d>
+                    <m:r>
+                      <a:rPr lang="en-US" b="1" i="1" smtClean="0">
+                        <a:latin typeface="Cambria Math" panose="02040503050406030204" pitchFamily="18" charset="0"/>
+                      </a:rPr>
+                      <m:t>𝑵</m:t>
+                    </m:r>
+                    <m:r>
+                      <a:rPr lang="en-US" b="1" i="1" baseline="-25000" smtClean="0">
+                        <a:latin typeface="Cambria Math" panose="02040503050406030204" pitchFamily="18" charset="0"/>
+                      </a:rPr>
+                      <m:t>𝒕</m:t>
+                    </m:r>
+                    <m:r>
+                      <a:rPr lang="en-US" b="0" i="1" smtClean="0">
+                        <a:latin typeface="Cambria Math" panose="02040503050406030204" pitchFamily="18" charset="0"/>
+                      </a:rPr>
+                      <m:t>=</m:t>
+                    </m:r>
+                    <m:sSup>
+                      <m:sSupPr>
+                        <m:ctrlPr>
+                          <a:rPr lang="en-US" b="1" i="1" smtClean="0">
+                            <a:latin typeface="Cambria Math" panose="02040503050406030204" pitchFamily="18" charset="0"/>
+                          </a:rPr>
+                        </m:ctrlPr>
+                      </m:sSupPr>
+                      <m:e>
+                        <m:r>
+                          <a:rPr lang="en-US" b="1" i="1" smtClean="0">
+                            <a:latin typeface="Cambria Math" panose="02040503050406030204" pitchFamily="18" charset="0"/>
+                          </a:rPr>
+                          <m:t>𝑯</m:t>
+                        </m:r>
+                      </m:e>
+                      <m:sup>
+                        <m:r>
+                          <a:rPr lang="en-US" b="1" i="1" smtClean="0">
+                            <a:latin typeface="Cambria Math" panose="02040503050406030204" pitchFamily="18" charset="0"/>
+                          </a:rPr>
+                          <m:t>+</m:t>
+                        </m:r>
+                      </m:sup>
+                    </m:sSup>
+                    <m:r>
+                      <a:rPr lang="en-US" b="0" i="1" baseline="-25000" smtClean="0">
+                        <a:latin typeface="Cambria Math" panose="02040503050406030204" pitchFamily="18" charset="0"/>
+                      </a:rPr>
+                      <m:t>𝑁𝑡</m:t>
+                    </m:r>
+                    <m:r>
+                      <a:rPr lang="en-US" b="1" i="1" baseline="-25000" smtClean="0">
+                        <a:latin typeface="Cambria Math" panose="02040503050406030204" pitchFamily="18" charset="0"/>
+                      </a:rPr>
+                      <m:t> </m:t>
+                    </m:r>
+                    <m:r>
+                      <a:rPr lang="en-US" b="0" i="1" baseline="-25000" smtClean="0">
+                        <a:latin typeface="Cambria Math" panose="02040503050406030204" pitchFamily="18" charset="0"/>
+                      </a:rPr>
+                      <m:t> </m:t>
+                    </m:r>
+                    <m:r>
+                      <a:rPr lang="en-US" b="1" i="1" smtClean="0">
+                        <a:latin typeface="Cambria Math" panose="02040503050406030204" pitchFamily="18" charset="0"/>
+                      </a:rPr>
+                      <m:t>𝒙</m:t>
+                    </m:r>
+                  </m:oMath>
+                </a14:m>
+                <a:r>
+                  <a:rPr lang="en-US" dirty="0"/>
+                  <a:t>   where the   transpose of </a:t>
+                </a:r>
+                <a14:m>
+                  <m:oMath xmlns:m="http://schemas.openxmlformats.org/officeDocument/2006/math">
+                    <m:sSup>
+                      <m:sSupPr>
+                        <m:ctrlPr>
+                          <a:rPr lang="en-US" b="1" i="1" smtClean="0">
+                            <a:latin typeface="Cambria Math" panose="02040503050406030204" pitchFamily="18" charset="0"/>
+                          </a:rPr>
+                        </m:ctrlPr>
+                      </m:sSupPr>
+                      <m:e>
+                        <m:r>
+                          <a:rPr lang="en-US" b="1" i="1" smtClean="0">
+                            <a:latin typeface="Cambria Math" panose="02040503050406030204" pitchFamily="18" charset="0"/>
+                          </a:rPr>
+                          <m:t>𝑯</m:t>
+                        </m:r>
+                      </m:e>
+                      <m:sup>
+                        <m:r>
+                          <a:rPr lang="en-US" b="1" i="1" smtClean="0">
+                            <a:latin typeface="Cambria Math" panose="02040503050406030204" pitchFamily="18" charset="0"/>
+                          </a:rPr>
+                          <m:t>+</m:t>
+                        </m:r>
+                      </m:sup>
+                    </m:sSup>
+                    <m:r>
+                      <a:rPr lang="en-US" b="0" i="1" baseline="-25000" smtClean="0">
+                        <a:latin typeface="Cambria Math" panose="02040503050406030204" pitchFamily="18" charset="0"/>
+                      </a:rPr>
+                      <m:t>𝑁𝑡</m:t>
+                    </m:r>
+                    <m:r>
+                      <a:rPr lang="en-US" b="0" i="1" smtClean="0">
+                        <a:latin typeface="Cambria Math" panose="02040503050406030204" pitchFamily="18" charset="0"/>
+                      </a:rPr>
+                      <m:t> </m:t>
+                    </m:r>
+                  </m:oMath>
+                </a14:m>
+                <a:r>
+                  <a:rPr lang="en-US" dirty="0"/>
+                  <a:t>is said to be the </a:t>
+                </a:r>
+                <a:r>
+                  <a:rPr lang="en-US" dirty="0" err="1"/>
+                  <a:t>N</a:t>
+                </a:r>
+                <a:r>
+                  <a:rPr lang="en-US" baseline="-25000" dirty="0" err="1"/>
+                  <a:t>t</a:t>
+                </a:r>
+                <a:r>
+                  <a:rPr lang="en-US" dirty="0"/>
+                  <a:t> - </a:t>
+                </a:r>
+                <a:r>
+                  <a:rPr lang="en-US" dirty="0" err="1"/>
+                  <a:t>th</a:t>
+                </a:r>
+                <a:r>
+                  <a:rPr lang="en-US" dirty="0"/>
+                  <a:t> nulling vector ;</a:t>
+                </a:r>
+              </a:p>
+              <a:p>
+                <a:pPr marL="457200" indent="-457200">
+                  <a:buFont typeface="+mj-lt"/>
+                  <a:buAutoNum type="arabicPeriod"/>
+                </a:pPr>
+                <a:r>
+                  <a:rPr lang="en-US" dirty="0"/>
+                  <a:t>Obtain </a:t>
+                </a:r>
+                <a14:m>
+                  <m:oMath xmlns:m="http://schemas.openxmlformats.org/officeDocument/2006/math">
+                    <m:acc>
+                      <m:accPr>
+                        <m:chr m:val="̂"/>
+                        <m:ctrlPr>
+                          <a:rPr lang="en-US" b="1" i="1" smtClean="0">
+                            <a:latin typeface="Cambria Math" panose="02040503050406030204" pitchFamily="18" charset="0"/>
+                          </a:rPr>
+                        </m:ctrlPr>
+                      </m:accPr>
+                      <m:e>
+                        <m:r>
+                          <a:rPr lang="en-US" b="1" i="1" smtClean="0">
+                            <a:latin typeface="Cambria Math" panose="02040503050406030204" pitchFamily="18" charset="0"/>
+                          </a:rPr>
+                          <m:t>𝒔</m:t>
+                        </m:r>
+                      </m:e>
+                    </m:acc>
+                  </m:oMath>
+                </a14:m>
+                <a:r>
+                  <a:rPr lang="en-US" b="1" baseline="-25000" dirty="0" err="1"/>
+                  <a:t>Nt</a:t>
+                </a:r>
+                <a:r>
+                  <a:rPr lang="en-US" b="1" dirty="0"/>
+                  <a:t> </a:t>
+                </a:r>
+                <a:r>
+                  <a:rPr lang="en-US" dirty="0"/>
+                  <a:t>, (via slicing) from (</a:t>
+                </a:r>
+                <a:r>
+                  <a:rPr lang="en-US" b="1" dirty="0" err="1"/>
+                  <a:t>S</a:t>
+                </a:r>
+                <a:r>
+                  <a:rPr lang="en-US" b="1" baseline="-25000" dirty="0" err="1"/>
+                  <a:t>est</a:t>
+                </a:r>
+                <a:r>
+                  <a:rPr lang="en-US" dirty="0"/>
+                  <a:t>) </a:t>
+                </a:r>
+                <a:r>
+                  <a:rPr lang="en-US" dirty="0" err="1"/>
+                  <a:t>N</a:t>
+                </a:r>
+                <a:r>
+                  <a:rPr lang="en-US" baseline="-25000" dirty="0" err="1"/>
+                  <a:t>t</a:t>
+                </a:r>
+                <a:r>
+                  <a:rPr lang="en-US" baseline="-25000" dirty="0"/>
+                  <a:t> </a:t>
+                </a:r>
+                <a:r>
+                  <a:rPr lang="en-US" dirty="0"/>
+                  <a:t>;</a:t>
+                </a:r>
+              </a:p>
+              <a:p>
+                <a:pPr marL="457200" indent="-457200">
+                  <a:buFont typeface="+mj-lt"/>
+                  <a:buAutoNum type="arabicPeriod"/>
+                </a:pPr>
+                <a:r>
+                  <a:rPr lang="en-US" dirty="0"/>
+                  <a:t>(While </a:t>
+                </a:r>
+                <a:r>
+                  <a:rPr lang="en-US" dirty="0" err="1"/>
+                  <a:t>Nt</a:t>
+                </a:r>
+                <a:r>
+                  <a:rPr lang="en-US" dirty="0"/>
+                  <a:t> -1&gt; 0) go back to step 1, but now with: </a:t>
+                </a:r>
+              </a:p>
+              <a:p>
+                <a14:m>
+                  <m:oMath xmlns:m="http://schemas.openxmlformats.org/officeDocument/2006/math">
+                    <m:r>
+                      <a:rPr lang="en-US" b="1" i="1" smtClean="0">
+                        <a:latin typeface="Cambria Math" panose="02040503050406030204" pitchFamily="18" charset="0"/>
+                      </a:rPr>
+                      <m:t>𝑯</m:t>
+                    </m:r>
+                    <m:r>
+                      <a:rPr lang="en-US" b="0" i="1" smtClean="0">
+                        <a:latin typeface="Cambria Math" panose="02040503050406030204" pitchFamily="18" charset="0"/>
+                        <a:ea typeface="Cambria Math" panose="02040503050406030204" pitchFamily="18" charset="0"/>
+                      </a:rPr>
+                      <m:t>→</m:t>
+                    </m:r>
+                    <m:sSup>
+                      <m:sSupPr>
+                        <m:ctrlPr>
+                          <a:rPr lang="en-US" b="1" i="1" smtClean="0">
+                            <a:latin typeface="Cambria Math" panose="02040503050406030204" pitchFamily="18" charset="0"/>
+                            <a:ea typeface="Cambria Math" panose="02040503050406030204" pitchFamily="18" charset="0"/>
+                          </a:rPr>
+                        </m:ctrlPr>
+                      </m:sSupPr>
+                      <m:e>
+                        <m:r>
+                          <a:rPr lang="en-US" b="1" i="1" smtClean="0">
+                            <a:latin typeface="Cambria Math" panose="02040503050406030204" pitchFamily="18" charset="0"/>
+                            <a:ea typeface="Cambria Math" panose="02040503050406030204" pitchFamily="18" charset="0"/>
+                          </a:rPr>
+                          <m:t>𝑯</m:t>
+                        </m:r>
+                      </m:e>
+                      <m:sup>
+                        <m:r>
+                          <a:rPr lang="en-US" b="0" i="1" smtClean="0">
+                            <a:latin typeface="Cambria Math" panose="02040503050406030204" pitchFamily="18" charset="0"/>
+                            <a:ea typeface="Cambria Math" panose="02040503050406030204" pitchFamily="18" charset="0"/>
+                          </a:rPr>
+                          <m:t>𝑁</m:t>
+                        </m:r>
+                        <m:r>
+                          <a:rPr lang="en-US" b="0" i="1" baseline="-25000" smtClean="0">
+                            <a:latin typeface="Cambria Math" panose="02040503050406030204" pitchFamily="18" charset="0"/>
+                            <a:ea typeface="Cambria Math" panose="02040503050406030204" pitchFamily="18" charset="0"/>
+                          </a:rPr>
+                          <m:t>𝑡</m:t>
+                        </m:r>
+                        <m:r>
+                          <a:rPr lang="en-US" b="0" i="1" smtClean="0">
+                            <a:latin typeface="Cambria Math" panose="02040503050406030204" pitchFamily="18" charset="0"/>
+                            <a:ea typeface="Cambria Math" panose="02040503050406030204" pitchFamily="18" charset="0"/>
+                          </a:rPr>
+                          <m:t>−</m:t>
+                        </m:r>
+                        <m:r>
+                          <a:rPr lang="en-US" b="1" i="1" smtClean="0">
+                            <a:latin typeface="Cambria Math" panose="02040503050406030204" pitchFamily="18" charset="0"/>
+                            <a:ea typeface="Cambria Math" panose="02040503050406030204" pitchFamily="18" charset="0"/>
+                          </a:rPr>
+                          <m:t> </m:t>
+                        </m:r>
+                        <m:r>
+                          <a:rPr lang="en-US" b="1" i="1" smtClean="0">
+                            <a:latin typeface="Cambria Math" panose="02040503050406030204" pitchFamily="18" charset="0"/>
+                            <a:ea typeface="Cambria Math" panose="02040503050406030204" pitchFamily="18" charset="0"/>
+                          </a:rPr>
+                          <m:t>𝟏</m:t>
+                        </m:r>
+                      </m:sup>
+                    </m:sSup>
+                    <m:r>
+                      <a:rPr lang="en-US" b="0" i="1" smtClean="0">
+                        <a:latin typeface="Cambria Math" panose="02040503050406030204" pitchFamily="18" charset="0"/>
+                        <a:ea typeface="Cambria Math" panose="02040503050406030204" pitchFamily="18" charset="0"/>
+                      </a:rPr>
+                      <m:t>=</m:t>
+                    </m:r>
+                    <m:d>
+                      <m:dPr>
+                        <m:begChr m:val="["/>
+                        <m:endChr m:val="]"/>
+                        <m:ctrlPr>
+                          <a:rPr lang="en-US" b="0" i="1" smtClean="0">
+                            <a:latin typeface="Cambria Math" panose="02040503050406030204" pitchFamily="18" charset="0"/>
+                            <a:ea typeface="Cambria Math" panose="02040503050406030204" pitchFamily="18" charset="0"/>
+                          </a:rPr>
+                        </m:ctrlPr>
+                      </m:dPr>
+                      <m:e>
+                        <m:r>
+                          <a:rPr lang="en-US" b="1" i="1" smtClean="0">
+                            <a:latin typeface="Cambria Math" panose="02040503050406030204" pitchFamily="18" charset="0"/>
+                            <a:ea typeface="Cambria Math" panose="02040503050406030204" pitchFamily="18" charset="0"/>
+                          </a:rPr>
+                          <m:t>𝒉</m:t>
+                        </m:r>
+                        <m:r>
+                          <a:rPr lang="en-US" b="1" i="1" baseline="-25000" smtClean="0">
+                            <a:latin typeface="Cambria Math" panose="02040503050406030204" pitchFamily="18" charset="0"/>
+                            <a:ea typeface="Cambria Math" panose="02040503050406030204" pitchFamily="18" charset="0"/>
+                          </a:rPr>
+                          <m:t>𝟏</m:t>
+                        </m:r>
+                        <m:r>
+                          <a:rPr lang="en-US" b="1" i="1" smtClean="0">
+                            <a:latin typeface="Cambria Math" panose="02040503050406030204" pitchFamily="18" charset="0"/>
+                            <a:ea typeface="Cambria Math" panose="02040503050406030204" pitchFamily="18" charset="0"/>
+                          </a:rPr>
+                          <m:t>   …. </m:t>
+                        </m:r>
+                        <m:r>
+                          <a:rPr lang="en-US" b="1" i="1" smtClean="0">
+                            <a:latin typeface="Cambria Math" panose="02040503050406030204" pitchFamily="18" charset="0"/>
+                            <a:ea typeface="Cambria Math" panose="02040503050406030204" pitchFamily="18" charset="0"/>
+                          </a:rPr>
+                          <m:t>𝒉</m:t>
+                        </m:r>
+                        <m:r>
+                          <a:rPr lang="en-US" b="1" i="1" smtClean="0">
+                            <a:latin typeface="Cambria Math" panose="02040503050406030204" pitchFamily="18" charset="0"/>
+                            <a:ea typeface="Cambria Math" panose="02040503050406030204" pitchFamily="18" charset="0"/>
+                          </a:rPr>
+                          <m:t> </m:t>
+                        </m:r>
+                        <m:r>
+                          <a:rPr lang="en-US" b="0" i="1" baseline="-25000" smtClean="0">
+                            <a:latin typeface="Cambria Math" panose="02040503050406030204" pitchFamily="18" charset="0"/>
+                            <a:ea typeface="Cambria Math" panose="02040503050406030204" pitchFamily="18" charset="0"/>
+                          </a:rPr>
+                          <m:t>𝑁𝑡</m:t>
+                        </m:r>
+                        <m:r>
+                          <a:rPr lang="en-US" b="0" i="1" baseline="-25000" smtClean="0">
+                            <a:latin typeface="Cambria Math" panose="02040503050406030204" pitchFamily="18" charset="0"/>
+                            <a:ea typeface="Cambria Math" panose="02040503050406030204" pitchFamily="18" charset="0"/>
+                          </a:rPr>
+                          <m:t>−1 </m:t>
+                        </m:r>
+                      </m:e>
+                    </m:d>
+                    <m:r>
+                      <a:rPr lang="en-US" b="0" i="1" smtClean="0">
+                        <a:latin typeface="Cambria Math" panose="02040503050406030204" pitchFamily="18" charset="0"/>
+                        <a:ea typeface="Cambria Math" panose="02040503050406030204" pitchFamily="18" charset="0"/>
+                      </a:rPr>
+                      <m:t>,</m:t>
+                    </m:r>
+                    <m:r>
+                      <a:rPr lang="en-US" b="1" i="1" smtClean="0">
+                        <a:latin typeface="Cambria Math" panose="02040503050406030204" pitchFamily="18" charset="0"/>
+                        <a:ea typeface="Cambria Math" panose="02040503050406030204" pitchFamily="18" charset="0"/>
+                      </a:rPr>
+                      <m:t>𝒙</m:t>
+                    </m:r>
+                    <m:r>
+                      <a:rPr lang="en-US" b="1" i="1" smtClean="0">
+                        <a:latin typeface="Cambria Math" panose="02040503050406030204" pitchFamily="18" charset="0"/>
+                        <a:ea typeface="Cambria Math" panose="02040503050406030204" pitchFamily="18" charset="0"/>
+                      </a:rPr>
+                      <m:t>→</m:t>
+                    </m:r>
+                    <m:r>
+                      <a:rPr lang="en-US" b="1" i="1" smtClean="0">
+                        <a:latin typeface="Cambria Math" panose="02040503050406030204" pitchFamily="18" charset="0"/>
+                        <a:ea typeface="Cambria Math" panose="02040503050406030204" pitchFamily="18" charset="0"/>
+                      </a:rPr>
+                      <m:t>𝒙</m:t>
+                    </m:r>
+                    <m:r>
+                      <a:rPr lang="en-US" b="1" i="1" smtClean="0">
+                        <a:latin typeface="Cambria Math" panose="02040503050406030204" pitchFamily="18" charset="0"/>
+                        <a:ea typeface="Cambria Math" panose="02040503050406030204" pitchFamily="18" charset="0"/>
+                      </a:rPr>
+                      <m:t>−</m:t>
+                    </m:r>
+                    <m:r>
+                      <a:rPr lang="en-US" b="1" i="1" smtClean="0">
+                        <a:latin typeface="Cambria Math" panose="02040503050406030204" pitchFamily="18" charset="0"/>
+                        <a:ea typeface="Cambria Math" panose="02040503050406030204" pitchFamily="18" charset="0"/>
+                      </a:rPr>
+                      <m:t>𝒉</m:t>
+                    </m:r>
+                    <m:r>
+                      <a:rPr lang="en-US" b="0" i="1" baseline="-25000" smtClean="0">
+                        <a:latin typeface="Cambria Math" panose="02040503050406030204" pitchFamily="18" charset="0"/>
+                        <a:ea typeface="Cambria Math" panose="02040503050406030204" pitchFamily="18" charset="0"/>
+                      </a:rPr>
+                      <m:t>𝑁𝑡</m:t>
+                    </m:r>
+                    <m:r>
+                      <a:rPr lang="en-US" b="1" i="1" baseline="-25000" smtClean="0">
+                        <a:latin typeface="Cambria Math" panose="02040503050406030204" pitchFamily="18" charset="0"/>
+                        <a:ea typeface="Cambria Math" panose="02040503050406030204" pitchFamily="18" charset="0"/>
+                      </a:rPr>
+                      <m:t> </m:t>
+                    </m:r>
+                    <m:acc>
+                      <m:accPr>
+                        <m:chr m:val="̂"/>
+                        <m:ctrlPr>
+                          <a:rPr lang="en-US" b="1" i="1">
+                            <a:latin typeface="Cambria Math" panose="02040503050406030204" pitchFamily="18" charset="0"/>
+                          </a:rPr>
+                        </m:ctrlPr>
+                      </m:accPr>
+                      <m:e>
+                        <m:r>
+                          <a:rPr lang="en-US" b="1" i="1">
+                            <a:latin typeface="Cambria Math" panose="02040503050406030204" pitchFamily="18" charset="0"/>
+                          </a:rPr>
+                          <m:t>𝒔</m:t>
+                        </m:r>
+                      </m:e>
+                    </m:acc>
+                    <m:r>
+                      <m:rPr>
+                        <m:nor/>
+                      </m:rPr>
+                      <a:rPr lang="en-US" baseline="-25000" dirty="0" err="1"/>
+                      <m:t>Nt</m:t>
+                    </m:r>
+                    <m:r>
+                      <a:rPr lang="en-US" b="1" i="1" baseline="-25000" dirty="0" smtClean="0">
+                        <a:latin typeface="Cambria Math" panose="02040503050406030204" pitchFamily="18" charset="0"/>
+                      </a:rPr>
+                      <m:t>  </m:t>
+                    </m:r>
+                    <m:r>
+                      <a:rPr lang="en-US" b="0" i="1" baseline="-25000" dirty="0" smtClean="0">
+                        <a:latin typeface="Cambria Math" panose="02040503050406030204" pitchFamily="18" charset="0"/>
+                      </a:rPr>
+                      <m:t> </m:t>
+                    </m:r>
+                    <m:r>
+                      <a:rPr lang="en-US" b="0" i="1" smtClean="0">
+                        <a:latin typeface="Cambria Math" panose="02040503050406030204" pitchFamily="18" charset="0"/>
+                        <a:ea typeface="Cambria Math" panose="02040503050406030204" pitchFamily="18" charset="0"/>
+                      </a:rPr>
+                      <m:t>𝑎𝑛𝑑</m:t>
+                    </m:r>
+                    <m:r>
+                      <a:rPr lang="en-US" b="0" i="1" smtClean="0">
+                        <a:latin typeface="Cambria Math" panose="02040503050406030204" pitchFamily="18" charset="0"/>
+                        <a:ea typeface="Cambria Math" panose="02040503050406030204" pitchFamily="18" charset="0"/>
+                      </a:rPr>
+                      <m:t>  </m:t>
+                    </m:r>
+                    <m:r>
+                      <a:rPr lang="en-US" b="1" i="1" smtClean="0">
+                        <a:latin typeface="Cambria Math" panose="02040503050406030204" pitchFamily="18" charset="0"/>
+                        <a:ea typeface="Cambria Math" panose="02040503050406030204" pitchFamily="18" charset="0"/>
+                      </a:rPr>
+                      <m:t>𝑵</m:t>
+                    </m:r>
+                    <m:r>
+                      <a:rPr lang="en-US" b="0" i="1" baseline="-25000" smtClean="0">
+                        <a:latin typeface="Cambria Math" panose="02040503050406030204" pitchFamily="18" charset="0"/>
+                        <a:ea typeface="Cambria Math" panose="02040503050406030204" pitchFamily="18" charset="0"/>
+                      </a:rPr>
+                      <m:t>𝑡</m:t>
+                    </m:r>
+                    <m:r>
+                      <a:rPr lang="en-US" b="1" i="1">
+                        <a:latin typeface="Cambria Math" panose="02040503050406030204" pitchFamily="18" charset="0"/>
+                        <a:ea typeface="Cambria Math" panose="02040503050406030204" pitchFamily="18" charset="0"/>
+                      </a:rPr>
+                      <m:t>→</m:t>
+                    </m:r>
+                    <m:r>
+                      <a:rPr lang="en-US" b="1" i="1" smtClean="0">
+                        <a:latin typeface="Cambria Math" panose="02040503050406030204" pitchFamily="18" charset="0"/>
+                        <a:ea typeface="Cambria Math" panose="02040503050406030204" pitchFamily="18" charset="0"/>
+                      </a:rPr>
+                      <m:t>𝑵</m:t>
+                    </m:r>
+                    <m:r>
+                      <a:rPr lang="en-US" b="0" i="1" baseline="-25000" smtClean="0">
+                        <a:latin typeface="Cambria Math" panose="02040503050406030204" pitchFamily="18" charset="0"/>
+                        <a:ea typeface="Cambria Math" panose="02040503050406030204" pitchFamily="18" charset="0"/>
+                      </a:rPr>
+                      <m:t>𝑡</m:t>
+                    </m:r>
+                    <m:r>
+                      <a:rPr lang="en-US" b="1" i="1" smtClean="0">
+                        <a:latin typeface="Cambria Math" panose="02040503050406030204" pitchFamily="18" charset="0"/>
+                        <a:ea typeface="Cambria Math" panose="02040503050406030204" pitchFamily="18" charset="0"/>
+                      </a:rPr>
+                      <m:t>−</m:t>
+                    </m:r>
+                    <m:r>
+                      <a:rPr lang="en-US" b="0" i="1" smtClean="0">
+                        <a:latin typeface="Cambria Math" panose="02040503050406030204" pitchFamily="18" charset="0"/>
+                        <a:ea typeface="Cambria Math" panose="02040503050406030204" pitchFamily="18" charset="0"/>
+                      </a:rPr>
+                      <m:t>1</m:t>
+                    </m:r>
+                  </m:oMath>
+                </a14:m>
+                <a:endParaRPr lang="en-US" dirty="0"/>
+              </a:p>
+              <a:p>
+                <a:r>
+                  <a:rPr lang="en-US" dirty="0"/>
+                  <a:t>Note that in case step 2 is skipped, the DFB algorithm is performed without optimal  </a:t>
+                </a:r>
+              </a:p>
+              <a:p>
+                <a:pPr marL="0" indent="0">
+                  <a:buNone/>
+                </a:pPr>
+                <a:r>
+                  <a:rPr lang="en-US" dirty="0"/>
+                  <a:t>  detection and the overall performance will be less; however , processing time is saved.</a:t>
+                </a:r>
+              </a:p>
+              <a:p>
+                <a:endParaRPr lang="en-US" dirty="0"/>
+              </a:p>
+            </p:txBody>
+          </p:sp>
+        </mc:Choice>
+        <mc:Fallback>
+          <p:sp>
+            <p:nvSpPr>
+              <p:cNvPr id="3" name="Content Placeholder 2">
+                <a:extLst>
+                  <a:ext uri="{FF2B5EF4-FFF2-40B4-BE49-F238E27FC236}">
+                    <a16:creationId xmlns:a16="http://schemas.microsoft.com/office/drawing/2014/main" id="{54143C80-2733-A1F3-CFD4-3A63C169FD7E}"/>
+                  </a:ext>
+                </a:extLst>
+              </p:cNvPr>
+              <p:cNvSpPr>
+                <a:spLocks noGrp="1" noRot="1" noChangeAspect="1" noMove="1" noResize="1" noEditPoints="1" noAdjustHandles="1" noChangeArrowheads="1" noChangeShapeType="1" noTextEdit="1"/>
+              </p:cNvSpPr>
+              <p:nvPr>
+                <p:ph idx="1"/>
+              </p:nvPr>
+            </p:nvSpPr>
+            <p:spPr>
+              <a:xfrm>
+                <a:off x="838200" y="1649691"/>
+                <a:ext cx="10750062" cy="4786278"/>
+              </a:xfrm>
+              <a:blipFill>
+                <a:blip r:embed="rId2"/>
+                <a:stretch>
+                  <a:fillRect l="-510" t="-1274" r="-2042"/>
+                </a:stretch>
+              </a:blipFill>
+            </p:spPr>
+            <p:txBody>
+              <a:bodyPr/>
+              <a:lstStyle/>
+              <a:p>
+                <a:r>
+                  <a:rPr lang="en-US">
+                    <a:noFill/>
+                  </a:rPr>
+                  <a:t> </a:t>
+                </a:r>
+              </a:p>
+            </p:txBody>
+          </p:sp>
+        </mc:Fallback>
+      </mc:AlternateContent>
+      <p:sp>
+        <p:nvSpPr>
+          <p:cNvPr id="4" name="Slide Number Placeholder 3">
+            <a:extLst>
+              <a:ext uri="{FF2B5EF4-FFF2-40B4-BE49-F238E27FC236}">
+                <a16:creationId xmlns:a16="http://schemas.microsoft.com/office/drawing/2014/main" id="{F6B8F008-3EDA-A3B2-CE7F-166FDF513BC5}"/>
+              </a:ext>
+            </a:extLst>
+          </p:cNvPr>
+          <p:cNvSpPr>
+            <a:spLocks noGrp="1"/>
+          </p:cNvSpPr>
+          <p:nvPr>
+            <p:ph type="sldNum" sz="quarter" idx="12"/>
+          </p:nvPr>
+        </p:nvSpPr>
+        <p:spPr/>
+        <p:txBody>
+          <a:bodyPr/>
+          <a:lstStyle/>
+          <a:p>
+            <a:fld id="{A439D109-9F59-4B0B-8E20-D6D3A384B1F1}" type="slidenum">
+              <a:rPr lang="ko-KR" altLang="en-US" smtClean="0"/>
+              <a:t>37</a:t>
+            </a:fld>
+            <a:endParaRPr lang="ko-KR" altLang="en-US"/>
+          </a:p>
+        </p:txBody>
+      </p:sp>
+    </p:spTree>
+    <p:extLst>
+      <p:ext uri="{BB962C8B-B14F-4D97-AF65-F5344CB8AC3E}">
+        <p14:creationId xmlns:p14="http://schemas.microsoft.com/office/powerpoint/2010/main" val="3243417758"/>
+      </p:ext>
+    </p:extLst>
+  </p:cSld>
+  <p:clrMapOvr>
+    <a:masterClrMapping/>
+  </p:clrMapOvr>
+</p:sld>
+</file>
+
+<file path=ppt/slides/slide38.xml><?xml version="1.0" encoding="utf-8"?>
+<p:sld xmlns:a="http://schemas.openxmlformats.org/drawingml/2006/main" xmlns:r="http://schemas.openxmlformats.org/officeDocument/2006/relationships" xmlns:p="http://schemas.openxmlformats.org/presentationml/2006/main">
+  <p:cSld>
+    <p:spTree>
+      <p:nvGrpSpPr>
+        <p:cNvPr id="1" name=""/>
+        <p:cNvGrpSpPr/>
+        <p:nvPr/>
+      </p:nvGrpSpPr>
+      <p:grpSpPr>
+        <a:xfrm>
+          <a:off x="0" y="0"/>
+          <a:ext cx="0" cy="0"/>
+          <a:chOff x="0" y="0"/>
+          <a:chExt cx="0" cy="0"/>
+        </a:xfrm>
+      </p:grpSpPr>
+      <p:sp>
+        <p:nvSpPr>
+          <p:cNvPr id="2" name="Title 1">
+            <a:extLst>
+              <a:ext uri="{FF2B5EF4-FFF2-40B4-BE49-F238E27FC236}">
+                <a16:creationId xmlns:a16="http://schemas.microsoft.com/office/drawing/2014/main" id="{4C6DBF2F-0880-C126-513D-C0EB30024039}"/>
+              </a:ext>
+            </a:extLst>
+          </p:cNvPr>
+          <p:cNvSpPr>
+            <a:spLocks noGrp="1"/>
+          </p:cNvSpPr>
+          <p:nvPr>
+            <p:ph type="title"/>
+          </p:nvPr>
+        </p:nvSpPr>
+        <p:spPr>
+          <a:xfrm>
+            <a:off x="838200" y="681038"/>
+            <a:ext cx="10515600" cy="789266"/>
+          </a:xfrm>
+        </p:spPr>
+        <p:txBody>
+          <a:bodyPr/>
+          <a:lstStyle/>
+          <a:p>
+            <a:r>
+              <a:rPr lang="en-US" dirty="0"/>
+              <a:t>MMSE with Decision Feedback Decoding</a:t>
+            </a:r>
+          </a:p>
+        </p:txBody>
+      </p:sp>
+      <mc:AlternateContent xmlns:mc="http://schemas.openxmlformats.org/markup-compatibility/2006">
+        <mc:Choice xmlns:a14="http://schemas.microsoft.com/office/drawing/2010/main" Requires="a14">
+          <p:sp>
+            <p:nvSpPr>
+              <p:cNvPr id="3" name="Content Placeholder 2">
+                <a:extLst>
+                  <a:ext uri="{FF2B5EF4-FFF2-40B4-BE49-F238E27FC236}">
+                    <a16:creationId xmlns:a16="http://schemas.microsoft.com/office/drawing/2014/main" id="{F1DE195B-51E1-0E3A-9422-207D40C198A5}"/>
+                  </a:ext>
+                </a:extLst>
+              </p:cNvPr>
+              <p:cNvSpPr>
+                <a:spLocks noGrp="1"/>
+              </p:cNvSpPr>
+              <p:nvPr>
+                <p:ph idx="1"/>
+              </p:nvPr>
+            </p:nvSpPr>
+            <p:spPr/>
+            <p:txBody>
+              <a:bodyPr/>
+              <a:lstStyle/>
+              <a:p>
+                <a:r>
+                  <a:rPr lang="en-US" dirty="0"/>
+                  <a:t>In order to perform Decision Feedback Decoding with Minimum Mean Square Error           decoding</a:t>
+                </a:r>
+              </a:p>
+              <a:p>
+                <a:r>
+                  <a:rPr lang="en-US" dirty="0"/>
+                  <a:t>The covariance matrix of the estimation error </a:t>
+                </a:r>
+                <a14:m>
+                  <m:oMath xmlns:m="http://schemas.openxmlformats.org/officeDocument/2006/math">
+                    <m:r>
+                      <a:rPr lang="en-US" b="1" i="1" smtClean="0">
+                        <a:latin typeface="Cambria Math" panose="02040503050406030204" pitchFamily="18" charset="0"/>
+                      </a:rPr>
+                      <m:t>𝒔</m:t>
+                    </m:r>
+                    <m:r>
+                      <a:rPr lang="en-US" b="1" i="1" smtClean="0">
+                        <a:latin typeface="Cambria Math" panose="02040503050406030204" pitchFamily="18" charset="0"/>
+                      </a:rPr>
+                      <m:t>−</m:t>
+                    </m:r>
+                    <m:r>
+                      <a:rPr lang="en-US" b="1" i="1" smtClean="0">
+                        <a:latin typeface="Cambria Math" panose="02040503050406030204" pitchFamily="18" charset="0"/>
+                      </a:rPr>
+                      <m:t>𝒔𝒆𝒔𝒕</m:t>
+                    </m:r>
+                  </m:oMath>
+                </a14:m>
+                <a:r>
+                  <a:rPr lang="en-US" b="1" dirty="0"/>
+                  <a:t> </a:t>
+                </a:r>
+                <a:r>
+                  <a:rPr lang="en-US" dirty="0"/>
+                  <a:t>will be used</a:t>
+                </a:r>
+              </a:p>
+              <a:p>
+                <a14:m>
+                  <m:oMath xmlns:m="http://schemas.openxmlformats.org/officeDocument/2006/math">
+                    <m:r>
+                      <a:rPr lang="en-US" b="0" i="1" smtClean="0">
+                        <a:latin typeface="Cambria Math" panose="02040503050406030204" pitchFamily="18" charset="0"/>
+                      </a:rPr>
+                      <m:t>𝐸</m:t>
+                    </m:r>
+                    <m:d>
+                      <m:dPr>
+                        <m:begChr m:val="["/>
+                        <m:endChr m:val="]"/>
+                        <m:ctrlPr>
+                          <a:rPr lang="en-US" b="0" i="1" smtClean="0">
+                            <a:latin typeface="Cambria Math" panose="02040503050406030204" pitchFamily="18" charset="0"/>
+                          </a:rPr>
+                        </m:ctrlPr>
+                      </m:dPr>
+                      <m:e>
+                        <m:d>
+                          <m:dPr>
+                            <m:ctrlPr>
+                              <a:rPr lang="en-US" b="0" i="1" smtClean="0">
+                                <a:latin typeface="Cambria Math" panose="02040503050406030204" pitchFamily="18" charset="0"/>
+                              </a:rPr>
+                            </m:ctrlPr>
+                          </m:dPr>
+                          <m:e>
+                            <m:r>
+                              <a:rPr lang="en-US" b="0" i="1" smtClean="0">
+                                <a:latin typeface="Cambria Math" panose="02040503050406030204" pitchFamily="18" charset="0"/>
+                              </a:rPr>
+                              <m:t>𝑠</m:t>
+                            </m:r>
+                            <m:r>
+                              <a:rPr lang="en-US" b="0" i="1" smtClean="0">
+                                <a:latin typeface="Cambria Math" panose="02040503050406030204" pitchFamily="18" charset="0"/>
+                              </a:rPr>
+                              <m:t>−</m:t>
+                            </m:r>
+                            <m:r>
+                              <a:rPr lang="en-US" b="0" i="1" smtClean="0">
+                                <a:latin typeface="Cambria Math" panose="02040503050406030204" pitchFamily="18" charset="0"/>
+                              </a:rPr>
+                              <m:t>𝑠𝑒𝑠𝑡</m:t>
+                            </m:r>
+                          </m:e>
+                        </m:d>
+                        <m:sSup>
+                          <m:sSupPr>
+                            <m:ctrlPr>
+                              <a:rPr lang="en-US" b="0" i="1" smtClean="0">
+                                <a:latin typeface="Cambria Math" panose="02040503050406030204" pitchFamily="18" charset="0"/>
+                              </a:rPr>
+                            </m:ctrlPr>
+                          </m:sSupPr>
+                          <m:e>
+                            <m:d>
+                              <m:dPr>
+                                <m:ctrlPr>
+                                  <a:rPr lang="en-US" b="0" i="1" smtClean="0">
+                                    <a:latin typeface="Cambria Math" panose="02040503050406030204" pitchFamily="18" charset="0"/>
+                                  </a:rPr>
+                                </m:ctrlPr>
+                              </m:dPr>
+                              <m:e>
+                                <m:r>
+                                  <a:rPr lang="en-US" b="0" i="1" smtClean="0">
+                                    <a:latin typeface="Cambria Math" panose="02040503050406030204" pitchFamily="18" charset="0"/>
+                                  </a:rPr>
+                                  <m:t>𝑠</m:t>
+                                </m:r>
+                                <m:r>
+                                  <a:rPr lang="en-US" b="0" i="1" smtClean="0">
+                                    <a:latin typeface="Cambria Math" panose="02040503050406030204" pitchFamily="18" charset="0"/>
+                                  </a:rPr>
+                                  <m:t>−</m:t>
+                                </m:r>
+                                <m:r>
+                                  <a:rPr lang="en-US" b="0" i="1" smtClean="0">
+                                    <a:latin typeface="Cambria Math" panose="02040503050406030204" pitchFamily="18" charset="0"/>
+                                  </a:rPr>
+                                  <m:t>𝑠𝑒𝑠𝑡</m:t>
+                                </m:r>
+                              </m:e>
+                            </m:d>
+                          </m:e>
+                          <m:sup>
+                            <m:r>
+                              <a:rPr lang="en-US" b="0" i="1" smtClean="0">
+                                <a:latin typeface="Cambria Math" panose="02040503050406030204" pitchFamily="18" charset="0"/>
+                              </a:rPr>
+                              <m:t>∗</m:t>
+                            </m:r>
+                          </m:sup>
+                        </m:sSup>
+                      </m:e>
+                    </m:d>
+                    <m:r>
+                      <a:rPr lang="en-US" b="0" i="1" smtClean="0">
+                        <a:latin typeface="Cambria Math" panose="02040503050406030204" pitchFamily="18" charset="0"/>
+                      </a:rPr>
+                      <m:t>=</m:t>
+                    </m:r>
+                    <m:r>
+                      <a:rPr lang="en-US" b="0" i="1" smtClean="0">
+                        <a:latin typeface="Cambria Math" panose="02040503050406030204" pitchFamily="18" charset="0"/>
+                      </a:rPr>
+                      <m:t>𝐸</m:t>
+                    </m:r>
+                    <m:r>
+                      <a:rPr lang="en-US" b="1" i="1" smtClean="0">
+                        <a:latin typeface="Cambria Math" panose="02040503050406030204" pitchFamily="18" charset="0"/>
+                      </a:rPr>
+                      <m:t>[(</m:t>
+                    </m:r>
+                    <m:r>
+                      <a:rPr lang="en-US" b="1" i="1" smtClean="0">
+                        <a:latin typeface="Cambria Math" panose="02040503050406030204" pitchFamily="18" charset="0"/>
+                      </a:rPr>
+                      <m:t>𝒔</m:t>
+                    </m:r>
+                    <m:r>
+                      <a:rPr lang="en-US" b="1" i="1" smtClean="0">
+                        <a:latin typeface="Cambria Math" panose="02040503050406030204" pitchFamily="18" charset="0"/>
+                      </a:rPr>
+                      <m:t>−</m:t>
+                    </m:r>
+                    <m:r>
+                      <a:rPr lang="en-US" b="1" i="1" smtClean="0">
+                        <a:latin typeface="Cambria Math" panose="02040503050406030204" pitchFamily="18" charset="0"/>
+                      </a:rPr>
+                      <m:t>𝑫</m:t>
+                    </m:r>
+                    <m:r>
+                      <a:rPr lang="en-US" b="1" i="1" smtClean="0">
+                        <a:latin typeface="Cambria Math" panose="02040503050406030204" pitchFamily="18" charset="0"/>
+                      </a:rPr>
+                      <m:t>(</m:t>
+                    </m:r>
+                    <m:r>
+                      <a:rPr lang="en-US" b="1" i="1" smtClean="0">
+                        <a:latin typeface="Cambria Math" panose="02040503050406030204" pitchFamily="18" charset="0"/>
+                      </a:rPr>
+                      <m:t>𝑯𝒔</m:t>
+                    </m:r>
+                    <m:r>
+                      <a:rPr lang="en-US" b="1" i="1" smtClean="0">
+                        <a:latin typeface="Cambria Math" panose="02040503050406030204" pitchFamily="18" charset="0"/>
+                      </a:rPr>
+                      <m:t>+</m:t>
+                    </m:r>
+                    <m:r>
+                      <a:rPr lang="en-US" b="1" i="1" smtClean="0">
+                        <a:latin typeface="Cambria Math" panose="02040503050406030204" pitchFamily="18" charset="0"/>
+                      </a:rPr>
+                      <m:t>𝒗</m:t>
+                    </m:r>
+                    <m:r>
+                      <a:rPr lang="en-US" b="1" i="1" smtClean="0">
+                        <a:latin typeface="Cambria Math" panose="02040503050406030204" pitchFamily="18" charset="0"/>
+                      </a:rPr>
+                      <m:t>))(</m:t>
+                    </m:r>
+                    <m:r>
+                      <a:rPr lang="en-US" b="1" i="1" smtClean="0">
+                        <a:latin typeface="Cambria Math" panose="02040503050406030204" pitchFamily="18" charset="0"/>
+                      </a:rPr>
+                      <m:t>𝒔</m:t>
+                    </m:r>
+                    <m:r>
+                      <a:rPr lang="en-US" b="1" i="1" smtClean="0">
+                        <a:latin typeface="Cambria Math" panose="02040503050406030204" pitchFamily="18" charset="0"/>
+                      </a:rPr>
+                      <m:t>−</m:t>
+                    </m:r>
+                    <m:r>
+                      <a:rPr lang="en-US" b="1" i="1" smtClean="0">
+                        <a:latin typeface="Cambria Math" panose="02040503050406030204" pitchFamily="18" charset="0"/>
+                      </a:rPr>
+                      <m:t>𝑫</m:t>
+                    </m:r>
+                    <m:sSup>
+                      <m:sSupPr>
+                        <m:ctrlPr>
+                          <a:rPr lang="en-US" b="1" i="1" smtClean="0">
+                            <a:latin typeface="Cambria Math" panose="02040503050406030204" pitchFamily="18" charset="0"/>
+                          </a:rPr>
+                        </m:ctrlPr>
+                      </m:sSupPr>
+                      <m:e>
+                        <m:d>
+                          <m:dPr>
+                            <m:ctrlPr>
+                              <a:rPr lang="en-US" b="1" i="1" smtClean="0">
+                                <a:latin typeface="Cambria Math" panose="02040503050406030204" pitchFamily="18" charset="0"/>
+                              </a:rPr>
+                            </m:ctrlPr>
+                          </m:dPr>
+                          <m:e>
+                            <m:r>
+                              <a:rPr lang="en-US" b="1" i="1" smtClean="0">
+                                <a:latin typeface="Cambria Math" panose="02040503050406030204" pitchFamily="18" charset="0"/>
+                              </a:rPr>
+                              <m:t>𝑯𝒔</m:t>
+                            </m:r>
+                            <m:r>
+                              <a:rPr lang="en-US" b="1" i="1" smtClean="0">
+                                <a:latin typeface="Cambria Math" panose="02040503050406030204" pitchFamily="18" charset="0"/>
+                              </a:rPr>
+                              <m:t>+</m:t>
+                            </m:r>
+                            <m:r>
+                              <a:rPr lang="en-US" b="1" i="1" smtClean="0">
+                                <a:latin typeface="Cambria Math" panose="02040503050406030204" pitchFamily="18" charset="0"/>
+                              </a:rPr>
+                              <m:t>𝒗</m:t>
+                            </m:r>
+                          </m:e>
+                        </m:d>
+                      </m:e>
+                      <m:sup>
+                        <m:r>
+                          <a:rPr lang="en-US" b="1" i="1" smtClean="0">
+                            <a:latin typeface="Cambria Math" panose="02040503050406030204" pitchFamily="18" charset="0"/>
+                          </a:rPr>
+                          <m:t>∗</m:t>
+                        </m:r>
+                      </m:sup>
+                    </m:sSup>
+                    <m:r>
+                      <a:rPr lang="en-US" b="0" i="1" smtClean="0">
+                        <a:latin typeface="Cambria Math" panose="02040503050406030204" pitchFamily="18" charset="0"/>
+                      </a:rPr>
+                      <m:t>]</m:t>
+                    </m:r>
+                  </m:oMath>
+                </a14:m>
+                <a:endParaRPr lang="en-US" b="0" dirty="0"/>
+              </a:p>
+              <a:p>
+                <a:r>
+                  <a:rPr lang="en-US" dirty="0"/>
+                  <a:t>                                       </a:t>
+                </a:r>
+                <a14:m>
+                  <m:oMath xmlns:m="http://schemas.openxmlformats.org/officeDocument/2006/math">
+                    <m:r>
+                      <a:rPr lang="en-US" b="0" i="1" smtClean="0">
+                        <a:latin typeface="Cambria Math" panose="02040503050406030204" pitchFamily="18" charset="0"/>
+                      </a:rPr>
+                      <m:t>=</m:t>
+                    </m:r>
+                    <m:r>
+                      <a:rPr lang="en-US" b="0" i="1" smtClean="0">
+                        <a:latin typeface="Cambria Math" panose="02040503050406030204" pitchFamily="18" charset="0"/>
+                      </a:rPr>
+                      <m:t>𝐸</m:t>
+                    </m:r>
+                    <m:d>
+                      <m:dPr>
+                        <m:begChr m:val="["/>
+                        <m:endChr m:val="]"/>
+                        <m:ctrlPr>
+                          <a:rPr lang="en-US" b="0" i="1" smtClean="0">
+                            <a:latin typeface="Cambria Math" panose="02040503050406030204" pitchFamily="18" charset="0"/>
+                          </a:rPr>
+                        </m:ctrlPr>
+                      </m:dPr>
+                      <m:e>
+                        <m:d>
+                          <m:dPr>
+                            <m:ctrlPr>
+                              <a:rPr lang="en-US" b="1" i="1" smtClean="0">
+                                <a:latin typeface="Cambria Math" panose="02040503050406030204" pitchFamily="18" charset="0"/>
+                              </a:rPr>
+                            </m:ctrlPr>
+                          </m:dPr>
+                          <m:e>
+                            <m:d>
+                              <m:dPr>
+                                <m:ctrlPr>
+                                  <a:rPr lang="en-US" b="1" i="1" smtClean="0">
+                                    <a:latin typeface="Cambria Math" panose="02040503050406030204" pitchFamily="18" charset="0"/>
+                                  </a:rPr>
+                                </m:ctrlPr>
+                              </m:dPr>
+                              <m:e>
+                                <m:r>
+                                  <a:rPr lang="en-US" b="1" i="1" smtClean="0">
+                                    <a:latin typeface="Cambria Math" panose="02040503050406030204" pitchFamily="18" charset="0"/>
+                                  </a:rPr>
+                                  <m:t>𝑰</m:t>
+                                </m:r>
+                                <m:r>
+                                  <a:rPr lang="en-US" b="1" i="1" smtClean="0">
+                                    <a:latin typeface="Cambria Math" panose="02040503050406030204" pitchFamily="18" charset="0"/>
+                                  </a:rPr>
+                                  <m:t>−</m:t>
+                                </m:r>
+                                <m:r>
+                                  <a:rPr lang="en-US" b="1" i="1" smtClean="0">
+                                    <a:latin typeface="Cambria Math" panose="02040503050406030204" pitchFamily="18" charset="0"/>
+                                  </a:rPr>
+                                  <m:t>𝑫𝑯</m:t>
+                                </m:r>
+                              </m:e>
+                            </m:d>
+                            <m:r>
+                              <a:rPr lang="en-US" b="1" i="1" smtClean="0">
+                                <a:latin typeface="Cambria Math" panose="02040503050406030204" pitchFamily="18" charset="0"/>
+                              </a:rPr>
+                              <m:t>𝒔</m:t>
+                            </m:r>
+                            <m:r>
+                              <a:rPr lang="en-US" b="1" i="1" smtClean="0">
+                                <a:latin typeface="Cambria Math" panose="02040503050406030204" pitchFamily="18" charset="0"/>
+                              </a:rPr>
+                              <m:t>−</m:t>
+                            </m:r>
+                            <m:r>
+                              <a:rPr lang="en-US" b="1" i="1" smtClean="0">
+                                <a:latin typeface="Cambria Math" panose="02040503050406030204" pitchFamily="18" charset="0"/>
+                              </a:rPr>
+                              <m:t>𝑫𝒗</m:t>
+                            </m:r>
+                          </m:e>
+                        </m:d>
+                        <m:sSup>
+                          <m:sSupPr>
+                            <m:ctrlPr>
+                              <a:rPr lang="en-US" b="1" i="1" smtClean="0">
+                                <a:latin typeface="Cambria Math" panose="02040503050406030204" pitchFamily="18" charset="0"/>
+                              </a:rPr>
+                            </m:ctrlPr>
+                          </m:sSupPr>
+                          <m:e>
+                            <m:d>
+                              <m:dPr>
+                                <m:ctrlPr>
+                                  <a:rPr lang="en-US" b="1" i="1" smtClean="0">
+                                    <a:latin typeface="Cambria Math" panose="02040503050406030204" pitchFamily="18" charset="0"/>
+                                  </a:rPr>
+                                </m:ctrlPr>
+                              </m:dPr>
+                              <m:e>
+                                <m:d>
+                                  <m:dPr>
+                                    <m:ctrlPr>
+                                      <a:rPr lang="en-US" b="1" i="1" smtClean="0">
+                                        <a:latin typeface="Cambria Math" panose="02040503050406030204" pitchFamily="18" charset="0"/>
+                                      </a:rPr>
+                                    </m:ctrlPr>
+                                  </m:dPr>
+                                  <m:e>
+                                    <m:r>
+                                      <a:rPr lang="en-US" b="1" i="1" smtClean="0">
+                                        <a:latin typeface="Cambria Math" panose="02040503050406030204" pitchFamily="18" charset="0"/>
+                                      </a:rPr>
+                                      <m:t>𝑰</m:t>
+                                    </m:r>
+                                    <m:r>
+                                      <a:rPr lang="en-US" b="1" i="1" smtClean="0">
+                                        <a:latin typeface="Cambria Math" panose="02040503050406030204" pitchFamily="18" charset="0"/>
+                                      </a:rPr>
+                                      <m:t>−</m:t>
+                                    </m:r>
+                                    <m:r>
+                                      <a:rPr lang="en-US" b="1" i="1" smtClean="0">
+                                        <a:latin typeface="Cambria Math" panose="02040503050406030204" pitchFamily="18" charset="0"/>
+                                      </a:rPr>
+                                      <m:t>𝑫𝑯</m:t>
+                                    </m:r>
+                                  </m:e>
+                                </m:d>
+                                <m:r>
+                                  <a:rPr lang="en-US" b="1" i="1" smtClean="0">
+                                    <a:latin typeface="Cambria Math" panose="02040503050406030204" pitchFamily="18" charset="0"/>
+                                  </a:rPr>
+                                  <m:t>𝒔</m:t>
+                                </m:r>
+                                <m:r>
+                                  <a:rPr lang="en-US" b="1" i="1" smtClean="0">
+                                    <a:latin typeface="Cambria Math" panose="02040503050406030204" pitchFamily="18" charset="0"/>
+                                  </a:rPr>
+                                  <m:t>−</m:t>
+                                </m:r>
+                                <m:r>
+                                  <a:rPr lang="en-US" b="1" i="1" smtClean="0">
+                                    <a:latin typeface="Cambria Math" panose="02040503050406030204" pitchFamily="18" charset="0"/>
+                                  </a:rPr>
+                                  <m:t>𝑫𝒗</m:t>
+                                </m:r>
+                              </m:e>
+                            </m:d>
+                          </m:e>
+                          <m:sup>
+                            <m:r>
+                              <a:rPr lang="en-US" b="1" i="1" smtClean="0">
+                                <a:latin typeface="Cambria Math" panose="02040503050406030204" pitchFamily="18" charset="0"/>
+                              </a:rPr>
+                              <m:t>∗</m:t>
+                            </m:r>
+                          </m:sup>
+                        </m:sSup>
+                      </m:e>
+                    </m:d>
+                  </m:oMath>
+                </a14:m>
+                <a:endParaRPr lang="en-US" b="0" dirty="0"/>
+              </a:p>
+              <a:p>
+                <a:r>
+                  <a:rPr lang="en-US" dirty="0"/>
+                  <a:t>                                      </a:t>
+                </a:r>
+                <a14:m>
+                  <m:oMath xmlns:m="http://schemas.openxmlformats.org/officeDocument/2006/math">
+                    <m:r>
+                      <a:rPr lang="en-US" b="0" i="1" smtClean="0">
+                        <a:latin typeface="Cambria Math" panose="02040503050406030204" pitchFamily="18" charset="0"/>
+                      </a:rPr>
+                      <m:t>=</m:t>
+                    </m:r>
+                    <m:r>
+                      <a:rPr lang="en-US" b="0" i="1" smtClean="0">
+                        <a:latin typeface="Cambria Math" panose="02040503050406030204" pitchFamily="18" charset="0"/>
+                      </a:rPr>
+                      <m:t>𝜎</m:t>
+                    </m:r>
+                    <m:sSup>
+                      <m:sSupPr>
+                        <m:ctrlPr>
+                          <a:rPr lang="en-US" b="0" i="1" smtClean="0">
+                            <a:latin typeface="Cambria Math" panose="02040503050406030204" pitchFamily="18" charset="0"/>
+                          </a:rPr>
+                        </m:ctrlPr>
+                      </m:sSupPr>
+                      <m:e>
+                        <m:r>
+                          <a:rPr lang="en-US" b="0" i="1" baseline="-25000" smtClean="0">
+                            <a:latin typeface="Cambria Math" panose="02040503050406030204" pitchFamily="18" charset="0"/>
+                          </a:rPr>
+                          <m:t>𝑠</m:t>
+                        </m:r>
+                      </m:e>
+                      <m:sup>
+                        <m:r>
+                          <a:rPr lang="en-US" b="0" i="1" smtClean="0">
+                            <a:latin typeface="Cambria Math" panose="02040503050406030204" pitchFamily="18" charset="0"/>
+                          </a:rPr>
+                          <m:t>2</m:t>
+                        </m:r>
+                      </m:sup>
+                    </m:sSup>
+                    <m:d>
+                      <m:dPr>
+                        <m:ctrlPr>
+                          <a:rPr lang="en-US" b="1" i="1" smtClean="0">
+                            <a:latin typeface="Cambria Math" panose="02040503050406030204" pitchFamily="18" charset="0"/>
+                          </a:rPr>
+                        </m:ctrlPr>
+                      </m:dPr>
+                      <m:e>
+                        <m:r>
+                          <a:rPr lang="en-US" b="1" i="1" smtClean="0">
+                            <a:latin typeface="Cambria Math" panose="02040503050406030204" pitchFamily="18" charset="0"/>
+                          </a:rPr>
+                          <m:t>𝑰</m:t>
+                        </m:r>
+                        <m:r>
+                          <a:rPr lang="en-US" b="1" i="1" smtClean="0">
+                            <a:latin typeface="Cambria Math" panose="02040503050406030204" pitchFamily="18" charset="0"/>
+                          </a:rPr>
+                          <m:t>−</m:t>
+                        </m:r>
+                        <m:r>
+                          <a:rPr lang="en-US" b="1" i="1" smtClean="0">
+                            <a:latin typeface="Cambria Math" panose="02040503050406030204" pitchFamily="18" charset="0"/>
+                          </a:rPr>
+                          <m:t>𝑫𝑯</m:t>
+                        </m:r>
+                        <m:r>
+                          <a:rPr lang="en-US" b="1" i="1" smtClean="0">
+                            <a:latin typeface="Cambria Math" panose="02040503050406030204" pitchFamily="18" charset="0"/>
+                          </a:rPr>
+                          <m:t>−</m:t>
+                        </m:r>
+                        <m:sSup>
+                          <m:sSupPr>
+                            <m:ctrlPr>
+                              <a:rPr lang="en-US" b="1" i="1" smtClean="0">
+                                <a:latin typeface="Cambria Math" panose="02040503050406030204" pitchFamily="18" charset="0"/>
+                              </a:rPr>
+                            </m:ctrlPr>
+                          </m:sSupPr>
+                          <m:e>
+                            <m:r>
+                              <a:rPr lang="en-US" b="1" i="1" smtClean="0">
+                                <a:latin typeface="Cambria Math" panose="02040503050406030204" pitchFamily="18" charset="0"/>
+                              </a:rPr>
+                              <m:t>𝑯</m:t>
+                            </m:r>
+                          </m:e>
+                          <m:sup>
+                            <m:r>
+                              <a:rPr lang="en-US" b="1" i="1" smtClean="0">
+                                <a:latin typeface="Cambria Math" panose="02040503050406030204" pitchFamily="18" charset="0"/>
+                              </a:rPr>
+                              <m:t>∗</m:t>
+                            </m:r>
+                          </m:sup>
+                        </m:sSup>
+                        <m:sSup>
+                          <m:sSupPr>
+                            <m:ctrlPr>
+                              <a:rPr lang="en-US" b="1" i="1" smtClean="0">
+                                <a:latin typeface="Cambria Math" panose="02040503050406030204" pitchFamily="18" charset="0"/>
+                              </a:rPr>
+                            </m:ctrlPr>
+                          </m:sSupPr>
+                          <m:e>
+                            <m:r>
+                              <a:rPr lang="en-US" b="1" i="1" smtClean="0">
+                                <a:latin typeface="Cambria Math" panose="02040503050406030204" pitchFamily="18" charset="0"/>
+                              </a:rPr>
+                              <m:t>𝑫</m:t>
+                            </m:r>
+                          </m:e>
+                          <m:sup>
+                            <m:r>
+                              <a:rPr lang="en-US" b="1" i="1" smtClean="0">
+                                <a:latin typeface="Cambria Math" panose="02040503050406030204" pitchFamily="18" charset="0"/>
+                              </a:rPr>
+                              <m:t>∗</m:t>
+                            </m:r>
+                          </m:sup>
+                        </m:sSup>
+                        <m:r>
+                          <a:rPr lang="en-US" b="1" i="1" smtClean="0">
+                            <a:latin typeface="Cambria Math" panose="02040503050406030204" pitchFamily="18" charset="0"/>
+                          </a:rPr>
+                          <m:t>+</m:t>
+                        </m:r>
+                        <m:r>
+                          <a:rPr lang="en-US" b="1" i="1" smtClean="0">
+                            <a:latin typeface="Cambria Math" panose="02040503050406030204" pitchFamily="18" charset="0"/>
+                          </a:rPr>
+                          <m:t>𝑫𝑯</m:t>
+                        </m:r>
+                        <m:sSup>
+                          <m:sSupPr>
+                            <m:ctrlPr>
+                              <a:rPr lang="en-US" b="1" i="1" smtClean="0">
+                                <a:latin typeface="Cambria Math" panose="02040503050406030204" pitchFamily="18" charset="0"/>
+                              </a:rPr>
+                            </m:ctrlPr>
+                          </m:sSupPr>
+                          <m:e>
+                            <m:r>
+                              <a:rPr lang="en-US" b="1" i="1" smtClean="0">
+                                <a:latin typeface="Cambria Math" panose="02040503050406030204" pitchFamily="18" charset="0"/>
+                              </a:rPr>
+                              <m:t>𝑯</m:t>
+                            </m:r>
+                          </m:e>
+                          <m:sup>
+                            <m:r>
+                              <a:rPr lang="en-US" b="1" i="1" smtClean="0">
+                                <a:latin typeface="Cambria Math" panose="02040503050406030204" pitchFamily="18" charset="0"/>
+                              </a:rPr>
+                              <m:t>∗</m:t>
+                            </m:r>
+                          </m:sup>
+                        </m:sSup>
+                        <m:r>
+                          <a:rPr lang="en-US" b="1" i="1" smtClean="0">
+                            <a:latin typeface="Cambria Math" panose="02040503050406030204" pitchFamily="18" charset="0"/>
+                          </a:rPr>
+                          <m:t>𝑫</m:t>
+                        </m:r>
+                      </m:e>
+                    </m:d>
+                    <m:r>
+                      <a:rPr lang="en-US" b="0" i="1" smtClean="0">
+                        <a:latin typeface="Cambria Math" panose="02040503050406030204" pitchFamily="18" charset="0"/>
+                      </a:rPr>
+                      <m:t>+</m:t>
+                    </m:r>
+                    <m:sSup>
+                      <m:sSupPr>
+                        <m:ctrlPr>
+                          <a:rPr lang="en-US" b="0" i="1" smtClean="0">
+                            <a:latin typeface="Cambria Math" panose="02040503050406030204" pitchFamily="18" charset="0"/>
+                          </a:rPr>
+                        </m:ctrlPr>
+                      </m:sSupPr>
+                      <m:e>
+                        <m:r>
+                          <a:rPr lang="en-US" b="0" i="1" smtClean="0">
+                            <a:latin typeface="Cambria Math" panose="02040503050406030204" pitchFamily="18" charset="0"/>
+                          </a:rPr>
+                          <m:t>𝜎</m:t>
+                        </m:r>
+                      </m:e>
+                      <m:sup>
+                        <m:r>
+                          <a:rPr lang="en-US" b="0" i="1" smtClean="0">
+                            <a:latin typeface="Cambria Math" panose="02040503050406030204" pitchFamily="18" charset="0"/>
+                          </a:rPr>
+                          <m:t>2</m:t>
+                        </m:r>
+                      </m:sup>
+                    </m:sSup>
+                    <m:r>
+                      <a:rPr lang="en-US" b="0" i="1" baseline="-25000" smtClean="0">
+                        <a:latin typeface="Cambria Math" panose="02040503050406030204" pitchFamily="18" charset="0"/>
+                      </a:rPr>
+                      <m:t>𝑣</m:t>
+                    </m:r>
+                    <m:r>
+                      <a:rPr lang="en-US" b="0" i="1" baseline="-25000" smtClean="0">
+                        <a:latin typeface="Cambria Math" panose="02040503050406030204" pitchFamily="18" charset="0"/>
+                      </a:rPr>
+                      <m:t> </m:t>
+                    </m:r>
+                    <m:r>
+                      <a:rPr lang="en-US" b="1" i="1" smtClean="0">
+                        <a:latin typeface="Cambria Math" panose="02040503050406030204" pitchFamily="18" charset="0"/>
+                      </a:rPr>
+                      <m:t>𝑫</m:t>
+                    </m:r>
+                    <m:sSup>
+                      <m:sSupPr>
+                        <m:ctrlPr>
+                          <a:rPr lang="en-US" b="1" i="1" smtClean="0">
+                            <a:latin typeface="Cambria Math" panose="02040503050406030204" pitchFamily="18" charset="0"/>
+                          </a:rPr>
+                        </m:ctrlPr>
+                      </m:sSupPr>
+                      <m:e>
+                        <m:r>
+                          <a:rPr lang="en-US" b="1" i="1" smtClean="0">
+                            <a:latin typeface="Cambria Math" panose="02040503050406030204" pitchFamily="18" charset="0"/>
+                          </a:rPr>
+                          <m:t>𝑫</m:t>
+                        </m:r>
+                      </m:e>
+                      <m:sup>
+                        <m:r>
+                          <a:rPr lang="en-US" b="1" i="1" smtClean="0">
+                            <a:latin typeface="Cambria Math" panose="02040503050406030204" pitchFamily="18" charset="0"/>
+                          </a:rPr>
+                          <m:t>∗</m:t>
+                        </m:r>
+                      </m:sup>
+                    </m:sSup>
+                  </m:oMath>
+                </a14:m>
+                <a:endParaRPr lang="en-US" b="1" dirty="0"/>
+              </a:p>
+              <a:p>
+                <a:r>
+                  <a:rPr lang="en-US" dirty="0"/>
+                  <a:t>                                      </a:t>
+                </a:r>
+                <a14:m>
+                  <m:oMath xmlns:m="http://schemas.openxmlformats.org/officeDocument/2006/math">
+                    <m:r>
+                      <a:rPr lang="en-US" b="0" i="1" smtClean="0">
+                        <a:latin typeface="Cambria Math" panose="02040503050406030204" pitchFamily="18" charset="0"/>
+                      </a:rPr>
+                      <m:t>=(</m:t>
+                    </m:r>
+                    <m:r>
+                      <a:rPr lang="en-US" i="1">
+                        <a:latin typeface="Cambria Math" panose="02040503050406030204" pitchFamily="18" charset="0"/>
+                      </a:rPr>
+                      <m:t>𝜎</m:t>
+                    </m:r>
+                    <m:sSup>
+                      <m:sSupPr>
+                        <m:ctrlPr>
+                          <a:rPr lang="en-US" i="1">
+                            <a:latin typeface="Cambria Math" panose="02040503050406030204" pitchFamily="18" charset="0"/>
+                          </a:rPr>
+                        </m:ctrlPr>
+                      </m:sSupPr>
+                      <m:e>
+                        <m:r>
+                          <a:rPr lang="en-US" i="1" baseline="-25000">
+                            <a:latin typeface="Cambria Math" panose="02040503050406030204" pitchFamily="18" charset="0"/>
+                          </a:rPr>
+                          <m:t>𝑠</m:t>
+                        </m:r>
+                      </m:e>
+                      <m:sup>
+                        <m:r>
+                          <a:rPr lang="en-US" i="1">
+                            <a:latin typeface="Cambria Math" panose="02040503050406030204" pitchFamily="18" charset="0"/>
+                          </a:rPr>
+                          <m:t>2</m:t>
+                        </m:r>
+                      </m:sup>
+                    </m:sSup>
+                    <m:r>
+                      <a:rPr lang="en-US" b="0" i="1" smtClean="0">
+                        <a:latin typeface="Cambria Math" panose="02040503050406030204" pitchFamily="18" charset="0"/>
+                      </a:rPr>
+                      <m:t>(</m:t>
+                    </m:r>
+                    <m:r>
+                      <a:rPr lang="en-US" b="0" i="1" smtClean="0">
+                        <a:latin typeface="Cambria Math" panose="02040503050406030204" pitchFamily="18" charset="0"/>
+                      </a:rPr>
+                      <m:t>𝛼</m:t>
+                    </m:r>
+                    <m:r>
+                      <a:rPr lang="en-US" b="1" i="1" smtClean="0">
+                        <a:latin typeface="Cambria Math" panose="02040503050406030204" pitchFamily="18" charset="0"/>
+                      </a:rPr>
+                      <m:t>𝑰</m:t>
+                    </m:r>
+                    <m:r>
+                      <a:rPr lang="en-US" b="1" i="1" smtClean="0">
+                        <a:latin typeface="Cambria Math" panose="02040503050406030204" pitchFamily="18" charset="0"/>
+                      </a:rPr>
+                      <m:t>+</m:t>
+                    </m:r>
+                    <m:sSup>
+                      <m:sSupPr>
+                        <m:ctrlPr>
+                          <a:rPr lang="en-US" b="1" i="1" smtClean="0">
+                            <a:latin typeface="Cambria Math" panose="02040503050406030204" pitchFamily="18" charset="0"/>
+                          </a:rPr>
+                        </m:ctrlPr>
+                      </m:sSupPr>
+                      <m:e>
+                        <m:r>
+                          <a:rPr lang="en-US" b="1" i="1" smtClean="0">
+                            <a:latin typeface="Cambria Math" panose="02040503050406030204" pitchFamily="18" charset="0"/>
+                          </a:rPr>
+                          <m:t>𝑯</m:t>
+                        </m:r>
+                      </m:e>
+                      <m:sup>
+                        <m:r>
+                          <a:rPr lang="en-US" b="1" i="1" smtClean="0">
+                            <a:latin typeface="Cambria Math" panose="02040503050406030204" pitchFamily="18" charset="0"/>
+                          </a:rPr>
+                          <m:t>∗</m:t>
+                        </m:r>
+                      </m:sup>
+                    </m:sSup>
+                    <m:r>
+                      <a:rPr lang="en-US" b="1" i="1" smtClean="0">
+                        <a:latin typeface="Cambria Math" panose="02040503050406030204" pitchFamily="18" charset="0"/>
+                      </a:rPr>
+                      <m:t>𝑯</m:t>
+                    </m:r>
+                    <m:r>
+                      <a:rPr lang="en-US" b="1" i="1" smtClean="0">
+                        <a:latin typeface="Cambria Math" panose="02040503050406030204" pitchFamily="18" charset="0"/>
+                      </a:rPr>
+                      <m:t>−</m:t>
+                    </m:r>
+                    <m:sSup>
+                      <m:sSupPr>
+                        <m:ctrlPr>
+                          <a:rPr lang="en-US" b="1" i="1" smtClean="0">
+                            <a:latin typeface="Cambria Math" panose="02040503050406030204" pitchFamily="18" charset="0"/>
+                          </a:rPr>
+                        </m:ctrlPr>
+                      </m:sSupPr>
+                      <m:e>
+                        <m:r>
+                          <a:rPr lang="en-US" b="1" i="1" smtClean="0">
+                            <a:latin typeface="Cambria Math" panose="02040503050406030204" pitchFamily="18" charset="0"/>
+                          </a:rPr>
+                          <m:t>𝑯</m:t>
+                        </m:r>
+                      </m:e>
+                      <m:sup>
+                        <m:r>
+                          <a:rPr lang="en-US" b="1" i="1" smtClean="0">
+                            <a:latin typeface="Cambria Math" panose="02040503050406030204" pitchFamily="18" charset="0"/>
+                          </a:rPr>
+                          <m:t>∗</m:t>
+                        </m:r>
+                      </m:sup>
+                    </m:sSup>
+                    <m:r>
+                      <a:rPr lang="en-US" b="1" i="1" smtClean="0">
+                        <a:latin typeface="Cambria Math" panose="02040503050406030204" pitchFamily="18" charset="0"/>
+                      </a:rPr>
+                      <m:t>𝑯</m:t>
+                    </m:r>
+                    <m:r>
+                      <a:rPr lang="en-US" b="0" i="1" smtClean="0">
+                        <a:latin typeface="Cambria Math" panose="02040503050406030204" pitchFamily="18" charset="0"/>
+                      </a:rPr>
+                      <m:t>−</m:t>
+                    </m:r>
+                    <m:sSup>
+                      <m:sSupPr>
+                        <m:ctrlPr>
+                          <a:rPr lang="en-US" b="1" i="1" smtClean="0">
+                            <a:latin typeface="Cambria Math" panose="02040503050406030204" pitchFamily="18" charset="0"/>
+                          </a:rPr>
+                        </m:ctrlPr>
+                      </m:sSupPr>
+                      <m:e>
+                        <m:d>
+                          <m:dPr>
+                            <m:ctrlPr>
+                              <a:rPr lang="en-US" b="1" i="1" smtClean="0">
+                                <a:latin typeface="Cambria Math" panose="02040503050406030204" pitchFamily="18" charset="0"/>
+                              </a:rPr>
+                            </m:ctrlPr>
+                          </m:dPr>
+                          <m:e>
+                            <m:r>
+                              <a:rPr lang="en-US" b="0" i="1" smtClean="0">
+                                <a:latin typeface="Cambria Math" panose="02040503050406030204" pitchFamily="18" charset="0"/>
+                              </a:rPr>
+                              <m:t>𝛼</m:t>
+                            </m:r>
+                            <m:r>
+                              <a:rPr lang="en-US" b="1" i="1" smtClean="0">
+                                <a:latin typeface="Cambria Math" panose="02040503050406030204" pitchFamily="18" charset="0"/>
+                              </a:rPr>
+                              <m:t>𝑰</m:t>
+                            </m:r>
+                            <m:r>
+                              <a:rPr lang="en-US" b="1" i="1" smtClean="0">
+                                <a:latin typeface="Cambria Math" panose="02040503050406030204" pitchFamily="18" charset="0"/>
+                              </a:rPr>
+                              <m:t>+</m:t>
+                            </m:r>
+                            <m:sSup>
+                              <m:sSupPr>
+                                <m:ctrlPr>
+                                  <a:rPr lang="en-US" b="1" i="1" smtClean="0">
+                                    <a:latin typeface="Cambria Math" panose="02040503050406030204" pitchFamily="18" charset="0"/>
+                                  </a:rPr>
+                                </m:ctrlPr>
+                              </m:sSupPr>
+                              <m:e>
+                                <m:r>
+                                  <a:rPr lang="en-US" b="1" i="1" smtClean="0">
+                                    <a:latin typeface="Cambria Math" panose="02040503050406030204" pitchFamily="18" charset="0"/>
+                                  </a:rPr>
+                                  <m:t>𝑯</m:t>
+                                </m:r>
+                              </m:e>
+                              <m:sup>
+                                <m:r>
+                                  <a:rPr lang="en-US" b="1" i="1" smtClean="0">
+                                    <a:latin typeface="Cambria Math" panose="02040503050406030204" pitchFamily="18" charset="0"/>
+                                  </a:rPr>
+                                  <m:t>∗</m:t>
+                                </m:r>
+                              </m:sup>
+                            </m:sSup>
+                            <m:r>
+                              <a:rPr lang="en-US" b="1" i="1" smtClean="0">
+                                <a:latin typeface="Cambria Math" panose="02040503050406030204" pitchFamily="18" charset="0"/>
+                              </a:rPr>
+                              <m:t>𝑯</m:t>
+                            </m:r>
+                          </m:e>
+                        </m:d>
+                      </m:e>
+                      <m:sup>
+                        <m:r>
+                          <a:rPr lang="en-US" b="1" i="1" smtClean="0">
+                            <a:latin typeface="Cambria Math" panose="02040503050406030204" pitchFamily="18" charset="0"/>
+                          </a:rPr>
+                          <m:t>−</m:t>
+                        </m:r>
+                        <m:r>
+                          <a:rPr lang="en-US" b="1" i="1" smtClean="0">
+                            <a:latin typeface="Cambria Math" panose="02040503050406030204" pitchFamily="18" charset="0"/>
+                          </a:rPr>
+                          <m:t>𝟏</m:t>
+                        </m:r>
+                      </m:sup>
+                    </m:sSup>
+                    <m:sSup>
+                      <m:sSupPr>
+                        <m:ctrlPr>
+                          <a:rPr lang="en-US" b="1" i="1" smtClean="0">
+                            <a:latin typeface="Cambria Math" panose="02040503050406030204" pitchFamily="18" charset="0"/>
+                          </a:rPr>
+                        </m:ctrlPr>
+                      </m:sSupPr>
+                      <m:e>
+                        <m:r>
+                          <a:rPr lang="en-US" b="1" i="1" smtClean="0">
+                            <a:latin typeface="Cambria Math" panose="02040503050406030204" pitchFamily="18" charset="0"/>
+                          </a:rPr>
+                          <m:t>𝑯</m:t>
+                        </m:r>
+                      </m:e>
+                      <m:sup>
+                        <m:r>
+                          <a:rPr lang="en-US" b="1" i="1" smtClean="0">
+                            <a:latin typeface="Cambria Math" panose="02040503050406030204" pitchFamily="18" charset="0"/>
+                          </a:rPr>
+                          <m:t>∗</m:t>
+                        </m:r>
+                      </m:sup>
+                    </m:sSup>
+                    <m:r>
+                      <a:rPr lang="en-US" b="1" i="1" smtClean="0">
+                        <a:latin typeface="Cambria Math" panose="02040503050406030204" pitchFamily="18" charset="0"/>
+                      </a:rPr>
+                      <m:t>𝑯</m:t>
+                    </m:r>
+                    <m:r>
+                      <a:rPr lang="en-US" b="1" i="1" smtClean="0">
+                        <a:latin typeface="Cambria Math" panose="02040503050406030204" pitchFamily="18" charset="0"/>
+                      </a:rPr>
+                      <m:t>(</m:t>
+                    </m:r>
+                    <m:r>
+                      <a:rPr lang="en-US" b="1" i="1" smtClean="0">
+                        <a:latin typeface="Cambria Math" panose="02040503050406030204" pitchFamily="18" charset="0"/>
+                      </a:rPr>
+                      <m:t>𝜶</m:t>
+                    </m:r>
+                    <m:r>
+                      <a:rPr lang="en-US" b="1" i="1" smtClean="0">
+                        <a:latin typeface="Cambria Math" panose="02040503050406030204" pitchFamily="18" charset="0"/>
+                      </a:rPr>
+                      <m:t>𝑰</m:t>
+                    </m:r>
+                    <m:r>
+                      <a:rPr lang="en-US" b="1" i="1" smtClean="0">
+                        <a:latin typeface="Cambria Math" panose="02040503050406030204" pitchFamily="18" charset="0"/>
+                      </a:rPr>
+                      <m:t>+</m:t>
+                    </m:r>
+                    <m:sSup>
+                      <m:sSupPr>
+                        <m:ctrlPr>
+                          <a:rPr lang="en-US" b="1" i="1" smtClean="0">
+                            <a:latin typeface="Cambria Math" panose="02040503050406030204" pitchFamily="18" charset="0"/>
+                          </a:rPr>
+                        </m:ctrlPr>
+                      </m:sSupPr>
+                      <m:e>
+                        <m:r>
+                          <a:rPr lang="en-US" b="1" i="1" smtClean="0">
+                            <a:latin typeface="Cambria Math" panose="02040503050406030204" pitchFamily="18" charset="0"/>
+                          </a:rPr>
+                          <m:t>𝑯</m:t>
+                        </m:r>
+                      </m:e>
+                      <m:sup>
+                        <m:r>
+                          <a:rPr lang="en-US" b="1" i="1" smtClean="0">
+                            <a:latin typeface="Cambria Math" panose="02040503050406030204" pitchFamily="18" charset="0"/>
+                          </a:rPr>
+                          <m:t>∗</m:t>
+                        </m:r>
+                      </m:sup>
+                    </m:sSup>
+                    <m:r>
+                      <a:rPr lang="en-US" b="1" i="1" smtClean="0">
+                        <a:latin typeface="Cambria Math" panose="02040503050406030204" pitchFamily="18" charset="0"/>
+                      </a:rPr>
+                      <m:t>𝑯</m:t>
+                    </m:r>
+                    <m:r>
+                      <a:rPr lang="en-US" b="1" i="1" smtClean="0">
+                        <a:latin typeface="Cambria Math" panose="02040503050406030204" pitchFamily="18" charset="0"/>
+                      </a:rPr>
+                      <m:t>))</m:t>
+                    </m:r>
+                  </m:oMath>
+                </a14:m>
+                <a:endParaRPr lang="en-US" b="1" dirty="0"/>
+              </a:p>
+              <a:p>
+                <a:r>
+                  <a:rPr lang="en-US" b="0" dirty="0"/>
+                  <a:t>                                        </a:t>
+                </a:r>
+                <a14:m>
+                  <m:oMath xmlns:m="http://schemas.openxmlformats.org/officeDocument/2006/math">
+                    <m:r>
+                      <a:rPr lang="en-US" b="0" i="1" smtClean="0">
+                        <a:latin typeface="Cambria Math" panose="02040503050406030204" pitchFamily="18" charset="0"/>
+                      </a:rPr>
+                      <m:t>+</m:t>
+                    </m:r>
+                    <m:sSup>
+                      <m:sSupPr>
+                        <m:ctrlPr>
+                          <a:rPr lang="en-US" b="1" i="1" smtClean="0">
+                            <a:latin typeface="Cambria Math" panose="02040503050406030204" pitchFamily="18" charset="0"/>
+                          </a:rPr>
+                        </m:ctrlPr>
+                      </m:sSupPr>
+                      <m:e>
+                        <m:d>
+                          <m:dPr>
+                            <m:ctrlPr>
+                              <a:rPr lang="en-US" b="1" i="1" smtClean="0">
+                                <a:latin typeface="Cambria Math" panose="02040503050406030204" pitchFamily="18" charset="0"/>
+                              </a:rPr>
+                            </m:ctrlPr>
+                          </m:dPr>
+                          <m:e>
+                            <m:r>
+                              <a:rPr lang="en-US" b="0" i="1" smtClean="0">
+                                <a:latin typeface="Cambria Math" panose="02040503050406030204" pitchFamily="18" charset="0"/>
+                              </a:rPr>
+                              <m:t>𝛼</m:t>
+                            </m:r>
+                            <m:r>
+                              <a:rPr lang="en-US" b="1" i="1" smtClean="0">
+                                <a:latin typeface="Cambria Math" panose="02040503050406030204" pitchFamily="18" charset="0"/>
+                              </a:rPr>
+                              <m:t>𝑰</m:t>
+                            </m:r>
+                            <m:r>
+                              <a:rPr lang="en-US" b="1" i="1" smtClean="0">
+                                <a:latin typeface="Cambria Math" panose="02040503050406030204" pitchFamily="18" charset="0"/>
+                              </a:rPr>
+                              <m:t>+</m:t>
+                            </m:r>
+                            <m:sSup>
+                              <m:sSupPr>
+                                <m:ctrlPr>
+                                  <a:rPr lang="en-US" b="1" i="1" smtClean="0">
+                                    <a:latin typeface="Cambria Math" panose="02040503050406030204" pitchFamily="18" charset="0"/>
+                                  </a:rPr>
+                                </m:ctrlPr>
+                              </m:sSupPr>
+                              <m:e>
+                                <m:r>
+                                  <a:rPr lang="en-US" b="1" i="1" smtClean="0">
+                                    <a:latin typeface="Cambria Math" panose="02040503050406030204" pitchFamily="18" charset="0"/>
+                                  </a:rPr>
+                                  <m:t>𝑯</m:t>
+                                </m:r>
+                              </m:e>
+                              <m:sup>
+                                <m:r>
+                                  <a:rPr lang="en-US" b="1" i="1" smtClean="0">
+                                    <a:latin typeface="Cambria Math" panose="02040503050406030204" pitchFamily="18" charset="0"/>
+                                  </a:rPr>
+                                  <m:t>∗</m:t>
+                                </m:r>
+                              </m:sup>
+                            </m:sSup>
+                            <m:r>
+                              <a:rPr lang="en-US" b="1" i="1" smtClean="0">
+                                <a:latin typeface="Cambria Math" panose="02040503050406030204" pitchFamily="18" charset="0"/>
+                              </a:rPr>
+                              <m:t>𝑯</m:t>
+                            </m:r>
+                          </m:e>
+                        </m:d>
+                      </m:e>
+                      <m:sup>
+                        <m:r>
+                          <a:rPr lang="en-US" b="1" i="1" smtClean="0">
+                            <a:latin typeface="Cambria Math" panose="02040503050406030204" pitchFamily="18" charset="0"/>
+                          </a:rPr>
+                          <m:t>−</m:t>
+                        </m:r>
+                        <m:r>
+                          <a:rPr lang="en-US" b="1" i="1" smtClean="0">
+                            <a:latin typeface="Cambria Math" panose="02040503050406030204" pitchFamily="18" charset="0"/>
+                          </a:rPr>
+                          <m:t>𝟏</m:t>
+                        </m:r>
+                      </m:sup>
+                    </m:sSup>
+                    <m:sSup>
+                      <m:sSupPr>
+                        <m:ctrlPr>
+                          <a:rPr lang="en-US" b="1" i="1" smtClean="0">
+                            <a:latin typeface="Cambria Math" panose="02040503050406030204" pitchFamily="18" charset="0"/>
+                          </a:rPr>
+                        </m:ctrlPr>
+                      </m:sSupPr>
+                      <m:e>
+                        <m:r>
+                          <a:rPr lang="en-US" b="1" i="1" smtClean="0">
+                            <a:latin typeface="Cambria Math" panose="02040503050406030204" pitchFamily="18" charset="0"/>
+                          </a:rPr>
+                          <m:t>𝑯</m:t>
+                        </m:r>
+                      </m:e>
+                      <m:sup>
+                        <m:r>
+                          <a:rPr lang="en-US" b="1" i="1" smtClean="0">
+                            <a:latin typeface="Cambria Math" panose="02040503050406030204" pitchFamily="18" charset="0"/>
+                          </a:rPr>
+                          <m:t>∗</m:t>
+                        </m:r>
+                      </m:sup>
+                    </m:sSup>
+                    <m:r>
+                      <a:rPr lang="en-US" b="1" i="1" smtClean="0">
+                        <a:latin typeface="Cambria Math" panose="02040503050406030204" pitchFamily="18" charset="0"/>
+                      </a:rPr>
+                      <m:t>𝑯</m:t>
+                    </m:r>
+                    <m:sSup>
+                      <m:sSupPr>
+                        <m:ctrlPr>
+                          <a:rPr lang="en-US" b="1" i="1" smtClean="0">
+                            <a:latin typeface="Cambria Math" panose="02040503050406030204" pitchFamily="18" charset="0"/>
+                          </a:rPr>
+                        </m:ctrlPr>
+                      </m:sSupPr>
+                      <m:e>
+                        <m:r>
+                          <a:rPr lang="en-US" b="1" i="1" smtClean="0">
+                            <a:latin typeface="Cambria Math" panose="02040503050406030204" pitchFamily="18" charset="0"/>
+                          </a:rPr>
+                          <m:t>𝑯</m:t>
+                        </m:r>
+                      </m:e>
+                      <m:sup>
+                        <m:r>
+                          <a:rPr lang="en-US" b="1" i="1" smtClean="0">
+                            <a:latin typeface="Cambria Math" panose="02040503050406030204" pitchFamily="18" charset="0"/>
+                          </a:rPr>
+                          <m:t>∗</m:t>
+                        </m:r>
+                      </m:sup>
+                    </m:sSup>
+                    <m:r>
+                      <a:rPr lang="en-US" b="1" i="1" smtClean="0">
+                        <a:latin typeface="Cambria Math" panose="02040503050406030204" pitchFamily="18" charset="0"/>
+                      </a:rPr>
+                      <m:t>𝑯</m:t>
+                    </m:r>
+                    <m:r>
+                      <a:rPr lang="en-US" b="0" i="1" smtClean="0">
+                        <a:latin typeface="Cambria Math" panose="02040503050406030204" pitchFamily="18" charset="0"/>
+                      </a:rPr>
+                      <m:t>}+</m:t>
+                    </m:r>
+                    <m:sSup>
+                      <m:sSupPr>
+                        <m:ctrlPr>
+                          <a:rPr lang="en-US" i="1">
+                            <a:latin typeface="Cambria Math" panose="02040503050406030204" pitchFamily="18" charset="0"/>
+                          </a:rPr>
+                        </m:ctrlPr>
+                      </m:sSupPr>
+                      <m:e>
+                        <m:r>
+                          <a:rPr lang="en-US" i="1">
+                            <a:latin typeface="Cambria Math" panose="02040503050406030204" pitchFamily="18" charset="0"/>
+                          </a:rPr>
+                          <m:t>𝜎</m:t>
+                        </m:r>
+                      </m:e>
+                      <m:sup>
+                        <m:r>
+                          <a:rPr lang="en-US" i="1">
+                            <a:latin typeface="Cambria Math" panose="02040503050406030204" pitchFamily="18" charset="0"/>
+                          </a:rPr>
+                          <m:t>2</m:t>
+                        </m:r>
+                      </m:sup>
+                    </m:sSup>
+                    <m:r>
+                      <a:rPr lang="en-US" i="1" baseline="-25000">
+                        <a:latin typeface="Cambria Math" panose="02040503050406030204" pitchFamily="18" charset="0"/>
+                      </a:rPr>
+                      <m:t>𝑣</m:t>
+                    </m:r>
+                    <m:r>
+                      <a:rPr lang="en-US" b="0" i="1" baseline="-25000" smtClean="0">
+                        <a:latin typeface="Cambria Math" panose="02040503050406030204" pitchFamily="18" charset="0"/>
+                      </a:rPr>
+                      <m:t>  </m:t>
+                    </m:r>
+                    <m:sSup>
+                      <m:sSupPr>
+                        <m:ctrlPr>
+                          <a:rPr lang="en-US" b="1" i="1" smtClean="0">
+                            <a:latin typeface="Cambria Math" panose="02040503050406030204" pitchFamily="18" charset="0"/>
+                          </a:rPr>
+                        </m:ctrlPr>
+                      </m:sSupPr>
+                      <m:e>
+                        <m:d>
+                          <m:dPr>
+                            <m:ctrlPr>
+                              <a:rPr lang="en-US" b="1" i="1" smtClean="0">
+                                <a:latin typeface="Cambria Math" panose="02040503050406030204" pitchFamily="18" charset="0"/>
+                              </a:rPr>
+                            </m:ctrlPr>
+                          </m:dPr>
+                          <m:e>
+                            <m:r>
+                              <a:rPr lang="en-US" b="0" i="1" smtClean="0">
+                                <a:latin typeface="Cambria Math" panose="02040503050406030204" pitchFamily="18" charset="0"/>
+                              </a:rPr>
+                              <m:t>𝛼</m:t>
+                            </m:r>
+                            <m:r>
+                              <a:rPr lang="en-US" b="1" i="1" smtClean="0">
+                                <a:latin typeface="Cambria Math" panose="02040503050406030204" pitchFamily="18" charset="0"/>
+                              </a:rPr>
+                              <m:t>𝑰</m:t>
+                            </m:r>
+                            <m:r>
+                              <a:rPr lang="en-US" b="1" i="1" smtClean="0">
+                                <a:latin typeface="Cambria Math" panose="02040503050406030204" pitchFamily="18" charset="0"/>
+                              </a:rPr>
+                              <m:t>+</m:t>
+                            </m:r>
+                            <m:sSup>
+                              <m:sSupPr>
+                                <m:ctrlPr>
+                                  <a:rPr lang="en-US" b="1" i="1" smtClean="0">
+                                    <a:latin typeface="Cambria Math" panose="02040503050406030204" pitchFamily="18" charset="0"/>
+                                  </a:rPr>
+                                </m:ctrlPr>
+                              </m:sSupPr>
+                              <m:e>
+                                <m:r>
+                                  <a:rPr lang="en-US" b="1" i="1" smtClean="0">
+                                    <a:latin typeface="Cambria Math" panose="02040503050406030204" pitchFamily="18" charset="0"/>
+                                  </a:rPr>
+                                  <m:t>𝑯</m:t>
+                                </m:r>
+                              </m:e>
+                              <m:sup>
+                                <m:r>
+                                  <a:rPr lang="en-US" b="1" i="1" smtClean="0">
+                                    <a:latin typeface="Cambria Math" panose="02040503050406030204" pitchFamily="18" charset="0"/>
+                                  </a:rPr>
+                                  <m:t>∗</m:t>
+                                </m:r>
+                              </m:sup>
+                            </m:sSup>
+                            <m:r>
+                              <a:rPr lang="en-US" b="1" i="1" smtClean="0">
+                                <a:latin typeface="Cambria Math" panose="02040503050406030204" pitchFamily="18" charset="0"/>
+                              </a:rPr>
+                              <m:t>𝑯</m:t>
+                            </m:r>
+                          </m:e>
+                        </m:d>
+                      </m:e>
+                      <m:sup>
+                        <m:r>
+                          <a:rPr lang="en-US" b="1" i="0" smtClean="0">
+                            <a:latin typeface="Cambria Math" panose="02040503050406030204" pitchFamily="18" charset="0"/>
+                          </a:rPr>
+                          <m:t>−</m:t>
+                        </m:r>
+                        <m:r>
+                          <a:rPr lang="en-US" b="1" i="0" smtClean="0">
+                            <a:latin typeface="Cambria Math" panose="02040503050406030204" pitchFamily="18" charset="0"/>
+                          </a:rPr>
+                          <m:t>𝟏</m:t>
+                        </m:r>
+                      </m:sup>
+                    </m:sSup>
+                    <m:sSup>
+                      <m:sSupPr>
+                        <m:ctrlPr>
+                          <a:rPr lang="en-US" b="1" i="1" smtClean="0">
+                            <a:latin typeface="Cambria Math" panose="02040503050406030204" pitchFamily="18" charset="0"/>
+                          </a:rPr>
+                        </m:ctrlPr>
+                      </m:sSupPr>
+                      <m:e>
+                        <m:r>
+                          <a:rPr lang="en-US" b="1" i="0" smtClean="0">
+                            <a:latin typeface="Cambria Math" panose="02040503050406030204" pitchFamily="18" charset="0"/>
+                          </a:rPr>
+                          <m:t>𝐇</m:t>
+                        </m:r>
+                      </m:e>
+                      <m:sup>
+                        <m:r>
+                          <a:rPr lang="en-US" b="1" i="0" smtClean="0">
+                            <a:latin typeface="Cambria Math" panose="02040503050406030204" pitchFamily="18" charset="0"/>
+                          </a:rPr>
+                          <m:t>∗</m:t>
+                        </m:r>
+                      </m:sup>
+                    </m:sSup>
+                    <m:r>
+                      <a:rPr lang="en-US" b="1" i="0" smtClean="0">
+                        <a:latin typeface="Cambria Math" panose="02040503050406030204" pitchFamily="18" charset="0"/>
+                      </a:rPr>
+                      <m:t>𝐇</m:t>
+                    </m:r>
+                    <m:r>
+                      <a:rPr lang="en-US" b="0" i="0" smtClean="0">
+                        <a:latin typeface="Cambria Math" panose="02040503050406030204" pitchFamily="18" charset="0"/>
+                      </a:rPr>
+                      <m:t>)</m:t>
+                    </m:r>
+                    <m:sSup>
+                      <m:sSupPr>
+                        <m:ctrlPr>
+                          <a:rPr lang="en-US" b="0" i="1" smtClean="0">
+                            <a:latin typeface="Cambria Math" panose="02040503050406030204" pitchFamily="18" charset="0"/>
+                          </a:rPr>
+                        </m:ctrlPr>
+                      </m:sSupPr>
+                      <m:e>
+                        <m:d>
+                          <m:dPr>
+                            <m:ctrlPr>
+                              <a:rPr lang="en-US" b="1" i="1" smtClean="0">
+                                <a:latin typeface="Cambria Math" panose="02040503050406030204" pitchFamily="18" charset="0"/>
+                              </a:rPr>
+                            </m:ctrlPr>
+                          </m:dPr>
+                          <m:e>
+                            <m:r>
+                              <a:rPr lang="en-US" b="0" i="1" smtClean="0">
+                                <a:latin typeface="Cambria Math" panose="02040503050406030204" pitchFamily="18" charset="0"/>
+                              </a:rPr>
+                              <m:t>𝛼</m:t>
+                            </m:r>
+                            <m:r>
+                              <a:rPr lang="en-US" b="1" i="1" smtClean="0">
+                                <a:latin typeface="Cambria Math" panose="02040503050406030204" pitchFamily="18" charset="0"/>
+                              </a:rPr>
+                              <m:t>𝑰</m:t>
+                            </m:r>
+                            <m:r>
+                              <a:rPr lang="en-US" b="1" i="1" smtClean="0">
+                                <a:latin typeface="Cambria Math" panose="02040503050406030204" pitchFamily="18" charset="0"/>
+                              </a:rPr>
+                              <m:t>+</m:t>
+                            </m:r>
+                            <m:sSup>
+                              <m:sSupPr>
+                                <m:ctrlPr>
+                                  <a:rPr lang="en-US" b="1" i="1" smtClean="0">
+                                    <a:latin typeface="Cambria Math" panose="02040503050406030204" pitchFamily="18" charset="0"/>
+                                  </a:rPr>
+                                </m:ctrlPr>
+                              </m:sSupPr>
+                              <m:e>
+                                <m:r>
+                                  <a:rPr lang="en-US" b="1" i="1" smtClean="0">
+                                    <a:latin typeface="Cambria Math" panose="02040503050406030204" pitchFamily="18" charset="0"/>
+                                  </a:rPr>
+                                  <m:t>𝑯</m:t>
+                                </m:r>
+                              </m:e>
+                              <m:sup>
+                                <m:r>
+                                  <a:rPr lang="en-US" b="1" i="1" smtClean="0">
+                                    <a:latin typeface="Cambria Math" panose="02040503050406030204" pitchFamily="18" charset="0"/>
+                                  </a:rPr>
+                                  <m:t>∗</m:t>
+                                </m:r>
+                              </m:sup>
+                            </m:sSup>
+                            <m:r>
+                              <a:rPr lang="en-US" b="1" i="1" smtClean="0">
+                                <a:latin typeface="Cambria Math" panose="02040503050406030204" pitchFamily="18" charset="0"/>
+                              </a:rPr>
+                              <m:t>𝑯</m:t>
+                            </m:r>
+                          </m:e>
+                        </m:d>
+                      </m:e>
+                      <m:sup>
+                        <m:r>
+                          <a:rPr lang="en-US" b="1" i="0" smtClean="0">
+                            <a:latin typeface="Cambria Math" panose="02040503050406030204" pitchFamily="18" charset="0"/>
+                          </a:rPr>
+                          <m:t>−</m:t>
+                        </m:r>
+                        <m:r>
+                          <a:rPr lang="en-US" b="0" i="0" smtClean="0">
+                            <a:latin typeface="Cambria Math" panose="02040503050406030204" pitchFamily="18" charset="0"/>
+                          </a:rPr>
+                          <m:t>1</m:t>
+                        </m:r>
+                      </m:sup>
+                    </m:sSup>
+                  </m:oMath>
+                </a14:m>
+                <a:endParaRPr lang="en-US" b="0" dirty="0"/>
+              </a:p>
+              <a:p>
+                <a:r>
+                  <a:rPr lang="en-US" b="0" dirty="0"/>
+                  <a:t>                                     </a:t>
+                </a:r>
+                <a14:m>
+                  <m:oMath xmlns:m="http://schemas.openxmlformats.org/officeDocument/2006/math">
+                    <m:r>
+                      <a:rPr lang="en-US" b="0" i="1" smtClean="0">
+                        <a:latin typeface="Cambria Math" panose="02040503050406030204" pitchFamily="18" charset="0"/>
+                      </a:rPr>
+                      <m:t>=</m:t>
+                    </m:r>
+                    <m:sSup>
+                      <m:sSupPr>
+                        <m:ctrlPr>
+                          <a:rPr lang="en-US" i="1">
+                            <a:latin typeface="Cambria Math" panose="02040503050406030204" pitchFamily="18" charset="0"/>
+                          </a:rPr>
+                        </m:ctrlPr>
+                      </m:sSupPr>
+                      <m:e>
+                        <m:r>
+                          <a:rPr lang="en-US" i="1">
+                            <a:latin typeface="Cambria Math" panose="02040503050406030204" pitchFamily="18" charset="0"/>
+                          </a:rPr>
+                          <m:t>𝜎</m:t>
+                        </m:r>
+                      </m:e>
+                      <m:sup>
+                        <m:r>
+                          <a:rPr lang="en-US" i="1">
+                            <a:latin typeface="Cambria Math" panose="02040503050406030204" pitchFamily="18" charset="0"/>
+                          </a:rPr>
+                          <m:t>2</m:t>
+                        </m:r>
+                      </m:sup>
+                    </m:sSup>
+                    <m:r>
+                      <a:rPr lang="en-US" i="1" baseline="-25000">
+                        <a:latin typeface="Cambria Math" panose="02040503050406030204" pitchFamily="18" charset="0"/>
+                      </a:rPr>
+                      <m:t>𝑣</m:t>
+                    </m:r>
+                    <m:sSup>
+                      <m:sSupPr>
+                        <m:ctrlPr>
+                          <a:rPr lang="en-US" b="1" i="1" smtClean="0">
+                            <a:latin typeface="Cambria Math" panose="02040503050406030204" pitchFamily="18" charset="0"/>
+                          </a:rPr>
+                        </m:ctrlPr>
+                      </m:sSupPr>
+                      <m:e>
+                        <m:d>
+                          <m:dPr>
+                            <m:ctrlPr>
+                              <a:rPr lang="en-US" b="1" i="1" smtClean="0">
+                                <a:latin typeface="Cambria Math" panose="02040503050406030204" pitchFamily="18" charset="0"/>
+                              </a:rPr>
+                            </m:ctrlPr>
+                          </m:dPr>
+                          <m:e>
+                            <m:r>
+                              <a:rPr lang="en-US" b="0" i="1" smtClean="0">
+                                <a:latin typeface="Cambria Math" panose="02040503050406030204" pitchFamily="18" charset="0"/>
+                              </a:rPr>
+                              <m:t>𝛼</m:t>
+                            </m:r>
+                            <m:r>
+                              <a:rPr lang="en-US" b="1" i="1" smtClean="0">
+                                <a:latin typeface="Cambria Math" panose="02040503050406030204" pitchFamily="18" charset="0"/>
+                              </a:rPr>
+                              <m:t>𝑰</m:t>
+                            </m:r>
+                            <m:r>
+                              <a:rPr lang="en-US" b="1" i="1" smtClean="0">
+                                <a:latin typeface="Cambria Math" panose="02040503050406030204" pitchFamily="18" charset="0"/>
+                              </a:rPr>
+                              <m:t>+</m:t>
+                            </m:r>
+                            <m:sSup>
+                              <m:sSupPr>
+                                <m:ctrlPr>
+                                  <a:rPr lang="en-US" b="1" i="1" smtClean="0">
+                                    <a:latin typeface="Cambria Math" panose="02040503050406030204" pitchFamily="18" charset="0"/>
+                                  </a:rPr>
+                                </m:ctrlPr>
+                              </m:sSupPr>
+                              <m:e>
+                                <m:r>
+                                  <a:rPr lang="en-US" b="1" i="1" smtClean="0">
+                                    <a:latin typeface="Cambria Math" panose="02040503050406030204" pitchFamily="18" charset="0"/>
+                                  </a:rPr>
+                                  <m:t>𝑯</m:t>
+                                </m:r>
+                              </m:e>
+                              <m:sup>
+                                <m:r>
+                                  <a:rPr lang="en-US" b="1" i="1" smtClean="0">
+                                    <a:latin typeface="Cambria Math" panose="02040503050406030204" pitchFamily="18" charset="0"/>
+                                  </a:rPr>
+                                  <m:t>∗</m:t>
+                                </m:r>
+                              </m:sup>
+                            </m:sSup>
+                            <m:r>
+                              <a:rPr lang="en-US" b="1" i="1" smtClean="0">
+                                <a:latin typeface="Cambria Math" panose="02040503050406030204" pitchFamily="18" charset="0"/>
+                              </a:rPr>
+                              <m:t>𝑯</m:t>
+                            </m:r>
+                          </m:e>
+                        </m:d>
+                      </m:e>
+                      <m:sup>
+                        <m:r>
+                          <a:rPr lang="en-US" b="1" i="1" smtClean="0">
+                            <a:latin typeface="Cambria Math" panose="02040503050406030204" pitchFamily="18" charset="0"/>
+                          </a:rPr>
+                          <m:t>−</m:t>
+                        </m:r>
+                        <m:r>
+                          <a:rPr lang="en-US" b="1" i="1" smtClean="0">
+                            <a:latin typeface="Cambria Math" panose="02040503050406030204" pitchFamily="18" charset="0"/>
+                          </a:rPr>
+                          <m:t>𝟏</m:t>
+                        </m:r>
+                      </m:sup>
+                    </m:sSup>
+                  </m:oMath>
+                </a14:m>
+                <a:r>
+                  <a:rPr lang="en-US" b="0" dirty="0"/>
+                  <a:t> </a:t>
+                </a:r>
+                <a14:m>
+                  <m:oMath xmlns:m="http://schemas.openxmlformats.org/officeDocument/2006/math">
+                    <m:r>
+                      <a:rPr lang="en-US" b="0" i="1" smtClean="0">
+                        <a:latin typeface="Cambria Math" panose="02040503050406030204" pitchFamily="18" charset="0"/>
+                      </a:rPr>
+                      <m:t>≜</m:t>
+                    </m:r>
+                    <m:sSup>
+                      <m:sSupPr>
+                        <m:ctrlPr>
+                          <a:rPr lang="en-US" i="1">
+                            <a:latin typeface="Cambria Math" panose="02040503050406030204" pitchFamily="18" charset="0"/>
+                          </a:rPr>
+                        </m:ctrlPr>
+                      </m:sSupPr>
+                      <m:e>
+                        <m:r>
+                          <a:rPr lang="en-US" i="1">
+                            <a:latin typeface="Cambria Math" panose="02040503050406030204" pitchFamily="18" charset="0"/>
+                          </a:rPr>
+                          <m:t>𝜎</m:t>
+                        </m:r>
+                      </m:e>
+                      <m:sup>
+                        <m:r>
+                          <a:rPr lang="en-US" i="1">
+                            <a:latin typeface="Cambria Math" panose="02040503050406030204" pitchFamily="18" charset="0"/>
+                          </a:rPr>
+                          <m:t>2</m:t>
+                        </m:r>
+                      </m:sup>
+                    </m:sSup>
+                    <m:r>
+                      <a:rPr lang="en-US" b="1" i="1" baseline="-25000">
+                        <a:latin typeface="Cambria Math" panose="02040503050406030204" pitchFamily="18" charset="0"/>
+                      </a:rPr>
+                      <m:t>𝒗</m:t>
+                    </m:r>
+                    <m:r>
+                      <a:rPr lang="en-US" b="1" i="1" smtClean="0">
+                        <a:latin typeface="Cambria Math" panose="02040503050406030204" pitchFamily="18" charset="0"/>
+                      </a:rPr>
+                      <m:t>𝑷</m:t>
+                    </m:r>
+                  </m:oMath>
+                </a14:m>
+                <a:endParaRPr lang="en-US" b="1" dirty="0"/>
+              </a:p>
+              <a:p>
+                <a:endParaRPr lang="en-US" dirty="0"/>
+              </a:p>
+            </p:txBody>
+          </p:sp>
+        </mc:Choice>
+        <mc:Fallback>
+          <p:sp>
+            <p:nvSpPr>
+              <p:cNvPr id="3" name="Content Placeholder 2">
+                <a:extLst>
+                  <a:ext uri="{FF2B5EF4-FFF2-40B4-BE49-F238E27FC236}">
+                    <a16:creationId xmlns:a16="http://schemas.microsoft.com/office/drawing/2014/main" id="{F1DE195B-51E1-0E3A-9422-207D40C198A5}"/>
+                  </a:ext>
+                </a:extLst>
+              </p:cNvPr>
+              <p:cNvSpPr>
+                <a:spLocks noGrp="1" noRot="1" noChangeAspect="1" noMove="1" noResize="1" noEditPoints="1" noAdjustHandles="1" noChangeArrowheads="1" noChangeShapeType="1" noTextEdit="1"/>
+              </p:cNvSpPr>
+              <p:nvPr>
+                <p:ph idx="1"/>
+              </p:nvPr>
+            </p:nvSpPr>
+            <p:spPr>
+              <a:blipFill>
+                <a:blip r:embed="rId2"/>
+                <a:stretch>
+                  <a:fillRect l="-522" t="-1348" r="-464"/>
+                </a:stretch>
+              </a:blipFill>
+            </p:spPr>
+            <p:txBody>
+              <a:bodyPr/>
+              <a:lstStyle/>
+              <a:p>
+                <a:r>
+                  <a:rPr lang="en-US">
+                    <a:noFill/>
+                  </a:rPr>
+                  <a:t> </a:t>
+                </a:r>
+              </a:p>
+            </p:txBody>
+          </p:sp>
+        </mc:Fallback>
+      </mc:AlternateContent>
+      <p:sp>
+        <p:nvSpPr>
+          <p:cNvPr id="4" name="Slide Number Placeholder 3">
+            <a:extLst>
+              <a:ext uri="{FF2B5EF4-FFF2-40B4-BE49-F238E27FC236}">
+                <a16:creationId xmlns:a16="http://schemas.microsoft.com/office/drawing/2014/main" id="{A09E1B84-9AC2-6BD8-E1F4-CC3564530AA7}"/>
+              </a:ext>
+            </a:extLst>
+          </p:cNvPr>
+          <p:cNvSpPr>
+            <a:spLocks noGrp="1"/>
+          </p:cNvSpPr>
+          <p:nvPr>
+            <p:ph type="sldNum" sz="quarter" idx="12"/>
+          </p:nvPr>
+        </p:nvSpPr>
+        <p:spPr/>
+        <p:txBody>
+          <a:bodyPr/>
+          <a:lstStyle/>
+          <a:p>
+            <a:fld id="{A439D109-9F59-4B0B-8E20-D6D3A384B1F1}" type="slidenum">
+              <a:rPr lang="ko-KR" altLang="en-US" smtClean="0"/>
+              <a:t>38</a:t>
+            </a:fld>
+            <a:endParaRPr lang="ko-KR" altLang="en-US"/>
+          </a:p>
+        </p:txBody>
+      </p:sp>
+    </p:spTree>
+    <p:extLst>
+      <p:ext uri="{BB962C8B-B14F-4D97-AF65-F5344CB8AC3E}">
+        <p14:creationId xmlns:p14="http://schemas.microsoft.com/office/powerpoint/2010/main" val="2526973771"/>
+      </p:ext>
+    </p:extLst>
+  </p:cSld>
+  <p:clrMapOvr>
+    <a:masterClrMapping/>
+  </p:clrMapOvr>
+</p:sld>
+</file>
+
+<file path=ppt/slides/slide39.xml><?xml version="1.0" encoding="utf-8"?>
+<p:sld xmlns:a="http://schemas.openxmlformats.org/drawingml/2006/main" xmlns:r="http://schemas.openxmlformats.org/officeDocument/2006/relationships" xmlns:p="http://schemas.openxmlformats.org/presentationml/2006/main">
+  <p:cSld>
+    <p:spTree>
+      <p:nvGrpSpPr>
+        <p:cNvPr id="1" name=""/>
+        <p:cNvGrpSpPr/>
+        <p:nvPr/>
+      </p:nvGrpSpPr>
+      <p:grpSpPr>
+        <a:xfrm>
+          <a:off x="0" y="0"/>
+          <a:ext cx="0" cy="0"/>
+          <a:chOff x="0" y="0"/>
+          <a:chExt cx="0" cy="0"/>
+        </a:xfrm>
+      </p:grpSpPr>
+      <p:sp>
+        <p:nvSpPr>
+          <p:cNvPr id="2" name="Title 1">
+            <a:extLst>
+              <a:ext uri="{FF2B5EF4-FFF2-40B4-BE49-F238E27FC236}">
+                <a16:creationId xmlns:a16="http://schemas.microsoft.com/office/drawing/2014/main" id="{EDF3E2E9-ADCE-7AE3-3830-D92199CA0F74}"/>
+              </a:ext>
+            </a:extLst>
+          </p:cNvPr>
+          <p:cNvSpPr>
+            <a:spLocks noGrp="1"/>
+          </p:cNvSpPr>
+          <p:nvPr>
+            <p:ph type="title"/>
+          </p:nvPr>
+        </p:nvSpPr>
+        <p:spPr/>
+        <p:txBody>
+          <a:bodyPr/>
+          <a:lstStyle/>
+          <a:p>
+            <a:r>
+              <a:rPr lang="en-US" dirty="0"/>
+              <a:t>MMSE with Decision Feedback Decoding</a:t>
+            </a:r>
+          </a:p>
+        </p:txBody>
+      </p:sp>
+      <mc:AlternateContent xmlns:mc="http://schemas.openxmlformats.org/markup-compatibility/2006">
+        <mc:Choice xmlns:a14="http://schemas.microsoft.com/office/drawing/2010/main" Requires="a14">
+          <p:sp>
+            <p:nvSpPr>
+              <p:cNvPr id="3" name="Content Placeholder 2">
+                <a:extLst>
+                  <a:ext uri="{FF2B5EF4-FFF2-40B4-BE49-F238E27FC236}">
+                    <a16:creationId xmlns:a16="http://schemas.microsoft.com/office/drawing/2014/main" id="{E9D09982-9F20-AE7F-D9D0-E72963F9CC21}"/>
+                  </a:ext>
+                </a:extLst>
+              </p:cNvPr>
+              <p:cNvSpPr>
+                <a:spLocks noGrp="1"/>
+              </p:cNvSpPr>
+              <p:nvPr>
+                <p:ph idx="1"/>
+              </p:nvPr>
+            </p:nvSpPr>
+            <p:spPr/>
+            <p:txBody>
+              <a:bodyPr/>
+              <a:lstStyle/>
+              <a:p>
+                <a:r>
+                  <a:rPr lang="en-US" dirty="0"/>
+                  <a:t>Note that </a:t>
+                </a:r>
+                <a:r>
+                  <a:rPr lang="en-US" b="1" dirty="0"/>
+                  <a:t>P</a:t>
+                </a:r>
+                <a:r>
+                  <a:rPr lang="en-US" dirty="0"/>
+                  <a:t> is somewhat different from the case where ZF is used as detection.</a:t>
+                </a:r>
+              </a:p>
+              <a:p>
+                <a:r>
+                  <a:rPr lang="en-US" dirty="0"/>
+                  <a:t>The DFB algorithm is adapted and becomes:</a:t>
+                </a:r>
+              </a:p>
+              <a:p>
+                <a:pPr marL="457200" indent="-457200">
+                  <a:buFont typeface="+mj-lt"/>
+                  <a:buAutoNum type="arabicPeriod"/>
+                </a:pPr>
+                <a:r>
+                  <a:rPr lang="en-US" dirty="0"/>
+                  <a:t>Compute </a:t>
+                </a:r>
+                <a:r>
+                  <a:rPr lang="en-US" b="1" dirty="0"/>
+                  <a:t>D</a:t>
+                </a:r>
+                <a:r>
+                  <a:rPr lang="en-US" dirty="0"/>
+                  <a:t> (</a:t>
+                </a:r>
+                <a:r>
+                  <a:rPr lang="en-US" b="1" dirty="0"/>
+                  <a:t>P</a:t>
+                </a:r>
+                <a:r>
+                  <a:rPr lang="en-US" dirty="0"/>
+                  <a:t> is obtained while computing </a:t>
+                </a:r>
+                <a:r>
+                  <a:rPr lang="en-US" b="1" dirty="0"/>
+                  <a:t>D</a:t>
+                </a:r>
+                <a:r>
+                  <a:rPr lang="en-US" dirty="0"/>
+                  <a:t>); </a:t>
+                </a:r>
+              </a:p>
+              <a:p>
+                <a:pPr marL="457200" indent="-457200">
+                  <a:buFont typeface="+mj-lt"/>
+                  <a:buAutoNum type="arabicPeriod"/>
+                </a:pPr>
+                <a:r>
+                  <a:rPr lang="en-US" dirty="0"/>
+                  <a:t>Find the smallest diagonal entry of </a:t>
+                </a:r>
+                <a:r>
+                  <a:rPr lang="en-US" b="1" dirty="0"/>
+                  <a:t>P</a:t>
+                </a:r>
+                <a:r>
+                  <a:rPr lang="en-US" dirty="0"/>
+                  <a:t> and suppose this is the </a:t>
+                </a:r>
+                <a:r>
+                  <a:rPr lang="en-US" dirty="0" err="1"/>
+                  <a:t>i-th</a:t>
+                </a:r>
+                <a:r>
+                  <a:rPr lang="en-US" dirty="0"/>
+                  <a:t> entry, Permute the </a:t>
+                </a:r>
+                <a:r>
+                  <a:rPr lang="en-US" dirty="0" err="1"/>
+                  <a:t>i-th</a:t>
+                </a:r>
+                <a:r>
+                  <a:rPr lang="en-US" dirty="0"/>
+                  <a:t>    column of </a:t>
+                </a:r>
+                <a:r>
+                  <a:rPr lang="en-US" b="1" dirty="0"/>
+                  <a:t>H</a:t>
+                </a:r>
+                <a:r>
+                  <a:rPr lang="en-US" dirty="0"/>
+                  <a:t> to be the last column and permute the rows of </a:t>
+                </a:r>
+                <a:r>
+                  <a:rPr lang="en-US" b="1" dirty="0"/>
+                  <a:t>D</a:t>
+                </a:r>
+                <a:r>
+                  <a:rPr lang="en-US" dirty="0"/>
+                  <a:t> accordingly;</a:t>
+                </a:r>
+              </a:p>
+              <a:p>
+                <a:pPr marL="457200" indent="-457200">
+                  <a:buFont typeface="+mj-lt"/>
+                  <a:buAutoNum type="arabicPeriod"/>
+                </a:pPr>
+                <a:r>
+                  <a:rPr lang="en-US" dirty="0"/>
+                  <a:t>Form the estimate of the "best" component of </a:t>
+                </a:r>
+                <a:r>
+                  <a:rPr lang="en-US" b="1" dirty="0"/>
+                  <a:t>s</a:t>
+                </a:r>
+                <a:r>
+                  <a:rPr lang="en-US" dirty="0"/>
+                  <a:t>: </a:t>
+                </a:r>
+                <a14:m>
+                  <m:oMath xmlns:m="http://schemas.openxmlformats.org/officeDocument/2006/math">
+                    <m:d>
+                      <m:dPr>
+                        <m:ctrlPr>
+                          <a:rPr lang="en-US" b="0" i="1" smtClean="0">
+                            <a:latin typeface="Cambria Math" panose="02040503050406030204" pitchFamily="18" charset="0"/>
+                          </a:rPr>
+                        </m:ctrlPr>
+                      </m:dPr>
+                      <m:e>
+                        <m:r>
+                          <a:rPr lang="en-US" b="1" i="1" smtClean="0">
+                            <a:latin typeface="Cambria Math" panose="02040503050406030204" pitchFamily="18" charset="0"/>
+                          </a:rPr>
+                          <m:t>𝒔</m:t>
+                        </m:r>
+                        <m:r>
+                          <a:rPr lang="en-US" b="1" i="1" baseline="-25000" smtClean="0">
+                            <a:latin typeface="Cambria Math" panose="02040503050406030204" pitchFamily="18" charset="0"/>
+                          </a:rPr>
+                          <m:t>𝒆𝒔</m:t>
+                        </m:r>
+                        <m:r>
+                          <a:rPr lang="en-US" b="0" i="1" baseline="-25000" smtClean="0">
+                            <a:latin typeface="Cambria Math" panose="02040503050406030204" pitchFamily="18" charset="0"/>
+                          </a:rPr>
+                          <m:t>𝑡</m:t>
+                        </m:r>
+                      </m:e>
+                    </m:d>
+                    <m:r>
+                      <a:rPr lang="en-US" b="0" i="1" smtClean="0">
+                        <a:latin typeface="Cambria Math" panose="02040503050406030204" pitchFamily="18" charset="0"/>
+                      </a:rPr>
+                      <m:t>𝑁</m:t>
+                    </m:r>
+                    <m:r>
+                      <a:rPr lang="en-US" b="0" i="1" baseline="-25000" smtClean="0">
+                        <a:latin typeface="Cambria Math" panose="02040503050406030204" pitchFamily="18" charset="0"/>
+                      </a:rPr>
+                      <m:t>𝑡</m:t>
+                    </m:r>
+                    <m:r>
+                      <a:rPr lang="en-US" b="0" i="1" smtClean="0">
+                        <a:latin typeface="Cambria Math" panose="02040503050406030204" pitchFamily="18" charset="0"/>
+                      </a:rPr>
+                      <m:t>=</m:t>
+                    </m:r>
+                    <m:r>
+                      <a:rPr lang="en-US" b="1" i="1" smtClean="0">
+                        <a:latin typeface="Cambria Math" panose="02040503050406030204" pitchFamily="18" charset="0"/>
+                      </a:rPr>
+                      <m:t>𝑫</m:t>
+                    </m:r>
+                    <m:r>
+                      <a:rPr lang="en-US" b="0" i="1" baseline="-25000" smtClean="0">
+                        <a:latin typeface="Cambria Math" panose="02040503050406030204" pitchFamily="18" charset="0"/>
+                      </a:rPr>
+                      <m:t>𝑁𝑡</m:t>
+                    </m:r>
+                    <m:r>
+                      <a:rPr lang="en-US" b="0" i="1" smtClean="0">
+                        <a:latin typeface="Cambria Math" panose="02040503050406030204" pitchFamily="18" charset="0"/>
+                      </a:rPr>
+                      <m:t> </m:t>
+                    </m:r>
+                    <m:r>
+                      <a:rPr lang="en-US" b="0" i="1" smtClean="0">
+                        <a:latin typeface="Cambria Math" panose="02040503050406030204" pitchFamily="18" charset="0"/>
+                      </a:rPr>
+                      <m:t>𝑥</m:t>
+                    </m:r>
+                    <m:r>
+                      <a:rPr lang="en-US" b="0" i="1" smtClean="0">
+                        <a:latin typeface="Cambria Math" panose="02040503050406030204" pitchFamily="18" charset="0"/>
+                      </a:rPr>
+                      <m:t>, </m:t>
+                    </m:r>
+                    <m:r>
+                      <a:rPr lang="en-US" b="0" i="1" smtClean="0">
+                        <a:latin typeface="Cambria Math" panose="02040503050406030204" pitchFamily="18" charset="0"/>
+                      </a:rPr>
+                      <m:t>𝑤h𝑒𝑟𝑒</m:t>
+                    </m:r>
+                    <m:r>
+                      <a:rPr lang="en-US" b="0" i="1" smtClean="0">
+                        <a:latin typeface="Cambria Math" panose="02040503050406030204" pitchFamily="18" charset="0"/>
+                      </a:rPr>
+                      <m:t> </m:t>
+                    </m:r>
+                    <m:r>
+                      <a:rPr lang="en-US" b="1" i="1" smtClean="0">
+                        <a:latin typeface="Cambria Math" panose="02040503050406030204" pitchFamily="18" charset="0"/>
+                      </a:rPr>
+                      <m:t>𝑫</m:t>
+                    </m:r>
+                    <m:r>
+                      <a:rPr lang="en-US" b="0" i="1" baseline="-25000" smtClean="0">
+                        <a:latin typeface="Cambria Math" panose="02040503050406030204" pitchFamily="18" charset="0"/>
+                      </a:rPr>
+                      <m:t>𝑁</m:t>
+                    </m:r>
+                  </m:oMath>
+                </a14:m>
+                <a:r>
+                  <a:rPr lang="en-US" dirty="0"/>
+                  <a:t> represents      the last row of </a:t>
+                </a:r>
+                <a:r>
+                  <a:rPr lang="en-US" b="1" dirty="0"/>
+                  <a:t>D </a:t>
+                </a:r>
+                <a:r>
+                  <a:rPr lang="en-US" dirty="0"/>
+                  <a:t>and its transpose is the </a:t>
+                </a:r>
+                <a:r>
+                  <a:rPr lang="en-US" dirty="0" err="1"/>
+                  <a:t>N</a:t>
+                </a:r>
+                <a:r>
+                  <a:rPr lang="en-US" baseline="-25000" dirty="0" err="1"/>
+                  <a:t>t</a:t>
+                </a:r>
+                <a:r>
+                  <a:rPr lang="en-US" dirty="0" err="1"/>
+                  <a:t>-th</a:t>
+                </a:r>
+                <a:r>
+                  <a:rPr lang="en-US" dirty="0"/>
+                  <a:t> nulling vector.</a:t>
+                </a:r>
+              </a:p>
+              <a:p>
+                <a:pPr marL="457200" indent="-457200">
+                  <a:buFont typeface="+mj-lt"/>
+                  <a:buAutoNum type="arabicPeriod"/>
+                </a:pPr>
+                <a:r>
+                  <a:rPr lang="en-US" dirty="0"/>
+                  <a:t>Obtain </a:t>
+                </a:r>
+                <a14:m>
+                  <m:oMath xmlns:m="http://schemas.openxmlformats.org/officeDocument/2006/math">
+                    <m:acc>
+                      <m:accPr>
+                        <m:chr m:val="̂"/>
+                        <m:ctrlPr>
+                          <a:rPr lang="en-US" b="1" i="1" smtClean="0">
+                            <a:latin typeface="Cambria Math" panose="02040503050406030204" pitchFamily="18" charset="0"/>
+                          </a:rPr>
+                        </m:ctrlPr>
+                      </m:accPr>
+                      <m:e>
+                        <m:r>
+                          <a:rPr lang="en-US" b="1" i="1" smtClean="0">
+                            <a:latin typeface="Cambria Math" panose="02040503050406030204" pitchFamily="18" charset="0"/>
+                          </a:rPr>
+                          <m:t>𝒔</m:t>
+                        </m:r>
+                      </m:e>
+                    </m:acc>
+                  </m:oMath>
+                </a14:m>
+                <a:r>
+                  <a:rPr lang="en-US" b="1" baseline="-25000" dirty="0" err="1"/>
+                  <a:t>Nt</a:t>
+                </a:r>
+                <a:r>
+                  <a:rPr lang="en-US" dirty="0"/>
+                  <a:t> from (</a:t>
+                </a:r>
+                <a:r>
+                  <a:rPr lang="en-US" dirty="0" err="1"/>
+                  <a:t>s</a:t>
+                </a:r>
+                <a:r>
+                  <a:rPr lang="en-US" baseline="-25000" dirty="0" err="1"/>
+                  <a:t>est</a:t>
+                </a:r>
+                <a:r>
+                  <a:rPr lang="en-US" dirty="0"/>
+                  <a:t>)</a:t>
+                </a:r>
+                <a:r>
+                  <a:rPr lang="en-US" dirty="0" err="1"/>
+                  <a:t>N</a:t>
+                </a:r>
+                <a:r>
+                  <a:rPr lang="en-US" baseline="-25000" dirty="0" err="1"/>
+                  <a:t>t</a:t>
+                </a:r>
+                <a:r>
+                  <a:rPr lang="en-US" dirty="0"/>
+                  <a:t> ;</a:t>
+                </a:r>
+              </a:p>
+              <a:p>
+                <a:pPr marL="457200" indent="-457200">
+                  <a:buFont typeface="+mj-lt"/>
+                  <a:buAutoNum type="arabicPeriod"/>
+                </a:pPr>
+                <a:r>
+                  <a:rPr lang="en-US" dirty="0"/>
+                  <a:t>(While </a:t>
+                </a:r>
+                <a:r>
+                  <a:rPr lang="en-US" dirty="0" err="1"/>
+                  <a:t>N</a:t>
+                </a:r>
+                <a:r>
+                  <a:rPr lang="en-US" baseline="-25000" dirty="0" err="1"/>
+                  <a:t>t</a:t>
+                </a:r>
+                <a:r>
+                  <a:rPr lang="en-US" dirty="0"/>
+                  <a:t> -1 &gt;  0) go back to step 1, but now with:</a:t>
+                </a:r>
+              </a:p>
+              <a:p>
+                <a14:m>
+                  <m:oMath xmlns:m="http://schemas.openxmlformats.org/officeDocument/2006/math">
+                    <m:r>
+                      <a:rPr lang="en-US" b="1" i="1" smtClean="0">
+                        <a:latin typeface="Cambria Math" panose="02040503050406030204" pitchFamily="18" charset="0"/>
+                      </a:rPr>
+                      <m:t>𝑯</m:t>
+                    </m:r>
+                    <m:r>
+                      <a:rPr lang="en-US" b="0" i="1" smtClean="0">
+                        <a:latin typeface="Cambria Math" panose="02040503050406030204" pitchFamily="18" charset="0"/>
+                        <a:ea typeface="Cambria Math" panose="02040503050406030204" pitchFamily="18" charset="0"/>
+                      </a:rPr>
+                      <m:t>→</m:t>
+                    </m:r>
+                    <m:sSup>
+                      <m:sSupPr>
+                        <m:ctrlPr>
+                          <a:rPr lang="en-US" b="0" i="1" smtClean="0">
+                            <a:latin typeface="Cambria Math" panose="02040503050406030204" pitchFamily="18" charset="0"/>
+                            <a:ea typeface="Cambria Math" panose="02040503050406030204" pitchFamily="18" charset="0"/>
+                          </a:rPr>
+                        </m:ctrlPr>
+                      </m:sSupPr>
+                      <m:e>
+                        <m:r>
+                          <a:rPr lang="en-US" b="1" i="1" smtClean="0">
+                            <a:latin typeface="Cambria Math" panose="02040503050406030204" pitchFamily="18" charset="0"/>
+                            <a:ea typeface="Cambria Math" panose="02040503050406030204" pitchFamily="18" charset="0"/>
+                          </a:rPr>
+                          <m:t>𝑯</m:t>
+                        </m:r>
+                      </m:e>
+                      <m:sup>
+                        <m:r>
+                          <a:rPr lang="en-US" b="0" i="1" smtClean="0">
+                            <a:latin typeface="Cambria Math" panose="02040503050406030204" pitchFamily="18" charset="0"/>
+                            <a:ea typeface="Cambria Math" panose="02040503050406030204" pitchFamily="18" charset="0"/>
+                          </a:rPr>
+                          <m:t>(</m:t>
+                        </m:r>
+                        <m:r>
+                          <a:rPr lang="en-US" b="0" i="1" smtClean="0">
+                            <a:latin typeface="Cambria Math" panose="02040503050406030204" pitchFamily="18" charset="0"/>
+                            <a:ea typeface="Cambria Math" panose="02040503050406030204" pitchFamily="18" charset="0"/>
+                          </a:rPr>
+                          <m:t>𝑁</m:t>
+                        </m:r>
+                        <m:r>
+                          <a:rPr lang="en-US" b="0" i="1" baseline="-25000" smtClean="0">
+                            <a:latin typeface="Cambria Math" panose="02040503050406030204" pitchFamily="18" charset="0"/>
+                            <a:ea typeface="Cambria Math" panose="02040503050406030204" pitchFamily="18" charset="0"/>
+                          </a:rPr>
+                          <m:t>𝑡</m:t>
+                        </m:r>
+                        <m:r>
+                          <a:rPr lang="en-US" b="0" i="1" smtClean="0">
+                            <a:latin typeface="Cambria Math" panose="02040503050406030204" pitchFamily="18" charset="0"/>
+                            <a:ea typeface="Cambria Math" panose="02040503050406030204" pitchFamily="18" charset="0"/>
+                          </a:rPr>
+                          <m:t>−1</m:t>
+                        </m:r>
+                        <m:r>
+                          <a:rPr lang="en-US" b="0" i="1" smtClean="0">
+                            <a:latin typeface="Cambria Math" panose="02040503050406030204" pitchFamily="18" charset="0"/>
+                            <a:ea typeface="Cambria Math" panose="02040503050406030204" pitchFamily="18" charset="0"/>
+                          </a:rPr>
+                          <m:t>)</m:t>
+                        </m:r>
+                      </m:sup>
+                    </m:sSup>
+                    <m:r>
+                      <a:rPr lang="en-US" b="0" i="1" smtClean="0">
+                        <a:latin typeface="Cambria Math" panose="02040503050406030204" pitchFamily="18" charset="0"/>
+                        <a:ea typeface="Cambria Math" panose="02040503050406030204" pitchFamily="18" charset="0"/>
+                      </a:rPr>
+                      <m:t>=</m:t>
+                    </m:r>
+                    <m:d>
+                      <m:dPr>
+                        <m:begChr m:val="["/>
+                        <m:endChr m:val="]"/>
+                        <m:ctrlPr>
+                          <a:rPr lang="en-US" b="0" i="1" smtClean="0">
+                            <a:latin typeface="Cambria Math" panose="02040503050406030204" pitchFamily="18" charset="0"/>
+                            <a:ea typeface="Cambria Math" panose="02040503050406030204" pitchFamily="18" charset="0"/>
+                          </a:rPr>
+                        </m:ctrlPr>
+                      </m:dPr>
+                      <m:e>
+                        <m:r>
+                          <a:rPr lang="en-US" b="1" i="1" smtClean="0">
+                            <a:latin typeface="Cambria Math" panose="02040503050406030204" pitchFamily="18" charset="0"/>
+                            <a:ea typeface="Cambria Math" panose="02040503050406030204" pitchFamily="18" charset="0"/>
+                          </a:rPr>
+                          <m:t>𝒉</m:t>
+                        </m:r>
+                        <m:r>
+                          <a:rPr lang="en-US" b="0" i="1" baseline="-25000" smtClean="0">
+                            <a:latin typeface="Cambria Math" panose="02040503050406030204" pitchFamily="18" charset="0"/>
+                            <a:ea typeface="Cambria Math" panose="02040503050406030204" pitchFamily="18" charset="0"/>
+                          </a:rPr>
+                          <m:t>1</m:t>
+                        </m:r>
+                        <m:r>
+                          <a:rPr lang="en-US" b="0" i="1" smtClean="0">
+                            <a:latin typeface="Cambria Math" panose="02040503050406030204" pitchFamily="18" charset="0"/>
+                            <a:ea typeface="Cambria Math" panose="02040503050406030204" pitchFamily="18" charset="0"/>
+                          </a:rPr>
+                          <m:t>  .. </m:t>
+                        </m:r>
+                        <m:r>
+                          <a:rPr lang="en-US" b="1" i="1" smtClean="0">
+                            <a:latin typeface="Cambria Math" panose="02040503050406030204" pitchFamily="18" charset="0"/>
+                            <a:ea typeface="Cambria Math" panose="02040503050406030204" pitchFamily="18" charset="0"/>
+                          </a:rPr>
+                          <m:t>.  </m:t>
+                        </m:r>
+                        <m:r>
+                          <a:rPr lang="en-US" b="1" i="1" smtClean="0">
+                            <a:latin typeface="Cambria Math" panose="02040503050406030204" pitchFamily="18" charset="0"/>
+                            <a:ea typeface="Cambria Math" panose="02040503050406030204" pitchFamily="18" charset="0"/>
+                          </a:rPr>
+                          <m:t>𝒉</m:t>
+                        </m:r>
+                        <m:r>
+                          <a:rPr lang="en-US" b="0" i="1" baseline="-25000" smtClean="0">
+                            <a:latin typeface="Cambria Math" panose="02040503050406030204" pitchFamily="18" charset="0"/>
+                            <a:ea typeface="Cambria Math" panose="02040503050406030204" pitchFamily="18" charset="0"/>
+                          </a:rPr>
+                          <m:t>𝑁𝑡</m:t>
+                        </m:r>
+                        <m:r>
+                          <a:rPr lang="en-US" b="0" i="1" baseline="-25000" smtClean="0">
+                            <a:latin typeface="Cambria Math" panose="02040503050406030204" pitchFamily="18" charset="0"/>
+                            <a:ea typeface="Cambria Math" panose="02040503050406030204" pitchFamily="18" charset="0"/>
+                          </a:rPr>
+                          <m:t>−1</m:t>
+                        </m:r>
+                      </m:e>
+                    </m:d>
+                    <m:r>
+                      <a:rPr lang="en-US" b="0" i="1" smtClean="0">
+                        <a:latin typeface="Cambria Math" panose="02040503050406030204" pitchFamily="18" charset="0"/>
+                        <a:ea typeface="Cambria Math" panose="02040503050406030204" pitchFamily="18" charset="0"/>
+                      </a:rPr>
+                      <m:t>,</m:t>
+                    </m:r>
+                    <m:r>
+                      <a:rPr lang="en-US" b="1" i="1" smtClean="0">
+                        <a:latin typeface="Cambria Math" panose="02040503050406030204" pitchFamily="18" charset="0"/>
+                        <a:ea typeface="Cambria Math" panose="02040503050406030204" pitchFamily="18" charset="0"/>
+                      </a:rPr>
+                      <m:t>𝒙</m:t>
+                    </m:r>
+                    <m:r>
+                      <a:rPr lang="en-US" b="0" i="1" smtClean="0">
+                        <a:latin typeface="Cambria Math" panose="02040503050406030204" pitchFamily="18" charset="0"/>
+                        <a:ea typeface="Cambria Math" panose="02040503050406030204" pitchFamily="18" charset="0"/>
+                      </a:rPr>
+                      <m:t>→</m:t>
+                    </m:r>
+                    <m:r>
+                      <a:rPr lang="en-US" b="1" i="1" smtClean="0">
+                        <a:latin typeface="Cambria Math" panose="02040503050406030204" pitchFamily="18" charset="0"/>
+                        <a:ea typeface="Cambria Math" panose="02040503050406030204" pitchFamily="18" charset="0"/>
+                      </a:rPr>
+                      <m:t>𝒙</m:t>
+                    </m:r>
+                    <m:r>
+                      <a:rPr lang="en-US" b="1" i="1" smtClean="0">
+                        <a:latin typeface="Cambria Math" panose="02040503050406030204" pitchFamily="18" charset="0"/>
+                        <a:ea typeface="Cambria Math" panose="02040503050406030204" pitchFamily="18" charset="0"/>
+                      </a:rPr>
+                      <m:t>−</m:t>
+                    </m:r>
+                    <m:r>
+                      <a:rPr lang="en-US" b="1" i="1" smtClean="0">
+                        <a:latin typeface="Cambria Math" panose="02040503050406030204" pitchFamily="18" charset="0"/>
+                        <a:ea typeface="Cambria Math" panose="02040503050406030204" pitchFamily="18" charset="0"/>
+                      </a:rPr>
+                      <m:t>𝒉𝑵𝒕</m:t>
+                    </m:r>
+                    <m:acc>
+                      <m:accPr>
+                        <m:chr m:val="̂"/>
+                        <m:ctrlPr>
+                          <a:rPr lang="en-US" b="1" i="1">
+                            <a:latin typeface="Cambria Math" panose="02040503050406030204" pitchFamily="18" charset="0"/>
+                          </a:rPr>
+                        </m:ctrlPr>
+                      </m:accPr>
+                      <m:e>
+                        <m:r>
+                          <a:rPr lang="en-US" b="1" i="1" smtClean="0">
+                            <a:latin typeface="Cambria Math" panose="02040503050406030204" pitchFamily="18" charset="0"/>
+                          </a:rPr>
+                          <m:t> </m:t>
+                        </m:r>
+                        <m:r>
+                          <a:rPr lang="en-US" b="1" i="1">
+                            <a:latin typeface="Cambria Math" panose="02040503050406030204" pitchFamily="18" charset="0"/>
+                          </a:rPr>
+                          <m:t>𝒔</m:t>
+                        </m:r>
+                      </m:e>
+                    </m:acc>
+                    <m:r>
+                      <m:rPr>
+                        <m:nor/>
+                      </m:rPr>
+                      <a:rPr lang="en-US" b="1" baseline="-25000" dirty="0" err="1"/>
+                      <m:t>Nt</m:t>
+                    </m:r>
+                    <m:r>
+                      <a:rPr lang="en-US" b="0" i="1" baseline="-25000" dirty="0" smtClean="0">
+                        <a:latin typeface="Cambria Math" panose="02040503050406030204" pitchFamily="18" charset="0"/>
+                      </a:rPr>
+                      <m:t>   </m:t>
+                    </m:r>
+                    <m:r>
+                      <a:rPr lang="en-US" b="0" i="1" smtClean="0">
+                        <a:latin typeface="Cambria Math" panose="02040503050406030204" pitchFamily="18" charset="0"/>
+                        <a:ea typeface="Cambria Math" panose="02040503050406030204" pitchFamily="18" charset="0"/>
+                      </a:rPr>
+                      <m:t>𝑎𝑛𝑑</m:t>
+                    </m:r>
+                    <m:r>
+                      <a:rPr lang="en-US" b="0" i="1" smtClean="0">
+                        <a:latin typeface="Cambria Math" panose="02040503050406030204" pitchFamily="18" charset="0"/>
+                        <a:ea typeface="Cambria Math" panose="02040503050406030204" pitchFamily="18" charset="0"/>
+                      </a:rPr>
+                      <m:t> </m:t>
+                    </m:r>
+                    <m:r>
+                      <a:rPr lang="en-US" b="0" i="1" smtClean="0">
+                        <a:latin typeface="Cambria Math" panose="02040503050406030204" pitchFamily="18" charset="0"/>
+                        <a:ea typeface="Cambria Math" panose="02040503050406030204" pitchFamily="18" charset="0"/>
+                      </a:rPr>
+                      <m:t>𝑁𝑡</m:t>
+                    </m:r>
+                    <m:r>
+                      <a:rPr lang="en-US" b="0" i="1" smtClean="0">
+                        <a:latin typeface="Cambria Math" panose="02040503050406030204" pitchFamily="18" charset="0"/>
+                        <a:ea typeface="Cambria Math" panose="02040503050406030204" pitchFamily="18" charset="0"/>
+                      </a:rPr>
+                      <m:t> →</m:t>
+                    </m:r>
+                    <m:r>
+                      <a:rPr lang="en-US" b="0" i="1" smtClean="0">
+                        <a:latin typeface="Cambria Math" panose="02040503050406030204" pitchFamily="18" charset="0"/>
+                        <a:ea typeface="Cambria Math" panose="02040503050406030204" pitchFamily="18" charset="0"/>
+                      </a:rPr>
+                      <m:t>𝑁𝑡</m:t>
+                    </m:r>
+                    <m:r>
+                      <a:rPr lang="en-US" b="0" i="1" smtClean="0">
+                        <a:latin typeface="Cambria Math" panose="02040503050406030204" pitchFamily="18" charset="0"/>
+                        <a:ea typeface="Cambria Math" panose="02040503050406030204" pitchFamily="18" charset="0"/>
+                      </a:rPr>
+                      <m:t>−1</m:t>
+                    </m:r>
+                  </m:oMath>
+                </a14:m>
+                <a:endParaRPr lang="en-US" dirty="0"/>
+              </a:p>
+            </p:txBody>
+          </p:sp>
+        </mc:Choice>
+        <mc:Fallback>
+          <p:sp>
+            <p:nvSpPr>
+              <p:cNvPr id="3" name="Content Placeholder 2">
+                <a:extLst>
+                  <a:ext uri="{FF2B5EF4-FFF2-40B4-BE49-F238E27FC236}">
+                    <a16:creationId xmlns:a16="http://schemas.microsoft.com/office/drawing/2014/main" id="{E9D09982-9F20-AE7F-D9D0-E72963F9CC21}"/>
+                  </a:ext>
+                </a:extLst>
+              </p:cNvPr>
+              <p:cNvSpPr>
+                <a:spLocks noGrp="1" noRot="1" noChangeAspect="1" noMove="1" noResize="1" noEditPoints="1" noAdjustHandles="1" noChangeArrowheads="1" noChangeShapeType="1" noTextEdit="1"/>
+              </p:cNvSpPr>
+              <p:nvPr>
+                <p:ph idx="1"/>
+              </p:nvPr>
+            </p:nvSpPr>
+            <p:spPr>
+              <a:blipFill>
+                <a:blip r:embed="rId2"/>
+                <a:stretch>
+                  <a:fillRect l="-522" t="-1348" r="-2377"/>
+                </a:stretch>
+              </a:blipFill>
+            </p:spPr>
+            <p:txBody>
+              <a:bodyPr/>
+              <a:lstStyle/>
+              <a:p>
+                <a:r>
+                  <a:rPr lang="en-US">
+                    <a:noFill/>
+                  </a:rPr>
+                  <a:t> </a:t>
+                </a:r>
+              </a:p>
+            </p:txBody>
+          </p:sp>
+        </mc:Fallback>
+      </mc:AlternateContent>
+      <p:sp>
+        <p:nvSpPr>
+          <p:cNvPr id="4" name="Slide Number Placeholder 3">
+            <a:extLst>
+              <a:ext uri="{FF2B5EF4-FFF2-40B4-BE49-F238E27FC236}">
+                <a16:creationId xmlns:a16="http://schemas.microsoft.com/office/drawing/2014/main" id="{753C1017-01F2-5169-E51D-75E86E0CD9D5}"/>
+              </a:ext>
+            </a:extLst>
+          </p:cNvPr>
+          <p:cNvSpPr>
+            <a:spLocks noGrp="1"/>
+          </p:cNvSpPr>
+          <p:nvPr>
+            <p:ph type="sldNum" sz="quarter" idx="12"/>
+          </p:nvPr>
+        </p:nvSpPr>
+        <p:spPr/>
+        <p:txBody>
+          <a:bodyPr/>
+          <a:lstStyle/>
+          <a:p>
+            <a:fld id="{A439D109-9F59-4B0B-8E20-D6D3A384B1F1}" type="slidenum">
+              <a:rPr lang="ko-KR" altLang="en-US" smtClean="0"/>
+              <a:t>39</a:t>
+            </a:fld>
+            <a:endParaRPr lang="ko-KR" altLang="en-US"/>
+          </a:p>
+        </p:txBody>
+      </p:sp>
+    </p:spTree>
+    <p:extLst>
+      <p:ext uri="{BB962C8B-B14F-4D97-AF65-F5344CB8AC3E}">
+        <p14:creationId xmlns:p14="http://schemas.microsoft.com/office/powerpoint/2010/main" val="744984675"/>
       </p:ext>
     </p:extLst>
   </p:cSld>
@@ -30892,6 +36139,127 @@
     <p:extLst>
       <p:ext uri="{BB962C8B-B14F-4D97-AF65-F5344CB8AC3E}">
         <p14:creationId xmlns:p14="http://schemas.microsoft.com/office/powerpoint/2010/main" val="446020920"/>
+      </p:ext>
+    </p:extLst>
+  </p:cSld>
+  <p:clrMapOvr>
+    <a:masterClrMapping/>
+  </p:clrMapOvr>
+</p:sld>
+</file>
+
+<file path=ppt/slides/slide40.xml><?xml version="1.0" encoding="utf-8"?>
+<p:sld xmlns:a="http://schemas.openxmlformats.org/drawingml/2006/main" xmlns:r="http://schemas.openxmlformats.org/officeDocument/2006/relationships" xmlns:p="http://schemas.openxmlformats.org/presentationml/2006/main">
+  <p:cSld>
+    <p:spTree>
+      <p:nvGrpSpPr>
+        <p:cNvPr id="1" name=""/>
+        <p:cNvGrpSpPr/>
+        <p:nvPr/>
+      </p:nvGrpSpPr>
+      <p:grpSpPr>
+        <a:xfrm>
+          <a:off x="0" y="0"/>
+          <a:ext cx="0" cy="0"/>
+          <a:chOff x="0" y="0"/>
+          <a:chExt cx="0" cy="0"/>
+        </a:xfrm>
+      </p:grpSpPr>
+      <p:sp>
+        <p:nvSpPr>
+          <p:cNvPr id="2" name="Slide Number Placeholder 1">
+            <a:extLst>
+              <a:ext uri="{FF2B5EF4-FFF2-40B4-BE49-F238E27FC236}">
+                <a16:creationId xmlns:a16="http://schemas.microsoft.com/office/drawing/2014/main" id="{1E8DBDDC-461B-4CBA-92C5-B19A06DCDE1B}"/>
+              </a:ext>
+            </a:extLst>
+          </p:cNvPr>
+          <p:cNvSpPr>
+            <a:spLocks noGrp="1"/>
+          </p:cNvSpPr>
+          <p:nvPr>
+            <p:ph type="sldNum" sz="quarter" idx="12"/>
+          </p:nvPr>
+        </p:nvSpPr>
+        <p:spPr/>
+        <p:txBody>
+          <a:bodyPr/>
+          <a:lstStyle/>
+          <a:p>
+            <a:fld id="{A439D109-9F59-4B0B-8E20-D6D3A384B1F1}" type="slidenum">
+              <a:rPr lang="ko-KR" altLang="en-US" smtClean="0"/>
+              <a:t>40</a:t>
+            </a:fld>
+            <a:endParaRPr lang="ko-KR" altLang="en-US"/>
+          </a:p>
+        </p:txBody>
+      </p:sp>
+      <p:sp>
+        <p:nvSpPr>
+          <p:cNvPr id="3" name="TextBox 2">
+            <a:extLst>
+              <a:ext uri="{FF2B5EF4-FFF2-40B4-BE49-F238E27FC236}">
+                <a16:creationId xmlns:a16="http://schemas.microsoft.com/office/drawing/2014/main" id="{32CBCF92-C2DB-403D-BA0D-6E5B8199F341}"/>
+              </a:ext>
+            </a:extLst>
+          </p:cNvPr>
+          <p:cNvSpPr txBox="1"/>
+          <p:nvPr/>
+        </p:nvSpPr>
+        <p:spPr>
+          <a:xfrm>
+            <a:off x="3738096" y="2548403"/>
+            <a:ext cx="5140172" cy="954107"/>
+          </a:xfrm>
+          <a:prstGeom prst="rect">
+            <a:avLst/>
+          </a:prstGeom>
+          <a:noFill/>
+        </p:spPr>
+        <p:txBody>
+          <a:bodyPr wrap="square" rtlCol="0">
+            <a:spAutoFit/>
+          </a:bodyPr>
+          <a:lstStyle/>
+          <a:p>
+            <a:r>
+              <a:rPr lang="en-US" dirty="0">
+                <a:solidFill>
+                  <a:srgbClr val="00B0F0"/>
+                </a:solidFill>
+                <a:latin typeface="Arial" panose="020B0604020202020204" pitchFamily="34" charset="0"/>
+                <a:cs typeface="Arial" panose="020B0604020202020204" pitchFamily="34" charset="0"/>
+              </a:rPr>
+              <a:t> </a:t>
+            </a:r>
+            <a:r>
+              <a:rPr lang="en-US" sz="2800" b="1" dirty="0">
+                <a:latin typeface="Arial" panose="020B0604020202020204" pitchFamily="34" charset="0"/>
+                <a:cs typeface="Arial" panose="020B0604020202020204" pitchFamily="34" charset="0"/>
+              </a:rPr>
+              <a:t>Thank Your Listening.</a:t>
+            </a:r>
+            <a:br>
+              <a:rPr lang="en-US" sz="2800" b="1" dirty="0">
+                <a:latin typeface="Arial" panose="020B0604020202020204" pitchFamily="34" charset="0"/>
+                <a:cs typeface="Arial" panose="020B0604020202020204" pitchFamily="34" charset="0"/>
+              </a:rPr>
+            </a:br>
+            <a:r>
+              <a:rPr lang="en-US" sz="2800" b="1" dirty="0">
+                <a:latin typeface="Arial" panose="020B0604020202020204" pitchFamily="34" charset="0"/>
+                <a:cs typeface="Arial" panose="020B0604020202020204" pitchFamily="34" charset="0"/>
+              </a:rPr>
+              <a:t>  Any Questions?</a:t>
+            </a:r>
+            <a:endParaRPr lang="en-US" sz="2800" b="1" dirty="0"/>
+          </a:p>
+        </p:txBody>
+      </p:sp>
+    </p:spTree>
+    <p:extLst>
+      <p:ext uri="{BB962C8B-B14F-4D97-AF65-F5344CB8AC3E}">
+        <p14:creationId xmlns:p14="http://schemas.microsoft.com/office/powerpoint/2010/main" val="75383750"/>
       </p:ext>
     </p:extLst>
   </p:cSld>
